--- a/rtfbsdb-tutorial.pptx
+++ b/rtfbsdb-tutorial.pptx
@@ -247,7 +247,7 @@
             <a:fld id="{68796EA6-6F25-4F19-87BA-7ADCC16DAEFF}" type="datetimeFigureOut">
               <a:rPr lang="en-US" smtClean="0"/>
               <a:pPr/>
-              <a:t>10/7/15</a:t>
+              <a:t>12/8/2015</a:t>
             </a:fld>
             <a:endParaRPr lang="en-US" dirty="0"/>
           </a:p>
@@ -414,7 +414,7 @@
             <a:fld id="{C39C172E-A8B5-46F6-B05C-DFA3E2E0F207}" type="datetimeFigureOut">
               <a:rPr lang="en-US" smtClean="0"/>
               <a:pPr/>
-              <a:t>10/7/15</a:t>
+              <a:t>12/8/2015</a:t>
             </a:fld>
             <a:endParaRPr lang="en-US" dirty="0"/>
           </a:p>
@@ -2112,7 +2112,7 @@
             <a:fld id="{4E708F12-96AD-4ED4-8132-A78F5E42C1F5}" type="datetime1">
               <a:rPr lang="en-US" smtClean="0"/>
               <a:pPr/>
-              <a:t>10/7/15</a:t>
+              <a:t>12/8/2015</a:t>
             </a:fld>
             <a:endParaRPr lang="en-US" dirty="0"/>
           </a:p>
@@ -2336,7 +2336,7 @@
             <a:fld id="{7B7FA170-8299-44AD-AEEF-FC686C3D7804}" type="datetime1">
               <a:rPr lang="en-US" smtClean="0"/>
               <a:pPr/>
-              <a:t>10/7/15</a:t>
+              <a:t>12/8/2015</a:t>
             </a:fld>
             <a:endParaRPr lang="en-US" dirty="0"/>
           </a:p>
@@ -2520,7 +2520,7 @@
             <a:fld id="{2231763A-68EC-4ECD-9620-D9FE9CDDD622}" type="datetime1">
               <a:rPr lang="en-US" smtClean="0"/>
               <a:pPr/>
-              <a:t>10/7/15</a:t>
+              <a:t>12/8/2015</a:t>
             </a:fld>
             <a:endParaRPr lang="en-US" dirty="0"/>
           </a:p>
@@ -2714,7 +2714,7 @@
             <a:fld id="{7B98BEDD-6160-49BB-B372-861DE7DE9BA5}" type="datetime1">
               <a:rPr lang="en-US" smtClean="0"/>
               <a:pPr/>
-              <a:t>10/7/15</a:t>
+              <a:t>12/8/2015</a:t>
             </a:fld>
             <a:endParaRPr lang="en-US" dirty="0"/>
           </a:p>
@@ -2898,7 +2898,7 @@
             <a:fld id="{0AAE819F-B7FD-4B29-8F66-9E318144BC2A}" type="datetime1">
               <a:rPr lang="en-US" smtClean="0"/>
               <a:pPr/>
-              <a:t>10/7/15</a:t>
+              <a:t>12/8/2015</a:t>
             </a:fld>
             <a:endParaRPr lang="en-US" dirty="0"/>
           </a:p>
@@ -3132,7 +3132,7 @@
             <a:fld id="{D4CA159C-B6E0-4F10-9F4A-2FA57003B139}" type="datetime1">
               <a:rPr lang="en-US" smtClean="0"/>
               <a:pPr/>
-              <a:t>10/7/15</a:t>
+              <a:t>12/8/2015</a:t>
             </a:fld>
             <a:endParaRPr lang="en-US" dirty="0"/>
           </a:p>
@@ -3426,7 +3426,7 @@
             <a:fld id="{8170CBBB-D1D1-4386-A5E9-07F3477B78F3}" type="datetime1">
               <a:rPr lang="en-US" smtClean="0"/>
               <a:pPr/>
-              <a:t>10/7/15</a:t>
+              <a:t>12/8/2015</a:t>
             </a:fld>
             <a:endParaRPr lang="en-US" dirty="0"/>
           </a:p>
@@ -3856,7 +3856,7 @@
             <a:fld id="{9FA4CAD8-0EA7-4615-B69B-B2F199EF3A93}" type="datetime1">
               <a:rPr lang="en-US" smtClean="0"/>
               <a:pPr/>
-              <a:t>10/7/15</a:t>
+              <a:t>12/8/2015</a:t>
             </a:fld>
             <a:endParaRPr lang="en-US" dirty="0"/>
           </a:p>
@@ -4011,7 +4011,7 @@
             <a:fld id="{B9234BD7-6953-492C-921B-E68B2D7F14C8}" type="datetime1">
               <a:rPr lang="en-US" smtClean="0"/>
               <a:pPr/>
-              <a:t>10/7/15</a:t>
+              <a:t>12/8/2015</a:t>
             </a:fld>
             <a:endParaRPr lang="en-US" dirty="0"/>
           </a:p>
@@ -4120,7 +4120,7 @@
             <a:fld id="{35A17D9B-D4D3-4E23-88DF-2E354FA43196}" type="datetime1">
               <a:rPr lang="en-US" smtClean="0"/>
               <a:pPr/>
-              <a:t>10/7/15</a:t>
+              <a:t>12/8/2015</a:t>
             </a:fld>
             <a:endParaRPr lang="en-US" dirty="0"/>
           </a:p>
@@ -4384,7 +4384,7 @@
             <a:fld id="{541F67C5-D04E-4576-B61C-12ABA14BBD6C}" type="datetime1">
               <a:rPr lang="en-US" smtClean="0"/>
               <a:pPr/>
-              <a:t>10/7/15</a:t>
+              <a:t>12/8/2015</a:t>
             </a:fld>
             <a:endParaRPr lang="en-US" dirty="0"/>
           </a:p>
@@ -5286,7 +5286,7 @@
             <a:fld id="{C20F09E4-6EA4-4BF3-9FC8-FF40373B88E6}" type="datetime1">
               <a:rPr lang="en-US" smtClean="0"/>
               <a:pPr/>
-              <a:t>10/7/15</a:t>
+              <a:t>12/8/2015</a:t>
             </a:fld>
             <a:endParaRPr lang="en-US" dirty="0"/>
           </a:p>
@@ -5830,7 +5830,9 @@
         </p:nvSpPr>
         <p:spPr/>
         <p:txBody>
-          <a:bodyPr/>
+          <a:bodyPr>
+            <a:normAutofit fontScale="92500" lnSpcReduction="10000"/>
+          </a:bodyPr>
           <a:lstStyle/>
           <a:p>
             <a:r>
@@ -5854,12 +5856,31 @@
             </a:r>
             <a:r>
               <a:rPr lang="en-US" sz="2000" dirty="0"/>
-              <a:t> Lab(http://www.dankolab.org</a:t>
+              <a:t> Lab(</a:t>
+            </a:r>
+            <a:r>
+              <a:rPr lang="en-US" sz="2000" dirty="0">
+                <a:hlinkClick r:id="rId3"/>
+              </a:rPr>
+              <a:t>http://www.dankolab.org</a:t>
+            </a:r>
+            <a:r>
+              <a:rPr lang="en-US" sz="2000" dirty="0" smtClean="0">
+                <a:hlinkClick r:id="rId3"/>
+              </a:rPr>
+              <a:t>/</a:t>
             </a:r>
             <a:r>
               <a:rPr lang="en-US" sz="2000" dirty="0" smtClean="0"/>
-              <a:t>/)</a:t>
-            </a:r>
+              <a:t>)</a:t>
+            </a:r>
+          </a:p>
+          <a:p>
+            <a:r>
+              <a:rPr lang="en-US" sz="2000" dirty="0" smtClean="0"/>
+              <a:t>12/8/2015</a:t>
+            </a:r>
+            <a:endParaRPr lang="en-US" sz="2000" dirty="0" smtClean="0"/>
           </a:p>
           <a:p>
             <a:endParaRPr lang="en-US" dirty="0"/>
@@ -6035,7 +6056,15 @@
             </a:r>
             <a:r>
               <a:rPr lang="en-US" dirty="0" smtClean="0"/>
-              <a:t> is also employed to clustering the similarity measures used in the </a:t>
+              <a:t> is also employed to </a:t>
+            </a:r>
+            <a:r>
+              <a:rPr lang="en-US" dirty="0" smtClean="0"/>
+              <a:t>cluster </a:t>
+            </a:r>
+            <a:r>
+              <a:rPr lang="en-US" dirty="0" smtClean="0"/>
+              <a:t>the similarity measures used in the </a:t>
             </a:r>
             <a:r>
               <a:rPr lang="en-US" i="1" dirty="0" err="1" smtClean="0"/>
@@ -6114,7 +6143,17 @@
                 <a:latin typeface="Times New Roman" panose="02020603050405020304" pitchFamily="18" charset="0"/>
                 <a:cs typeface="Times New Roman" panose="02020603050405020304" pitchFamily="18" charset="0"/>
               </a:rPr>
-              <a:t>clu1 </a:t>
+              <a:t>tfs1&lt;- </a:t>
+            </a:r>
+            <a:r>
+              <a:rPr lang="en-US" sz="1600" dirty="0" err="1">
+                <a:solidFill>
+                  <a:schemeClr val="tx1"/>
+                </a:solidFill>
+                <a:latin typeface="Times New Roman" panose="02020603050405020304" pitchFamily="18" charset="0"/>
+                <a:cs typeface="Times New Roman" panose="02020603050405020304" pitchFamily="18" charset="0"/>
+              </a:rPr>
+              <a:t>tfbs.clusterMotifs</a:t>
             </a:r>
             <a:r>
               <a:rPr lang="en-US" sz="1600" dirty="0">
@@ -6124,7 +6163,7 @@
                 <a:latin typeface="Times New Roman" panose="02020603050405020304" pitchFamily="18" charset="0"/>
                 <a:cs typeface="Times New Roman" panose="02020603050405020304" pitchFamily="18" charset="0"/>
               </a:rPr>
-              <a:t>&lt;- </a:t>
+              <a:t>(</a:t>
             </a:r>
             <a:r>
               <a:rPr lang="en-US" sz="1600" dirty="0" err="1">
@@ -6134,7 +6173,7 @@
                 <a:latin typeface="Times New Roman" panose="02020603050405020304" pitchFamily="18" charset="0"/>
                 <a:cs typeface="Times New Roman" panose="02020603050405020304" pitchFamily="18" charset="0"/>
               </a:rPr>
-              <a:t>tfbs.clusterMotifs</a:t>
+              <a:t>tfs</a:t>
             </a:r>
             <a:r>
               <a:rPr lang="en-US" sz="1600" dirty="0">
@@ -6144,7 +6183,7 @@
                 <a:latin typeface="Times New Roman" panose="02020603050405020304" pitchFamily="18" charset="0"/>
                 <a:cs typeface="Times New Roman" panose="02020603050405020304" pitchFamily="18" charset="0"/>
               </a:rPr>
-              <a:t>(</a:t>
+              <a:t>, method="</a:t>
             </a:r>
             <a:r>
               <a:rPr lang="en-US" sz="1600" dirty="0" err="1">
@@ -6154,7 +6193,7 @@
                 <a:latin typeface="Times New Roman" panose="02020603050405020304" pitchFamily="18" charset="0"/>
                 <a:cs typeface="Times New Roman" panose="02020603050405020304" pitchFamily="18" charset="0"/>
               </a:rPr>
-              <a:t>tfs</a:t>
+              <a:t>agnes</a:t>
             </a:r>
             <a:r>
               <a:rPr lang="en-US" sz="1600" dirty="0">
@@ -6164,26 +6203,6 @@
                 <a:latin typeface="Times New Roman" panose="02020603050405020304" pitchFamily="18" charset="0"/>
                 <a:cs typeface="Times New Roman" panose="02020603050405020304" pitchFamily="18" charset="0"/>
               </a:rPr>
-              <a:t>, method="</a:t>
-            </a:r>
-            <a:r>
-              <a:rPr lang="en-US" sz="1600" dirty="0" err="1">
-                <a:solidFill>
-                  <a:schemeClr val="tx1"/>
-                </a:solidFill>
-                <a:latin typeface="Times New Roman" panose="02020603050405020304" pitchFamily="18" charset="0"/>
-                <a:cs typeface="Times New Roman" panose="02020603050405020304" pitchFamily="18" charset="0"/>
-              </a:rPr>
-              <a:t>agnes</a:t>
-            </a:r>
-            <a:r>
-              <a:rPr lang="en-US" sz="1600" dirty="0">
-                <a:solidFill>
-                  <a:schemeClr val="tx1"/>
-                </a:solidFill>
-                <a:latin typeface="Times New Roman" panose="02020603050405020304" pitchFamily="18" charset="0"/>
-                <a:cs typeface="Times New Roman" panose="02020603050405020304" pitchFamily="18" charset="0"/>
-              </a:rPr>
               <a:t>", </a:t>
             </a:r>
             <a:r>
@@ -6217,16 +6236,6 @@
               <a:t>pdf.heatmap</a:t>
             </a:r>
             <a:r>
-              <a:rPr lang="en-US" sz="1600" dirty="0">
-                <a:solidFill>
-                  <a:schemeClr val="tx1"/>
-                </a:solidFill>
-                <a:latin typeface="Times New Roman" panose="02020603050405020304" pitchFamily="18" charset="0"/>
-                <a:cs typeface="Times New Roman" panose="02020603050405020304" pitchFamily="18" charset="0"/>
-              </a:rPr>
-              <a:t>="</a:t>
-            </a:r>
-            <a:r>
               <a:rPr lang="en-US" sz="1600" dirty="0" smtClean="0">
                 <a:solidFill>
                   <a:schemeClr val="tx1"/>
@@ -6234,7 +6243,17 @@
                 <a:latin typeface="Times New Roman" panose="02020603050405020304" pitchFamily="18" charset="0"/>
                 <a:cs typeface="Times New Roman" panose="02020603050405020304" pitchFamily="18" charset="0"/>
               </a:rPr>
-              <a:t>heatmap.pdf" )</a:t>
+              <a:t>=“agnes.hm.pdf" </a:t>
+            </a:r>
+            <a:r>
+              <a:rPr lang="en-US" sz="1600" dirty="0" smtClean="0">
+                <a:solidFill>
+                  <a:schemeClr val="tx1"/>
+                </a:solidFill>
+                <a:latin typeface="Times New Roman" panose="02020603050405020304" pitchFamily="18" charset="0"/>
+                <a:cs typeface="Times New Roman" panose="02020603050405020304" pitchFamily="18" charset="0"/>
+              </a:rPr>
+              <a:t>)</a:t>
             </a:r>
             <a:endParaRPr lang="en-US" sz="1600" dirty="0">
               <a:solidFill>
@@ -6268,7 +6287,7 @@
                 <a:latin typeface="Times New Roman" panose="02020603050405020304" pitchFamily="18" charset="0"/>
                 <a:cs typeface="Times New Roman" panose="02020603050405020304" pitchFamily="18" charset="0"/>
               </a:rPr>
-              <a:t>clu2 </a:t>
+              <a:t>tfs2 </a:t>
             </a:r>
             <a:r>
               <a:rPr lang="en-US" sz="1600" dirty="0">
@@ -6361,16 +6380,6 @@
               <a:t>pdf.heatmap</a:t>
             </a:r>
             <a:r>
-              <a:rPr lang="en-US" sz="1600" dirty="0">
-                <a:solidFill>
-                  <a:schemeClr val="tx1"/>
-                </a:solidFill>
-                <a:latin typeface="Times New Roman" panose="02020603050405020304" pitchFamily="18" charset="0"/>
-                <a:cs typeface="Times New Roman" panose="02020603050405020304" pitchFamily="18" charset="0"/>
-              </a:rPr>
-              <a:t>="</a:t>
-            </a:r>
-            <a:r>
               <a:rPr lang="en-US" sz="1600" dirty="0" smtClean="0">
                 <a:solidFill>
                   <a:schemeClr val="tx1"/>
@@ -6378,7 +6387,17 @@
                 <a:latin typeface="Times New Roman" panose="02020603050405020304" pitchFamily="18" charset="0"/>
                 <a:cs typeface="Times New Roman" panose="02020603050405020304" pitchFamily="18" charset="0"/>
               </a:rPr>
-              <a:t>heatmap.pdf" )</a:t>
+              <a:t>=“apcluster.hm.pdf</a:t>
+            </a:r>
+            <a:r>
+              <a:rPr lang="en-US" sz="1600" dirty="0" smtClean="0">
+                <a:solidFill>
+                  <a:schemeClr val="tx1"/>
+                </a:solidFill>
+                <a:latin typeface="Times New Roman" panose="02020603050405020304" pitchFamily="18" charset="0"/>
+                <a:cs typeface="Times New Roman" panose="02020603050405020304" pitchFamily="18" charset="0"/>
+              </a:rPr>
+              <a:t>" )</a:t>
             </a:r>
             <a:endParaRPr lang="en-US" sz="1600" dirty="0">
               <a:solidFill>
@@ -6450,46 +6469,6 @@
               <a:t>( </a:t>
             </a:r>
             <a:r>
-              <a:rPr lang="en-US" sz="1600" dirty="0" err="1" smtClean="0">
-                <a:solidFill>
-                  <a:schemeClr val="tx1"/>
-                </a:solidFill>
-                <a:latin typeface="Times New Roman" panose="02020603050405020304" pitchFamily="18" charset="0"/>
-                <a:cs typeface="Times New Roman" panose="02020603050405020304" pitchFamily="18" charset="0"/>
-              </a:rPr>
-              <a:t>tfs</a:t>
-            </a:r>
-            <a:r>
-              <a:rPr lang="en-US" sz="1600" dirty="0">
-                <a:solidFill>
-                  <a:schemeClr val="tx1"/>
-                </a:solidFill>
-                <a:latin typeface="Times New Roman" panose="02020603050405020304" pitchFamily="18" charset="0"/>
-                <a:cs typeface="Times New Roman" panose="02020603050405020304" pitchFamily="18" charset="0"/>
-              </a:rPr>
-              <a:t>, </a:t>
-            </a:r>
-            <a:r>
-              <a:rPr lang="en-US" sz="1600" dirty="0" err="1">
-                <a:solidFill>
-                  <a:schemeClr val="tx1"/>
-                </a:solidFill>
-                <a:latin typeface="Times New Roman" panose="02020603050405020304" pitchFamily="18" charset="0"/>
-                <a:cs typeface="Times New Roman" panose="02020603050405020304" pitchFamily="18" charset="0"/>
-              </a:rPr>
-              <a:t>clu</a:t>
-            </a:r>
-            <a:r>
-              <a:rPr lang="en-US" sz="1600" dirty="0">
-                <a:solidFill>
-                  <a:schemeClr val="tx1"/>
-                </a:solidFill>
-                <a:latin typeface="Times New Roman" panose="02020603050405020304" pitchFamily="18" charset="0"/>
-                <a:cs typeface="Times New Roman" panose="02020603050405020304" pitchFamily="18" charset="0"/>
-              </a:rPr>
-              <a:t>, "</a:t>
-            </a:r>
-            <a:r>
               <a:rPr lang="en-US" sz="1600" dirty="0" smtClean="0">
                 <a:solidFill>
                   <a:schemeClr val="tx1"/>
@@ -6497,7 +6476,17 @@
                 <a:latin typeface="Times New Roman" panose="02020603050405020304" pitchFamily="18" charset="0"/>
                 <a:cs typeface="Times New Roman" panose="02020603050405020304" pitchFamily="18" charset="0"/>
               </a:rPr>
-              <a:t>clustering.logos.pdf" );</a:t>
+              <a:t>tfs1, file.pdf=“agnes.logos.pdf" </a:t>
+            </a:r>
+            <a:r>
+              <a:rPr lang="en-US" sz="1600" dirty="0" smtClean="0">
+                <a:solidFill>
+                  <a:schemeClr val="tx1"/>
+                </a:solidFill>
+                <a:latin typeface="Times New Roman" panose="02020603050405020304" pitchFamily="18" charset="0"/>
+                <a:cs typeface="Times New Roman" panose="02020603050405020304" pitchFamily="18" charset="0"/>
+              </a:rPr>
+              <a:t>);</a:t>
             </a:r>
             <a:endParaRPr lang="en-US" sz="1600" dirty="0">
               <a:solidFill>
@@ -6506,6 +6495,77 @@
               <a:latin typeface="Times New Roman" panose="02020603050405020304" pitchFamily="18" charset="0"/>
               <a:cs typeface="Times New Roman" panose="02020603050405020304" pitchFamily="18" charset="0"/>
             </a:endParaRPr>
+          </a:p>
+          <a:p>
+            <a:pPr marL="109728" indent="0">
+              <a:buNone/>
+            </a:pPr>
+            <a:r>
+              <a:rPr lang="en-US" sz="1600" dirty="0" err="1" smtClean="0">
+                <a:solidFill>
+                  <a:schemeClr val="tx1"/>
+                </a:solidFill>
+                <a:latin typeface="Times New Roman" panose="02020603050405020304" pitchFamily="18" charset="0"/>
+                <a:cs typeface="Times New Roman" panose="02020603050405020304" pitchFamily="18" charset="0"/>
+              </a:rPr>
+              <a:t>tfbs.drawLogosForClusters</a:t>
+            </a:r>
+            <a:r>
+              <a:rPr lang="en-US" sz="1600" dirty="0">
+                <a:solidFill>
+                  <a:schemeClr val="tx1"/>
+                </a:solidFill>
+                <a:latin typeface="Times New Roman" panose="02020603050405020304" pitchFamily="18" charset="0"/>
+                <a:cs typeface="Times New Roman" panose="02020603050405020304" pitchFamily="18" charset="0"/>
+              </a:rPr>
+              <a:t>( </a:t>
+            </a:r>
+            <a:r>
+              <a:rPr lang="en-US" sz="1600" dirty="0" smtClean="0">
+                <a:solidFill>
+                  <a:schemeClr val="tx1"/>
+                </a:solidFill>
+                <a:latin typeface="Times New Roman" panose="02020603050405020304" pitchFamily="18" charset="0"/>
+                <a:cs typeface="Times New Roman" panose="02020603050405020304" pitchFamily="18" charset="0"/>
+              </a:rPr>
+              <a:t>tfs2, </a:t>
+            </a:r>
+            <a:r>
+              <a:rPr lang="en-US" sz="1600" dirty="0">
+                <a:solidFill>
+                  <a:schemeClr val="tx1"/>
+                </a:solidFill>
+                <a:latin typeface="Times New Roman" panose="02020603050405020304" pitchFamily="18" charset="0"/>
+                <a:cs typeface="Times New Roman" panose="02020603050405020304" pitchFamily="18" charset="0"/>
+              </a:rPr>
+              <a:t>file.pdf</a:t>
+            </a:r>
+            <a:r>
+              <a:rPr lang="en-US" sz="1600" dirty="0" smtClean="0">
+                <a:solidFill>
+                  <a:schemeClr val="tx1"/>
+                </a:solidFill>
+                <a:latin typeface="Times New Roman" panose="02020603050405020304" pitchFamily="18" charset="0"/>
+                <a:cs typeface="Times New Roman" panose="02020603050405020304" pitchFamily="18" charset="0"/>
+              </a:rPr>
+              <a:t>=“apcluster.logos.pdf</a:t>
+            </a:r>
+            <a:r>
+              <a:rPr lang="en-US" sz="1600" dirty="0">
+                <a:solidFill>
+                  <a:schemeClr val="tx1"/>
+                </a:solidFill>
+                <a:latin typeface="Times New Roman" panose="02020603050405020304" pitchFamily="18" charset="0"/>
+                <a:cs typeface="Times New Roman" panose="02020603050405020304" pitchFamily="18" charset="0"/>
+              </a:rPr>
+              <a:t>" );</a:t>
+            </a:r>
+          </a:p>
+          <a:p>
+            <a:pPr marL="109728" indent="0">
+              <a:buNone/>
+            </a:pPr>
+            <a:endParaRPr lang="en-US" sz="2000" dirty="0" smtClean="0"/>
           </a:p>
           <a:p>
             <a:endParaRPr lang="en-US" sz="2000" dirty="0" smtClean="0"/>
@@ -7054,11 +7114,7 @@
           <a:p>
             <a:r>
               <a:rPr lang="en-US" dirty="0" smtClean="0"/>
-              <a:t>To get a heat-map for </a:t>
-            </a:r>
-            <a:r>
-              <a:rPr lang="en-US" dirty="0" smtClean="0"/>
-              <a:t>publishing.</a:t>
+              <a:t>To get a heat-map for publishing.</a:t>
             </a:r>
             <a:endParaRPr lang="en-US" dirty="0"/>
           </a:p>
@@ -7205,6 +7261,26 @@
               <a:buNone/>
             </a:pPr>
             <a:r>
+              <a:rPr lang="en-US" sz="1600" dirty="0" smtClean="0">
+                <a:solidFill>
+                  <a:schemeClr val="tx1"/>
+                </a:solidFill>
+                <a:latin typeface="Times New Roman" panose="02020603050405020304" pitchFamily="18" charset="0"/>
+                <a:cs typeface="Times New Roman" panose="02020603050405020304" pitchFamily="18" charset="0"/>
+              </a:rPr>
+              <a:t>tfs1 </a:t>
+            </a:r>
+            <a:r>
+              <a:rPr lang="en-US" sz="1600" dirty="0" smtClean="0">
+                <a:solidFill>
+                  <a:schemeClr val="tx1"/>
+                </a:solidFill>
+                <a:latin typeface="Times New Roman" panose="02020603050405020304" pitchFamily="18" charset="0"/>
+                <a:cs typeface="Times New Roman" panose="02020603050405020304" pitchFamily="18" charset="0"/>
+              </a:rPr>
+              <a:t>&lt;- </a:t>
+            </a:r>
+            <a:r>
               <a:rPr lang="en-US" sz="1600" dirty="0" err="1" smtClean="0">
                 <a:solidFill>
                   <a:schemeClr val="tx1"/>
@@ -7212,7 +7288,7 @@
                 <a:latin typeface="Times New Roman" panose="02020603050405020304" pitchFamily="18" charset="0"/>
                 <a:cs typeface="Times New Roman" panose="02020603050405020304" pitchFamily="18" charset="0"/>
               </a:rPr>
-              <a:t>motifs.idx</a:t>
+              <a:t>tfbs.selecteByRandom</a:t>
             </a:r>
             <a:r>
               <a:rPr lang="en-US" sz="1600" dirty="0" smtClean="0">
@@ -7222,48 +7298,15 @@
                 <a:latin typeface="Times New Roman" panose="02020603050405020304" pitchFamily="18" charset="0"/>
                 <a:cs typeface="Times New Roman" panose="02020603050405020304" pitchFamily="18" charset="0"/>
               </a:rPr>
-              <a:t> &lt;- </a:t>
-            </a:r>
-            <a:r>
-              <a:rPr lang="en-US" sz="1600" dirty="0" err="1" smtClean="0">
-                <a:solidFill>
-                  <a:schemeClr val="tx1"/>
-                </a:solidFill>
-                <a:latin typeface="Times New Roman" panose="02020603050405020304" pitchFamily="18" charset="0"/>
-                <a:cs typeface="Times New Roman" panose="02020603050405020304" pitchFamily="18" charset="0"/>
-              </a:rPr>
-              <a:t>tfbs.selecteByRandom</a:t>
-            </a:r>
-            <a:r>
-              <a:rPr lang="en-US" sz="1600" dirty="0" smtClean="0">
-                <a:solidFill>
-                  <a:schemeClr val="tx1"/>
-                </a:solidFill>
-                <a:latin typeface="Times New Roman" panose="02020603050405020304" pitchFamily="18" charset="0"/>
-                <a:cs typeface="Times New Roman" panose="02020603050405020304" pitchFamily="18" charset="0"/>
-              </a:rPr>
-              <a:t>(</a:t>
-            </a:r>
-            <a:r>
-              <a:rPr lang="en-US" sz="1600" dirty="0" err="1" smtClean="0">
-                <a:solidFill>
-                  <a:schemeClr val="tx1"/>
-                </a:solidFill>
-                <a:latin typeface="Times New Roman" panose="02020603050405020304" pitchFamily="18" charset="0"/>
-                <a:cs typeface="Times New Roman" panose="02020603050405020304" pitchFamily="18" charset="0"/>
-              </a:rPr>
-              <a:t>tfs</a:t>
-            </a:r>
-            <a:r>
-              <a:rPr lang="en-US" sz="1600" dirty="0" smtClean="0">
-                <a:solidFill>
-                  <a:schemeClr val="tx1"/>
-                </a:solidFill>
-                <a:latin typeface="Times New Roman" panose="02020603050405020304" pitchFamily="18" charset="0"/>
-                <a:cs typeface="Times New Roman" panose="02020603050405020304" pitchFamily="18" charset="0"/>
-              </a:rPr>
-              <a:t>, clu1)</a:t>
-            </a:r>
+              <a:t>(tfs1)</a:t>
+            </a:r>
+            <a:endParaRPr lang="en-US" sz="1600" dirty="0" smtClean="0">
+              <a:solidFill>
+                <a:schemeClr val="tx1"/>
+              </a:solidFill>
+              <a:latin typeface="Times New Roman" panose="02020603050405020304" pitchFamily="18" charset="0"/>
+              <a:cs typeface="Times New Roman" panose="02020603050405020304" pitchFamily="18" charset="0"/>
+            </a:endParaRPr>
           </a:p>
           <a:p>
             <a:pPr marL="109728" indent="0">
@@ -7317,6 +7360,26 @@
               <a:buNone/>
             </a:pPr>
             <a:r>
+              <a:rPr lang="en-US" sz="1600" dirty="0" smtClean="0">
+                <a:solidFill>
+                  <a:schemeClr val="tx1"/>
+                </a:solidFill>
+                <a:latin typeface="Times New Roman" panose="02020603050405020304" pitchFamily="18" charset="0"/>
+                <a:cs typeface="Times New Roman" panose="02020603050405020304" pitchFamily="18" charset="0"/>
+              </a:rPr>
+              <a:t>tfs2 </a:t>
+            </a:r>
+            <a:r>
+              <a:rPr lang="en-US" sz="1600" dirty="0" smtClean="0">
+                <a:solidFill>
+                  <a:schemeClr val="tx1"/>
+                </a:solidFill>
+                <a:latin typeface="Times New Roman" panose="02020603050405020304" pitchFamily="18" charset="0"/>
+                <a:cs typeface="Times New Roman" panose="02020603050405020304" pitchFamily="18" charset="0"/>
+              </a:rPr>
+              <a:t>&lt;- </a:t>
+            </a:r>
+            <a:r>
               <a:rPr lang="en-US" sz="1600" dirty="0" err="1" smtClean="0">
                 <a:solidFill>
                   <a:schemeClr val="tx1"/>
@@ -7324,7 +7387,7 @@
                 <a:latin typeface="Times New Roman" panose="02020603050405020304" pitchFamily="18" charset="0"/>
                 <a:cs typeface="Times New Roman" panose="02020603050405020304" pitchFamily="18" charset="0"/>
               </a:rPr>
-              <a:t>motifs.idx</a:t>
+              <a:t>tfbs.selecteByGeneExp</a:t>
             </a:r>
             <a:r>
               <a:rPr lang="en-US" sz="1600" dirty="0" smtClean="0">
@@ -7334,17 +7397,7 @@
                 <a:latin typeface="Times New Roman" panose="02020603050405020304" pitchFamily="18" charset="0"/>
                 <a:cs typeface="Times New Roman" panose="02020603050405020304" pitchFamily="18" charset="0"/>
               </a:rPr>
-              <a:t> &lt;- </a:t>
-            </a:r>
-            <a:r>
-              <a:rPr lang="en-US" sz="1600" dirty="0" err="1" smtClean="0">
-                <a:solidFill>
-                  <a:schemeClr val="tx1"/>
-                </a:solidFill>
-                <a:latin typeface="Times New Roman" panose="02020603050405020304" pitchFamily="18" charset="0"/>
-                <a:cs typeface="Times New Roman" panose="02020603050405020304" pitchFamily="18" charset="0"/>
-              </a:rPr>
-              <a:t>tfbs.selecteByGeneExp</a:t>
+              <a:t> (</a:t>
             </a:r>
             <a:r>
               <a:rPr lang="en-US" sz="1600" dirty="0" smtClean="0">
@@ -7354,28 +7407,15 @@
                 <a:latin typeface="Times New Roman" panose="02020603050405020304" pitchFamily="18" charset="0"/>
                 <a:cs typeface="Times New Roman" panose="02020603050405020304" pitchFamily="18" charset="0"/>
               </a:rPr>
-              <a:t> (</a:t>
-            </a:r>
-            <a:r>
-              <a:rPr lang="en-US" sz="1600" dirty="0" err="1" smtClean="0">
-                <a:solidFill>
-                  <a:schemeClr val="tx1"/>
-                </a:solidFill>
-                <a:latin typeface="Times New Roman" panose="02020603050405020304" pitchFamily="18" charset="0"/>
-                <a:cs typeface="Times New Roman" panose="02020603050405020304" pitchFamily="18" charset="0"/>
-              </a:rPr>
-              <a:t>tfs</a:t>
-            </a:r>
-            <a:r>
-              <a:rPr lang="en-US" sz="1600" dirty="0">
-                <a:solidFill>
-                  <a:schemeClr val="tx1"/>
-                </a:solidFill>
-                <a:latin typeface="Times New Roman" panose="02020603050405020304" pitchFamily="18" charset="0"/>
-                <a:cs typeface="Times New Roman" panose="02020603050405020304" pitchFamily="18" charset="0"/>
-              </a:rPr>
-              <a:t>, clu1)</a:t>
-            </a:r>
+              <a:t>tfs2)</a:t>
+            </a:r>
+            <a:endParaRPr lang="en-US" sz="1600" dirty="0">
+              <a:solidFill>
+                <a:schemeClr val="tx1"/>
+              </a:solidFill>
+              <a:latin typeface="Times New Roman" panose="02020603050405020304" pitchFamily="18" charset="0"/>
+              <a:cs typeface="Times New Roman" panose="02020603050405020304" pitchFamily="18" charset="0"/>
+            </a:endParaRPr>
           </a:p>
           <a:p>
             <a:endParaRPr lang="en-US" sz="2000" dirty="0" smtClean="0"/>
@@ -7519,7 +7559,7 @@
               <a:t>Now a </a:t>
             </a:r>
             <a:r>
-              <a:rPr lang="en-US" sz="1600" dirty="0" err="1" smtClean="0"/>
+              <a:rPr lang="en-US" sz="1600" i="1" dirty="0" err="1" smtClean="0"/>
               <a:t>tfbs</a:t>
             </a:r>
             <a:r>
@@ -8224,7 +8264,7 @@
               <a:t>Visualizing and summarizing </a:t>
             </a:r>
             <a:r>
-              <a:rPr lang="en-US" dirty="0" err="1"/>
+              <a:rPr lang="en-US" i="1" dirty="0" err="1"/>
               <a:t>tfbs</a:t>
             </a:r>
             <a:r>
@@ -8382,7 +8422,7 @@
               <a:t> </a:t>
             </a:r>
             <a:r>
-              <a:rPr lang="en-US" dirty="0" err="1"/>
+              <a:rPr lang="en-US" i="1" dirty="0" err="1"/>
               <a:t>tfbs</a:t>
             </a:r>
             <a:r>
@@ -8489,11 +8529,7 @@
             </a:r>
             <a:r>
               <a:rPr lang="en-US" sz="1600" dirty="0" smtClean="0"/>
-              <a:t>locates </a:t>
-            </a:r>
-            <a:r>
-              <a:rPr lang="en-US" sz="1600" dirty="0" smtClean="0"/>
-              <a:t>TF binding sites across a genome</a:t>
+              <a:t>locates TF binding sites across a genome</a:t>
             </a:r>
           </a:p>
           <a:p>
@@ -9983,27 +10019,7 @@
                 <a:latin typeface="Times New Roman" panose="02020603050405020304" pitchFamily="18" charset="0"/>
                 <a:cs typeface="Times New Roman" panose="02020603050405020304" pitchFamily="18" charset="0"/>
               </a:rPr>
-              <a:t>the basic information about t</a:t>
-            </a:r>
-            <a:r>
-              <a:rPr lang="en-US" sz="1500" dirty="0" smtClean="0">
-                <a:solidFill>
-                  <a:schemeClr val="tx1"/>
-                </a:solidFill>
-                <a:latin typeface="Times New Roman" panose="02020603050405020304" pitchFamily="18" charset="0"/>
-                <a:cs typeface="Times New Roman" panose="02020603050405020304" pitchFamily="18" charset="0"/>
-              </a:rPr>
-              <a:t>he </a:t>
-            </a:r>
-            <a:r>
-              <a:rPr lang="en-US" sz="1500" dirty="0" smtClean="0">
-                <a:solidFill>
-                  <a:schemeClr val="tx1"/>
-                </a:solidFill>
-                <a:latin typeface="Times New Roman" panose="02020603050405020304" pitchFamily="18" charset="0"/>
-                <a:cs typeface="Times New Roman" panose="02020603050405020304" pitchFamily="18" charset="0"/>
-              </a:rPr>
-              <a:t>result</a:t>
+              <a:t>the basic information about the result</a:t>
             </a:r>
           </a:p>
           <a:p>
@@ -10790,12 +10806,16 @@
               <a:t>The </a:t>
             </a:r>
             <a:r>
-              <a:rPr lang="en-US" sz="1600" i="1" dirty="0" err="1"/>
-              <a:t>tfbs.compareTFsite</a:t>
+              <a:rPr lang="en-US" sz="1600" i="1" dirty="0" err="1" smtClean="0"/>
+              <a:t>tfbs.enrichmentTest</a:t>
+            </a:r>
+            <a:r>
+              <a:rPr lang="en-US" sz="1600" dirty="0" smtClean="0"/>
+              <a:t> </a:t>
             </a:r>
             <a:r>
               <a:rPr lang="en-US" sz="1600" dirty="0"/>
-              <a:t> function </a:t>
+              <a:t>function </a:t>
             </a:r>
             <a:r>
               <a:rPr lang="en-US" sz="1600" dirty="0" smtClean="0"/>
@@ -10895,15 +10915,7 @@
             </a:pPr>
             <a:r>
               <a:rPr lang="en-US" sz="1600" dirty="0" smtClean="0"/>
-              <a:t>4) GC </a:t>
-            </a:r>
-            <a:r>
-              <a:rPr lang="en-US" sz="1600" dirty="0" smtClean="0"/>
-              <a:t>correction? </a:t>
-            </a:r>
-            <a:r>
-              <a:rPr lang="en-US" sz="1600" dirty="0" smtClean="0"/>
-              <a:t>(</a:t>
+              <a:t>4) GC correction? (</a:t>
             </a:r>
             <a:r>
               <a:rPr lang="en-US" sz="1600" i="1" dirty="0" err="1" smtClean="0"/>
@@ -10920,15 +10932,7 @@
             </a:pPr>
             <a:r>
               <a:rPr lang="en-US" sz="1600" dirty="0" smtClean="0"/>
-              <a:t>5) Score or </a:t>
-            </a:r>
-            <a:r>
-              <a:rPr lang="en-US" sz="1600" dirty="0" smtClean="0"/>
-              <a:t>FDR </a:t>
-            </a:r>
-            <a:r>
-              <a:rPr lang="en-US" sz="1600" dirty="0" smtClean="0"/>
-              <a:t>threshold (</a:t>
+              <a:t>5) Score or FDR threshold (</a:t>
             </a:r>
             <a:r>
               <a:rPr lang="en-US" sz="1600" i="1" dirty="0" smtClean="0"/>
@@ -11660,7 +11664,7 @@
               <a:buNone/>
             </a:pPr>
             <a:r>
-              <a:rPr lang="en-US" dirty="0" err="1">
+              <a:rPr lang="en-US" dirty="0" err="1" smtClean="0">
                 <a:solidFill>
                   <a:schemeClr val="tx1"/>
                 </a:solidFill>
@@ -11670,6 +11674,16 @@
               <a:t>t.comp</a:t>
             </a:r>
             <a:r>
+              <a:rPr lang="en-US" dirty="0" smtClean="0">
+                <a:solidFill>
+                  <a:schemeClr val="tx1"/>
+                </a:solidFill>
+                <a:latin typeface="Times New Roman" panose="02020603050405020304" pitchFamily="18" charset="0"/>
+                <a:cs typeface="Times New Roman" panose="02020603050405020304" pitchFamily="18" charset="0"/>
+              </a:rPr>
+              <a:t> </a:t>
+            </a:r>
+            <a:r>
               <a:rPr lang="en-US" dirty="0">
                 <a:solidFill>
                   <a:schemeClr val="tx1"/>
@@ -11677,20 +11691,20 @@
                 <a:latin typeface="Times New Roman" panose="02020603050405020304" pitchFamily="18" charset="0"/>
                 <a:cs typeface="Times New Roman" panose="02020603050405020304" pitchFamily="18" charset="0"/>
               </a:rPr>
-              <a:t> &lt;- </a:t>
-            </a:r>
-            <a:r>
-              <a:rPr lang="en-US" dirty="0" err="1">
-                <a:solidFill>
-                  <a:schemeClr val="tx1"/>
-                </a:solidFill>
-                <a:latin typeface="Times New Roman" panose="02020603050405020304" pitchFamily="18" charset="0"/>
-                <a:cs typeface="Times New Roman" panose="02020603050405020304" pitchFamily="18" charset="0"/>
-              </a:rPr>
-              <a:t>tfbs.compareTFsite</a:t>
-            </a:r>
-            <a:r>
-              <a:rPr lang="en-US" dirty="0">
+              <a:t>&lt;- </a:t>
+            </a:r>
+            <a:r>
+              <a:rPr lang="en-US" dirty="0" err="1" smtClean="0">
+                <a:solidFill>
+                  <a:schemeClr val="tx1"/>
+                </a:solidFill>
+                <a:latin typeface="Times New Roman" panose="02020603050405020304" pitchFamily="18" charset="0"/>
+                <a:cs typeface="Times New Roman" panose="02020603050405020304" pitchFamily="18" charset="0"/>
+              </a:rPr>
+              <a:t>tfbs.enrichmentTest</a:t>
+            </a:r>
+            <a:r>
+              <a:rPr lang="en-US" dirty="0" smtClean="0">
                 <a:solidFill>
                   <a:schemeClr val="tx1"/>
                 </a:solidFill>
@@ -11919,24 +11933,24 @@
               <a:t>file.prefix</a:t>
             </a:r>
             <a:r>
-              <a:rPr lang="en-US" dirty="0">
-                <a:solidFill>
-                  <a:schemeClr val="tx1"/>
-                </a:solidFill>
-                <a:latin typeface="Times New Roman" panose="02020603050405020304" pitchFamily="18" charset="0"/>
-                <a:cs typeface="Times New Roman" panose="02020603050405020304" pitchFamily="18" charset="0"/>
-              </a:rPr>
-              <a:t>="</a:t>
-            </a:r>
-            <a:r>
-              <a:rPr lang="en-US" dirty="0" err="1">
-                <a:solidFill>
-                  <a:schemeClr val="tx1"/>
-                </a:solidFill>
-                <a:latin typeface="Times New Roman" panose="02020603050405020304" pitchFamily="18" charset="0"/>
-                <a:cs typeface="Times New Roman" panose="02020603050405020304" pitchFamily="18" charset="0"/>
-              </a:rPr>
-              <a:t>comp.db</a:t>
+              <a:rPr lang="en-US" dirty="0" smtClean="0">
+                <a:solidFill>
+                  <a:schemeClr val="tx1"/>
+                </a:solidFill>
+                <a:latin typeface="Times New Roman" panose="02020603050405020304" pitchFamily="18" charset="0"/>
+                <a:cs typeface="Times New Roman" panose="02020603050405020304" pitchFamily="18" charset="0"/>
+              </a:rPr>
+              <a:t>=“</a:t>
+            </a:r>
+            <a:r>
+              <a:rPr lang="en-US" dirty="0" err="1" smtClean="0">
+                <a:solidFill>
+                  <a:schemeClr val="tx1"/>
+                </a:solidFill>
+                <a:latin typeface="Times New Roman" panose="02020603050405020304" pitchFamily="18" charset="0"/>
+                <a:cs typeface="Times New Roman" panose="02020603050405020304" pitchFamily="18" charset="0"/>
+              </a:rPr>
+              <a:t>enrich.db</a:t>
             </a:r>
             <a:r>
               <a:rPr lang="en-US" dirty="0">
@@ -12096,11 +12110,15 @@
             </a:r>
             <a:r>
               <a:rPr lang="en-US" sz="1600" i="1" dirty="0" err="1" smtClean="0"/>
-              <a:t>tfbs.compareTFsite</a:t>
+              <a:t>tfbs.enrichmentTest</a:t>
             </a:r>
             <a:r>
               <a:rPr lang="en-US" sz="1600" dirty="0" smtClean="0"/>
-              <a:t> checks the mean </a:t>
+              <a:t> </a:t>
+            </a:r>
+            <a:r>
+              <a:rPr lang="en-US" sz="1600" dirty="0" smtClean="0"/>
+              <a:t>checks the mean </a:t>
             </a:r>
             <a:r>
               <a:rPr lang="en-US" sz="1600" dirty="0"/>
@@ -12358,11 +12376,15 @@
           <a:p>
             <a:r>
               <a:rPr lang="en-US" dirty="0" smtClean="0"/>
-              <a:t>Provides </a:t>
+              <a:t>Provides a framework to integrate the Cis-BP </a:t>
             </a:r>
             <a:r>
               <a:rPr lang="en-US" dirty="0" smtClean="0"/>
-              <a:t>a framework to integrate the Cis-BP database and the statistical model in the </a:t>
+              <a:t>database and </a:t>
+            </a:r>
+            <a:r>
+              <a:rPr lang="en-US" dirty="0" smtClean="0"/>
+              <a:t>the statistical model in the </a:t>
             </a:r>
             <a:r>
               <a:rPr lang="en-US" i="1" dirty="0" err="1" smtClean="0"/>
@@ -12376,11 +12398,7 @@
           <a:p>
             <a:r>
               <a:rPr lang="en-US" dirty="0" smtClean="0"/>
-              <a:t>Designed </a:t>
-            </a:r>
-            <a:r>
-              <a:rPr lang="en-US" dirty="0" smtClean="0"/>
-              <a:t>a pipeline to implement the following goals:</a:t>
+              <a:t>Designed a pipeline to implement the following goals:</a:t>
             </a:r>
           </a:p>
           <a:p>
@@ -12402,15 +12420,7 @@
             <a:pPr lvl="1"/>
             <a:r>
               <a:rPr lang="en-US" dirty="0" smtClean="0"/>
-              <a:t>2) Searching the genome </a:t>
-            </a:r>
-            <a:r>
-              <a:rPr lang="en-US" dirty="0" smtClean="0"/>
-              <a:t>for </a:t>
-            </a:r>
-            <a:r>
-              <a:rPr lang="en-US" dirty="0" smtClean="0"/>
-              <a:t>motif occurrences.</a:t>
+              <a:t>2) Searching the genome for motif occurrences.</a:t>
             </a:r>
           </a:p>
           <a:p>
@@ -12539,12 +12549,16 @@
               <a:t> </a:t>
             </a:r>
             <a:r>
-              <a:rPr lang="en-US" sz="1600" i="1" dirty="0" err="1"/>
-              <a:t>tfbs.compareTFsite</a:t>
+              <a:rPr lang="en-US" sz="1600" i="1" dirty="0" err="1" smtClean="0"/>
+              <a:t>tfbs.enrichmentTest</a:t>
+            </a:r>
+            <a:r>
+              <a:rPr lang="en-US" sz="1600" dirty="0" smtClean="0"/>
+              <a:t> </a:t>
             </a:r>
             <a:r>
               <a:rPr lang="en-US" sz="1600" dirty="0"/>
-              <a:t> includes a data frame with 8 columns, including </a:t>
+              <a:t>includes a data frame with 8 columns, including </a:t>
             </a:r>
             <a:r>
               <a:rPr lang="en-US" sz="1600" dirty="0" smtClean="0"/>
@@ -12651,12 +12665,16 @@
               <a:t>The </a:t>
             </a:r>
             <a:r>
-              <a:rPr lang="en-US" sz="1600" i="1" dirty="0" err="1"/>
-              <a:t>tfbs.reportComparison</a:t>
+              <a:rPr lang="en-US" sz="1600" i="1" dirty="0" err="1" smtClean="0"/>
+              <a:t>tfbs.reportEnrichment</a:t>
+            </a:r>
+            <a:r>
+              <a:rPr lang="en-US" sz="1600" dirty="0" smtClean="0"/>
+              <a:t> </a:t>
             </a:r>
             <a:r>
               <a:rPr lang="en-US" sz="1600" dirty="0"/>
-              <a:t> function draws a motif list with visual p-value bar, enrichment ratio bar, and motif logos. </a:t>
+              <a:t>function draws a motif list with visual p-value bar, enrichment ratio bar, and motif logos. </a:t>
             </a:r>
             <a:endParaRPr lang="en-US" sz="1600" dirty="0" smtClean="0"/>
           </a:p>
@@ -12988,14 +13006,14 @@
               <a:buNone/>
             </a:pPr>
             <a:r>
-              <a:rPr lang="en-US" sz="1600" dirty="0" err="1">
-                <a:solidFill>
-                  <a:schemeClr val="tx1"/>
-                </a:solidFill>
-                <a:latin typeface="Times New Roman" panose="02020603050405020304" pitchFamily="18" charset="0"/>
-                <a:cs typeface="Times New Roman" panose="02020603050405020304" pitchFamily="18" charset="0"/>
-              </a:rPr>
-              <a:t>tfbs.reportComparson</a:t>
+              <a:rPr lang="en-US" sz="1600" dirty="0" err="1" smtClean="0">
+                <a:solidFill>
+                  <a:schemeClr val="tx1"/>
+                </a:solidFill>
+                <a:latin typeface="Times New Roman" panose="02020603050405020304" pitchFamily="18" charset="0"/>
+                <a:cs typeface="Times New Roman" panose="02020603050405020304" pitchFamily="18" charset="0"/>
+              </a:rPr>
+              <a:t>tfbs.reportEnrichment</a:t>
             </a:r>
             <a:r>
               <a:rPr lang="en-US" sz="1600" dirty="0" smtClean="0">
@@ -13028,7 +13046,7 @@
               <a:t>, </a:t>
             </a:r>
             <a:r>
-              <a:rPr lang="en-US" sz="1600" dirty="0" err="1">
+              <a:rPr lang="en-US" sz="1600" dirty="0" err="1" smtClean="0">
                 <a:solidFill>
                   <a:schemeClr val="tx1"/>
                 </a:solidFill>
@@ -13038,7 +13056,7 @@
               <a:t>t.comp</a:t>
             </a:r>
             <a:r>
-              <a:rPr lang="en-US" sz="1600" dirty="0">
+              <a:rPr lang="en-US" sz="1600" dirty="0" smtClean="0">
                 <a:solidFill>
                   <a:schemeClr val="tx1"/>
                 </a:solidFill>
@@ -13087,7 +13105,27 @@
                 <a:latin typeface="Times New Roman" panose="02020603050405020304" pitchFamily="18" charset="0"/>
                 <a:cs typeface="Times New Roman" panose="02020603050405020304" pitchFamily="18" charset="0"/>
               </a:rPr>
-              <a:t>="test-tfcomp.pdf", </a:t>
+              <a:t>="</a:t>
+            </a:r>
+            <a:r>
+              <a:rPr lang="en-US" sz="1600" dirty="0" smtClean="0">
+                <a:solidFill>
+                  <a:schemeClr val="tx1"/>
+                </a:solidFill>
+                <a:latin typeface="Times New Roman" panose="02020603050405020304" pitchFamily="18" charset="0"/>
+                <a:cs typeface="Times New Roman" panose="02020603050405020304" pitchFamily="18" charset="0"/>
+              </a:rPr>
+              <a:t>test-enrich.pdf</a:t>
+            </a:r>
+            <a:r>
+              <a:rPr lang="en-US" sz="1600" dirty="0">
+                <a:solidFill>
+                  <a:schemeClr val="tx1"/>
+                </a:solidFill>
+                <a:latin typeface="Times New Roman" panose="02020603050405020304" pitchFamily="18" charset="0"/>
+                <a:cs typeface="Times New Roman" panose="02020603050405020304" pitchFamily="18" charset="0"/>
+              </a:rPr>
+              <a:t>", </a:t>
             </a:r>
             <a:endParaRPr lang="en-US" sz="1600" dirty="0" smtClean="0">
               <a:solidFill>
@@ -13196,7 +13234,7 @@
                 <a:latin typeface="Times New Roman" panose="02020603050405020304" pitchFamily="18" charset="0"/>
                 <a:cs typeface="Times New Roman" panose="02020603050405020304" pitchFamily="18" charset="0"/>
               </a:rPr>
-              <a:t>pv.cutoff</a:t>
+              <a:t>pv.threshold</a:t>
             </a:r>
             <a:r>
               <a:rPr lang="en-US" sz="1600" dirty="0" smtClean="0">
@@ -14378,17 +14416,7 @@
                   </a:schemeClr>
                 </a:solidFill>
               </a:rPr>
-              <a:t>) </a:t>
-            </a:r>
-            <a:r>
-              <a:rPr lang="en-US" sz="2000" dirty="0" smtClean="0">
-                <a:solidFill>
-                  <a:schemeClr val="accent3">
-                    <a:lumMod val="50000"/>
-                  </a:schemeClr>
-                </a:solidFill>
-              </a:rPr>
-              <a:t>is a public online dataset of TFBS.</a:t>
+              <a:t>) is a public online dataset of TFBS.</a:t>
             </a:r>
           </a:p>
           <a:p>
@@ -14977,8 +15005,29 @@
             </a:r>
             <a:r>
               <a:rPr lang="en-US" sz="2100" i="1" dirty="0" smtClean="0"/>
-              <a:t>lattice</a:t>
-            </a:r>
+              <a:t>lattice, </a:t>
+            </a:r>
+            <a:r>
+              <a:rPr lang="en-US" sz="2100" i="1" dirty="0" err="1" smtClean="0"/>
+              <a:t>apcluster</a:t>
+            </a:r>
+            <a:r>
+              <a:rPr lang="en-US" sz="2100" i="1" dirty="0" smtClean="0"/>
+              <a:t>, </a:t>
+            </a:r>
+            <a:r>
+              <a:rPr lang="en-US" sz="2100" i="1" dirty="0" err="1" smtClean="0"/>
+              <a:t>vioplot</a:t>
+            </a:r>
+            <a:r>
+              <a:rPr lang="en-US" sz="2100" i="1" dirty="0" smtClean="0"/>
+              <a:t>, </a:t>
+            </a:r>
+            <a:r>
+              <a:rPr lang="en-US" sz="2100" i="1" dirty="0" err="1" smtClean="0"/>
+              <a:t>RCurl</a:t>
+            </a:r>
+            <a:endParaRPr lang="en-US" sz="2100" i="1" dirty="0" smtClean="0"/>
           </a:p>
           <a:p>
             <a:r>
@@ -15576,19 +15625,8 @@
                 <a:latin typeface="Times New Roman" pitchFamily="18" charset="0"/>
                 <a:cs typeface="Times New Roman" pitchFamily="18" charset="0"/>
               </a:rPr>
-              <a:t> package from source </a:t>
-            </a:r>
-            <a:r>
-              <a:rPr lang="en-US" sz="1600" dirty="0" smtClean="0">
-                <a:latin typeface="Times New Roman" pitchFamily="18" charset="0"/>
-                <a:cs typeface="Times New Roman" pitchFamily="18" charset="0"/>
-              </a:rPr>
-              <a:t>code</a:t>
-            </a:r>
-            <a:endParaRPr lang="en-US" sz="1600" dirty="0" smtClean="0">
-              <a:latin typeface="Times New Roman" pitchFamily="18" charset="0"/>
-              <a:cs typeface="Times New Roman" pitchFamily="18" charset="0"/>
-            </a:endParaRPr>
+              <a:t> package from source code</a:t>
+            </a:r>
           </a:p>
           <a:p>
             <a:pPr marL="109728" lvl="0">
@@ -16368,6 +16406,11 @@
               <a:rPr lang="en-US" sz="2000" dirty="0" smtClean="0"/>
               <a:t>TF_Information.txt) </a:t>
             </a:r>
+            <a:r>
+              <a:rPr lang="en-US" sz="2000" dirty="0" smtClean="0"/>
+              <a:t>at the first step</a:t>
+            </a:r>
+            <a:endParaRPr lang="en-US" sz="2000" dirty="0" smtClean="0"/>
           </a:p>
           <a:p>
             <a:endParaRPr lang="en-US" dirty="0" smtClean="0"/>
@@ -18731,11 +18774,7 @@
             </a:pPr>
             <a:r>
               <a:rPr lang="en-US" sz="3100" dirty="0" smtClean="0"/>
-              <a:t>Advanced </a:t>
-            </a:r>
-            <a:r>
-              <a:rPr lang="en-US" sz="3100" dirty="0" smtClean="0"/>
-              <a:t>way:</a:t>
+              <a:t>Advanced way:</a:t>
             </a:r>
           </a:p>
           <a:p>
@@ -19470,19 +19509,11 @@
           <a:p>
             <a:r>
               <a:rPr lang="en-US" dirty="0"/>
-              <a:t>Step 2: Selecting motif </a:t>
+              <a:t>Step 2: </a:t>
             </a:r>
             <a:r>
               <a:rPr lang="en-US" dirty="0" smtClean="0"/>
-              <a:t>data (</a:t>
-            </a:r>
-            <a:r>
-              <a:rPr lang="en-US" dirty="0"/>
-              <a:t>continued</a:t>
-            </a:r>
-            <a:r>
-              <a:rPr lang="en-US" dirty="0" smtClean="0"/>
-              <a:t>)</a:t>
+              <a:t>Or importing motif data</a:t>
             </a:r>
             <a:endParaRPr lang="en-US" dirty="0"/>
           </a:p>
@@ -19702,8 +19733,109 @@
             </a:r>
             <a:r>
               <a:rPr lang="en-US" altLang="zh-CN" sz="2000" dirty="0" smtClean="0"/>
-              <a:t>ternal motif data( i.e., PWM files)</a:t>
-            </a:r>
+              <a:t>ternal motif </a:t>
+            </a:r>
+            <a:r>
+              <a:rPr lang="en-US" altLang="zh-CN" sz="2000" dirty="0" smtClean="0"/>
+              <a:t>data:</a:t>
+            </a:r>
+          </a:p>
+          <a:p>
+            <a:pPr marL="566928" indent="-457200">
+              <a:buAutoNum type="arabicPeriod"/>
+            </a:pPr>
+            <a:r>
+              <a:rPr lang="en-US" altLang="zh-CN" sz="2000" dirty="0" smtClean="0"/>
+              <a:t>Licensed </a:t>
+            </a:r>
+            <a:r>
+              <a:rPr lang="en-US" altLang="zh-CN" sz="2000" dirty="0" smtClean="0"/>
+              <a:t>PWM files for Cis-BP data set</a:t>
+            </a:r>
+          </a:p>
+          <a:p>
+            <a:pPr marL="566928" indent="-457200">
+              <a:buAutoNum type="arabicPeriod"/>
+            </a:pPr>
+            <a:r>
+              <a:rPr lang="en-US" altLang="zh-CN" sz="2000" dirty="0" err="1" smtClean="0"/>
+              <a:t>Transfac</a:t>
+            </a:r>
+            <a:r>
+              <a:rPr lang="en-US" altLang="zh-CN" sz="2000" dirty="0" smtClean="0"/>
+              <a:t>, Jaspar, meme, </a:t>
+            </a:r>
+            <a:r>
+              <a:rPr lang="en-US" altLang="zh-CN" sz="2000" dirty="0" err="1" smtClean="0"/>
+              <a:t>mscan</a:t>
+            </a:r>
+            <a:r>
+              <a:rPr lang="en-US" altLang="zh-CN" sz="2000" dirty="0" smtClean="0"/>
+              <a:t> text file containing multiple PFM information.</a:t>
+            </a:r>
+          </a:p>
+          <a:p>
+            <a:pPr marL="566928" indent="-457200">
+              <a:buAutoNum type="arabicPeriod"/>
+            </a:pPr>
+            <a:r>
+              <a:rPr lang="en-US" altLang="zh-CN" sz="2000" dirty="0" smtClean="0"/>
+              <a:t>New released data file parsed by </a:t>
+            </a:r>
+            <a:r>
+              <a:rPr lang="en-US" altLang="zh-CN" sz="2000" i="1" dirty="0" err="1" smtClean="0"/>
+              <a:t>rtfbsdb</a:t>
+            </a:r>
+            <a:endParaRPr lang="en-US" altLang="zh-CN" sz="2000" i="1" dirty="0" smtClean="0"/>
+          </a:p>
+          <a:p>
+            <a:pPr marL="566928" indent="-457200">
+              <a:buAutoNum type="arabicPeriod"/>
+            </a:pPr>
+            <a:r>
+              <a:rPr lang="en-US" altLang="zh-CN" sz="2000" dirty="0" smtClean="0"/>
+              <a:t>User customized data file </a:t>
+            </a:r>
+            <a:endParaRPr lang="en-US" altLang="zh-CN" sz="2000" dirty="0" smtClean="0"/>
+          </a:p>
+          <a:p>
+            <a:pPr marL="109728" indent="0">
+              <a:buNone/>
+            </a:pPr>
+            <a:endParaRPr lang="en-US" sz="2000" dirty="0" smtClean="0"/>
+          </a:p>
+          <a:p>
+            <a:pPr marL="109728" indent="0">
+              <a:buNone/>
+            </a:pPr>
+            <a:r>
+              <a:rPr lang="en-US" sz="2000" i="1" dirty="0" smtClean="0">
+                <a:solidFill>
+                  <a:schemeClr val="tx1"/>
+                </a:solidFill>
+              </a:rPr>
+              <a:t>Simple parser implemented in the package.</a:t>
+            </a:r>
+          </a:p>
+          <a:p>
+            <a:pPr marL="109728" indent="0">
+              <a:buNone/>
+            </a:pPr>
+            <a:endParaRPr lang="en-US" sz="2000" i="1" dirty="0" smtClean="0">
+              <a:solidFill>
+                <a:schemeClr val="tx1"/>
+              </a:solidFill>
+            </a:endParaRPr>
+          </a:p>
+          <a:p>
+            <a:pPr marL="109728" indent="0">
+              <a:buNone/>
+            </a:pPr>
+            <a:endParaRPr lang="en-US" sz="2000" i="1" dirty="0" smtClean="0">
+              <a:solidFill>
+                <a:schemeClr val="tx1"/>
+              </a:solidFill>
+            </a:endParaRPr>
           </a:p>
           <a:p>
             <a:pPr marL="109728" indent="0">
@@ -19760,7 +19892,7 @@
         </p:spPr>
         <p:txBody>
           <a:bodyPr>
-            <a:normAutofit/>
+            <a:normAutofit fontScale="85000" lnSpcReduction="20000"/>
           </a:bodyPr>
           <a:lstStyle/>
           <a:p>
@@ -19805,6 +19937,16 @@
               <a:buNone/>
             </a:pPr>
             <a:r>
+              <a:rPr lang="en-US" sz="1600" dirty="0" err="1">
+                <a:solidFill>
+                  <a:schemeClr val="tx1"/>
+                </a:solidFill>
+                <a:latin typeface="Times New Roman" panose="02020603050405020304" pitchFamily="18" charset="0"/>
+                <a:cs typeface="Times New Roman" panose="02020603050405020304" pitchFamily="18" charset="0"/>
+              </a:rPr>
+              <a:t>db</a:t>
+            </a:r>
+            <a:r>
               <a:rPr lang="en-US" sz="1600" dirty="0">
                 <a:solidFill>
                   <a:schemeClr val="tx1"/>
@@ -19812,18 +19954,138 @@
                 <a:latin typeface="Times New Roman" panose="02020603050405020304" pitchFamily="18" charset="0"/>
                 <a:cs typeface="Times New Roman" panose="02020603050405020304" pitchFamily="18" charset="0"/>
               </a:rPr>
-              <a:t># </a:t>
-            </a:r>
-            <a:r>
-              <a:rPr lang="en-US" sz="1600" dirty="0" smtClean="0">
-                <a:solidFill>
-                  <a:schemeClr val="tx1"/>
-                </a:solidFill>
-                <a:latin typeface="Times New Roman" panose="02020603050405020304" pitchFamily="18" charset="0"/>
-                <a:cs typeface="Times New Roman" panose="02020603050405020304" pitchFamily="18" charset="0"/>
-              </a:rPr>
-              <a:t>Import the single or multiple PWM files </a:t>
-            </a:r>
+              <a:t>  &lt;- </a:t>
+            </a:r>
+            <a:r>
+              <a:rPr lang="en-US" sz="1600" dirty="0" err="1">
+                <a:solidFill>
+                  <a:schemeClr val="tx1"/>
+                </a:solidFill>
+                <a:latin typeface="Times New Roman" panose="02020603050405020304" pitchFamily="18" charset="0"/>
+                <a:cs typeface="Times New Roman" panose="02020603050405020304" pitchFamily="18" charset="0"/>
+              </a:rPr>
+              <a:t>CisBP.extdata</a:t>
+            </a:r>
+            <a:r>
+              <a:rPr lang="en-US" sz="1600" dirty="0">
+                <a:solidFill>
+                  <a:schemeClr val="tx1"/>
+                </a:solidFill>
+                <a:latin typeface="Times New Roman" panose="02020603050405020304" pitchFamily="18" charset="0"/>
+                <a:cs typeface="Times New Roman" panose="02020603050405020304" pitchFamily="18" charset="0"/>
+              </a:rPr>
+              <a:t>("</a:t>
+            </a:r>
+            <a:r>
+              <a:rPr lang="en-US" sz="1600" dirty="0" err="1">
+                <a:solidFill>
+                  <a:schemeClr val="tx1"/>
+                </a:solidFill>
+                <a:latin typeface="Times New Roman" panose="02020603050405020304" pitchFamily="18" charset="0"/>
+                <a:cs typeface="Times New Roman" panose="02020603050405020304" pitchFamily="18" charset="0"/>
+              </a:rPr>
+              <a:t>Homo_sapiens</a:t>
+            </a:r>
+            <a:r>
+              <a:rPr lang="en-US" sz="1600" dirty="0">
+                <a:solidFill>
+                  <a:schemeClr val="tx1"/>
+                </a:solidFill>
+                <a:latin typeface="Times New Roman" panose="02020603050405020304" pitchFamily="18" charset="0"/>
+                <a:cs typeface="Times New Roman" panose="02020603050405020304" pitchFamily="18" charset="0"/>
+              </a:rPr>
+              <a:t>");</a:t>
+            </a:r>
+          </a:p>
+          <a:p>
+            <a:pPr marL="109728" indent="0">
+              <a:buNone/>
+            </a:pPr>
+            <a:r>
+              <a:rPr lang="en-US" sz="1600" dirty="0" err="1">
+                <a:solidFill>
+                  <a:schemeClr val="tx1"/>
+                </a:solidFill>
+                <a:latin typeface="Times New Roman" panose="02020603050405020304" pitchFamily="18" charset="0"/>
+                <a:cs typeface="Times New Roman" panose="02020603050405020304" pitchFamily="18" charset="0"/>
+              </a:rPr>
+              <a:t>tfs</a:t>
+            </a:r>
+            <a:r>
+              <a:rPr lang="en-US" sz="1600" dirty="0">
+                <a:solidFill>
+                  <a:schemeClr val="tx1"/>
+                </a:solidFill>
+                <a:latin typeface="Times New Roman" panose="02020603050405020304" pitchFamily="18" charset="0"/>
+                <a:cs typeface="Times New Roman" panose="02020603050405020304" pitchFamily="18" charset="0"/>
+              </a:rPr>
+              <a:t> &lt;- </a:t>
+            </a:r>
+            <a:r>
+              <a:rPr lang="en-US" sz="1600" dirty="0" err="1">
+                <a:solidFill>
+                  <a:schemeClr val="tx1"/>
+                </a:solidFill>
+                <a:latin typeface="Times New Roman" panose="02020603050405020304" pitchFamily="18" charset="0"/>
+                <a:cs typeface="Times New Roman" panose="02020603050405020304" pitchFamily="18" charset="0"/>
+              </a:rPr>
+              <a:t>tfbs.createFromCisBP</a:t>
+            </a:r>
+            <a:r>
+              <a:rPr lang="en-US" sz="1600" dirty="0">
+                <a:solidFill>
+                  <a:schemeClr val="tx1"/>
+                </a:solidFill>
+                <a:latin typeface="Times New Roman" panose="02020603050405020304" pitchFamily="18" charset="0"/>
+                <a:cs typeface="Times New Roman" panose="02020603050405020304" pitchFamily="18" charset="0"/>
+              </a:rPr>
+              <a:t>(</a:t>
+            </a:r>
+            <a:r>
+              <a:rPr lang="en-US" sz="1600" dirty="0" err="1">
+                <a:solidFill>
+                  <a:schemeClr val="tx1"/>
+                </a:solidFill>
+                <a:latin typeface="Times New Roman" panose="02020603050405020304" pitchFamily="18" charset="0"/>
+                <a:cs typeface="Times New Roman" panose="02020603050405020304" pitchFamily="18" charset="0"/>
+              </a:rPr>
+              <a:t>db</a:t>
+            </a:r>
+            <a:r>
+              <a:rPr lang="en-US" sz="1600" dirty="0">
+                <a:solidFill>
+                  <a:schemeClr val="tx1"/>
+                </a:solidFill>
+                <a:latin typeface="Times New Roman" panose="02020603050405020304" pitchFamily="18" charset="0"/>
+                <a:cs typeface="Times New Roman" panose="02020603050405020304" pitchFamily="18" charset="0"/>
+              </a:rPr>
+              <a:t>, </a:t>
+            </a:r>
+            <a:r>
+              <a:rPr lang="en-US" sz="1600" dirty="0" err="1">
+                <a:solidFill>
+                  <a:schemeClr val="tx1"/>
+                </a:solidFill>
+                <a:latin typeface="Times New Roman" panose="02020603050405020304" pitchFamily="18" charset="0"/>
+                <a:cs typeface="Times New Roman" panose="02020603050405020304" pitchFamily="18" charset="0"/>
+              </a:rPr>
+              <a:t>family_name</a:t>
+            </a:r>
+            <a:r>
+              <a:rPr lang="en-US" sz="1600" dirty="0">
+                <a:solidFill>
+                  <a:schemeClr val="tx1"/>
+                </a:solidFill>
+                <a:latin typeface="Times New Roman" panose="02020603050405020304" pitchFamily="18" charset="0"/>
+                <a:cs typeface="Times New Roman" panose="02020603050405020304" pitchFamily="18" charset="0"/>
+              </a:rPr>
+              <a:t>="AP-2");</a:t>
+            </a:r>
+          </a:p>
+          <a:p>
+            <a:pPr marL="109728" indent="0">
+              <a:buNone/>
+            </a:pPr>
             <a:endParaRPr lang="en-US" sz="1600" dirty="0">
               <a:solidFill>
                 <a:schemeClr val="tx1"/>
@@ -19837,16 +20099,6 @@
               <a:buNone/>
             </a:pPr>
             <a:r>
-              <a:rPr lang="en-US" sz="1600" dirty="0" err="1">
-                <a:solidFill>
-                  <a:schemeClr val="tx1"/>
-                </a:solidFill>
-                <a:latin typeface="Times New Roman" panose="02020603050405020304" pitchFamily="18" charset="0"/>
-                <a:cs typeface="Times New Roman" panose="02020603050405020304" pitchFamily="18" charset="0"/>
-              </a:rPr>
-              <a:t>tfs</a:t>
-            </a:r>
-            <a:r>
               <a:rPr lang="en-US" sz="1600" dirty="0">
                 <a:solidFill>
                   <a:schemeClr val="tx1"/>
@@ -19854,18 +20106,20 @@
                 <a:latin typeface="Times New Roman" panose="02020603050405020304" pitchFamily="18" charset="0"/>
                 <a:cs typeface="Times New Roman" panose="02020603050405020304" pitchFamily="18" charset="0"/>
               </a:rPr>
-              <a:t> &lt;- </a:t>
-            </a:r>
-            <a:r>
-              <a:rPr lang="en-US" sz="1600" dirty="0" err="1" smtClean="0">
-                <a:solidFill>
-                  <a:schemeClr val="tx1"/>
-                </a:solidFill>
-                <a:latin typeface="Times New Roman" panose="02020603050405020304" pitchFamily="18" charset="0"/>
-                <a:cs typeface="Times New Roman" panose="02020603050405020304" pitchFamily="18" charset="0"/>
-              </a:rPr>
-              <a:t>tfbs.importMotif</a:t>
-            </a:r>
+              <a:t>## import 2 motifs to fill the licensed motifs in Cis-BP and 1 new motif </a:t>
+            </a:r>
+            <a:endParaRPr lang="en-US" sz="1600" dirty="0" smtClean="0">
+              <a:solidFill>
+                <a:schemeClr val="tx1"/>
+              </a:solidFill>
+              <a:latin typeface="Times New Roman" panose="02020603050405020304" pitchFamily="18" charset="0"/>
+              <a:cs typeface="Times New Roman" panose="02020603050405020304" pitchFamily="18" charset="0"/>
+            </a:endParaRPr>
+          </a:p>
+          <a:p>
+            <a:pPr marL="109728" indent="0">
+              <a:buNone/>
+            </a:pPr>
             <a:r>
               <a:rPr lang="en-US" sz="1600" dirty="0" smtClean="0">
                 <a:solidFill>
@@ -19874,17 +20128,17 @@
                 <a:latin typeface="Times New Roman" panose="02020603050405020304" pitchFamily="18" charset="0"/>
                 <a:cs typeface="Times New Roman" panose="02020603050405020304" pitchFamily="18" charset="0"/>
               </a:rPr>
-              <a:t>( </a:t>
-            </a:r>
-            <a:r>
-              <a:rPr lang="en-US" sz="1600" dirty="0" err="1" smtClean="0">
-                <a:solidFill>
-                  <a:schemeClr val="tx1"/>
-                </a:solidFill>
-                <a:latin typeface="Times New Roman" panose="02020603050405020304" pitchFamily="18" charset="0"/>
-                <a:cs typeface="Times New Roman" panose="02020603050405020304" pitchFamily="18" charset="0"/>
-              </a:rPr>
-              <a:t>tfs</a:t>
+              <a:t>## from </a:t>
+            </a:r>
+            <a:r>
+              <a:rPr lang="en-US" sz="1600" dirty="0">
+                <a:solidFill>
+                  <a:schemeClr val="tx1"/>
+                </a:solidFill>
+                <a:latin typeface="Times New Roman" panose="02020603050405020304" pitchFamily="18" charset="0"/>
+                <a:cs typeface="Times New Roman" panose="02020603050405020304" pitchFamily="18" charset="0"/>
+              </a:rPr>
+              <a:t>other </a:t>
             </a:r>
             <a:r>
               <a:rPr lang="en-US" sz="1600" dirty="0" smtClean="0">
@@ -19894,77 +20148,7 @@
                 <a:latin typeface="Times New Roman" panose="02020603050405020304" pitchFamily="18" charset="0"/>
                 <a:cs typeface="Times New Roman" panose="02020603050405020304" pitchFamily="18" charset="0"/>
               </a:rPr>
-              <a:t>, </a:t>
-            </a:r>
-            <a:r>
-              <a:rPr lang="en-US" sz="1600" dirty="0" err="1" smtClean="0">
-                <a:solidFill>
-                  <a:schemeClr val="tx1"/>
-                </a:solidFill>
-                <a:latin typeface="Times New Roman" panose="02020603050405020304" pitchFamily="18" charset="0"/>
-                <a:cs typeface="Times New Roman" panose="02020603050405020304" pitchFamily="18" charset="0"/>
-              </a:rPr>
-              <a:t>db</a:t>
-            </a:r>
-            <a:r>
-              <a:rPr lang="en-US" sz="1600" dirty="0" smtClean="0">
-                <a:solidFill>
-                  <a:schemeClr val="tx1"/>
-                </a:solidFill>
-                <a:latin typeface="Times New Roman" panose="02020603050405020304" pitchFamily="18" charset="0"/>
-                <a:cs typeface="Times New Roman" panose="02020603050405020304" pitchFamily="18" charset="0"/>
-              </a:rPr>
-              <a:t>, motif.id</a:t>
-            </a:r>
-            <a:r>
-              <a:rPr lang="en-US" sz="1600" dirty="0">
-                <a:solidFill>
-                  <a:schemeClr val="tx1"/>
-                </a:solidFill>
-                <a:latin typeface="Times New Roman" panose="02020603050405020304" pitchFamily="18" charset="0"/>
-                <a:cs typeface="Times New Roman" panose="02020603050405020304" pitchFamily="18" charset="0"/>
-              </a:rPr>
-              <a:t>="</a:t>
-            </a:r>
-            <a:r>
-              <a:rPr lang="en-US" sz="1600" dirty="0" err="1">
-                <a:solidFill>
-                  <a:schemeClr val="tx1"/>
-                </a:solidFill>
-                <a:latin typeface="Times New Roman" panose="02020603050405020304" pitchFamily="18" charset="0"/>
-                <a:cs typeface="Times New Roman" panose="02020603050405020304" pitchFamily="18" charset="0"/>
-              </a:rPr>
-              <a:t>Mxx_ID</a:t>
-            </a:r>
-            <a:r>
-              <a:rPr lang="en-US" sz="1600" dirty="0" smtClean="0">
-                <a:solidFill>
-                  <a:schemeClr val="tx1"/>
-                </a:solidFill>
-                <a:latin typeface="Times New Roman" panose="02020603050405020304" pitchFamily="18" charset="0"/>
-                <a:cs typeface="Times New Roman" panose="02020603050405020304" pitchFamily="18" charset="0"/>
-              </a:rPr>
-              <a:t>", 		</a:t>
-            </a:r>
-            <a:r>
-              <a:rPr lang="en-US" sz="1600" dirty="0" err="1" smtClean="0">
-                <a:solidFill>
-                  <a:schemeClr val="tx1"/>
-                </a:solidFill>
-                <a:latin typeface="Times New Roman" panose="02020603050405020304" pitchFamily="18" charset="0"/>
-                <a:cs typeface="Times New Roman" panose="02020603050405020304" pitchFamily="18" charset="0"/>
-              </a:rPr>
-              <a:t>file.pwms</a:t>
-            </a:r>
-            <a:r>
-              <a:rPr lang="en-US" sz="1600" dirty="0" smtClean="0">
-                <a:solidFill>
-                  <a:schemeClr val="tx1"/>
-                </a:solidFill>
-                <a:latin typeface="Times New Roman" panose="02020603050405020304" pitchFamily="18" charset="0"/>
-                <a:cs typeface="Times New Roman" panose="02020603050405020304" pitchFamily="18" charset="0"/>
-              </a:rPr>
-              <a:t>="Mxx_ID.txt");</a:t>
+              <a:t>source</a:t>
             </a:r>
             <a:endParaRPr lang="en-US" sz="1600" dirty="0">
               <a:solidFill>
@@ -19978,7 +20162,687 @@
             <a:pPr marL="109728" indent="0">
               <a:buNone/>
             </a:pPr>
-            <a:endParaRPr lang="en-US" sz="1600" dirty="0" smtClean="0">
+            <a:r>
+              <a:rPr lang="en-US" sz="1600" dirty="0" err="1">
+                <a:solidFill>
+                  <a:schemeClr val="tx1"/>
+                </a:solidFill>
+                <a:latin typeface="Times New Roman" panose="02020603050405020304" pitchFamily="18" charset="0"/>
+                <a:cs typeface="Times New Roman" panose="02020603050405020304" pitchFamily="18" charset="0"/>
+              </a:rPr>
+              <a:t>motif_ids</a:t>
+            </a:r>
+            <a:r>
+              <a:rPr lang="en-US" sz="1600" dirty="0">
+                <a:solidFill>
+                  <a:schemeClr val="tx1"/>
+                </a:solidFill>
+                <a:latin typeface="Times New Roman" panose="02020603050405020304" pitchFamily="18" charset="0"/>
+                <a:cs typeface="Times New Roman" panose="02020603050405020304" pitchFamily="18" charset="0"/>
+              </a:rPr>
+              <a:t> &lt;- c( "M2938_1.02", "M3591_1.01", "M3590_1.01" );</a:t>
+            </a:r>
+          </a:p>
+          <a:p>
+            <a:pPr marL="109728" indent="0">
+              <a:buNone/>
+            </a:pPr>
+            <a:r>
+              <a:rPr lang="en-US" sz="1600" dirty="0">
+                <a:solidFill>
+                  <a:schemeClr val="tx1"/>
+                </a:solidFill>
+                <a:latin typeface="Times New Roman" panose="02020603050405020304" pitchFamily="18" charset="0"/>
+                <a:cs typeface="Times New Roman" panose="02020603050405020304" pitchFamily="18" charset="0"/>
+              </a:rPr>
+              <a:t>path &lt;- </a:t>
+            </a:r>
+            <a:r>
+              <a:rPr lang="en-US" sz="1600" dirty="0" err="1">
+                <a:solidFill>
+                  <a:schemeClr val="tx1"/>
+                </a:solidFill>
+                <a:latin typeface="Times New Roman" panose="02020603050405020304" pitchFamily="18" charset="0"/>
+                <a:cs typeface="Times New Roman" panose="02020603050405020304" pitchFamily="18" charset="0"/>
+              </a:rPr>
+              <a:t>system.file</a:t>
+            </a:r>
+            <a:r>
+              <a:rPr lang="en-US" sz="1600" dirty="0">
+                <a:solidFill>
+                  <a:schemeClr val="tx1"/>
+                </a:solidFill>
+                <a:latin typeface="Times New Roman" panose="02020603050405020304" pitchFamily="18" charset="0"/>
+                <a:cs typeface="Times New Roman" panose="02020603050405020304" pitchFamily="18" charset="0"/>
+              </a:rPr>
+              <a:t>("</a:t>
+            </a:r>
+            <a:r>
+              <a:rPr lang="en-US" sz="1600" dirty="0" err="1">
+                <a:solidFill>
+                  <a:schemeClr val="tx1"/>
+                </a:solidFill>
+                <a:latin typeface="Times New Roman" panose="02020603050405020304" pitchFamily="18" charset="0"/>
+                <a:cs typeface="Times New Roman" panose="02020603050405020304" pitchFamily="18" charset="0"/>
+              </a:rPr>
+              <a:t>extdata</a:t>
+            </a:r>
+            <a:r>
+              <a:rPr lang="en-US" sz="1600" dirty="0">
+                <a:solidFill>
+                  <a:schemeClr val="tx1"/>
+                </a:solidFill>
+                <a:latin typeface="Times New Roman" panose="02020603050405020304" pitchFamily="18" charset="0"/>
+                <a:cs typeface="Times New Roman" panose="02020603050405020304" pitchFamily="18" charset="0"/>
+              </a:rPr>
+              <a:t>", package="</a:t>
+            </a:r>
+            <a:r>
+              <a:rPr lang="en-US" sz="1600" dirty="0" err="1">
+                <a:solidFill>
+                  <a:schemeClr val="tx1"/>
+                </a:solidFill>
+                <a:latin typeface="Times New Roman" panose="02020603050405020304" pitchFamily="18" charset="0"/>
+                <a:cs typeface="Times New Roman" panose="02020603050405020304" pitchFamily="18" charset="0"/>
+              </a:rPr>
+              <a:t>rtfbsdb</a:t>
+            </a:r>
+            <a:r>
+              <a:rPr lang="en-US" sz="1600" dirty="0">
+                <a:solidFill>
+                  <a:schemeClr val="tx1"/>
+                </a:solidFill>
+                <a:latin typeface="Times New Roman" panose="02020603050405020304" pitchFamily="18" charset="0"/>
+                <a:cs typeface="Times New Roman" panose="02020603050405020304" pitchFamily="18" charset="0"/>
+              </a:rPr>
+              <a:t>");</a:t>
+            </a:r>
+          </a:p>
+          <a:p>
+            <a:pPr marL="109728" indent="0">
+              <a:buNone/>
+            </a:pPr>
+            <a:r>
+              <a:rPr lang="en-US" sz="1600" dirty="0" err="1">
+                <a:solidFill>
+                  <a:schemeClr val="tx1"/>
+                </a:solidFill>
+                <a:latin typeface="Times New Roman" panose="02020603050405020304" pitchFamily="18" charset="0"/>
+                <a:cs typeface="Times New Roman" panose="02020603050405020304" pitchFamily="18" charset="0"/>
+              </a:rPr>
+              <a:t>file_pwms</a:t>
+            </a:r>
+            <a:r>
+              <a:rPr lang="en-US" sz="1600" dirty="0">
+                <a:solidFill>
+                  <a:schemeClr val="tx1"/>
+                </a:solidFill>
+                <a:latin typeface="Times New Roman" panose="02020603050405020304" pitchFamily="18" charset="0"/>
+                <a:cs typeface="Times New Roman" panose="02020603050405020304" pitchFamily="18" charset="0"/>
+              </a:rPr>
+              <a:t> &lt;- paste(path, c( </a:t>
+            </a:r>
+            <a:r>
+              <a:rPr lang="en-US" sz="1600" dirty="0" smtClean="0">
+                <a:solidFill>
+                  <a:schemeClr val="tx1"/>
+                </a:solidFill>
+                <a:latin typeface="Times New Roman" panose="02020603050405020304" pitchFamily="18" charset="0"/>
+                <a:cs typeface="Times New Roman" panose="02020603050405020304" pitchFamily="18" charset="0"/>
+              </a:rPr>
+              <a:t>"</a:t>
+            </a:r>
+            <a:r>
+              <a:rPr lang="en-US" sz="1600" dirty="0">
+                <a:solidFill>
+                  <a:schemeClr val="tx1"/>
+                </a:solidFill>
+                <a:latin typeface="Times New Roman" panose="02020603050405020304" pitchFamily="18" charset="0"/>
+                <a:cs typeface="Times New Roman" panose="02020603050405020304" pitchFamily="18" charset="0"/>
+              </a:rPr>
+              <a:t>fake_M2938_1.02.pwm",</a:t>
+            </a:r>
+          </a:p>
+          <a:p>
+            <a:pPr marL="109728" indent="0">
+              <a:buNone/>
+            </a:pPr>
+            <a:r>
+              <a:rPr lang="en-US" sz="1600" dirty="0">
+                <a:solidFill>
+                  <a:schemeClr val="tx1"/>
+                </a:solidFill>
+                <a:latin typeface="Times New Roman" panose="02020603050405020304" pitchFamily="18" charset="0"/>
+                <a:cs typeface="Times New Roman" panose="02020603050405020304" pitchFamily="18" charset="0"/>
+              </a:rPr>
+              <a:t>      </a:t>
+            </a:r>
+            <a:r>
+              <a:rPr lang="en-US" sz="1600" dirty="0" smtClean="0">
+                <a:solidFill>
+                  <a:schemeClr val="tx1"/>
+                </a:solidFill>
+                <a:latin typeface="Times New Roman" panose="02020603050405020304" pitchFamily="18" charset="0"/>
+                <a:cs typeface="Times New Roman" panose="02020603050405020304" pitchFamily="18" charset="0"/>
+              </a:rPr>
+              <a:t>	"</a:t>
+            </a:r>
+            <a:r>
+              <a:rPr lang="en-US" sz="1600" dirty="0">
+                <a:solidFill>
+                  <a:schemeClr val="tx1"/>
+                </a:solidFill>
+                <a:latin typeface="Times New Roman" panose="02020603050405020304" pitchFamily="18" charset="0"/>
+                <a:cs typeface="Times New Roman" panose="02020603050405020304" pitchFamily="18" charset="0"/>
+              </a:rPr>
+              <a:t>M3591_1.01.pwm", </a:t>
+            </a:r>
+          </a:p>
+          <a:p>
+            <a:pPr marL="109728" indent="0">
+              <a:buNone/>
+            </a:pPr>
+            <a:r>
+              <a:rPr lang="en-US" sz="1600" dirty="0">
+                <a:solidFill>
+                  <a:schemeClr val="tx1"/>
+                </a:solidFill>
+                <a:latin typeface="Times New Roman" panose="02020603050405020304" pitchFamily="18" charset="0"/>
+                <a:cs typeface="Times New Roman" panose="02020603050405020304" pitchFamily="18" charset="0"/>
+              </a:rPr>
+              <a:t>      </a:t>
+            </a:r>
+            <a:r>
+              <a:rPr lang="en-US" sz="1600" dirty="0" smtClean="0">
+                <a:solidFill>
+                  <a:schemeClr val="tx1"/>
+                </a:solidFill>
+                <a:latin typeface="Times New Roman" panose="02020603050405020304" pitchFamily="18" charset="0"/>
+                <a:cs typeface="Times New Roman" panose="02020603050405020304" pitchFamily="18" charset="0"/>
+              </a:rPr>
+              <a:t>	"</a:t>
+            </a:r>
+            <a:r>
+              <a:rPr lang="en-US" sz="1600" dirty="0">
+                <a:solidFill>
+                  <a:schemeClr val="tx1"/>
+                </a:solidFill>
+                <a:latin typeface="Times New Roman" panose="02020603050405020304" pitchFamily="18" charset="0"/>
+                <a:cs typeface="Times New Roman" panose="02020603050405020304" pitchFamily="18" charset="0"/>
+              </a:rPr>
+              <a:t>M3590_1.01.pwm"), </a:t>
+            </a:r>
+            <a:r>
+              <a:rPr lang="en-US" sz="1600" dirty="0" err="1">
+                <a:solidFill>
+                  <a:schemeClr val="tx1"/>
+                </a:solidFill>
+                <a:latin typeface="Times New Roman" panose="02020603050405020304" pitchFamily="18" charset="0"/>
+                <a:cs typeface="Times New Roman" panose="02020603050405020304" pitchFamily="18" charset="0"/>
+              </a:rPr>
+              <a:t>sep</a:t>
+            </a:r>
+            <a:r>
+              <a:rPr lang="en-US" sz="1600" dirty="0">
+                <a:solidFill>
+                  <a:schemeClr val="tx1"/>
+                </a:solidFill>
+                <a:latin typeface="Times New Roman" panose="02020603050405020304" pitchFamily="18" charset="0"/>
+                <a:cs typeface="Times New Roman" panose="02020603050405020304" pitchFamily="18" charset="0"/>
+              </a:rPr>
+              <a:t>="/");</a:t>
+            </a:r>
+          </a:p>
+          <a:p>
+            <a:pPr marL="109728" indent="0">
+              <a:buNone/>
+            </a:pPr>
+            <a:r>
+              <a:rPr lang="en-US" sz="1600" dirty="0" err="1">
+                <a:solidFill>
+                  <a:schemeClr val="tx1"/>
+                </a:solidFill>
+                <a:latin typeface="Times New Roman" panose="02020603050405020304" pitchFamily="18" charset="0"/>
+                <a:cs typeface="Times New Roman" panose="02020603050405020304" pitchFamily="18" charset="0"/>
+              </a:rPr>
+              <a:t>tfs</a:t>
+            </a:r>
+            <a:r>
+              <a:rPr lang="en-US" sz="1600" dirty="0">
+                <a:solidFill>
+                  <a:schemeClr val="tx1"/>
+                </a:solidFill>
+                <a:latin typeface="Times New Roman" panose="02020603050405020304" pitchFamily="18" charset="0"/>
+                <a:cs typeface="Times New Roman" panose="02020603050405020304" pitchFamily="18" charset="0"/>
+              </a:rPr>
+              <a:t> &lt;- </a:t>
+            </a:r>
+            <a:r>
+              <a:rPr lang="en-US" sz="1600" dirty="0" err="1">
+                <a:solidFill>
+                  <a:schemeClr val="tx1"/>
+                </a:solidFill>
+                <a:latin typeface="Times New Roman" panose="02020603050405020304" pitchFamily="18" charset="0"/>
+                <a:cs typeface="Times New Roman" panose="02020603050405020304" pitchFamily="18" charset="0"/>
+              </a:rPr>
+              <a:t>tfbs.importMotifs</a:t>
+            </a:r>
+            <a:r>
+              <a:rPr lang="en-US" sz="1600" dirty="0">
+                <a:solidFill>
+                  <a:schemeClr val="tx1"/>
+                </a:solidFill>
+                <a:latin typeface="Times New Roman" panose="02020603050405020304" pitchFamily="18" charset="0"/>
+                <a:cs typeface="Times New Roman" panose="02020603050405020304" pitchFamily="18" charset="0"/>
+              </a:rPr>
+              <a:t>(</a:t>
+            </a:r>
+            <a:r>
+              <a:rPr lang="en-US" sz="1600" dirty="0" err="1">
+                <a:solidFill>
+                  <a:schemeClr val="tx1"/>
+                </a:solidFill>
+                <a:latin typeface="Times New Roman" panose="02020603050405020304" pitchFamily="18" charset="0"/>
+                <a:cs typeface="Times New Roman" panose="02020603050405020304" pitchFamily="18" charset="0"/>
+              </a:rPr>
+              <a:t>tfs</a:t>
+            </a:r>
+            <a:r>
+              <a:rPr lang="en-US" sz="1600" dirty="0">
+                <a:solidFill>
+                  <a:schemeClr val="tx1"/>
+                </a:solidFill>
+                <a:latin typeface="Times New Roman" panose="02020603050405020304" pitchFamily="18" charset="0"/>
+                <a:cs typeface="Times New Roman" panose="02020603050405020304" pitchFamily="18" charset="0"/>
+              </a:rPr>
+              <a:t>, </a:t>
+            </a:r>
+            <a:r>
+              <a:rPr lang="en-US" sz="1600" dirty="0" smtClean="0">
+                <a:solidFill>
+                  <a:schemeClr val="tx1"/>
+                </a:solidFill>
+                <a:latin typeface="Times New Roman" panose="02020603050405020304" pitchFamily="18" charset="0"/>
+                <a:cs typeface="Times New Roman" panose="02020603050405020304" pitchFamily="18" charset="0"/>
+              </a:rPr>
+              <a:t>"</a:t>
+            </a:r>
+            <a:r>
+              <a:rPr lang="en-US" sz="1600" dirty="0" err="1" smtClean="0">
+                <a:solidFill>
+                  <a:schemeClr val="tx1"/>
+                </a:solidFill>
+                <a:latin typeface="Times New Roman" panose="02020603050405020304" pitchFamily="18" charset="0"/>
+                <a:cs typeface="Times New Roman" panose="02020603050405020304" pitchFamily="18" charset="0"/>
+              </a:rPr>
+              <a:t>pwm.matrix</a:t>
+            </a:r>
+            <a:r>
+              <a:rPr lang="en-US" sz="1600" dirty="0" smtClean="0">
+                <a:solidFill>
+                  <a:schemeClr val="tx1"/>
+                </a:solidFill>
+                <a:latin typeface="Times New Roman" panose="02020603050405020304" pitchFamily="18" charset="0"/>
+                <a:cs typeface="Times New Roman" panose="02020603050405020304" pitchFamily="18" charset="0"/>
+              </a:rPr>
+              <a:t>", </a:t>
+            </a:r>
+            <a:r>
+              <a:rPr lang="en-US" sz="1600" dirty="0" err="1">
+                <a:solidFill>
+                  <a:schemeClr val="tx1"/>
+                </a:solidFill>
+                <a:latin typeface="Times New Roman" panose="02020603050405020304" pitchFamily="18" charset="0"/>
+                <a:cs typeface="Times New Roman" panose="02020603050405020304" pitchFamily="18" charset="0"/>
+              </a:rPr>
+              <a:t>file_pwms</a:t>
+            </a:r>
+            <a:r>
+              <a:rPr lang="en-US" sz="1600" dirty="0">
+                <a:solidFill>
+                  <a:schemeClr val="tx1"/>
+                </a:solidFill>
+                <a:latin typeface="Times New Roman" panose="02020603050405020304" pitchFamily="18" charset="0"/>
+                <a:cs typeface="Times New Roman" panose="02020603050405020304" pitchFamily="18" charset="0"/>
+              </a:rPr>
+              <a:t>, </a:t>
+            </a:r>
+            <a:r>
+              <a:rPr lang="en-US" sz="1600" dirty="0" err="1">
+                <a:solidFill>
+                  <a:schemeClr val="tx1"/>
+                </a:solidFill>
+                <a:latin typeface="Times New Roman" panose="02020603050405020304" pitchFamily="18" charset="0"/>
+                <a:cs typeface="Times New Roman" panose="02020603050405020304" pitchFamily="18" charset="0"/>
+              </a:rPr>
+              <a:t>motif_ids</a:t>
+            </a:r>
+            <a:r>
+              <a:rPr lang="en-US" sz="1600" dirty="0">
+                <a:solidFill>
+                  <a:schemeClr val="tx1"/>
+                </a:solidFill>
+                <a:latin typeface="Times New Roman" panose="02020603050405020304" pitchFamily="18" charset="0"/>
+                <a:cs typeface="Times New Roman" panose="02020603050405020304" pitchFamily="18" charset="0"/>
+              </a:rPr>
+              <a:t>, header=T );</a:t>
+            </a:r>
+          </a:p>
+          <a:p>
+            <a:pPr marL="109728" indent="0">
+              <a:buNone/>
+            </a:pPr>
+            <a:endParaRPr lang="en-US" sz="1600" dirty="0">
+              <a:solidFill>
+                <a:schemeClr val="tx1"/>
+              </a:solidFill>
+              <a:latin typeface="Times New Roman" panose="02020603050405020304" pitchFamily="18" charset="0"/>
+              <a:cs typeface="Times New Roman" panose="02020603050405020304" pitchFamily="18" charset="0"/>
+            </a:endParaRPr>
+          </a:p>
+          <a:p>
+            <a:pPr marL="109728" indent="0">
+              <a:buNone/>
+            </a:pPr>
+            <a:r>
+              <a:rPr lang="en-US" sz="1600" dirty="0">
+                <a:solidFill>
+                  <a:schemeClr val="tx1"/>
+                </a:solidFill>
+                <a:latin typeface="Times New Roman" panose="02020603050405020304" pitchFamily="18" charset="0"/>
+                <a:cs typeface="Times New Roman" panose="02020603050405020304" pitchFamily="18" charset="0"/>
+              </a:rPr>
+              <a:t>## import the data file in Jaspar format</a:t>
+            </a:r>
+          </a:p>
+          <a:p>
+            <a:pPr marL="109728" indent="0">
+              <a:buNone/>
+            </a:pPr>
+            <a:r>
+              <a:rPr lang="en-US" sz="1600" dirty="0" err="1">
+                <a:solidFill>
+                  <a:schemeClr val="tx1"/>
+                </a:solidFill>
+                <a:latin typeface="Times New Roman" panose="02020603050405020304" pitchFamily="18" charset="0"/>
+                <a:cs typeface="Times New Roman" panose="02020603050405020304" pitchFamily="18" charset="0"/>
+              </a:rPr>
+              <a:t>tbs</a:t>
+            </a:r>
+            <a:r>
+              <a:rPr lang="en-US" sz="1600" dirty="0">
+                <a:solidFill>
+                  <a:schemeClr val="tx1"/>
+                </a:solidFill>
+                <a:latin typeface="Times New Roman" panose="02020603050405020304" pitchFamily="18" charset="0"/>
+                <a:cs typeface="Times New Roman" panose="02020603050405020304" pitchFamily="18" charset="0"/>
+              </a:rPr>
+              <a:t> &lt;- </a:t>
+            </a:r>
+            <a:r>
+              <a:rPr lang="en-US" sz="1600" dirty="0" err="1">
+                <a:solidFill>
+                  <a:schemeClr val="tx1"/>
+                </a:solidFill>
+                <a:latin typeface="Times New Roman" panose="02020603050405020304" pitchFamily="18" charset="0"/>
+                <a:cs typeface="Times New Roman" panose="02020603050405020304" pitchFamily="18" charset="0"/>
+              </a:rPr>
+              <a:t>tfbs</a:t>
+            </a:r>
+            <a:r>
+              <a:rPr lang="en-US" sz="1600" dirty="0">
+                <a:solidFill>
+                  <a:schemeClr val="tx1"/>
+                </a:solidFill>
+                <a:latin typeface="Times New Roman" panose="02020603050405020304" pitchFamily="18" charset="0"/>
+                <a:cs typeface="Times New Roman" panose="02020603050405020304" pitchFamily="18" charset="0"/>
+              </a:rPr>
+              <a:t>();</a:t>
+            </a:r>
+          </a:p>
+          <a:p>
+            <a:pPr marL="109728" indent="0">
+              <a:buNone/>
+            </a:pPr>
+            <a:r>
+              <a:rPr lang="en-US" sz="1600" dirty="0" err="1">
+                <a:solidFill>
+                  <a:schemeClr val="tx1"/>
+                </a:solidFill>
+                <a:latin typeface="Times New Roman" panose="02020603050405020304" pitchFamily="18" charset="0"/>
+                <a:cs typeface="Times New Roman" panose="02020603050405020304" pitchFamily="18" charset="0"/>
+              </a:rPr>
+              <a:t>data.jaspar</a:t>
+            </a:r>
+            <a:r>
+              <a:rPr lang="en-US" sz="1600" dirty="0">
+                <a:solidFill>
+                  <a:schemeClr val="tx1"/>
+                </a:solidFill>
+                <a:latin typeface="Times New Roman" panose="02020603050405020304" pitchFamily="18" charset="0"/>
+                <a:cs typeface="Times New Roman" panose="02020603050405020304" pitchFamily="18" charset="0"/>
+              </a:rPr>
+              <a:t> &lt;- </a:t>
+            </a:r>
+            <a:r>
+              <a:rPr lang="en-US" sz="1600" dirty="0" err="1">
+                <a:solidFill>
+                  <a:schemeClr val="tx1"/>
+                </a:solidFill>
+                <a:latin typeface="Times New Roman" panose="02020603050405020304" pitchFamily="18" charset="0"/>
+                <a:cs typeface="Times New Roman" panose="02020603050405020304" pitchFamily="18" charset="0"/>
+              </a:rPr>
+              <a:t>system.file</a:t>
+            </a:r>
+            <a:r>
+              <a:rPr lang="en-US" sz="1600" dirty="0">
+                <a:solidFill>
+                  <a:schemeClr val="tx1"/>
+                </a:solidFill>
+                <a:latin typeface="Times New Roman" panose="02020603050405020304" pitchFamily="18" charset="0"/>
+                <a:cs typeface="Times New Roman" panose="02020603050405020304" pitchFamily="18" charset="0"/>
+              </a:rPr>
+              <a:t>("</a:t>
+            </a:r>
+            <a:r>
+              <a:rPr lang="en-US" sz="1600" dirty="0" err="1">
+                <a:solidFill>
+                  <a:schemeClr val="tx1"/>
+                </a:solidFill>
+                <a:latin typeface="Times New Roman" panose="02020603050405020304" pitchFamily="18" charset="0"/>
+                <a:cs typeface="Times New Roman" panose="02020603050405020304" pitchFamily="18" charset="0"/>
+              </a:rPr>
+              <a:t>extdata</a:t>
+            </a:r>
+            <a:r>
+              <a:rPr lang="en-US" sz="1600" dirty="0">
+                <a:solidFill>
+                  <a:schemeClr val="tx1"/>
+                </a:solidFill>
+                <a:latin typeface="Times New Roman" panose="02020603050405020304" pitchFamily="18" charset="0"/>
+                <a:cs typeface="Times New Roman" panose="02020603050405020304" pitchFamily="18" charset="0"/>
+              </a:rPr>
+              <a:t>", "pwm.example.jaspar.2015.txt", </a:t>
+            </a:r>
+            <a:r>
+              <a:rPr lang="en-US" sz="1600" dirty="0" smtClean="0">
+                <a:solidFill>
+                  <a:schemeClr val="tx1"/>
+                </a:solidFill>
+                <a:latin typeface="Times New Roman" panose="02020603050405020304" pitchFamily="18" charset="0"/>
+                <a:cs typeface="Times New Roman" panose="02020603050405020304" pitchFamily="18" charset="0"/>
+              </a:rPr>
+              <a:t>	package</a:t>
+            </a:r>
+            <a:r>
+              <a:rPr lang="en-US" sz="1600" dirty="0">
+                <a:solidFill>
+                  <a:schemeClr val="tx1"/>
+                </a:solidFill>
+                <a:latin typeface="Times New Roman" panose="02020603050405020304" pitchFamily="18" charset="0"/>
+                <a:cs typeface="Times New Roman" panose="02020603050405020304" pitchFamily="18" charset="0"/>
+              </a:rPr>
+              <a:t>="</a:t>
+            </a:r>
+            <a:r>
+              <a:rPr lang="en-US" sz="1600" dirty="0" err="1">
+                <a:solidFill>
+                  <a:schemeClr val="tx1"/>
+                </a:solidFill>
+                <a:latin typeface="Times New Roman" panose="02020603050405020304" pitchFamily="18" charset="0"/>
+                <a:cs typeface="Times New Roman" panose="02020603050405020304" pitchFamily="18" charset="0"/>
+              </a:rPr>
+              <a:t>rtfbsdb</a:t>
+            </a:r>
+            <a:r>
+              <a:rPr lang="en-US" sz="1600" dirty="0">
+                <a:solidFill>
+                  <a:schemeClr val="tx1"/>
+                </a:solidFill>
+                <a:latin typeface="Times New Roman" panose="02020603050405020304" pitchFamily="18" charset="0"/>
+                <a:cs typeface="Times New Roman" panose="02020603050405020304" pitchFamily="18" charset="0"/>
+              </a:rPr>
+              <a:t>");</a:t>
+            </a:r>
+          </a:p>
+          <a:p>
+            <a:pPr marL="109728" indent="0">
+              <a:buNone/>
+            </a:pPr>
+            <a:r>
+              <a:rPr lang="en-US" sz="1600" dirty="0" err="1">
+                <a:solidFill>
+                  <a:schemeClr val="tx1"/>
+                </a:solidFill>
+                <a:latin typeface="Times New Roman" panose="02020603050405020304" pitchFamily="18" charset="0"/>
+                <a:cs typeface="Times New Roman" panose="02020603050405020304" pitchFamily="18" charset="0"/>
+              </a:rPr>
+              <a:t>tfs.jaspar</a:t>
+            </a:r>
+            <a:r>
+              <a:rPr lang="en-US" sz="1600" dirty="0">
+                <a:solidFill>
+                  <a:schemeClr val="tx1"/>
+                </a:solidFill>
+                <a:latin typeface="Times New Roman" panose="02020603050405020304" pitchFamily="18" charset="0"/>
+                <a:cs typeface="Times New Roman" panose="02020603050405020304" pitchFamily="18" charset="0"/>
+              </a:rPr>
+              <a:t> &lt;- </a:t>
+            </a:r>
+            <a:r>
+              <a:rPr lang="en-US" sz="1600" dirty="0" err="1">
+                <a:solidFill>
+                  <a:schemeClr val="tx1"/>
+                </a:solidFill>
+                <a:latin typeface="Times New Roman" panose="02020603050405020304" pitchFamily="18" charset="0"/>
+                <a:cs typeface="Times New Roman" panose="02020603050405020304" pitchFamily="18" charset="0"/>
+              </a:rPr>
+              <a:t>tfbs.importMotifs</a:t>
+            </a:r>
+            <a:r>
+              <a:rPr lang="en-US" sz="1600" dirty="0">
+                <a:solidFill>
+                  <a:schemeClr val="tx1"/>
+                </a:solidFill>
+                <a:latin typeface="Times New Roman" panose="02020603050405020304" pitchFamily="18" charset="0"/>
+                <a:cs typeface="Times New Roman" panose="02020603050405020304" pitchFamily="18" charset="0"/>
+              </a:rPr>
+              <a:t>(</a:t>
+            </a:r>
+            <a:r>
+              <a:rPr lang="en-US" sz="1600" dirty="0" err="1">
+                <a:solidFill>
+                  <a:schemeClr val="tx1"/>
+                </a:solidFill>
+                <a:latin typeface="Times New Roman" panose="02020603050405020304" pitchFamily="18" charset="0"/>
+                <a:cs typeface="Times New Roman" panose="02020603050405020304" pitchFamily="18" charset="0"/>
+              </a:rPr>
+              <a:t>tfs</a:t>
+            </a:r>
+            <a:r>
+              <a:rPr lang="en-US" sz="1600" dirty="0">
+                <a:solidFill>
+                  <a:schemeClr val="tx1"/>
+                </a:solidFill>
+                <a:latin typeface="Times New Roman" panose="02020603050405020304" pitchFamily="18" charset="0"/>
+                <a:cs typeface="Times New Roman" panose="02020603050405020304" pitchFamily="18" charset="0"/>
+              </a:rPr>
+              <a:t>, "</a:t>
+            </a:r>
+            <a:r>
+              <a:rPr lang="en-US" sz="1600" dirty="0" err="1">
+                <a:solidFill>
+                  <a:schemeClr val="tx1"/>
+                </a:solidFill>
+                <a:latin typeface="Times New Roman" panose="02020603050405020304" pitchFamily="18" charset="0"/>
+                <a:cs typeface="Times New Roman" panose="02020603050405020304" pitchFamily="18" charset="0"/>
+              </a:rPr>
+              <a:t>jaspar</a:t>
+            </a:r>
+            <a:r>
+              <a:rPr lang="en-US" sz="1600" dirty="0">
+                <a:solidFill>
+                  <a:schemeClr val="tx1"/>
+                </a:solidFill>
+                <a:latin typeface="Times New Roman" panose="02020603050405020304" pitchFamily="18" charset="0"/>
+                <a:cs typeface="Times New Roman" panose="02020603050405020304" pitchFamily="18" charset="0"/>
+              </a:rPr>
+              <a:t>", </a:t>
+            </a:r>
+            <a:r>
+              <a:rPr lang="en-US" sz="1600" dirty="0" err="1">
+                <a:solidFill>
+                  <a:schemeClr val="tx1"/>
+                </a:solidFill>
+                <a:latin typeface="Times New Roman" panose="02020603050405020304" pitchFamily="18" charset="0"/>
+                <a:cs typeface="Times New Roman" panose="02020603050405020304" pitchFamily="18" charset="0"/>
+              </a:rPr>
+              <a:t>data.jaspar</a:t>
+            </a:r>
+            <a:r>
+              <a:rPr lang="en-US" sz="1600" dirty="0">
+                <a:solidFill>
+                  <a:schemeClr val="tx1"/>
+                </a:solidFill>
+                <a:latin typeface="Times New Roman" panose="02020603050405020304" pitchFamily="18" charset="0"/>
+                <a:cs typeface="Times New Roman" panose="02020603050405020304" pitchFamily="18" charset="0"/>
+              </a:rPr>
+              <a:t>, </a:t>
+            </a:r>
+            <a:r>
+              <a:rPr lang="en-US" sz="1600" dirty="0" err="1">
+                <a:solidFill>
+                  <a:schemeClr val="tx1"/>
+                </a:solidFill>
+                <a:latin typeface="Times New Roman" panose="02020603050405020304" pitchFamily="18" charset="0"/>
+                <a:cs typeface="Times New Roman" panose="02020603050405020304" pitchFamily="18" charset="0"/>
+              </a:rPr>
+              <a:t>skip.lines</a:t>
+            </a:r>
+            <a:r>
+              <a:rPr lang="en-US" sz="1600" dirty="0">
+                <a:solidFill>
+                  <a:schemeClr val="tx1"/>
+                </a:solidFill>
+                <a:latin typeface="Times New Roman" panose="02020603050405020304" pitchFamily="18" charset="0"/>
+                <a:cs typeface="Times New Roman" panose="02020603050405020304" pitchFamily="18" charset="0"/>
+              </a:rPr>
+              <a:t>=0</a:t>
+            </a:r>
+            <a:r>
+              <a:rPr lang="en-US" sz="1600" dirty="0" smtClean="0">
+                <a:solidFill>
+                  <a:schemeClr val="tx1"/>
+                </a:solidFill>
+                <a:latin typeface="Times New Roman" panose="02020603050405020304" pitchFamily="18" charset="0"/>
+                <a:cs typeface="Times New Roman" panose="02020603050405020304" pitchFamily="18" charset="0"/>
+              </a:rPr>
+              <a:t>);</a:t>
+            </a:r>
+            <a:endParaRPr lang="en-US" sz="1600" dirty="0">
+              <a:solidFill>
+                <a:schemeClr val="tx1"/>
+              </a:solidFill>
               <a:latin typeface="Times New Roman" panose="02020603050405020304" pitchFamily="18" charset="0"/>
               <a:cs typeface="Times New Roman" panose="02020603050405020304" pitchFamily="18" charset="0"/>
             </a:endParaRPr>

--- a/rtfbsdb-tutorial.pptx
+++ b/rtfbsdb-tutorial.pptx
@@ -247,7 +247,7 @@
             <a:fld id="{68796EA6-6F25-4F19-87BA-7ADCC16DAEFF}" type="datetimeFigureOut">
               <a:rPr lang="en-US" smtClean="0"/>
               <a:pPr/>
-              <a:t>12/8/2015</a:t>
+              <a:t>12/11/2015</a:t>
             </a:fld>
             <a:endParaRPr lang="en-US" dirty="0"/>
           </a:p>
@@ -414,7 +414,7 @@
             <a:fld id="{C39C172E-A8B5-46F6-B05C-DFA3E2E0F207}" type="datetimeFigureOut">
               <a:rPr lang="en-US" smtClean="0"/>
               <a:pPr/>
-              <a:t>12/8/2015</a:t>
+              <a:t>12/11/2015</a:t>
             </a:fld>
             <a:endParaRPr lang="en-US" dirty="0"/>
           </a:p>
@@ -2112,7 +2112,7 @@
             <a:fld id="{4E708F12-96AD-4ED4-8132-A78F5E42C1F5}" type="datetime1">
               <a:rPr lang="en-US" smtClean="0"/>
               <a:pPr/>
-              <a:t>12/8/2015</a:t>
+              <a:t>12/11/2015</a:t>
             </a:fld>
             <a:endParaRPr lang="en-US" dirty="0"/>
           </a:p>
@@ -2336,7 +2336,7 @@
             <a:fld id="{7B7FA170-8299-44AD-AEEF-FC686C3D7804}" type="datetime1">
               <a:rPr lang="en-US" smtClean="0"/>
               <a:pPr/>
-              <a:t>12/8/2015</a:t>
+              <a:t>12/11/2015</a:t>
             </a:fld>
             <a:endParaRPr lang="en-US" dirty="0"/>
           </a:p>
@@ -2520,7 +2520,7 @@
             <a:fld id="{2231763A-68EC-4ECD-9620-D9FE9CDDD622}" type="datetime1">
               <a:rPr lang="en-US" smtClean="0"/>
               <a:pPr/>
-              <a:t>12/8/2015</a:t>
+              <a:t>12/11/2015</a:t>
             </a:fld>
             <a:endParaRPr lang="en-US" dirty="0"/>
           </a:p>
@@ -2714,7 +2714,7 @@
             <a:fld id="{7B98BEDD-6160-49BB-B372-861DE7DE9BA5}" type="datetime1">
               <a:rPr lang="en-US" smtClean="0"/>
               <a:pPr/>
-              <a:t>12/8/2015</a:t>
+              <a:t>12/11/2015</a:t>
             </a:fld>
             <a:endParaRPr lang="en-US" dirty="0"/>
           </a:p>
@@ -2898,7 +2898,7 @@
             <a:fld id="{0AAE819F-B7FD-4B29-8F66-9E318144BC2A}" type="datetime1">
               <a:rPr lang="en-US" smtClean="0"/>
               <a:pPr/>
-              <a:t>12/8/2015</a:t>
+              <a:t>12/11/2015</a:t>
             </a:fld>
             <a:endParaRPr lang="en-US" dirty="0"/>
           </a:p>
@@ -3132,7 +3132,7 @@
             <a:fld id="{D4CA159C-B6E0-4F10-9F4A-2FA57003B139}" type="datetime1">
               <a:rPr lang="en-US" smtClean="0"/>
               <a:pPr/>
-              <a:t>12/8/2015</a:t>
+              <a:t>12/11/2015</a:t>
             </a:fld>
             <a:endParaRPr lang="en-US" dirty="0"/>
           </a:p>
@@ -3426,7 +3426,7 @@
             <a:fld id="{8170CBBB-D1D1-4386-A5E9-07F3477B78F3}" type="datetime1">
               <a:rPr lang="en-US" smtClean="0"/>
               <a:pPr/>
-              <a:t>12/8/2015</a:t>
+              <a:t>12/11/2015</a:t>
             </a:fld>
             <a:endParaRPr lang="en-US" dirty="0"/>
           </a:p>
@@ -3856,7 +3856,7 @@
             <a:fld id="{9FA4CAD8-0EA7-4615-B69B-B2F199EF3A93}" type="datetime1">
               <a:rPr lang="en-US" smtClean="0"/>
               <a:pPr/>
-              <a:t>12/8/2015</a:t>
+              <a:t>12/11/2015</a:t>
             </a:fld>
             <a:endParaRPr lang="en-US" dirty="0"/>
           </a:p>
@@ -4011,7 +4011,7 @@
             <a:fld id="{B9234BD7-6953-492C-921B-E68B2D7F14C8}" type="datetime1">
               <a:rPr lang="en-US" smtClean="0"/>
               <a:pPr/>
-              <a:t>12/8/2015</a:t>
+              <a:t>12/11/2015</a:t>
             </a:fld>
             <a:endParaRPr lang="en-US" dirty="0"/>
           </a:p>
@@ -4120,7 +4120,7 @@
             <a:fld id="{35A17D9B-D4D3-4E23-88DF-2E354FA43196}" type="datetime1">
               <a:rPr lang="en-US" smtClean="0"/>
               <a:pPr/>
-              <a:t>12/8/2015</a:t>
+              <a:t>12/11/2015</a:t>
             </a:fld>
             <a:endParaRPr lang="en-US" dirty="0"/>
           </a:p>
@@ -4384,7 +4384,7 @@
             <a:fld id="{541F67C5-D04E-4576-B61C-12ABA14BBD6C}" type="datetime1">
               <a:rPr lang="en-US" smtClean="0"/>
               <a:pPr/>
-              <a:t>12/8/2015</a:t>
+              <a:t>12/11/2015</a:t>
             </a:fld>
             <a:endParaRPr lang="en-US" dirty="0"/>
           </a:p>
@@ -5286,7 +5286,7 @@
             <a:fld id="{C20F09E4-6EA4-4BF3-9FC8-FF40373B88E6}" type="datetime1">
               <a:rPr lang="en-US" smtClean="0"/>
               <a:pPr/>
-              <a:t>12/8/2015</a:t>
+              <a:t>12/11/2015</a:t>
             </a:fld>
             <a:endParaRPr lang="en-US" dirty="0"/>
           </a:p>
@@ -5880,7 +5880,6 @@
               <a:rPr lang="en-US" sz="2000" dirty="0" smtClean="0"/>
               <a:t>12/8/2015</a:t>
             </a:r>
-            <a:endParaRPr lang="en-US" sz="2000" dirty="0" smtClean="0"/>
           </a:p>
           <a:p>
             <a:endParaRPr lang="en-US" dirty="0"/>
@@ -6056,15 +6055,7 @@
             </a:r>
             <a:r>
               <a:rPr lang="en-US" dirty="0" smtClean="0"/>
-              <a:t> is also employed to </a:t>
-            </a:r>
-            <a:r>
-              <a:rPr lang="en-US" dirty="0" smtClean="0"/>
-              <a:t>cluster </a:t>
-            </a:r>
-            <a:r>
-              <a:rPr lang="en-US" dirty="0" smtClean="0"/>
-              <a:t>the similarity measures used in the </a:t>
+              <a:t> is also employed to cluster the similarity measures used in the </a:t>
             </a:r>
             <a:r>
               <a:rPr lang="en-US" i="1" dirty="0" err="1" smtClean="0"/>
@@ -6243,17 +6234,7 @@
                 <a:latin typeface="Times New Roman" panose="02020603050405020304" pitchFamily="18" charset="0"/>
                 <a:cs typeface="Times New Roman" panose="02020603050405020304" pitchFamily="18" charset="0"/>
               </a:rPr>
-              <a:t>=“agnes.hm.pdf" </a:t>
-            </a:r>
-            <a:r>
-              <a:rPr lang="en-US" sz="1600" dirty="0" smtClean="0">
-                <a:solidFill>
-                  <a:schemeClr val="tx1"/>
-                </a:solidFill>
-                <a:latin typeface="Times New Roman" panose="02020603050405020304" pitchFamily="18" charset="0"/>
-                <a:cs typeface="Times New Roman" panose="02020603050405020304" pitchFamily="18" charset="0"/>
-              </a:rPr>
-              <a:t>)</a:t>
+              <a:t>=“agnes.hm.pdf" )</a:t>
             </a:r>
             <a:endParaRPr lang="en-US" sz="1600" dirty="0">
               <a:solidFill>
@@ -6387,17 +6368,7 @@
                 <a:latin typeface="Times New Roman" panose="02020603050405020304" pitchFamily="18" charset="0"/>
                 <a:cs typeface="Times New Roman" panose="02020603050405020304" pitchFamily="18" charset="0"/>
               </a:rPr>
-              <a:t>=“apcluster.hm.pdf</a:t>
-            </a:r>
-            <a:r>
-              <a:rPr lang="en-US" sz="1600" dirty="0" smtClean="0">
-                <a:solidFill>
-                  <a:schemeClr val="tx1"/>
-                </a:solidFill>
-                <a:latin typeface="Times New Roman" panose="02020603050405020304" pitchFamily="18" charset="0"/>
-                <a:cs typeface="Times New Roman" panose="02020603050405020304" pitchFamily="18" charset="0"/>
-              </a:rPr>
-              <a:t>" )</a:t>
+              <a:t>=“apcluster.hm.pdf" )</a:t>
             </a:r>
             <a:endParaRPr lang="en-US" sz="1600" dirty="0">
               <a:solidFill>
@@ -6466,27 +6437,7 @@
                 <a:latin typeface="Times New Roman" panose="02020603050405020304" pitchFamily="18" charset="0"/>
                 <a:cs typeface="Times New Roman" panose="02020603050405020304" pitchFamily="18" charset="0"/>
               </a:rPr>
-              <a:t>( </a:t>
-            </a:r>
-            <a:r>
-              <a:rPr lang="en-US" sz="1600" dirty="0" smtClean="0">
-                <a:solidFill>
-                  <a:schemeClr val="tx1"/>
-                </a:solidFill>
-                <a:latin typeface="Times New Roman" panose="02020603050405020304" pitchFamily="18" charset="0"/>
-                <a:cs typeface="Times New Roman" panose="02020603050405020304" pitchFamily="18" charset="0"/>
-              </a:rPr>
-              <a:t>tfs1, file.pdf=“agnes.logos.pdf" </a:t>
-            </a:r>
-            <a:r>
-              <a:rPr lang="en-US" sz="1600" dirty="0" smtClean="0">
-                <a:solidFill>
-                  <a:schemeClr val="tx1"/>
-                </a:solidFill>
-                <a:latin typeface="Times New Roman" panose="02020603050405020304" pitchFamily="18" charset="0"/>
-                <a:cs typeface="Times New Roman" panose="02020603050405020304" pitchFamily="18" charset="0"/>
-              </a:rPr>
-              <a:t>);</a:t>
+              <a:t>( tfs1, file.pdf=“agnes.logos.pdf" );</a:t>
             </a:r>
             <a:endParaRPr lang="en-US" sz="1600" dirty="0">
               <a:solidFill>
@@ -7268,7 +7219,17 @@
                 <a:latin typeface="Times New Roman" panose="02020603050405020304" pitchFamily="18" charset="0"/>
                 <a:cs typeface="Times New Roman" panose="02020603050405020304" pitchFamily="18" charset="0"/>
               </a:rPr>
-              <a:t>tfs1 </a:t>
+              <a:t>tfs1 &lt;- </a:t>
+            </a:r>
+            <a:r>
+              <a:rPr lang="en-US" sz="1600" dirty="0" err="1" smtClean="0">
+                <a:solidFill>
+                  <a:schemeClr val="tx1"/>
+                </a:solidFill>
+                <a:latin typeface="Times New Roman" panose="02020603050405020304" pitchFamily="18" charset="0"/>
+                <a:cs typeface="Times New Roman" panose="02020603050405020304" pitchFamily="18" charset="0"/>
+              </a:rPr>
+              <a:t>tfbs.selecteByRandom</a:t>
             </a:r>
             <a:r>
               <a:rPr lang="en-US" sz="1600" dirty="0" smtClean="0">
@@ -7278,35 +7239,8 @@
                 <a:latin typeface="Times New Roman" panose="02020603050405020304" pitchFamily="18" charset="0"/>
                 <a:cs typeface="Times New Roman" panose="02020603050405020304" pitchFamily="18" charset="0"/>
               </a:rPr>
-              <a:t>&lt;- </a:t>
-            </a:r>
-            <a:r>
-              <a:rPr lang="en-US" sz="1600" dirty="0" err="1" smtClean="0">
-                <a:solidFill>
-                  <a:schemeClr val="tx1"/>
-                </a:solidFill>
-                <a:latin typeface="Times New Roman" panose="02020603050405020304" pitchFamily="18" charset="0"/>
-                <a:cs typeface="Times New Roman" panose="02020603050405020304" pitchFamily="18" charset="0"/>
-              </a:rPr>
-              <a:t>tfbs.selecteByRandom</a:t>
-            </a:r>
-            <a:r>
-              <a:rPr lang="en-US" sz="1600" dirty="0" smtClean="0">
-                <a:solidFill>
-                  <a:schemeClr val="tx1"/>
-                </a:solidFill>
-                <a:latin typeface="Times New Roman" panose="02020603050405020304" pitchFamily="18" charset="0"/>
-                <a:cs typeface="Times New Roman" panose="02020603050405020304" pitchFamily="18" charset="0"/>
-              </a:rPr>
               <a:t>(tfs1)</a:t>
             </a:r>
-            <a:endParaRPr lang="en-US" sz="1600" dirty="0" smtClean="0">
-              <a:solidFill>
-                <a:schemeClr val="tx1"/>
-              </a:solidFill>
-              <a:latin typeface="Times New Roman" panose="02020603050405020304" pitchFamily="18" charset="0"/>
-              <a:cs typeface="Times New Roman" panose="02020603050405020304" pitchFamily="18" charset="0"/>
-            </a:endParaRPr>
           </a:p>
           <a:p>
             <a:pPr marL="109728" indent="0">
@@ -7367,7 +7301,17 @@
                 <a:latin typeface="Times New Roman" panose="02020603050405020304" pitchFamily="18" charset="0"/>
                 <a:cs typeface="Times New Roman" panose="02020603050405020304" pitchFamily="18" charset="0"/>
               </a:rPr>
-              <a:t>tfs2 </a:t>
+              <a:t>tfs2 &lt;- </a:t>
+            </a:r>
+            <a:r>
+              <a:rPr lang="en-US" sz="1600" dirty="0" err="1" smtClean="0">
+                <a:solidFill>
+                  <a:schemeClr val="tx1"/>
+                </a:solidFill>
+                <a:latin typeface="Times New Roman" panose="02020603050405020304" pitchFamily="18" charset="0"/>
+                <a:cs typeface="Times New Roman" panose="02020603050405020304" pitchFamily="18" charset="0"/>
+              </a:rPr>
+              <a:t>tfbs.selecteByGeneExp</a:t>
             </a:r>
             <a:r>
               <a:rPr lang="en-US" sz="1600" dirty="0" smtClean="0">
@@ -7377,37 +7321,7 @@
                 <a:latin typeface="Times New Roman" panose="02020603050405020304" pitchFamily="18" charset="0"/>
                 <a:cs typeface="Times New Roman" panose="02020603050405020304" pitchFamily="18" charset="0"/>
               </a:rPr>
-              <a:t>&lt;- </a:t>
-            </a:r>
-            <a:r>
-              <a:rPr lang="en-US" sz="1600" dirty="0" err="1" smtClean="0">
-                <a:solidFill>
-                  <a:schemeClr val="tx1"/>
-                </a:solidFill>
-                <a:latin typeface="Times New Roman" panose="02020603050405020304" pitchFamily="18" charset="0"/>
-                <a:cs typeface="Times New Roman" panose="02020603050405020304" pitchFamily="18" charset="0"/>
-              </a:rPr>
-              <a:t>tfbs.selecteByGeneExp</a:t>
-            </a:r>
-            <a:r>
-              <a:rPr lang="en-US" sz="1600" dirty="0" smtClean="0">
-                <a:solidFill>
-                  <a:schemeClr val="tx1"/>
-                </a:solidFill>
-                <a:latin typeface="Times New Roman" panose="02020603050405020304" pitchFamily="18" charset="0"/>
-                <a:cs typeface="Times New Roman" panose="02020603050405020304" pitchFamily="18" charset="0"/>
-              </a:rPr>
-              <a:t> (</a:t>
-            </a:r>
-            <a:r>
-              <a:rPr lang="en-US" sz="1600" dirty="0" smtClean="0">
-                <a:solidFill>
-                  <a:schemeClr val="tx1"/>
-                </a:solidFill>
-                <a:latin typeface="Times New Roman" panose="02020603050405020304" pitchFamily="18" charset="0"/>
-                <a:cs typeface="Times New Roman" panose="02020603050405020304" pitchFamily="18" charset="0"/>
-              </a:rPr>
-              <a:t>tfs2)</a:t>
+              <a:t> (tfs2)</a:t>
             </a:r>
             <a:endParaRPr lang="en-US" sz="1600" dirty="0">
               <a:solidFill>
@@ -8504,7 +8418,7 @@
         </p:spPr>
         <p:txBody>
           <a:bodyPr>
-            <a:normAutofit fontScale="92500" lnSpcReduction="20000"/>
+            <a:normAutofit fontScale="85000" lnSpcReduction="20000"/>
           </a:bodyPr>
           <a:lstStyle/>
           <a:p>
@@ -8575,7 +8489,15 @@
             </a:pPr>
             <a:r>
               <a:rPr lang="en-US" sz="1600" dirty="0" smtClean="0"/>
-              <a:t>3. Four options are available for the output results.</a:t>
+              <a:t>3. </a:t>
+            </a:r>
+            <a:r>
+              <a:rPr lang="en-US" sz="1600" dirty="0" smtClean="0"/>
+              <a:t>Five </a:t>
+            </a:r>
+            <a:r>
+              <a:rPr lang="en-US" sz="1600" dirty="0" smtClean="0"/>
+              <a:t>options are available for the output results.</a:t>
             </a:r>
             <a:endParaRPr lang="en-US" sz="1600" dirty="0"/>
           </a:p>
@@ -8615,11 +8537,11 @@
             </a:r>
             <a:r>
               <a:rPr lang="en-US" sz="1600" dirty="0" smtClean="0"/>
-              <a:t>in        </a:t>
+              <a:t>in bed-formatted </a:t>
             </a:r>
             <a:r>
               <a:rPr lang="en-US" sz="1600" dirty="0"/>
-              <a:t>bed-formatted loci.</a:t>
+              <a:t>loci.</a:t>
             </a:r>
           </a:p>
           <a:p>
@@ -8633,11 +8555,15 @@
             </a:r>
             <a:r>
               <a:rPr lang="en-US" sz="1600" dirty="0"/>
-              <a:t>: returns the max(posterior) in each position </a:t>
+              <a:t>: returns the max(posterior) </a:t>
             </a:r>
             <a:r>
               <a:rPr lang="en-US" sz="1600" dirty="0" smtClean="0"/>
-              <a:t>in bed-formatted </a:t>
+              <a:t>in </a:t>
+            </a:r>
+            <a:r>
+              <a:rPr lang="en-US" sz="1600" dirty="0" smtClean="0"/>
+              <a:t>bed-formatted </a:t>
             </a:r>
             <a:r>
               <a:rPr lang="en-US" sz="1600" dirty="0"/>
@@ -8646,6 +8572,32 @@
             <a:r>
               <a:rPr lang="en-US" sz="1600" dirty="0" smtClean="0"/>
               <a:t>.</a:t>
+            </a:r>
+          </a:p>
+          <a:p>
+            <a:r>
+              <a:rPr lang="en-US" sz="1600" dirty="0" smtClean="0"/>
+              <a:t>(e) </a:t>
+            </a:r>
+            <a:r>
+              <a:rPr lang="en-US" sz="1600" dirty="0" err="1" smtClean="0"/>
+              <a:t>maxscore</a:t>
+            </a:r>
+            <a:r>
+              <a:rPr lang="en-US" sz="1600" dirty="0" smtClean="0"/>
+              <a:t>: </a:t>
+            </a:r>
+            <a:r>
+              <a:rPr lang="en-US" sz="1600" dirty="0"/>
+              <a:t>returns the </a:t>
+            </a:r>
+            <a:r>
+              <a:rPr lang="en-US" sz="1600" dirty="0" smtClean="0"/>
+              <a:t>max(posterior difference) </a:t>
+            </a:r>
+            <a:r>
+              <a:rPr lang="en-US" sz="1600" dirty="0"/>
+              <a:t>in bed-formatted loci.</a:t>
             </a:r>
           </a:p>
           <a:p>
@@ -12114,11 +12066,7 @@
             </a:r>
             <a:r>
               <a:rPr lang="en-US" sz="1600" dirty="0" smtClean="0"/>
-              <a:t> </a:t>
-            </a:r>
-            <a:r>
-              <a:rPr lang="en-US" sz="1600" dirty="0" smtClean="0"/>
-              <a:t>checks the mean </a:t>
+              <a:t> checks the mean </a:t>
             </a:r>
             <a:r>
               <a:rPr lang="en-US" sz="1600" dirty="0"/>
@@ -12376,15 +12324,7 @@
           <a:p>
             <a:r>
               <a:rPr lang="en-US" dirty="0" smtClean="0"/>
-              <a:t>Provides a framework to integrate the Cis-BP </a:t>
-            </a:r>
-            <a:r>
-              <a:rPr lang="en-US" dirty="0" smtClean="0"/>
-              <a:t>database and </a:t>
-            </a:r>
-            <a:r>
-              <a:rPr lang="en-US" dirty="0" smtClean="0"/>
-              <a:t>the statistical model in the </a:t>
+              <a:t>Provides a framework to integrate the Cis-BP database and the statistical model in the </a:t>
             </a:r>
             <a:r>
               <a:rPr lang="en-US" i="1" dirty="0" err="1" smtClean="0"/>
@@ -13065,13 +13005,6 @@
               </a:rPr>
               <a:t>, </a:t>
             </a:r>
-            <a:endParaRPr lang="en-US" sz="1600" dirty="0" smtClean="0">
-              <a:solidFill>
-                <a:schemeClr val="tx1"/>
-              </a:solidFill>
-              <a:latin typeface="Times New Roman" panose="02020603050405020304" pitchFamily="18" charset="0"/>
-              <a:cs typeface="Times New Roman" panose="02020603050405020304" pitchFamily="18" charset="0"/>
-            </a:endParaRPr>
           </a:p>
           <a:p>
             <a:pPr marL="109728" indent="0">
@@ -16404,13 +16337,8 @@
             </a:r>
             <a:r>
               <a:rPr lang="en-US" sz="2000" dirty="0" smtClean="0"/>
-              <a:t>TF_Information.txt) </a:t>
-            </a:r>
-            <a:r>
-              <a:rPr lang="en-US" sz="2000" dirty="0" smtClean="0"/>
-              <a:t>at the first step</a:t>
-            </a:r>
-            <a:endParaRPr lang="en-US" sz="2000" dirty="0" smtClean="0"/>
+              <a:t>TF_Information.txt) at the first step</a:t>
+            </a:r>
           </a:p>
           <a:p>
             <a:endParaRPr lang="en-US" dirty="0" smtClean="0"/>
@@ -19733,11 +19661,7 @@
             </a:r>
             <a:r>
               <a:rPr lang="en-US" altLang="zh-CN" sz="2000" dirty="0" smtClean="0"/>
-              <a:t>ternal motif </a:t>
-            </a:r>
-            <a:r>
-              <a:rPr lang="en-US" altLang="zh-CN" sz="2000" dirty="0" smtClean="0"/>
-              <a:t>data:</a:t>
+              <a:t>ternal motif data:</a:t>
             </a:r>
           </a:p>
           <a:p>
@@ -19746,11 +19670,7 @@
             </a:pPr>
             <a:r>
               <a:rPr lang="en-US" altLang="zh-CN" sz="2000" dirty="0" smtClean="0"/>
-              <a:t>Licensed </a:t>
-            </a:r>
-            <a:r>
-              <a:rPr lang="en-US" altLang="zh-CN" sz="2000" dirty="0" smtClean="0"/>
-              <a:t>PWM files for Cis-BP data set</a:t>
+              <a:t>Licensed PWM files for Cis-BP data set</a:t>
             </a:r>
           </a:p>
           <a:p>
@@ -19796,7 +19716,6 @@
               <a:rPr lang="en-US" altLang="zh-CN" sz="2000" dirty="0" smtClean="0"/>
               <a:t>User customized data file </a:t>
             </a:r>
-            <a:endParaRPr lang="en-US" altLang="zh-CN" sz="2000" dirty="0" smtClean="0"/>
           </a:p>
           <a:p>
             <a:pPr marL="109728" indent="0">

--- a/rtfbsdb-tutorial.pptx
+++ b/rtfbsdb-tutorial.pptx
@@ -247,7 +247,7 @@
             <a:fld id="{68796EA6-6F25-4F19-87BA-7ADCC16DAEFF}" type="datetimeFigureOut">
               <a:rPr lang="en-US" smtClean="0"/>
               <a:pPr/>
-              <a:t>12/11/2015</a:t>
+              <a:t>12/17/2015</a:t>
             </a:fld>
             <a:endParaRPr lang="en-US" dirty="0"/>
           </a:p>
@@ -414,7 +414,7 @@
             <a:fld id="{C39C172E-A8B5-46F6-B05C-DFA3E2E0F207}" type="datetimeFigureOut">
               <a:rPr lang="en-US" smtClean="0"/>
               <a:pPr/>
-              <a:t>12/11/2015</a:t>
+              <a:t>12/17/2015</a:t>
             </a:fld>
             <a:endParaRPr lang="en-US" dirty="0"/>
           </a:p>
@@ -2112,7 +2112,7 @@
             <a:fld id="{4E708F12-96AD-4ED4-8132-A78F5E42C1F5}" type="datetime1">
               <a:rPr lang="en-US" smtClean="0"/>
               <a:pPr/>
-              <a:t>12/11/2015</a:t>
+              <a:t>12/17/2015</a:t>
             </a:fld>
             <a:endParaRPr lang="en-US" dirty="0"/>
           </a:p>
@@ -2336,7 +2336,7 @@
             <a:fld id="{7B7FA170-8299-44AD-AEEF-FC686C3D7804}" type="datetime1">
               <a:rPr lang="en-US" smtClean="0"/>
               <a:pPr/>
-              <a:t>12/11/2015</a:t>
+              <a:t>12/17/2015</a:t>
             </a:fld>
             <a:endParaRPr lang="en-US" dirty="0"/>
           </a:p>
@@ -2520,7 +2520,7 @@
             <a:fld id="{2231763A-68EC-4ECD-9620-D9FE9CDDD622}" type="datetime1">
               <a:rPr lang="en-US" smtClean="0"/>
               <a:pPr/>
-              <a:t>12/11/2015</a:t>
+              <a:t>12/17/2015</a:t>
             </a:fld>
             <a:endParaRPr lang="en-US" dirty="0"/>
           </a:p>
@@ -2714,7 +2714,7 @@
             <a:fld id="{7B98BEDD-6160-49BB-B372-861DE7DE9BA5}" type="datetime1">
               <a:rPr lang="en-US" smtClean="0"/>
               <a:pPr/>
-              <a:t>12/11/2015</a:t>
+              <a:t>12/17/2015</a:t>
             </a:fld>
             <a:endParaRPr lang="en-US" dirty="0"/>
           </a:p>
@@ -2898,7 +2898,7 @@
             <a:fld id="{0AAE819F-B7FD-4B29-8F66-9E318144BC2A}" type="datetime1">
               <a:rPr lang="en-US" smtClean="0"/>
               <a:pPr/>
-              <a:t>12/11/2015</a:t>
+              <a:t>12/17/2015</a:t>
             </a:fld>
             <a:endParaRPr lang="en-US" dirty="0"/>
           </a:p>
@@ -3132,7 +3132,7 @@
             <a:fld id="{D4CA159C-B6E0-4F10-9F4A-2FA57003B139}" type="datetime1">
               <a:rPr lang="en-US" smtClean="0"/>
               <a:pPr/>
-              <a:t>12/11/2015</a:t>
+              <a:t>12/17/2015</a:t>
             </a:fld>
             <a:endParaRPr lang="en-US" dirty="0"/>
           </a:p>
@@ -3426,7 +3426,7 @@
             <a:fld id="{8170CBBB-D1D1-4386-A5E9-07F3477B78F3}" type="datetime1">
               <a:rPr lang="en-US" smtClean="0"/>
               <a:pPr/>
-              <a:t>12/11/2015</a:t>
+              <a:t>12/17/2015</a:t>
             </a:fld>
             <a:endParaRPr lang="en-US" dirty="0"/>
           </a:p>
@@ -3856,7 +3856,7 @@
             <a:fld id="{9FA4CAD8-0EA7-4615-B69B-B2F199EF3A93}" type="datetime1">
               <a:rPr lang="en-US" smtClean="0"/>
               <a:pPr/>
-              <a:t>12/11/2015</a:t>
+              <a:t>12/17/2015</a:t>
             </a:fld>
             <a:endParaRPr lang="en-US" dirty="0"/>
           </a:p>
@@ -4011,7 +4011,7 @@
             <a:fld id="{B9234BD7-6953-492C-921B-E68B2D7F14C8}" type="datetime1">
               <a:rPr lang="en-US" smtClean="0"/>
               <a:pPr/>
-              <a:t>12/11/2015</a:t>
+              <a:t>12/17/2015</a:t>
             </a:fld>
             <a:endParaRPr lang="en-US" dirty="0"/>
           </a:p>
@@ -4120,7 +4120,7 @@
             <a:fld id="{35A17D9B-D4D3-4E23-88DF-2E354FA43196}" type="datetime1">
               <a:rPr lang="en-US" smtClean="0"/>
               <a:pPr/>
-              <a:t>12/11/2015</a:t>
+              <a:t>12/17/2015</a:t>
             </a:fld>
             <a:endParaRPr lang="en-US" dirty="0"/>
           </a:p>
@@ -4384,7 +4384,7 @@
             <a:fld id="{541F67C5-D04E-4576-B61C-12ABA14BBD6C}" type="datetime1">
               <a:rPr lang="en-US" smtClean="0"/>
               <a:pPr/>
-              <a:t>12/11/2015</a:t>
+              <a:t>12/17/2015</a:t>
             </a:fld>
             <a:endParaRPr lang="en-US" dirty="0"/>
           </a:p>
@@ -5286,7 +5286,7 @@
             <a:fld id="{C20F09E4-6EA4-4BF3-9FC8-FF40373B88E6}" type="datetime1">
               <a:rPr lang="en-US" smtClean="0"/>
               <a:pPr/>
-              <a:t>12/11/2015</a:t>
+              <a:t>12/17/2015</a:t>
             </a:fld>
             <a:endParaRPr lang="en-US" dirty="0"/>
           </a:p>
@@ -8489,15 +8489,7 @@
             </a:pPr>
             <a:r>
               <a:rPr lang="en-US" sz="1600" dirty="0" smtClean="0"/>
-              <a:t>3. </a:t>
-            </a:r>
-            <a:r>
-              <a:rPr lang="en-US" sz="1600" dirty="0" smtClean="0"/>
-              <a:t>Five </a:t>
-            </a:r>
-            <a:r>
-              <a:rPr lang="en-US" sz="1600" dirty="0" smtClean="0"/>
-              <a:t>options are available for the output results.</a:t>
+              <a:t>3. Five options are available for the output results.</a:t>
             </a:r>
             <a:endParaRPr lang="en-US" sz="1600" dirty="0"/>
           </a:p>
@@ -8559,11 +8551,7 @@
             </a:r>
             <a:r>
               <a:rPr lang="en-US" sz="1600" dirty="0" smtClean="0"/>
-              <a:t>in </a:t>
-            </a:r>
-            <a:r>
-              <a:rPr lang="en-US" sz="1600" dirty="0" smtClean="0"/>
-              <a:t>bed-formatted </a:t>
+              <a:t>in bed-formatted </a:t>
             </a:r>
             <a:r>
               <a:rPr lang="en-US" sz="1600" dirty="0"/>
@@ -9199,7 +9187,7 @@
               <a:t>("./</a:t>
             </a:r>
             <a:r>
-              <a:rPr lang="en-US" sz="1400" dirty="0" err="1">
+              <a:rPr lang="en-US" sz="1400" dirty="0" err="1" smtClean="0">
                 <a:solidFill>
                   <a:schemeClr val="tx1"/>
                 </a:solidFill>
@@ -9209,14 +9197,14 @@
               <a:t>dREG.H.change.bed</a:t>
             </a:r>
             <a:r>
-              <a:rPr lang="en-US" sz="1400" dirty="0">
-                <a:solidFill>
-                  <a:schemeClr val="tx1"/>
-                </a:solidFill>
-                <a:latin typeface="Times New Roman" panose="02020603050405020304" pitchFamily="18" charset="0"/>
-                <a:cs typeface="Times New Roman" panose="02020603050405020304" pitchFamily="18" charset="0"/>
-              </a:rPr>
-              <a:t> ", </a:t>
+              <a:rPr lang="en-US" sz="1400" dirty="0" smtClean="0">
+                <a:solidFill>
+                  <a:schemeClr val="tx1"/>
+                </a:solidFill>
+                <a:latin typeface="Times New Roman" panose="02020603050405020304" pitchFamily="18" charset="0"/>
+                <a:cs typeface="Times New Roman" panose="02020603050405020304" pitchFamily="18" charset="0"/>
+              </a:rPr>
+              <a:t>", </a:t>
             </a:r>
             <a:r>
               <a:rPr lang="en-US" sz="1400" dirty="0" smtClean="0">
@@ -9408,7 +9396,7 @@
               <a:t>="</a:t>
             </a:r>
             <a:r>
-              <a:rPr lang="en-US" sz="1400" i="1" dirty="0" err="1">
+              <a:rPr lang="en-US" sz="1400" i="1" dirty="0" err="1" smtClean="0">
                 <a:solidFill>
                   <a:schemeClr val="tx1"/>
                 </a:solidFill>
@@ -9425,17 +9413,7 @@
                 <a:latin typeface="Times New Roman" panose="02020603050405020304" pitchFamily="18" charset="0"/>
                 <a:cs typeface="Times New Roman" panose="02020603050405020304" pitchFamily="18" charset="0"/>
               </a:rPr>
-              <a:t> </a:t>
-            </a:r>
-            <a:r>
-              <a:rPr lang="en-US" sz="1400" dirty="0" smtClean="0">
-                <a:solidFill>
-                  <a:schemeClr val="tx1"/>
-                </a:solidFill>
-                <a:latin typeface="Times New Roman" panose="02020603050405020304" pitchFamily="18" charset="0"/>
-                <a:cs typeface="Times New Roman" panose="02020603050405020304" pitchFamily="18" charset="0"/>
-              </a:rPr>
-              <a:t>“, </a:t>
+              <a:t>", </a:t>
             </a:r>
             <a:r>
               <a:rPr lang="en-US" sz="1400" dirty="0" err="1" smtClean="0">
@@ -10258,10 +10236,30 @@
                 <a:latin typeface="Times New Roman" panose="02020603050405020304" pitchFamily="18" charset="0"/>
                 <a:cs typeface="Times New Roman" panose="02020603050405020304" pitchFamily="18" charset="0"/>
               </a:rPr>
-              <a:t>=“Scanning </a:t>
+              <a:t>=</a:t>
             </a:r>
             <a:r>
               <a:rPr lang="en-US" sz="1500" dirty="0">
+                <a:solidFill>
+                  <a:schemeClr val="tx1"/>
+                </a:solidFill>
+                <a:latin typeface="Times New Roman" panose="02020603050405020304" pitchFamily="18" charset="0"/>
+                <a:cs typeface="Times New Roman" panose="02020603050405020304" pitchFamily="18" charset="0"/>
+              </a:rPr>
+              <a:t>"</a:t>
+            </a:r>
+            <a:r>
+              <a:rPr lang="en-US" sz="1500" dirty="0" smtClean="0">
+                <a:solidFill>
+                  <a:schemeClr val="tx1"/>
+                </a:solidFill>
+                <a:latin typeface="Times New Roman" panose="02020603050405020304" pitchFamily="18" charset="0"/>
+                <a:cs typeface="Times New Roman" panose="02020603050405020304" pitchFamily="18" charset="0"/>
+              </a:rPr>
+              <a:t>Scanning </a:t>
+            </a:r>
+            <a:r>
+              <a:rPr lang="en-US" sz="1500" dirty="0" smtClean="0">
                 <a:solidFill>
                   <a:schemeClr val="tx1"/>
                 </a:solidFill>
@@ -11885,24 +11883,14 @@
               <a:t>file.prefix</a:t>
             </a:r>
             <a:r>
-              <a:rPr lang="en-US" dirty="0" smtClean="0">
-                <a:solidFill>
-                  <a:schemeClr val="tx1"/>
-                </a:solidFill>
-                <a:latin typeface="Times New Roman" panose="02020603050405020304" pitchFamily="18" charset="0"/>
-                <a:cs typeface="Times New Roman" panose="02020603050405020304" pitchFamily="18" charset="0"/>
-              </a:rPr>
-              <a:t>=“</a:t>
-            </a:r>
-            <a:r>
-              <a:rPr lang="en-US" dirty="0" err="1" smtClean="0">
-                <a:solidFill>
-                  <a:schemeClr val="tx1"/>
-                </a:solidFill>
-                <a:latin typeface="Times New Roman" panose="02020603050405020304" pitchFamily="18" charset="0"/>
-                <a:cs typeface="Times New Roman" panose="02020603050405020304" pitchFamily="18" charset="0"/>
-              </a:rPr>
-              <a:t>enrich.db</a:t>
+              <a:rPr lang="en-US">
+                <a:solidFill>
+                  <a:schemeClr val="tx1"/>
+                </a:solidFill>
+                <a:latin typeface="Times New Roman" panose="02020603050405020304" pitchFamily="18" charset="0"/>
+                <a:cs typeface="Times New Roman" panose="02020603050405020304" pitchFamily="18" charset="0"/>
+              </a:rPr>
+              <a:t>="enrich.db</a:t>
             </a:r>
             <a:r>
               <a:rPr lang="en-US" dirty="0">
@@ -15281,62 +15269,6 @@
             </a:r>
           </a:p>
           <a:p>
-            <a:pPr marL="109728" marR="0" lvl="0" indent="0" algn="l" defTabSz="914400" rtl="0" eaLnBrk="1" fontAlgn="auto" latinLnBrk="0" hangingPunct="1">
-              <a:lnSpc>
-                <a:spcPct val="100000"/>
-              </a:lnSpc>
-              <a:spcBef>
-                <a:spcPts val="300"/>
-              </a:spcBef>
-              <a:spcAft>
-                <a:spcPts val="0"/>
-              </a:spcAft>
-              <a:buClr>
-                <a:schemeClr val="accent3"/>
-              </a:buClr>
-              <a:buSzTx/>
-              <a:buFont typeface="Georgia"/>
-              <a:buNone/>
-              <a:tabLst/>
-              <a:defRPr/>
-            </a:pPr>
-            <a:r>
-              <a:rPr lang="en-US" sz="1600" dirty="0" smtClean="0">
-                <a:latin typeface="Times New Roman" pitchFamily="18" charset="0"/>
-                <a:cs typeface="Times New Roman" pitchFamily="18" charset="0"/>
-              </a:rPr>
-              <a:t>    &gt;</a:t>
-            </a:r>
-            <a:r>
-              <a:rPr lang="en-US" sz="1600" dirty="0" err="1" smtClean="0">
-                <a:latin typeface="Times New Roman" pitchFamily="18" charset="0"/>
-                <a:cs typeface="Times New Roman" pitchFamily="18" charset="0"/>
-              </a:rPr>
-              <a:t>install.packages</a:t>
-            </a:r>
-            <a:r>
-              <a:rPr lang="en-US" sz="1600" dirty="0" smtClean="0">
-                <a:latin typeface="Times New Roman" pitchFamily="18" charset="0"/>
-                <a:cs typeface="Times New Roman" pitchFamily="18" charset="0"/>
-              </a:rPr>
-              <a:t>(“</a:t>
-            </a:r>
-            <a:r>
-              <a:rPr lang="en-US" sz="1600" dirty="0" err="1" smtClean="0">
-                <a:latin typeface="Times New Roman" pitchFamily="18" charset="0"/>
-                <a:cs typeface="Times New Roman" pitchFamily="18" charset="0"/>
-              </a:rPr>
-              <a:t>rphase</a:t>
-            </a:r>
-            <a:r>
-              <a:rPr lang="en-US" sz="1600" dirty="0" smtClean="0">
-                <a:latin typeface="Times New Roman" pitchFamily="18" charset="0"/>
-                <a:cs typeface="Times New Roman" pitchFamily="18" charset="0"/>
-              </a:rPr>
-              <a:t>”);</a:t>
-            </a:r>
-          </a:p>
-          <a:p>
             <a:pPr marL="109728" lvl="0">
               <a:spcBef>
                 <a:spcPts val="300"/>
@@ -15344,6 +15276,60 @@
               <a:buClr>
                 <a:schemeClr val="accent3"/>
               </a:buClr>
+              <a:defRPr/>
+            </a:pPr>
+            <a:r>
+              <a:rPr lang="en-US" sz="1600" dirty="0" smtClean="0">
+                <a:latin typeface="Times New Roman" pitchFamily="18" charset="0"/>
+                <a:cs typeface="Times New Roman" pitchFamily="18" charset="0"/>
+              </a:rPr>
+              <a:t>    </a:t>
+            </a:r>
+            <a:r>
+              <a:rPr lang="en-US" sz="1600" dirty="0">
+                <a:latin typeface="Times New Roman" pitchFamily="18" charset="0"/>
+                <a:cs typeface="Times New Roman" pitchFamily="18" charset="0"/>
+              </a:rPr>
+              <a:t>&gt;</a:t>
+            </a:r>
+            <a:r>
+              <a:rPr lang="en-US" sz="1600" dirty="0" err="1">
+                <a:latin typeface="Times New Roman" pitchFamily="18" charset="0"/>
+                <a:cs typeface="Times New Roman" pitchFamily="18" charset="0"/>
+              </a:rPr>
+              <a:t>install.packages</a:t>
+            </a:r>
+            <a:r>
+              <a:rPr lang="en-US" sz="1600" dirty="0">
+                <a:latin typeface="Times New Roman" pitchFamily="18" charset="0"/>
+                <a:cs typeface="Times New Roman" pitchFamily="18" charset="0"/>
+              </a:rPr>
+              <a:t>("</a:t>
+            </a:r>
+            <a:r>
+              <a:rPr lang="en-US" sz="1600" dirty="0" err="1">
+                <a:latin typeface="Times New Roman" pitchFamily="18" charset="0"/>
+                <a:cs typeface="Times New Roman" pitchFamily="18" charset="0"/>
+              </a:rPr>
+              <a:t>rphast</a:t>
+            </a:r>
+            <a:r>
+              <a:rPr lang="en-US" sz="1600" dirty="0" smtClean="0">
+                <a:latin typeface="Times New Roman" pitchFamily="18" charset="0"/>
+                <a:cs typeface="Times New Roman" pitchFamily="18" charset="0"/>
+              </a:rPr>
+              <a:t>");</a:t>
+            </a:r>
+          </a:p>
+          <a:p>
+            <a:pPr marL="109728" lvl="0">
+              <a:spcBef>
+                <a:spcPts val="300"/>
+              </a:spcBef>
+              <a:buClr>
+                <a:schemeClr val="accent3"/>
+              </a:buClr>
+              <a:defRPr/>
             </a:pPr>
             <a:r>
               <a:rPr kumimoji="0" lang="en-US" sz="1600" b="0" i="0" u="none" strike="noStrike" kern="1200" cap="none" spc="0" normalizeH="0" baseline="0" noProof="0" dirty="0" smtClean="0">
@@ -15380,7 +15366,21 @@
                 <a:latin typeface="Times New Roman" pitchFamily="18" charset="0"/>
                 <a:cs typeface="Times New Roman" pitchFamily="18" charset="0"/>
               </a:rPr>
-              <a:t>(“…”);</a:t>
+              <a:t>(</a:t>
+            </a:r>
+            <a:r>
+              <a:rPr lang="en-US" sz="1600" dirty="0">
+                <a:latin typeface="Times New Roman" pitchFamily="18" charset="0"/>
+                <a:cs typeface="Times New Roman" pitchFamily="18" charset="0"/>
+              </a:rPr>
+              <a:t>"</a:t>
+            </a:r>
+            <a:r>
+              <a:rPr lang="en-US" sz="1600" dirty="0" smtClean="0">
+                <a:latin typeface="Times New Roman" pitchFamily="18" charset="0"/>
+                <a:cs typeface="Times New Roman" pitchFamily="18" charset="0"/>
+              </a:rPr>
+              <a:t>…");</a:t>
             </a:r>
             <a:endParaRPr kumimoji="0" lang="en-US" sz="1600" b="0" i="0" u="none" strike="noStrike" kern="1200" cap="none" spc="0" normalizeH="0" baseline="0" noProof="0" dirty="0" smtClean="0">
               <a:ln>

--- a/rtfbsdb-tutorial.pptx
+++ b/rtfbsdb-tutorial.pptx
@@ -247,7 +247,7 @@
             <a:fld id="{68796EA6-6F25-4F19-87BA-7ADCC16DAEFF}" type="datetimeFigureOut">
               <a:rPr lang="en-US" smtClean="0"/>
               <a:pPr/>
-              <a:t>12/17/2015</a:t>
+              <a:t>12/22/2015</a:t>
             </a:fld>
             <a:endParaRPr lang="en-US" dirty="0"/>
           </a:p>
@@ -414,7 +414,7 @@
             <a:fld id="{C39C172E-A8B5-46F6-B05C-DFA3E2E0F207}" type="datetimeFigureOut">
               <a:rPr lang="en-US" smtClean="0"/>
               <a:pPr/>
-              <a:t>12/17/2015</a:t>
+              <a:t>12/22/2015</a:t>
             </a:fld>
             <a:endParaRPr lang="en-US" dirty="0"/>
           </a:p>
@@ -2112,7 +2112,7 @@
             <a:fld id="{4E708F12-96AD-4ED4-8132-A78F5E42C1F5}" type="datetime1">
               <a:rPr lang="en-US" smtClean="0"/>
               <a:pPr/>
-              <a:t>12/17/2015</a:t>
+              <a:t>12/22/2015</a:t>
             </a:fld>
             <a:endParaRPr lang="en-US" dirty="0"/>
           </a:p>
@@ -2336,7 +2336,7 @@
             <a:fld id="{7B7FA170-8299-44AD-AEEF-FC686C3D7804}" type="datetime1">
               <a:rPr lang="en-US" smtClean="0"/>
               <a:pPr/>
-              <a:t>12/17/2015</a:t>
+              <a:t>12/22/2015</a:t>
             </a:fld>
             <a:endParaRPr lang="en-US" dirty="0"/>
           </a:p>
@@ -2520,7 +2520,7 @@
             <a:fld id="{2231763A-68EC-4ECD-9620-D9FE9CDDD622}" type="datetime1">
               <a:rPr lang="en-US" smtClean="0"/>
               <a:pPr/>
-              <a:t>12/17/2015</a:t>
+              <a:t>12/22/2015</a:t>
             </a:fld>
             <a:endParaRPr lang="en-US" dirty="0"/>
           </a:p>
@@ -2714,7 +2714,7 @@
             <a:fld id="{7B98BEDD-6160-49BB-B372-861DE7DE9BA5}" type="datetime1">
               <a:rPr lang="en-US" smtClean="0"/>
               <a:pPr/>
-              <a:t>12/17/2015</a:t>
+              <a:t>12/22/2015</a:t>
             </a:fld>
             <a:endParaRPr lang="en-US" dirty="0"/>
           </a:p>
@@ -2898,7 +2898,7 @@
             <a:fld id="{0AAE819F-B7FD-4B29-8F66-9E318144BC2A}" type="datetime1">
               <a:rPr lang="en-US" smtClean="0"/>
               <a:pPr/>
-              <a:t>12/17/2015</a:t>
+              <a:t>12/22/2015</a:t>
             </a:fld>
             <a:endParaRPr lang="en-US" dirty="0"/>
           </a:p>
@@ -3132,7 +3132,7 @@
             <a:fld id="{D4CA159C-B6E0-4F10-9F4A-2FA57003B139}" type="datetime1">
               <a:rPr lang="en-US" smtClean="0"/>
               <a:pPr/>
-              <a:t>12/17/2015</a:t>
+              <a:t>12/22/2015</a:t>
             </a:fld>
             <a:endParaRPr lang="en-US" dirty="0"/>
           </a:p>
@@ -3426,7 +3426,7 @@
             <a:fld id="{8170CBBB-D1D1-4386-A5E9-07F3477B78F3}" type="datetime1">
               <a:rPr lang="en-US" smtClean="0"/>
               <a:pPr/>
-              <a:t>12/17/2015</a:t>
+              <a:t>12/22/2015</a:t>
             </a:fld>
             <a:endParaRPr lang="en-US" dirty="0"/>
           </a:p>
@@ -3856,7 +3856,7 @@
             <a:fld id="{9FA4CAD8-0EA7-4615-B69B-B2F199EF3A93}" type="datetime1">
               <a:rPr lang="en-US" smtClean="0"/>
               <a:pPr/>
-              <a:t>12/17/2015</a:t>
+              <a:t>12/22/2015</a:t>
             </a:fld>
             <a:endParaRPr lang="en-US" dirty="0"/>
           </a:p>
@@ -4011,7 +4011,7 @@
             <a:fld id="{B9234BD7-6953-492C-921B-E68B2D7F14C8}" type="datetime1">
               <a:rPr lang="en-US" smtClean="0"/>
               <a:pPr/>
-              <a:t>12/17/2015</a:t>
+              <a:t>12/22/2015</a:t>
             </a:fld>
             <a:endParaRPr lang="en-US" dirty="0"/>
           </a:p>
@@ -4120,7 +4120,7 @@
             <a:fld id="{35A17D9B-D4D3-4E23-88DF-2E354FA43196}" type="datetime1">
               <a:rPr lang="en-US" smtClean="0"/>
               <a:pPr/>
-              <a:t>12/17/2015</a:t>
+              <a:t>12/22/2015</a:t>
             </a:fld>
             <a:endParaRPr lang="en-US" dirty="0"/>
           </a:p>
@@ -4384,7 +4384,7 @@
             <a:fld id="{541F67C5-D04E-4576-B61C-12ABA14BBD6C}" type="datetime1">
               <a:rPr lang="en-US" smtClean="0"/>
               <a:pPr/>
-              <a:t>12/17/2015</a:t>
+              <a:t>12/22/2015</a:t>
             </a:fld>
             <a:endParaRPr lang="en-US" dirty="0"/>
           </a:p>
@@ -5286,7 +5286,7 @@
             <a:fld id="{C20F09E4-6EA4-4BF3-9FC8-FF40373B88E6}" type="datetime1">
               <a:rPr lang="en-US" smtClean="0"/>
               <a:pPr/>
-              <a:t>12/17/2015</a:t>
+              <a:t>12/22/2015</a:t>
             </a:fld>
             <a:endParaRPr lang="en-US" dirty="0"/>
           </a:p>
@@ -6867,39 +6867,6 @@
       </p:grpSpPr>
       <p:pic>
         <p:nvPicPr>
-          <p:cNvPr id="6" name="officeArt object"/>
-          <p:cNvPicPr>
-            <a:picLocks noGrp="1"/>
-          </p:cNvPicPr>
-          <p:nvPr>
-            <p:ph sz="half" idx="2"/>
-          </p:nvPr>
-        </p:nvPicPr>
-        <p:blipFill>
-          <a:blip r:embed="rId2">
-            <a:extLst/>
-          </a:blip>
-          <a:stretch>
-            <a:fillRect/>
-          </a:stretch>
-        </p:blipFill>
-        <p:spPr>
-          <a:xfrm>
-            <a:off x="6682632" y="2051001"/>
-            <a:ext cx="4358750" cy="4341812"/>
-          </a:xfrm>
-          <a:prstGeom prst="rect">
-            <a:avLst/>
-          </a:prstGeom>
-          <a:ln w="12700" cap="flat">
-            <a:noFill/>
-            <a:miter lim="400000"/>
-          </a:ln>
-          <a:effectLst/>
-        </p:spPr>
-      </p:pic>
-      <p:pic>
-        <p:nvPicPr>
           <p:cNvPr id="7" name="officeArt object"/>
           <p:cNvPicPr>
             <a:picLocks noGrp="1"/>
@@ -6909,7 +6876,7 @@
           </p:nvPr>
         </p:nvPicPr>
         <p:blipFill>
-          <a:blip r:embed="rId3">
+          <a:blip r:embed="rId2">
             <a:extLst/>
           </a:blip>
           <a:stretch>
@@ -6977,6 +6944,49 @@
           </a:p>
         </p:txBody>
       </p:sp>
+      <p:sp>
+        <p:nvSpPr>
+          <p:cNvPr id="4" name="Content Placeholder 3"/>
+          <p:cNvSpPr>
+            <a:spLocks noGrp="1"/>
+          </p:cNvSpPr>
+          <p:nvPr>
+            <p:ph sz="half" idx="2"/>
+          </p:nvPr>
+        </p:nvSpPr>
+        <p:spPr/>
+        <p:txBody>
+          <a:bodyPr/>
+          <a:lstStyle/>
+          <a:p>
+            <a:endParaRPr lang="en-US"/>
+          </a:p>
+        </p:txBody>
+      </p:sp>
+      <p:pic>
+        <p:nvPicPr>
+          <p:cNvPr id="5" name="Picture 4"/>
+          <p:cNvPicPr>
+            <a:picLocks noChangeAspect="1"/>
+          </p:cNvPicPr>
+          <p:nvPr/>
+        </p:nvPicPr>
+        <p:blipFill>
+          <a:blip r:embed="rId3"/>
+          <a:stretch>
+            <a:fillRect/>
+          </a:stretch>
+        </p:blipFill>
+        <p:spPr>
+          <a:xfrm>
+            <a:off x="6685393" y="2192620"/>
+            <a:ext cx="4409213" cy="4398680"/>
+          </a:xfrm>
+          <a:prstGeom prst="rect">
+            <a:avLst/>
+          </a:prstGeom>
+        </p:spPr>
+      </p:pic>
     </p:spTree>
     <p:extLst>
       <p:ext uri="{BB962C8B-B14F-4D97-AF65-F5344CB8AC3E}">
@@ -9204,17 +9214,7 @@
                 <a:latin typeface="Times New Roman" panose="02020603050405020304" pitchFamily="18" charset="0"/>
                 <a:cs typeface="Times New Roman" panose="02020603050405020304" pitchFamily="18" charset="0"/>
               </a:rPr>
-              <a:t>", </a:t>
-            </a:r>
-            <a:r>
-              <a:rPr lang="en-US" sz="1400" dirty="0" smtClean="0">
-                <a:solidFill>
-                  <a:schemeClr val="tx1"/>
-                </a:solidFill>
-                <a:latin typeface="Times New Roman" panose="02020603050405020304" pitchFamily="18" charset="0"/>
-                <a:cs typeface="Times New Roman" panose="02020603050405020304" pitchFamily="18" charset="0"/>
-              </a:rPr>
-              <a:t>	header=FALSE, threshold=8);</a:t>
+              <a:t>", 	header=FALSE, threshold=8);</a:t>
             </a:r>
           </a:p>
           <a:p>
@@ -10256,17 +10256,7 @@
                 <a:latin typeface="Times New Roman" panose="02020603050405020304" pitchFamily="18" charset="0"/>
                 <a:cs typeface="Times New Roman" panose="02020603050405020304" pitchFamily="18" charset="0"/>
               </a:rPr>
-              <a:t>Scanning </a:t>
-            </a:r>
-            <a:r>
-              <a:rPr lang="en-US" sz="1500" dirty="0" smtClean="0">
-                <a:solidFill>
-                  <a:schemeClr val="tx1"/>
-                </a:solidFill>
-                <a:latin typeface="Times New Roman" panose="02020603050405020304" pitchFamily="18" charset="0"/>
-                <a:cs typeface="Times New Roman" panose="02020603050405020304" pitchFamily="18" charset="0"/>
-              </a:rPr>
-              <a:t>Results");</a:t>
+              <a:t>Scanning Results");</a:t>
             </a:r>
             <a:endParaRPr lang="en-US" dirty="0" smtClean="0"/>
           </a:p>
@@ -11606,22 +11596,7 @@
                 <a:latin typeface="Times New Roman" panose="02020603050405020304" pitchFamily="18" charset="0"/>
                 <a:cs typeface="Times New Roman" panose="02020603050405020304" pitchFamily="18" charset="0"/>
               </a:rPr>
-              <a:t># Compare motifs between each condition</a:t>
-            </a:r>
-          </a:p>
-          <a:p>
-            <a:pPr marL="109728" indent="0">
-              <a:buNone/>
-            </a:pPr>
-            <a:r>
-              <a:rPr lang="en-US" dirty="0" err="1" smtClean="0">
-                <a:solidFill>
-                  <a:schemeClr val="tx1"/>
-                </a:solidFill>
-                <a:latin typeface="Times New Roman" panose="02020603050405020304" pitchFamily="18" charset="0"/>
-                <a:cs typeface="Times New Roman" panose="02020603050405020304" pitchFamily="18" charset="0"/>
-              </a:rPr>
-              <a:t>t.comp</a:t>
+              <a:t># Compare motifs between </a:t>
             </a:r>
             <a:r>
               <a:rPr lang="en-US" dirty="0" smtClean="0">
@@ -11631,137 +11606,7 @@
                 <a:latin typeface="Times New Roman" panose="02020603050405020304" pitchFamily="18" charset="0"/>
                 <a:cs typeface="Times New Roman" panose="02020603050405020304" pitchFamily="18" charset="0"/>
               </a:rPr>
-              <a:t> </a:t>
-            </a:r>
-            <a:r>
-              <a:rPr lang="en-US" dirty="0">
-                <a:solidFill>
-                  <a:schemeClr val="tx1"/>
-                </a:solidFill>
-                <a:latin typeface="Times New Roman" panose="02020603050405020304" pitchFamily="18" charset="0"/>
-                <a:cs typeface="Times New Roman" panose="02020603050405020304" pitchFamily="18" charset="0"/>
-              </a:rPr>
-              <a:t>&lt;- </a:t>
-            </a:r>
-            <a:r>
-              <a:rPr lang="en-US" dirty="0" err="1" smtClean="0">
-                <a:solidFill>
-                  <a:schemeClr val="tx1"/>
-                </a:solidFill>
-                <a:latin typeface="Times New Roman" panose="02020603050405020304" pitchFamily="18" charset="0"/>
-                <a:cs typeface="Times New Roman" panose="02020603050405020304" pitchFamily="18" charset="0"/>
-              </a:rPr>
-              <a:t>tfbs.enrichmentTest</a:t>
-            </a:r>
-            <a:r>
-              <a:rPr lang="en-US" dirty="0" smtClean="0">
-                <a:solidFill>
-                  <a:schemeClr val="tx1"/>
-                </a:solidFill>
-                <a:latin typeface="Times New Roman" panose="02020603050405020304" pitchFamily="18" charset="0"/>
-                <a:cs typeface="Times New Roman" panose="02020603050405020304" pitchFamily="18" charset="0"/>
-              </a:rPr>
-              <a:t>( </a:t>
-            </a:r>
-            <a:r>
-              <a:rPr lang="en-US" dirty="0" err="1">
-                <a:solidFill>
-                  <a:schemeClr val="tx1"/>
-                </a:solidFill>
-                <a:latin typeface="Times New Roman" panose="02020603050405020304" pitchFamily="18" charset="0"/>
-                <a:cs typeface="Times New Roman" panose="02020603050405020304" pitchFamily="18" charset="0"/>
-              </a:rPr>
-              <a:t>tfs</a:t>
-            </a:r>
-            <a:r>
-              <a:rPr lang="en-US" dirty="0">
-                <a:solidFill>
-                  <a:schemeClr val="tx1"/>
-                </a:solidFill>
-                <a:latin typeface="Times New Roman" panose="02020603050405020304" pitchFamily="18" charset="0"/>
-                <a:cs typeface="Times New Roman" panose="02020603050405020304" pitchFamily="18" charset="0"/>
-              </a:rPr>
-              <a:t>, </a:t>
-            </a:r>
-          </a:p>
-          <a:p>
-            <a:pPr marL="109728" indent="0">
-              <a:buNone/>
-            </a:pPr>
-            <a:r>
-              <a:rPr lang="en-US" dirty="0">
-                <a:solidFill>
-                  <a:schemeClr val="tx1"/>
-                </a:solidFill>
-                <a:latin typeface="Times New Roman" panose="02020603050405020304" pitchFamily="18" charset="0"/>
-                <a:cs typeface="Times New Roman" panose="02020603050405020304" pitchFamily="18" charset="0"/>
-              </a:rPr>
-              <a:t>      </a:t>
-            </a:r>
-            <a:r>
-              <a:rPr lang="en-US" dirty="0" err="1">
-                <a:solidFill>
-                  <a:schemeClr val="tx1"/>
-                </a:solidFill>
-                <a:latin typeface="Times New Roman" panose="02020603050405020304" pitchFamily="18" charset="0"/>
-                <a:cs typeface="Times New Roman" panose="02020603050405020304" pitchFamily="18" charset="0"/>
-              </a:rPr>
-              <a:t>file.twoBit</a:t>
-            </a:r>
-            <a:r>
-              <a:rPr lang="en-US" dirty="0">
-                <a:solidFill>
-                  <a:schemeClr val="tx1"/>
-                </a:solidFill>
-                <a:latin typeface="Times New Roman" panose="02020603050405020304" pitchFamily="18" charset="0"/>
-                <a:cs typeface="Times New Roman" panose="02020603050405020304" pitchFamily="18" charset="0"/>
-              </a:rPr>
-              <a:t>, </a:t>
-            </a:r>
-          </a:p>
-          <a:p>
-            <a:pPr marL="109728" indent="0">
-              <a:buNone/>
-            </a:pPr>
-            <a:r>
-              <a:rPr lang="en-US" dirty="0">
-                <a:solidFill>
-                  <a:schemeClr val="tx1"/>
-                </a:solidFill>
-                <a:latin typeface="Times New Roman" panose="02020603050405020304" pitchFamily="18" charset="0"/>
-                <a:cs typeface="Times New Roman" panose="02020603050405020304" pitchFamily="18" charset="0"/>
-              </a:rPr>
-              <a:t>   </a:t>
-            </a:r>
-            <a:r>
-              <a:rPr lang="en-US" dirty="0" smtClean="0">
-                <a:solidFill>
-                  <a:schemeClr val="tx1"/>
-                </a:solidFill>
-                <a:latin typeface="Times New Roman" panose="02020603050405020304" pitchFamily="18" charset="0"/>
-                <a:cs typeface="Times New Roman" panose="02020603050405020304" pitchFamily="18" charset="0"/>
-              </a:rPr>
-              <a:t>   </a:t>
-            </a:r>
-            <a:r>
-              <a:rPr lang="en-US" dirty="0" err="1" smtClean="0">
-                <a:solidFill>
-                  <a:schemeClr val="tx1"/>
-                </a:solidFill>
-                <a:latin typeface="Times New Roman" panose="02020603050405020304" pitchFamily="18" charset="0"/>
-                <a:cs typeface="Times New Roman" panose="02020603050405020304" pitchFamily="18" charset="0"/>
-              </a:rPr>
-              <a:t>pos.bed</a:t>
-            </a:r>
-            <a:r>
-              <a:rPr lang="en-US" dirty="0" smtClean="0">
-                <a:solidFill>
-                  <a:schemeClr val="tx1"/>
-                </a:solidFill>
-                <a:latin typeface="Times New Roman" panose="02020603050405020304" pitchFamily="18" charset="0"/>
-                <a:cs typeface="Times New Roman" panose="02020603050405020304" pitchFamily="18" charset="0"/>
-              </a:rPr>
-              <a:t>, </a:t>
+              <a:t>two conditions</a:t>
             </a:r>
             <a:endParaRPr lang="en-US" dirty="0">
               <a:solidFill>
@@ -11776,6 +11621,26 @@
               <a:buNone/>
             </a:pPr>
             <a:r>
+              <a:rPr lang="en-US" dirty="0" err="1" smtClean="0">
+                <a:solidFill>
+                  <a:schemeClr val="tx1"/>
+                </a:solidFill>
+                <a:latin typeface="Times New Roman" panose="02020603050405020304" pitchFamily="18" charset="0"/>
+                <a:cs typeface="Times New Roman" panose="02020603050405020304" pitchFamily="18" charset="0"/>
+              </a:rPr>
+              <a:t>t.comp</a:t>
+            </a:r>
+            <a:r>
+              <a:rPr lang="en-US" dirty="0" smtClean="0">
+                <a:solidFill>
+                  <a:schemeClr val="tx1"/>
+                </a:solidFill>
+                <a:latin typeface="Times New Roman" panose="02020603050405020304" pitchFamily="18" charset="0"/>
+                <a:cs typeface="Times New Roman" panose="02020603050405020304" pitchFamily="18" charset="0"/>
+              </a:rPr>
+              <a:t> </a:t>
+            </a:r>
+            <a:r>
               <a:rPr lang="en-US" dirty="0">
                 <a:solidFill>
                   <a:schemeClr val="tx1"/>
@@ -11783,7 +11648,17 @@
                 <a:latin typeface="Times New Roman" panose="02020603050405020304" pitchFamily="18" charset="0"/>
                 <a:cs typeface="Times New Roman" panose="02020603050405020304" pitchFamily="18" charset="0"/>
               </a:rPr>
-              <a:t> </a:t>
+              <a:t>&lt;- </a:t>
+            </a:r>
+            <a:r>
+              <a:rPr lang="en-US" dirty="0" err="1" smtClean="0">
+                <a:solidFill>
+                  <a:schemeClr val="tx1"/>
+                </a:solidFill>
+                <a:latin typeface="Times New Roman" panose="02020603050405020304" pitchFamily="18" charset="0"/>
+                <a:cs typeface="Times New Roman" panose="02020603050405020304" pitchFamily="18" charset="0"/>
+              </a:rPr>
+              <a:t>tfbs.enrichmentTest</a:t>
             </a:r>
             <a:r>
               <a:rPr lang="en-US" dirty="0" smtClean="0">
@@ -11793,7 +11668,87 @@
                 <a:latin typeface="Times New Roman" panose="02020603050405020304" pitchFamily="18" charset="0"/>
                 <a:cs typeface="Times New Roman" panose="02020603050405020304" pitchFamily="18" charset="0"/>
               </a:rPr>
-              <a:t>     </a:t>
+              <a:t>( </a:t>
+            </a:r>
+            <a:r>
+              <a:rPr lang="en-US" dirty="0" err="1">
+                <a:solidFill>
+                  <a:schemeClr val="tx1"/>
+                </a:solidFill>
+                <a:latin typeface="Times New Roman" panose="02020603050405020304" pitchFamily="18" charset="0"/>
+                <a:cs typeface="Times New Roman" panose="02020603050405020304" pitchFamily="18" charset="0"/>
+              </a:rPr>
+              <a:t>tfs</a:t>
+            </a:r>
+            <a:r>
+              <a:rPr lang="en-US" dirty="0">
+                <a:solidFill>
+                  <a:schemeClr val="tx1"/>
+                </a:solidFill>
+                <a:latin typeface="Times New Roman" panose="02020603050405020304" pitchFamily="18" charset="0"/>
+                <a:cs typeface="Times New Roman" panose="02020603050405020304" pitchFamily="18" charset="0"/>
+              </a:rPr>
+              <a:t>, </a:t>
+            </a:r>
+          </a:p>
+          <a:p>
+            <a:pPr marL="109728" indent="0">
+              <a:buNone/>
+            </a:pPr>
+            <a:r>
+              <a:rPr lang="en-US" dirty="0">
+                <a:solidFill>
+                  <a:schemeClr val="tx1"/>
+                </a:solidFill>
+                <a:latin typeface="Times New Roman" panose="02020603050405020304" pitchFamily="18" charset="0"/>
+                <a:cs typeface="Times New Roman" panose="02020603050405020304" pitchFamily="18" charset="0"/>
+              </a:rPr>
+              <a:t>      </a:t>
+            </a:r>
+            <a:r>
+              <a:rPr lang="en-US" dirty="0" err="1">
+                <a:solidFill>
+                  <a:schemeClr val="tx1"/>
+                </a:solidFill>
+                <a:latin typeface="Times New Roman" panose="02020603050405020304" pitchFamily="18" charset="0"/>
+                <a:cs typeface="Times New Roman" panose="02020603050405020304" pitchFamily="18" charset="0"/>
+              </a:rPr>
+              <a:t>file.twoBit</a:t>
+            </a:r>
+            <a:r>
+              <a:rPr lang="en-US" dirty="0">
+                <a:solidFill>
+                  <a:schemeClr val="tx1"/>
+                </a:solidFill>
+                <a:latin typeface="Times New Roman" panose="02020603050405020304" pitchFamily="18" charset="0"/>
+                <a:cs typeface="Times New Roman" panose="02020603050405020304" pitchFamily="18" charset="0"/>
+              </a:rPr>
+              <a:t>, </a:t>
+            </a:r>
+          </a:p>
+          <a:p>
+            <a:pPr marL="109728" indent="0">
+              <a:buNone/>
+            </a:pPr>
+            <a:r>
+              <a:rPr lang="en-US" dirty="0">
+                <a:solidFill>
+                  <a:schemeClr val="tx1"/>
+                </a:solidFill>
+                <a:latin typeface="Times New Roman" panose="02020603050405020304" pitchFamily="18" charset="0"/>
+                <a:cs typeface="Times New Roman" panose="02020603050405020304" pitchFamily="18" charset="0"/>
+              </a:rPr>
+              <a:t>   </a:t>
+            </a:r>
+            <a:r>
+              <a:rPr lang="en-US" dirty="0" smtClean="0">
+                <a:solidFill>
+                  <a:schemeClr val="tx1"/>
+                </a:solidFill>
+                <a:latin typeface="Times New Roman" panose="02020603050405020304" pitchFamily="18" charset="0"/>
+                <a:cs typeface="Times New Roman" panose="02020603050405020304" pitchFamily="18" charset="0"/>
+              </a:rPr>
+              <a:t>   </a:t>
             </a:r>
             <a:r>
               <a:rPr lang="en-US" dirty="0" err="1" smtClean="0">
@@ -11803,7 +11758,7 @@
                 <a:latin typeface="Times New Roman" panose="02020603050405020304" pitchFamily="18" charset="0"/>
                 <a:cs typeface="Times New Roman" panose="02020603050405020304" pitchFamily="18" charset="0"/>
               </a:rPr>
-              <a:t>neg.bed</a:t>
+              <a:t>pos.bed</a:t>
             </a:r>
             <a:r>
               <a:rPr lang="en-US" dirty="0" smtClean="0">
@@ -11835,6 +11790,58 @@
                 <a:latin typeface="Times New Roman" panose="02020603050405020304" pitchFamily="18" charset="0"/>
                 <a:cs typeface="Times New Roman" panose="02020603050405020304" pitchFamily="18" charset="0"/>
               </a:rPr>
+              <a:t> </a:t>
+            </a:r>
+            <a:r>
+              <a:rPr lang="en-US" dirty="0" smtClean="0">
+                <a:solidFill>
+                  <a:schemeClr val="tx1"/>
+                </a:solidFill>
+                <a:latin typeface="Times New Roman" panose="02020603050405020304" pitchFamily="18" charset="0"/>
+                <a:cs typeface="Times New Roman" panose="02020603050405020304" pitchFamily="18" charset="0"/>
+              </a:rPr>
+              <a:t>     </a:t>
+            </a:r>
+            <a:r>
+              <a:rPr lang="en-US" dirty="0" err="1" smtClean="0">
+                <a:solidFill>
+                  <a:schemeClr val="tx1"/>
+                </a:solidFill>
+                <a:latin typeface="Times New Roman" panose="02020603050405020304" pitchFamily="18" charset="0"/>
+                <a:cs typeface="Times New Roman" panose="02020603050405020304" pitchFamily="18" charset="0"/>
+              </a:rPr>
+              <a:t>neg.bed</a:t>
+            </a:r>
+            <a:r>
+              <a:rPr lang="en-US" dirty="0" smtClean="0">
+                <a:solidFill>
+                  <a:schemeClr val="tx1"/>
+                </a:solidFill>
+                <a:latin typeface="Times New Roman" panose="02020603050405020304" pitchFamily="18" charset="0"/>
+                <a:cs typeface="Times New Roman" panose="02020603050405020304" pitchFamily="18" charset="0"/>
+              </a:rPr>
+              <a:t>, </a:t>
+            </a:r>
+            <a:endParaRPr lang="en-US" dirty="0">
+              <a:solidFill>
+                <a:schemeClr val="tx1"/>
+              </a:solidFill>
+              <a:latin typeface="Times New Roman" panose="02020603050405020304" pitchFamily="18" charset="0"/>
+              <a:cs typeface="Times New Roman" panose="02020603050405020304" pitchFamily="18" charset="0"/>
+            </a:endParaRPr>
+          </a:p>
+          <a:p>
+            <a:pPr marL="109728" indent="0">
+              <a:buNone/>
+            </a:pPr>
+            <a:r>
+              <a:rPr lang="en-US" dirty="0">
+                <a:solidFill>
+                  <a:schemeClr val="tx1"/>
+                </a:solidFill>
+                <a:latin typeface="Times New Roman" panose="02020603050405020304" pitchFamily="18" charset="0"/>
+                <a:cs typeface="Times New Roman" panose="02020603050405020304" pitchFamily="18" charset="0"/>
+              </a:rPr>
               <a:t>      </a:t>
             </a:r>
             <a:r>
@@ -11883,14 +11890,24 @@
               <a:t>file.prefix</a:t>
             </a:r>
             <a:r>
-              <a:rPr lang="en-US">
-                <a:solidFill>
-                  <a:schemeClr val="tx1"/>
-                </a:solidFill>
-                <a:latin typeface="Times New Roman" panose="02020603050405020304" pitchFamily="18" charset="0"/>
-                <a:cs typeface="Times New Roman" panose="02020603050405020304" pitchFamily="18" charset="0"/>
-              </a:rPr>
-              <a:t>="enrich.db</a:t>
+              <a:rPr lang="en-US" dirty="0">
+                <a:solidFill>
+                  <a:schemeClr val="tx1"/>
+                </a:solidFill>
+                <a:latin typeface="Times New Roman" panose="02020603050405020304" pitchFamily="18" charset="0"/>
+                <a:cs typeface="Times New Roman" panose="02020603050405020304" pitchFamily="18" charset="0"/>
+              </a:rPr>
+              <a:t>="</a:t>
+            </a:r>
+            <a:r>
+              <a:rPr lang="en-US" dirty="0" err="1">
+                <a:solidFill>
+                  <a:schemeClr val="tx1"/>
+                </a:solidFill>
+                <a:latin typeface="Times New Roman" panose="02020603050405020304" pitchFamily="18" charset="0"/>
+                <a:cs typeface="Times New Roman" panose="02020603050405020304" pitchFamily="18" charset="0"/>
+              </a:rPr>
+              <a:t>enrich.db</a:t>
             </a:r>
             <a:r>
               <a:rPr lang="en-US" dirty="0">
@@ -16390,6 +16407,36 @@
             <a:pPr marL="109728" indent="0">
               <a:buNone/>
             </a:pPr>
+            <a:r>
+              <a:rPr lang="en-US" sz="1600" dirty="0" smtClean="0">
+                <a:solidFill>
+                  <a:schemeClr val="tx1"/>
+                </a:solidFill>
+                <a:latin typeface="Times New Roman" panose="02020603050405020304" pitchFamily="18" charset="0"/>
+                <a:cs typeface="Times New Roman" panose="02020603050405020304" pitchFamily="18" charset="0"/>
+              </a:rPr>
+              <a:t>library(</a:t>
+            </a:r>
+            <a:r>
+              <a:rPr lang="en-US" sz="1600" dirty="0" err="1" smtClean="0">
+                <a:solidFill>
+                  <a:schemeClr val="tx1"/>
+                </a:solidFill>
+                <a:latin typeface="Times New Roman" panose="02020603050405020304" pitchFamily="18" charset="0"/>
+                <a:cs typeface="Times New Roman" panose="02020603050405020304" pitchFamily="18" charset="0"/>
+              </a:rPr>
+              <a:t>rtfbsdb</a:t>
+            </a:r>
+            <a:r>
+              <a:rPr lang="en-US" sz="1600" dirty="0" smtClean="0">
+                <a:solidFill>
+                  <a:schemeClr val="tx1"/>
+                </a:solidFill>
+                <a:latin typeface="Times New Roman" panose="02020603050405020304" pitchFamily="18" charset="0"/>
+                <a:cs typeface="Times New Roman" panose="02020603050405020304" pitchFamily="18" charset="0"/>
+              </a:rPr>
+              <a:t>)</a:t>
+            </a:r>
             <a:endParaRPr lang="en-US" sz="1600" dirty="0" smtClean="0">
               <a:solidFill>
                 <a:schemeClr val="tx1"/>
@@ -18998,6 +19045,26 @@
               <a:buNone/>
             </a:pPr>
             <a:r>
+              <a:rPr lang="en-US" sz="1600" dirty="0" err="1" smtClean="0">
+                <a:solidFill>
+                  <a:schemeClr val="tx1"/>
+                </a:solidFill>
+                <a:latin typeface="Times New Roman" panose="02020603050405020304" pitchFamily="18" charset="0"/>
+                <a:cs typeface="Times New Roman" panose="02020603050405020304" pitchFamily="18" charset="0"/>
+              </a:rPr>
+              <a:t>tfs</a:t>
+            </a:r>
+            <a:r>
+              <a:rPr lang="en-US" sz="1600" dirty="0" smtClean="0">
+                <a:solidFill>
+                  <a:schemeClr val="tx1"/>
+                </a:solidFill>
+                <a:latin typeface="Times New Roman" panose="02020603050405020304" pitchFamily="18" charset="0"/>
+                <a:cs typeface="Times New Roman" panose="02020603050405020304" pitchFamily="18" charset="0"/>
+              </a:rPr>
+              <a:t> </a:t>
+            </a:r>
+            <a:r>
               <a:rPr lang="en-US" sz="1600" dirty="0">
                 <a:solidFill>
                   <a:schemeClr val="tx1"/>
@@ -19005,8 +19072,53 @@
                 <a:latin typeface="Times New Roman" panose="02020603050405020304" pitchFamily="18" charset="0"/>
                 <a:cs typeface="Times New Roman" panose="02020603050405020304" pitchFamily="18" charset="0"/>
               </a:rPr>
-              <a:t># Specify the bigwig files to filter the expressed TFs only </a:t>
-            </a:r>
+              <a:t>&lt;- </a:t>
+            </a:r>
+            <a:r>
+              <a:rPr lang="en-US" sz="1600" dirty="0" err="1" smtClean="0">
+                <a:solidFill>
+                  <a:schemeClr val="tx1"/>
+                </a:solidFill>
+                <a:latin typeface="Times New Roman" panose="02020603050405020304" pitchFamily="18" charset="0"/>
+                <a:cs typeface="Times New Roman" panose="02020603050405020304" pitchFamily="18" charset="0"/>
+              </a:rPr>
+              <a:t>tfbs.createFromCisBP</a:t>
+            </a:r>
+            <a:r>
+              <a:rPr lang="en-US" sz="1600" dirty="0" smtClean="0">
+                <a:solidFill>
+                  <a:schemeClr val="tx1"/>
+                </a:solidFill>
+                <a:latin typeface="Times New Roman" panose="02020603050405020304" pitchFamily="18" charset="0"/>
+                <a:cs typeface="Times New Roman" panose="02020603050405020304" pitchFamily="18" charset="0"/>
+              </a:rPr>
+              <a:t>( </a:t>
+            </a:r>
+            <a:r>
+              <a:rPr lang="en-US" sz="1600" dirty="0" err="1" smtClean="0">
+                <a:solidFill>
+                  <a:schemeClr val="tx1"/>
+                </a:solidFill>
+                <a:latin typeface="Times New Roman" panose="02020603050405020304" pitchFamily="18" charset="0"/>
+                <a:cs typeface="Times New Roman" panose="02020603050405020304" pitchFamily="18" charset="0"/>
+              </a:rPr>
+              <a:t>db</a:t>
+            </a:r>
+            <a:r>
+              <a:rPr lang="en-US" sz="1600" dirty="0" smtClean="0">
+                <a:solidFill>
+                  <a:schemeClr val="tx1"/>
+                </a:solidFill>
+                <a:latin typeface="Times New Roman" panose="02020603050405020304" pitchFamily="18" charset="0"/>
+                <a:cs typeface="Times New Roman" panose="02020603050405020304" pitchFamily="18" charset="0"/>
+              </a:rPr>
+              <a:t> );</a:t>
+            </a:r>
+          </a:p>
+          <a:p>
+            <a:pPr marL="109728" indent="0">
+              <a:buNone/>
+            </a:pPr>
             <a:endParaRPr lang="en-US" sz="1600" dirty="0" smtClean="0">
               <a:solidFill>
                 <a:schemeClr val="tx1"/>
@@ -19020,6 +19132,66 @@
               <a:buNone/>
             </a:pPr>
             <a:r>
+              <a:rPr lang="en-US" sz="1600" dirty="0">
+                <a:solidFill>
+                  <a:schemeClr val="tx1"/>
+                </a:solidFill>
+                <a:latin typeface="Times New Roman" panose="02020603050405020304" pitchFamily="18" charset="0"/>
+                <a:cs typeface="Times New Roman" panose="02020603050405020304" pitchFamily="18" charset="0"/>
+              </a:rPr>
+              <a:t># Specify the bigwig files to filter the expressed TFs only </a:t>
+            </a:r>
+          </a:p>
+          <a:p>
+            <a:pPr marL="109728" indent="0">
+              <a:buNone/>
+            </a:pPr>
+            <a:r>
+              <a:rPr lang="en-US" sz="1600" dirty="0">
+                <a:solidFill>
+                  <a:schemeClr val="tx1"/>
+                </a:solidFill>
+                <a:latin typeface="Times New Roman" panose="02020603050405020304" pitchFamily="18" charset="0"/>
+                <a:cs typeface="Times New Roman" panose="02020603050405020304" pitchFamily="18" charset="0"/>
+              </a:rPr>
+              <a:t># (PRO-</a:t>
+            </a:r>
+            <a:r>
+              <a:rPr lang="en-US" sz="1600" dirty="0" err="1">
+                <a:solidFill>
+                  <a:schemeClr val="tx1"/>
+                </a:solidFill>
+                <a:latin typeface="Times New Roman" panose="02020603050405020304" pitchFamily="18" charset="0"/>
+                <a:cs typeface="Times New Roman" panose="02020603050405020304" pitchFamily="18" charset="0"/>
+              </a:rPr>
+              <a:t>seq</a:t>
+            </a:r>
+            <a:r>
+              <a:rPr lang="en-US" sz="1600" dirty="0">
+                <a:solidFill>
+                  <a:schemeClr val="tx1"/>
+                </a:solidFill>
+                <a:latin typeface="Times New Roman" panose="02020603050405020304" pitchFamily="18" charset="0"/>
+                <a:cs typeface="Times New Roman" panose="02020603050405020304" pitchFamily="18" charset="0"/>
+              </a:rPr>
+              <a:t>)</a:t>
+            </a:r>
+          </a:p>
+          <a:p>
+            <a:pPr marL="109728" indent="0">
+              <a:buNone/>
+            </a:pPr>
+            <a:r>
+              <a:rPr lang="en-US" sz="1600" dirty="0" err="1" smtClean="0">
+                <a:solidFill>
+                  <a:schemeClr val="tx1"/>
+                </a:solidFill>
+                <a:latin typeface="Times New Roman" panose="02020603050405020304" pitchFamily="18" charset="0"/>
+                <a:cs typeface="Times New Roman" panose="02020603050405020304" pitchFamily="18" charset="0"/>
+              </a:rPr>
+              <a:t>tfs</a:t>
+            </a:r>
+            <a:r>
               <a:rPr lang="en-US" sz="1600" dirty="0" smtClean="0">
                 <a:solidFill>
                   <a:schemeClr val="tx1"/>
@@ -19027,7 +19199,7 @@
                 <a:latin typeface="Times New Roman" panose="02020603050405020304" pitchFamily="18" charset="0"/>
                 <a:cs typeface="Times New Roman" panose="02020603050405020304" pitchFamily="18" charset="0"/>
               </a:rPr>
-              <a:t># (</a:t>
+              <a:t> </a:t>
             </a:r>
             <a:r>
               <a:rPr lang="en-US" sz="1600" dirty="0">
@@ -19037,7 +19209,69 @@
                 <a:latin typeface="Times New Roman" panose="02020603050405020304" pitchFamily="18" charset="0"/>
                 <a:cs typeface="Times New Roman" panose="02020603050405020304" pitchFamily="18" charset="0"/>
               </a:rPr>
-              <a:t>PRO-</a:t>
+              <a:t>&lt;- </a:t>
+            </a:r>
+            <a:r>
+              <a:rPr lang="en-US" sz="1600" dirty="0" err="1" smtClean="0">
+                <a:solidFill>
+                  <a:schemeClr val="tx1"/>
+                </a:solidFill>
+                <a:latin typeface="Times New Roman" panose="02020603050405020304" pitchFamily="18" charset="0"/>
+                <a:cs typeface="Times New Roman" panose="02020603050405020304" pitchFamily="18" charset="0"/>
+              </a:rPr>
+              <a:t>tfbs.selectExpressedMotifs</a:t>
+            </a:r>
+            <a:r>
+              <a:rPr lang="en-US" sz="1600" dirty="0" smtClean="0">
+                <a:solidFill>
+                  <a:schemeClr val="tx1"/>
+                </a:solidFill>
+                <a:latin typeface="Times New Roman" panose="02020603050405020304" pitchFamily="18" charset="0"/>
+                <a:cs typeface="Times New Roman" panose="02020603050405020304" pitchFamily="18" charset="0"/>
+              </a:rPr>
+              <a:t>( </a:t>
+            </a:r>
+            <a:r>
+              <a:rPr lang="en-US" sz="1600" dirty="0" err="1" smtClean="0">
+                <a:solidFill>
+                  <a:schemeClr val="tx1"/>
+                </a:solidFill>
+                <a:latin typeface="Times New Roman" panose="02020603050405020304" pitchFamily="18" charset="0"/>
+                <a:cs typeface="Times New Roman" panose="02020603050405020304" pitchFamily="18" charset="0"/>
+              </a:rPr>
+              <a:t>tfs</a:t>
+            </a:r>
+            <a:r>
+              <a:rPr lang="en-US" sz="1600" dirty="0" smtClean="0">
+                <a:solidFill>
+                  <a:schemeClr val="tx1"/>
+                </a:solidFill>
+                <a:latin typeface="Times New Roman" panose="02020603050405020304" pitchFamily="18" charset="0"/>
+                <a:cs typeface="Times New Roman" panose="02020603050405020304" pitchFamily="18" charset="0"/>
+              </a:rPr>
+              <a:t>,</a:t>
+            </a:r>
+            <a:endParaRPr lang="en-US" sz="1600" dirty="0" smtClean="0">
+              <a:solidFill>
+                <a:schemeClr val="tx1"/>
+              </a:solidFill>
+              <a:latin typeface="Times New Roman" panose="02020603050405020304" pitchFamily="18" charset="0"/>
+              <a:cs typeface="Times New Roman" panose="02020603050405020304" pitchFamily="18" charset="0"/>
+            </a:endParaRPr>
+          </a:p>
+          <a:p>
+            <a:pPr marL="109728" indent="0">
+              <a:buNone/>
+            </a:pPr>
+            <a:r>
+              <a:rPr lang="en-US" sz="1600" dirty="0">
+                <a:solidFill>
+                  <a:schemeClr val="tx1"/>
+                </a:solidFill>
+                <a:latin typeface="Times New Roman" panose="02020603050405020304" pitchFamily="18" charset="0"/>
+                <a:cs typeface="Times New Roman" panose="02020603050405020304" pitchFamily="18" charset="0"/>
+              </a:rPr>
+              <a:t>	</a:t>
             </a:r>
             <a:r>
               <a:rPr lang="en-US" sz="1600" dirty="0" err="1">
@@ -19047,7 +19281,7 @@
                 <a:latin typeface="Times New Roman" panose="02020603050405020304" pitchFamily="18" charset="0"/>
                 <a:cs typeface="Times New Roman" panose="02020603050405020304" pitchFamily="18" charset="0"/>
               </a:rPr>
-              <a:t>seq</a:t>
+              <a:t>file.twoBit</a:t>
             </a:r>
             <a:r>
               <a:rPr lang="en-US" sz="1600" dirty="0">
@@ -19057,13 +19291,18 @@
                 <a:latin typeface="Times New Roman" panose="02020603050405020304" pitchFamily="18" charset="0"/>
                 <a:cs typeface="Times New Roman" panose="02020603050405020304" pitchFamily="18" charset="0"/>
               </a:rPr>
-              <a:t>)</a:t>
-            </a:r>
-          </a:p>
-          <a:p>
-            <a:pPr marL="109728" indent="0">
-              <a:buNone/>
-            </a:pPr>
+              <a:t>="hg19.2bit", 	</a:t>
+            </a:r>
+            <a:r>
+              <a:rPr lang="en-US" sz="1600" dirty="0">
+                <a:solidFill>
+                  <a:schemeClr val="tx1"/>
+                </a:solidFill>
+                <a:latin typeface="Times New Roman" panose="02020603050405020304" pitchFamily="18" charset="0"/>
+                <a:cs typeface="Times New Roman" panose="02020603050405020304" pitchFamily="18" charset="0"/>
+              </a:rPr>
+              <a:t>	</a:t>
+            </a:r>
             <a:r>
               <a:rPr lang="en-US" sz="1600" dirty="0" err="1">
                 <a:solidFill>
@@ -19072,7 +19311,7 @@
                 <a:latin typeface="Times New Roman" panose="02020603050405020304" pitchFamily="18" charset="0"/>
                 <a:cs typeface="Times New Roman" panose="02020603050405020304" pitchFamily="18" charset="0"/>
               </a:rPr>
-              <a:t>tfs</a:t>
+              <a:t>file.gencode.gtf</a:t>
             </a:r>
             <a:r>
               <a:rPr lang="en-US" sz="1600" dirty="0">
@@ -19082,7 +19321,37 @@
                 <a:latin typeface="Times New Roman" panose="02020603050405020304" pitchFamily="18" charset="0"/>
                 <a:cs typeface="Times New Roman" panose="02020603050405020304" pitchFamily="18" charset="0"/>
               </a:rPr>
-              <a:t> &lt;- </a:t>
+              <a:t>="gencode.v19.annotation.gtf.gz", </a:t>
+            </a:r>
+            <a:r>
+              <a:rPr lang="en-US" sz="1600" dirty="0" smtClean="0">
+                <a:solidFill>
+                  <a:schemeClr val="tx1"/>
+                </a:solidFill>
+                <a:latin typeface="Times New Roman" panose="02020603050405020304" pitchFamily="18" charset="0"/>
+                <a:cs typeface="Times New Roman" panose="02020603050405020304" pitchFamily="18" charset="0"/>
+              </a:rPr>
+              <a:t>	</a:t>
+            </a:r>
+            <a:r>
+              <a:rPr lang="en-US" sz="1600" dirty="0" err="1" smtClean="0">
+                <a:solidFill>
+                  <a:schemeClr val="tx1"/>
+                </a:solidFill>
+                <a:latin typeface="Times New Roman" panose="02020603050405020304" pitchFamily="18" charset="0"/>
+                <a:cs typeface="Times New Roman" panose="02020603050405020304" pitchFamily="18" charset="0"/>
+              </a:rPr>
+              <a:t>file.bigwig.plus</a:t>
+            </a:r>
+            <a:r>
+              <a:rPr lang="en-US" sz="1600" dirty="0">
+                <a:solidFill>
+                  <a:schemeClr val="tx1"/>
+                </a:solidFill>
+                <a:latin typeface="Times New Roman" panose="02020603050405020304" pitchFamily="18" charset="0"/>
+                <a:cs typeface="Times New Roman" panose="02020603050405020304" pitchFamily="18" charset="0"/>
+              </a:rPr>
+              <a:t>="</a:t>
             </a:r>
             <a:r>
               <a:rPr lang="en-US" sz="1600" dirty="0" err="1">
@@ -19092,7 +19361,7 @@
                 <a:latin typeface="Times New Roman" panose="02020603050405020304" pitchFamily="18" charset="0"/>
                 <a:cs typeface="Times New Roman" panose="02020603050405020304" pitchFamily="18" charset="0"/>
               </a:rPr>
-              <a:t>tfbs.createFromCisBP</a:t>
+              <a:t>bw.plus</a:t>
             </a:r>
             <a:r>
               <a:rPr lang="en-US" sz="1600" dirty="0">
@@ -19102,27 +19371,7 @@
                 <a:latin typeface="Times New Roman" panose="02020603050405020304" pitchFamily="18" charset="0"/>
                 <a:cs typeface="Times New Roman" panose="02020603050405020304" pitchFamily="18" charset="0"/>
               </a:rPr>
-              <a:t>( </a:t>
-            </a:r>
-            <a:r>
-              <a:rPr lang="en-US" sz="1600" dirty="0" err="1">
-                <a:solidFill>
-                  <a:schemeClr val="tx1"/>
-                </a:solidFill>
-                <a:latin typeface="Times New Roman" panose="02020603050405020304" pitchFamily="18" charset="0"/>
-                <a:cs typeface="Times New Roman" panose="02020603050405020304" pitchFamily="18" charset="0"/>
-              </a:rPr>
-              <a:t>db</a:t>
-            </a:r>
-            <a:r>
-              <a:rPr lang="en-US" sz="1600" dirty="0">
-                <a:solidFill>
-                  <a:schemeClr val="tx1"/>
-                </a:solidFill>
-                <a:latin typeface="Times New Roman" panose="02020603050405020304" pitchFamily="18" charset="0"/>
-                <a:cs typeface="Times New Roman" panose="02020603050405020304" pitchFamily="18" charset="0"/>
-              </a:rPr>
-              <a:t>, </a:t>
+              <a:t>", </a:t>
             </a:r>
             <a:r>
               <a:rPr lang="en-US" sz="1600" dirty="0" smtClean="0">
@@ -19132,7 +19381,7 @@
                 <a:latin typeface="Times New Roman" panose="02020603050405020304" pitchFamily="18" charset="0"/>
                 <a:cs typeface="Times New Roman" panose="02020603050405020304" pitchFamily="18" charset="0"/>
               </a:rPr>
-              <a:t>		</a:t>
+              <a:t>	</a:t>
             </a:r>
             <a:r>
               <a:rPr lang="en-US" sz="1600" dirty="0" err="1" smtClean="0">
@@ -19142,137 +19391,7 @@
                 <a:latin typeface="Times New Roman" panose="02020603050405020304" pitchFamily="18" charset="0"/>
                 <a:cs typeface="Times New Roman" panose="02020603050405020304" pitchFamily="18" charset="0"/>
               </a:rPr>
-              <a:t>expressed.only</a:t>
-            </a:r>
-            <a:r>
-              <a:rPr lang="en-US" sz="1600" dirty="0" smtClean="0">
-                <a:solidFill>
-                  <a:schemeClr val="tx1"/>
-                </a:solidFill>
-                <a:latin typeface="Times New Roman" panose="02020603050405020304" pitchFamily="18" charset="0"/>
-                <a:cs typeface="Times New Roman" panose="02020603050405020304" pitchFamily="18" charset="0"/>
-              </a:rPr>
-              <a:t>= TRUE,</a:t>
-            </a:r>
-            <a:r>
-              <a:rPr lang="en-US" sz="1600" dirty="0">
-                <a:solidFill>
-                  <a:schemeClr val="tx1"/>
-                </a:solidFill>
-                <a:latin typeface="Times New Roman" panose="02020603050405020304" pitchFamily="18" charset="0"/>
-                <a:cs typeface="Times New Roman" panose="02020603050405020304" pitchFamily="18" charset="0"/>
-              </a:rPr>
-              <a:t> 	</a:t>
-            </a:r>
-            <a:r>
-              <a:rPr lang="en-US" sz="1600" dirty="0" err="1">
-                <a:solidFill>
-                  <a:schemeClr val="tx1"/>
-                </a:solidFill>
-                <a:latin typeface="Times New Roman" panose="02020603050405020304" pitchFamily="18" charset="0"/>
-                <a:cs typeface="Times New Roman" panose="02020603050405020304" pitchFamily="18" charset="0"/>
-              </a:rPr>
-              <a:t>file.gencode.gtf</a:t>
-            </a:r>
-            <a:r>
-              <a:rPr lang="en-US" sz="1600" dirty="0">
-                <a:solidFill>
-                  <a:schemeClr val="tx1"/>
-                </a:solidFill>
-                <a:latin typeface="Times New Roman" panose="02020603050405020304" pitchFamily="18" charset="0"/>
-                <a:cs typeface="Times New Roman" panose="02020603050405020304" pitchFamily="18" charset="0"/>
-              </a:rPr>
-              <a:t>="gencode.v19.annotation.gtf.gz", 	</a:t>
-            </a:r>
-            <a:r>
-              <a:rPr lang="en-US" sz="1600" dirty="0" err="1">
-                <a:solidFill>
-                  <a:schemeClr val="tx1"/>
-                </a:solidFill>
-                <a:latin typeface="Times New Roman" panose="02020603050405020304" pitchFamily="18" charset="0"/>
-                <a:cs typeface="Times New Roman" panose="02020603050405020304" pitchFamily="18" charset="0"/>
-              </a:rPr>
-              <a:t>file.twoBit</a:t>
-            </a:r>
-            <a:r>
-              <a:rPr lang="en-US" sz="1600" dirty="0">
-                <a:solidFill>
-                  <a:schemeClr val="tx1"/>
-                </a:solidFill>
-                <a:latin typeface="Times New Roman" panose="02020603050405020304" pitchFamily="18" charset="0"/>
-                <a:cs typeface="Times New Roman" panose="02020603050405020304" pitchFamily="18" charset="0"/>
-              </a:rPr>
-              <a:t>="hg19.2bit", 	</a:t>
-            </a:r>
-            <a:r>
-              <a:rPr lang="en-US" sz="1600" dirty="0" smtClean="0">
-                <a:solidFill>
-                  <a:schemeClr val="tx1"/>
-                </a:solidFill>
-                <a:latin typeface="Times New Roman" panose="02020603050405020304" pitchFamily="18" charset="0"/>
-                <a:cs typeface="Times New Roman" panose="02020603050405020304" pitchFamily="18" charset="0"/>
-              </a:rPr>
-              <a:t>	</a:t>
-            </a:r>
-            <a:r>
-              <a:rPr lang="en-US" sz="1600" dirty="0" err="1" smtClean="0">
-                <a:solidFill>
-                  <a:schemeClr val="tx1"/>
-                </a:solidFill>
-                <a:latin typeface="Times New Roman" panose="02020603050405020304" pitchFamily="18" charset="0"/>
-                <a:cs typeface="Times New Roman" panose="02020603050405020304" pitchFamily="18" charset="0"/>
-              </a:rPr>
-              <a:t>file.bigwig.plus</a:t>
-            </a:r>
-            <a:r>
-              <a:rPr lang="en-US" sz="1600" dirty="0">
-                <a:solidFill>
-                  <a:schemeClr val="tx1"/>
-                </a:solidFill>
-                <a:latin typeface="Times New Roman" panose="02020603050405020304" pitchFamily="18" charset="0"/>
-                <a:cs typeface="Times New Roman" panose="02020603050405020304" pitchFamily="18" charset="0"/>
-              </a:rPr>
-              <a:t>="</a:t>
-            </a:r>
-            <a:r>
-              <a:rPr lang="en-US" sz="1600" dirty="0" err="1">
-                <a:solidFill>
-                  <a:schemeClr val="tx1"/>
-                </a:solidFill>
-                <a:latin typeface="Times New Roman" panose="02020603050405020304" pitchFamily="18" charset="0"/>
-                <a:cs typeface="Times New Roman" panose="02020603050405020304" pitchFamily="18" charset="0"/>
-              </a:rPr>
-              <a:t>bw.plus</a:t>
-            </a:r>
-            <a:r>
-              <a:rPr lang="en-US" sz="1600" dirty="0">
-                <a:solidFill>
-                  <a:schemeClr val="tx1"/>
-                </a:solidFill>
-                <a:latin typeface="Times New Roman" panose="02020603050405020304" pitchFamily="18" charset="0"/>
-                <a:cs typeface="Times New Roman" panose="02020603050405020304" pitchFamily="18" charset="0"/>
-              </a:rPr>
-              <a:t>", </a:t>
-            </a:r>
-            <a:r>
-              <a:rPr lang="en-US" sz="1600" dirty="0" smtClean="0">
-                <a:solidFill>
-                  <a:schemeClr val="tx1"/>
-                </a:solidFill>
-                <a:latin typeface="Times New Roman" panose="02020603050405020304" pitchFamily="18" charset="0"/>
-                <a:cs typeface="Times New Roman" panose="02020603050405020304" pitchFamily="18" charset="0"/>
-              </a:rPr>
-              <a:t>	</a:t>
-            </a:r>
-            <a:r>
-              <a:rPr lang="en-US" sz="1600" dirty="0" err="1" smtClean="0">
-                <a:solidFill>
-                  <a:schemeClr val="tx1"/>
-                </a:solidFill>
-                <a:latin typeface="Times New Roman" panose="02020603050405020304" pitchFamily="18" charset="0"/>
-                <a:cs typeface="Times New Roman" panose="02020603050405020304" pitchFamily="18" charset="0"/>
-              </a:rPr>
-              <a:t>file.bigwig.mins</a:t>
+              <a:t>file.bigwig.minus</a:t>
             </a:r>
             <a:r>
               <a:rPr lang="en-US" sz="1600" dirty="0">

--- a/rtfbsdb-tutorial.pptx
+++ b/rtfbsdb-tutorial.pptx
@@ -5,35 +5,38 @@
     <p:sldMasterId id="2147483696" r:id="rId2"/>
   </p:sldMasterIdLst>
   <p:notesMasterIdLst>
-    <p:notesMasterId r:id="rId26"/>
+    <p:notesMasterId r:id="rId29"/>
   </p:notesMasterIdLst>
   <p:handoutMasterIdLst>
-    <p:handoutMasterId r:id="rId27"/>
+    <p:handoutMasterId r:id="rId30"/>
   </p:handoutMasterIdLst>
   <p:sldIdLst>
     <p:sldId id="257" r:id="rId3"/>
     <p:sldId id="258" r:id="rId4"/>
-    <p:sldId id="272" r:id="rId5"/>
-    <p:sldId id="271" r:id="rId6"/>
-    <p:sldId id="260" r:id="rId7"/>
-    <p:sldId id="274" r:id="rId8"/>
-    <p:sldId id="273" r:id="rId9"/>
-    <p:sldId id="275" r:id="rId10"/>
-    <p:sldId id="276" r:id="rId11"/>
-    <p:sldId id="277" r:id="rId12"/>
-    <p:sldId id="278" r:id="rId13"/>
-    <p:sldId id="279" r:id="rId14"/>
-    <p:sldId id="261" r:id="rId15"/>
-    <p:sldId id="280" r:id="rId16"/>
-    <p:sldId id="281" r:id="rId17"/>
-    <p:sldId id="282" r:id="rId18"/>
-    <p:sldId id="283" r:id="rId19"/>
-    <p:sldId id="284" r:id="rId20"/>
-    <p:sldId id="285" r:id="rId21"/>
-    <p:sldId id="286" r:id="rId22"/>
-    <p:sldId id="287" r:id="rId23"/>
-    <p:sldId id="289" r:id="rId24"/>
-    <p:sldId id="288" r:id="rId25"/>
+    <p:sldId id="293" r:id="rId5"/>
+    <p:sldId id="272" r:id="rId6"/>
+    <p:sldId id="291" r:id="rId7"/>
+    <p:sldId id="271" r:id="rId8"/>
+    <p:sldId id="260" r:id="rId9"/>
+    <p:sldId id="274" r:id="rId10"/>
+    <p:sldId id="273" r:id="rId11"/>
+    <p:sldId id="275" r:id="rId12"/>
+    <p:sldId id="276" r:id="rId13"/>
+    <p:sldId id="292" r:id="rId14"/>
+    <p:sldId id="277" r:id="rId15"/>
+    <p:sldId id="278" r:id="rId16"/>
+    <p:sldId id="279" r:id="rId17"/>
+    <p:sldId id="261" r:id="rId18"/>
+    <p:sldId id="280" r:id="rId19"/>
+    <p:sldId id="281" r:id="rId20"/>
+    <p:sldId id="282" r:id="rId21"/>
+    <p:sldId id="283" r:id="rId22"/>
+    <p:sldId id="284" r:id="rId23"/>
+    <p:sldId id="285" r:id="rId24"/>
+    <p:sldId id="286" r:id="rId25"/>
+    <p:sldId id="287" r:id="rId26"/>
+    <p:sldId id="289" r:id="rId27"/>
+    <p:sldId id="288" r:id="rId28"/>
   </p:sldIdLst>
   <p:sldSz cx="12192000" cy="6858000"/>
   <p:notesSz cx="6858000" cy="9144000"/>
@@ -247,7 +250,7 @@
             <a:fld id="{68796EA6-6F25-4F19-87BA-7ADCC16DAEFF}" type="datetimeFigureOut">
               <a:rPr lang="en-US" smtClean="0"/>
               <a:pPr/>
-              <a:t>12/22/2015</a:t>
+              <a:t>2/17/2016</a:t>
             </a:fld>
             <a:endParaRPr lang="en-US" dirty="0"/>
           </a:p>
@@ -414,7 +417,7 @@
             <a:fld id="{C39C172E-A8B5-46F6-B05C-DFA3E2E0F207}" type="datetimeFigureOut">
               <a:rPr lang="en-US" smtClean="0"/>
               <a:pPr/>
-              <a:t>12/22/2015</a:t>
+              <a:t>2/17/2016</a:t>
             </a:fld>
             <a:endParaRPr lang="en-US" dirty="0"/>
           </a:p>
@@ -812,6 +815,9 @@
           <a:bodyPr/>
           <a:lstStyle/>
           <a:p>
+            <a:endParaRPr lang="en-US" dirty="0" smtClean="0"/>
+          </a:p>
+          <a:p>
             <a:endParaRPr lang="en-US" dirty="0"/>
           </a:p>
         </p:txBody>
@@ -831,10 +837,180 @@
           <a:bodyPr/>
           <a:lstStyle/>
           <a:p>
+            <a:fld id="{CF2FD335-6D8E-486A-8F5F-DFC7325903FF}" type="slidenum">
+              <a:rPr lang="en-US" smtClean="0"/>
+              <a:pPr/>
+              <a:t>12</a:t>
+            </a:fld>
+            <a:endParaRPr lang="en-US" dirty="0"/>
+          </a:p>
+        </p:txBody>
+      </p:sp>
+    </p:spTree>
+    <p:extLst>
+      <p:ext uri="{BB962C8B-B14F-4D97-AF65-F5344CB8AC3E}">
+        <p14:creationId xmlns:p14="http://schemas.microsoft.com/office/powerpoint/2010/main" val="1934575751"/>
+      </p:ext>
+    </p:extLst>
+  </p:cSld>
+  <p:clrMapOvr>
+    <a:masterClrMapping/>
+  </p:clrMapOvr>
+</p:notes>
+</file>
+
+<file path=ppt/notesSlides/notesSlide11.xml><?xml version="1.0" encoding="utf-8"?>
+<p:notes xmlns:a="http://schemas.openxmlformats.org/drawingml/2006/main" xmlns:r="http://schemas.openxmlformats.org/officeDocument/2006/relationships" xmlns:p="http://schemas.openxmlformats.org/presentationml/2006/main">
+  <p:cSld>
+    <p:spTree>
+      <p:nvGrpSpPr>
+        <p:cNvPr id="1" name=""/>
+        <p:cNvGrpSpPr/>
+        <p:nvPr/>
+      </p:nvGrpSpPr>
+      <p:grpSpPr>
+        <a:xfrm>
+          <a:off x="0" y="0"/>
+          <a:ext cx="0" cy="0"/>
+          <a:chOff x="0" y="0"/>
+          <a:chExt cx="0" cy="0"/>
+        </a:xfrm>
+      </p:grpSpPr>
+      <p:sp>
+        <p:nvSpPr>
+          <p:cNvPr id="2" name="Slide Image Placeholder 1"/>
+          <p:cNvSpPr>
+            <a:spLocks noGrp="1" noRot="1" noChangeAspect="1"/>
+          </p:cNvSpPr>
+          <p:nvPr>
+            <p:ph type="sldImg"/>
+          </p:nvPr>
+        </p:nvSpPr>
+        <p:spPr/>
+      </p:sp>
+      <p:sp>
+        <p:nvSpPr>
+          <p:cNvPr id="3" name="Notes Placeholder 2"/>
+          <p:cNvSpPr>
+            <a:spLocks noGrp="1"/>
+          </p:cNvSpPr>
+          <p:nvPr>
+            <p:ph type="body" idx="1"/>
+          </p:nvPr>
+        </p:nvSpPr>
+        <p:spPr/>
+        <p:txBody>
+          <a:bodyPr/>
+          <a:lstStyle/>
+          <a:p>
+            <a:endParaRPr lang="en-US" dirty="0"/>
+          </a:p>
+        </p:txBody>
+      </p:sp>
+      <p:sp>
+        <p:nvSpPr>
+          <p:cNvPr id="4" name="Slide Number Placeholder 3"/>
+          <p:cNvSpPr>
+            <a:spLocks noGrp="1"/>
+          </p:cNvSpPr>
+          <p:nvPr>
+            <p:ph type="sldNum" sz="quarter" idx="10"/>
+          </p:nvPr>
+        </p:nvSpPr>
+        <p:spPr/>
+        <p:txBody>
+          <a:bodyPr/>
+          <a:lstStyle/>
+          <a:p>
             <a:fld id="{32674CE4-FBD8-4481-AEFB-CA53E599A745}" type="slidenum">
               <a:rPr lang="en-US" smtClean="0"/>
               <a:pPr/>
-              <a:t>15</a:t>
+              <a:t>17</a:t>
+            </a:fld>
+            <a:endParaRPr lang="en-US" dirty="0"/>
+          </a:p>
+        </p:txBody>
+      </p:sp>
+    </p:spTree>
+    <p:extLst>
+      <p:ext uri="{BB962C8B-B14F-4D97-AF65-F5344CB8AC3E}">
+        <p14:creationId xmlns:p14="http://schemas.microsoft.com/office/powerpoint/2010/main" val="1338302363"/>
+      </p:ext>
+    </p:extLst>
+  </p:cSld>
+  <p:clrMapOvr>
+    <a:masterClrMapping/>
+  </p:clrMapOvr>
+</p:notes>
+</file>
+
+<file path=ppt/notesSlides/notesSlide12.xml><?xml version="1.0" encoding="utf-8"?>
+<p:notes xmlns:a="http://schemas.openxmlformats.org/drawingml/2006/main" xmlns:r="http://schemas.openxmlformats.org/officeDocument/2006/relationships" xmlns:p="http://schemas.openxmlformats.org/presentationml/2006/main">
+  <p:cSld>
+    <p:spTree>
+      <p:nvGrpSpPr>
+        <p:cNvPr id="1" name=""/>
+        <p:cNvGrpSpPr/>
+        <p:nvPr/>
+      </p:nvGrpSpPr>
+      <p:grpSpPr>
+        <a:xfrm>
+          <a:off x="0" y="0"/>
+          <a:ext cx="0" cy="0"/>
+          <a:chOff x="0" y="0"/>
+          <a:chExt cx="0" cy="0"/>
+        </a:xfrm>
+      </p:grpSpPr>
+      <p:sp>
+        <p:nvSpPr>
+          <p:cNvPr id="2" name="Slide Image Placeholder 1"/>
+          <p:cNvSpPr>
+            <a:spLocks noGrp="1" noRot="1" noChangeAspect="1"/>
+          </p:cNvSpPr>
+          <p:nvPr>
+            <p:ph type="sldImg"/>
+          </p:nvPr>
+        </p:nvSpPr>
+        <p:spPr/>
+      </p:sp>
+      <p:sp>
+        <p:nvSpPr>
+          <p:cNvPr id="3" name="Notes Placeholder 2"/>
+          <p:cNvSpPr>
+            <a:spLocks noGrp="1"/>
+          </p:cNvSpPr>
+          <p:nvPr>
+            <p:ph type="body" idx="1"/>
+          </p:nvPr>
+        </p:nvSpPr>
+        <p:spPr/>
+        <p:txBody>
+          <a:bodyPr/>
+          <a:lstStyle/>
+          <a:p>
+            <a:endParaRPr lang="en-US" dirty="0"/>
+          </a:p>
+        </p:txBody>
+      </p:sp>
+      <p:sp>
+        <p:nvSpPr>
+          <p:cNvPr id="4" name="Slide Number Placeholder 3"/>
+          <p:cNvSpPr>
+            <a:spLocks noGrp="1"/>
+          </p:cNvSpPr>
+          <p:nvPr>
+            <p:ph type="sldNum" sz="quarter" idx="10"/>
+          </p:nvPr>
+        </p:nvSpPr>
+        <p:spPr/>
+        <p:txBody>
+          <a:bodyPr/>
+          <a:lstStyle/>
+          <a:p>
+            <a:fld id="{32674CE4-FBD8-4481-AEFB-CA53E599A745}" type="slidenum">
+              <a:rPr lang="en-US" smtClean="0"/>
+              <a:pPr/>
+              <a:t>18</a:t>
             </a:fld>
             <a:endParaRPr lang="en-US" dirty="0"/>
           </a:p>
@@ -1008,7 +1184,7 @@
             <a:fld id="{CF2FD335-6D8E-486A-8F5F-DFC7325903FF}" type="slidenum">
               <a:rPr lang="en-US" smtClean="0"/>
               <a:pPr/>
-              <a:t>3</a:t>
+              <a:t>4</a:t>
             </a:fld>
             <a:endParaRPr lang="en-US" dirty="0"/>
           </a:p>
@@ -1071,10 +1247,6 @@
           <a:bodyPr/>
           <a:lstStyle/>
           <a:p>
-            <a:pPr marL="171450" indent="-171450">
-              <a:buFont typeface="Arial" panose="020B0604020202020204" pitchFamily="34" charset="0"/>
-              <a:buChar char="•"/>
-            </a:pPr>
             <a:endParaRPr lang="en-US" dirty="0" smtClean="0"/>
           </a:p>
         </p:txBody>
@@ -1097,7 +1269,7 @@
             <a:fld id="{CF2FD335-6D8E-486A-8F5F-DFC7325903FF}" type="slidenum">
               <a:rPr lang="en-US" smtClean="0"/>
               <a:pPr/>
-              <a:t>4</a:t>
+              <a:t>5</a:t>
             </a:fld>
             <a:endParaRPr lang="en-US" dirty="0"/>
           </a:p>
@@ -1106,7 +1278,7 @@
     </p:spTree>
     <p:extLst>
       <p:ext uri="{BB962C8B-B14F-4D97-AF65-F5344CB8AC3E}">
-        <p14:creationId xmlns:p14="http://schemas.microsoft.com/office/powerpoint/2010/main" val="1064196180"/>
+        <p14:creationId xmlns:p14="http://schemas.microsoft.com/office/powerpoint/2010/main" val="3646170879"/>
       </p:ext>
     </p:extLst>
   </p:cSld>
@@ -1160,10 +1332,11 @@
           <a:bodyPr/>
           <a:lstStyle/>
           <a:p>
+            <a:pPr marL="171450" indent="-171450">
+              <a:buFont typeface="Arial" panose="020B0604020202020204" pitchFamily="34" charset="0"/>
+              <a:buChar char="•"/>
+            </a:pPr>
             <a:endParaRPr lang="en-US" dirty="0" smtClean="0"/>
-          </a:p>
-          <a:p>
-            <a:endParaRPr lang="en-US" dirty="0"/>
           </a:p>
         </p:txBody>
       </p:sp>
@@ -1185,7 +1358,7 @@
             <a:fld id="{CF2FD335-6D8E-486A-8F5F-DFC7325903FF}" type="slidenum">
               <a:rPr lang="en-US" smtClean="0"/>
               <a:pPr/>
-              <a:t>5</a:t>
+              <a:t>6</a:t>
             </a:fld>
             <a:endParaRPr lang="en-US" dirty="0"/>
           </a:p>
@@ -1194,7 +1367,7 @@
     </p:spTree>
     <p:extLst>
       <p:ext uri="{BB962C8B-B14F-4D97-AF65-F5344CB8AC3E}">
-        <p14:creationId xmlns:p14="http://schemas.microsoft.com/office/powerpoint/2010/main" val="3069441310"/>
+        <p14:creationId xmlns:p14="http://schemas.microsoft.com/office/powerpoint/2010/main" val="1064196180"/>
       </p:ext>
     </p:extLst>
   </p:cSld>
@@ -1248,6 +1421,9 @@
           <a:bodyPr/>
           <a:lstStyle/>
           <a:p>
+            <a:endParaRPr lang="en-US" dirty="0" smtClean="0"/>
+          </a:p>
+          <a:p>
             <a:endParaRPr lang="en-US" dirty="0"/>
           </a:p>
         </p:txBody>
@@ -1279,7 +1455,7 @@
     </p:spTree>
     <p:extLst>
       <p:ext uri="{BB962C8B-B14F-4D97-AF65-F5344CB8AC3E}">
-        <p14:creationId xmlns:p14="http://schemas.microsoft.com/office/powerpoint/2010/main" val="2042606102"/>
+        <p14:creationId xmlns:p14="http://schemas.microsoft.com/office/powerpoint/2010/main" val="3069441310"/>
       </p:ext>
     </p:extLst>
   </p:cSld>
@@ -1333,9 +1509,6 @@
           <a:bodyPr/>
           <a:lstStyle/>
           <a:p>
-            <a:endParaRPr lang="en-US" dirty="0" smtClean="0"/>
-          </a:p>
-          <a:p>
             <a:endParaRPr lang="en-US" dirty="0"/>
           </a:p>
         </p:txBody>
@@ -1358,7 +1531,7 @@
             <a:fld id="{CF2FD335-6D8E-486A-8F5F-DFC7325903FF}" type="slidenum">
               <a:rPr lang="en-US" smtClean="0"/>
               <a:pPr/>
-              <a:t>8</a:t>
+              <a:t>9</a:t>
             </a:fld>
             <a:endParaRPr lang="en-US" dirty="0"/>
           </a:p>
@@ -1367,7 +1540,7 @@
     </p:spTree>
     <p:extLst>
       <p:ext uri="{BB962C8B-B14F-4D97-AF65-F5344CB8AC3E}">
-        <p14:creationId xmlns:p14="http://schemas.microsoft.com/office/powerpoint/2010/main" val="2462296944"/>
+        <p14:creationId xmlns:p14="http://schemas.microsoft.com/office/powerpoint/2010/main" val="2042606102"/>
       </p:ext>
     </p:extLst>
   </p:cSld>
@@ -1446,7 +1619,7 @@
             <a:fld id="{CF2FD335-6D8E-486A-8F5F-DFC7325903FF}" type="slidenum">
               <a:rPr lang="en-US" smtClean="0"/>
               <a:pPr/>
-              <a:t>9</a:t>
+              <a:t>10</a:t>
             </a:fld>
             <a:endParaRPr lang="en-US" dirty="0"/>
           </a:p>
@@ -1455,7 +1628,7 @@
     </p:spTree>
     <p:extLst>
       <p:ext uri="{BB962C8B-B14F-4D97-AF65-F5344CB8AC3E}">
-        <p14:creationId xmlns:p14="http://schemas.microsoft.com/office/powerpoint/2010/main" val="1290809032"/>
+        <p14:creationId xmlns:p14="http://schemas.microsoft.com/office/powerpoint/2010/main" val="2462296944"/>
       </p:ext>
     </p:extLst>
   </p:cSld>
@@ -1509,6 +1682,9 @@
           <a:bodyPr/>
           <a:lstStyle/>
           <a:p>
+            <a:endParaRPr lang="en-US" dirty="0" smtClean="0"/>
+          </a:p>
+          <a:p>
             <a:endParaRPr lang="en-US" dirty="0"/>
           </a:p>
         </p:txBody>
@@ -1528,10 +1704,10 @@
           <a:bodyPr/>
           <a:lstStyle/>
           <a:p>
-            <a:fld id="{32674CE4-FBD8-4481-AEFB-CA53E599A745}" type="slidenum">
+            <a:fld id="{CF2FD335-6D8E-486A-8F5F-DFC7325903FF}" type="slidenum">
               <a:rPr lang="en-US" smtClean="0"/>
               <a:pPr/>
-              <a:t>14</a:t>
+              <a:t>11</a:t>
             </a:fld>
             <a:endParaRPr lang="en-US" dirty="0"/>
           </a:p>
@@ -1540,7 +1716,7 @@
     </p:spTree>
     <p:extLst>
       <p:ext uri="{BB962C8B-B14F-4D97-AF65-F5344CB8AC3E}">
-        <p14:creationId xmlns:p14="http://schemas.microsoft.com/office/powerpoint/2010/main" val="1338302363"/>
+        <p14:creationId xmlns:p14="http://schemas.microsoft.com/office/powerpoint/2010/main" val="1290809032"/>
       </p:ext>
     </p:extLst>
   </p:cSld>
@@ -2112,7 +2288,7 @@
             <a:fld id="{4E708F12-96AD-4ED4-8132-A78F5E42C1F5}" type="datetime1">
               <a:rPr lang="en-US" smtClean="0"/>
               <a:pPr/>
-              <a:t>12/22/2015</a:t>
+              <a:t>2/17/2016</a:t>
             </a:fld>
             <a:endParaRPr lang="en-US" dirty="0"/>
           </a:p>
@@ -2336,7 +2512,7 @@
             <a:fld id="{7B7FA170-8299-44AD-AEEF-FC686C3D7804}" type="datetime1">
               <a:rPr lang="en-US" smtClean="0"/>
               <a:pPr/>
-              <a:t>12/22/2015</a:t>
+              <a:t>2/17/2016</a:t>
             </a:fld>
             <a:endParaRPr lang="en-US" dirty="0"/>
           </a:p>
@@ -2520,7 +2696,7 @@
             <a:fld id="{2231763A-68EC-4ECD-9620-D9FE9CDDD622}" type="datetime1">
               <a:rPr lang="en-US" smtClean="0"/>
               <a:pPr/>
-              <a:t>12/22/2015</a:t>
+              <a:t>2/17/2016</a:t>
             </a:fld>
             <a:endParaRPr lang="en-US" dirty="0"/>
           </a:p>
@@ -2714,7 +2890,7 @@
             <a:fld id="{7B98BEDD-6160-49BB-B372-861DE7DE9BA5}" type="datetime1">
               <a:rPr lang="en-US" smtClean="0"/>
               <a:pPr/>
-              <a:t>12/22/2015</a:t>
+              <a:t>2/17/2016</a:t>
             </a:fld>
             <a:endParaRPr lang="en-US" dirty="0"/>
           </a:p>
@@ -2898,7 +3074,7 @@
             <a:fld id="{0AAE819F-B7FD-4B29-8F66-9E318144BC2A}" type="datetime1">
               <a:rPr lang="en-US" smtClean="0"/>
               <a:pPr/>
-              <a:t>12/22/2015</a:t>
+              <a:t>2/17/2016</a:t>
             </a:fld>
             <a:endParaRPr lang="en-US" dirty="0"/>
           </a:p>
@@ -3132,7 +3308,7 @@
             <a:fld id="{D4CA159C-B6E0-4F10-9F4A-2FA57003B139}" type="datetime1">
               <a:rPr lang="en-US" smtClean="0"/>
               <a:pPr/>
-              <a:t>12/22/2015</a:t>
+              <a:t>2/17/2016</a:t>
             </a:fld>
             <a:endParaRPr lang="en-US" dirty="0"/>
           </a:p>
@@ -3426,7 +3602,7 @@
             <a:fld id="{8170CBBB-D1D1-4386-A5E9-07F3477B78F3}" type="datetime1">
               <a:rPr lang="en-US" smtClean="0"/>
               <a:pPr/>
-              <a:t>12/22/2015</a:t>
+              <a:t>2/17/2016</a:t>
             </a:fld>
             <a:endParaRPr lang="en-US" dirty="0"/>
           </a:p>
@@ -3856,7 +4032,7 @@
             <a:fld id="{9FA4CAD8-0EA7-4615-B69B-B2F199EF3A93}" type="datetime1">
               <a:rPr lang="en-US" smtClean="0"/>
               <a:pPr/>
-              <a:t>12/22/2015</a:t>
+              <a:t>2/17/2016</a:t>
             </a:fld>
             <a:endParaRPr lang="en-US" dirty="0"/>
           </a:p>
@@ -4011,7 +4187,7 @@
             <a:fld id="{B9234BD7-6953-492C-921B-E68B2D7F14C8}" type="datetime1">
               <a:rPr lang="en-US" smtClean="0"/>
               <a:pPr/>
-              <a:t>12/22/2015</a:t>
+              <a:t>2/17/2016</a:t>
             </a:fld>
             <a:endParaRPr lang="en-US" dirty="0"/>
           </a:p>
@@ -4120,7 +4296,7 @@
             <a:fld id="{35A17D9B-D4D3-4E23-88DF-2E354FA43196}" type="datetime1">
               <a:rPr lang="en-US" smtClean="0"/>
               <a:pPr/>
-              <a:t>12/22/2015</a:t>
+              <a:t>2/17/2016</a:t>
             </a:fld>
             <a:endParaRPr lang="en-US" dirty="0"/>
           </a:p>
@@ -4384,7 +4560,7 @@
             <a:fld id="{541F67C5-D04E-4576-B61C-12ABA14BBD6C}" type="datetime1">
               <a:rPr lang="en-US" smtClean="0"/>
               <a:pPr/>
-              <a:t>12/22/2015</a:t>
+              <a:t>2/17/2016</a:t>
             </a:fld>
             <a:endParaRPr lang="en-US" dirty="0"/>
           </a:p>
@@ -5286,7 +5462,7 @@
             <a:fld id="{C20F09E4-6EA4-4BF3-9FC8-FF40373B88E6}" type="datetime1">
               <a:rPr lang="en-US" smtClean="0"/>
               <a:pPr/>
-              <a:t>12/22/2015</a:t>
+              <a:t>2/17/2016</a:t>
             </a:fld>
             <a:endParaRPr lang="en-US" dirty="0"/>
           </a:p>
@@ -5878,7 +6054,7 @@
           <a:p>
             <a:r>
               <a:rPr lang="en-US" sz="2000" dirty="0" smtClean="0"/>
-              <a:t>12/8/2015</a:t>
+              <a:t>02/17/2016</a:t>
             </a:r>
           </a:p>
           <a:p>
@@ -5963,6 +6139,3293 @@
       </p:grpSpPr>
       <p:sp>
         <p:nvSpPr>
+          <p:cNvPr id="2" name="Title 1"/>
+          <p:cNvSpPr>
+            <a:spLocks noGrp="1"/>
+          </p:cNvSpPr>
+          <p:nvPr>
+            <p:ph type="title"/>
+          </p:nvPr>
+        </p:nvSpPr>
+        <p:spPr>
+          <a:xfrm>
+            <a:off x="609600" y="1143000"/>
+            <a:ext cx="10972800" cy="908002"/>
+          </a:xfrm>
+        </p:spPr>
+        <p:txBody>
+          <a:bodyPr/>
+          <a:lstStyle/>
+          <a:p>
+            <a:r>
+              <a:rPr lang="en-US" dirty="0"/>
+              <a:t>Step 2: Selecting motif </a:t>
+            </a:r>
+            <a:r>
+              <a:rPr lang="en-US" dirty="0" smtClean="0"/>
+              <a:t>data (</a:t>
+            </a:r>
+            <a:r>
+              <a:rPr lang="en-US" dirty="0"/>
+              <a:t>continued</a:t>
+            </a:r>
+            <a:r>
+              <a:rPr lang="en-US" dirty="0" smtClean="0"/>
+              <a:t>)</a:t>
+            </a:r>
+            <a:endParaRPr lang="en-US" dirty="0"/>
+          </a:p>
+        </p:txBody>
+      </p:sp>
+      <p:sp>
+        <p:nvSpPr>
+          <p:cNvPr id="4" name="Content Placeholder 2"/>
+          <p:cNvSpPr txBox="1">
+            <a:spLocks/>
+          </p:cNvSpPr>
+          <p:nvPr/>
+        </p:nvSpPr>
+        <p:spPr>
+          <a:xfrm>
+            <a:off x="609600" y="2051001"/>
+            <a:ext cx="5045090" cy="4303145"/>
+          </a:xfrm>
+          <a:prstGeom prst="rect">
+            <a:avLst/>
+          </a:prstGeom>
+        </p:spPr>
+        <p:txBody>
+          <a:bodyPr vert="horz">
+            <a:normAutofit fontScale="70000" lnSpcReduction="20000"/>
+          </a:bodyPr>
+          <a:lstStyle>
+            <a:lvl1pPr marL="365760" indent="-256032" algn="l" rtl="0" eaLnBrk="1" latinLnBrk="0" hangingPunct="1">
+              <a:spcBef>
+                <a:spcPts val="300"/>
+              </a:spcBef>
+              <a:buClr>
+                <a:schemeClr val="accent3"/>
+              </a:buClr>
+              <a:buFont typeface="Georgia"/>
+              <a:buChar char="•"/>
+              <a:defRPr kumimoji="0" sz="2800" kern="1200">
+                <a:solidFill>
+                  <a:schemeClr val="tx2"/>
+                </a:solidFill>
+                <a:latin typeface="+mn-lt"/>
+                <a:ea typeface="+mn-ea"/>
+                <a:cs typeface="+mn-cs"/>
+              </a:defRPr>
+            </a:lvl1pPr>
+            <a:lvl2pPr marL="658368" indent="-246888" algn="l" rtl="0" eaLnBrk="1" latinLnBrk="0" hangingPunct="1">
+              <a:spcBef>
+                <a:spcPts val="300"/>
+              </a:spcBef>
+              <a:buClr>
+                <a:schemeClr val="accent2"/>
+              </a:buClr>
+              <a:buFont typeface="Georgia"/>
+              <a:buChar char="▫"/>
+              <a:defRPr kumimoji="0" sz="2600" kern="1200">
+                <a:solidFill>
+                  <a:schemeClr val="tx2"/>
+                </a:solidFill>
+                <a:latin typeface="+mn-lt"/>
+                <a:ea typeface="+mn-ea"/>
+                <a:cs typeface="+mn-cs"/>
+              </a:defRPr>
+            </a:lvl2pPr>
+            <a:lvl3pPr marL="923544" indent="-219456" algn="l" rtl="0" eaLnBrk="1" latinLnBrk="0" hangingPunct="1">
+              <a:spcBef>
+                <a:spcPts val="300"/>
+              </a:spcBef>
+              <a:buClr>
+                <a:schemeClr val="accent1"/>
+              </a:buClr>
+              <a:buFont typeface="Wingdings 2" panose="05020102010507070707" pitchFamily="18" charset="2"/>
+              <a:buChar char=""/>
+              <a:defRPr kumimoji="0" sz="2400" kern="1200">
+                <a:solidFill>
+                  <a:schemeClr val="tx2"/>
+                </a:solidFill>
+                <a:latin typeface="+mn-lt"/>
+                <a:ea typeface="+mn-ea"/>
+                <a:cs typeface="+mn-cs"/>
+              </a:defRPr>
+            </a:lvl3pPr>
+            <a:lvl4pPr marL="1179576" indent="-201168" algn="l" rtl="0" eaLnBrk="1" latinLnBrk="0" hangingPunct="1">
+              <a:spcBef>
+                <a:spcPts val="300"/>
+              </a:spcBef>
+              <a:buClr>
+                <a:schemeClr val="accent1"/>
+              </a:buClr>
+              <a:buFont typeface="Wingdings 2" panose="05020102010507070707" pitchFamily="18" charset="2"/>
+              <a:buChar char=""/>
+              <a:defRPr kumimoji="0" sz="2200" kern="1200">
+                <a:solidFill>
+                  <a:schemeClr val="tx2"/>
+                </a:solidFill>
+                <a:latin typeface="+mn-lt"/>
+                <a:ea typeface="+mn-ea"/>
+                <a:cs typeface="+mn-cs"/>
+              </a:defRPr>
+            </a:lvl4pPr>
+            <a:lvl5pPr marL="1389888" indent="-182880" algn="l" rtl="0" eaLnBrk="1" latinLnBrk="0" hangingPunct="1">
+              <a:spcBef>
+                <a:spcPts val="300"/>
+              </a:spcBef>
+              <a:buClr>
+                <a:schemeClr val="accent1"/>
+              </a:buClr>
+              <a:buFont typeface="Wingdings 2" panose="05020102010507070707" pitchFamily="18" charset="2"/>
+              <a:buChar char=""/>
+              <a:defRPr kumimoji="0" sz="2000" kern="1200">
+                <a:solidFill>
+                  <a:schemeClr val="tx2"/>
+                </a:solidFill>
+                <a:latin typeface="+mn-lt"/>
+                <a:ea typeface="+mn-ea"/>
+                <a:cs typeface="+mn-cs"/>
+              </a:defRPr>
+            </a:lvl5pPr>
+            <a:lvl6pPr marL="1609344" indent="-182880" algn="l" rtl="0" eaLnBrk="1" latinLnBrk="0" hangingPunct="1">
+              <a:spcBef>
+                <a:spcPts val="300"/>
+              </a:spcBef>
+              <a:buClr>
+                <a:schemeClr val="accent1"/>
+              </a:buClr>
+              <a:buFont typeface="Wingdings 2" panose="05020102010507070707" pitchFamily="18" charset="2"/>
+              <a:buChar char=""/>
+              <a:defRPr kumimoji="0" sz="1800" kern="1200">
+                <a:solidFill>
+                  <a:schemeClr val="tx2"/>
+                </a:solidFill>
+                <a:latin typeface="+mn-lt"/>
+                <a:ea typeface="+mn-ea"/>
+                <a:cs typeface="+mn-cs"/>
+              </a:defRPr>
+            </a:lvl6pPr>
+            <a:lvl7pPr marL="1828800" indent="-182880" algn="l" rtl="0" eaLnBrk="1" latinLnBrk="0" hangingPunct="1">
+              <a:spcBef>
+                <a:spcPts val="300"/>
+              </a:spcBef>
+              <a:buClr>
+                <a:schemeClr val="accent1"/>
+              </a:buClr>
+              <a:buFont typeface="Wingdings 2" panose="05020102010507070707" pitchFamily="18" charset="2"/>
+              <a:buChar char=""/>
+              <a:defRPr kumimoji="0" sz="1600" kern="1200">
+                <a:solidFill>
+                  <a:schemeClr val="tx2"/>
+                </a:solidFill>
+                <a:latin typeface="+mn-lt"/>
+                <a:ea typeface="+mn-ea"/>
+                <a:cs typeface="+mn-cs"/>
+              </a:defRPr>
+            </a:lvl7pPr>
+            <a:lvl8pPr marL="2029968" indent="-182880" algn="l" rtl="0" eaLnBrk="1" latinLnBrk="0" hangingPunct="1">
+              <a:spcBef>
+                <a:spcPts val="300"/>
+              </a:spcBef>
+              <a:buClr>
+                <a:schemeClr val="accent1"/>
+              </a:buClr>
+              <a:buFont typeface="Wingdings 2" panose="05020102010507070707" pitchFamily="18" charset="2"/>
+              <a:buChar char=""/>
+              <a:defRPr kumimoji="0" sz="1500" kern="1200">
+                <a:solidFill>
+                  <a:schemeClr val="tx2"/>
+                </a:solidFill>
+                <a:latin typeface="+mn-lt"/>
+                <a:ea typeface="+mn-ea"/>
+                <a:cs typeface="+mn-cs"/>
+              </a:defRPr>
+            </a:lvl8pPr>
+            <a:lvl9pPr marL="2240280" indent="-182880" algn="l" rtl="0" eaLnBrk="1" latinLnBrk="0" hangingPunct="1">
+              <a:spcBef>
+                <a:spcPts val="300"/>
+              </a:spcBef>
+              <a:buClr>
+                <a:schemeClr val="accent1"/>
+              </a:buClr>
+              <a:buFont typeface="Wingdings 2" panose="05020102010507070707" pitchFamily="18" charset="2"/>
+              <a:buChar char=""/>
+              <a:defRPr kumimoji="0" sz="1400" kern="1200" baseline="0">
+                <a:solidFill>
+                  <a:schemeClr val="tx2"/>
+                </a:solidFill>
+                <a:latin typeface="+mn-lt"/>
+                <a:ea typeface="+mn-ea"/>
+                <a:cs typeface="+mn-cs"/>
+              </a:defRPr>
+            </a:lvl9pPr>
+          </a:lstStyle>
+          <a:p>
+            <a:pPr marL="109728" indent="0">
+              <a:buNone/>
+            </a:pPr>
+            <a:r>
+              <a:rPr lang="en-US" sz="3100" dirty="0" smtClean="0"/>
+              <a:t>Advanced way:</a:t>
+            </a:r>
+          </a:p>
+          <a:p>
+            <a:pPr marL="109728" indent="0">
+              <a:buNone/>
+            </a:pPr>
+            <a:endParaRPr lang="en-US" sz="2000" dirty="0" smtClean="0"/>
+          </a:p>
+          <a:p>
+            <a:pPr marL="109728" indent="0">
+              <a:buNone/>
+            </a:pPr>
+            <a:r>
+              <a:rPr lang="en-US" sz="2000" dirty="0" smtClean="0"/>
+              <a:t>Motifs for expressed TFs can be selected according to gene expression values in GRO-</a:t>
+            </a:r>
+            <a:r>
+              <a:rPr lang="en-US" sz="2000" dirty="0" err="1" smtClean="0"/>
+              <a:t>seq</a:t>
+            </a:r>
+            <a:r>
+              <a:rPr lang="en-US" sz="2000" dirty="0" smtClean="0"/>
+              <a:t> or PRO-</a:t>
+            </a:r>
+            <a:r>
+              <a:rPr lang="en-US" sz="2000" dirty="0" err="1" smtClean="0"/>
+              <a:t>seq</a:t>
+            </a:r>
+            <a:r>
+              <a:rPr lang="en-US" sz="2000" dirty="0" smtClean="0"/>
+              <a:t> experiment.</a:t>
+            </a:r>
+          </a:p>
+          <a:p>
+            <a:pPr marL="109728" indent="0">
+              <a:buNone/>
+            </a:pPr>
+            <a:endParaRPr lang="en-US" sz="2000" dirty="0" smtClean="0"/>
+          </a:p>
+          <a:p>
+            <a:pPr marL="109728" indent="0">
+              <a:buNone/>
+            </a:pPr>
+            <a:r>
+              <a:rPr lang="en-US" sz="2000" dirty="0" smtClean="0"/>
+              <a:t>Data required:</a:t>
+            </a:r>
+          </a:p>
+          <a:p>
+            <a:pPr marL="109728" indent="0">
+              <a:buNone/>
+            </a:pPr>
+            <a:r>
+              <a:rPr lang="en-US" sz="2000" dirty="0" smtClean="0"/>
+              <a:t>(1) </a:t>
+            </a:r>
+            <a:r>
+              <a:rPr lang="en-US" sz="2000" dirty="0" err="1" smtClean="0"/>
+              <a:t>Gencode</a:t>
+            </a:r>
+            <a:r>
+              <a:rPr lang="en-US" sz="2000" dirty="0" smtClean="0"/>
+              <a:t> annotation file.</a:t>
+            </a:r>
+          </a:p>
+          <a:p>
+            <a:pPr marL="109728" indent="0">
+              <a:buNone/>
+            </a:pPr>
+            <a:r>
+              <a:rPr lang="en-US" sz="2000" dirty="0" smtClean="0"/>
+              <a:t>       </a:t>
+            </a:r>
+            <a:r>
+              <a:rPr lang="en-US" sz="2000" dirty="0" smtClean="0">
+                <a:hlinkClick r:id="rId3"/>
+              </a:rPr>
+              <a:t>http</a:t>
+            </a:r>
+            <a:r>
+              <a:rPr lang="en-US" sz="2000" dirty="0">
+                <a:hlinkClick r:id="rId3"/>
+              </a:rPr>
+              <a:t>://</a:t>
+            </a:r>
+            <a:r>
+              <a:rPr lang="en-US" sz="2000" dirty="0" smtClean="0">
+                <a:hlinkClick r:id="rId3"/>
+              </a:rPr>
+              <a:t>www.gencodegenes.org/releases/19.html</a:t>
+            </a:r>
+            <a:r>
+              <a:rPr lang="en-US" sz="2000" dirty="0" smtClean="0"/>
+              <a:t> (human)</a:t>
+            </a:r>
+          </a:p>
+          <a:p>
+            <a:pPr marL="109728" indent="0">
+              <a:buNone/>
+            </a:pPr>
+            <a:r>
+              <a:rPr lang="en-US" sz="2000" dirty="0" smtClean="0"/>
+              <a:t>(2) 2-bit genome sequence file.</a:t>
+            </a:r>
+          </a:p>
+          <a:p>
+            <a:pPr marL="109728" indent="0">
+              <a:buNone/>
+            </a:pPr>
+            <a:r>
+              <a:rPr lang="en-US" sz="2000" dirty="0"/>
+              <a:t> </a:t>
+            </a:r>
+            <a:r>
+              <a:rPr lang="en-US" sz="2000" dirty="0" smtClean="0"/>
+              <a:t>     (hg19.2bit, mm10.2bit)</a:t>
+            </a:r>
+          </a:p>
+          <a:p>
+            <a:pPr marL="109728" indent="0">
+              <a:buNone/>
+            </a:pPr>
+            <a:r>
+              <a:rPr lang="en-US" sz="2000" dirty="0" smtClean="0"/>
+              <a:t>(3) </a:t>
+            </a:r>
+            <a:r>
+              <a:rPr lang="en-US" sz="2000" dirty="0"/>
+              <a:t>Bigwig files of plus and minus strand</a:t>
+            </a:r>
+          </a:p>
+          <a:p>
+            <a:pPr marL="109728" indent="0">
+              <a:buNone/>
+            </a:pPr>
+            <a:endParaRPr lang="en-US" sz="2000" dirty="0" smtClean="0"/>
+          </a:p>
+          <a:p>
+            <a:pPr marL="109728" indent="0">
+              <a:buNone/>
+            </a:pPr>
+            <a:r>
+              <a:rPr lang="en-US" sz="2000" dirty="0" smtClean="0"/>
+              <a:t>Optional parameters: </a:t>
+            </a:r>
+          </a:p>
+          <a:p>
+            <a:pPr marL="109728" indent="0">
+              <a:buNone/>
+            </a:pPr>
+            <a:r>
+              <a:rPr lang="en-US" sz="2000" dirty="0" smtClean="0"/>
+              <a:t>(1) </a:t>
+            </a:r>
+            <a:r>
+              <a:rPr lang="en-US" sz="2000" dirty="0" err="1" smtClean="0"/>
+              <a:t>expressed.only</a:t>
+            </a:r>
+            <a:r>
+              <a:rPr lang="en-US" sz="2000" dirty="0" smtClean="0"/>
+              <a:t> must be TRUE</a:t>
+            </a:r>
+            <a:endParaRPr lang="en-US" sz="2000" dirty="0"/>
+          </a:p>
+          <a:p>
+            <a:pPr marL="109728" indent="0">
+              <a:buNone/>
+            </a:pPr>
+            <a:r>
+              <a:rPr lang="en-US" sz="2000" dirty="0" smtClean="0"/>
+              <a:t>(2) </a:t>
+            </a:r>
+            <a:r>
+              <a:rPr lang="en-US" sz="2000" dirty="0" err="1" smtClean="0"/>
+              <a:t>include.DBID.missing</a:t>
+            </a:r>
+            <a:r>
+              <a:rPr lang="en-US" sz="2000" dirty="0" smtClean="0"/>
+              <a:t>: </a:t>
+            </a:r>
+          </a:p>
+          <a:p>
+            <a:pPr marL="109728" indent="0">
+              <a:buNone/>
+            </a:pPr>
+            <a:r>
+              <a:rPr lang="en-US" sz="2000" dirty="0" smtClean="0"/>
+              <a:t>(3) </a:t>
+            </a:r>
+            <a:r>
+              <a:rPr lang="en-US" sz="2000" dirty="0" err="1"/>
+              <a:t>ncores</a:t>
+            </a:r>
+            <a:r>
+              <a:rPr lang="en-US" sz="2000" dirty="0"/>
+              <a:t>: Parallel cores</a:t>
+            </a:r>
+          </a:p>
+          <a:p>
+            <a:pPr marL="109728" indent="0">
+              <a:buNone/>
+            </a:pPr>
+            <a:endParaRPr lang="en-US" sz="2000" dirty="0"/>
+          </a:p>
+          <a:p>
+            <a:pPr marL="109728" indent="0">
+              <a:buNone/>
+            </a:pPr>
+            <a:r>
+              <a:rPr lang="en-US" sz="2000" dirty="0" smtClean="0"/>
+              <a:t>It takes a long time to compute!</a:t>
+            </a:r>
+          </a:p>
+          <a:p>
+            <a:pPr marL="109728" indent="0">
+              <a:buNone/>
+            </a:pPr>
+            <a:endParaRPr lang="en-US" sz="2000" dirty="0" smtClean="0"/>
+          </a:p>
+          <a:p>
+            <a:pPr marL="109728" indent="0">
+              <a:buNone/>
+            </a:pPr>
+            <a:endParaRPr lang="en-US" sz="2000" dirty="0" smtClean="0"/>
+          </a:p>
+          <a:p>
+            <a:pPr marL="109728" indent="0">
+              <a:buNone/>
+            </a:pPr>
+            <a:endParaRPr lang="en-US" sz="2000" dirty="0" smtClean="0"/>
+          </a:p>
+          <a:p>
+            <a:pPr marL="109728" indent="0">
+              <a:buNone/>
+            </a:pPr>
+            <a:endParaRPr lang="en-US" dirty="0" smtClean="0"/>
+          </a:p>
+        </p:txBody>
+      </p:sp>
+      <p:sp>
+        <p:nvSpPr>
+          <p:cNvPr id="6" name="Content Placeholder 2"/>
+          <p:cNvSpPr>
+            <a:spLocks noGrp="1"/>
+          </p:cNvSpPr>
+          <p:nvPr>
+            <p:ph idx="1"/>
+          </p:nvPr>
+        </p:nvSpPr>
+        <p:spPr>
+          <a:xfrm>
+            <a:off x="6228784" y="2051001"/>
+            <a:ext cx="5628236" cy="4172517"/>
+          </a:xfrm>
+          <a:ln w="19050">
+            <a:solidFill>
+              <a:schemeClr val="tx1"/>
+            </a:solidFill>
+          </a:ln>
+        </p:spPr>
+        <p:txBody>
+          <a:bodyPr>
+            <a:normAutofit/>
+          </a:bodyPr>
+          <a:lstStyle/>
+          <a:p>
+            <a:pPr marL="109728" indent="0">
+              <a:buNone/>
+            </a:pPr>
+            <a:r>
+              <a:rPr lang="en-US" sz="2000" dirty="0" smtClean="0">
+                <a:solidFill>
+                  <a:schemeClr val="tx1"/>
+                </a:solidFill>
+                <a:latin typeface="Times New Roman" panose="02020603050405020304" pitchFamily="18" charset="0"/>
+                <a:cs typeface="Times New Roman" panose="02020603050405020304" pitchFamily="18" charset="0"/>
+              </a:rPr>
+              <a:t>## Programming Notes:</a:t>
+            </a:r>
+          </a:p>
+          <a:p>
+            <a:pPr marL="109728" indent="0">
+              <a:buNone/>
+            </a:pPr>
+            <a:endParaRPr lang="en-US" sz="2000" dirty="0" smtClean="0">
+              <a:solidFill>
+                <a:schemeClr val="tx1"/>
+              </a:solidFill>
+            </a:endParaRPr>
+          </a:p>
+          <a:p>
+            <a:pPr marL="109728" indent="0">
+              <a:buNone/>
+            </a:pPr>
+            <a:r>
+              <a:rPr lang="en-US" sz="1600" dirty="0" err="1" smtClean="0">
+                <a:solidFill>
+                  <a:schemeClr val="tx1"/>
+                </a:solidFill>
+                <a:latin typeface="Times New Roman" panose="02020603050405020304" pitchFamily="18" charset="0"/>
+                <a:cs typeface="Times New Roman" panose="02020603050405020304" pitchFamily="18" charset="0"/>
+              </a:rPr>
+              <a:t>tfs</a:t>
+            </a:r>
+            <a:r>
+              <a:rPr lang="en-US" sz="1600" dirty="0" smtClean="0">
+                <a:solidFill>
+                  <a:schemeClr val="tx1"/>
+                </a:solidFill>
+                <a:latin typeface="Times New Roman" panose="02020603050405020304" pitchFamily="18" charset="0"/>
+                <a:cs typeface="Times New Roman" panose="02020603050405020304" pitchFamily="18" charset="0"/>
+              </a:rPr>
+              <a:t> </a:t>
+            </a:r>
+            <a:r>
+              <a:rPr lang="en-US" sz="1600" dirty="0">
+                <a:solidFill>
+                  <a:schemeClr val="tx1"/>
+                </a:solidFill>
+                <a:latin typeface="Times New Roman" panose="02020603050405020304" pitchFamily="18" charset="0"/>
+                <a:cs typeface="Times New Roman" panose="02020603050405020304" pitchFamily="18" charset="0"/>
+              </a:rPr>
+              <a:t>&lt;- </a:t>
+            </a:r>
+            <a:r>
+              <a:rPr lang="en-US" sz="1600" dirty="0" err="1" smtClean="0">
+                <a:solidFill>
+                  <a:schemeClr val="tx1"/>
+                </a:solidFill>
+                <a:latin typeface="Times New Roman" panose="02020603050405020304" pitchFamily="18" charset="0"/>
+                <a:cs typeface="Times New Roman" panose="02020603050405020304" pitchFamily="18" charset="0"/>
+              </a:rPr>
+              <a:t>tfbs.createFromCisBP</a:t>
+            </a:r>
+            <a:r>
+              <a:rPr lang="en-US" sz="1600" dirty="0" smtClean="0">
+                <a:solidFill>
+                  <a:schemeClr val="tx1"/>
+                </a:solidFill>
+                <a:latin typeface="Times New Roman" panose="02020603050405020304" pitchFamily="18" charset="0"/>
+                <a:cs typeface="Times New Roman" panose="02020603050405020304" pitchFamily="18" charset="0"/>
+              </a:rPr>
+              <a:t>( </a:t>
+            </a:r>
+            <a:r>
+              <a:rPr lang="en-US" sz="1600" dirty="0" err="1" smtClean="0">
+                <a:solidFill>
+                  <a:schemeClr val="tx1"/>
+                </a:solidFill>
+                <a:latin typeface="Times New Roman" panose="02020603050405020304" pitchFamily="18" charset="0"/>
+                <a:cs typeface="Times New Roman" panose="02020603050405020304" pitchFamily="18" charset="0"/>
+              </a:rPr>
+              <a:t>db</a:t>
+            </a:r>
+            <a:r>
+              <a:rPr lang="en-US" sz="1600" dirty="0" smtClean="0">
+                <a:solidFill>
+                  <a:schemeClr val="tx1"/>
+                </a:solidFill>
+                <a:latin typeface="Times New Roman" panose="02020603050405020304" pitchFamily="18" charset="0"/>
+                <a:cs typeface="Times New Roman" panose="02020603050405020304" pitchFamily="18" charset="0"/>
+              </a:rPr>
+              <a:t> );</a:t>
+            </a:r>
+          </a:p>
+          <a:p>
+            <a:pPr marL="109728" indent="0">
+              <a:buNone/>
+            </a:pPr>
+            <a:endParaRPr lang="en-US" sz="1600" dirty="0" smtClean="0">
+              <a:solidFill>
+                <a:schemeClr val="tx1"/>
+              </a:solidFill>
+              <a:latin typeface="Times New Roman" panose="02020603050405020304" pitchFamily="18" charset="0"/>
+              <a:cs typeface="Times New Roman" panose="02020603050405020304" pitchFamily="18" charset="0"/>
+            </a:endParaRPr>
+          </a:p>
+          <a:p>
+            <a:pPr marL="109728" indent="0">
+              <a:buNone/>
+            </a:pPr>
+            <a:r>
+              <a:rPr lang="en-US" sz="1600" dirty="0">
+                <a:solidFill>
+                  <a:schemeClr val="tx1"/>
+                </a:solidFill>
+                <a:latin typeface="Times New Roman" panose="02020603050405020304" pitchFamily="18" charset="0"/>
+                <a:cs typeface="Times New Roman" panose="02020603050405020304" pitchFamily="18" charset="0"/>
+              </a:rPr>
+              <a:t># Specify the bigwig files to filter the expressed TFs only </a:t>
+            </a:r>
+          </a:p>
+          <a:p>
+            <a:pPr marL="109728" indent="0">
+              <a:buNone/>
+            </a:pPr>
+            <a:r>
+              <a:rPr lang="en-US" sz="1600" dirty="0">
+                <a:solidFill>
+                  <a:schemeClr val="tx1"/>
+                </a:solidFill>
+                <a:latin typeface="Times New Roman" panose="02020603050405020304" pitchFamily="18" charset="0"/>
+                <a:cs typeface="Times New Roman" panose="02020603050405020304" pitchFamily="18" charset="0"/>
+              </a:rPr>
+              <a:t># (PRO-</a:t>
+            </a:r>
+            <a:r>
+              <a:rPr lang="en-US" sz="1600" dirty="0" err="1">
+                <a:solidFill>
+                  <a:schemeClr val="tx1"/>
+                </a:solidFill>
+                <a:latin typeface="Times New Roman" panose="02020603050405020304" pitchFamily="18" charset="0"/>
+                <a:cs typeface="Times New Roman" panose="02020603050405020304" pitchFamily="18" charset="0"/>
+              </a:rPr>
+              <a:t>seq</a:t>
+            </a:r>
+            <a:r>
+              <a:rPr lang="en-US" sz="1600" dirty="0">
+                <a:solidFill>
+                  <a:schemeClr val="tx1"/>
+                </a:solidFill>
+                <a:latin typeface="Times New Roman" panose="02020603050405020304" pitchFamily="18" charset="0"/>
+                <a:cs typeface="Times New Roman" panose="02020603050405020304" pitchFamily="18" charset="0"/>
+              </a:rPr>
+              <a:t>)</a:t>
+            </a:r>
+          </a:p>
+          <a:p>
+            <a:pPr marL="109728" indent="0">
+              <a:buNone/>
+            </a:pPr>
+            <a:r>
+              <a:rPr lang="en-US" sz="1600" dirty="0" err="1" smtClean="0">
+                <a:solidFill>
+                  <a:schemeClr val="tx1"/>
+                </a:solidFill>
+                <a:latin typeface="Times New Roman" panose="02020603050405020304" pitchFamily="18" charset="0"/>
+                <a:cs typeface="Times New Roman" panose="02020603050405020304" pitchFamily="18" charset="0"/>
+              </a:rPr>
+              <a:t>tfs</a:t>
+            </a:r>
+            <a:r>
+              <a:rPr lang="en-US" sz="1600" dirty="0" smtClean="0">
+                <a:solidFill>
+                  <a:schemeClr val="tx1"/>
+                </a:solidFill>
+                <a:latin typeface="Times New Roman" panose="02020603050405020304" pitchFamily="18" charset="0"/>
+                <a:cs typeface="Times New Roman" panose="02020603050405020304" pitchFamily="18" charset="0"/>
+              </a:rPr>
+              <a:t> </a:t>
+            </a:r>
+            <a:r>
+              <a:rPr lang="en-US" sz="1600" dirty="0">
+                <a:solidFill>
+                  <a:schemeClr val="tx1"/>
+                </a:solidFill>
+                <a:latin typeface="Times New Roman" panose="02020603050405020304" pitchFamily="18" charset="0"/>
+                <a:cs typeface="Times New Roman" panose="02020603050405020304" pitchFamily="18" charset="0"/>
+              </a:rPr>
+              <a:t>&lt;- </a:t>
+            </a:r>
+            <a:r>
+              <a:rPr lang="en-US" sz="1600" dirty="0" err="1" smtClean="0">
+                <a:solidFill>
+                  <a:schemeClr val="tx1"/>
+                </a:solidFill>
+                <a:latin typeface="Times New Roman" panose="02020603050405020304" pitchFamily="18" charset="0"/>
+                <a:cs typeface="Times New Roman" panose="02020603050405020304" pitchFamily="18" charset="0"/>
+              </a:rPr>
+              <a:t>tfbs.selectExpressedMotifs</a:t>
+            </a:r>
+            <a:r>
+              <a:rPr lang="en-US" sz="1600" dirty="0" smtClean="0">
+                <a:solidFill>
+                  <a:schemeClr val="tx1"/>
+                </a:solidFill>
+                <a:latin typeface="Times New Roman" panose="02020603050405020304" pitchFamily="18" charset="0"/>
+                <a:cs typeface="Times New Roman" panose="02020603050405020304" pitchFamily="18" charset="0"/>
+              </a:rPr>
+              <a:t>( </a:t>
+            </a:r>
+            <a:r>
+              <a:rPr lang="en-US" sz="1600" dirty="0" err="1" smtClean="0">
+                <a:solidFill>
+                  <a:schemeClr val="tx1"/>
+                </a:solidFill>
+                <a:latin typeface="Times New Roman" panose="02020603050405020304" pitchFamily="18" charset="0"/>
+                <a:cs typeface="Times New Roman" panose="02020603050405020304" pitchFamily="18" charset="0"/>
+              </a:rPr>
+              <a:t>tfs</a:t>
+            </a:r>
+            <a:r>
+              <a:rPr lang="en-US" sz="1600" dirty="0" smtClean="0">
+                <a:solidFill>
+                  <a:schemeClr val="tx1"/>
+                </a:solidFill>
+                <a:latin typeface="Times New Roman" panose="02020603050405020304" pitchFamily="18" charset="0"/>
+                <a:cs typeface="Times New Roman" panose="02020603050405020304" pitchFamily="18" charset="0"/>
+              </a:rPr>
+              <a:t>,</a:t>
+            </a:r>
+          </a:p>
+          <a:p>
+            <a:pPr marL="109728" indent="0">
+              <a:buNone/>
+            </a:pPr>
+            <a:r>
+              <a:rPr lang="en-US" sz="1600" dirty="0">
+                <a:solidFill>
+                  <a:schemeClr val="tx1"/>
+                </a:solidFill>
+                <a:latin typeface="Times New Roman" panose="02020603050405020304" pitchFamily="18" charset="0"/>
+                <a:cs typeface="Times New Roman" panose="02020603050405020304" pitchFamily="18" charset="0"/>
+              </a:rPr>
+              <a:t>	</a:t>
+            </a:r>
+            <a:r>
+              <a:rPr lang="en-US" sz="1600" dirty="0" err="1">
+                <a:solidFill>
+                  <a:schemeClr val="tx1"/>
+                </a:solidFill>
+                <a:latin typeface="Times New Roman" panose="02020603050405020304" pitchFamily="18" charset="0"/>
+                <a:cs typeface="Times New Roman" panose="02020603050405020304" pitchFamily="18" charset="0"/>
+              </a:rPr>
+              <a:t>file.twoBit</a:t>
+            </a:r>
+            <a:r>
+              <a:rPr lang="en-US" sz="1600" dirty="0">
+                <a:solidFill>
+                  <a:schemeClr val="tx1"/>
+                </a:solidFill>
+                <a:latin typeface="Times New Roman" panose="02020603050405020304" pitchFamily="18" charset="0"/>
+                <a:cs typeface="Times New Roman" panose="02020603050405020304" pitchFamily="18" charset="0"/>
+              </a:rPr>
+              <a:t>="hg19.2bit", 		</a:t>
+            </a:r>
+            <a:r>
+              <a:rPr lang="en-US" sz="1600" dirty="0" err="1">
+                <a:solidFill>
+                  <a:schemeClr val="tx1"/>
+                </a:solidFill>
+                <a:latin typeface="Times New Roman" panose="02020603050405020304" pitchFamily="18" charset="0"/>
+                <a:cs typeface="Times New Roman" panose="02020603050405020304" pitchFamily="18" charset="0"/>
+              </a:rPr>
+              <a:t>file.gencode.gtf</a:t>
+            </a:r>
+            <a:r>
+              <a:rPr lang="en-US" sz="1600" dirty="0">
+                <a:solidFill>
+                  <a:schemeClr val="tx1"/>
+                </a:solidFill>
+                <a:latin typeface="Times New Roman" panose="02020603050405020304" pitchFamily="18" charset="0"/>
+                <a:cs typeface="Times New Roman" panose="02020603050405020304" pitchFamily="18" charset="0"/>
+              </a:rPr>
+              <a:t>="gencode.v19.annotation.gtf.gz", </a:t>
+            </a:r>
+            <a:r>
+              <a:rPr lang="en-US" sz="1600" dirty="0" smtClean="0">
+                <a:solidFill>
+                  <a:schemeClr val="tx1"/>
+                </a:solidFill>
+                <a:latin typeface="Times New Roman" panose="02020603050405020304" pitchFamily="18" charset="0"/>
+                <a:cs typeface="Times New Roman" panose="02020603050405020304" pitchFamily="18" charset="0"/>
+              </a:rPr>
+              <a:t>	</a:t>
+            </a:r>
+            <a:r>
+              <a:rPr lang="en-US" sz="1600" dirty="0" err="1" smtClean="0">
+                <a:solidFill>
+                  <a:schemeClr val="tx1"/>
+                </a:solidFill>
+                <a:latin typeface="Times New Roman" panose="02020603050405020304" pitchFamily="18" charset="0"/>
+                <a:cs typeface="Times New Roman" panose="02020603050405020304" pitchFamily="18" charset="0"/>
+              </a:rPr>
+              <a:t>file.bigwig.plus</a:t>
+            </a:r>
+            <a:r>
+              <a:rPr lang="en-US" sz="1600" dirty="0">
+                <a:solidFill>
+                  <a:schemeClr val="tx1"/>
+                </a:solidFill>
+                <a:latin typeface="Times New Roman" panose="02020603050405020304" pitchFamily="18" charset="0"/>
+                <a:cs typeface="Times New Roman" panose="02020603050405020304" pitchFamily="18" charset="0"/>
+              </a:rPr>
+              <a:t>="</a:t>
+            </a:r>
+            <a:r>
+              <a:rPr lang="en-US" sz="1600" dirty="0" err="1">
+                <a:solidFill>
+                  <a:schemeClr val="tx1"/>
+                </a:solidFill>
+                <a:latin typeface="Times New Roman" panose="02020603050405020304" pitchFamily="18" charset="0"/>
+                <a:cs typeface="Times New Roman" panose="02020603050405020304" pitchFamily="18" charset="0"/>
+              </a:rPr>
+              <a:t>bw.plus</a:t>
+            </a:r>
+            <a:r>
+              <a:rPr lang="en-US" sz="1600" dirty="0">
+                <a:solidFill>
+                  <a:schemeClr val="tx1"/>
+                </a:solidFill>
+                <a:latin typeface="Times New Roman" panose="02020603050405020304" pitchFamily="18" charset="0"/>
+                <a:cs typeface="Times New Roman" panose="02020603050405020304" pitchFamily="18" charset="0"/>
+              </a:rPr>
+              <a:t>", </a:t>
+            </a:r>
+            <a:r>
+              <a:rPr lang="en-US" sz="1600" dirty="0" smtClean="0">
+                <a:solidFill>
+                  <a:schemeClr val="tx1"/>
+                </a:solidFill>
+                <a:latin typeface="Times New Roman" panose="02020603050405020304" pitchFamily="18" charset="0"/>
+                <a:cs typeface="Times New Roman" panose="02020603050405020304" pitchFamily="18" charset="0"/>
+              </a:rPr>
+              <a:t>	</a:t>
+            </a:r>
+            <a:r>
+              <a:rPr lang="en-US" sz="1600" dirty="0" err="1" smtClean="0">
+                <a:solidFill>
+                  <a:schemeClr val="tx1"/>
+                </a:solidFill>
+                <a:latin typeface="Times New Roman" panose="02020603050405020304" pitchFamily="18" charset="0"/>
+                <a:cs typeface="Times New Roman" panose="02020603050405020304" pitchFamily="18" charset="0"/>
+              </a:rPr>
+              <a:t>file.bigwig.minus</a:t>
+            </a:r>
+            <a:r>
+              <a:rPr lang="en-US" sz="1600" dirty="0">
+                <a:solidFill>
+                  <a:schemeClr val="tx1"/>
+                </a:solidFill>
+                <a:latin typeface="Times New Roman" panose="02020603050405020304" pitchFamily="18" charset="0"/>
+                <a:cs typeface="Times New Roman" panose="02020603050405020304" pitchFamily="18" charset="0"/>
+              </a:rPr>
+              <a:t>="</a:t>
+            </a:r>
+            <a:r>
+              <a:rPr lang="en-US" sz="1600" dirty="0" err="1">
+                <a:solidFill>
+                  <a:schemeClr val="tx1"/>
+                </a:solidFill>
+                <a:latin typeface="Times New Roman" panose="02020603050405020304" pitchFamily="18" charset="0"/>
+                <a:cs typeface="Times New Roman" panose="02020603050405020304" pitchFamily="18" charset="0"/>
+              </a:rPr>
+              <a:t>bw.minus</a:t>
+            </a:r>
+            <a:r>
+              <a:rPr lang="en-US" sz="1600" dirty="0">
+                <a:solidFill>
+                  <a:schemeClr val="tx1"/>
+                </a:solidFill>
+                <a:latin typeface="Times New Roman" panose="02020603050405020304" pitchFamily="18" charset="0"/>
+                <a:cs typeface="Times New Roman" panose="02020603050405020304" pitchFamily="18" charset="0"/>
+              </a:rPr>
+              <a:t>", </a:t>
+            </a:r>
+            <a:r>
+              <a:rPr lang="en-US" sz="1600" dirty="0" smtClean="0">
+                <a:solidFill>
+                  <a:schemeClr val="tx1"/>
+                </a:solidFill>
+                <a:latin typeface="Times New Roman" panose="02020603050405020304" pitchFamily="18" charset="0"/>
+                <a:cs typeface="Times New Roman" panose="02020603050405020304" pitchFamily="18" charset="0"/>
+              </a:rPr>
+              <a:t>		</a:t>
+            </a:r>
+            <a:r>
+              <a:rPr lang="en-US" sz="1600" dirty="0" err="1" smtClean="0">
+                <a:solidFill>
+                  <a:schemeClr val="tx1"/>
+                </a:solidFill>
+                <a:latin typeface="Times New Roman" panose="02020603050405020304" pitchFamily="18" charset="0"/>
+                <a:cs typeface="Times New Roman" panose="02020603050405020304" pitchFamily="18" charset="0"/>
+              </a:rPr>
+              <a:t>seq.datatype</a:t>
+            </a:r>
+            <a:r>
+              <a:rPr lang="en-US" sz="1600" dirty="0">
+                <a:solidFill>
+                  <a:schemeClr val="tx1"/>
+                </a:solidFill>
+                <a:latin typeface="Times New Roman" panose="02020603050405020304" pitchFamily="18" charset="0"/>
+                <a:cs typeface="Times New Roman" panose="02020603050405020304" pitchFamily="18" charset="0"/>
+              </a:rPr>
+              <a:t>="PRO-</a:t>
+            </a:r>
+            <a:r>
+              <a:rPr lang="en-US" sz="1600" dirty="0" err="1">
+                <a:solidFill>
+                  <a:schemeClr val="tx1"/>
+                </a:solidFill>
+                <a:latin typeface="Times New Roman" panose="02020603050405020304" pitchFamily="18" charset="0"/>
+                <a:cs typeface="Times New Roman" panose="02020603050405020304" pitchFamily="18" charset="0"/>
+              </a:rPr>
+              <a:t>seq</a:t>
+            </a:r>
+            <a:r>
+              <a:rPr lang="en-US" sz="1600" dirty="0">
+                <a:solidFill>
+                  <a:schemeClr val="tx1"/>
+                </a:solidFill>
+                <a:latin typeface="Times New Roman" panose="02020603050405020304" pitchFamily="18" charset="0"/>
+                <a:cs typeface="Times New Roman" panose="02020603050405020304" pitchFamily="18" charset="0"/>
+              </a:rPr>
+              <a:t>");</a:t>
+            </a:r>
+          </a:p>
+          <a:p>
+            <a:endParaRPr lang="en-US" sz="2000" dirty="0"/>
+          </a:p>
+          <a:p>
+            <a:pPr marL="109728" indent="0">
+              <a:buNone/>
+            </a:pPr>
+            <a:endParaRPr lang="en-US" dirty="0" smtClean="0"/>
+          </a:p>
+        </p:txBody>
+      </p:sp>
+    </p:spTree>
+    <p:extLst>
+      <p:ext uri="{BB962C8B-B14F-4D97-AF65-F5344CB8AC3E}">
+        <p14:creationId xmlns:p14="http://schemas.microsoft.com/office/powerpoint/2010/main" val="3056500915"/>
+      </p:ext>
+    </p:extLst>
+  </p:cSld>
+  <p:clrMapOvr>
+    <a:masterClrMapping/>
+  </p:clrMapOvr>
+  <mc:AlternateContent xmlns:mc="http://schemas.openxmlformats.org/markup-compatibility/2006" xmlns:p14="http://schemas.microsoft.com/office/powerpoint/2010/main">
+    <mc:Choice Requires="p14">
+      <p:transition spd="med" p14:dur="700">
+        <p:fade/>
+      </p:transition>
+    </mc:Choice>
+    <mc:Fallback xmlns="">
+      <p:transition spd="med">
+        <p:fade/>
+      </p:transition>
+    </mc:Fallback>
+  </mc:AlternateContent>
+  <p:timing>
+    <p:tnLst>
+      <p:par>
+        <p:cTn id="1" dur="indefinite" restart="never" nodeType="tmRoot"/>
+      </p:par>
+    </p:tnLst>
+  </p:timing>
+</p:sld>
+</file>
+
+<file path=ppt/slides/slide11.xml><?xml version="1.0" encoding="utf-8"?>
+<p:sld xmlns:a="http://schemas.openxmlformats.org/drawingml/2006/main" xmlns:r="http://schemas.openxmlformats.org/officeDocument/2006/relationships" xmlns:p="http://schemas.openxmlformats.org/presentationml/2006/main">
+  <p:cSld>
+    <p:spTree>
+      <p:nvGrpSpPr>
+        <p:cNvPr id="1" name=""/>
+        <p:cNvGrpSpPr/>
+        <p:nvPr/>
+      </p:nvGrpSpPr>
+      <p:grpSpPr>
+        <a:xfrm>
+          <a:off x="0" y="0"/>
+          <a:ext cx="0" cy="0"/>
+          <a:chOff x="0" y="0"/>
+          <a:chExt cx="0" cy="0"/>
+        </a:xfrm>
+      </p:grpSpPr>
+      <p:sp>
+        <p:nvSpPr>
+          <p:cNvPr id="2" name="Title 1"/>
+          <p:cNvSpPr>
+            <a:spLocks noGrp="1"/>
+          </p:cNvSpPr>
+          <p:nvPr>
+            <p:ph type="title"/>
+          </p:nvPr>
+        </p:nvSpPr>
+        <p:spPr>
+          <a:xfrm>
+            <a:off x="609600" y="1143000"/>
+            <a:ext cx="10972800" cy="908002"/>
+          </a:xfrm>
+        </p:spPr>
+        <p:txBody>
+          <a:bodyPr>
+            <a:normAutofit/>
+          </a:bodyPr>
+          <a:lstStyle/>
+          <a:p>
+            <a:r>
+              <a:rPr lang="en-US" dirty="0"/>
+              <a:t>Step 2: </a:t>
+            </a:r>
+            <a:r>
+              <a:rPr lang="en-US" dirty="0" smtClean="0"/>
+              <a:t>Or loading motifs from </a:t>
+            </a:r>
+            <a:r>
+              <a:rPr lang="en-US" dirty="0" err="1" smtClean="0"/>
+              <a:t>MotifDb</a:t>
+            </a:r>
+            <a:r>
+              <a:rPr lang="en-US" dirty="0" smtClean="0"/>
+              <a:t> package</a:t>
+            </a:r>
+            <a:endParaRPr lang="en-US" dirty="0"/>
+          </a:p>
+        </p:txBody>
+      </p:sp>
+      <p:sp>
+        <p:nvSpPr>
+          <p:cNvPr id="4" name="Content Placeholder 2"/>
+          <p:cNvSpPr txBox="1">
+            <a:spLocks/>
+          </p:cNvSpPr>
+          <p:nvPr/>
+        </p:nvSpPr>
+        <p:spPr>
+          <a:xfrm>
+            <a:off x="609600" y="2051001"/>
+            <a:ext cx="5045090" cy="4303145"/>
+          </a:xfrm>
+          <a:prstGeom prst="rect">
+            <a:avLst/>
+          </a:prstGeom>
+        </p:spPr>
+        <p:txBody>
+          <a:bodyPr vert="horz">
+            <a:normAutofit/>
+          </a:bodyPr>
+          <a:lstStyle>
+            <a:lvl1pPr marL="365760" indent="-256032" algn="l" rtl="0" eaLnBrk="1" latinLnBrk="0" hangingPunct="1">
+              <a:spcBef>
+                <a:spcPts val="300"/>
+              </a:spcBef>
+              <a:buClr>
+                <a:schemeClr val="accent3"/>
+              </a:buClr>
+              <a:buFont typeface="Georgia"/>
+              <a:buChar char="•"/>
+              <a:defRPr kumimoji="0" sz="2800" kern="1200">
+                <a:solidFill>
+                  <a:schemeClr val="tx2"/>
+                </a:solidFill>
+                <a:latin typeface="+mn-lt"/>
+                <a:ea typeface="+mn-ea"/>
+                <a:cs typeface="+mn-cs"/>
+              </a:defRPr>
+            </a:lvl1pPr>
+            <a:lvl2pPr marL="658368" indent="-246888" algn="l" rtl="0" eaLnBrk="1" latinLnBrk="0" hangingPunct="1">
+              <a:spcBef>
+                <a:spcPts val="300"/>
+              </a:spcBef>
+              <a:buClr>
+                <a:schemeClr val="accent2"/>
+              </a:buClr>
+              <a:buFont typeface="Georgia"/>
+              <a:buChar char="▫"/>
+              <a:defRPr kumimoji="0" sz="2600" kern="1200">
+                <a:solidFill>
+                  <a:schemeClr val="tx2"/>
+                </a:solidFill>
+                <a:latin typeface="+mn-lt"/>
+                <a:ea typeface="+mn-ea"/>
+                <a:cs typeface="+mn-cs"/>
+              </a:defRPr>
+            </a:lvl2pPr>
+            <a:lvl3pPr marL="923544" indent="-219456" algn="l" rtl="0" eaLnBrk="1" latinLnBrk="0" hangingPunct="1">
+              <a:spcBef>
+                <a:spcPts val="300"/>
+              </a:spcBef>
+              <a:buClr>
+                <a:schemeClr val="accent1"/>
+              </a:buClr>
+              <a:buFont typeface="Wingdings 2" panose="05020102010507070707" pitchFamily="18" charset="2"/>
+              <a:buChar char=""/>
+              <a:defRPr kumimoji="0" sz="2400" kern="1200">
+                <a:solidFill>
+                  <a:schemeClr val="tx2"/>
+                </a:solidFill>
+                <a:latin typeface="+mn-lt"/>
+                <a:ea typeface="+mn-ea"/>
+                <a:cs typeface="+mn-cs"/>
+              </a:defRPr>
+            </a:lvl3pPr>
+            <a:lvl4pPr marL="1179576" indent="-201168" algn="l" rtl="0" eaLnBrk="1" latinLnBrk="0" hangingPunct="1">
+              <a:spcBef>
+                <a:spcPts val="300"/>
+              </a:spcBef>
+              <a:buClr>
+                <a:schemeClr val="accent1"/>
+              </a:buClr>
+              <a:buFont typeface="Wingdings 2" panose="05020102010507070707" pitchFamily="18" charset="2"/>
+              <a:buChar char=""/>
+              <a:defRPr kumimoji="0" sz="2200" kern="1200">
+                <a:solidFill>
+                  <a:schemeClr val="tx2"/>
+                </a:solidFill>
+                <a:latin typeface="+mn-lt"/>
+                <a:ea typeface="+mn-ea"/>
+                <a:cs typeface="+mn-cs"/>
+              </a:defRPr>
+            </a:lvl4pPr>
+            <a:lvl5pPr marL="1389888" indent="-182880" algn="l" rtl="0" eaLnBrk="1" latinLnBrk="0" hangingPunct="1">
+              <a:spcBef>
+                <a:spcPts val="300"/>
+              </a:spcBef>
+              <a:buClr>
+                <a:schemeClr val="accent1"/>
+              </a:buClr>
+              <a:buFont typeface="Wingdings 2" panose="05020102010507070707" pitchFamily="18" charset="2"/>
+              <a:buChar char=""/>
+              <a:defRPr kumimoji="0" sz="2000" kern="1200">
+                <a:solidFill>
+                  <a:schemeClr val="tx2"/>
+                </a:solidFill>
+                <a:latin typeface="+mn-lt"/>
+                <a:ea typeface="+mn-ea"/>
+                <a:cs typeface="+mn-cs"/>
+              </a:defRPr>
+            </a:lvl5pPr>
+            <a:lvl6pPr marL="1609344" indent="-182880" algn="l" rtl="0" eaLnBrk="1" latinLnBrk="0" hangingPunct="1">
+              <a:spcBef>
+                <a:spcPts val="300"/>
+              </a:spcBef>
+              <a:buClr>
+                <a:schemeClr val="accent1"/>
+              </a:buClr>
+              <a:buFont typeface="Wingdings 2" panose="05020102010507070707" pitchFamily="18" charset="2"/>
+              <a:buChar char=""/>
+              <a:defRPr kumimoji="0" sz="1800" kern="1200">
+                <a:solidFill>
+                  <a:schemeClr val="tx2"/>
+                </a:solidFill>
+                <a:latin typeface="+mn-lt"/>
+                <a:ea typeface="+mn-ea"/>
+                <a:cs typeface="+mn-cs"/>
+              </a:defRPr>
+            </a:lvl6pPr>
+            <a:lvl7pPr marL="1828800" indent="-182880" algn="l" rtl="0" eaLnBrk="1" latinLnBrk="0" hangingPunct="1">
+              <a:spcBef>
+                <a:spcPts val="300"/>
+              </a:spcBef>
+              <a:buClr>
+                <a:schemeClr val="accent1"/>
+              </a:buClr>
+              <a:buFont typeface="Wingdings 2" panose="05020102010507070707" pitchFamily="18" charset="2"/>
+              <a:buChar char=""/>
+              <a:defRPr kumimoji="0" sz="1600" kern="1200">
+                <a:solidFill>
+                  <a:schemeClr val="tx2"/>
+                </a:solidFill>
+                <a:latin typeface="+mn-lt"/>
+                <a:ea typeface="+mn-ea"/>
+                <a:cs typeface="+mn-cs"/>
+              </a:defRPr>
+            </a:lvl7pPr>
+            <a:lvl8pPr marL="2029968" indent="-182880" algn="l" rtl="0" eaLnBrk="1" latinLnBrk="0" hangingPunct="1">
+              <a:spcBef>
+                <a:spcPts val="300"/>
+              </a:spcBef>
+              <a:buClr>
+                <a:schemeClr val="accent1"/>
+              </a:buClr>
+              <a:buFont typeface="Wingdings 2" panose="05020102010507070707" pitchFamily="18" charset="2"/>
+              <a:buChar char=""/>
+              <a:defRPr kumimoji="0" sz="1500" kern="1200">
+                <a:solidFill>
+                  <a:schemeClr val="tx2"/>
+                </a:solidFill>
+                <a:latin typeface="+mn-lt"/>
+                <a:ea typeface="+mn-ea"/>
+                <a:cs typeface="+mn-cs"/>
+              </a:defRPr>
+            </a:lvl8pPr>
+            <a:lvl9pPr marL="2240280" indent="-182880" algn="l" rtl="0" eaLnBrk="1" latinLnBrk="0" hangingPunct="1">
+              <a:spcBef>
+                <a:spcPts val="300"/>
+              </a:spcBef>
+              <a:buClr>
+                <a:schemeClr val="accent1"/>
+              </a:buClr>
+              <a:buFont typeface="Wingdings 2" panose="05020102010507070707" pitchFamily="18" charset="2"/>
+              <a:buChar char=""/>
+              <a:defRPr kumimoji="0" sz="1400" kern="1200" baseline="0">
+                <a:solidFill>
+                  <a:schemeClr val="tx2"/>
+                </a:solidFill>
+                <a:latin typeface="+mn-lt"/>
+                <a:ea typeface="+mn-ea"/>
+                <a:cs typeface="+mn-cs"/>
+              </a:defRPr>
+            </a:lvl9pPr>
+          </a:lstStyle>
+          <a:p>
+            <a:pPr marL="109728" indent="0">
+              <a:buNone/>
+            </a:pPr>
+            <a:r>
+              <a:rPr lang="en-US" sz="2000" dirty="0"/>
+              <a:t>If you </a:t>
+            </a:r>
+            <a:r>
+              <a:rPr lang="en-US" sz="2000" dirty="0" smtClean="0"/>
+              <a:t>use the </a:t>
+            </a:r>
+            <a:r>
+              <a:rPr lang="en-US" sz="2000" dirty="0" err="1" smtClean="0"/>
+              <a:t>MotifDb</a:t>
+            </a:r>
+            <a:r>
+              <a:rPr lang="en-US" sz="2000" dirty="0" smtClean="0"/>
+              <a:t> package and </a:t>
+            </a:r>
+            <a:r>
+              <a:rPr lang="en-US" sz="2000" dirty="0" smtClean="0"/>
+              <a:t>want to perform </a:t>
+            </a:r>
+            <a:r>
+              <a:rPr lang="en-US" sz="2000" dirty="0" smtClean="0"/>
+              <a:t>analysis by this package:</a:t>
+            </a:r>
+          </a:p>
+          <a:p>
+            <a:pPr marL="109728" indent="0">
+              <a:buNone/>
+            </a:pPr>
+            <a:endParaRPr lang="en-US" sz="2000" dirty="0" smtClean="0"/>
+          </a:p>
+          <a:p>
+            <a:pPr marL="566928" indent="-457200">
+              <a:buAutoNum type="arabicPeriod"/>
+            </a:pPr>
+            <a:r>
+              <a:rPr lang="en-US" altLang="zh-CN" sz="2000" dirty="0" smtClean="0"/>
+              <a:t>Create </a:t>
+            </a:r>
+            <a:r>
+              <a:rPr lang="en-US" altLang="zh-CN" sz="2000" dirty="0" smtClean="0"/>
+              <a:t>a </a:t>
+            </a:r>
+            <a:r>
+              <a:rPr lang="en-US" altLang="zh-CN" sz="2000" dirty="0" err="1" smtClean="0"/>
+              <a:t>tfbs</a:t>
+            </a:r>
+            <a:r>
+              <a:rPr lang="en-US" altLang="zh-CN" sz="2000" dirty="0" smtClean="0"/>
+              <a:t> object by querying </a:t>
+            </a:r>
+            <a:r>
+              <a:rPr lang="en-US" altLang="zh-CN" sz="2000" dirty="0" err="1" smtClean="0"/>
+              <a:t>MotifDb</a:t>
+            </a:r>
+            <a:r>
+              <a:rPr lang="en-US" altLang="zh-CN" sz="2000" dirty="0" smtClean="0"/>
+              <a:t> </a:t>
+            </a:r>
+            <a:r>
+              <a:rPr lang="en-US" altLang="zh-CN" sz="2000" dirty="0" smtClean="0"/>
+              <a:t>object.</a:t>
+            </a:r>
+            <a:endParaRPr lang="en-US" altLang="zh-CN" sz="2000" dirty="0" smtClean="0"/>
+          </a:p>
+          <a:p>
+            <a:pPr marL="566928" indent="-457200">
+              <a:buAutoNum type="arabicPeriod"/>
+            </a:pPr>
+            <a:r>
+              <a:rPr lang="en-US" altLang="zh-CN" sz="2000" dirty="0" smtClean="0"/>
+              <a:t>Same subsequent </a:t>
+            </a:r>
+            <a:r>
+              <a:rPr lang="en-US" altLang="zh-CN" sz="2000" dirty="0" smtClean="0"/>
+              <a:t>performance</a:t>
+            </a:r>
+            <a:r>
+              <a:rPr lang="en-US" altLang="zh-CN" sz="2000" dirty="0" smtClean="0"/>
+              <a:t> as </a:t>
+            </a:r>
+            <a:r>
+              <a:rPr lang="en-US" altLang="zh-CN" sz="2000" dirty="0" smtClean="0"/>
+              <a:t>Cis-BP dataset. </a:t>
+            </a:r>
+          </a:p>
+          <a:p>
+            <a:pPr marL="109728" indent="0">
+              <a:buNone/>
+            </a:pPr>
+            <a:endParaRPr lang="en-US" sz="2000" dirty="0" smtClean="0"/>
+          </a:p>
+          <a:p>
+            <a:pPr marL="109728" indent="0">
+              <a:buNone/>
+            </a:pPr>
+            <a:endParaRPr lang="en-US" sz="2000" i="1" dirty="0" smtClean="0">
+              <a:solidFill>
+                <a:schemeClr val="tx1"/>
+              </a:solidFill>
+            </a:endParaRPr>
+          </a:p>
+          <a:p>
+            <a:pPr marL="109728" indent="0">
+              <a:buNone/>
+            </a:pPr>
+            <a:endParaRPr lang="en-US" sz="2000" dirty="0" smtClean="0"/>
+          </a:p>
+          <a:p>
+            <a:pPr marL="109728" indent="0">
+              <a:buNone/>
+            </a:pPr>
+            <a:endParaRPr lang="en-US" sz="2000" dirty="0" smtClean="0"/>
+          </a:p>
+          <a:p>
+            <a:pPr marL="109728" indent="0">
+              <a:buNone/>
+            </a:pPr>
+            <a:endParaRPr lang="en-US" sz="2000" dirty="0" smtClean="0"/>
+          </a:p>
+          <a:p>
+            <a:pPr marL="109728" indent="0">
+              <a:buNone/>
+            </a:pPr>
+            <a:endParaRPr lang="en-US" sz="2000" dirty="0" smtClean="0"/>
+          </a:p>
+          <a:p>
+            <a:pPr marL="109728" indent="0">
+              <a:buNone/>
+            </a:pPr>
+            <a:endParaRPr lang="en-US" dirty="0" smtClean="0"/>
+          </a:p>
+        </p:txBody>
+      </p:sp>
+      <p:sp>
+        <p:nvSpPr>
+          <p:cNvPr id="6" name="Content Placeholder 2"/>
+          <p:cNvSpPr>
+            <a:spLocks noGrp="1"/>
+          </p:cNvSpPr>
+          <p:nvPr>
+            <p:ph idx="1"/>
+          </p:nvPr>
+        </p:nvSpPr>
+        <p:spPr>
+          <a:xfrm>
+            <a:off x="6228784" y="2051001"/>
+            <a:ext cx="5628236" cy="4172517"/>
+          </a:xfrm>
+          <a:ln w="19050">
+            <a:solidFill>
+              <a:schemeClr val="tx1"/>
+            </a:solidFill>
+          </a:ln>
+        </p:spPr>
+        <p:txBody>
+          <a:bodyPr>
+            <a:normAutofit/>
+          </a:bodyPr>
+          <a:lstStyle/>
+          <a:p>
+            <a:pPr marL="109728" indent="0">
+              <a:buNone/>
+            </a:pPr>
+            <a:r>
+              <a:rPr lang="en-US" sz="1600" dirty="0">
+                <a:solidFill>
+                  <a:schemeClr val="tx1"/>
+                </a:solidFill>
+                <a:latin typeface="Times New Roman" panose="02020603050405020304" pitchFamily="18" charset="0"/>
+                <a:cs typeface="Times New Roman" panose="02020603050405020304" pitchFamily="18" charset="0"/>
+              </a:rPr>
+              <a:t>## </a:t>
+            </a:r>
+            <a:r>
+              <a:rPr lang="en-US" sz="1600" dirty="0" smtClean="0">
+                <a:solidFill>
+                  <a:schemeClr val="tx1"/>
+                </a:solidFill>
+                <a:latin typeface="Times New Roman" panose="02020603050405020304" pitchFamily="18" charset="0"/>
+                <a:cs typeface="Times New Roman" panose="02020603050405020304" pitchFamily="18" charset="0"/>
+              </a:rPr>
+              <a:t> Programming Notes:</a:t>
+            </a:r>
+          </a:p>
+          <a:p>
+            <a:pPr marL="109728" indent="0">
+              <a:buNone/>
+            </a:pPr>
+            <a:endParaRPr lang="en-US" sz="1600" dirty="0" smtClean="0">
+              <a:solidFill>
+                <a:schemeClr val="tx1"/>
+              </a:solidFill>
+              <a:latin typeface="Times New Roman" panose="02020603050405020304" pitchFamily="18" charset="0"/>
+              <a:cs typeface="Times New Roman" panose="02020603050405020304" pitchFamily="18" charset="0"/>
+            </a:endParaRPr>
+          </a:p>
+          <a:p>
+            <a:pPr marL="109728" indent="0">
+              <a:buNone/>
+            </a:pPr>
+            <a:r>
+              <a:rPr lang="en-US" sz="1600" dirty="0">
+                <a:solidFill>
+                  <a:schemeClr val="tx1"/>
+                </a:solidFill>
+                <a:latin typeface="Times New Roman" panose="02020603050405020304" pitchFamily="18" charset="0"/>
+                <a:cs typeface="Times New Roman" panose="02020603050405020304" pitchFamily="18" charset="0"/>
+              </a:rPr>
+              <a:t># Load the subset of </a:t>
+            </a:r>
+            <a:r>
+              <a:rPr lang="en-US" sz="1600" dirty="0" err="1">
+                <a:solidFill>
+                  <a:schemeClr val="tx1"/>
+                </a:solidFill>
+                <a:latin typeface="Times New Roman" panose="02020603050405020304" pitchFamily="18" charset="0"/>
+                <a:cs typeface="Times New Roman" panose="02020603050405020304" pitchFamily="18" charset="0"/>
+              </a:rPr>
+              <a:t>MotifDb</a:t>
+            </a:r>
+            <a:r>
+              <a:rPr lang="en-US" sz="1600" dirty="0">
+                <a:solidFill>
+                  <a:schemeClr val="tx1"/>
+                </a:solidFill>
+                <a:latin typeface="Times New Roman" panose="02020603050405020304" pitchFamily="18" charset="0"/>
+                <a:cs typeface="Times New Roman" panose="02020603050405020304" pitchFamily="18" charset="0"/>
+              </a:rPr>
+              <a:t> generated by the method in </a:t>
+            </a:r>
+            <a:endParaRPr lang="en-US" sz="1600" dirty="0" smtClean="0">
+              <a:solidFill>
+                <a:schemeClr val="tx1"/>
+              </a:solidFill>
+              <a:latin typeface="Times New Roman" panose="02020603050405020304" pitchFamily="18" charset="0"/>
+              <a:cs typeface="Times New Roman" panose="02020603050405020304" pitchFamily="18" charset="0"/>
+            </a:endParaRPr>
+          </a:p>
+          <a:p>
+            <a:pPr marL="109728" indent="0">
+              <a:buNone/>
+            </a:pPr>
+            <a:r>
+              <a:rPr lang="en-US" sz="1600" dirty="0" smtClean="0">
+                <a:solidFill>
+                  <a:schemeClr val="tx1"/>
+                </a:solidFill>
+                <a:latin typeface="Times New Roman" panose="02020603050405020304" pitchFamily="18" charset="0"/>
+                <a:cs typeface="Times New Roman" panose="02020603050405020304" pitchFamily="18" charset="0"/>
+              </a:rPr>
+              <a:t># '</a:t>
+            </a:r>
+            <a:r>
+              <a:rPr lang="en-US" sz="1600" dirty="0" err="1" smtClean="0">
+                <a:solidFill>
+                  <a:schemeClr val="tx1"/>
+                </a:solidFill>
+                <a:latin typeface="Times New Roman" panose="02020603050405020304" pitchFamily="18" charset="0"/>
+                <a:cs typeface="Times New Roman" panose="02020603050405020304" pitchFamily="18" charset="0"/>
+              </a:rPr>
+              <a:t>MotifDb</a:t>
+            </a:r>
+            <a:r>
+              <a:rPr lang="en-US" sz="1600" dirty="0">
+                <a:solidFill>
+                  <a:schemeClr val="tx1"/>
+                </a:solidFill>
+                <a:latin typeface="Times New Roman" panose="02020603050405020304" pitchFamily="18" charset="0"/>
+                <a:cs typeface="Times New Roman" panose="02020603050405020304" pitchFamily="18" charset="0"/>
+              </a:rPr>
+              <a:t>' package</a:t>
+            </a:r>
+          </a:p>
+          <a:p>
+            <a:pPr marL="109728" indent="0">
+              <a:buNone/>
+            </a:pPr>
+            <a:r>
+              <a:rPr lang="en-US" sz="1600" dirty="0" smtClean="0">
+                <a:solidFill>
+                  <a:schemeClr val="tx1"/>
+                </a:solidFill>
+                <a:latin typeface="Times New Roman" panose="02020603050405020304" pitchFamily="18" charset="0"/>
+                <a:cs typeface="Times New Roman" panose="02020603050405020304" pitchFamily="18" charset="0"/>
+              </a:rPr>
+              <a:t>Library(</a:t>
+            </a:r>
+            <a:r>
+              <a:rPr lang="en-US" sz="1600" dirty="0" err="1" smtClean="0">
+                <a:solidFill>
+                  <a:schemeClr val="tx1"/>
+                </a:solidFill>
+                <a:latin typeface="Times New Roman" panose="02020603050405020304" pitchFamily="18" charset="0"/>
+                <a:cs typeface="Times New Roman" panose="02020603050405020304" pitchFamily="18" charset="0"/>
+              </a:rPr>
+              <a:t>MotifDb</a:t>
+            </a:r>
+            <a:r>
+              <a:rPr lang="en-US" sz="1600" dirty="0" smtClean="0">
+                <a:solidFill>
+                  <a:schemeClr val="tx1"/>
+                </a:solidFill>
+                <a:latin typeface="Times New Roman" panose="02020603050405020304" pitchFamily="18" charset="0"/>
+                <a:cs typeface="Times New Roman" panose="02020603050405020304" pitchFamily="18" charset="0"/>
+              </a:rPr>
+              <a:t>);</a:t>
+            </a:r>
+          </a:p>
+          <a:p>
+            <a:pPr marL="109728" indent="0">
+              <a:buNone/>
+            </a:pPr>
+            <a:r>
+              <a:rPr lang="en-US" sz="1600" dirty="0" err="1" smtClean="0">
+                <a:solidFill>
+                  <a:schemeClr val="tx1"/>
+                </a:solidFill>
+                <a:latin typeface="Times New Roman" panose="02020603050405020304" pitchFamily="18" charset="0"/>
+                <a:cs typeface="Times New Roman" panose="02020603050405020304" pitchFamily="18" charset="0"/>
+              </a:rPr>
+              <a:t>mdb.human</a:t>
+            </a:r>
+            <a:r>
+              <a:rPr lang="en-US" sz="1600" dirty="0" smtClean="0">
+                <a:solidFill>
+                  <a:schemeClr val="tx1"/>
+                </a:solidFill>
+                <a:latin typeface="Times New Roman" panose="02020603050405020304" pitchFamily="18" charset="0"/>
+                <a:cs typeface="Times New Roman" panose="02020603050405020304" pitchFamily="18" charset="0"/>
+              </a:rPr>
+              <a:t> </a:t>
+            </a:r>
+            <a:r>
+              <a:rPr lang="en-US" sz="1600" dirty="0">
+                <a:solidFill>
+                  <a:schemeClr val="tx1"/>
+                </a:solidFill>
+                <a:latin typeface="Times New Roman" panose="02020603050405020304" pitchFamily="18" charset="0"/>
+                <a:cs typeface="Times New Roman" panose="02020603050405020304" pitchFamily="18" charset="0"/>
+              </a:rPr>
+              <a:t>&lt;- query(</a:t>
+            </a:r>
+            <a:r>
+              <a:rPr lang="en-US" sz="1600" dirty="0" err="1">
+                <a:solidFill>
+                  <a:schemeClr val="tx1"/>
+                </a:solidFill>
+                <a:latin typeface="Times New Roman" panose="02020603050405020304" pitchFamily="18" charset="0"/>
+                <a:cs typeface="Times New Roman" panose="02020603050405020304" pitchFamily="18" charset="0"/>
+              </a:rPr>
+              <a:t>MotifDb</a:t>
+            </a:r>
+            <a:r>
+              <a:rPr lang="en-US" sz="1600" dirty="0">
+                <a:solidFill>
+                  <a:schemeClr val="tx1"/>
+                </a:solidFill>
+                <a:latin typeface="Times New Roman" panose="02020603050405020304" pitchFamily="18" charset="0"/>
+                <a:cs typeface="Times New Roman" panose="02020603050405020304" pitchFamily="18" charset="0"/>
+              </a:rPr>
+              <a:t>, '</a:t>
+            </a:r>
+            <a:r>
+              <a:rPr lang="en-US" sz="1600" dirty="0" err="1">
+                <a:solidFill>
+                  <a:schemeClr val="tx1"/>
+                </a:solidFill>
+                <a:latin typeface="Times New Roman" panose="02020603050405020304" pitchFamily="18" charset="0"/>
+                <a:cs typeface="Times New Roman" panose="02020603050405020304" pitchFamily="18" charset="0"/>
+              </a:rPr>
+              <a:t>hsapiens</a:t>
+            </a:r>
+            <a:r>
+              <a:rPr lang="en-US" sz="1600" dirty="0">
+                <a:solidFill>
+                  <a:schemeClr val="tx1"/>
+                </a:solidFill>
+                <a:latin typeface="Times New Roman" panose="02020603050405020304" pitchFamily="18" charset="0"/>
+                <a:cs typeface="Times New Roman" panose="02020603050405020304" pitchFamily="18" charset="0"/>
+              </a:rPr>
+              <a:t>');</a:t>
+            </a:r>
+          </a:p>
+          <a:p>
+            <a:pPr marL="109728" indent="0">
+              <a:buNone/>
+            </a:pPr>
+            <a:r>
+              <a:rPr lang="en-US" sz="1600" dirty="0" smtClean="0">
+                <a:solidFill>
+                  <a:schemeClr val="tx1"/>
+                </a:solidFill>
+                <a:latin typeface="Times New Roman" panose="02020603050405020304" pitchFamily="18" charset="0"/>
+                <a:cs typeface="Times New Roman" panose="02020603050405020304" pitchFamily="18" charset="0"/>
+              </a:rPr>
+              <a:t>tfs1 </a:t>
+            </a:r>
+            <a:r>
+              <a:rPr lang="en-US" sz="1600" dirty="0">
+                <a:solidFill>
+                  <a:schemeClr val="tx1"/>
+                </a:solidFill>
+                <a:latin typeface="Times New Roman" panose="02020603050405020304" pitchFamily="18" charset="0"/>
+                <a:cs typeface="Times New Roman" panose="02020603050405020304" pitchFamily="18" charset="0"/>
+              </a:rPr>
+              <a:t>&lt;- </a:t>
+            </a:r>
+            <a:r>
+              <a:rPr lang="en-US" sz="1600" dirty="0" err="1">
+                <a:solidFill>
+                  <a:schemeClr val="tx1"/>
+                </a:solidFill>
+                <a:latin typeface="Times New Roman" panose="02020603050405020304" pitchFamily="18" charset="0"/>
+                <a:cs typeface="Times New Roman" panose="02020603050405020304" pitchFamily="18" charset="0"/>
+              </a:rPr>
+              <a:t>tfbs.createFromMotifDb</a:t>
+            </a:r>
+            <a:r>
+              <a:rPr lang="en-US" sz="1600" dirty="0">
+                <a:solidFill>
+                  <a:schemeClr val="tx1"/>
+                </a:solidFill>
+                <a:latin typeface="Times New Roman" panose="02020603050405020304" pitchFamily="18" charset="0"/>
+                <a:cs typeface="Times New Roman" panose="02020603050405020304" pitchFamily="18" charset="0"/>
+              </a:rPr>
+              <a:t>(</a:t>
+            </a:r>
+            <a:r>
+              <a:rPr lang="en-US" sz="1600" dirty="0" err="1">
+                <a:solidFill>
+                  <a:schemeClr val="tx1"/>
+                </a:solidFill>
+                <a:latin typeface="Times New Roman" panose="02020603050405020304" pitchFamily="18" charset="0"/>
+                <a:cs typeface="Times New Roman" panose="02020603050405020304" pitchFamily="18" charset="0"/>
+              </a:rPr>
+              <a:t>mdb.human</a:t>
+            </a:r>
+            <a:r>
+              <a:rPr lang="en-US" sz="1600" dirty="0">
+                <a:solidFill>
+                  <a:schemeClr val="tx1"/>
+                </a:solidFill>
+                <a:latin typeface="Times New Roman" panose="02020603050405020304" pitchFamily="18" charset="0"/>
+                <a:cs typeface="Times New Roman" panose="02020603050405020304" pitchFamily="18" charset="0"/>
+              </a:rPr>
+              <a:t>, organism=NULL</a:t>
+            </a:r>
+            <a:r>
+              <a:rPr lang="en-US" sz="1600" dirty="0" smtClean="0">
+                <a:solidFill>
+                  <a:schemeClr val="tx1"/>
+                </a:solidFill>
+                <a:latin typeface="Times New Roman" panose="02020603050405020304" pitchFamily="18" charset="0"/>
+                <a:cs typeface="Times New Roman" panose="02020603050405020304" pitchFamily="18" charset="0"/>
+              </a:rPr>
+              <a:t>);</a:t>
+            </a:r>
+          </a:p>
+          <a:p>
+            <a:pPr marL="109728" indent="0">
+              <a:buNone/>
+            </a:pPr>
+            <a:endParaRPr lang="en-US" sz="1600" dirty="0">
+              <a:solidFill>
+                <a:schemeClr val="tx1"/>
+              </a:solidFill>
+              <a:latin typeface="Times New Roman" panose="02020603050405020304" pitchFamily="18" charset="0"/>
+              <a:cs typeface="Times New Roman" panose="02020603050405020304" pitchFamily="18" charset="0"/>
+            </a:endParaRPr>
+          </a:p>
+          <a:p>
+            <a:pPr marL="109728" indent="0">
+              <a:buNone/>
+            </a:pPr>
+            <a:r>
+              <a:rPr lang="en-US" sz="1600" dirty="0" smtClean="0">
+                <a:solidFill>
+                  <a:schemeClr val="tx1"/>
+                </a:solidFill>
+                <a:latin typeface="Times New Roman" panose="02020603050405020304" pitchFamily="18" charset="0"/>
+                <a:cs typeface="Times New Roman" panose="02020603050405020304" pitchFamily="18" charset="0"/>
+              </a:rPr>
+              <a:t>## Use the specific criteria to create a </a:t>
+            </a:r>
+            <a:r>
+              <a:rPr lang="en-US" sz="1600" dirty="0" err="1" smtClean="0">
+                <a:solidFill>
+                  <a:schemeClr val="tx1"/>
+                </a:solidFill>
+                <a:latin typeface="Times New Roman" panose="02020603050405020304" pitchFamily="18" charset="0"/>
+                <a:cs typeface="Times New Roman" panose="02020603050405020304" pitchFamily="18" charset="0"/>
+              </a:rPr>
+              <a:t>tfbs</a:t>
+            </a:r>
+            <a:r>
+              <a:rPr lang="en-US" sz="1600" dirty="0" smtClean="0">
+                <a:solidFill>
+                  <a:schemeClr val="tx1"/>
+                </a:solidFill>
+                <a:latin typeface="Times New Roman" panose="02020603050405020304" pitchFamily="18" charset="0"/>
+                <a:cs typeface="Times New Roman" panose="02020603050405020304" pitchFamily="18" charset="0"/>
+              </a:rPr>
+              <a:t> object</a:t>
+            </a:r>
+          </a:p>
+          <a:p>
+            <a:pPr marL="109728" indent="0">
+              <a:buNone/>
+            </a:pPr>
+            <a:r>
+              <a:rPr lang="en-US" sz="1600" dirty="0" smtClean="0">
+                <a:solidFill>
+                  <a:schemeClr val="tx1"/>
+                </a:solidFill>
+                <a:latin typeface="Times New Roman" panose="02020603050405020304" pitchFamily="18" charset="0"/>
+                <a:cs typeface="Times New Roman" panose="02020603050405020304" pitchFamily="18" charset="0"/>
+              </a:rPr>
+              <a:t>tfs2 </a:t>
+            </a:r>
+            <a:r>
+              <a:rPr lang="en-US" sz="1600" dirty="0">
+                <a:solidFill>
+                  <a:schemeClr val="tx1"/>
+                </a:solidFill>
+                <a:latin typeface="Times New Roman" panose="02020603050405020304" pitchFamily="18" charset="0"/>
+                <a:cs typeface="Times New Roman" panose="02020603050405020304" pitchFamily="18" charset="0"/>
+              </a:rPr>
+              <a:t>&lt;- </a:t>
+            </a:r>
+            <a:r>
+              <a:rPr lang="en-US" sz="1600" dirty="0" err="1">
+                <a:solidFill>
+                  <a:schemeClr val="tx1"/>
+                </a:solidFill>
+                <a:latin typeface="Times New Roman" panose="02020603050405020304" pitchFamily="18" charset="0"/>
+                <a:cs typeface="Times New Roman" panose="02020603050405020304" pitchFamily="18" charset="0"/>
+              </a:rPr>
+              <a:t>tfbs.createFromMotifDb</a:t>
+            </a:r>
+            <a:r>
+              <a:rPr lang="en-US" sz="1600" dirty="0">
+                <a:solidFill>
+                  <a:schemeClr val="tx1"/>
+                </a:solidFill>
+                <a:latin typeface="Times New Roman" panose="02020603050405020304" pitchFamily="18" charset="0"/>
+                <a:cs typeface="Times New Roman" panose="02020603050405020304" pitchFamily="18" charset="0"/>
+              </a:rPr>
+              <a:t>(organism = "</a:t>
+            </a:r>
+            <a:r>
+              <a:rPr lang="en-US" sz="1600" dirty="0" err="1">
+                <a:solidFill>
+                  <a:schemeClr val="tx1"/>
+                </a:solidFill>
+                <a:latin typeface="Times New Roman" panose="02020603050405020304" pitchFamily="18" charset="0"/>
+                <a:cs typeface="Times New Roman" panose="02020603050405020304" pitchFamily="18" charset="0"/>
+              </a:rPr>
+              <a:t>Hsapiens</a:t>
+            </a:r>
+            <a:r>
+              <a:rPr lang="en-US" sz="1600" dirty="0">
+                <a:solidFill>
+                  <a:schemeClr val="tx1"/>
+                </a:solidFill>
+                <a:latin typeface="Times New Roman" panose="02020603050405020304" pitchFamily="18" charset="0"/>
+                <a:cs typeface="Times New Roman" panose="02020603050405020304" pitchFamily="18" charset="0"/>
+              </a:rPr>
+              <a:t>", </a:t>
+            </a:r>
+            <a:r>
+              <a:rPr lang="en-US" sz="1600" dirty="0" err="1">
+                <a:solidFill>
+                  <a:schemeClr val="tx1"/>
+                </a:solidFill>
+                <a:latin typeface="Times New Roman" panose="02020603050405020304" pitchFamily="18" charset="0"/>
+                <a:cs typeface="Times New Roman" panose="02020603050405020304" pitchFamily="18" charset="0"/>
+              </a:rPr>
+              <a:t>tfFamily</a:t>
+            </a:r>
+            <a:r>
+              <a:rPr lang="en-US" sz="1600" dirty="0">
+                <a:solidFill>
+                  <a:schemeClr val="tx1"/>
+                </a:solidFill>
+                <a:latin typeface="Times New Roman" panose="02020603050405020304" pitchFamily="18" charset="0"/>
+                <a:cs typeface="Times New Roman" panose="02020603050405020304" pitchFamily="18" charset="0"/>
+              </a:rPr>
+              <a:t>="AP2");</a:t>
+            </a:r>
+          </a:p>
+        </p:txBody>
+      </p:sp>
+    </p:spTree>
+    <p:extLst>
+      <p:ext uri="{BB962C8B-B14F-4D97-AF65-F5344CB8AC3E}">
+        <p14:creationId xmlns:p14="http://schemas.microsoft.com/office/powerpoint/2010/main" val="2586293034"/>
+      </p:ext>
+    </p:extLst>
+  </p:cSld>
+  <p:clrMapOvr>
+    <a:masterClrMapping/>
+  </p:clrMapOvr>
+  <mc:AlternateContent xmlns:mc="http://schemas.openxmlformats.org/markup-compatibility/2006" xmlns:p14="http://schemas.microsoft.com/office/powerpoint/2010/main">
+    <mc:Choice Requires="p14">
+      <p:transition spd="med" p14:dur="700">
+        <p:fade/>
+      </p:transition>
+    </mc:Choice>
+    <mc:Fallback xmlns="">
+      <p:transition spd="med">
+        <p:fade/>
+      </p:transition>
+    </mc:Fallback>
+  </mc:AlternateContent>
+  <p:timing>
+    <p:tnLst>
+      <p:par>
+        <p:cTn id="1" dur="indefinite" restart="never" nodeType="tmRoot"/>
+      </p:par>
+    </p:tnLst>
+  </p:timing>
+</p:sld>
+</file>
+
+<file path=ppt/slides/slide12.xml><?xml version="1.0" encoding="utf-8"?>
+<p:sld xmlns:a="http://schemas.openxmlformats.org/drawingml/2006/main" xmlns:r="http://schemas.openxmlformats.org/officeDocument/2006/relationships" xmlns:p="http://schemas.openxmlformats.org/presentationml/2006/main">
+  <p:cSld>
+    <p:spTree>
+      <p:nvGrpSpPr>
+        <p:cNvPr id="1" name=""/>
+        <p:cNvGrpSpPr/>
+        <p:nvPr/>
+      </p:nvGrpSpPr>
+      <p:grpSpPr>
+        <a:xfrm>
+          <a:off x="0" y="0"/>
+          <a:ext cx="0" cy="0"/>
+          <a:chOff x="0" y="0"/>
+          <a:chExt cx="0" cy="0"/>
+        </a:xfrm>
+      </p:grpSpPr>
+      <p:sp>
+        <p:nvSpPr>
+          <p:cNvPr id="2" name="Title 1"/>
+          <p:cNvSpPr>
+            <a:spLocks noGrp="1"/>
+          </p:cNvSpPr>
+          <p:nvPr>
+            <p:ph type="title"/>
+          </p:nvPr>
+        </p:nvSpPr>
+        <p:spPr>
+          <a:xfrm>
+            <a:off x="609600" y="1143000"/>
+            <a:ext cx="10972800" cy="908002"/>
+          </a:xfrm>
+        </p:spPr>
+        <p:txBody>
+          <a:bodyPr/>
+          <a:lstStyle/>
+          <a:p>
+            <a:r>
+              <a:rPr lang="en-US" dirty="0"/>
+              <a:t>Step 2: </a:t>
+            </a:r>
+            <a:r>
+              <a:rPr lang="en-US" dirty="0" smtClean="0"/>
+              <a:t>Or importing from other data </a:t>
+            </a:r>
+            <a:r>
+              <a:rPr lang="en-US" dirty="0" smtClean="0"/>
+              <a:t>sources</a:t>
+            </a:r>
+            <a:endParaRPr lang="en-US" dirty="0"/>
+          </a:p>
+        </p:txBody>
+      </p:sp>
+      <p:sp>
+        <p:nvSpPr>
+          <p:cNvPr id="4" name="Content Placeholder 2"/>
+          <p:cNvSpPr txBox="1">
+            <a:spLocks/>
+          </p:cNvSpPr>
+          <p:nvPr/>
+        </p:nvSpPr>
+        <p:spPr>
+          <a:xfrm>
+            <a:off x="609600" y="2051001"/>
+            <a:ext cx="5045090" cy="4303145"/>
+          </a:xfrm>
+          <a:prstGeom prst="rect">
+            <a:avLst/>
+          </a:prstGeom>
+        </p:spPr>
+        <p:txBody>
+          <a:bodyPr vert="horz">
+            <a:normAutofit lnSpcReduction="10000"/>
+          </a:bodyPr>
+          <a:lstStyle>
+            <a:lvl1pPr marL="365760" indent="-256032" algn="l" rtl="0" eaLnBrk="1" latinLnBrk="0" hangingPunct="1">
+              <a:spcBef>
+                <a:spcPts val="300"/>
+              </a:spcBef>
+              <a:buClr>
+                <a:schemeClr val="accent3"/>
+              </a:buClr>
+              <a:buFont typeface="Georgia"/>
+              <a:buChar char="•"/>
+              <a:defRPr kumimoji="0" sz="2800" kern="1200">
+                <a:solidFill>
+                  <a:schemeClr val="tx2"/>
+                </a:solidFill>
+                <a:latin typeface="+mn-lt"/>
+                <a:ea typeface="+mn-ea"/>
+                <a:cs typeface="+mn-cs"/>
+              </a:defRPr>
+            </a:lvl1pPr>
+            <a:lvl2pPr marL="658368" indent="-246888" algn="l" rtl="0" eaLnBrk="1" latinLnBrk="0" hangingPunct="1">
+              <a:spcBef>
+                <a:spcPts val="300"/>
+              </a:spcBef>
+              <a:buClr>
+                <a:schemeClr val="accent2"/>
+              </a:buClr>
+              <a:buFont typeface="Georgia"/>
+              <a:buChar char="▫"/>
+              <a:defRPr kumimoji="0" sz="2600" kern="1200">
+                <a:solidFill>
+                  <a:schemeClr val="tx2"/>
+                </a:solidFill>
+                <a:latin typeface="+mn-lt"/>
+                <a:ea typeface="+mn-ea"/>
+                <a:cs typeface="+mn-cs"/>
+              </a:defRPr>
+            </a:lvl2pPr>
+            <a:lvl3pPr marL="923544" indent="-219456" algn="l" rtl="0" eaLnBrk="1" latinLnBrk="0" hangingPunct="1">
+              <a:spcBef>
+                <a:spcPts val="300"/>
+              </a:spcBef>
+              <a:buClr>
+                <a:schemeClr val="accent1"/>
+              </a:buClr>
+              <a:buFont typeface="Wingdings 2" panose="05020102010507070707" pitchFamily="18" charset="2"/>
+              <a:buChar char=""/>
+              <a:defRPr kumimoji="0" sz="2400" kern="1200">
+                <a:solidFill>
+                  <a:schemeClr val="tx2"/>
+                </a:solidFill>
+                <a:latin typeface="+mn-lt"/>
+                <a:ea typeface="+mn-ea"/>
+                <a:cs typeface="+mn-cs"/>
+              </a:defRPr>
+            </a:lvl3pPr>
+            <a:lvl4pPr marL="1179576" indent="-201168" algn="l" rtl="0" eaLnBrk="1" latinLnBrk="0" hangingPunct="1">
+              <a:spcBef>
+                <a:spcPts val="300"/>
+              </a:spcBef>
+              <a:buClr>
+                <a:schemeClr val="accent1"/>
+              </a:buClr>
+              <a:buFont typeface="Wingdings 2" panose="05020102010507070707" pitchFamily="18" charset="2"/>
+              <a:buChar char=""/>
+              <a:defRPr kumimoji="0" sz="2200" kern="1200">
+                <a:solidFill>
+                  <a:schemeClr val="tx2"/>
+                </a:solidFill>
+                <a:latin typeface="+mn-lt"/>
+                <a:ea typeface="+mn-ea"/>
+                <a:cs typeface="+mn-cs"/>
+              </a:defRPr>
+            </a:lvl4pPr>
+            <a:lvl5pPr marL="1389888" indent="-182880" algn="l" rtl="0" eaLnBrk="1" latinLnBrk="0" hangingPunct="1">
+              <a:spcBef>
+                <a:spcPts val="300"/>
+              </a:spcBef>
+              <a:buClr>
+                <a:schemeClr val="accent1"/>
+              </a:buClr>
+              <a:buFont typeface="Wingdings 2" panose="05020102010507070707" pitchFamily="18" charset="2"/>
+              <a:buChar char=""/>
+              <a:defRPr kumimoji="0" sz="2000" kern="1200">
+                <a:solidFill>
+                  <a:schemeClr val="tx2"/>
+                </a:solidFill>
+                <a:latin typeface="+mn-lt"/>
+                <a:ea typeface="+mn-ea"/>
+                <a:cs typeface="+mn-cs"/>
+              </a:defRPr>
+            </a:lvl5pPr>
+            <a:lvl6pPr marL="1609344" indent="-182880" algn="l" rtl="0" eaLnBrk="1" latinLnBrk="0" hangingPunct="1">
+              <a:spcBef>
+                <a:spcPts val="300"/>
+              </a:spcBef>
+              <a:buClr>
+                <a:schemeClr val="accent1"/>
+              </a:buClr>
+              <a:buFont typeface="Wingdings 2" panose="05020102010507070707" pitchFamily="18" charset="2"/>
+              <a:buChar char=""/>
+              <a:defRPr kumimoji="0" sz="1800" kern="1200">
+                <a:solidFill>
+                  <a:schemeClr val="tx2"/>
+                </a:solidFill>
+                <a:latin typeface="+mn-lt"/>
+                <a:ea typeface="+mn-ea"/>
+                <a:cs typeface="+mn-cs"/>
+              </a:defRPr>
+            </a:lvl6pPr>
+            <a:lvl7pPr marL="1828800" indent="-182880" algn="l" rtl="0" eaLnBrk="1" latinLnBrk="0" hangingPunct="1">
+              <a:spcBef>
+                <a:spcPts val="300"/>
+              </a:spcBef>
+              <a:buClr>
+                <a:schemeClr val="accent1"/>
+              </a:buClr>
+              <a:buFont typeface="Wingdings 2" panose="05020102010507070707" pitchFamily="18" charset="2"/>
+              <a:buChar char=""/>
+              <a:defRPr kumimoji="0" sz="1600" kern="1200">
+                <a:solidFill>
+                  <a:schemeClr val="tx2"/>
+                </a:solidFill>
+                <a:latin typeface="+mn-lt"/>
+                <a:ea typeface="+mn-ea"/>
+                <a:cs typeface="+mn-cs"/>
+              </a:defRPr>
+            </a:lvl7pPr>
+            <a:lvl8pPr marL="2029968" indent="-182880" algn="l" rtl="0" eaLnBrk="1" latinLnBrk="0" hangingPunct="1">
+              <a:spcBef>
+                <a:spcPts val="300"/>
+              </a:spcBef>
+              <a:buClr>
+                <a:schemeClr val="accent1"/>
+              </a:buClr>
+              <a:buFont typeface="Wingdings 2" panose="05020102010507070707" pitchFamily="18" charset="2"/>
+              <a:buChar char=""/>
+              <a:defRPr kumimoji="0" sz="1500" kern="1200">
+                <a:solidFill>
+                  <a:schemeClr val="tx2"/>
+                </a:solidFill>
+                <a:latin typeface="+mn-lt"/>
+                <a:ea typeface="+mn-ea"/>
+                <a:cs typeface="+mn-cs"/>
+              </a:defRPr>
+            </a:lvl8pPr>
+            <a:lvl9pPr marL="2240280" indent="-182880" algn="l" rtl="0" eaLnBrk="1" latinLnBrk="0" hangingPunct="1">
+              <a:spcBef>
+                <a:spcPts val="300"/>
+              </a:spcBef>
+              <a:buClr>
+                <a:schemeClr val="accent1"/>
+              </a:buClr>
+              <a:buFont typeface="Wingdings 2" panose="05020102010507070707" pitchFamily="18" charset="2"/>
+              <a:buChar char=""/>
+              <a:defRPr kumimoji="0" sz="1400" kern="1200" baseline="0">
+                <a:solidFill>
+                  <a:schemeClr val="tx2"/>
+                </a:solidFill>
+                <a:latin typeface="+mn-lt"/>
+                <a:ea typeface="+mn-ea"/>
+                <a:cs typeface="+mn-cs"/>
+              </a:defRPr>
+            </a:lvl9pPr>
+          </a:lstStyle>
+          <a:p>
+            <a:pPr marL="109728" indent="0">
+              <a:buNone/>
+            </a:pPr>
+            <a:r>
+              <a:rPr lang="en-US" sz="2000" dirty="0"/>
+              <a:t>If you have licensed </a:t>
+            </a:r>
+            <a:r>
+              <a:rPr lang="en-US" sz="2000" dirty="0" smtClean="0"/>
+              <a:t>motif data for missing and empty motifs in Cis-BP </a:t>
+            </a:r>
+            <a:r>
+              <a:rPr lang="en-US" sz="2000" dirty="0" smtClean="0"/>
+              <a:t>database or motif data from other data sources </a:t>
+            </a:r>
+            <a:endParaRPr lang="en-US" sz="2000" dirty="0" smtClean="0"/>
+          </a:p>
+          <a:p>
+            <a:pPr marL="109728" indent="0">
+              <a:buNone/>
+            </a:pPr>
+            <a:endParaRPr lang="en-US" sz="2000" dirty="0" smtClean="0"/>
+          </a:p>
+          <a:p>
+            <a:pPr marL="109728" indent="0">
+              <a:buNone/>
+            </a:pPr>
+            <a:r>
+              <a:rPr lang="en-US" sz="2000" dirty="0" smtClean="0"/>
+              <a:t>Importing ex</a:t>
+            </a:r>
+            <a:r>
+              <a:rPr lang="en-US" altLang="zh-CN" sz="2000" dirty="0" smtClean="0"/>
+              <a:t>ternal motif data:</a:t>
+            </a:r>
+          </a:p>
+          <a:p>
+            <a:pPr marL="566928" indent="-457200">
+              <a:buAutoNum type="arabicPeriod"/>
+            </a:pPr>
+            <a:r>
+              <a:rPr lang="en-US" altLang="zh-CN" sz="2000" dirty="0" smtClean="0"/>
+              <a:t>Licensed PWM files for Cis-BP data set</a:t>
+            </a:r>
+          </a:p>
+          <a:p>
+            <a:pPr marL="566928" indent="-457200">
+              <a:buAutoNum type="arabicPeriod"/>
+            </a:pPr>
+            <a:r>
+              <a:rPr lang="en-US" altLang="zh-CN" sz="2000" dirty="0" err="1" smtClean="0"/>
+              <a:t>Transfac</a:t>
+            </a:r>
+            <a:r>
+              <a:rPr lang="en-US" altLang="zh-CN" sz="2000" dirty="0" smtClean="0"/>
+              <a:t>, Jaspar, meme, </a:t>
+            </a:r>
+            <a:r>
+              <a:rPr lang="en-US" altLang="zh-CN" sz="2000" dirty="0" err="1" smtClean="0"/>
+              <a:t>mscan</a:t>
+            </a:r>
+            <a:r>
+              <a:rPr lang="en-US" altLang="zh-CN" sz="2000" dirty="0"/>
+              <a:t>, </a:t>
+            </a:r>
+            <a:r>
+              <a:rPr lang="en-US" altLang="zh-CN" sz="2000" dirty="0" smtClean="0"/>
+              <a:t>HOCOMOCO text file containing multiple PFM information.</a:t>
+            </a:r>
+          </a:p>
+          <a:p>
+            <a:pPr marL="566928" indent="-457200">
+              <a:buAutoNum type="arabicPeriod"/>
+            </a:pPr>
+            <a:r>
+              <a:rPr lang="en-US" altLang="zh-CN" sz="2000" dirty="0" smtClean="0"/>
+              <a:t>New released data file parsed by </a:t>
+            </a:r>
+            <a:r>
+              <a:rPr lang="en-US" altLang="zh-CN" sz="2000" i="1" dirty="0" err="1" smtClean="0"/>
+              <a:t>rtfbsdb</a:t>
+            </a:r>
+            <a:endParaRPr lang="en-US" altLang="zh-CN" sz="2000" i="1" dirty="0" smtClean="0"/>
+          </a:p>
+          <a:p>
+            <a:pPr marL="566928" indent="-457200">
+              <a:buAutoNum type="arabicPeriod"/>
+            </a:pPr>
+            <a:r>
+              <a:rPr lang="en-US" altLang="zh-CN" sz="2000" dirty="0" smtClean="0"/>
+              <a:t>User customized data file </a:t>
+            </a:r>
+          </a:p>
+          <a:p>
+            <a:pPr marL="109728" indent="0">
+              <a:buNone/>
+            </a:pPr>
+            <a:endParaRPr lang="en-US" sz="2000" dirty="0" smtClean="0"/>
+          </a:p>
+          <a:p>
+            <a:pPr marL="109728" indent="0">
+              <a:buNone/>
+            </a:pPr>
+            <a:r>
+              <a:rPr lang="en-US" sz="2000" i="1" dirty="0" smtClean="0">
+                <a:solidFill>
+                  <a:schemeClr val="tx1"/>
+                </a:solidFill>
+              </a:rPr>
+              <a:t>Simple parser implemented in the package.</a:t>
+            </a:r>
+          </a:p>
+          <a:p>
+            <a:pPr marL="109728" indent="0">
+              <a:buNone/>
+            </a:pPr>
+            <a:endParaRPr lang="en-US" sz="2000" i="1" dirty="0" smtClean="0">
+              <a:solidFill>
+                <a:schemeClr val="tx1"/>
+              </a:solidFill>
+            </a:endParaRPr>
+          </a:p>
+          <a:p>
+            <a:pPr marL="109728" indent="0">
+              <a:buNone/>
+            </a:pPr>
+            <a:endParaRPr lang="en-US" sz="2000" i="1" dirty="0" smtClean="0">
+              <a:solidFill>
+                <a:schemeClr val="tx1"/>
+              </a:solidFill>
+            </a:endParaRPr>
+          </a:p>
+          <a:p>
+            <a:pPr marL="109728" indent="0">
+              <a:buNone/>
+            </a:pPr>
+            <a:endParaRPr lang="en-US" sz="2000" dirty="0" smtClean="0"/>
+          </a:p>
+          <a:p>
+            <a:pPr marL="109728" indent="0">
+              <a:buNone/>
+            </a:pPr>
+            <a:endParaRPr lang="en-US" sz="2000" dirty="0" smtClean="0"/>
+          </a:p>
+          <a:p>
+            <a:pPr marL="109728" indent="0">
+              <a:buNone/>
+            </a:pPr>
+            <a:endParaRPr lang="en-US" sz="2000" dirty="0" smtClean="0"/>
+          </a:p>
+          <a:p>
+            <a:pPr marL="109728" indent="0">
+              <a:buNone/>
+            </a:pPr>
+            <a:endParaRPr lang="en-US" sz="2000" dirty="0" smtClean="0"/>
+          </a:p>
+          <a:p>
+            <a:pPr marL="109728" indent="0">
+              <a:buNone/>
+            </a:pPr>
+            <a:endParaRPr lang="en-US" dirty="0" smtClean="0"/>
+          </a:p>
+        </p:txBody>
+      </p:sp>
+      <p:sp>
+        <p:nvSpPr>
+          <p:cNvPr id="6" name="Content Placeholder 2"/>
+          <p:cNvSpPr>
+            <a:spLocks noGrp="1"/>
+          </p:cNvSpPr>
+          <p:nvPr>
+            <p:ph idx="1"/>
+          </p:nvPr>
+        </p:nvSpPr>
+        <p:spPr>
+          <a:xfrm>
+            <a:off x="6228784" y="2051001"/>
+            <a:ext cx="5628236" cy="4172517"/>
+          </a:xfrm>
+          <a:ln w="19050">
+            <a:solidFill>
+              <a:schemeClr val="tx1"/>
+            </a:solidFill>
+          </a:ln>
+        </p:spPr>
+        <p:txBody>
+          <a:bodyPr>
+            <a:normAutofit fontScale="85000" lnSpcReduction="20000"/>
+          </a:bodyPr>
+          <a:lstStyle/>
+          <a:p>
+            <a:pPr marL="109728" indent="0">
+              <a:buNone/>
+            </a:pPr>
+            <a:r>
+              <a:rPr lang="en-US" sz="1600" dirty="0">
+                <a:solidFill>
+                  <a:schemeClr val="tx1"/>
+                </a:solidFill>
+                <a:latin typeface="Times New Roman" panose="02020603050405020304" pitchFamily="18" charset="0"/>
+                <a:cs typeface="Times New Roman" panose="02020603050405020304" pitchFamily="18" charset="0"/>
+              </a:rPr>
+              <a:t>## </a:t>
+            </a:r>
+            <a:r>
+              <a:rPr lang="en-US" sz="1600" dirty="0" smtClean="0">
+                <a:solidFill>
+                  <a:schemeClr val="tx1"/>
+                </a:solidFill>
+                <a:latin typeface="Times New Roman" panose="02020603050405020304" pitchFamily="18" charset="0"/>
+                <a:cs typeface="Times New Roman" panose="02020603050405020304" pitchFamily="18" charset="0"/>
+              </a:rPr>
+              <a:t> Programming Notes:</a:t>
+            </a:r>
+          </a:p>
+          <a:p>
+            <a:pPr marL="109728" indent="0">
+              <a:buNone/>
+            </a:pPr>
+            <a:endParaRPr lang="en-US" sz="1600" dirty="0" smtClean="0">
+              <a:solidFill>
+                <a:schemeClr val="tx1"/>
+              </a:solidFill>
+              <a:latin typeface="Times New Roman" panose="02020603050405020304" pitchFamily="18" charset="0"/>
+              <a:cs typeface="Times New Roman" panose="02020603050405020304" pitchFamily="18" charset="0"/>
+            </a:endParaRPr>
+          </a:p>
+          <a:p>
+            <a:pPr marL="109728" indent="0">
+              <a:buNone/>
+            </a:pPr>
+            <a:r>
+              <a:rPr lang="en-US" sz="1600" dirty="0" err="1">
+                <a:solidFill>
+                  <a:schemeClr val="tx1"/>
+                </a:solidFill>
+                <a:latin typeface="Times New Roman" panose="02020603050405020304" pitchFamily="18" charset="0"/>
+                <a:cs typeface="Times New Roman" panose="02020603050405020304" pitchFamily="18" charset="0"/>
+              </a:rPr>
+              <a:t>db</a:t>
+            </a:r>
+            <a:r>
+              <a:rPr lang="en-US" sz="1600" dirty="0">
+                <a:solidFill>
+                  <a:schemeClr val="tx1"/>
+                </a:solidFill>
+                <a:latin typeface="Times New Roman" panose="02020603050405020304" pitchFamily="18" charset="0"/>
+                <a:cs typeface="Times New Roman" panose="02020603050405020304" pitchFamily="18" charset="0"/>
+              </a:rPr>
+              <a:t>  &lt;- </a:t>
+            </a:r>
+            <a:r>
+              <a:rPr lang="en-US" sz="1600" dirty="0" err="1">
+                <a:solidFill>
+                  <a:schemeClr val="tx1"/>
+                </a:solidFill>
+                <a:latin typeface="Times New Roman" panose="02020603050405020304" pitchFamily="18" charset="0"/>
+                <a:cs typeface="Times New Roman" panose="02020603050405020304" pitchFamily="18" charset="0"/>
+              </a:rPr>
+              <a:t>CisBP.extdata</a:t>
+            </a:r>
+            <a:r>
+              <a:rPr lang="en-US" sz="1600" dirty="0">
+                <a:solidFill>
+                  <a:schemeClr val="tx1"/>
+                </a:solidFill>
+                <a:latin typeface="Times New Roman" panose="02020603050405020304" pitchFamily="18" charset="0"/>
+                <a:cs typeface="Times New Roman" panose="02020603050405020304" pitchFamily="18" charset="0"/>
+              </a:rPr>
+              <a:t>("</a:t>
+            </a:r>
+            <a:r>
+              <a:rPr lang="en-US" sz="1600" dirty="0" err="1">
+                <a:solidFill>
+                  <a:schemeClr val="tx1"/>
+                </a:solidFill>
+                <a:latin typeface="Times New Roman" panose="02020603050405020304" pitchFamily="18" charset="0"/>
+                <a:cs typeface="Times New Roman" panose="02020603050405020304" pitchFamily="18" charset="0"/>
+              </a:rPr>
+              <a:t>Homo_sapiens</a:t>
+            </a:r>
+            <a:r>
+              <a:rPr lang="en-US" sz="1600" dirty="0">
+                <a:solidFill>
+                  <a:schemeClr val="tx1"/>
+                </a:solidFill>
+                <a:latin typeface="Times New Roman" panose="02020603050405020304" pitchFamily="18" charset="0"/>
+                <a:cs typeface="Times New Roman" panose="02020603050405020304" pitchFamily="18" charset="0"/>
+              </a:rPr>
+              <a:t>");</a:t>
+            </a:r>
+          </a:p>
+          <a:p>
+            <a:pPr marL="109728" indent="0">
+              <a:buNone/>
+            </a:pPr>
+            <a:r>
+              <a:rPr lang="en-US" sz="1600" dirty="0" err="1">
+                <a:solidFill>
+                  <a:schemeClr val="tx1"/>
+                </a:solidFill>
+                <a:latin typeface="Times New Roman" panose="02020603050405020304" pitchFamily="18" charset="0"/>
+                <a:cs typeface="Times New Roman" panose="02020603050405020304" pitchFamily="18" charset="0"/>
+              </a:rPr>
+              <a:t>tfs</a:t>
+            </a:r>
+            <a:r>
+              <a:rPr lang="en-US" sz="1600" dirty="0">
+                <a:solidFill>
+                  <a:schemeClr val="tx1"/>
+                </a:solidFill>
+                <a:latin typeface="Times New Roman" panose="02020603050405020304" pitchFamily="18" charset="0"/>
+                <a:cs typeface="Times New Roman" panose="02020603050405020304" pitchFamily="18" charset="0"/>
+              </a:rPr>
+              <a:t> &lt;- </a:t>
+            </a:r>
+            <a:r>
+              <a:rPr lang="en-US" sz="1600" dirty="0" err="1">
+                <a:solidFill>
+                  <a:schemeClr val="tx1"/>
+                </a:solidFill>
+                <a:latin typeface="Times New Roman" panose="02020603050405020304" pitchFamily="18" charset="0"/>
+                <a:cs typeface="Times New Roman" panose="02020603050405020304" pitchFamily="18" charset="0"/>
+              </a:rPr>
+              <a:t>tfbs.createFromCisBP</a:t>
+            </a:r>
+            <a:r>
+              <a:rPr lang="en-US" sz="1600" dirty="0">
+                <a:solidFill>
+                  <a:schemeClr val="tx1"/>
+                </a:solidFill>
+                <a:latin typeface="Times New Roman" panose="02020603050405020304" pitchFamily="18" charset="0"/>
+                <a:cs typeface="Times New Roman" panose="02020603050405020304" pitchFamily="18" charset="0"/>
+              </a:rPr>
+              <a:t>(</a:t>
+            </a:r>
+            <a:r>
+              <a:rPr lang="en-US" sz="1600" dirty="0" err="1">
+                <a:solidFill>
+                  <a:schemeClr val="tx1"/>
+                </a:solidFill>
+                <a:latin typeface="Times New Roman" panose="02020603050405020304" pitchFamily="18" charset="0"/>
+                <a:cs typeface="Times New Roman" panose="02020603050405020304" pitchFamily="18" charset="0"/>
+              </a:rPr>
+              <a:t>db</a:t>
+            </a:r>
+            <a:r>
+              <a:rPr lang="en-US" sz="1600" dirty="0">
+                <a:solidFill>
+                  <a:schemeClr val="tx1"/>
+                </a:solidFill>
+                <a:latin typeface="Times New Roman" panose="02020603050405020304" pitchFamily="18" charset="0"/>
+                <a:cs typeface="Times New Roman" panose="02020603050405020304" pitchFamily="18" charset="0"/>
+              </a:rPr>
+              <a:t>, </a:t>
+            </a:r>
+            <a:r>
+              <a:rPr lang="en-US" sz="1600" dirty="0" err="1">
+                <a:solidFill>
+                  <a:schemeClr val="tx1"/>
+                </a:solidFill>
+                <a:latin typeface="Times New Roman" panose="02020603050405020304" pitchFamily="18" charset="0"/>
+                <a:cs typeface="Times New Roman" panose="02020603050405020304" pitchFamily="18" charset="0"/>
+              </a:rPr>
+              <a:t>family_name</a:t>
+            </a:r>
+            <a:r>
+              <a:rPr lang="en-US" sz="1600" dirty="0">
+                <a:solidFill>
+                  <a:schemeClr val="tx1"/>
+                </a:solidFill>
+                <a:latin typeface="Times New Roman" panose="02020603050405020304" pitchFamily="18" charset="0"/>
+                <a:cs typeface="Times New Roman" panose="02020603050405020304" pitchFamily="18" charset="0"/>
+              </a:rPr>
+              <a:t>="AP-2");</a:t>
+            </a:r>
+          </a:p>
+          <a:p>
+            <a:pPr marL="109728" indent="0">
+              <a:buNone/>
+            </a:pPr>
+            <a:endParaRPr lang="en-US" sz="1600" dirty="0">
+              <a:solidFill>
+                <a:schemeClr val="tx1"/>
+              </a:solidFill>
+              <a:latin typeface="Times New Roman" panose="02020603050405020304" pitchFamily="18" charset="0"/>
+              <a:cs typeface="Times New Roman" panose="02020603050405020304" pitchFamily="18" charset="0"/>
+            </a:endParaRPr>
+          </a:p>
+          <a:p>
+            <a:pPr marL="109728" indent="0">
+              <a:buNone/>
+            </a:pPr>
+            <a:r>
+              <a:rPr lang="en-US" sz="1600" dirty="0">
+                <a:solidFill>
+                  <a:schemeClr val="tx1"/>
+                </a:solidFill>
+                <a:latin typeface="Times New Roman" panose="02020603050405020304" pitchFamily="18" charset="0"/>
+                <a:cs typeface="Times New Roman" panose="02020603050405020304" pitchFamily="18" charset="0"/>
+              </a:rPr>
+              <a:t>## import 2 motifs to fill the licensed motifs in Cis-BP and 1 new motif </a:t>
+            </a:r>
+            <a:endParaRPr lang="en-US" sz="1600" dirty="0" smtClean="0">
+              <a:solidFill>
+                <a:schemeClr val="tx1"/>
+              </a:solidFill>
+              <a:latin typeface="Times New Roman" panose="02020603050405020304" pitchFamily="18" charset="0"/>
+              <a:cs typeface="Times New Roman" panose="02020603050405020304" pitchFamily="18" charset="0"/>
+            </a:endParaRPr>
+          </a:p>
+          <a:p>
+            <a:pPr marL="109728" indent="0">
+              <a:buNone/>
+            </a:pPr>
+            <a:r>
+              <a:rPr lang="en-US" sz="1600" dirty="0" smtClean="0">
+                <a:solidFill>
+                  <a:schemeClr val="tx1"/>
+                </a:solidFill>
+                <a:latin typeface="Times New Roman" panose="02020603050405020304" pitchFamily="18" charset="0"/>
+                <a:cs typeface="Times New Roman" panose="02020603050405020304" pitchFamily="18" charset="0"/>
+              </a:rPr>
+              <a:t>## from </a:t>
+            </a:r>
+            <a:r>
+              <a:rPr lang="en-US" sz="1600" dirty="0">
+                <a:solidFill>
+                  <a:schemeClr val="tx1"/>
+                </a:solidFill>
+                <a:latin typeface="Times New Roman" panose="02020603050405020304" pitchFamily="18" charset="0"/>
+                <a:cs typeface="Times New Roman" panose="02020603050405020304" pitchFamily="18" charset="0"/>
+              </a:rPr>
+              <a:t>other </a:t>
+            </a:r>
+            <a:r>
+              <a:rPr lang="en-US" sz="1600" dirty="0" smtClean="0">
+                <a:solidFill>
+                  <a:schemeClr val="tx1"/>
+                </a:solidFill>
+                <a:latin typeface="Times New Roman" panose="02020603050405020304" pitchFamily="18" charset="0"/>
+                <a:cs typeface="Times New Roman" panose="02020603050405020304" pitchFamily="18" charset="0"/>
+              </a:rPr>
+              <a:t>source</a:t>
+            </a:r>
+            <a:endParaRPr lang="en-US" sz="1600" dirty="0">
+              <a:solidFill>
+                <a:schemeClr val="tx1"/>
+              </a:solidFill>
+              <a:latin typeface="Times New Roman" panose="02020603050405020304" pitchFamily="18" charset="0"/>
+              <a:cs typeface="Times New Roman" panose="02020603050405020304" pitchFamily="18" charset="0"/>
+            </a:endParaRPr>
+          </a:p>
+          <a:p>
+            <a:pPr marL="109728" indent="0">
+              <a:buNone/>
+            </a:pPr>
+            <a:r>
+              <a:rPr lang="en-US" sz="1600" dirty="0" err="1">
+                <a:solidFill>
+                  <a:schemeClr val="tx1"/>
+                </a:solidFill>
+                <a:latin typeface="Times New Roman" panose="02020603050405020304" pitchFamily="18" charset="0"/>
+                <a:cs typeface="Times New Roman" panose="02020603050405020304" pitchFamily="18" charset="0"/>
+              </a:rPr>
+              <a:t>motif_ids</a:t>
+            </a:r>
+            <a:r>
+              <a:rPr lang="en-US" sz="1600" dirty="0">
+                <a:solidFill>
+                  <a:schemeClr val="tx1"/>
+                </a:solidFill>
+                <a:latin typeface="Times New Roman" panose="02020603050405020304" pitchFamily="18" charset="0"/>
+                <a:cs typeface="Times New Roman" panose="02020603050405020304" pitchFamily="18" charset="0"/>
+              </a:rPr>
+              <a:t> &lt;- c( "M2938_1.02", "M3591_1.01", "M3590_1.01" );</a:t>
+            </a:r>
+          </a:p>
+          <a:p>
+            <a:pPr marL="109728" indent="0">
+              <a:buNone/>
+            </a:pPr>
+            <a:r>
+              <a:rPr lang="en-US" sz="1600" dirty="0">
+                <a:solidFill>
+                  <a:schemeClr val="tx1"/>
+                </a:solidFill>
+                <a:latin typeface="Times New Roman" panose="02020603050405020304" pitchFamily="18" charset="0"/>
+                <a:cs typeface="Times New Roman" panose="02020603050405020304" pitchFamily="18" charset="0"/>
+              </a:rPr>
+              <a:t>path &lt;- </a:t>
+            </a:r>
+            <a:r>
+              <a:rPr lang="en-US" sz="1600" dirty="0" err="1">
+                <a:solidFill>
+                  <a:schemeClr val="tx1"/>
+                </a:solidFill>
+                <a:latin typeface="Times New Roman" panose="02020603050405020304" pitchFamily="18" charset="0"/>
+                <a:cs typeface="Times New Roman" panose="02020603050405020304" pitchFamily="18" charset="0"/>
+              </a:rPr>
+              <a:t>system.file</a:t>
+            </a:r>
+            <a:r>
+              <a:rPr lang="en-US" sz="1600" dirty="0">
+                <a:solidFill>
+                  <a:schemeClr val="tx1"/>
+                </a:solidFill>
+                <a:latin typeface="Times New Roman" panose="02020603050405020304" pitchFamily="18" charset="0"/>
+                <a:cs typeface="Times New Roman" panose="02020603050405020304" pitchFamily="18" charset="0"/>
+              </a:rPr>
+              <a:t>("</a:t>
+            </a:r>
+            <a:r>
+              <a:rPr lang="en-US" sz="1600" dirty="0" err="1">
+                <a:solidFill>
+                  <a:schemeClr val="tx1"/>
+                </a:solidFill>
+                <a:latin typeface="Times New Roman" panose="02020603050405020304" pitchFamily="18" charset="0"/>
+                <a:cs typeface="Times New Roman" panose="02020603050405020304" pitchFamily="18" charset="0"/>
+              </a:rPr>
+              <a:t>extdata</a:t>
+            </a:r>
+            <a:r>
+              <a:rPr lang="en-US" sz="1600" dirty="0">
+                <a:solidFill>
+                  <a:schemeClr val="tx1"/>
+                </a:solidFill>
+                <a:latin typeface="Times New Roman" panose="02020603050405020304" pitchFamily="18" charset="0"/>
+                <a:cs typeface="Times New Roman" panose="02020603050405020304" pitchFamily="18" charset="0"/>
+              </a:rPr>
+              <a:t>", package="</a:t>
+            </a:r>
+            <a:r>
+              <a:rPr lang="en-US" sz="1600" dirty="0" err="1">
+                <a:solidFill>
+                  <a:schemeClr val="tx1"/>
+                </a:solidFill>
+                <a:latin typeface="Times New Roman" panose="02020603050405020304" pitchFamily="18" charset="0"/>
+                <a:cs typeface="Times New Roman" panose="02020603050405020304" pitchFamily="18" charset="0"/>
+              </a:rPr>
+              <a:t>rtfbsdb</a:t>
+            </a:r>
+            <a:r>
+              <a:rPr lang="en-US" sz="1600" dirty="0">
+                <a:solidFill>
+                  <a:schemeClr val="tx1"/>
+                </a:solidFill>
+                <a:latin typeface="Times New Roman" panose="02020603050405020304" pitchFamily="18" charset="0"/>
+                <a:cs typeface="Times New Roman" panose="02020603050405020304" pitchFamily="18" charset="0"/>
+              </a:rPr>
+              <a:t>");</a:t>
+            </a:r>
+          </a:p>
+          <a:p>
+            <a:pPr marL="109728" indent="0">
+              <a:buNone/>
+            </a:pPr>
+            <a:r>
+              <a:rPr lang="en-US" sz="1600" dirty="0" err="1">
+                <a:solidFill>
+                  <a:schemeClr val="tx1"/>
+                </a:solidFill>
+                <a:latin typeface="Times New Roman" panose="02020603050405020304" pitchFamily="18" charset="0"/>
+                <a:cs typeface="Times New Roman" panose="02020603050405020304" pitchFamily="18" charset="0"/>
+              </a:rPr>
+              <a:t>file_pwms</a:t>
+            </a:r>
+            <a:r>
+              <a:rPr lang="en-US" sz="1600" dirty="0">
+                <a:solidFill>
+                  <a:schemeClr val="tx1"/>
+                </a:solidFill>
+                <a:latin typeface="Times New Roman" panose="02020603050405020304" pitchFamily="18" charset="0"/>
+                <a:cs typeface="Times New Roman" panose="02020603050405020304" pitchFamily="18" charset="0"/>
+              </a:rPr>
+              <a:t> &lt;- paste(path, c( </a:t>
+            </a:r>
+            <a:r>
+              <a:rPr lang="en-US" sz="1600" dirty="0" smtClean="0">
+                <a:solidFill>
+                  <a:schemeClr val="tx1"/>
+                </a:solidFill>
+                <a:latin typeface="Times New Roman" panose="02020603050405020304" pitchFamily="18" charset="0"/>
+                <a:cs typeface="Times New Roman" panose="02020603050405020304" pitchFamily="18" charset="0"/>
+              </a:rPr>
+              <a:t>"</a:t>
+            </a:r>
+            <a:r>
+              <a:rPr lang="en-US" sz="1600" dirty="0">
+                <a:solidFill>
+                  <a:schemeClr val="tx1"/>
+                </a:solidFill>
+                <a:latin typeface="Times New Roman" panose="02020603050405020304" pitchFamily="18" charset="0"/>
+                <a:cs typeface="Times New Roman" panose="02020603050405020304" pitchFamily="18" charset="0"/>
+              </a:rPr>
+              <a:t>fake_M2938_1.02.pwm",</a:t>
+            </a:r>
+          </a:p>
+          <a:p>
+            <a:pPr marL="109728" indent="0">
+              <a:buNone/>
+            </a:pPr>
+            <a:r>
+              <a:rPr lang="en-US" sz="1600" dirty="0">
+                <a:solidFill>
+                  <a:schemeClr val="tx1"/>
+                </a:solidFill>
+                <a:latin typeface="Times New Roman" panose="02020603050405020304" pitchFamily="18" charset="0"/>
+                <a:cs typeface="Times New Roman" panose="02020603050405020304" pitchFamily="18" charset="0"/>
+              </a:rPr>
+              <a:t>      </a:t>
+            </a:r>
+            <a:r>
+              <a:rPr lang="en-US" sz="1600" dirty="0" smtClean="0">
+                <a:solidFill>
+                  <a:schemeClr val="tx1"/>
+                </a:solidFill>
+                <a:latin typeface="Times New Roman" panose="02020603050405020304" pitchFamily="18" charset="0"/>
+                <a:cs typeface="Times New Roman" panose="02020603050405020304" pitchFamily="18" charset="0"/>
+              </a:rPr>
+              <a:t>	"</a:t>
+            </a:r>
+            <a:r>
+              <a:rPr lang="en-US" sz="1600" dirty="0">
+                <a:solidFill>
+                  <a:schemeClr val="tx1"/>
+                </a:solidFill>
+                <a:latin typeface="Times New Roman" panose="02020603050405020304" pitchFamily="18" charset="0"/>
+                <a:cs typeface="Times New Roman" panose="02020603050405020304" pitchFamily="18" charset="0"/>
+              </a:rPr>
+              <a:t>M3591_1.01.pwm", </a:t>
+            </a:r>
+          </a:p>
+          <a:p>
+            <a:pPr marL="109728" indent="0">
+              <a:buNone/>
+            </a:pPr>
+            <a:r>
+              <a:rPr lang="en-US" sz="1600" dirty="0">
+                <a:solidFill>
+                  <a:schemeClr val="tx1"/>
+                </a:solidFill>
+                <a:latin typeface="Times New Roman" panose="02020603050405020304" pitchFamily="18" charset="0"/>
+                <a:cs typeface="Times New Roman" panose="02020603050405020304" pitchFamily="18" charset="0"/>
+              </a:rPr>
+              <a:t>      </a:t>
+            </a:r>
+            <a:r>
+              <a:rPr lang="en-US" sz="1600" dirty="0" smtClean="0">
+                <a:solidFill>
+                  <a:schemeClr val="tx1"/>
+                </a:solidFill>
+                <a:latin typeface="Times New Roman" panose="02020603050405020304" pitchFamily="18" charset="0"/>
+                <a:cs typeface="Times New Roman" panose="02020603050405020304" pitchFamily="18" charset="0"/>
+              </a:rPr>
+              <a:t>	"</a:t>
+            </a:r>
+            <a:r>
+              <a:rPr lang="en-US" sz="1600" dirty="0">
+                <a:solidFill>
+                  <a:schemeClr val="tx1"/>
+                </a:solidFill>
+                <a:latin typeface="Times New Roman" panose="02020603050405020304" pitchFamily="18" charset="0"/>
+                <a:cs typeface="Times New Roman" panose="02020603050405020304" pitchFamily="18" charset="0"/>
+              </a:rPr>
+              <a:t>M3590_1.01.pwm"), </a:t>
+            </a:r>
+            <a:r>
+              <a:rPr lang="en-US" sz="1600" dirty="0" err="1">
+                <a:solidFill>
+                  <a:schemeClr val="tx1"/>
+                </a:solidFill>
+                <a:latin typeface="Times New Roman" panose="02020603050405020304" pitchFamily="18" charset="0"/>
+                <a:cs typeface="Times New Roman" panose="02020603050405020304" pitchFamily="18" charset="0"/>
+              </a:rPr>
+              <a:t>sep</a:t>
+            </a:r>
+            <a:r>
+              <a:rPr lang="en-US" sz="1600" dirty="0">
+                <a:solidFill>
+                  <a:schemeClr val="tx1"/>
+                </a:solidFill>
+                <a:latin typeface="Times New Roman" panose="02020603050405020304" pitchFamily="18" charset="0"/>
+                <a:cs typeface="Times New Roman" panose="02020603050405020304" pitchFamily="18" charset="0"/>
+              </a:rPr>
+              <a:t>="/");</a:t>
+            </a:r>
+          </a:p>
+          <a:p>
+            <a:pPr marL="109728" indent="0">
+              <a:buNone/>
+            </a:pPr>
+            <a:r>
+              <a:rPr lang="en-US" sz="1600" dirty="0" err="1">
+                <a:solidFill>
+                  <a:schemeClr val="tx1"/>
+                </a:solidFill>
+                <a:latin typeface="Times New Roman" panose="02020603050405020304" pitchFamily="18" charset="0"/>
+                <a:cs typeface="Times New Roman" panose="02020603050405020304" pitchFamily="18" charset="0"/>
+              </a:rPr>
+              <a:t>tfs</a:t>
+            </a:r>
+            <a:r>
+              <a:rPr lang="en-US" sz="1600" dirty="0">
+                <a:solidFill>
+                  <a:schemeClr val="tx1"/>
+                </a:solidFill>
+                <a:latin typeface="Times New Roman" panose="02020603050405020304" pitchFamily="18" charset="0"/>
+                <a:cs typeface="Times New Roman" panose="02020603050405020304" pitchFamily="18" charset="0"/>
+              </a:rPr>
+              <a:t> &lt;- </a:t>
+            </a:r>
+            <a:r>
+              <a:rPr lang="en-US" sz="1600" dirty="0" err="1">
+                <a:solidFill>
+                  <a:schemeClr val="tx1"/>
+                </a:solidFill>
+                <a:latin typeface="Times New Roman" panose="02020603050405020304" pitchFamily="18" charset="0"/>
+                <a:cs typeface="Times New Roman" panose="02020603050405020304" pitchFamily="18" charset="0"/>
+              </a:rPr>
+              <a:t>tfbs.importMotifs</a:t>
+            </a:r>
+            <a:r>
+              <a:rPr lang="en-US" sz="1600" dirty="0">
+                <a:solidFill>
+                  <a:schemeClr val="tx1"/>
+                </a:solidFill>
+                <a:latin typeface="Times New Roman" panose="02020603050405020304" pitchFamily="18" charset="0"/>
+                <a:cs typeface="Times New Roman" panose="02020603050405020304" pitchFamily="18" charset="0"/>
+              </a:rPr>
+              <a:t>(</a:t>
+            </a:r>
+            <a:r>
+              <a:rPr lang="en-US" sz="1600" dirty="0" err="1">
+                <a:solidFill>
+                  <a:schemeClr val="tx1"/>
+                </a:solidFill>
+                <a:latin typeface="Times New Roman" panose="02020603050405020304" pitchFamily="18" charset="0"/>
+                <a:cs typeface="Times New Roman" panose="02020603050405020304" pitchFamily="18" charset="0"/>
+              </a:rPr>
+              <a:t>tfs</a:t>
+            </a:r>
+            <a:r>
+              <a:rPr lang="en-US" sz="1600" dirty="0">
+                <a:solidFill>
+                  <a:schemeClr val="tx1"/>
+                </a:solidFill>
+                <a:latin typeface="Times New Roman" panose="02020603050405020304" pitchFamily="18" charset="0"/>
+                <a:cs typeface="Times New Roman" panose="02020603050405020304" pitchFamily="18" charset="0"/>
+              </a:rPr>
+              <a:t>, </a:t>
+            </a:r>
+            <a:r>
+              <a:rPr lang="en-US" sz="1600" dirty="0" smtClean="0">
+                <a:solidFill>
+                  <a:schemeClr val="tx1"/>
+                </a:solidFill>
+                <a:latin typeface="Times New Roman" panose="02020603050405020304" pitchFamily="18" charset="0"/>
+                <a:cs typeface="Times New Roman" panose="02020603050405020304" pitchFamily="18" charset="0"/>
+              </a:rPr>
+              <a:t>"</a:t>
+            </a:r>
+            <a:r>
+              <a:rPr lang="en-US" sz="1600" dirty="0" err="1" smtClean="0">
+                <a:solidFill>
+                  <a:schemeClr val="tx1"/>
+                </a:solidFill>
+                <a:latin typeface="Times New Roman" panose="02020603050405020304" pitchFamily="18" charset="0"/>
+                <a:cs typeface="Times New Roman" panose="02020603050405020304" pitchFamily="18" charset="0"/>
+              </a:rPr>
+              <a:t>pwm.matrix</a:t>
+            </a:r>
+            <a:r>
+              <a:rPr lang="en-US" sz="1600" dirty="0" smtClean="0">
+                <a:solidFill>
+                  <a:schemeClr val="tx1"/>
+                </a:solidFill>
+                <a:latin typeface="Times New Roman" panose="02020603050405020304" pitchFamily="18" charset="0"/>
+                <a:cs typeface="Times New Roman" panose="02020603050405020304" pitchFamily="18" charset="0"/>
+              </a:rPr>
+              <a:t>", </a:t>
+            </a:r>
+            <a:r>
+              <a:rPr lang="en-US" sz="1600" dirty="0" err="1">
+                <a:solidFill>
+                  <a:schemeClr val="tx1"/>
+                </a:solidFill>
+                <a:latin typeface="Times New Roman" panose="02020603050405020304" pitchFamily="18" charset="0"/>
+                <a:cs typeface="Times New Roman" panose="02020603050405020304" pitchFamily="18" charset="0"/>
+              </a:rPr>
+              <a:t>file_pwms</a:t>
+            </a:r>
+            <a:r>
+              <a:rPr lang="en-US" sz="1600" dirty="0">
+                <a:solidFill>
+                  <a:schemeClr val="tx1"/>
+                </a:solidFill>
+                <a:latin typeface="Times New Roman" panose="02020603050405020304" pitchFamily="18" charset="0"/>
+                <a:cs typeface="Times New Roman" panose="02020603050405020304" pitchFamily="18" charset="0"/>
+              </a:rPr>
+              <a:t>, </a:t>
+            </a:r>
+            <a:r>
+              <a:rPr lang="en-US" sz="1600" dirty="0" err="1">
+                <a:solidFill>
+                  <a:schemeClr val="tx1"/>
+                </a:solidFill>
+                <a:latin typeface="Times New Roman" panose="02020603050405020304" pitchFamily="18" charset="0"/>
+                <a:cs typeface="Times New Roman" panose="02020603050405020304" pitchFamily="18" charset="0"/>
+              </a:rPr>
+              <a:t>motif_ids</a:t>
+            </a:r>
+            <a:r>
+              <a:rPr lang="en-US" sz="1600" dirty="0">
+                <a:solidFill>
+                  <a:schemeClr val="tx1"/>
+                </a:solidFill>
+                <a:latin typeface="Times New Roman" panose="02020603050405020304" pitchFamily="18" charset="0"/>
+                <a:cs typeface="Times New Roman" panose="02020603050405020304" pitchFamily="18" charset="0"/>
+              </a:rPr>
+              <a:t>, header=T );</a:t>
+            </a:r>
+          </a:p>
+          <a:p>
+            <a:pPr marL="109728" indent="0">
+              <a:buNone/>
+            </a:pPr>
+            <a:endParaRPr lang="en-US" sz="1600" dirty="0">
+              <a:solidFill>
+                <a:schemeClr val="tx1"/>
+              </a:solidFill>
+              <a:latin typeface="Times New Roman" panose="02020603050405020304" pitchFamily="18" charset="0"/>
+              <a:cs typeface="Times New Roman" panose="02020603050405020304" pitchFamily="18" charset="0"/>
+            </a:endParaRPr>
+          </a:p>
+          <a:p>
+            <a:pPr marL="109728" indent="0">
+              <a:buNone/>
+            </a:pPr>
+            <a:r>
+              <a:rPr lang="en-US" sz="1600" dirty="0">
+                <a:solidFill>
+                  <a:schemeClr val="tx1"/>
+                </a:solidFill>
+                <a:latin typeface="Times New Roman" panose="02020603050405020304" pitchFamily="18" charset="0"/>
+                <a:cs typeface="Times New Roman" panose="02020603050405020304" pitchFamily="18" charset="0"/>
+              </a:rPr>
+              <a:t>## import the data file in Jaspar format</a:t>
+            </a:r>
+          </a:p>
+          <a:p>
+            <a:pPr marL="109728" indent="0">
+              <a:buNone/>
+            </a:pPr>
+            <a:r>
+              <a:rPr lang="en-US" sz="1600" dirty="0" err="1">
+                <a:solidFill>
+                  <a:schemeClr val="tx1"/>
+                </a:solidFill>
+                <a:latin typeface="Times New Roman" panose="02020603050405020304" pitchFamily="18" charset="0"/>
+                <a:cs typeface="Times New Roman" panose="02020603050405020304" pitchFamily="18" charset="0"/>
+              </a:rPr>
+              <a:t>tbs</a:t>
+            </a:r>
+            <a:r>
+              <a:rPr lang="en-US" sz="1600" dirty="0">
+                <a:solidFill>
+                  <a:schemeClr val="tx1"/>
+                </a:solidFill>
+                <a:latin typeface="Times New Roman" panose="02020603050405020304" pitchFamily="18" charset="0"/>
+                <a:cs typeface="Times New Roman" panose="02020603050405020304" pitchFamily="18" charset="0"/>
+              </a:rPr>
+              <a:t> &lt;- </a:t>
+            </a:r>
+            <a:r>
+              <a:rPr lang="en-US" sz="1600" dirty="0" err="1">
+                <a:solidFill>
+                  <a:schemeClr val="tx1"/>
+                </a:solidFill>
+                <a:latin typeface="Times New Roman" panose="02020603050405020304" pitchFamily="18" charset="0"/>
+                <a:cs typeface="Times New Roman" panose="02020603050405020304" pitchFamily="18" charset="0"/>
+              </a:rPr>
+              <a:t>tfbs</a:t>
+            </a:r>
+            <a:r>
+              <a:rPr lang="en-US" sz="1600" dirty="0">
+                <a:solidFill>
+                  <a:schemeClr val="tx1"/>
+                </a:solidFill>
+                <a:latin typeface="Times New Roman" panose="02020603050405020304" pitchFamily="18" charset="0"/>
+                <a:cs typeface="Times New Roman" panose="02020603050405020304" pitchFamily="18" charset="0"/>
+              </a:rPr>
+              <a:t>();</a:t>
+            </a:r>
+          </a:p>
+          <a:p>
+            <a:pPr marL="109728" indent="0">
+              <a:buNone/>
+            </a:pPr>
+            <a:r>
+              <a:rPr lang="en-US" sz="1600" dirty="0" err="1">
+                <a:solidFill>
+                  <a:schemeClr val="tx1"/>
+                </a:solidFill>
+                <a:latin typeface="Times New Roman" panose="02020603050405020304" pitchFamily="18" charset="0"/>
+                <a:cs typeface="Times New Roman" panose="02020603050405020304" pitchFamily="18" charset="0"/>
+              </a:rPr>
+              <a:t>data.jaspar</a:t>
+            </a:r>
+            <a:r>
+              <a:rPr lang="en-US" sz="1600" dirty="0">
+                <a:solidFill>
+                  <a:schemeClr val="tx1"/>
+                </a:solidFill>
+                <a:latin typeface="Times New Roman" panose="02020603050405020304" pitchFamily="18" charset="0"/>
+                <a:cs typeface="Times New Roman" panose="02020603050405020304" pitchFamily="18" charset="0"/>
+              </a:rPr>
+              <a:t> &lt;- </a:t>
+            </a:r>
+            <a:r>
+              <a:rPr lang="en-US" sz="1600" dirty="0" err="1">
+                <a:solidFill>
+                  <a:schemeClr val="tx1"/>
+                </a:solidFill>
+                <a:latin typeface="Times New Roman" panose="02020603050405020304" pitchFamily="18" charset="0"/>
+                <a:cs typeface="Times New Roman" panose="02020603050405020304" pitchFamily="18" charset="0"/>
+              </a:rPr>
+              <a:t>system.file</a:t>
+            </a:r>
+            <a:r>
+              <a:rPr lang="en-US" sz="1600" dirty="0">
+                <a:solidFill>
+                  <a:schemeClr val="tx1"/>
+                </a:solidFill>
+                <a:latin typeface="Times New Roman" panose="02020603050405020304" pitchFamily="18" charset="0"/>
+                <a:cs typeface="Times New Roman" panose="02020603050405020304" pitchFamily="18" charset="0"/>
+              </a:rPr>
+              <a:t>("</a:t>
+            </a:r>
+            <a:r>
+              <a:rPr lang="en-US" sz="1600" dirty="0" err="1">
+                <a:solidFill>
+                  <a:schemeClr val="tx1"/>
+                </a:solidFill>
+                <a:latin typeface="Times New Roman" panose="02020603050405020304" pitchFamily="18" charset="0"/>
+                <a:cs typeface="Times New Roman" panose="02020603050405020304" pitchFamily="18" charset="0"/>
+              </a:rPr>
+              <a:t>extdata</a:t>
+            </a:r>
+            <a:r>
+              <a:rPr lang="en-US" sz="1600" dirty="0">
+                <a:solidFill>
+                  <a:schemeClr val="tx1"/>
+                </a:solidFill>
+                <a:latin typeface="Times New Roman" panose="02020603050405020304" pitchFamily="18" charset="0"/>
+                <a:cs typeface="Times New Roman" panose="02020603050405020304" pitchFamily="18" charset="0"/>
+              </a:rPr>
+              <a:t>", "pwm.example.jaspar.2015.txt", </a:t>
+            </a:r>
+            <a:r>
+              <a:rPr lang="en-US" sz="1600" dirty="0" smtClean="0">
+                <a:solidFill>
+                  <a:schemeClr val="tx1"/>
+                </a:solidFill>
+                <a:latin typeface="Times New Roman" panose="02020603050405020304" pitchFamily="18" charset="0"/>
+                <a:cs typeface="Times New Roman" panose="02020603050405020304" pitchFamily="18" charset="0"/>
+              </a:rPr>
+              <a:t>	package</a:t>
+            </a:r>
+            <a:r>
+              <a:rPr lang="en-US" sz="1600" dirty="0">
+                <a:solidFill>
+                  <a:schemeClr val="tx1"/>
+                </a:solidFill>
+                <a:latin typeface="Times New Roman" panose="02020603050405020304" pitchFamily="18" charset="0"/>
+                <a:cs typeface="Times New Roman" panose="02020603050405020304" pitchFamily="18" charset="0"/>
+              </a:rPr>
+              <a:t>="</a:t>
+            </a:r>
+            <a:r>
+              <a:rPr lang="en-US" sz="1600" dirty="0" err="1">
+                <a:solidFill>
+                  <a:schemeClr val="tx1"/>
+                </a:solidFill>
+                <a:latin typeface="Times New Roman" panose="02020603050405020304" pitchFamily="18" charset="0"/>
+                <a:cs typeface="Times New Roman" panose="02020603050405020304" pitchFamily="18" charset="0"/>
+              </a:rPr>
+              <a:t>rtfbsdb</a:t>
+            </a:r>
+            <a:r>
+              <a:rPr lang="en-US" sz="1600" dirty="0">
+                <a:solidFill>
+                  <a:schemeClr val="tx1"/>
+                </a:solidFill>
+                <a:latin typeface="Times New Roman" panose="02020603050405020304" pitchFamily="18" charset="0"/>
+                <a:cs typeface="Times New Roman" panose="02020603050405020304" pitchFamily="18" charset="0"/>
+              </a:rPr>
+              <a:t>");</a:t>
+            </a:r>
+          </a:p>
+          <a:p>
+            <a:pPr marL="109728" indent="0">
+              <a:buNone/>
+            </a:pPr>
+            <a:r>
+              <a:rPr lang="en-US" sz="1600" dirty="0" err="1">
+                <a:solidFill>
+                  <a:schemeClr val="tx1"/>
+                </a:solidFill>
+                <a:latin typeface="Times New Roman" panose="02020603050405020304" pitchFamily="18" charset="0"/>
+                <a:cs typeface="Times New Roman" panose="02020603050405020304" pitchFamily="18" charset="0"/>
+              </a:rPr>
+              <a:t>tfs.jaspar</a:t>
+            </a:r>
+            <a:r>
+              <a:rPr lang="en-US" sz="1600" dirty="0">
+                <a:solidFill>
+                  <a:schemeClr val="tx1"/>
+                </a:solidFill>
+                <a:latin typeface="Times New Roman" panose="02020603050405020304" pitchFamily="18" charset="0"/>
+                <a:cs typeface="Times New Roman" panose="02020603050405020304" pitchFamily="18" charset="0"/>
+              </a:rPr>
+              <a:t> &lt;- </a:t>
+            </a:r>
+            <a:r>
+              <a:rPr lang="en-US" sz="1600" dirty="0" err="1">
+                <a:solidFill>
+                  <a:schemeClr val="tx1"/>
+                </a:solidFill>
+                <a:latin typeface="Times New Roman" panose="02020603050405020304" pitchFamily="18" charset="0"/>
+                <a:cs typeface="Times New Roman" panose="02020603050405020304" pitchFamily="18" charset="0"/>
+              </a:rPr>
+              <a:t>tfbs.importMotifs</a:t>
+            </a:r>
+            <a:r>
+              <a:rPr lang="en-US" sz="1600" dirty="0">
+                <a:solidFill>
+                  <a:schemeClr val="tx1"/>
+                </a:solidFill>
+                <a:latin typeface="Times New Roman" panose="02020603050405020304" pitchFamily="18" charset="0"/>
+                <a:cs typeface="Times New Roman" panose="02020603050405020304" pitchFamily="18" charset="0"/>
+              </a:rPr>
+              <a:t>(</a:t>
+            </a:r>
+            <a:r>
+              <a:rPr lang="en-US" sz="1600" dirty="0" err="1">
+                <a:solidFill>
+                  <a:schemeClr val="tx1"/>
+                </a:solidFill>
+                <a:latin typeface="Times New Roman" panose="02020603050405020304" pitchFamily="18" charset="0"/>
+                <a:cs typeface="Times New Roman" panose="02020603050405020304" pitchFamily="18" charset="0"/>
+              </a:rPr>
+              <a:t>tfs</a:t>
+            </a:r>
+            <a:r>
+              <a:rPr lang="en-US" sz="1600" dirty="0">
+                <a:solidFill>
+                  <a:schemeClr val="tx1"/>
+                </a:solidFill>
+                <a:latin typeface="Times New Roman" panose="02020603050405020304" pitchFamily="18" charset="0"/>
+                <a:cs typeface="Times New Roman" panose="02020603050405020304" pitchFamily="18" charset="0"/>
+              </a:rPr>
+              <a:t>, "</a:t>
+            </a:r>
+            <a:r>
+              <a:rPr lang="en-US" sz="1600" dirty="0" err="1">
+                <a:solidFill>
+                  <a:schemeClr val="tx1"/>
+                </a:solidFill>
+                <a:latin typeface="Times New Roman" panose="02020603050405020304" pitchFamily="18" charset="0"/>
+                <a:cs typeface="Times New Roman" panose="02020603050405020304" pitchFamily="18" charset="0"/>
+              </a:rPr>
+              <a:t>jaspar</a:t>
+            </a:r>
+            <a:r>
+              <a:rPr lang="en-US" sz="1600" dirty="0">
+                <a:solidFill>
+                  <a:schemeClr val="tx1"/>
+                </a:solidFill>
+                <a:latin typeface="Times New Roman" panose="02020603050405020304" pitchFamily="18" charset="0"/>
+                <a:cs typeface="Times New Roman" panose="02020603050405020304" pitchFamily="18" charset="0"/>
+              </a:rPr>
+              <a:t>", </a:t>
+            </a:r>
+            <a:r>
+              <a:rPr lang="en-US" sz="1600" dirty="0" err="1">
+                <a:solidFill>
+                  <a:schemeClr val="tx1"/>
+                </a:solidFill>
+                <a:latin typeface="Times New Roman" panose="02020603050405020304" pitchFamily="18" charset="0"/>
+                <a:cs typeface="Times New Roman" panose="02020603050405020304" pitchFamily="18" charset="0"/>
+              </a:rPr>
+              <a:t>data.jaspar</a:t>
+            </a:r>
+            <a:r>
+              <a:rPr lang="en-US" sz="1600" dirty="0">
+                <a:solidFill>
+                  <a:schemeClr val="tx1"/>
+                </a:solidFill>
+                <a:latin typeface="Times New Roman" panose="02020603050405020304" pitchFamily="18" charset="0"/>
+                <a:cs typeface="Times New Roman" panose="02020603050405020304" pitchFamily="18" charset="0"/>
+              </a:rPr>
+              <a:t>, </a:t>
+            </a:r>
+            <a:r>
+              <a:rPr lang="en-US" sz="1600" dirty="0" err="1">
+                <a:solidFill>
+                  <a:schemeClr val="tx1"/>
+                </a:solidFill>
+                <a:latin typeface="Times New Roman" panose="02020603050405020304" pitchFamily="18" charset="0"/>
+                <a:cs typeface="Times New Roman" panose="02020603050405020304" pitchFamily="18" charset="0"/>
+              </a:rPr>
+              <a:t>skip.lines</a:t>
+            </a:r>
+            <a:r>
+              <a:rPr lang="en-US" sz="1600" dirty="0">
+                <a:solidFill>
+                  <a:schemeClr val="tx1"/>
+                </a:solidFill>
+                <a:latin typeface="Times New Roman" panose="02020603050405020304" pitchFamily="18" charset="0"/>
+                <a:cs typeface="Times New Roman" panose="02020603050405020304" pitchFamily="18" charset="0"/>
+              </a:rPr>
+              <a:t>=0</a:t>
+            </a:r>
+            <a:r>
+              <a:rPr lang="en-US" sz="1600" dirty="0" smtClean="0">
+                <a:solidFill>
+                  <a:schemeClr val="tx1"/>
+                </a:solidFill>
+                <a:latin typeface="Times New Roman" panose="02020603050405020304" pitchFamily="18" charset="0"/>
+                <a:cs typeface="Times New Roman" panose="02020603050405020304" pitchFamily="18" charset="0"/>
+              </a:rPr>
+              <a:t>);</a:t>
+            </a:r>
+            <a:endParaRPr lang="en-US" sz="1600" dirty="0">
+              <a:solidFill>
+                <a:schemeClr val="tx1"/>
+              </a:solidFill>
+              <a:latin typeface="Times New Roman" panose="02020603050405020304" pitchFamily="18" charset="0"/>
+              <a:cs typeface="Times New Roman" panose="02020603050405020304" pitchFamily="18" charset="0"/>
+            </a:endParaRPr>
+          </a:p>
+        </p:txBody>
+      </p:sp>
+    </p:spTree>
+    <p:extLst>
+      <p:ext uri="{BB962C8B-B14F-4D97-AF65-F5344CB8AC3E}">
+        <p14:creationId xmlns:p14="http://schemas.microsoft.com/office/powerpoint/2010/main" val="3537234432"/>
+      </p:ext>
+    </p:extLst>
+  </p:cSld>
+  <p:clrMapOvr>
+    <a:masterClrMapping/>
+  </p:clrMapOvr>
+  <mc:AlternateContent xmlns:mc="http://schemas.openxmlformats.org/markup-compatibility/2006" xmlns:p14="http://schemas.microsoft.com/office/powerpoint/2010/main">
+    <mc:Choice Requires="p14">
+      <p:transition spd="med" p14:dur="700">
+        <p:fade/>
+      </p:transition>
+    </mc:Choice>
+    <mc:Fallback xmlns="">
+      <p:transition spd="med">
+        <p:fade/>
+      </p:transition>
+    </mc:Fallback>
+  </mc:AlternateContent>
+  <p:timing>
+    <p:tnLst>
+      <p:par>
+        <p:cTn id="1" dur="indefinite" restart="never" nodeType="tmRoot"/>
+      </p:par>
+    </p:tnLst>
+  </p:timing>
+</p:sld>
+</file>
+
+<file path=ppt/slides/slide13.xml><?xml version="1.0" encoding="utf-8"?>
+<p:sld xmlns:a="http://schemas.openxmlformats.org/drawingml/2006/main" xmlns:r="http://schemas.openxmlformats.org/officeDocument/2006/relationships" xmlns:p="http://schemas.openxmlformats.org/presentationml/2006/main">
+  <p:cSld>
+    <p:spTree>
+      <p:nvGrpSpPr>
+        <p:cNvPr id="1" name=""/>
+        <p:cNvGrpSpPr/>
+        <p:nvPr/>
+      </p:nvGrpSpPr>
+      <p:grpSpPr>
+        <a:xfrm>
+          <a:off x="0" y="0"/>
+          <a:ext cx="0" cy="0"/>
+          <a:chOff x="0" y="0"/>
+          <a:chExt cx="0" cy="0"/>
+        </a:xfrm>
+      </p:grpSpPr>
+      <p:sp>
+        <p:nvSpPr>
           <p:cNvPr id="6" name="Text Placeholder 5"/>
           <p:cNvSpPr>
             <a:spLocks noGrp="1"/>
@@ -6848,7 +10311,7 @@
 </p:sld>
 </file>
 
-<file path=ppt/slides/slide11.xml><?xml version="1.0" encoding="utf-8"?>
+<file path=ppt/slides/slide14.xml><?xml version="1.0" encoding="utf-8"?>
 <p:sld xmlns:a="http://schemas.openxmlformats.org/drawingml/2006/main" xmlns:r="http://schemas.openxmlformats.org/officeDocument/2006/relationships" xmlns:p="http://schemas.openxmlformats.org/presentationml/2006/main">
   <p:cSld>
     <p:spTree>
@@ -7019,7 +10482,7 @@
 </p:sld>
 </file>
 
-<file path=ppt/slides/slide12.xml><?xml version="1.0" encoding="utf-8"?>
+<file path=ppt/slides/slide15.xml><?xml version="1.0" encoding="utf-8"?>
 <p:sld xmlns:a="http://schemas.openxmlformats.org/drawingml/2006/main" xmlns:r="http://schemas.openxmlformats.org/officeDocument/2006/relationships" xmlns:p="http://schemas.openxmlformats.org/presentationml/2006/main">
   <p:cSld>
     <p:spTree>
@@ -7436,7 +10899,7 @@
 </p:sld>
 </file>
 
-<file path=ppt/slides/slide13.xml><?xml version="1.0" encoding="utf-8"?>
+<file path=ppt/slides/slide16.xml><?xml version="1.0" encoding="utf-8"?>
 <p:sld xmlns:a="http://schemas.openxmlformats.org/drawingml/2006/main" xmlns:r="http://schemas.openxmlformats.org/officeDocument/2006/relationships" xmlns:p="http://schemas.openxmlformats.org/presentationml/2006/main">
   <p:cSld>
     <p:spTree>
@@ -8230,7 +11693,7 @@
 </p:sld>
 </file>
 
-<file path=ppt/slides/slide14.xml><?xml version="1.0" encoding="utf-8"?>
+<file path=ppt/slides/slide17.xml><?xml version="1.0" encoding="utf-8"?>
 <p:sld xmlns:a="http://schemas.openxmlformats.org/drawingml/2006/main" xmlns:r="http://schemas.openxmlformats.org/officeDocument/2006/relationships" xmlns:p="http://schemas.openxmlformats.org/presentationml/2006/main">
   <p:cSld>
     <p:spTree>
@@ -8393,7 +11856,7 @@
 </p:sld>
 </file>
 
-<file path=ppt/slides/slide15.xml><?xml version="1.0" encoding="utf-8"?>
+<file path=ppt/slides/slide18.xml><?xml version="1.0" encoding="utf-8"?>
 <p:sld xmlns:a="http://schemas.openxmlformats.org/drawingml/2006/main" xmlns:r="http://schemas.openxmlformats.org/officeDocument/2006/relationships" xmlns:p="http://schemas.openxmlformats.org/presentationml/2006/main">
   <p:cSld>
     <p:spTree>
@@ -9547,7 +13010,7 @@
 </p:sld>
 </file>
 
-<file path=ppt/slides/slide16.xml><?xml version="1.0" encoding="utf-8"?>
+<file path=ppt/slides/slide19.xml><?xml version="1.0" encoding="utf-8"?>
 <p:sld xmlns:a="http://schemas.openxmlformats.org/drawingml/2006/main" xmlns:r="http://schemas.openxmlformats.org/officeDocument/2006/relationships" xmlns:p="http://schemas.openxmlformats.org/presentationml/2006/main">
   <p:cSld>
     <p:spTree>
@@ -10351,7 +13814,159 @@
 </p:sld>
 </file>
 
-<file path=ppt/slides/slide17.xml><?xml version="1.0" encoding="utf-8"?>
+<file path=ppt/slides/slide2.xml><?xml version="1.0" encoding="utf-8"?>
+<p:sld xmlns:a="http://schemas.openxmlformats.org/drawingml/2006/main" xmlns:r="http://schemas.openxmlformats.org/officeDocument/2006/relationships" xmlns:p="http://schemas.openxmlformats.org/presentationml/2006/main">
+  <p:cSld>
+    <p:spTree>
+      <p:nvGrpSpPr>
+        <p:cNvPr id="1" name=""/>
+        <p:cNvGrpSpPr/>
+        <p:nvPr/>
+      </p:nvGrpSpPr>
+      <p:grpSpPr>
+        <a:xfrm>
+          <a:off x="0" y="0"/>
+          <a:ext cx="0" cy="0"/>
+          <a:chOff x="0" y="0"/>
+          <a:chExt cx="0" cy="0"/>
+        </a:xfrm>
+      </p:grpSpPr>
+      <p:sp>
+        <p:nvSpPr>
+          <p:cNvPr id="3" name="Content Placeholder 2"/>
+          <p:cNvSpPr>
+            <a:spLocks noGrp="1"/>
+          </p:cNvSpPr>
+          <p:nvPr>
+            <p:ph idx="1"/>
+          </p:nvPr>
+        </p:nvSpPr>
+        <p:spPr/>
+        <p:txBody>
+          <a:bodyPr/>
+          <a:lstStyle/>
+          <a:p>
+            <a:r>
+              <a:rPr lang="en-US" dirty="0" smtClean="0"/>
+              <a:t>Provides a framework to integrate the Cis-BP database and the statistical model in the </a:t>
+            </a:r>
+            <a:r>
+              <a:rPr lang="en-US" i="1" dirty="0" err="1" smtClean="0"/>
+              <a:t>rtfbs</a:t>
+            </a:r>
+            <a:r>
+              <a:rPr lang="en-US" dirty="0" smtClean="0"/>
+              <a:t> package.</a:t>
+            </a:r>
+          </a:p>
+          <a:p>
+            <a:r>
+              <a:rPr lang="en-US" dirty="0" smtClean="0"/>
+              <a:t>Designed a pipeline to implement the following goals:</a:t>
+            </a:r>
+          </a:p>
+          <a:p>
+            <a:pPr lvl="1"/>
+            <a:r>
+              <a:rPr lang="en-US" dirty="0" smtClean="0"/>
+              <a:t>1) Loading and filtering motif data from </a:t>
+            </a:r>
+            <a:r>
+              <a:rPr lang="en-US" b="1" dirty="0" smtClean="0"/>
+              <a:t>Cis-BP</a:t>
+            </a:r>
+            <a:r>
+              <a:rPr lang="en-US" dirty="0" smtClean="0"/>
+              <a:t> database, </a:t>
+            </a:r>
+            <a:r>
+              <a:rPr lang="en-US" b="1" dirty="0" err="1" smtClean="0"/>
+              <a:t>MotifDb</a:t>
+            </a:r>
+            <a:r>
+              <a:rPr lang="en-US" dirty="0" smtClean="0"/>
+              <a:t> package, or other data source. </a:t>
+            </a:r>
+          </a:p>
+          <a:p>
+            <a:pPr lvl="1"/>
+            <a:r>
+              <a:rPr lang="en-US" dirty="0" smtClean="0"/>
+              <a:t>2) Searching the genome for motif occurrences.</a:t>
+            </a:r>
+          </a:p>
+          <a:p>
+            <a:pPr lvl="1"/>
+            <a:r>
+              <a:rPr lang="en-US" dirty="0" smtClean="0"/>
+              <a:t>3) Identifying motifs enriched between two sets of genomic loci.</a:t>
+            </a:r>
+          </a:p>
+          <a:p>
+            <a:pPr lvl="1"/>
+            <a:r>
+              <a:rPr lang="en-US" dirty="0" smtClean="0"/>
+              <a:t>4) Visualizing motif data by heat-map, motif logos and reports.</a:t>
+            </a:r>
+          </a:p>
+        </p:txBody>
+      </p:sp>
+      <p:sp>
+        <p:nvSpPr>
+          <p:cNvPr id="2" name="Title 1"/>
+          <p:cNvSpPr>
+            <a:spLocks noGrp="1"/>
+          </p:cNvSpPr>
+          <p:nvPr>
+            <p:ph type="title"/>
+          </p:nvPr>
+        </p:nvSpPr>
+        <p:spPr/>
+        <p:txBody>
+          <a:bodyPr/>
+          <a:lstStyle/>
+          <a:p>
+            <a:r>
+              <a:rPr lang="en-US" dirty="0" smtClean="0"/>
+              <a:t>Features:</a:t>
+            </a:r>
+            <a:endParaRPr lang="en-US" dirty="0"/>
+          </a:p>
+        </p:txBody>
+      </p:sp>
+    </p:spTree>
+    <p:extLst>
+      <p:ext uri="{BB962C8B-B14F-4D97-AF65-F5344CB8AC3E}">
+        <p14:creationId xmlns:p14="http://schemas.microsoft.com/office/powerpoint/2010/main" val="1851896080"/>
+      </p:ext>
+    </p:extLst>
+  </p:cSld>
+  <p:clrMapOvr>
+    <a:masterClrMapping/>
+  </p:clrMapOvr>
+  <mc:AlternateContent xmlns:mc="http://schemas.openxmlformats.org/markup-compatibility/2006" xmlns:p14="http://schemas.microsoft.com/office/powerpoint/2010/main">
+    <mc:Choice Requires="p14">
+      <p:transition spd="med" p14:dur="700">
+        <p:fade/>
+      </p:transition>
+    </mc:Choice>
+    <mc:Fallback xmlns="">
+      <p:transition spd="med">
+        <p:fade/>
+      </p:transition>
+    </mc:Fallback>
+  </mc:AlternateContent>
+  <p:timing>
+    <p:tnLst>
+      <p:par>
+        <p:cTn id="1" dur="indefinite" restart="never" nodeType="tmRoot"/>
+      </p:par>
+    </p:tnLst>
+  </p:timing>
+</p:sld>
+</file>
+
+<file path=ppt/slides/slide20.xml><?xml version="1.0" encoding="utf-8"?>
 <p:sld xmlns:a="http://schemas.openxmlformats.org/drawingml/2006/main" xmlns:r="http://schemas.openxmlformats.org/officeDocument/2006/relationships" xmlns:p="http://schemas.openxmlformats.org/presentationml/2006/main">
   <p:cSld>
     <p:spTree>
@@ -10699,7 +14314,7 @@
 </p:sld>
 </file>
 
-<file path=ppt/slides/slide18.xml><?xml version="1.0" encoding="utf-8"?>
+<file path=ppt/slides/slide21.xml><?xml version="1.0" encoding="utf-8"?>
 <p:sld xmlns:a="http://schemas.openxmlformats.org/drawingml/2006/main" xmlns:r="http://schemas.openxmlformats.org/officeDocument/2006/relationships" xmlns:p="http://schemas.openxmlformats.org/presentationml/2006/main">
   <p:cSld>
     <p:spTree>
@@ -11996,7 +15611,7 @@
 </p:sld>
 </file>
 
-<file path=ppt/slides/slide19.xml><?xml version="1.0" encoding="utf-8"?>
+<file path=ppt/slides/slide22.xml><?xml version="1.0" encoding="utf-8"?>
 <p:sld xmlns:a="http://schemas.openxmlformats.org/drawingml/2006/main" xmlns:r="http://schemas.openxmlformats.org/officeDocument/2006/relationships" xmlns:p="http://schemas.openxmlformats.org/presentationml/2006/main">
   <p:cSld>
     <p:spTree>
@@ -12295,151 +15910,7 @@
 </p:sld>
 </file>
 
-<file path=ppt/slides/slide2.xml><?xml version="1.0" encoding="utf-8"?>
-<p:sld xmlns:a="http://schemas.openxmlformats.org/drawingml/2006/main" xmlns:r="http://schemas.openxmlformats.org/officeDocument/2006/relationships" xmlns:p="http://schemas.openxmlformats.org/presentationml/2006/main">
-  <p:cSld>
-    <p:spTree>
-      <p:nvGrpSpPr>
-        <p:cNvPr id="1" name=""/>
-        <p:cNvGrpSpPr/>
-        <p:nvPr/>
-      </p:nvGrpSpPr>
-      <p:grpSpPr>
-        <a:xfrm>
-          <a:off x="0" y="0"/>
-          <a:ext cx="0" cy="0"/>
-          <a:chOff x="0" y="0"/>
-          <a:chExt cx="0" cy="0"/>
-        </a:xfrm>
-      </p:grpSpPr>
-      <p:sp>
-        <p:nvSpPr>
-          <p:cNvPr id="3" name="Content Placeholder 2"/>
-          <p:cNvSpPr>
-            <a:spLocks noGrp="1"/>
-          </p:cNvSpPr>
-          <p:nvPr>
-            <p:ph idx="1"/>
-          </p:nvPr>
-        </p:nvSpPr>
-        <p:spPr/>
-        <p:txBody>
-          <a:bodyPr/>
-          <a:lstStyle/>
-          <a:p>
-            <a:r>
-              <a:rPr lang="en-US" dirty="0" smtClean="0"/>
-              <a:t>Provides a framework to integrate the Cis-BP database and the statistical model in the </a:t>
-            </a:r>
-            <a:r>
-              <a:rPr lang="en-US" i="1" dirty="0" err="1" smtClean="0"/>
-              <a:t>rtfbs</a:t>
-            </a:r>
-            <a:r>
-              <a:rPr lang="en-US" dirty="0" smtClean="0"/>
-              <a:t> package.</a:t>
-            </a:r>
-          </a:p>
-          <a:p>
-            <a:r>
-              <a:rPr lang="en-US" dirty="0" smtClean="0"/>
-              <a:t>Designed a pipeline to implement the following goals:</a:t>
-            </a:r>
-          </a:p>
-          <a:p>
-            <a:pPr lvl="1"/>
-            <a:r>
-              <a:rPr lang="en-US" dirty="0" smtClean="0"/>
-              <a:t>1) Loading and filtering motif data from </a:t>
-            </a:r>
-            <a:r>
-              <a:rPr lang="en-US" dirty="0" err="1" smtClean="0"/>
-              <a:t>Cis</a:t>
-            </a:r>
-            <a:r>
-              <a:rPr lang="en-US" dirty="0" smtClean="0"/>
-              <a:t>-BP database. </a:t>
-            </a:r>
-          </a:p>
-          <a:p>
-            <a:pPr lvl="1"/>
-            <a:r>
-              <a:rPr lang="en-US" dirty="0" smtClean="0"/>
-              <a:t>2) Searching the genome for motif occurrences.</a:t>
-            </a:r>
-          </a:p>
-          <a:p>
-            <a:pPr lvl="1"/>
-            <a:r>
-              <a:rPr lang="en-US" dirty="0" smtClean="0"/>
-              <a:t>3) Identifying motifs enriched between two sets of genomic loci.</a:t>
-            </a:r>
-          </a:p>
-          <a:p>
-            <a:pPr lvl="1"/>
-            <a:r>
-              <a:rPr lang="en-US" dirty="0" smtClean="0"/>
-              <a:t>4) Visualizing motif data by heat-map, motif logos and reports.</a:t>
-            </a:r>
-          </a:p>
-        </p:txBody>
-      </p:sp>
-      <p:sp>
-        <p:nvSpPr>
-          <p:cNvPr id="2" name="Title 1"/>
-          <p:cNvSpPr>
-            <a:spLocks noGrp="1"/>
-          </p:cNvSpPr>
-          <p:nvPr>
-            <p:ph type="title"/>
-          </p:nvPr>
-        </p:nvSpPr>
-        <p:spPr/>
-        <p:txBody>
-          <a:bodyPr/>
-          <a:lstStyle/>
-          <a:p>
-            <a:r>
-              <a:rPr lang="en-US" dirty="0" smtClean="0"/>
-              <a:t>Features:</a:t>
-            </a:r>
-            <a:endParaRPr lang="en-US" dirty="0"/>
-          </a:p>
-        </p:txBody>
-      </p:sp>
-    </p:spTree>
-    <p:extLst>
-      <p:ext uri="{BB962C8B-B14F-4D97-AF65-F5344CB8AC3E}">
-        <p14:creationId xmlns:p14="http://schemas.microsoft.com/office/powerpoint/2010/main" val="1851896080"/>
-      </p:ext>
-    </p:extLst>
-  </p:cSld>
-  <p:clrMapOvr>
-    <a:masterClrMapping/>
-  </p:clrMapOvr>
-  <mc:AlternateContent xmlns:mc="http://schemas.openxmlformats.org/markup-compatibility/2006" xmlns:p14="http://schemas.microsoft.com/office/powerpoint/2010/main">
-    <mc:Choice Requires="p14">
-      <p:transition spd="med" p14:dur="700">
-        <p:fade/>
-      </p:transition>
-    </mc:Choice>
-    <mc:Fallback xmlns="">
-      <p:transition spd="med">
-        <p:fade/>
-      </p:transition>
-    </mc:Fallback>
-  </mc:AlternateContent>
-  <p:timing>
-    <p:tnLst>
-      <p:par>
-        <p:cTn id="1" dur="indefinite" restart="never" nodeType="tmRoot"/>
-      </p:par>
-    </p:tnLst>
-  </p:timing>
-</p:sld>
-</file>
-
-<file path=ppt/slides/slide20.xml><?xml version="1.0" encoding="utf-8"?>
+<file path=ppt/slides/slide23.xml><?xml version="1.0" encoding="utf-8"?>
 <p:sld xmlns:a="http://schemas.openxmlformats.org/drawingml/2006/main" xmlns:r="http://schemas.openxmlformats.org/officeDocument/2006/relationships" xmlns:p="http://schemas.openxmlformats.org/presentationml/2006/main">
   <p:cSld>
     <p:spTree>
@@ -13343,7 +16814,7 @@
 </p:sld>
 </file>
 
-<file path=ppt/slides/slide21.xml><?xml version="1.0" encoding="utf-8"?>
+<file path=ppt/slides/slide24.xml><?xml version="1.0" encoding="utf-8"?>
 <p:sld xmlns:a="http://schemas.openxmlformats.org/drawingml/2006/main" xmlns:r="http://schemas.openxmlformats.org/officeDocument/2006/relationships" xmlns:p="http://schemas.openxmlformats.org/presentationml/2006/main">
   <p:cSld>
     <p:spTree>
@@ -13495,7 +16966,7 @@
 </p:sld>
 </file>
 
-<file path=ppt/slides/slide22.xml><?xml version="1.0" encoding="utf-8"?>
+<file path=ppt/slides/slide25.xml><?xml version="1.0" encoding="utf-8"?>
 <p:sld xmlns:a="http://schemas.openxmlformats.org/drawingml/2006/main" xmlns:r="http://schemas.openxmlformats.org/officeDocument/2006/relationships" xmlns:p="http://schemas.openxmlformats.org/presentationml/2006/main">
   <p:cSld>
     <p:spTree>
@@ -13619,7 +17090,7 @@
 </p:sld>
 </file>
 
-<file path=ppt/slides/slide23.xml><?xml version="1.0" encoding="utf-8"?>
+<file path=ppt/slides/slide26.xml><?xml version="1.0" encoding="utf-8"?>
 <p:sld xmlns:a="http://schemas.openxmlformats.org/drawingml/2006/main" xmlns:r="http://schemas.openxmlformats.org/officeDocument/2006/relationships" xmlns:p="http://schemas.openxmlformats.org/presentationml/2006/main">
   <p:cSld>
     <p:spTree>
@@ -13907,6 +17378,150 @@
       </p:grpSpPr>
       <p:sp>
         <p:nvSpPr>
+          <p:cNvPr id="2" name="Content Placeholder 1"/>
+          <p:cNvSpPr>
+            <a:spLocks noGrp="1"/>
+          </p:cNvSpPr>
+          <p:nvPr>
+            <p:ph idx="1"/>
+          </p:nvPr>
+        </p:nvSpPr>
+        <p:spPr>
+          <a:xfrm>
+            <a:off x="609600" y="2249424"/>
+            <a:ext cx="5107806" cy="4325112"/>
+          </a:xfrm>
+        </p:spPr>
+        <p:txBody>
+          <a:bodyPr/>
+          <a:lstStyle/>
+          <a:p>
+            <a:pPr marL="109728" indent="0">
+              <a:buNone/>
+            </a:pPr>
+            <a:r>
+              <a:rPr lang="en-US" dirty="0"/>
+              <a:t>Uses: Parse TF motifs from public databases, read into R, and scan using '</a:t>
+            </a:r>
+            <a:r>
+              <a:rPr lang="en-US" dirty="0" err="1"/>
+              <a:t>rtfbs</a:t>
+            </a:r>
+            <a:r>
+              <a:rPr lang="en-US" dirty="0"/>
+              <a:t>'</a:t>
+            </a:r>
+          </a:p>
+        </p:txBody>
+      </p:sp>
+      <p:sp>
+        <p:nvSpPr>
+          <p:cNvPr id="3" name="Title 2"/>
+          <p:cNvSpPr>
+            <a:spLocks noGrp="1"/>
+          </p:cNvSpPr>
+          <p:nvPr>
+            <p:ph type="title"/>
+          </p:nvPr>
+        </p:nvSpPr>
+        <p:spPr/>
+        <p:txBody>
+          <a:bodyPr/>
+          <a:lstStyle/>
+          <a:p>
+            <a:r>
+              <a:rPr lang="en-US" dirty="0" smtClean="0"/>
+              <a:t>Pipeline:</a:t>
+            </a:r>
+            <a:endParaRPr lang="en-US" b="1" dirty="0"/>
+          </a:p>
+        </p:txBody>
+      </p:sp>
+      <p:pic>
+        <p:nvPicPr>
+          <p:cNvPr id="1026" name="Picture 2" descr="https://github.com/Danko-Lab/rtfbs_db/raw/master/img/FIG1.png"/>
+          <p:cNvPicPr>
+            <a:picLocks noChangeAspect="1" noChangeArrowheads="1"/>
+          </p:cNvPicPr>
+          <p:nvPr/>
+        </p:nvPicPr>
+        <p:blipFill>
+          <a:blip r:embed="rId2" cstate="print">
+            <a:extLst>
+              <a:ext uri="{28A0092B-C50C-407E-A947-70E740481C1C}">
+                <a14:useLocalDpi xmlns:a14="http://schemas.microsoft.com/office/drawing/2010/main" val="0"/>
+              </a:ext>
+            </a:extLst>
+          </a:blip>
+          <a:srcRect/>
+          <a:stretch>
+            <a:fillRect/>
+          </a:stretch>
+        </p:blipFill>
+        <p:spPr bwMode="auto">
+          <a:xfrm>
+            <a:off x="6611119" y="1461516"/>
+            <a:ext cx="5063490" cy="5113020"/>
+          </a:xfrm>
+          <a:prstGeom prst="rect">
+            <a:avLst/>
+          </a:prstGeom>
+          <a:noFill/>
+          <a:extLst>
+            <a:ext uri="{909E8E84-426E-40DD-AFC4-6F175D3DCCD1}">
+              <a14:hiddenFill xmlns:a14="http://schemas.microsoft.com/office/drawing/2010/main">
+                <a:solidFill>
+                  <a:srgbClr val="FFFFFF"/>
+                </a:solidFill>
+              </a14:hiddenFill>
+            </a:ext>
+          </a:extLst>
+        </p:spPr>
+      </p:pic>
+    </p:spTree>
+    <p:extLst>
+      <p:ext uri="{BB962C8B-B14F-4D97-AF65-F5344CB8AC3E}">
+        <p14:creationId xmlns:p14="http://schemas.microsoft.com/office/powerpoint/2010/main" val="1254138836"/>
+      </p:ext>
+    </p:extLst>
+  </p:cSld>
+  <p:clrMapOvr>
+    <a:masterClrMapping/>
+  </p:clrMapOvr>
+  <mc:AlternateContent xmlns:mc="http://schemas.openxmlformats.org/markup-compatibility/2006">
+    <mc:Choice xmlns:p14="http://schemas.microsoft.com/office/powerpoint/2010/main" Requires="p14">
+      <p:transition spd="med" p14:dur="700">
+        <p:fade/>
+      </p:transition>
+    </mc:Choice>
+    <mc:Fallback>
+      <p:transition spd="med">
+        <p:fade/>
+      </p:transition>
+    </mc:Fallback>
+  </mc:AlternateContent>
+</p:sld>
+</file>
+
+<file path=ppt/slides/slide4.xml><?xml version="1.0" encoding="utf-8"?>
+<p:sld xmlns:a="http://schemas.openxmlformats.org/drawingml/2006/main" xmlns:r="http://schemas.openxmlformats.org/officeDocument/2006/relationships" xmlns:p="http://schemas.openxmlformats.org/presentationml/2006/main">
+  <p:cSld>
+    <p:spTree>
+      <p:nvGrpSpPr>
+        <p:cNvPr id="1" name=""/>
+        <p:cNvGrpSpPr/>
+        <p:nvPr/>
+      </p:nvGrpSpPr>
+      <p:grpSpPr>
+        <a:xfrm>
+          <a:off x="0" y="0"/>
+          <a:ext cx="0" cy="0"/>
+          <a:chOff x="0" y="0"/>
+          <a:chExt cx="0" cy="0"/>
+        </a:xfrm>
+      </p:grpSpPr>
+      <p:sp>
+        <p:nvSpPr>
           <p:cNvPr id="3" name="Content Placeholder 2"/>
           <p:cNvSpPr>
             <a:spLocks noGrp="1"/>
@@ -14833,7 +18448,935 @@
 </p:sld>
 </file>
 
-<file path=ppt/slides/slide4.xml><?xml version="1.0" encoding="utf-8"?>
+<file path=ppt/slides/slide5.xml><?xml version="1.0" encoding="utf-8"?>
+<p:sld xmlns:a="http://schemas.openxmlformats.org/drawingml/2006/main" xmlns:r="http://schemas.openxmlformats.org/officeDocument/2006/relationships" xmlns:p="http://schemas.openxmlformats.org/presentationml/2006/main">
+  <p:cSld>
+    <p:spTree>
+      <p:nvGrpSpPr>
+        <p:cNvPr id="1" name=""/>
+        <p:cNvGrpSpPr/>
+        <p:nvPr/>
+      </p:nvGrpSpPr>
+      <p:grpSpPr>
+        <a:xfrm>
+          <a:off x="0" y="0"/>
+          <a:ext cx="0" cy="0"/>
+          <a:chOff x="0" y="0"/>
+          <a:chExt cx="0" cy="0"/>
+        </a:xfrm>
+      </p:grpSpPr>
+      <p:sp>
+        <p:nvSpPr>
+          <p:cNvPr id="3" name="Content Placeholder 2"/>
+          <p:cNvSpPr>
+            <a:spLocks noGrp="1"/>
+          </p:cNvSpPr>
+          <p:nvPr>
+            <p:ph idx="1"/>
+          </p:nvPr>
+        </p:nvSpPr>
+        <p:spPr>
+          <a:xfrm>
+            <a:off x="6228784" y="2051001"/>
+            <a:ext cx="5628236" cy="3743217"/>
+          </a:xfrm>
+          <a:ln w="19050">
+            <a:solidFill>
+              <a:schemeClr val="tx1"/>
+            </a:solidFill>
+          </a:ln>
+        </p:spPr>
+        <p:txBody>
+          <a:bodyPr>
+            <a:normAutofit/>
+          </a:bodyPr>
+          <a:lstStyle/>
+          <a:p>
+            <a:pPr marL="109728" indent="0">
+              <a:buNone/>
+            </a:pPr>
+            <a:r>
+              <a:rPr lang="en-US" sz="2000" dirty="0" smtClean="0">
+                <a:solidFill>
+                  <a:schemeClr val="tx1"/>
+                </a:solidFill>
+              </a:rPr>
+              <a:t>##  summary information </a:t>
+            </a:r>
+            <a:r>
+              <a:rPr lang="en-US" sz="2000" dirty="0" smtClean="0">
+                <a:solidFill>
+                  <a:schemeClr val="tx1"/>
+                </a:solidFill>
+              </a:rPr>
+              <a:t>of </a:t>
+            </a:r>
+            <a:r>
+              <a:rPr lang="en-US" sz="2000" dirty="0" err="1" smtClean="0">
+                <a:solidFill>
+                  <a:schemeClr val="tx1"/>
+                </a:solidFill>
+              </a:rPr>
+              <a:t>MotifDb</a:t>
+            </a:r>
+            <a:r>
+              <a:rPr lang="en-US" sz="2000" dirty="0" smtClean="0">
+                <a:solidFill>
+                  <a:schemeClr val="tx1"/>
+                </a:solidFill>
+              </a:rPr>
+              <a:t> </a:t>
+            </a:r>
+            <a:endParaRPr lang="en-US" sz="2000" dirty="0" smtClean="0">
+              <a:solidFill>
+                <a:schemeClr val="tx1"/>
+              </a:solidFill>
+            </a:endParaRPr>
+          </a:p>
+          <a:p>
+            <a:pPr marL="109728" indent="0">
+              <a:buNone/>
+            </a:pPr>
+            <a:endParaRPr lang="en-US" sz="2000" dirty="0" smtClean="0">
+              <a:solidFill>
+                <a:schemeClr val="tx1"/>
+              </a:solidFill>
+            </a:endParaRPr>
+          </a:p>
+          <a:p>
+            <a:pPr marL="109728" indent="0">
+              <a:buNone/>
+            </a:pPr>
+            <a:endParaRPr lang="en-US" dirty="0" smtClean="0"/>
+          </a:p>
+        </p:txBody>
+      </p:sp>
+      <p:sp>
+        <p:nvSpPr>
+          <p:cNvPr id="2" name="Title 1"/>
+          <p:cNvSpPr>
+            <a:spLocks noGrp="1"/>
+          </p:cNvSpPr>
+          <p:nvPr>
+            <p:ph type="title"/>
+          </p:nvPr>
+        </p:nvSpPr>
+        <p:spPr>
+          <a:xfrm>
+            <a:off x="609600" y="1143000"/>
+            <a:ext cx="10972800" cy="908001"/>
+          </a:xfrm>
+        </p:spPr>
+        <p:txBody>
+          <a:bodyPr/>
+          <a:lstStyle/>
+          <a:p>
+            <a:r>
+              <a:rPr lang="en-US" dirty="0" err="1" smtClean="0">
+                <a:solidFill>
+                  <a:schemeClr val="accent3">
+                    <a:lumMod val="50000"/>
+                  </a:schemeClr>
+                </a:solidFill>
+              </a:rPr>
+              <a:t>MotifDb</a:t>
+            </a:r>
+            <a:r>
+              <a:rPr lang="en-US" dirty="0" smtClean="0">
+                <a:solidFill>
+                  <a:schemeClr val="accent3">
+                    <a:lumMod val="50000"/>
+                  </a:schemeClr>
+                </a:solidFill>
+              </a:rPr>
+              <a:t> package and other data </a:t>
+            </a:r>
+            <a:r>
+              <a:rPr lang="en-US" dirty="0" smtClean="0">
+                <a:solidFill>
+                  <a:schemeClr val="accent3">
+                    <a:lumMod val="50000"/>
+                  </a:schemeClr>
+                </a:solidFill>
+              </a:rPr>
+              <a:t>sources</a:t>
+            </a:r>
+            <a:endParaRPr lang="en-US" dirty="0">
+              <a:solidFill>
+                <a:schemeClr val="accent3">
+                  <a:lumMod val="50000"/>
+                </a:schemeClr>
+              </a:solidFill>
+            </a:endParaRPr>
+          </a:p>
+        </p:txBody>
+      </p:sp>
+      <p:sp>
+        <p:nvSpPr>
+          <p:cNvPr id="5" name="Content Placeholder 2"/>
+          <p:cNvSpPr txBox="1">
+            <a:spLocks/>
+          </p:cNvSpPr>
+          <p:nvPr/>
+        </p:nvSpPr>
+        <p:spPr>
+          <a:xfrm>
+            <a:off x="547735" y="2055918"/>
+            <a:ext cx="5406429" cy="3738300"/>
+          </a:xfrm>
+          <a:prstGeom prst="rect">
+            <a:avLst/>
+          </a:prstGeom>
+        </p:spPr>
+        <p:txBody>
+          <a:bodyPr vert="horz">
+            <a:normAutofit lnSpcReduction="10000"/>
+          </a:bodyPr>
+          <a:lstStyle>
+            <a:lvl1pPr marL="365760" indent="-256032" algn="l" rtl="0" eaLnBrk="1" latinLnBrk="0" hangingPunct="1">
+              <a:spcBef>
+                <a:spcPts val="300"/>
+              </a:spcBef>
+              <a:buClr>
+                <a:schemeClr val="accent3"/>
+              </a:buClr>
+              <a:buFont typeface="Georgia"/>
+              <a:buChar char="•"/>
+              <a:defRPr kumimoji="0" sz="2800" kern="1200">
+                <a:solidFill>
+                  <a:schemeClr val="tx2"/>
+                </a:solidFill>
+                <a:latin typeface="+mn-lt"/>
+                <a:ea typeface="+mn-ea"/>
+                <a:cs typeface="+mn-cs"/>
+              </a:defRPr>
+            </a:lvl1pPr>
+            <a:lvl2pPr marL="658368" indent="-246888" algn="l" rtl="0" eaLnBrk="1" latinLnBrk="0" hangingPunct="1">
+              <a:spcBef>
+                <a:spcPts val="300"/>
+              </a:spcBef>
+              <a:buClr>
+                <a:schemeClr val="accent2"/>
+              </a:buClr>
+              <a:buFont typeface="Georgia"/>
+              <a:buChar char="▫"/>
+              <a:defRPr kumimoji="0" sz="2600" kern="1200">
+                <a:solidFill>
+                  <a:schemeClr val="tx2"/>
+                </a:solidFill>
+                <a:latin typeface="+mn-lt"/>
+                <a:ea typeface="+mn-ea"/>
+                <a:cs typeface="+mn-cs"/>
+              </a:defRPr>
+            </a:lvl2pPr>
+            <a:lvl3pPr marL="923544" indent="-219456" algn="l" rtl="0" eaLnBrk="1" latinLnBrk="0" hangingPunct="1">
+              <a:spcBef>
+                <a:spcPts val="300"/>
+              </a:spcBef>
+              <a:buClr>
+                <a:schemeClr val="accent1"/>
+              </a:buClr>
+              <a:buFont typeface="Wingdings 2" panose="05020102010507070707" pitchFamily="18" charset="2"/>
+              <a:buChar char=""/>
+              <a:defRPr kumimoji="0" sz="2400" kern="1200">
+                <a:solidFill>
+                  <a:schemeClr val="tx2"/>
+                </a:solidFill>
+                <a:latin typeface="+mn-lt"/>
+                <a:ea typeface="+mn-ea"/>
+                <a:cs typeface="+mn-cs"/>
+              </a:defRPr>
+            </a:lvl3pPr>
+            <a:lvl4pPr marL="1179576" indent="-201168" algn="l" rtl="0" eaLnBrk="1" latinLnBrk="0" hangingPunct="1">
+              <a:spcBef>
+                <a:spcPts val="300"/>
+              </a:spcBef>
+              <a:buClr>
+                <a:schemeClr val="accent1"/>
+              </a:buClr>
+              <a:buFont typeface="Wingdings 2" panose="05020102010507070707" pitchFamily="18" charset="2"/>
+              <a:buChar char=""/>
+              <a:defRPr kumimoji="0" sz="2200" kern="1200">
+                <a:solidFill>
+                  <a:schemeClr val="tx2"/>
+                </a:solidFill>
+                <a:latin typeface="+mn-lt"/>
+                <a:ea typeface="+mn-ea"/>
+                <a:cs typeface="+mn-cs"/>
+              </a:defRPr>
+            </a:lvl4pPr>
+            <a:lvl5pPr marL="1389888" indent="-182880" algn="l" rtl="0" eaLnBrk="1" latinLnBrk="0" hangingPunct="1">
+              <a:spcBef>
+                <a:spcPts val="300"/>
+              </a:spcBef>
+              <a:buClr>
+                <a:schemeClr val="accent1"/>
+              </a:buClr>
+              <a:buFont typeface="Wingdings 2" panose="05020102010507070707" pitchFamily="18" charset="2"/>
+              <a:buChar char=""/>
+              <a:defRPr kumimoji="0" sz="2000" kern="1200">
+                <a:solidFill>
+                  <a:schemeClr val="tx2"/>
+                </a:solidFill>
+                <a:latin typeface="+mn-lt"/>
+                <a:ea typeface="+mn-ea"/>
+                <a:cs typeface="+mn-cs"/>
+              </a:defRPr>
+            </a:lvl5pPr>
+            <a:lvl6pPr marL="1609344" indent="-182880" algn="l" rtl="0" eaLnBrk="1" latinLnBrk="0" hangingPunct="1">
+              <a:spcBef>
+                <a:spcPts val="300"/>
+              </a:spcBef>
+              <a:buClr>
+                <a:schemeClr val="accent1"/>
+              </a:buClr>
+              <a:buFont typeface="Wingdings 2" panose="05020102010507070707" pitchFamily="18" charset="2"/>
+              <a:buChar char=""/>
+              <a:defRPr kumimoji="0" sz="1800" kern="1200">
+                <a:solidFill>
+                  <a:schemeClr val="tx2"/>
+                </a:solidFill>
+                <a:latin typeface="+mn-lt"/>
+                <a:ea typeface="+mn-ea"/>
+                <a:cs typeface="+mn-cs"/>
+              </a:defRPr>
+            </a:lvl6pPr>
+            <a:lvl7pPr marL="1828800" indent="-182880" algn="l" rtl="0" eaLnBrk="1" latinLnBrk="0" hangingPunct="1">
+              <a:spcBef>
+                <a:spcPts val="300"/>
+              </a:spcBef>
+              <a:buClr>
+                <a:schemeClr val="accent1"/>
+              </a:buClr>
+              <a:buFont typeface="Wingdings 2" panose="05020102010507070707" pitchFamily="18" charset="2"/>
+              <a:buChar char=""/>
+              <a:defRPr kumimoji="0" sz="1600" kern="1200">
+                <a:solidFill>
+                  <a:schemeClr val="tx2"/>
+                </a:solidFill>
+                <a:latin typeface="+mn-lt"/>
+                <a:ea typeface="+mn-ea"/>
+                <a:cs typeface="+mn-cs"/>
+              </a:defRPr>
+            </a:lvl7pPr>
+            <a:lvl8pPr marL="2029968" indent="-182880" algn="l" rtl="0" eaLnBrk="1" latinLnBrk="0" hangingPunct="1">
+              <a:spcBef>
+                <a:spcPts val="300"/>
+              </a:spcBef>
+              <a:buClr>
+                <a:schemeClr val="accent1"/>
+              </a:buClr>
+              <a:buFont typeface="Wingdings 2" panose="05020102010507070707" pitchFamily="18" charset="2"/>
+              <a:buChar char=""/>
+              <a:defRPr kumimoji="0" sz="1500" kern="1200">
+                <a:solidFill>
+                  <a:schemeClr val="tx2"/>
+                </a:solidFill>
+                <a:latin typeface="+mn-lt"/>
+                <a:ea typeface="+mn-ea"/>
+                <a:cs typeface="+mn-cs"/>
+              </a:defRPr>
+            </a:lvl8pPr>
+            <a:lvl9pPr marL="2240280" indent="-182880" algn="l" rtl="0" eaLnBrk="1" latinLnBrk="0" hangingPunct="1">
+              <a:spcBef>
+                <a:spcPts val="300"/>
+              </a:spcBef>
+              <a:buClr>
+                <a:schemeClr val="accent1"/>
+              </a:buClr>
+              <a:buFont typeface="Wingdings 2" panose="05020102010507070707" pitchFamily="18" charset="2"/>
+              <a:buChar char=""/>
+              <a:defRPr kumimoji="0" sz="1400" kern="1200" baseline="0">
+                <a:solidFill>
+                  <a:schemeClr val="tx2"/>
+                </a:solidFill>
+                <a:latin typeface="+mn-lt"/>
+                <a:ea typeface="+mn-ea"/>
+                <a:cs typeface="+mn-cs"/>
+              </a:defRPr>
+            </a:lvl9pPr>
+          </a:lstStyle>
+          <a:p>
+            <a:r>
+              <a:rPr lang="en-US" sz="2000" dirty="0" err="1" smtClean="0">
+                <a:solidFill>
+                  <a:schemeClr val="accent3">
+                    <a:lumMod val="50000"/>
+                  </a:schemeClr>
+                </a:solidFill>
+              </a:rPr>
+              <a:t>MotifDb</a:t>
+            </a:r>
+            <a:r>
+              <a:rPr lang="en-US" sz="2000" dirty="0" smtClean="0">
+                <a:solidFill>
+                  <a:schemeClr val="accent3">
+                    <a:lumMod val="50000"/>
+                  </a:schemeClr>
+                </a:solidFill>
+              </a:rPr>
+              <a:t> is a public package </a:t>
+            </a:r>
+            <a:r>
+              <a:rPr lang="en-US" sz="2000" dirty="0" smtClean="0">
+                <a:solidFill>
+                  <a:schemeClr val="accent3">
+                    <a:lumMod val="50000"/>
+                  </a:schemeClr>
+                </a:solidFill>
+              </a:rPr>
+              <a:t>in </a:t>
+            </a:r>
+            <a:r>
+              <a:rPr lang="en-US" sz="2000" dirty="0" smtClean="0">
+                <a:solidFill>
+                  <a:schemeClr val="accent3">
+                    <a:lumMod val="50000"/>
+                  </a:schemeClr>
+                </a:solidFill>
+              </a:rPr>
+              <a:t>Bioconductor.</a:t>
+            </a:r>
+          </a:p>
+          <a:p>
+            <a:pPr marL="109728" indent="0">
+              <a:buNone/>
+            </a:pPr>
+            <a:r>
+              <a:rPr lang="en-US" sz="2000" dirty="0" smtClean="0">
+                <a:solidFill>
+                  <a:schemeClr val="accent3">
+                    <a:lumMod val="50000"/>
+                  </a:schemeClr>
+                </a:solidFill>
+                <a:hlinkClick r:id="rId3"/>
+              </a:rPr>
+              <a:t>http</a:t>
+            </a:r>
+            <a:r>
+              <a:rPr lang="en-US" sz="2000" dirty="0">
+                <a:solidFill>
+                  <a:schemeClr val="accent3">
+                    <a:lumMod val="50000"/>
+                  </a:schemeClr>
+                </a:solidFill>
+                <a:hlinkClick r:id="rId3"/>
+              </a:rPr>
+              <a:t>://</a:t>
+            </a:r>
+            <a:r>
+              <a:rPr lang="en-US" sz="2000" dirty="0" smtClean="0">
+                <a:solidFill>
+                  <a:schemeClr val="accent3">
+                    <a:lumMod val="50000"/>
+                  </a:schemeClr>
+                </a:solidFill>
+                <a:hlinkClick r:id="rId3"/>
+              </a:rPr>
+              <a:t>bioconductor.org/packages/release/bioc/html/MotifDb.html</a:t>
+            </a:r>
+            <a:endParaRPr lang="en-US" sz="2000" dirty="0" smtClean="0">
+              <a:solidFill>
+                <a:schemeClr val="accent3">
+                  <a:lumMod val="50000"/>
+                </a:schemeClr>
+              </a:solidFill>
+            </a:endParaRPr>
+          </a:p>
+          <a:p>
+            <a:endParaRPr lang="en-US" sz="2000" dirty="0" smtClean="0">
+              <a:solidFill>
+                <a:schemeClr val="accent3">
+                  <a:lumMod val="50000"/>
+                </a:schemeClr>
+              </a:solidFill>
+            </a:endParaRPr>
+          </a:p>
+          <a:p>
+            <a:r>
+              <a:rPr lang="en-US" sz="2000" dirty="0" smtClean="0">
+                <a:solidFill>
+                  <a:schemeClr val="accent3">
+                    <a:lumMod val="50000"/>
+                  </a:schemeClr>
+                </a:solidFill>
+              </a:rPr>
+              <a:t>Other data </a:t>
+            </a:r>
+            <a:r>
+              <a:rPr lang="en-US" sz="2000" dirty="0" smtClean="0">
+                <a:solidFill>
+                  <a:schemeClr val="accent3">
+                    <a:lumMod val="50000"/>
+                  </a:schemeClr>
+                </a:solidFill>
+              </a:rPr>
+              <a:t>sources </a:t>
+            </a:r>
+            <a:r>
+              <a:rPr lang="en-US" sz="2000" dirty="0" smtClean="0">
+                <a:solidFill>
+                  <a:schemeClr val="accent3">
+                    <a:lumMod val="50000"/>
+                  </a:schemeClr>
+                </a:solidFill>
+              </a:rPr>
+              <a:t>can be imported to this pipeline.</a:t>
+            </a:r>
+          </a:p>
+          <a:p>
+            <a:r>
+              <a:rPr lang="en-US" sz="2000" dirty="0" smtClean="0">
+                <a:solidFill>
+                  <a:schemeClr val="accent3">
+                    <a:lumMod val="50000"/>
+                  </a:schemeClr>
+                </a:solidFill>
+              </a:rPr>
+              <a:t>-- </a:t>
+            </a:r>
+            <a:r>
+              <a:rPr lang="en-US" sz="2000" dirty="0" err="1" smtClean="0">
+                <a:solidFill>
+                  <a:schemeClr val="accent3">
+                    <a:lumMod val="50000"/>
+                  </a:schemeClr>
+                </a:solidFill>
+              </a:rPr>
+              <a:t>pfm.matrix</a:t>
+            </a:r>
+            <a:endParaRPr lang="en-US" sz="2000" dirty="0" smtClean="0">
+              <a:solidFill>
+                <a:schemeClr val="accent3">
+                  <a:lumMod val="50000"/>
+                </a:schemeClr>
+              </a:solidFill>
+            </a:endParaRPr>
+          </a:p>
+          <a:p>
+            <a:r>
+              <a:rPr lang="en-US" sz="2000" dirty="0">
+                <a:solidFill>
+                  <a:schemeClr val="accent3">
+                    <a:lumMod val="50000"/>
+                  </a:schemeClr>
+                </a:solidFill>
+              </a:rPr>
+              <a:t>-- </a:t>
+            </a:r>
+            <a:r>
+              <a:rPr lang="en-US" sz="2000" dirty="0" smtClean="0">
+                <a:solidFill>
+                  <a:schemeClr val="accent3">
+                    <a:lumMod val="50000"/>
+                  </a:schemeClr>
+                </a:solidFill>
+              </a:rPr>
+              <a:t>Jaspar</a:t>
+            </a:r>
+          </a:p>
+          <a:p>
+            <a:r>
+              <a:rPr lang="en-US" sz="2000" dirty="0">
+                <a:solidFill>
+                  <a:schemeClr val="accent3">
+                    <a:lumMod val="50000"/>
+                  </a:schemeClr>
+                </a:solidFill>
+              </a:rPr>
+              <a:t>-- </a:t>
+            </a:r>
+            <a:r>
+              <a:rPr lang="en-US" sz="2000" dirty="0" smtClean="0">
+                <a:solidFill>
+                  <a:schemeClr val="accent3">
+                    <a:lumMod val="50000"/>
+                  </a:schemeClr>
+                </a:solidFill>
+              </a:rPr>
+              <a:t>Meme</a:t>
+            </a:r>
+          </a:p>
+          <a:p>
+            <a:r>
+              <a:rPr lang="en-US" sz="2000" dirty="0">
+                <a:solidFill>
+                  <a:schemeClr val="accent3">
+                    <a:lumMod val="50000"/>
+                  </a:schemeClr>
+                </a:solidFill>
+              </a:rPr>
+              <a:t>-- </a:t>
+            </a:r>
+            <a:r>
+              <a:rPr lang="en-US" sz="2000" dirty="0" err="1" smtClean="0">
+                <a:solidFill>
+                  <a:schemeClr val="accent3">
+                    <a:lumMod val="50000"/>
+                  </a:schemeClr>
+                </a:solidFill>
+              </a:rPr>
+              <a:t>Mscan</a:t>
+            </a:r>
+            <a:endParaRPr lang="en-US" sz="2000" dirty="0" smtClean="0">
+              <a:solidFill>
+                <a:schemeClr val="accent3">
+                  <a:lumMod val="50000"/>
+                </a:schemeClr>
+              </a:solidFill>
+            </a:endParaRPr>
+          </a:p>
+          <a:p>
+            <a:r>
+              <a:rPr lang="en-US" sz="2000" dirty="0">
+                <a:solidFill>
+                  <a:schemeClr val="accent3">
+                    <a:lumMod val="50000"/>
+                  </a:schemeClr>
+                </a:solidFill>
+              </a:rPr>
+              <a:t>-- </a:t>
+            </a:r>
+            <a:r>
+              <a:rPr lang="en-US" sz="2000" dirty="0" err="1" smtClean="0">
+                <a:solidFill>
+                  <a:schemeClr val="accent3">
+                    <a:lumMod val="50000"/>
+                  </a:schemeClr>
+                </a:solidFill>
+              </a:rPr>
+              <a:t>Transfac</a:t>
+            </a:r>
+            <a:endParaRPr lang="en-US" sz="2000" dirty="0" smtClean="0">
+              <a:solidFill>
+                <a:schemeClr val="accent3">
+                  <a:lumMod val="50000"/>
+                </a:schemeClr>
+              </a:solidFill>
+            </a:endParaRPr>
+          </a:p>
+          <a:p>
+            <a:r>
+              <a:rPr lang="en-US" sz="2000" dirty="0">
+                <a:solidFill>
+                  <a:schemeClr val="accent3">
+                    <a:lumMod val="50000"/>
+                  </a:schemeClr>
+                </a:solidFill>
+              </a:rPr>
+              <a:t>-- </a:t>
+            </a:r>
+            <a:r>
+              <a:rPr lang="en-US" sz="2000" dirty="0" smtClean="0">
+                <a:solidFill>
+                  <a:schemeClr val="accent3">
+                    <a:lumMod val="50000"/>
+                  </a:schemeClr>
+                </a:solidFill>
+              </a:rPr>
+              <a:t>HOCOMOCO</a:t>
+            </a:r>
+          </a:p>
+        </p:txBody>
+      </p:sp>
+      <p:sp>
+        <p:nvSpPr>
+          <p:cNvPr id="6" name="Content Placeholder 2"/>
+          <p:cNvSpPr txBox="1">
+            <a:spLocks/>
+          </p:cNvSpPr>
+          <p:nvPr/>
+        </p:nvSpPr>
+        <p:spPr>
+          <a:xfrm>
+            <a:off x="0" y="6183516"/>
+            <a:ext cx="12192000" cy="674483"/>
+          </a:xfrm>
+          <a:prstGeom prst="rect">
+            <a:avLst/>
+          </a:prstGeom>
+          <a:solidFill>
+            <a:schemeClr val="accent1">
+              <a:lumMod val="20000"/>
+              <a:lumOff val="80000"/>
+            </a:schemeClr>
+          </a:solidFill>
+        </p:spPr>
+        <p:txBody>
+          <a:bodyPr vert="horz">
+            <a:normAutofit/>
+          </a:bodyPr>
+          <a:lstStyle>
+            <a:lvl1pPr marL="365760" indent="-256032" algn="l" rtl="0" eaLnBrk="1" latinLnBrk="0" hangingPunct="1">
+              <a:spcBef>
+                <a:spcPts val="300"/>
+              </a:spcBef>
+              <a:buClr>
+                <a:schemeClr val="accent3"/>
+              </a:buClr>
+              <a:buFont typeface="Georgia"/>
+              <a:buChar char="•"/>
+              <a:defRPr kumimoji="0" sz="2800" kern="1200">
+                <a:solidFill>
+                  <a:schemeClr val="tx2"/>
+                </a:solidFill>
+                <a:latin typeface="+mn-lt"/>
+                <a:ea typeface="+mn-ea"/>
+                <a:cs typeface="+mn-cs"/>
+              </a:defRPr>
+            </a:lvl1pPr>
+            <a:lvl2pPr marL="658368" indent="-246888" algn="l" rtl="0" eaLnBrk="1" latinLnBrk="0" hangingPunct="1">
+              <a:spcBef>
+                <a:spcPts val="300"/>
+              </a:spcBef>
+              <a:buClr>
+                <a:schemeClr val="accent2"/>
+              </a:buClr>
+              <a:buFont typeface="Georgia"/>
+              <a:buChar char="▫"/>
+              <a:defRPr kumimoji="0" sz="2600" kern="1200">
+                <a:solidFill>
+                  <a:schemeClr val="tx2"/>
+                </a:solidFill>
+                <a:latin typeface="+mn-lt"/>
+                <a:ea typeface="+mn-ea"/>
+                <a:cs typeface="+mn-cs"/>
+              </a:defRPr>
+            </a:lvl2pPr>
+            <a:lvl3pPr marL="923544" indent="-219456" algn="l" rtl="0" eaLnBrk="1" latinLnBrk="0" hangingPunct="1">
+              <a:spcBef>
+                <a:spcPts val="300"/>
+              </a:spcBef>
+              <a:buClr>
+                <a:schemeClr val="accent1"/>
+              </a:buClr>
+              <a:buFont typeface="Wingdings 2" panose="05020102010507070707" pitchFamily="18" charset="2"/>
+              <a:buChar char=""/>
+              <a:defRPr kumimoji="0" sz="2400" kern="1200">
+                <a:solidFill>
+                  <a:schemeClr val="tx2"/>
+                </a:solidFill>
+                <a:latin typeface="+mn-lt"/>
+                <a:ea typeface="+mn-ea"/>
+                <a:cs typeface="+mn-cs"/>
+              </a:defRPr>
+            </a:lvl3pPr>
+            <a:lvl4pPr marL="1179576" indent="-201168" algn="l" rtl="0" eaLnBrk="1" latinLnBrk="0" hangingPunct="1">
+              <a:spcBef>
+                <a:spcPts val="300"/>
+              </a:spcBef>
+              <a:buClr>
+                <a:schemeClr val="accent1"/>
+              </a:buClr>
+              <a:buFont typeface="Wingdings 2" panose="05020102010507070707" pitchFamily="18" charset="2"/>
+              <a:buChar char=""/>
+              <a:defRPr kumimoji="0" sz="2200" kern="1200">
+                <a:solidFill>
+                  <a:schemeClr val="tx2"/>
+                </a:solidFill>
+                <a:latin typeface="+mn-lt"/>
+                <a:ea typeface="+mn-ea"/>
+                <a:cs typeface="+mn-cs"/>
+              </a:defRPr>
+            </a:lvl4pPr>
+            <a:lvl5pPr marL="1389888" indent="-182880" algn="l" rtl="0" eaLnBrk="1" latinLnBrk="0" hangingPunct="1">
+              <a:spcBef>
+                <a:spcPts val="300"/>
+              </a:spcBef>
+              <a:buClr>
+                <a:schemeClr val="accent1"/>
+              </a:buClr>
+              <a:buFont typeface="Wingdings 2" panose="05020102010507070707" pitchFamily="18" charset="2"/>
+              <a:buChar char=""/>
+              <a:defRPr kumimoji="0" sz="2000" kern="1200">
+                <a:solidFill>
+                  <a:schemeClr val="tx2"/>
+                </a:solidFill>
+                <a:latin typeface="+mn-lt"/>
+                <a:ea typeface="+mn-ea"/>
+                <a:cs typeface="+mn-cs"/>
+              </a:defRPr>
+            </a:lvl5pPr>
+            <a:lvl6pPr marL="1609344" indent="-182880" algn="l" rtl="0" eaLnBrk="1" latinLnBrk="0" hangingPunct="1">
+              <a:spcBef>
+                <a:spcPts val="300"/>
+              </a:spcBef>
+              <a:buClr>
+                <a:schemeClr val="accent1"/>
+              </a:buClr>
+              <a:buFont typeface="Wingdings 2" panose="05020102010507070707" pitchFamily="18" charset="2"/>
+              <a:buChar char=""/>
+              <a:defRPr kumimoji="0" sz="1800" kern="1200">
+                <a:solidFill>
+                  <a:schemeClr val="tx2"/>
+                </a:solidFill>
+                <a:latin typeface="+mn-lt"/>
+                <a:ea typeface="+mn-ea"/>
+                <a:cs typeface="+mn-cs"/>
+              </a:defRPr>
+            </a:lvl6pPr>
+            <a:lvl7pPr marL="1828800" indent="-182880" algn="l" rtl="0" eaLnBrk="1" latinLnBrk="0" hangingPunct="1">
+              <a:spcBef>
+                <a:spcPts val="300"/>
+              </a:spcBef>
+              <a:buClr>
+                <a:schemeClr val="accent1"/>
+              </a:buClr>
+              <a:buFont typeface="Wingdings 2" panose="05020102010507070707" pitchFamily="18" charset="2"/>
+              <a:buChar char=""/>
+              <a:defRPr kumimoji="0" sz="1600" kern="1200">
+                <a:solidFill>
+                  <a:schemeClr val="tx2"/>
+                </a:solidFill>
+                <a:latin typeface="+mn-lt"/>
+                <a:ea typeface="+mn-ea"/>
+                <a:cs typeface="+mn-cs"/>
+              </a:defRPr>
+            </a:lvl7pPr>
+            <a:lvl8pPr marL="2029968" indent="-182880" algn="l" rtl="0" eaLnBrk="1" latinLnBrk="0" hangingPunct="1">
+              <a:spcBef>
+                <a:spcPts val="300"/>
+              </a:spcBef>
+              <a:buClr>
+                <a:schemeClr val="accent1"/>
+              </a:buClr>
+              <a:buFont typeface="Wingdings 2" panose="05020102010507070707" pitchFamily="18" charset="2"/>
+              <a:buChar char=""/>
+              <a:defRPr kumimoji="0" sz="1500" kern="1200">
+                <a:solidFill>
+                  <a:schemeClr val="tx2"/>
+                </a:solidFill>
+                <a:latin typeface="+mn-lt"/>
+                <a:ea typeface="+mn-ea"/>
+                <a:cs typeface="+mn-cs"/>
+              </a:defRPr>
+            </a:lvl8pPr>
+            <a:lvl9pPr marL="2240280" indent="-182880" algn="l" rtl="0" eaLnBrk="1" latinLnBrk="0" hangingPunct="1">
+              <a:spcBef>
+                <a:spcPts val="300"/>
+              </a:spcBef>
+              <a:buClr>
+                <a:schemeClr val="accent1"/>
+              </a:buClr>
+              <a:buFont typeface="Wingdings 2" panose="05020102010507070707" pitchFamily="18" charset="2"/>
+              <a:buChar char=""/>
+              <a:defRPr kumimoji="0" sz="1400" kern="1200" baseline="0">
+                <a:solidFill>
+                  <a:schemeClr val="tx2"/>
+                </a:solidFill>
+                <a:latin typeface="+mn-lt"/>
+                <a:ea typeface="+mn-ea"/>
+                <a:cs typeface="+mn-cs"/>
+              </a:defRPr>
+            </a:lvl9pPr>
+          </a:lstStyle>
+          <a:p>
+            <a:pPr marL="109728" indent="0">
+              <a:buNone/>
+            </a:pPr>
+            <a:r>
+              <a:rPr lang="en-US" sz="1800" dirty="0" smtClean="0">
+                <a:solidFill>
+                  <a:schemeClr val="accent3">
+                    <a:lumMod val="50000"/>
+                  </a:schemeClr>
+                </a:solidFill>
+              </a:rPr>
+              <a:t>Cite</a:t>
+            </a:r>
+            <a:r>
+              <a:rPr lang="en-US" sz="1800" dirty="0">
+                <a:solidFill>
+                  <a:schemeClr val="accent3">
+                    <a:lumMod val="50000"/>
+                  </a:schemeClr>
+                </a:solidFill>
+              </a:rPr>
+              <a:t>: </a:t>
+            </a:r>
+            <a:r>
+              <a:rPr lang="en-US" sz="1800" dirty="0"/>
+              <a:t>Shannon P (2015). </a:t>
+            </a:r>
+            <a:r>
+              <a:rPr lang="en-US" sz="1800" i="1" dirty="0" err="1"/>
+              <a:t>MotifDb</a:t>
+            </a:r>
+            <a:r>
+              <a:rPr lang="en-US" sz="1800" i="1" dirty="0"/>
+              <a:t>: An Annotated Collection of Protein-DNA Binding Sequence Motifs</a:t>
+            </a:r>
+            <a:r>
+              <a:rPr lang="en-US" sz="1800" dirty="0"/>
+              <a:t>. R package version 1.12.0</a:t>
+            </a:r>
+            <a:endParaRPr lang="en-US" sz="1800" dirty="0">
+              <a:solidFill>
+                <a:schemeClr val="accent3">
+                  <a:lumMod val="50000"/>
+                </a:schemeClr>
+              </a:solidFill>
+            </a:endParaRPr>
+          </a:p>
+        </p:txBody>
+      </p:sp>
+      <p:pic>
+        <p:nvPicPr>
+          <p:cNvPr id="4" name="Picture 3"/>
+          <p:cNvPicPr>
+            <a:picLocks noChangeAspect="1"/>
+          </p:cNvPicPr>
+          <p:nvPr/>
+        </p:nvPicPr>
+        <p:blipFill>
+          <a:blip r:embed="rId4"/>
+          <a:stretch>
+            <a:fillRect/>
+          </a:stretch>
+        </p:blipFill>
+        <p:spPr>
+          <a:xfrm>
+            <a:off x="6592339" y="2514600"/>
+            <a:ext cx="3629025" cy="3009900"/>
+          </a:xfrm>
+          <a:prstGeom prst="rect">
+            <a:avLst/>
+          </a:prstGeom>
+        </p:spPr>
+      </p:pic>
+    </p:spTree>
+    <p:extLst>
+      <p:ext uri="{BB962C8B-B14F-4D97-AF65-F5344CB8AC3E}">
+        <p14:creationId xmlns:p14="http://schemas.microsoft.com/office/powerpoint/2010/main" val="2923801834"/>
+      </p:ext>
+    </p:extLst>
+  </p:cSld>
+  <p:clrMapOvr>
+    <a:masterClrMapping/>
+  </p:clrMapOvr>
+  <mc:AlternateContent xmlns:mc="http://schemas.openxmlformats.org/markup-compatibility/2006" xmlns:p14="http://schemas.microsoft.com/office/powerpoint/2010/main">
+    <mc:Choice Requires="p14">
+      <p:transition spd="med" p14:dur="700">
+        <p:fade/>
+      </p:transition>
+    </mc:Choice>
+    <mc:Fallback xmlns="">
+      <p:transition spd="med">
+        <p:fade/>
+      </p:transition>
+    </mc:Fallback>
+  </mc:AlternateContent>
+  <p:timing>
+    <p:tnLst>
+      <p:par>
+        <p:cTn id="1" dur="indefinite" restart="never" nodeType="tmRoot"/>
+      </p:par>
+    </p:tnLst>
+  </p:timing>
+</p:sld>
+</file>
+
+<file path=ppt/slides/slide6.xml><?xml version="1.0" encoding="utf-8"?>
 <p:sld xmlns:a="http://schemas.openxmlformats.org/drawingml/2006/main" xmlns:r="http://schemas.openxmlformats.org/officeDocument/2006/relationships" xmlns:p="http://schemas.openxmlformats.org/presentationml/2006/main">
   <p:cSld>
     <p:spTree>
@@ -16043,7 +20586,7 @@
 </p:sld>
 </file>
 
-<file path=ppt/slides/slide5.xml><?xml version="1.0" encoding="utf-8"?>
+<file path=ppt/slides/slide7.xml><?xml version="1.0" encoding="utf-8"?>
 <p:sld xmlns:a="http://schemas.openxmlformats.org/drawingml/2006/main" xmlns:r="http://schemas.openxmlformats.org/officeDocument/2006/relationships" xmlns:p="http://schemas.openxmlformats.org/presentationml/2006/main">
   <p:cSld>
     <p:spTree>
@@ -16435,15 +20978,8 @@
                 <a:latin typeface="Times New Roman" panose="02020603050405020304" pitchFamily="18" charset="0"/>
                 <a:cs typeface="Times New Roman" panose="02020603050405020304" pitchFamily="18" charset="0"/>
               </a:rPr>
-              <a:t>)</a:t>
-            </a:r>
-            <a:endParaRPr lang="en-US" sz="1600" dirty="0" smtClean="0">
-              <a:solidFill>
-                <a:schemeClr val="tx1"/>
-              </a:solidFill>
-              <a:latin typeface="Times New Roman" panose="02020603050405020304" pitchFamily="18" charset="0"/>
-              <a:cs typeface="Times New Roman" panose="02020603050405020304" pitchFamily="18" charset="0"/>
-            </a:endParaRPr>
+              <a:t>);</a:t>
+            </a:r>
           </a:p>
           <a:p>
             <a:pPr marL="109728" indent="0">
@@ -17049,7 +21585,7 @@
 </p:sld>
 </file>
 
-<file path=ppt/slides/slide6.xml><?xml version="1.0" encoding="utf-8"?>
+<file path=ppt/slides/slide8.xml><?xml version="1.0" encoding="utf-8"?>
 <p:sld xmlns:a="http://schemas.openxmlformats.org/drawingml/2006/main" xmlns:r="http://schemas.openxmlformats.org/officeDocument/2006/relationships" xmlns:p="http://schemas.openxmlformats.org/presentationml/2006/main">
   <p:cSld>
     <p:spTree>
@@ -17498,2025 +22034,6 @@
 </p:sld>
 </file>
 
-<file path=ppt/slides/slide7.xml><?xml version="1.0" encoding="utf-8"?>
-<p:sld xmlns:a="http://schemas.openxmlformats.org/drawingml/2006/main" xmlns:r="http://schemas.openxmlformats.org/officeDocument/2006/relationships" xmlns:p="http://schemas.openxmlformats.org/presentationml/2006/main">
-  <p:cSld>
-    <p:spTree>
-      <p:nvGrpSpPr>
-        <p:cNvPr id="1" name=""/>
-        <p:cNvGrpSpPr/>
-        <p:nvPr/>
-      </p:nvGrpSpPr>
-      <p:grpSpPr>
-        <a:xfrm>
-          <a:off x="0" y="0"/>
-          <a:ext cx="0" cy="0"/>
-          <a:chOff x="0" y="0"/>
-          <a:chExt cx="0" cy="0"/>
-        </a:xfrm>
-      </p:grpSpPr>
-      <p:sp>
-        <p:nvSpPr>
-          <p:cNvPr id="2" name="Title 1"/>
-          <p:cNvSpPr>
-            <a:spLocks noGrp="1"/>
-          </p:cNvSpPr>
-          <p:nvPr>
-            <p:ph type="title"/>
-          </p:nvPr>
-        </p:nvSpPr>
-        <p:spPr>
-          <a:xfrm>
-            <a:off x="609600" y="1143000"/>
-            <a:ext cx="10972800" cy="908002"/>
-          </a:xfrm>
-        </p:spPr>
-        <p:txBody>
-          <a:bodyPr/>
-          <a:lstStyle/>
-          <a:p>
-            <a:r>
-              <a:rPr lang="en-US" dirty="0" smtClean="0"/>
-              <a:t>Step 2: Selecting motif data</a:t>
-            </a:r>
-            <a:endParaRPr lang="en-US" dirty="0"/>
-          </a:p>
-        </p:txBody>
-      </p:sp>
-      <p:sp>
-        <p:nvSpPr>
-          <p:cNvPr id="4" name="Content Placeholder 2"/>
-          <p:cNvSpPr txBox="1">
-            <a:spLocks/>
-          </p:cNvSpPr>
-          <p:nvPr/>
-        </p:nvSpPr>
-        <p:spPr>
-          <a:xfrm>
-            <a:off x="609600" y="2051002"/>
-            <a:ext cx="5045090" cy="4041888"/>
-          </a:xfrm>
-          <a:prstGeom prst="rect">
-            <a:avLst/>
-          </a:prstGeom>
-        </p:spPr>
-        <p:txBody>
-          <a:bodyPr vert="horz">
-            <a:normAutofit fontScale="85000" lnSpcReduction="20000"/>
-          </a:bodyPr>
-          <a:lstStyle>
-            <a:lvl1pPr marL="365760" indent="-256032" algn="l" rtl="0" eaLnBrk="1" latinLnBrk="0" hangingPunct="1">
-              <a:spcBef>
-                <a:spcPts val="300"/>
-              </a:spcBef>
-              <a:buClr>
-                <a:schemeClr val="accent3"/>
-              </a:buClr>
-              <a:buFont typeface="Georgia"/>
-              <a:buChar char="•"/>
-              <a:defRPr kumimoji="0" sz="2800" kern="1200">
-                <a:solidFill>
-                  <a:schemeClr val="tx2"/>
-                </a:solidFill>
-                <a:latin typeface="+mn-lt"/>
-                <a:ea typeface="+mn-ea"/>
-                <a:cs typeface="+mn-cs"/>
-              </a:defRPr>
-            </a:lvl1pPr>
-            <a:lvl2pPr marL="658368" indent="-246888" algn="l" rtl="0" eaLnBrk="1" latinLnBrk="0" hangingPunct="1">
-              <a:spcBef>
-                <a:spcPts val="300"/>
-              </a:spcBef>
-              <a:buClr>
-                <a:schemeClr val="accent2"/>
-              </a:buClr>
-              <a:buFont typeface="Georgia"/>
-              <a:buChar char="▫"/>
-              <a:defRPr kumimoji="0" sz="2600" kern="1200">
-                <a:solidFill>
-                  <a:schemeClr val="tx2"/>
-                </a:solidFill>
-                <a:latin typeface="+mn-lt"/>
-                <a:ea typeface="+mn-ea"/>
-                <a:cs typeface="+mn-cs"/>
-              </a:defRPr>
-            </a:lvl2pPr>
-            <a:lvl3pPr marL="923544" indent="-219456" algn="l" rtl="0" eaLnBrk="1" latinLnBrk="0" hangingPunct="1">
-              <a:spcBef>
-                <a:spcPts val="300"/>
-              </a:spcBef>
-              <a:buClr>
-                <a:schemeClr val="accent1"/>
-              </a:buClr>
-              <a:buFont typeface="Wingdings 2" panose="05020102010507070707" pitchFamily="18" charset="2"/>
-              <a:buChar char=""/>
-              <a:defRPr kumimoji="0" sz="2400" kern="1200">
-                <a:solidFill>
-                  <a:schemeClr val="tx2"/>
-                </a:solidFill>
-                <a:latin typeface="+mn-lt"/>
-                <a:ea typeface="+mn-ea"/>
-                <a:cs typeface="+mn-cs"/>
-              </a:defRPr>
-            </a:lvl3pPr>
-            <a:lvl4pPr marL="1179576" indent="-201168" algn="l" rtl="0" eaLnBrk="1" latinLnBrk="0" hangingPunct="1">
-              <a:spcBef>
-                <a:spcPts val="300"/>
-              </a:spcBef>
-              <a:buClr>
-                <a:schemeClr val="accent1"/>
-              </a:buClr>
-              <a:buFont typeface="Wingdings 2" panose="05020102010507070707" pitchFamily="18" charset="2"/>
-              <a:buChar char=""/>
-              <a:defRPr kumimoji="0" sz="2200" kern="1200">
-                <a:solidFill>
-                  <a:schemeClr val="tx2"/>
-                </a:solidFill>
-                <a:latin typeface="+mn-lt"/>
-                <a:ea typeface="+mn-ea"/>
-                <a:cs typeface="+mn-cs"/>
-              </a:defRPr>
-            </a:lvl4pPr>
-            <a:lvl5pPr marL="1389888" indent="-182880" algn="l" rtl="0" eaLnBrk="1" latinLnBrk="0" hangingPunct="1">
-              <a:spcBef>
-                <a:spcPts val="300"/>
-              </a:spcBef>
-              <a:buClr>
-                <a:schemeClr val="accent1"/>
-              </a:buClr>
-              <a:buFont typeface="Wingdings 2" panose="05020102010507070707" pitchFamily="18" charset="2"/>
-              <a:buChar char=""/>
-              <a:defRPr kumimoji="0" sz="2000" kern="1200">
-                <a:solidFill>
-                  <a:schemeClr val="tx2"/>
-                </a:solidFill>
-                <a:latin typeface="+mn-lt"/>
-                <a:ea typeface="+mn-ea"/>
-                <a:cs typeface="+mn-cs"/>
-              </a:defRPr>
-            </a:lvl5pPr>
-            <a:lvl6pPr marL="1609344" indent="-182880" algn="l" rtl="0" eaLnBrk="1" latinLnBrk="0" hangingPunct="1">
-              <a:spcBef>
-                <a:spcPts val="300"/>
-              </a:spcBef>
-              <a:buClr>
-                <a:schemeClr val="accent1"/>
-              </a:buClr>
-              <a:buFont typeface="Wingdings 2" panose="05020102010507070707" pitchFamily="18" charset="2"/>
-              <a:buChar char=""/>
-              <a:defRPr kumimoji="0" sz="1800" kern="1200">
-                <a:solidFill>
-                  <a:schemeClr val="tx2"/>
-                </a:solidFill>
-                <a:latin typeface="+mn-lt"/>
-                <a:ea typeface="+mn-ea"/>
-                <a:cs typeface="+mn-cs"/>
-              </a:defRPr>
-            </a:lvl6pPr>
-            <a:lvl7pPr marL="1828800" indent="-182880" algn="l" rtl="0" eaLnBrk="1" latinLnBrk="0" hangingPunct="1">
-              <a:spcBef>
-                <a:spcPts val="300"/>
-              </a:spcBef>
-              <a:buClr>
-                <a:schemeClr val="accent1"/>
-              </a:buClr>
-              <a:buFont typeface="Wingdings 2" panose="05020102010507070707" pitchFamily="18" charset="2"/>
-              <a:buChar char=""/>
-              <a:defRPr kumimoji="0" sz="1600" kern="1200">
-                <a:solidFill>
-                  <a:schemeClr val="tx2"/>
-                </a:solidFill>
-                <a:latin typeface="+mn-lt"/>
-                <a:ea typeface="+mn-ea"/>
-                <a:cs typeface="+mn-cs"/>
-              </a:defRPr>
-            </a:lvl7pPr>
-            <a:lvl8pPr marL="2029968" indent="-182880" algn="l" rtl="0" eaLnBrk="1" latinLnBrk="0" hangingPunct="1">
-              <a:spcBef>
-                <a:spcPts val="300"/>
-              </a:spcBef>
-              <a:buClr>
-                <a:schemeClr val="accent1"/>
-              </a:buClr>
-              <a:buFont typeface="Wingdings 2" panose="05020102010507070707" pitchFamily="18" charset="2"/>
-              <a:buChar char=""/>
-              <a:defRPr kumimoji="0" sz="1500" kern="1200">
-                <a:solidFill>
-                  <a:schemeClr val="tx2"/>
-                </a:solidFill>
-                <a:latin typeface="+mn-lt"/>
-                <a:ea typeface="+mn-ea"/>
-                <a:cs typeface="+mn-cs"/>
-              </a:defRPr>
-            </a:lvl8pPr>
-            <a:lvl9pPr marL="2240280" indent="-182880" algn="l" rtl="0" eaLnBrk="1" latinLnBrk="0" hangingPunct="1">
-              <a:spcBef>
-                <a:spcPts val="300"/>
-              </a:spcBef>
-              <a:buClr>
-                <a:schemeClr val="accent1"/>
-              </a:buClr>
-              <a:buFont typeface="Wingdings 2" panose="05020102010507070707" pitchFamily="18" charset="2"/>
-              <a:buChar char=""/>
-              <a:defRPr kumimoji="0" sz="1400" kern="1200" baseline="0">
-                <a:solidFill>
-                  <a:schemeClr val="tx2"/>
-                </a:solidFill>
-                <a:latin typeface="+mn-lt"/>
-                <a:ea typeface="+mn-ea"/>
-                <a:cs typeface="+mn-cs"/>
-              </a:defRPr>
-            </a:lvl9pPr>
-          </a:lstStyle>
-          <a:p>
-            <a:pPr marL="109728" indent="0">
-              <a:buNone/>
-            </a:pPr>
-            <a:r>
-              <a:rPr lang="en-US" sz="2600" dirty="0" smtClean="0"/>
-              <a:t>Simple way:</a:t>
-            </a:r>
-          </a:p>
-          <a:p>
-            <a:pPr marL="109728" indent="0">
-              <a:buNone/>
-            </a:pPr>
-            <a:endParaRPr lang="en-US" sz="2400" dirty="0" smtClean="0"/>
-          </a:p>
-          <a:p>
-            <a:pPr marL="109728" indent="0">
-              <a:buNone/>
-            </a:pPr>
-            <a:r>
-              <a:rPr lang="en-US" sz="1900" dirty="0"/>
-              <a:t>(1) No optional parameters </a:t>
-            </a:r>
-            <a:r>
-              <a:rPr lang="en-US" sz="1900" dirty="0">
-                <a:sym typeface="Wingdings" panose="05000000000000000000" pitchFamily="2" charset="2"/>
-              </a:rPr>
-              <a:t></a:t>
-            </a:r>
-            <a:r>
-              <a:rPr lang="en-US" sz="1900" dirty="0"/>
-              <a:t> Selecting all.</a:t>
-            </a:r>
-          </a:p>
-          <a:p>
-            <a:pPr marL="109728" indent="0">
-              <a:buNone/>
-            </a:pPr>
-            <a:endParaRPr lang="en-US" sz="1900" dirty="0" smtClean="0"/>
-          </a:p>
-          <a:p>
-            <a:pPr marL="109728" indent="0">
-              <a:buNone/>
-            </a:pPr>
-            <a:r>
-              <a:rPr lang="en-US" sz="1900" dirty="0" smtClean="0"/>
-              <a:t>(2) Using one or more variables(s) to filter motif data. </a:t>
-            </a:r>
-            <a:r>
-              <a:rPr lang="en-US" altLang="zh-CN" sz="1900" dirty="0" smtClean="0"/>
-              <a:t>e.g.  </a:t>
-            </a:r>
-            <a:r>
-              <a:rPr lang="en-US" altLang="zh-CN" sz="1900" i="1" dirty="0" err="1" smtClean="0"/>
-              <a:t>family_name</a:t>
-            </a:r>
-            <a:r>
-              <a:rPr lang="en-US" altLang="zh-CN" sz="1900" dirty="0" smtClean="0"/>
-              <a:t>: </a:t>
-            </a:r>
-          </a:p>
-          <a:p>
-            <a:pPr marL="109728" indent="0">
-              <a:buNone/>
-            </a:pPr>
-            <a:r>
-              <a:rPr lang="en-US" sz="1900" dirty="0" smtClean="0"/>
-              <a:t> and more other parameters: </a:t>
-            </a:r>
-          </a:p>
-          <a:p>
-            <a:pPr marL="109728" indent="0">
-              <a:buNone/>
-            </a:pPr>
-            <a:r>
-              <a:rPr lang="en-US" sz="1900" dirty="0" smtClean="0"/>
-              <a:t> or </a:t>
-            </a:r>
-            <a:r>
-              <a:rPr lang="en-US" sz="1900" i="1" dirty="0" err="1" smtClean="0"/>
-              <a:t>tf_name</a:t>
-            </a:r>
-            <a:r>
-              <a:rPr lang="en-US" sz="1900" dirty="0" smtClean="0"/>
-              <a:t>,</a:t>
-            </a:r>
-          </a:p>
-          <a:p>
-            <a:pPr marL="109728" indent="0">
-              <a:buNone/>
-            </a:pPr>
-            <a:r>
-              <a:rPr lang="en-US" sz="1900" dirty="0" smtClean="0"/>
-              <a:t> or </a:t>
-            </a:r>
-            <a:r>
-              <a:rPr lang="en-US" sz="1900" dirty="0" err="1" smtClean="0"/>
-              <a:t>tf_status</a:t>
-            </a:r>
-            <a:r>
-              <a:rPr lang="en-US" sz="1900" dirty="0" smtClean="0"/>
-              <a:t>,</a:t>
-            </a:r>
-          </a:p>
-          <a:p>
-            <a:pPr marL="109728" indent="0">
-              <a:buNone/>
-            </a:pPr>
-            <a:r>
-              <a:rPr lang="en-US" sz="1900" dirty="0"/>
-              <a:t> </a:t>
-            </a:r>
-            <a:r>
-              <a:rPr lang="en-US" sz="1900" dirty="0" smtClean="0"/>
-              <a:t>or </a:t>
-            </a:r>
-            <a:r>
-              <a:rPr lang="en-US" sz="1900" dirty="0" err="1" smtClean="0"/>
-              <a:t>motif_type</a:t>
-            </a:r>
-            <a:r>
-              <a:rPr lang="en-US" sz="1900" dirty="0" smtClean="0"/>
-              <a:t>, </a:t>
-            </a:r>
-          </a:p>
-          <a:p>
-            <a:pPr marL="109728" indent="0">
-              <a:buNone/>
-            </a:pPr>
-            <a:r>
-              <a:rPr lang="en-US" sz="1900" dirty="0" smtClean="0"/>
-              <a:t> or </a:t>
-            </a:r>
-            <a:r>
-              <a:rPr lang="en-US" sz="1900" dirty="0" err="1" smtClean="0"/>
-              <a:t>msource_id</a:t>
-            </a:r>
-            <a:endParaRPr lang="en-US" sz="1900" dirty="0" smtClean="0"/>
-          </a:p>
-          <a:p>
-            <a:pPr marL="109728" indent="0">
-              <a:buNone/>
-            </a:pPr>
-            <a:endParaRPr lang="en-US" sz="1900" dirty="0" smtClean="0"/>
-          </a:p>
-          <a:p>
-            <a:pPr marL="109728" indent="0">
-              <a:buNone/>
-            </a:pPr>
-            <a:r>
-              <a:rPr lang="en-US" sz="1900" dirty="0" smtClean="0"/>
-              <a:t>(</a:t>
-            </a:r>
-            <a:r>
-              <a:rPr lang="en-US" sz="1900" dirty="0"/>
-              <a:t>3</a:t>
-            </a:r>
-            <a:r>
-              <a:rPr lang="en-US" sz="1900" dirty="0" smtClean="0"/>
-              <a:t>) Even different TF_Information.txt can be specified.</a:t>
-            </a:r>
-          </a:p>
-          <a:p>
-            <a:pPr marL="109728" indent="0">
-              <a:buNone/>
-            </a:pPr>
-            <a:r>
-              <a:rPr lang="en-US" sz="1900" dirty="0" smtClean="0"/>
-              <a:t>1:</a:t>
-            </a:r>
-            <a:r>
-              <a:rPr lang="en-US" sz="1900" dirty="0"/>
-              <a:t> </a:t>
-            </a:r>
-            <a:r>
-              <a:rPr lang="en-US" sz="1900" dirty="0" err="1" smtClean="0"/>
-              <a:t>TF_Information.txt</a:t>
-            </a:r>
-            <a:endParaRPr lang="en-US" sz="1900" dirty="0" smtClean="0"/>
-          </a:p>
-          <a:p>
-            <a:pPr marL="109728" indent="0">
-              <a:buNone/>
-            </a:pPr>
-            <a:r>
-              <a:rPr lang="en-US" sz="1900" dirty="0" smtClean="0"/>
-              <a:t>2:</a:t>
-            </a:r>
-            <a:r>
-              <a:rPr lang="en-US" sz="1900" dirty="0"/>
-              <a:t> </a:t>
-            </a:r>
-            <a:r>
-              <a:rPr lang="en-US" sz="1900" dirty="0" err="1" smtClean="0"/>
-              <a:t>TF_Information_all_motif.txt</a:t>
-            </a:r>
-            <a:endParaRPr lang="en-US" sz="1900" dirty="0" smtClean="0"/>
-          </a:p>
-          <a:p>
-            <a:pPr marL="109728" indent="0">
-              <a:buNone/>
-            </a:pPr>
-            <a:r>
-              <a:rPr lang="en-US" sz="1900" dirty="0" smtClean="0"/>
-              <a:t>3:</a:t>
-            </a:r>
-            <a:r>
-              <a:rPr lang="en-US" sz="1900" dirty="0"/>
-              <a:t> TF_Information_all_motifs_plus.txt</a:t>
-            </a:r>
-            <a:endParaRPr lang="en-US" sz="1900" dirty="0" smtClean="0"/>
-          </a:p>
-          <a:p>
-            <a:pPr marL="109728" indent="0">
-              <a:buNone/>
-            </a:pPr>
-            <a:endParaRPr lang="en-US" sz="2000" dirty="0" smtClean="0"/>
-          </a:p>
-          <a:p>
-            <a:pPr marL="109728" indent="0">
-              <a:buNone/>
-            </a:pPr>
-            <a:endParaRPr lang="en-US" sz="2000" dirty="0"/>
-          </a:p>
-          <a:p>
-            <a:pPr marL="109728" indent="0">
-              <a:buNone/>
-            </a:pPr>
-            <a:endParaRPr lang="en-US" sz="2000" dirty="0" smtClean="0"/>
-          </a:p>
-          <a:p>
-            <a:pPr marL="109728" indent="0">
-              <a:buNone/>
-            </a:pPr>
-            <a:endParaRPr lang="en-US" dirty="0" smtClean="0"/>
-          </a:p>
-        </p:txBody>
-      </p:sp>
-      <p:sp>
-        <p:nvSpPr>
-          <p:cNvPr id="6" name="Content Placeholder 2"/>
-          <p:cNvSpPr>
-            <a:spLocks noGrp="1"/>
-          </p:cNvSpPr>
-          <p:nvPr>
-            <p:ph idx="1"/>
-          </p:nvPr>
-        </p:nvSpPr>
-        <p:spPr>
-          <a:xfrm>
-            <a:off x="6228784" y="2051001"/>
-            <a:ext cx="5628236" cy="4041889"/>
-          </a:xfrm>
-          <a:ln w="19050">
-            <a:solidFill>
-              <a:schemeClr val="tx1"/>
-            </a:solidFill>
-          </a:ln>
-        </p:spPr>
-        <p:txBody>
-          <a:bodyPr>
-            <a:normAutofit/>
-          </a:bodyPr>
-          <a:lstStyle/>
-          <a:p>
-            <a:pPr marL="109728" indent="0">
-              <a:buNone/>
-            </a:pPr>
-            <a:r>
-              <a:rPr lang="en-US" sz="1600" dirty="0" smtClean="0">
-                <a:solidFill>
-                  <a:schemeClr val="tx1"/>
-                </a:solidFill>
-                <a:latin typeface="Times New Roman" panose="02020603050405020304" pitchFamily="18" charset="0"/>
-                <a:cs typeface="Times New Roman" panose="02020603050405020304" pitchFamily="18" charset="0"/>
-              </a:rPr>
-              <a:t>## Programming Notes:</a:t>
-            </a:r>
-            <a:br>
-              <a:rPr lang="en-US" sz="1600" dirty="0" smtClean="0">
-                <a:solidFill>
-                  <a:schemeClr val="tx1"/>
-                </a:solidFill>
-                <a:latin typeface="Times New Roman" panose="02020603050405020304" pitchFamily="18" charset="0"/>
-                <a:cs typeface="Times New Roman" panose="02020603050405020304" pitchFamily="18" charset="0"/>
-              </a:rPr>
-            </a:br>
-            <a:endParaRPr lang="en-US" sz="1600" dirty="0" smtClean="0">
-              <a:solidFill>
-                <a:schemeClr val="tx1"/>
-              </a:solidFill>
-              <a:latin typeface="Times New Roman" panose="02020603050405020304" pitchFamily="18" charset="0"/>
-              <a:cs typeface="Times New Roman" panose="02020603050405020304" pitchFamily="18" charset="0"/>
-            </a:endParaRPr>
-          </a:p>
-          <a:p>
-            <a:pPr marL="109728" indent="0">
-              <a:buNone/>
-            </a:pPr>
-            <a:r>
-              <a:rPr lang="en-US" sz="1600" dirty="0">
-                <a:solidFill>
-                  <a:schemeClr val="tx1"/>
-                </a:solidFill>
-                <a:latin typeface="Times New Roman" panose="02020603050405020304" pitchFamily="18" charset="0"/>
-                <a:cs typeface="Times New Roman" panose="02020603050405020304" pitchFamily="18" charset="0"/>
-              </a:rPr>
-              <a:t># Select all motifs from </a:t>
-            </a:r>
-            <a:r>
-              <a:rPr lang="en-US" sz="1600" dirty="0" err="1">
-                <a:solidFill>
-                  <a:schemeClr val="tx1"/>
-                </a:solidFill>
-                <a:latin typeface="Times New Roman" panose="02020603050405020304" pitchFamily="18" charset="0"/>
-                <a:cs typeface="Times New Roman" panose="02020603050405020304" pitchFamily="18" charset="0"/>
-              </a:rPr>
-              <a:t>CisBP</a:t>
-            </a:r>
-            <a:r>
-              <a:rPr lang="en-US" sz="1600" dirty="0">
-                <a:solidFill>
-                  <a:schemeClr val="tx1"/>
-                </a:solidFill>
-                <a:latin typeface="Times New Roman" panose="02020603050405020304" pitchFamily="18" charset="0"/>
-                <a:cs typeface="Times New Roman" panose="02020603050405020304" pitchFamily="18" charset="0"/>
-              </a:rPr>
-              <a:t> dataset</a:t>
-            </a:r>
-          </a:p>
-          <a:p>
-            <a:pPr marL="109728" indent="0">
-              <a:buNone/>
-            </a:pPr>
-            <a:r>
-              <a:rPr lang="en-US" sz="1600" dirty="0" err="1">
-                <a:solidFill>
-                  <a:schemeClr val="tx1"/>
-                </a:solidFill>
-                <a:latin typeface="Times New Roman" panose="02020603050405020304" pitchFamily="18" charset="0"/>
-                <a:cs typeface="Times New Roman" panose="02020603050405020304" pitchFamily="18" charset="0"/>
-              </a:rPr>
-              <a:t>tfs</a:t>
-            </a:r>
-            <a:r>
-              <a:rPr lang="en-US" sz="1600" dirty="0">
-                <a:solidFill>
-                  <a:schemeClr val="tx1"/>
-                </a:solidFill>
-                <a:latin typeface="Times New Roman" panose="02020603050405020304" pitchFamily="18" charset="0"/>
-                <a:cs typeface="Times New Roman" panose="02020603050405020304" pitchFamily="18" charset="0"/>
-              </a:rPr>
-              <a:t> &lt;- </a:t>
-            </a:r>
-            <a:r>
-              <a:rPr lang="en-US" sz="1600" dirty="0" err="1">
-                <a:solidFill>
-                  <a:schemeClr val="tx1"/>
-                </a:solidFill>
-                <a:latin typeface="Times New Roman" panose="02020603050405020304" pitchFamily="18" charset="0"/>
-                <a:cs typeface="Times New Roman" panose="02020603050405020304" pitchFamily="18" charset="0"/>
-              </a:rPr>
-              <a:t>tfbs.createFromCisBP</a:t>
-            </a:r>
-            <a:r>
-              <a:rPr lang="en-US" sz="1600" dirty="0">
-                <a:solidFill>
-                  <a:schemeClr val="tx1"/>
-                </a:solidFill>
-                <a:latin typeface="Times New Roman" panose="02020603050405020304" pitchFamily="18" charset="0"/>
-                <a:cs typeface="Times New Roman" panose="02020603050405020304" pitchFamily="18" charset="0"/>
-              </a:rPr>
-              <a:t>(</a:t>
-            </a:r>
-            <a:r>
-              <a:rPr lang="en-US" sz="1600" dirty="0" err="1">
-                <a:solidFill>
-                  <a:schemeClr val="tx1"/>
-                </a:solidFill>
-                <a:latin typeface="Times New Roman" panose="02020603050405020304" pitchFamily="18" charset="0"/>
-                <a:cs typeface="Times New Roman" panose="02020603050405020304" pitchFamily="18" charset="0"/>
-              </a:rPr>
-              <a:t>db</a:t>
-            </a:r>
-            <a:r>
-              <a:rPr lang="en-US" sz="1600" dirty="0">
-                <a:solidFill>
-                  <a:schemeClr val="tx1"/>
-                </a:solidFill>
-                <a:latin typeface="Times New Roman" panose="02020603050405020304" pitchFamily="18" charset="0"/>
-                <a:cs typeface="Times New Roman" panose="02020603050405020304" pitchFamily="18" charset="0"/>
-              </a:rPr>
-              <a:t>);</a:t>
-            </a:r>
-          </a:p>
-          <a:p>
-            <a:pPr marL="109728" indent="0">
-              <a:buNone/>
-            </a:pPr>
-            <a:r>
-              <a:rPr lang="en-US" sz="1600" dirty="0">
-                <a:solidFill>
-                  <a:schemeClr val="tx1"/>
-                </a:solidFill>
-                <a:latin typeface="Times New Roman" panose="02020603050405020304" pitchFamily="18" charset="0"/>
-                <a:cs typeface="Times New Roman" panose="02020603050405020304" pitchFamily="18" charset="0"/>
-              </a:rPr>
-              <a:t> </a:t>
-            </a:r>
-          </a:p>
-          <a:p>
-            <a:pPr marL="109728" indent="0">
-              <a:buNone/>
-            </a:pPr>
-            <a:r>
-              <a:rPr lang="en-US" sz="1600" dirty="0">
-                <a:solidFill>
-                  <a:schemeClr val="tx1"/>
-                </a:solidFill>
-                <a:latin typeface="Times New Roman" panose="02020603050405020304" pitchFamily="18" charset="0"/>
-                <a:cs typeface="Times New Roman" panose="02020603050405020304" pitchFamily="18" charset="0"/>
-              </a:rPr>
-              <a:t># Query the </a:t>
-            </a:r>
-            <a:r>
-              <a:rPr lang="en-US" sz="1600" dirty="0" err="1">
-                <a:solidFill>
-                  <a:schemeClr val="tx1"/>
-                </a:solidFill>
-                <a:latin typeface="Times New Roman" panose="02020603050405020304" pitchFamily="18" charset="0"/>
-                <a:cs typeface="Times New Roman" panose="02020603050405020304" pitchFamily="18" charset="0"/>
-              </a:rPr>
-              <a:t>CisBP</a:t>
-            </a:r>
-            <a:r>
-              <a:rPr lang="en-US" sz="1600" dirty="0">
-                <a:solidFill>
-                  <a:schemeClr val="tx1"/>
-                </a:solidFill>
-                <a:latin typeface="Times New Roman" panose="02020603050405020304" pitchFamily="18" charset="0"/>
-                <a:cs typeface="Times New Roman" panose="02020603050405020304" pitchFamily="18" charset="0"/>
-              </a:rPr>
-              <a:t> dataset and select the motifs for a </a:t>
-            </a:r>
-            <a:r>
-              <a:rPr lang="en-US" sz="1600" dirty="0" smtClean="0">
-                <a:solidFill>
-                  <a:schemeClr val="tx1"/>
-                </a:solidFill>
-                <a:latin typeface="Times New Roman" panose="02020603050405020304" pitchFamily="18" charset="0"/>
-                <a:cs typeface="Times New Roman" panose="02020603050405020304" pitchFamily="18" charset="0"/>
-              </a:rPr>
-              <a:t> </a:t>
-            </a:r>
-          </a:p>
-          <a:p>
-            <a:pPr marL="109728" indent="0">
-              <a:buNone/>
-            </a:pPr>
-            <a:r>
-              <a:rPr lang="en-US" sz="1600" dirty="0" smtClean="0">
-                <a:solidFill>
-                  <a:schemeClr val="tx1"/>
-                </a:solidFill>
-                <a:latin typeface="Times New Roman" panose="02020603050405020304" pitchFamily="18" charset="0"/>
-                <a:cs typeface="Times New Roman" panose="02020603050405020304" pitchFamily="18" charset="0"/>
-              </a:rPr>
-              <a:t># transcription </a:t>
-            </a:r>
-            <a:r>
-              <a:rPr lang="en-US" sz="1600" dirty="0">
-                <a:solidFill>
-                  <a:schemeClr val="tx1"/>
-                </a:solidFill>
-                <a:latin typeface="Times New Roman" panose="02020603050405020304" pitchFamily="18" charset="0"/>
-                <a:cs typeface="Times New Roman" panose="02020603050405020304" pitchFamily="18" charset="0"/>
-              </a:rPr>
-              <a:t>factor of interest</a:t>
-            </a:r>
-          </a:p>
-          <a:p>
-            <a:pPr marL="109728" indent="0">
-              <a:buNone/>
-            </a:pPr>
-            <a:r>
-              <a:rPr lang="en-US" sz="1600" dirty="0" err="1">
-                <a:solidFill>
-                  <a:schemeClr val="tx1"/>
-                </a:solidFill>
-                <a:latin typeface="Times New Roman" panose="02020603050405020304" pitchFamily="18" charset="0"/>
-                <a:cs typeface="Times New Roman" panose="02020603050405020304" pitchFamily="18" charset="0"/>
-              </a:rPr>
-              <a:t>tfs</a:t>
-            </a:r>
-            <a:r>
-              <a:rPr lang="en-US" sz="1600" dirty="0">
-                <a:solidFill>
-                  <a:schemeClr val="tx1"/>
-                </a:solidFill>
-                <a:latin typeface="Times New Roman" panose="02020603050405020304" pitchFamily="18" charset="0"/>
-                <a:cs typeface="Times New Roman" panose="02020603050405020304" pitchFamily="18" charset="0"/>
-              </a:rPr>
-              <a:t> &lt;- </a:t>
-            </a:r>
-            <a:r>
-              <a:rPr lang="en-US" sz="1600" dirty="0" err="1">
-                <a:solidFill>
-                  <a:schemeClr val="tx1"/>
-                </a:solidFill>
-                <a:latin typeface="Times New Roman" panose="02020603050405020304" pitchFamily="18" charset="0"/>
-                <a:cs typeface="Times New Roman" panose="02020603050405020304" pitchFamily="18" charset="0"/>
-              </a:rPr>
-              <a:t>tfbs.createFromCisBP</a:t>
-            </a:r>
-            <a:r>
-              <a:rPr lang="en-US" sz="1600" dirty="0">
-                <a:solidFill>
-                  <a:schemeClr val="tx1"/>
-                </a:solidFill>
-                <a:latin typeface="Times New Roman" panose="02020603050405020304" pitchFamily="18" charset="0"/>
-                <a:cs typeface="Times New Roman" panose="02020603050405020304" pitchFamily="18" charset="0"/>
-              </a:rPr>
-              <a:t>(</a:t>
-            </a:r>
-            <a:r>
-              <a:rPr lang="en-US" sz="1600" dirty="0" err="1">
-                <a:solidFill>
-                  <a:schemeClr val="tx1"/>
-                </a:solidFill>
-                <a:latin typeface="Times New Roman" panose="02020603050405020304" pitchFamily="18" charset="0"/>
-                <a:cs typeface="Times New Roman" panose="02020603050405020304" pitchFamily="18" charset="0"/>
-              </a:rPr>
-              <a:t>db</a:t>
-            </a:r>
-            <a:r>
-              <a:rPr lang="en-US" sz="1600" dirty="0">
-                <a:solidFill>
-                  <a:schemeClr val="tx1"/>
-                </a:solidFill>
-                <a:latin typeface="Times New Roman" panose="02020603050405020304" pitchFamily="18" charset="0"/>
-                <a:cs typeface="Times New Roman" panose="02020603050405020304" pitchFamily="18" charset="0"/>
-              </a:rPr>
-              <a:t>, </a:t>
-            </a:r>
-            <a:r>
-              <a:rPr lang="en-US" sz="1600" dirty="0" err="1">
-                <a:solidFill>
-                  <a:schemeClr val="tx1"/>
-                </a:solidFill>
-                <a:latin typeface="Times New Roman" panose="02020603050405020304" pitchFamily="18" charset="0"/>
-                <a:cs typeface="Times New Roman" panose="02020603050405020304" pitchFamily="18" charset="0"/>
-              </a:rPr>
-              <a:t>family_name</a:t>
-            </a:r>
-            <a:r>
-              <a:rPr lang="en-US" sz="1600" dirty="0">
-                <a:solidFill>
-                  <a:schemeClr val="tx1"/>
-                </a:solidFill>
-                <a:latin typeface="Times New Roman" panose="02020603050405020304" pitchFamily="18" charset="0"/>
-                <a:cs typeface="Times New Roman" panose="02020603050405020304" pitchFamily="18" charset="0"/>
-              </a:rPr>
-              <a:t>="AP-2");</a:t>
-            </a:r>
-          </a:p>
-          <a:p>
-            <a:pPr marL="109728" indent="0">
-              <a:buNone/>
-            </a:pPr>
-            <a:endParaRPr lang="en-US" sz="1600" dirty="0" smtClean="0">
-              <a:solidFill>
-                <a:schemeClr val="tx1"/>
-              </a:solidFill>
-              <a:latin typeface="Times New Roman" panose="02020603050405020304" pitchFamily="18" charset="0"/>
-              <a:cs typeface="Times New Roman" panose="02020603050405020304" pitchFamily="18" charset="0"/>
-            </a:endParaRPr>
-          </a:p>
-          <a:p>
-            <a:pPr marL="109728" indent="0">
-              <a:buNone/>
-            </a:pPr>
-            <a:r>
-              <a:rPr lang="en-US" sz="1600" dirty="0" smtClean="0">
-                <a:solidFill>
-                  <a:schemeClr val="tx1"/>
-                </a:solidFill>
-                <a:latin typeface="Times New Roman" panose="02020603050405020304" pitchFamily="18" charset="0"/>
-                <a:cs typeface="Times New Roman" panose="02020603050405020304" pitchFamily="18" charset="0"/>
-              </a:rPr>
-              <a:t># Use all direct and inferred motif data to query AP-2</a:t>
-            </a:r>
-          </a:p>
-          <a:p>
-            <a:pPr marL="109728" indent="0">
-              <a:buNone/>
-            </a:pPr>
-            <a:r>
-              <a:rPr lang="en-US" sz="1600" dirty="0" err="1">
-                <a:solidFill>
-                  <a:schemeClr val="tx1"/>
-                </a:solidFill>
-                <a:latin typeface="Times New Roman" panose="02020603050405020304" pitchFamily="18" charset="0"/>
-                <a:cs typeface="Times New Roman" panose="02020603050405020304" pitchFamily="18" charset="0"/>
-              </a:rPr>
-              <a:t>tfs</a:t>
-            </a:r>
-            <a:r>
-              <a:rPr lang="en-US" sz="1600" dirty="0">
-                <a:solidFill>
-                  <a:schemeClr val="tx1"/>
-                </a:solidFill>
-                <a:latin typeface="Times New Roman" panose="02020603050405020304" pitchFamily="18" charset="0"/>
-                <a:cs typeface="Times New Roman" panose="02020603050405020304" pitchFamily="18" charset="0"/>
-              </a:rPr>
-              <a:t> &lt;- </a:t>
-            </a:r>
-            <a:r>
-              <a:rPr lang="en-US" sz="1600" dirty="0" err="1">
-                <a:solidFill>
-                  <a:schemeClr val="tx1"/>
-                </a:solidFill>
-                <a:latin typeface="Times New Roman" panose="02020603050405020304" pitchFamily="18" charset="0"/>
-                <a:cs typeface="Times New Roman" panose="02020603050405020304" pitchFamily="18" charset="0"/>
-              </a:rPr>
-              <a:t>tfbs.createFromCisBP</a:t>
-            </a:r>
-            <a:r>
-              <a:rPr lang="en-US" sz="1600" dirty="0">
-                <a:solidFill>
-                  <a:schemeClr val="tx1"/>
-                </a:solidFill>
-                <a:latin typeface="Times New Roman" panose="02020603050405020304" pitchFamily="18" charset="0"/>
-                <a:cs typeface="Times New Roman" panose="02020603050405020304" pitchFamily="18" charset="0"/>
-              </a:rPr>
-              <a:t>(</a:t>
-            </a:r>
-            <a:r>
-              <a:rPr lang="en-US" sz="1600" dirty="0" err="1">
-                <a:solidFill>
-                  <a:schemeClr val="tx1"/>
-                </a:solidFill>
-                <a:latin typeface="Times New Roman" panose="02020603050405020304" pitchFamily="18" charset="0"/>
-                <a:cs typeface="Times New Roman" panose="02020603050405020304" pitchFamily="18" charset="0"/>
-              </a:rPr>
-              <a:t>db</a:t>
-            </a:r>
-            <a:r>
-              <a:rPr lang="en-US" sz="1600" dirty="0">
-                <a:solidFill>
-                  <a:schemeClr val="tx1"/>
-                </a:solidFill>
-                <a:latin typeface="Times New Roman" panose="02020603050405020304" pitchFamily="18" charset="0"/>
-                <a:cs typeface="Times New Roman" panose="02020603050405020304" pitchFamily="18" charset="0"/>
-              </a:rPr>
-              <a:t>, </a:t>
-            </a:r>
-            <a:r>
-              <a:rPr lang="en-US" sz="1600" dirty="0" err="1">
-                <a:solidFill>
-                  <a:schemeClr val="tx1"/>
-                </a:solidFill>
-                <a:latin typeface="Times New Roman" panose="02020603050405020304" pitchFamily="18" charset="0"/>
-                <a:cs typeface="Times New Roman" panose="02020603050405020304" pitchFamily="18" charset="0"/>
-              </a:rPr>
-              <a:t>family_name</a:t>
-            </a:r>
-            <a:r>
-              <a:rPr lang="en-US" sz="1600" dirty="0">
-                <a:solidFill>
-                  <a:schemeClr val="tx1"/>
-                </a:solidFill>
-                <a:latin typeface="Times New Roman" panose="02020603050405020304" pitchFamily="18" charset="0"/>
-                <a:cs typeface="Times New Roman" panose="02020603050405020304" pitchFamily="18" charset="0"/>
-              </a:rPr>
-              <a:t>="</a:t>
-            </a:r>
-            <a:r>
-              <a:rPr lang="en-US" sz="1600" dirty="0" smtClean="0">
-                <a:solidFill>
-                  <a:schemeClr val="tx1"/>
-                </a:solidFill>
-                <a:latin typeface="Times New Roman" panose="02020603050405020304" pitchFamily="18" charset="0"/>
-                <a:cs typeface="Times New Roman" panose="02020603050405020304" pitchFamily="18" charset="0"/>
-              </a:rPr>
-              <a:t>AP-2</a:t>
-            </a:r>
-            <a:r>
-              <a:rPr lang="en-US" sz="1600" dirty="0">
-                <a:solidFill>
-                  <a:schemeClr val="tx1"/>
-                </a:solidFill>
-                <a:latin typeface="Times New Roman" panose="02020603050405020304" pitchFamily="18" charset="0"/>
-                <a:cs typeface="Times New Roman" panose="02020603050405020304" pitchFamily="18" charset="0"/>
-              </a:rPr>
-              <a:t>"</a:t>
-            </a:r>
-            <a:r>
-              <a:rPr lang="en-US" sz="1600" dirty="0" smtClean="0">
-                <a:solidFill>
-                  <a:schemeClr val="tx1"/>
-                </a:solidFill>
-                <a:latin typeface="Times New Roman" panose="02020603050405020304" pitchFamily="18" charset="0"/>
-                <a:cs typeface="Times New Roman" panose="02020603050405020304" pitchFamily="18" charset="0"/>
-              </a:rPr>
-              <a:t>,  </a:t>
-            </a:r>
-            <a:r>
-              <a:rPr lang="en-US" sz="1600" dirty="0" err="1" smtClean="0">
-                <a:solidFill>
-                  <a:schemeClr val="tx1"/>
-                </a:solidFill>
-                <a:latin typeface="Times New Roman" panose="02020603050405020304" pitchFamily="18" charset="0"/>
-                <a:cs typeface="Times New Roman" panose="02020603050405020304" pitchFamily="18" charset="0"/>
-              </a:rPr>
-              <a:t>tf.information.type</a:t>
-            </a:r>
-            <a:r>
-              <a:rPr lang="en-US" sz="1600" dirty="0" smtClean="0">
-                <a:solidFill>
-                  <a:schemeClr val="tx1"/>
-                </a:solidFill>
-                <a:latin typeface="Times New Roman" panose="02020603050405020304" pitchFamily="18" charset="0"/>
-                <a:cs typeface="Times New Roman" panose="02020603050405020304" pitchFamily="18" charset="0"/>
-              </a:rPr>
-              <a:t> = 2);</a:t>
-            </a:r>
-          </a:p>
-          <a:p>
-            <a:endParaRPr lang="en-US" sz="2000" dirty="0"/>
-          </a:p>
-          <a:p>
-            <a:endParaRPr lang="en-US" sz="2000" dirty="0"/>
-          </a:p>
-          <a:p>
-            <a:pPr marL="109728" indent="0">
-              <a:buNone/>
-            </a:pPr>
-            <a:endParaRPr lang="en-US" dirty="0" smtClean="0"/>
-          </a:p>
-        </p:txBody>
-      </p:sp>
-    </p:spTree>
-    <p:extLst>
-      <p:ext uri="{BB962C8B-B14F-4D97-AF65-F5344CB8AC3E}">
-        <p14:creationId xmlns:p14="http://schemas.microsoft.com/office/powerpoint/2010/main" val="2242570613"/>
-      </p:ext>
-    </p:extLst>
-  </p:cSld>
-  <p:clrMapOvr>
-    <a:masterClrMapping/>
-  </p:clrMapOvr>
-  <mc:AlternateContent xmlns:mc="http://schemas.openxmlformats.org/markup-compatibility/2006" xmlns:p14="http://schemas.microsoft.com/office/powerpoint/2010/main">
-    <mc:Choice Requires="p14">
-      <p:transition spd="med" p14:dur="700">
-        <p:fade/>
-      </p:transition>
-    </mc:Choice>
-    <mc:Fallback xmlns="">
-      <p:transition spd="med">
-        <p:fade/>
-      </p:transition>
-    </mc:Fallback>
-  </mc:AlternateContent>
-  <p:timing>
-    <p:tnLst>
-      <p:par>
-        <p:cTn id="1" dur="indefinite" restart="never" nodeType="tmRoot"/>
-      </p:par>
-    </p:tnLst>
-  </p:timing>
-</p:sld>
-</file>
-
-<file path=ppt/slides/slide8.xml><?xml version="1.0" encoding="utf-8"?>
-<p:sld xmlns:a="http://schemas.openxmlformats.org/drawingml/2006/main" xmlns:r="http://schemas.openxmlformats.org/officeDocument/2006/relationships" xmlns:p="http://schemas.openxmlformats.org/presentationml/2006/main">
-  <p:cSld>
-    <p:spTree>
-      <p:nvGrpSpPr>
-        <p:cNvPr id="1" name=""/>
-        <p:cNvGrpSpPr/>
-        <p:nvPr/>
-      </p:nvGrpSpPr>
-      <p:grpSpPr>
-        <a:xfrm>
-          <a:off x="0" y="0"/>
-          <a:ext cx="0" cy="0"/>
-          <a:chOff x="0" y="0"/>
-          <a:chExt cx="0" cy="0"/>
-        </a:xfrm>
-      </p:grpSpPr>
-      <p:sp>
-        <p:nvSpPr>
-          <p:cNvPr id="2" name="Title 1"/>
-          <p:cNvSpPr>
-            <a:spLocks noGrp="1"/>
-          </p:cNvSpPr>
-          <p:nvPr>
-            <p:ph type="title"/>
-          </p:nvPr>
-        </p:nvSpPr>
-        <p:spPr>
-          <a:xfrm>
-            <a:off x="609600" y="1143000"/>
-            <a:ext cx="10972800" cy="908002"/>
-          </a:xfrm>
-        </p:spPr>
-        <p:txBody>
-          <a:bodyPr/>
-          <a:lstStyle/>
-          <a:p>
-            <a:r>
-              <a:rPr lang="en-US" dirty="0"/>
-              <a:t>Step 2: Selecting motif </a:t>
-            </a:r>
-            <a:r>
-              <a:rPr lang="en-US" dirty="0" smtClean="0"/>
-              <a:t>data (</a:t>
-            </a:r>
-            <a:r>
-              <a:rPr lang="en-US" dirty="0"/>
-              <a:t>continued</a:t>
-            </a:r>
-            <a:r>
-              <a:rPr lang="en-US" dirty="0" smtClean="0"/>
-              <a:t>)</a:t>
-            </a:r>
-            <a:endParaRPr lang="en-US" dirty="0"/>
-          </a:p>
-        </p:txBody>
-      </p:sp>
-      <p:sp>
-        <p:nvSpPr>
-          <p:cNvPr id="4" name="Content Placeholder 2"/>
-          <p:cNvSpPr txBox="1">
-            <a:spLocks/>
-          </p:cNvSpPr>
-          <p:nvPr/>
-        </p:nvSpPr>
-        <p:spPr>
-          <a:xfrm>
-            <a:off x="609600" y="2051001"/>
-            <a:ext cx="5045090" cy="4303145"/>
-          </a:xfrm>
-          <a:prstGeom prst="rect">
-            <a:avLst/>
-          </a:prstGeom>
-        </p:spPr>
-        <p:txBody>
-          <a:bodyPr vert="horz">
-            <a:normAutofit fontScale="70000" lnSpcReduction="20000"/>
-          </a:bodyPr>
-          <a:lstStyle>
-            <a:lvl1pPr marL="365760" indent="-256032" algn="l" rtl="0" eaLnBrk="1" latinLnBrk="0" hangingPunct="1">
-              <a:spcBef>
-                <a:spcPts val="300"/>
-              </a:spcBef>
-              <a:buClr>
-                <a:schemeClr val="accent3"/>
-              </a:buClr>
-              <a:buFont typeface="Georgia"/>
-              <a:buChar char="•"/>
-              <a:defRPr kumimoji="0" sz="2800" kern="1200">
-                <a:solidFill>
-                  <a:schemeClr val="tx2"/>
-                </a:solidFill>
-                <a:latin typeface="+mn-lt"/>
-                <a:ea typeface="+mn-ea"/>
-                <a:cs typeface="+mn-cs"/>
-              </a:defRPr>
-            </a:lvl1pPr>
-            <a:lvl2pPr marL="658368" indent="-246888" algn="l" rtl="0" eaLnBrk="1" latinLnBrk="0" hangingPunct="1">
-              <a:spcBef>
-                <a:spcPts val="300"/>
-              </a:spcBef>
-              <a:buClr>
-                <a:schemeClr val="accent2"/>
-              </a:buClr>
-              <a:buFont typeface="Georgia"/>
-              <a:buChar char="▫"/>
-              <a:defRPr kumimoji="0" sz="2600" kern="1200">
-                <a:solidFill>
-                  <a:schemeClr val="tx2"/>
-                </a:solidFill>
-                <a:latin typeface="+mn-lt"/>
-                <a:ea typeface="+mn-ea"/>
-                <a:cs typeface="+mn-cs"/>
-              </a:defRPr>
-            </a:lvl2pPr>
-            <a:lvl3pPr marL="923544" indent="-219456" algn="l" rtl="0" eaLnBrk="1" latinLnBrk="0" hangingPunct="1">
-              <a:spcBef>
-                <a:spcPts val="300"/>
-              </a:spcBef>
-              <a:buClr>
-                <a:schemeClr val="accent1"/>
-              </a:buClr>
-              <a:buFont typeface="Wingdings 2" panose="05020102010507070707" pitchFamily="18" charset="2"/>
-              <a:buChar char=""/>
-              <a:defRPr kumimoji="0" sz="2400" kern="1200">
-                <a:solidFill>
-                  <a:schemeClr val="tx2"/>
-                </a:solidFill>
-                <a:latin typeface="+mn-lt"/>
-                <a:ea typeface="+mn-ea"/>
-                <a:cs typeface="+mn-cs"/>
-              </a:defRPr>
-            </a:lvl3pPr>
-            <a:lvl4pPr marL="1179576" indent="-201168" algn="l" rtl="0" eaLnBrk="1" latinLnBrk="0" hangingPunct="1">
-              <a:spcBef>
-                <a:spcPts val="300"/>
-              </a:spcBef>
-              <a:buClr>
-                <a:schemeClr val="accent1"/>
-              </a:buClr>
-              <a:buFont typeface="Wingdings 2" panose="05020102010507070707" pitchFamily="18" charset="2"/>
-              <a:buChar char=""/>
-              <a:defRPr kumimoji="0" sz="2200" kern="1200">
-                <a:solidFill>
-                  <a:schemeClr val="tx2"/>
-                </a:solidFill>
-                <a:latin typeface="+mn-lt"/>
-                <a:ea typeface="+mn-ea"/>
-                <a:cs typeface="+mn-cs"/>
-              </a:defRPr>
-            </a:lvl4pPr>
-            <a:lvl5pPr marL="1389888" indent="-182880" algn="l" rtl="0" eaLnBrk="1" latinLnBrk="0" hangingPunct="1">
-              <a:spcBef>
-                <a:spcPts val="300"/>
-              </a:spcBef>
-              <a:buClr>
-                <a:schemeClr val="accent1"/>
-              </a:buClr>
-              <a:buFont typeface="Wingdings 2" panose="05020102010507070707" pitchFamily="18" charset="2"/>
-              <a:buChar char=""/>
-              <a:defRPr kumimoji="0" sz="2000" kern="1200">
-                <a:solidFill>
-                  <a:schemeClr val="tx2"/>
-                </a:solidFill>
-                <a:latin typeface="+mn-lt"/>
-                <a:ea typeface="+mn-ea"/>
-                <a:cs typeface="+mn-cs"/>
-              </a:defRPr>
-            </a:lvl5pPr>
-            <a:lvl6pPr marL="1609344" indent="-182880" algn="l" rtl="0" eaLnBrk="1" latinLnBrk="0" hangingPunct="1">
-              <a:spcBef>
-                <a:spcPts val="300"/>
-              </a:spcBef>
-              <a:buClr>
-                <a:schemeClr val="accent1"/>
-              </a:buClr>
-              <a:buFont typeface="Wingdings 2" panose="05020102010507070707" pitchFamily="18" charset="2"/>
-              <a:buChar char=""/>
-              <a:defRPr kumimoji="0" sz="1800" kern="1200">
-                <a:solidFill>
-                  <a:schemeClr val="tx2"/>
-                </a:solidFill>
-                <a:latin typeface="+mn-lt"/>
-                <a:ea typeface="+mn-ea"/>
-                <a:cs typeface="+mn-cs"/>
-              </a:defRPr>
-            </a:lvl6pPr>
-            <a:lvl7pPr marL="1828800" indent="-182880" algn="l" rtl="0" eaLnBrk="1" latinLnBrk="0" hangingPunct="1">
-              <a:spcBef>
-                <a:spcPts val="300"/>
-              </a:spcBef>
-              <a:buClr>
-                <a:schemeClr val="accent1"/>
-              </a:buClr>
-              <a:buFont typeface="Wingdings 2" panose="05020102010507070707" pitchFamily="18" charset="2"/>
-              <a:buChar char=""/>
-              <a:defRPr kumimoji="0" sz="1600" kern="1200">
-                <a:solidFill>
-                  <a:schemeClr val="tx2"/>
-                </a:solidFill>
-                <a:latin typeface="+mn-lt"/>
-                <a:ea typeface="+mn-ea"/>
-                <a:cs typeface="+mn-cs"/>
-              </a:defRPr>
-            </a:lvl7pPr>
-            <a:lvl8pPr marL="2029968" indent="-182880" algn="l" rtl="0" eaLnBrk="1" latinLnBrk="0" hangingPunct="1">
-              <a:spcBef>
-                <a:spcPts val="300"/>
-              </a:spcBef>
-              <a:buClr>
-                <a:schemeClr val="accent1"/>
-              </a:buClr>
-              <a:buFont typeface="Wingdings 2" panose="05020102010507070707" pitchFamily="18" charset="2"/>
-              <a:buChar char=""/>
-              <a:defRPr kumimoji="0" sz="1500" kern="1200">
-                <a:solidFill>
-                  <a:schemeClr val="tx2"/>
-                </a:solidFill>
-                <a:latin typeface="+mn-lt"/>
-                <a:ea typeface="+mn-ea"/>
-                <a:cs typeface="+mn-cs"/>
-              </a:defRPr>
-            </a:lvl8pPr>
-            <a:lvl9pPr marL="2240280" indent="-182880" algn="l" rtl="0" eaLnBrk="1" latinLnBrk="0" hangingPunct="1">
-              <a:spcBef>
-                <a:spcPts val="300"/>
-              </a:spcBef>
-              <a:buClr>
-                <a:schemeClr val="accent1"/>
-              </a:buClr>
-              <a:buFont typeface="Wingdings 2" panose="05020102010507070707" pitchFamily="18" charset="2"/>
-              <a:buChar char=""/>
-              <a:defRPr kumimoji="0" sz="1400" kern="1200" baseline="0">
-                <a:solidFill>
-                  <a:schemeClr val="tx2"/>
-                </a:solidFill>
-                <a:latin typeface="+mn-lt"/>
-                <a:ea typeface="+mn-ea"/>
-                <a:cs typeface="+mn-cs"/>
-              </a:defRPr>
-            </a:lvl9pPr>
-          </a:lstStyle>
-          <a:p>
-            <a:pPr marL="109728" indent="0">
-              <a:buNone/>
-            </a:pPr>
-            <a:r>
-              <a:rPr lang="en-US" sz="3100" dirty="0" smtClean="0"/>
-              <a:t>Advanced way:</a:t>
-            </a:r>
-          </a:p>
-          <a:p>
-            <a:pPr marL="109728" indent="0">
-              <a:buNone/>
-            </a:pPr>
-            <a:endParaRPr lang="en-US" sz="2000" dirty="0" smtClean="0"/>
-          </a:p>
-          <a:p>
-            <a:pPr marL="109728" indent="0">
-              <a:buNone/>
-            </a:pPr>
-            <a:r>
-              <a:rPr lang="en-US" sz="2000" dirty="0" smtClean="0"/>
-              <a:t>Motifs for expressed TFs can be selected according to gene expression values in GRO-</a:t>
-            </a:r>
-            <a:r>
-              <a:rPr lang="en-US" sz="2000" dirty="0" err="1" smtClean="0"/>
-              <a:t>seq</a:t>
-            </a:r>
-            <a:r>
-              <a:rPr lang="en-US" sz="2000" dirty="0" smtClean="0"/>
-              <a:t> or PRO-</a:t>
-            </a:r>
-            <a:r>
-              <a:rPr lang="en-US" sz="2000" dirty="0" err="1" smtClean="0"/>
-              <a:t>seq</a:t>
-            </a:r>
-            <a:r>
-              <a:rPr lang="en-US" sz="2000" dirty="0" smtClean="0"/>
-              <a:t> experiment.</a:t>
-            </a:r>
-          </a:p>
-          <a:p>
-            <a:pPr marL="109728" indent="0">
-              <a:buNone/>
-            </a:pPr>
-            <a:endParaRPr lang="en-US" sz="2000" dirty="0" smtClean="0"/>
-          </a:p>
-          <a:p>
-            <a:pPr marL="109728" indent="0">
-              <a:buNone/>
-            </a:pPr>
-            <a:r>
-              <a:rPr lang="en-US" sz="2000" dirty="0" smtClean="0"/>
-              <a:t>Data required:</a:t>
-            </a:r>
-          </a:p>
-          <a:p>
-            <a:pPr marL="109728" indent="0">
-              <a:buNone/>
-            </a:pPr>
-            <a:r>
-              <a:rPr lang="en-US" sz="2000" dirty="0" smtClean="0"/>
-              <a:t>(1) </a:t>
-            </a:r>
-            <a:r>
-              <a:rPr lang="en-US" sz="2000" dirty="0" err="1" smtClean="0"/>
-              <a:t>Gencode</a:t>
-            </a:r>
-            <a:r>
-              <a:rPr lang="en-US" sz="2000" dirty="0" smtClean="0"/>
-              <a:t> annotation file.</a:t>
-            </a:r>
-          </a:p>
-          <a:p>
-            <a:pPr marL="109728" indent="0">
-              <a:buNone/>
-            </a:pPr>
-            <a:r>
-              <a:rPr lang="en-US" sz="2000" dirty="0" smtClean="0"/>
-              <a:t>       </a:t>
-            </a:r>
-            <a:r>
-              <a:rPr lang="en-US" sz="2000" dirty="0" smtClean="0">
-                <a:hlinkClick r:id="rId3"/>
-              </a:rPr>
-              <a:t>http</a:t>
-            </a:r>
-            <a:r>
-              <a:rPr lang="en-US" sz="2000" dirty="0">
-                <a:hlinkClick r:id="rId3"/>
-              </a:rPr>
-              <a:t>://</a:t>
-            </a:r>
-            <a:r>
-              <a:rPr lang="en-US" sz="2000" dirty="0" smtClean="0">
-                <a:hlinkClick r:id="rId3"/>
-              </a:rPr>
-              <a:t>www.gencodegenes.org/releases/19.html</a:t>
-            </a:r>
-            <a:r>
-              <a:rPr lang="en-US" sz="2000" dirty="0" smtClean="0"/>
-              <a:t> (human)</a:t>
-            </a:r>
-          </a:p>
-          <a:p>
-            <a:pPr marL="109728" indent="0">
-              <a:buNone/>
-            </a:pPr>
-            <a:r>
-              <a:rPr lang="en-US" sz="2000" dirty="0" smtClean="0"/>
-              <a:t>(2) 2-bit genome sequence file.</a:t>
-            </a:r>
-          </a:p>
-          <a:p>
-            <a:pPr marL="109728" indent="0">
-              <a:buNone/>
-            </a:pPr>
-            <a:r>
-              <a:rPr lang="en-US" sz="2000" dirty="0"/>
-              <a:t> </a:t>
-            </a:r>
-            <a:r>
-              <a:rPr lang="en-US" sz="2000" dirty="0" smtClean="0"/>
-              <a:t>     (hg19.2bit, mm10.2bit)</a:t>
-            </a:r>
-          </a:p>
-          <a:p>
-            <a:pPr marL="109728" indent="0">
-              <a:buNone/>
-            </a:pPr>
-            <a:r>
-              <a:rPr lang="en-US" sz="2000" dirty="0" smtClean="0"/>
-              <a:t>(3) </a:t>
-            </a:r>
-            <a:r>
-              <a:rPr lang="en-US" sz="2000" dirty="0"/>
-              <a:t>Bigwig files of plus and minus strand</a:t>
-            </a:r>
-          </a:p>
-          <a:p>
-            <a:pPr marL="109728" indent="0">
-              <a:buNone/>
-            </a:pPr>
-            <a:endParaRPr lang="en-US" sz="2000" dirty="0" smtClean="0"/>
-          </a:p>
-          <a:p>
-            <a:pPr marL="109728" indent="0">
-              <a:buNone/>
-            </a:pPr>
-            <a:r>
-              <a:rPr lang="en-US" sz="2000" dirty="0" smtClean="0"/>
-              <a:t>Optional parameters: </a:t>
-            </a:r>
-          </a:p>
-          <a:p>
-            <a:pPr marL="109728" indent="0">
-              <a:buNone/>
-            </a:pPr>
-            <a:r>
-              <a:rPr lang="en-US" sz="2000" dirty="0" smtClean="0"/>
-              <a:t>(1) </a:t>
-            </a:r>
-            <a:r>
-              <a:rPr lang="en-US" sz="2000" dirty="0" err="1" smtClean="0"/>
-              <a:t>expressed.only</a:t>
-            </a:r>
-            <a:r>
-              <a:rPr lang="en-US" sz="2000" dirty="0" smtClean="0"/>
-              <a:t> must be TRUE</a:t>
-            </a:r>
-            <a:endParaRPr lang="en-US" sz="2000" dirty="0"/>
-          </a:p>
-          <a:p>
-            <a:pPr marL="109728" indent="0">
-              <a:buNone/>
-            </a:pPr>
-            <a:r>
-              <a:rPr lang="en-US" sz="2000" dirty="0" smtClean="0"/>
-              <a:t>(2) </a:t>
-            </a:r>
-            <a:r>
-              <a:rPr lang="en-US" sz="2000" dirty="0" err="1" smtClean="0"/>
-              <a:t>include.DBID.missing</a:t>
-            </a:r>
-            <a:r>
-              <a:rPr lang="en-US" sz="2000" dirty="0" smtClean="0"/>
-              <a:t>: </a:t>
-            </a:r>
-          </a:p>
-          <a:p>
-            <a:pPr marL="109728" indent="0">
-              <a:buNone/>
-            </a:pPr>
-            <a:r>
-              <a:rPr lang="en-US" sz="2000" dirty="0" smtClean="0"/>
-              <a:t>(3) </a:t>
-            </a:r>
-            <a:r>
-              <a:rPr lang="en-US" sz="2000" dirty="0" err="1"/>
-              <a:t>ncores</a:t>
-            </a:r>
-            <a:r>
-              <a:rPr lang="en-US" sz="2000" dirty="0"/>
-              <a:t>: Parallel cores</a:t>
-            </a:r>
-          </a:p>
-          <a:p>
-            <a:pPr marL="109728" indent="0">
-              <a:buNone/>
-            </a:pPr>
-            <a:endParaRPr lang="en-US" sz="2000" dirty="0"/>
-          </a:p>
-          <a:p>
-            <a:pPr marL="109728" indent="0">
-              <a:buNone/>
-            </a:pPr>
-            <a:r>
-              <a:rPr lang="en-US" sz="2000" dirty="0" smtClean="0"/>
-              <a:t>It takes a long time to compute!</a:t>
-            </a:r>
-          </a:p>
-          <a:p>
-            <a:pPr marL="109728" indent="0">
-              <a:buNone/>
-            </a:pPr>
-            <a:endParaRPr lang="en-US" sz="2000" dirty="0" smtClean="0"/>
-          </a:p>
-          <a:p>
-            <a:pPr marL="109728" indent="0">
-              <a:buNone/>
-            </a:pPr>
-            <a:endParaRPr lang="en-US" sz="2000" dirty="0" smtClean="0"/>
-          </a:p>
-          <a:p>
-            <a:pPr marL="109728" indent="0">
-              <a:buNone/>
-            </a:pPr>
-            <a:endParaRPr lang="en-US" sz="2000" dirty="0" smtClean="0"/>
-          </a:p>
-          <a:p>
-            <a:pPr marL="109728" indent="0">
-              <a:buNone/>
-            </a:pPr>
-            <a:endParaRPr lang="en-US" dirty="0" smtClean="0"/>
-          </a:p>
-        </p:txBody>
-      </p:sp>
-      <p:sp>
-        <p:nvSpPr>
-          <p:cNvPr id="6" name="Content Placeholder 2"/>
-          <p:cNvSpPr>
-            <a:spLocks noGrp="1"/>
-          </p:cNvSpPr>
-          <p:nvPr>
-            <p:ph idx="1"/>
-          </p:nvPr>
-        </p:nvSpPr>
-        <p:spPr>
-          <a:xfrm>
-            <a:off x="6228784" y="2051001"/>
-            <a:ext cx="5628236" cy="4172517"/>
-          </a:xfrm>
-          <a:ln w="19050">
-            <a:solidFill>
-              <a:schemeClr val="tx1"/>
-            </a:solidFill>
-          </a:ln>
-        </p:spPr>
-        <p:txBody>
-          <a:bodyPr>
-            <a:normAutofit/>
-          </a:bodyPr>
-          <a:lstStyle/>
-          <a:p>
-            <a:pPr marL="109728" indent="0">
-              <a:buNone/>
-            </a:pPr>
-            <a:r>
-              <a:rPr lang="en-US" sz="2000" dirty="0" smtClean="0">
-                <a:solidFill>
-                  <a:schemeClr val="tx1"/>
-                </a:solidFill>
-                <a:latin typeface="Times New Roman" panose="02020603050405020304" pitchFamily="18" charset="0"/>
-                <a:cs typeface="Times New Roman" panose="02020603050405020304" pitchFamily="18" charset="0"/>
-              </a:rPr>
-              <a:t>## Programming Notes:</a:t>
-            </a:r>
-          </a:p>
-          <a:p>
-            <a:pPr marL="109728" indent="0">
-              <a:buNone/>
-            </a:pPr>
-            <a:endParaRPr lang="en-US" sz="2000" dirty="0" smtClean="0">
-              <a:solidFill>
-                <a:schemeClr val="tx1"/>
-              </a:solidFill>
-            </a:endParaRPr>
-          </a:p>
-          <a:p>
-            <a:pPr marL="109728" indent="0">
-              <a:buNone/>
-            </a:pPr>
-            <a:r>
-              <a:rPr lang="en-US" sz="1600" dirty="0" err="1" smtClean="0">
-                <a:solidFill>
-                  <a:schemeClr val="tx1"/>
-                </a:solidFill>
-                <a:latin typeface="Times New Roman" panose="02020603050405020304" pitchFamily="18" charset="0"/>
-                <a:cs typeface="Times New Roman" panose="02020603050405020304" pitchFamily="18" charset="0"/>
-              </a:rPr>
-              <a:t>tfs</a:t>
-            </a:r>
-            <a:r>
-              <a:rPr lang="en-US" sz="1600" dirty="0" smtClean="0">
-                <a:solidFill>
-                  <a:schemeClr val="tx1"/>
-                </a:solidFill>
-                <a:latin typeface="Times New Roman" panose="02020603050405020304" pitchFamily="18" charset="0"/>
-                <a:cs typeface="Times New Roman" panose="02020603050405020304" pitchFamily="18" charset="0"/>
-              </a:rPr>
-              <a:t> </a:t>
-            </a:r>
-            <a:r>
-              <a:rPr lang="en-US" sz="1600" dirty="0">
-                <a:solidFill>
-                  <a:schemeClr val="tx1"/>
-                </a:solidFill>
-                <a:latin typeface="Times New Roman" panose="02020603050405020304" pitchFamily="18" charset="0"/>
-                <a:cs typeface="Times New Roman" panose="02020603050405020304" pitchFamily="18" charset="0"/>
-              </a:rPr>
-              <a:t>&lt;- </a:t>
-            </a:r>
-            <a:r>
-              <a:rPr lang="en-US" sz="1600" dirty="0" err="1" smtClean="0">
-                <a:solidFill>
-                  <a:schemeClr val="tx1"/>
-                </a:solidFill>
-                <a:latin typeface="Times New Roman" panose="02020603050405020304" pitchFamily="18" charset="0"/>
-                <a:cs typeface="Times New Roman" panose="02020603050405020304" pitchFamily="18" charset="0"/>
-              </a:rPr>
-              <a:t>tfbs.createFromCisBP</a:t>
-            </a:r>
-            <a:r>
-              <a:rPr lang="en-US" sz="1600" dirty="0" smtClean="0">
-                <a:solidFill>
-                  <a:schemeClr val="tx1"/>
-                </a:solidFill>
-                <a:latin typeface="Times New Roman" panose="02020603050405020304" pitchFamily="18" charset="0"/>
-                <a:cs typeface="Times New Roman" panose="02020603050405020304" pitchFamily="18" charset="0"/>
-              </a:rPr>
-              <a:t>( </a:t>
-            </a:r>
-            <a:r>
-              <a:rPr lang="en-US" sz="1600" dirty="0" err="1" smtClean="0">
-                <a:solidFill>
-                  <a:schemeClr val="tx1"/>
-                </a:solidFill>
-                <a:latin typeface="Times New Roman" panose="02020603050405020304" pitchFamily="18" charset="0"/>
-                <a:cs typeface="Times New Roman" panose="02020603050405020304" pitchFamily="18" charset="0"/>
-              </a:rPr>
-              <a:t>db</a:t>
-            </a:r>
-            <a:r>
-              <a:rPr lang="en-US" sz="1600" dirty="0" smtClean="0">
-                <a:solidFill>
-                  <a:schemeClr val="tx1"/>
-                </a:solidFill>
-                <a:latin typeface="Times New Roman" panose="02020603050405020304" pitchFamily="18" charset="0"/>
-                <a:cs typeface="Times New Roman" panose="02020603050405020304" pitchFamily="18" charset="0"/>
-              </a:rPr>
-              <a:t> );</a:t>
-            </a:r>
-          </a:p>
-          <a:p>
-            <a:pPr marL="109728" indent="0">
-              <a:buNone/>
-            </a:pPr>
-            <a:endParaRPr lang="en-US" sz="1600" dirty="0" smtClean="0">
-              <a:solidFill>
-                <a:schemeClr val="tx1"/>
-              </a:solidFill>
-              <a:latin typeface="Times New Roman" panose="02020603050405020304" pitchFamily="18" charset="0"/>
-              <a:cs typeface="Times New Roman" panose="02020603050405020304" pitchFamily="18" charset="0"/>
-            </a:endParaRPr>
-          </a:p>
-          <a:p>
-            <a:pPr marL="109728" indent="0">
-              <a:buNone/>
-            </a:pPr>
-            <a:r>
-              <a:rPr lang="en-US" sz="1600" dirty="0">
-                <a:solidFill>
-                  <a:schemeClr val="tx1"/>
-                </a:solidFill>
-                <a:latin typeface="Times New Roman" panose="02020603050405020304" pitchFamily="18" charset="0"/>
-                <a:cs typeface="Times New Roman" panose="02020603050405020304" pitchFamily="18" charset="0"/>
-              </a:rPr>
-              <a:t># Specify the bigwig files to filter the expressed TFs only </a:t>
-            </a:r>
-          </a:p>
-          <a:p>
-            <a:pPr marL="109728" indent="0">
-              <a:buNone/>
-            </a:pPr>
-            <a:r>
-              <a:rPr lang="en-US" sz="1600" dirty="0">
-                <a:solidFill>
-                  <a:schemeClr val="tx1"/>
-                </a:solidFill>
-                <a:latin typeface="Times New Roman" panose="02020603050405020304" pitchFamily="18" charset="0"/>
-                <a:cs typeface="Times New Roman" panose="02020603050405020304" pitchFamily="18" charset="0"/>
-              </a:rPr>
-              <a:t># (PRO-</a:t>
-            </a:r>
-            <a:r>
-              <a:rPr lang="en-US" sz="1600" dirty="0" err="1">
-                <a:solidFill>
-                  <a:schemeClr val="tx1"/>
-                </a:solidFill>
-                <a:latin typeface="Times New Roman" panose="02020603050405020304" pitchFamily="18" charset="0"/>
-                <a:cs typeface="Times New Roman" panose="02020603050405020304" pitchFamily="18" charset="0"/>
-              </a:rPr>
-              <a:t>seq</a:t>
-            </a:r>
-            <a:r>
-              <a:rPr lang="en-US" sz="1600" dirty="0">
-                <a:solidFill>
-                  <a:schemeClr val="tx1"/>
-                </a:solidFill>
-                <a:latin typeface="Times New Roman" panose="02020603050405020304" pitchFamily="18" charset="0"/>
-                <a:cs typeface="Times New Roman" panose="02020603050405020304" pitchFamily="18" charset="0"/>
-              </a:rPr>
-              <a:t>)</a:t>
-            </a:r>
-          </a:p>
-          <a:p>
-            <a:pPr marL="109728" indent="0">
-              <a:buNone/>
-            </a:pPr>
-            <a:r>
-              <a:rPr lang="en-US" sz="1600" dirty="0" err="1" smtClean="0">
-                <a:solidFill>
-                  <a:schemeClr val="tx1"/>
-                </a:solidFill>
-                <a:latin typeface="Times New Roman" panose="02020603050405020304" pitchFamily="18" charset="0"/>
-                <a:cs typeface="Times New Roman" panose="02020603050405020304" pitchFamily="18" charset="0"/>
-              </a:rPr>
-              <a:t>tfs</a:t>
-            </a:r>
-            <a:r>
-              <a:rPr lang="en-US" sz="1600" dirty="0" smtClean="0">
-                <a:solidFill>
-                  <a:schemeClr val="tx1"/>
-                </a:solidFill>
-                <a:latin typeface="Times New Roman" panose="02020603050405020304" pitchFamily="18" charset="0"/>
-                <a:cs typeface="Times New Roman" panose="02020603050405020304" pitchFamily="18" charset="0"/>
-              </a:rPr>
-              <a:t> </a:t>
-            </a:r>
-            <a:r>
-              <a:rPr lang="en-US" sz="1600" dirty="0">
-                <a:solidFill>
-                  <a:schemeClr val="tx1"/>
-                </a:solidFill>
-                <a:latin typeface="Times New Roman" panose="02020603050405020304" pitchFamily="18" charset="0"/>
-                <a:cs typeface="Times New Roman" panose="02020603050405020304" pitchFamily="18" charset="0"/>
-              </a:rPr>
-              <a:t>&lt;- </a:t>
-            </a:r>
-            <a:r>
-              <a:rPr lang="en-US" sz="1600" dirty="0" err="1" smtClean="0">
-                <a:solidFill>
-                  <a:schemeClr val="tx1"/>
-                </a:solidFill>
-                <a:latin typeface="Times New Roman" panose="02020603050405020304" pitchFamily="18" charset="0"/>
-                <a:cs typeface="Times New Roman" panose="02020603050405020304" pitchFamily="18" charset="0"/>
-              </a:rPr>
-              <a:t>tfbs.selectExpressedMotifs</a:t>
-            </a:r>
-            <a:r>
-              <a:rPr lang="en-US" sz="1600" dirty="0" smtClean="0">
-                <a:solidFill>
-                  <a:schemeClr val="tx1"/>
-                </a:solidFill>
-                <a:latin typeface="Times New Roman" panose="02020603050405020304" pitchFamily="18" charset="0"/>
-                <a:cs typeface="Times New Roman" panose="02020603050405020304" pitchFamily="18" charset="0"/>
-              </a:rPr>
-              <a:t>( </a:t>
-            </a:r>
-            <a:r>
-              <a:rPr lang="en-US" sz="1600" dirty="0" err="1" smtClean="0">
-                <a:solidFill>
-                  <a:schemeClr val="tx1"/>
-                </a:solidFill>
-                <a:latin typeface="Times New Roman" panose="02020603050405020304" pitchFamily="18" charset="0"/>
-                <a:cs typeface="Times New Roman" panose="02020603050405020304" pitchFamily="18" charset="0"/>
-              </a:rPr>
-              <a:t>tfs</a:t>
-            </a:r>
-            <a:r>
-              <a:rPr lang="en-US" sz="1600" dirty="0" smtClean="0">
-                <a:solidFill>
-                  <a:schemeClr val="tx1"/>
-                </a:solidFill>
-                <a:latin typeface="Times New Roman" panose="02020603050405020304" pitchFamily="18" charset="0"/>
-                <a:cs typeface="Times New Roman" panose="02020603050405020304" pitchFamily="18" charset="0"/>
-              </a:rPr>
-              <a:t>,</a:t>
-            </a:r>
-            <a:endParaRPr lang="en-US" sz="1600" dirty="0" smtClean="0">
-              <a:solidFill>
-                <a:schemeClr val="tx1"/>
-              </a:solidFill>
-              <a:latin typeface="Times New Roman" panose="02020603050405020304" pitchFamily="18" charset="0"/>
-              <a:cs typeface="Times New Roman" panose="02020603050405020304" pitchFamily="18" charset="0"/>
-            </a:endParaRPr>
-          </a:p>
-          <a:p>
-            <a:pPr marL="109728" indent="0">
-              <a:buNone/>
-            </a:pPr>
-            <a:r>
-              <a:rPr lang="en-US" sz="1600" dirty="0">
-                <a:solidFill>
-                  <a:schemeClr val="tx1"/>
-                </a:solidFill>
-                <a:latin typeface="Times New Roman" panose="02020603050405020304" pitchFamily="18" charset="0"/>
-                <a:cs typeface="Times New Roman" panose="02020603050405020304" pitchFamily="18" charset="0"/>
-              </a:rPr>
-              <a:t>	</a:t>
-            </a:r>
-            <a:r>
-              <a:rPr lang="en-US" sz="1600" dirty="0" err="1">
-                <a:solidFill>
-                  <a:schemeClr val="tx1"/>
-                </a:solidFill>
-                <a:latin typeface="Times New Roman" panose="02020603050405020304" pitchFamily="18" charset="0"/>
-                <a:cs typeface="Times New Roman" panose="02020603050405020304" pitchFamily="18" charset="0"/>
-              </a:rPr>
-              <a:t>file.twoBit</a:t>
-            </a:r>
-            <a:r>
-              <a:rPr lang="en-US" sz="1600" dirty="0">
-                <a:solidFill>
-                  <a:schemeClr val="tx1"/>
-                </a:solidFill>
-                <a:latin typeface="Times New Roman" panose="02020603050405020304" pitchFamily="18" charset="0"/>
-                <a:cs typeface="Times New Roman" panose="02020603050405020304" pitchFamily="18" charset="0"/>
-              </a:rPr>
-              <a:t>="hg19.2bit", 	</a:t>
-            </a:r>
-            <a:r>
-              <a:rPr lang="en-US" sz="1600" dirty="0">
-                <a:solidFill>
-                  <a:schemeClr val="tx1"/>
-                </a:solidFill>
-                <a:latin typeface="Times New Roman" panose="02020603050405020304" pitchFamily="18" charset="0"/>
-                <a:cs typeface="Times New Roman" panose="02020603050405020304" pitchFamily="18" charset="0"/>
-              </a:rPr>
-              <a:t>	</a:t>
-            </a:r>
-            <a:r>
-              <a:rPr lang="en-US" sz="1600" dirty="0" err="1">
-                <a:solidFill>
-                  <a:schemeClr val="tx1"/>
-                </a:solidFill>
-                <a:latin typeface="Times New Roman" panose="02020603050405020304" pitchFamily="18" charset="0"/>
-                <a:cs typeface="Times New Roman" panose="02020603050405020304" pitchFamily="18" charset="0"/>
-              </a:rPr>
-              <a:t>file.gencode.gtf</a:t>
-            </a:r>
-            <a:r>
-              <a:rPr lang="en-US" sz="1600" dirty="0">
-                <a:solidFill>
-                  <a:schemeClr val="tx1"/>
-                </a:solidFill>
-                <a:latin typeface="Times New Roman" panose="02020603050405020304" pitchFamily="18" charset="0"/>
-                <a:cs typeface="Times New Roman" panose="02020603050405020304" pitchFamily="18" charset="0"/>
-              </a:rPr>
-              <a:t>="gencode.v19.annotation.gtf.gz", </a:t>
-            </a:r>
-            <a:r>
-              <a:rPr lang="en-US" sz="1600" dirty="0" smtClean="0">
-                <a:solidFill>
-                  <a:schemeClr val="tx1"/>
-                </a:solidFill>
-                <a:latin typeface="Times New Roman" panose="02020603050405020304" pitchFamily="18" charset="0"/>
-                <a:cs typeface="Times New Roman" panose="02020603050405020304" pitchFamily="18" charset="0"/>
-              </a:rPr>
-              <a:t>	</a:t>
-            </a:r>
-            <a:r>
-              <a:rPr lang="en-US" sz="1600" dirty="0" err="1" smtClean="0">
-                <a:solidFill>
-                  <a:schemeClr val="tx1"/>
-                </a:solidFill>
-                <a:latin typeface="Times New Roman" panose="02020603050405020304" pitchFamily="18" charset="0"/>
-                <a:cs typeface="Times New Roman" panose="02020603050405020304" pitchFamily="18" charset="0"/>
-              </a:rPr>
-              <a:t>file.bigwig.plus</a:t>
-            </a:r>
-            <a:r>
-              <a:rPr lang="en-US" sz="1600" dirty="0">
-                <a:solidFill>
-                  <a:schemeClr val="tx1"/>
-                </a:solidFill>
-                <a:latin typeface="Times New Roman" panose="02020603050405020304" pitchFamily="18" charset="0"/>
-                <a:cs typeface="Times New Roman" panose="02020603050405020304" pitchFamily="18" charset="0"/>
-              </a:rPr>
-              <a:t>="</a:t>
-            </a:r>
-            <a:r>
-              <a:rPr lang="en-US" sz="1600" dirty="0" err="1">
-                <a:solidFill>
-                  <a:schemeClr val="tx1"/>
-                </a:solidFill>
-                <a:latin typeface="Times New Roman" panose="02020603050405020304" pitchFamily="18" charset="0"/>
-                <a:cs typeface="Times New Roman" panose="02020603050405020304" pitchFamily="18" charset="0"/>
-              </a:rPr>
-              <a:t>bw.plus</a:t>
-            </a:r>
-            <a:r>
-              <a:rPr lang="en-US" sz="1600" dirty="0">
-                <a:solidFill>
-                  <a:schemeClr val="tx1"/>
-                </a:solidFill>
-                <a:latin typeface="Times New Roman" panose="02020603050405020304" pitchFamily="18" charset="0"/>
-                <a:cs typeface="Times New Roman" panose="02020603050405020304" pitchFamily="18" charset="0"/>
-              </a:rPr>
-              <a:t>", </a:t>
-            </a:r>
-            <a:r>
-              <a:rPr lang="en-US" sz="1600" dirty="0" smtClean="0">
-                <a:solidFill>
-                  <a:schemeClr val="tx1"/>
-                </a:solidFill>
-                <a:latin typeface="Times New Roman" panose="02020603050405020304" pitchFamily="18" charset="0"/>
-                <a:cs typeface="Times New Roman" panose="02020603050405020304" pitchFamily="18" charset="0"/>
-              </a:rPr>
-              <a:t>	</a:t>
-            </a:r>
-            <a:r>
-              <a:rPr lang="en-US" sz="1600" dirty="0" err="1" smtClean="0">
-                <a:solidFill>
-                  <a:schemeClr val="tx1"/>
-                </a:solidFill>
-                <a:latin typeface="Times New Roman" panose="02020603050405020304" pitchFamily="18" charset="0"/>
-                <a:cs typeface="Times New Roman" panose="02020603050405020304" pitchFamily="18" charset="0"/>
-              </a:rPr>
-              <a:t>file.bigwig.minus</a:t>
-            </a:r>
-            <a:r>
-              <a:rPr lang="en-US" sz="1600" dirty="0">
-                <a:solidFill>
-                  <a:schemeClr val="tx1"/>
-                </a:solidFill>
-                <a:latin typeface="Times New Roman" panose="02020603050405020304" pitchFamily="18" charset="0"/>
-                <a:cs typeface="Times New Roman" panose="02020603050405020304" pitchFamily="18" charset="0"/>
-              </a:rPr>
-              <a:t>="</a:t>
-            </a:r>
-            <a:r>
-              <a:rPr lang="en-US" sz="1600" dirty="0" err="1">
-                <a:solidFill>
-                  <a:schemeClr val="tx1"/>
-                </a:solidFill>
-                <a:latin typeface="Times New Roman" panose="02020603050405020304" pitchFamily="18" charset="0"/>
-                <a:cs typeface="Times New Roman" panose="02020603050405020304" pitchFamily="18" charset="0"/>
-              </a:rPr>
-              <a:t>bw.minus</a:t>
-            </a:r>
-            <a:r>
-              <a:rPr lang="en-US" sz="1600" dirty="0">
-                <a:solidFill>
-                  <a:schemeClr val="tx1"/>
-                </a:solidFill>
-                <a:latin typeface="Times New Roman" panose="02020603050405020304" pitchFamily="18" charset="0"/>
-                <a:cs typeface="Times New Roman" panose="02020603050405020304" pitchFamily="18" charset="0"/>
-              </a:rPr>
-              <a:t>", </a:t>
-            </a:r>
-            <a:r>
-              <a:rPr lang="en-US" sz="1600" dirty="0" smtClean="0">
-                <a:solidFill>
-                  <a:schemeClr val="tx1"/>
-                </a:solidFill>
-                <a:latin typeface="Times New Roman" panose="02020603050405020304" pitchFamily="18" charset="0"/>
-                <a:cs typeface="Times New Roman" panose="02020603050405020304" pitchFamily="18" charset="0"/>
-              </a:rPr>
-              <a:t>		</a:t>
-            </a:r>
-            <a:r>
-              <a:rPr lang="en-US" sz="1600" dirty="0" err="1" smtClean="0">
-                <a:solidFill>
-                  <a:schemeClr val="tx1"/>
-                </a:solidFill>
-                <a:latin typeface="Times New Roman" panose="02020603050405020304" pitchFamily="18" charset="0"/>
-                <a:cs typeface="Times New Roman" panose="02020603050405020304" pitchFamily="18" charset="0"/>
-              </a:rPr>
-              <a:t>seq.datatype</a:t>
-            </a:r>
-            <a:r>
-              <a:rPr lang="en-US" sz="1600" dirty="0">
-                <a:solidFill>
-                  <a:schemeClr val="tx1"/>
-                </a:solidFill>
-                <a:latin typeface="Times New Roman" panose="02020603050405020304" pitchFamily="18" charset="0"/>
-                <a:cs typeface="Times New Roman" panose="02020603050405020304" pitchFamily="18" charset="0"/>
-              </a:rPr>
-              <a:t>="PRO-</a:t>
-            </a:r>
-            <a:r>
-              <a:rPr lang="en-US" sz="1600" dirty="0" err="1">
-                <a:solidFill>
-                  <a:schemeClr val="tx1"/>
-                </a:solidFill>
-                <a:latin typeface="Times New Roman" panose="02020603050405020304" pitchFamily="18" charset="0"/>
-                <a:cs typeface="Times New Roman" panose="02020603050405020304" pitchFamily="18" charset="0"/>
-              </a:rPr>
-              <a:t>seq</a:t>
-            </a:r>
-            <a:r>
-              <a:rPr lang="en-US" sz="1600" dirty="0">
-                <a:solidFill>
-                  <a:schemeClr val="tx1"/>
-                </a:solidFill>
-                <a:latin typeface="Times New Roman" panose="02020603050405020304" pitchFamily="18" charset="0"/>
-                <a:cs typeface="Times New Roman" panose="02020603050405020304" pitchFamily="18" charset="0"/>
-              </a:rPr>
-              <a:t>");</a:t>
-            </a:r>
-          </a:p>
-          <a:p>
-            <a:endParaRPr lang="en-US" sz="2000" dirty="0"/>
-          </a:p>
-          <a:p>
-            <a:pPr marL="109728" indent="0">
-              <a:buNone/>
-            </a:pPr>
-            <a:endParaRPr lang="en-US" dirty="0" smtClean="0"/>
-          </a:p>
-        </p:txBody>
-      </p:sp>
-    </p:spTree>
-    <p:extLst>
-      <p:ext uri="{BB962C8B-B14F-4D97-AF65-F5344CB8AC3E}">
-        <p14:creationId xmlns:p14="http://schemas.microsoft.com/office/powerpoint/2010/main" val="3056500915"/>
-      </p:ext>
-    </p:extLst>
-  </p:cSld>
-  <p:clrMapOvr>
-    <a:masterClrMapping/>
-  </p:clrMapOvr>
-  <mc:AlternateContent xmlns:mc="http://schemas.openxmlformats.org/markup-compatibility/2006" xmlns:p14="http://schemas.microsoft.com/office/powerpoint/2010/main">
-    <mc:Choice Requires="p14">
-      <p:transition spd="med" p14:dur="700">
-        <p:fade/>
-      </p:transition>
-    </mc:Choice>
-    <mc:Fallback xmlns="">
-      <p:transition spd="med">
-        <p:fade/>
-      </p:transition>
-    </mc:Fallback>
-  </mc:AlternateContent>
-  <p:timing>
-    <p:tnLst>
-      <p:par>
-        <p:cTn id="1" dur="indefinite" restart="never" nodeType="tmRoot"/>
-      </p:par>
-    </p:tnLst>
-  </p:timing>
-</p:sld>
-</file>
-
 <file path=ppt/slides/slide9.xml><?xml version="1.0" encoding="utf-8"?>
 <p:sld xmlns:a="http://schemas.openxmlformats.org/drawingml/2006/main" xmlns:r="http://schemas.openxmlformats.org/officeDocument/2006/relationships" xmlns:p="http://schemas.openxmlformats.org/presentationml/2006/main">
   <p:cSld>
@@ -19555,12 +22072,8 @@
           <a:lstStyle/>
           <a:p>
             <a:r>
-              <a:rPr lang="en-US" dirty="0"/>
-              <a:t>Step 2: </a:t>
-            </a:r>
-            <a:r>
               <a:rPr lang="en-US" dirty="0" smtClean="0"/>
-              <a:t>Or importing motif data</a:t>
+              <a:t>Step 2: Selecting motif data</a:t>
             </a:r>
             <a:endParaRPr lang="en-US" dirty="0"/>
           </a:p>
@@ -19576,8 +22089,8 @@
         </p:nvSpPr>
         <p:spPr>
           <a:xfrm>
-            <a:off x="609600" y="2051001"/>
-            <a:ext cx="5045090" cy="4303145"/>
+            <a:off x="609600" y="2051002"/>
+            <a:ext cx="5045090" cy="4041888"/>
           </a:xfrm>
           <a:prstGeom prst="rect">
             <a:avLst/>
@@ -19585,7 +22098,7 @@
         </p:spPr>
         <p:txBody>
           <a:bodyPr vert="horz">
-            <a:normAutofit/>
+            <a:normAutofit fontScale="85000" lnSpcReduction="20000"/>
           </a:bodyPr>
           <a:lstStyle>
             <a:lvl1pPr marL="365760" indent="-256032" algn="l" rtl="0" eaLnBrk="1" latinLnBrk="0" hangingPunct="1">
@@ -19756,13 +22269,212 @@
               <a:buNone/>
             </a:pPr>
             <a:r>
-              <a:rPr lang="en-US" sz="2000" dirty="0"/>
-              <a:t>If you have licensed </a:t>
-            </a:r>
-            <a:r>
-              <a:rPr lang="en-US" sz="2000" dirty="0" smtClean="0"/>
-              <a:t>motif data for missing and empty motifs in Cis-BP database</a:t>
-            </a:r>
+              <a:rPr lang="en-US" sz="2600" dirty="0" smtClean="0"/>
+              <a:t>Simple way:</a:t>
+            </a:r>
+          </a:p>
+          <a:p>
+            <a:pPr marL="109728" indent="0">
+              <a:buNone/>
+            </a:pPr>
+            <a:endParaRPr lang="en-US" sz="2400" dirty="0" smtClean="0"/>
+          </a:p>
+          <a:p>
+            <a:pPr marL="109728" indent="0">
+              <a:buNone/>
+            </a:pPr>
+            <a:r>
+              <a:rPr lang="en-US" sz="1900" dirty="0"/>
+              <a:t>(1) No optional parameters </a:t>
+            </a:r>
+            <a:r>
+              <a:rPr lang="en-US" sz="1900" dirty="0">
+                <a:sym typeface="Wingdings" panose="05000000000000000000" pitchFamily="2" charset="2"/>
+              </a:rPr>
+              <a:t></a:t>
+            </a:r>
+            <a:r>
+              <a:rPr lang="en-US" sz="1900" dirty="0"/>
+              <a:t> Selecting all.</a:t>
+            </a:r>
+          </a:p>
+          <a:p>
+            <a:pPr marL="109728" indent="0">
+              <a:buNone/>
+            </a:pPr>
+            <a:endParaRPr lang="en-US" sz="1900" dirty="0" smtClean="0"/>
+          </a:p>
+          <a:p>
+            <a:pPr marL="109728" indent="0">
+              <a:buNone/>
+            </a:pPr>
+            <a:r>
+              <a:rPr lang="en-US" sz="1900" dirty="0" smtClean="0"/>
+              <a:t>(2) Using one or more variables(s) to filter motif data. </a:t>
+            </a:r>
+            <a:r>
+              <a:rPr lang="en-US" altLang="zh-CN" sz="1900" dirty="0" smtClean="0"/>
+              <a:t>e.g.  </a:t>
+            </a:r>
+            <a:r>
+              <a:rPr lang="en-US" altLang="zh-CN" sz="1900" i="1" dirty="0" err="1" smtClean="0"/>
+              <a:t>family_name</a:t>
+            </a:r>
+            <a:r>
+              <a:rPr lang="en-US" altLang="zh-CN" sz="1900" dirty="0" smtClean="0"/>
+              <a:t>: </a:t>
+            </a:r>
+          </a:p>
+          <a:p>
+            <a:pPr marL="109728" indent="0">
+              <a:buNone/>
+            </a:pPr>
+            <a:r>
+              <a:rPr lang="en-US" sz="1900" dirty="0" smtClean="0"/>
+              <a:t> and more other parameters: </a:t>
+            </a:r>
+          </a:p>
+          <a:p>
+            <a:pPr marL="109728" indent="0">
+              <a:buNone/>
+            </a:pPr>
+            <a:r>
+              <a:rPr lang="en-US" sz="1900" dirty="0" smtClean="0"/>
+              <a:t> or </a:t>
+            </a:r>
+            <a:r>
+              <a:rPr lang="en-US" sz="1900" i="1" dirty="0" err="1" smtClean="0"/>
+              <a:t>tf_name</a:t>
+            </a:r>
+            <a:r>
+              <a:rPr lang="en-US" sz="1900" dirty="0" smtClean="0"/>
+              <a:t>,</a:t>
+            </a:r>
+          </a:p>
+          <a:p>
+            <a:pPr marL="109728" indent="0">
+              <a:buNone/>
+            </a:pPr>
+            <a:r>
+              <a:rPr lang="en-US" sz="1900" dirty="0" smtClean="0"/>
+              <a:t> or </a:t>
+            </a:r>
+            <a:r>
+              <a:rPr lang="en-US" sz="1900" dirty="0" err="1" smtClean="0"/>
+              <a:t>tf_status</a:t>
+            </a:r>
+            <a:r>
+              <a:rPr lang="en-US" sz="1900" dirty="0" smtClean="0"/>
+              <a:t>,</a:t>
+            </a:r>
+          </a:p>
+          <a:p>
+            <a:pPr marL="109728" indent="0">
+              <a:buNone/>
+            </a:pPr>
+            <a:r>
+              <a:rPr lang="en-US" sz="1900" dirty="0"/>
+              <a:t> </a:t>
+            </a:r>
+            <a:r>
+              <a:rPr lang="en-US" sz="1900" dirty="0" smtClean="0"/>
+              <a:t>or </a:t>
+            </a:r>
+            <a:r>
+              <a:rPr lang="en-US" sz="1900" dirty="0" err="1" smtClean="0"/>
+              <a:t>motif_type</a:t>
+            </a:r>
+            <a:r>
+              <a:rPr lang="en-US" sz="1900" dirty="0" smtClean="0"/>
+              <a:t>, </a:t>
+            </a:r>
+          </a:p>
+          <a:p>
+            <a:pPr marL="109728" indent="0">
+              <a:buNone/>
+            </a:pPr>
+            <a:r>
+              <a:rPr lang="en-US" sz="1900" dirty="0" smtClean="0"/>
+              <a:t> or </a:t>
+            </a:r>
+            <a:r>
+              <a:rPr lang="en-US" sz="1900" dirty="0" err="1" smtClean="0"/>
+              <a:t>msource_id</a:t>
+            </a:r>
+            <a:endParaRPr lang="en-US" sz="1900" dirty="0" smtClean="0"/>
+          </a:p>
+          <a:p>
+            <a:pPr marL="109728" indent="0">
+              <a:buNone/>
+            </a:pPr>
+            <a:endParaRPr lang="en-US" sz="1900" dirty="0" smtClean="0"/>
+          </a:p>
+          <a:p>
+            <a:pPr marL="109728" indent="0">
+              <a:buNone/>
+            </a:pPr>
+            <a:r>
+              <a:rPr lang="en-US" sz="1900" dirty="0" smtClean="0"/>
+              <a:t>(</a:t>
+            </a:r>
+            <a:r>
+              <a:rPr lang="en-US" sz="1900" dirty="0"/>
+              <a:t>3</a:t>
+            </a:r>
+            <a:r>
+              <a:rPr lang="en-US" sz="1900" dirty="0" smtClean="0"/>
+              <a:t>) Even different TF_Information.txt can be specified.</a:t>
+            </a:r>
+          </a:p>
+          <a:p>
+            <a:pPr marL="109728" indent="0">
+              <a:buNone/>
+            </a:pPr>
+            <a:r>
+              <a:rPr lang="en-US" sz="1900" dirty="0" smtClean="0"/>
+              <a:t>1:</a:t>
+            </a:r>
+            <a:r>
+              <a:rPr lang="en-US" sz="1900" dirty="0"/>
+              <a:t> </a:t>
+            </a:r>
+            <a:r>
+              <a:rPr lang="en-US" sz="1900" dirty="0" err="1" smtClean="0"/>
+              <a:t>TF_Information.txt</a:t>
+            </a:r>
+            <a:endParaRPr lang="en-US" sz="1900" dirty="0" smtClean="0"/>
+          </a:p>
+          <a:p>
+            <a:pPr marL="109728" indent="0">
+              <a:buNone/>
+            </a:pPr>
+            <a:r>
+              <a:rPr lang="en-US" sz="1900" dirty="0" smtClean="0"/>
+              <a:t>2:</a:t>
+            </a:r>
+            <a:r>
+              <a:rPr lang="en-US" sz="1900" dirty="0"/>
+              <a:t> </a:t>
+            </a:r>
+            <a:r>
+              <a:rPr lang="en-US" sz="1900" dirty="0" err="1" smtClean="0"/>
+              <a:t>TF_Information_all_motif.txt</a:t>
+            </a:r>
+            <a:endParaRPr lang="en-US" sz="1900" dirty="0" smtClean="0"/>
+          </a:p>
+          <a:p>
+            <a:pPr marL="109728" indent="0">
+              <a:buNone/>
+            </a:pPr>
+            <a:r>
+              <a:rPr lang="en-US" sz="1900" dirty="0" smtClean="0"/>
+              <a:t>3:</a:t>
+            </a:r>
+            <a:r>
+              <a:rPr lang="en-US" sz="1900" dirty="0"/>
+              <a:t> TF_Information_all_motifs_plus.txt</a:t>
+            </a:r>
+            <a:endParaRPr lang="en-US" sz="1900" dirty="0" smtClean="0"/>
           </a:p>
           <a:p>
             <a:pPr marL="109728" indent="0">
@@ -19774,124 +22486,7 @@
             <a:pPr marL="109728" indent="0">
               <a:buNone/>
             </a:pPr>
-            <a:r>
-              <a:rPr lang="en-US" sz="2000" dirty="0" smtClean="0"/>
-              <a:t>Importing ex</a:t>
-            </a:r>
-            <a:r>
-              <a:rPr lang="en-US" altLang="zh-CN" sz="2000" dirty="0" smtClean="0"/>
-              <a:t>ternal motif data:</a:t>
-            </a:r>
-          </a:p>
-          <a:p>
-            <a:pPr marL="566928" indent="-457200">
-              <a:buAutoNum type="arabicPeriod"/>
-            </a:pPr>
-            <a:r>
-              <a:rPr lang="en-US" altLang="zh-CN" sz="2000" dirty="0" smtClean="0"/>
-              <a:t>Licensed PWM files for Cis-BP data set</a:t>
-            </a:r>
-          </a:p>
-          <a:p>
-            <a:pPr marL="566928" indent="-457200">
-              <a:buAutoNum type="arabicPeriod"/>
-            </a:pPr>
-            <a:r>
-              <a:rPr lang="en-US" altLang="zh-CN" sz="2000" dirty="0" err="1" smtClean="0"/>
-              <a:t>Transfac</a:t>
-            </a:r>
-            <a:r>
-              <a:rPr lang="en-US" altLang="zh-CN" sz="2000" dirty="0" smtClean="0"/>
-              <a:t>, Jaspar, meme, </a:t>
-            </a:r>
-            <a:r>
-              <a:rPr lang="en-US" altLang="zh-CN" sz="2000" dirty="0" err="1" smtClean="0"/>
-              <a:t>mscan</a:t>
-            </a:r>
-            <a:r>
-              <a:rPr lang="en-US" altLang="zh-CN" sz="2000" dirty="0" smtClean="0"/>
-              <a:t> text file containing multiple PFM information.</a:t>
-            </a:r>
-          </a:p>
-          <a:p>
-            <a:pPr marL="566928" indent="-457200">
-              <a:buAutoNum type="arabicPeriod"/>
-            </a:pPr>
-            <a:r>
-              <a:rPr lang="en-US" altLang="zh-CN" sz="2000" dirty="0" smtClean="0"/>
-              <a:t>New released data file parsed by </a:t>
-            </a:r>
-            <a:r>
-              <a:rPr lang="en-US" altLang="zh-CN" sz="2000" i="1" dirty="0" err="1" smtClean="0"/>
-              <a:t>rtfbsdb</a:t>
-            </a:r>
-            <a:endParaRPr lang="en-US" altLang="zh-CN" sz="2000" i="1" dirty="0" smtClean="0"/>
-          </a:p>
-          <a:p>
-            <a:pPr marL="566928" indent="-457200">
-              <a:buAutoNum type="arabicPeriod"/>
-            </a:pPr>
-            <a:r>
-              <a:rPr lang="en-US" altLang="zh-CN" sz="2000" dirty="0" smtClean="0"/>
-              <a:t>User customized data file </a:t>
-            </a:r>
-          </a:p>
-          <a:p>
-            <a:pPr marL="109728" indent="0">
-              <a:buNone/>
-            </a:pPr>
-            <a:endParaRPr lang="en-US" sz="2000" dirty="0" smtClean="0"/>
-          </a:p>
-          <a:p>
-            <a:pPr marL="109728" indent="0">
-              <a:buNone/>
-            </a:pPr>
-            <a:r>
-              <a:rPr lang="en-US" sz="2000" i="1" dirty="0" smtClean="0">
-                <a:solidFill>
-                  <a:schemeClr val="tx1"/>
-                </a:solidFill>
-              </a:rPr>
-              <a:t>Simple parser implemented in the package.</a:t>
-            </a:r>
-          </a:p>
-          <a:p>
-            <a:pPr marL="109728" indent="0">
-              <a:buNone/>
-            </a:pPr>
-            <a:endParaRPr lang="en-US" sz="2000" i="1" dirty="0" smtClean="0">
-              <a:solidFill>
-                <a:schemeClr val="tx1"/>
-              </a:solidFill>
-            </a:endParaRPr>
-          </a:p>
-          <a:p>
-            <a:pPr marL="109728" indent="0">
-              <a:buNone/>
-            </a:pPr>
-            <a:endParaRPr lang="en-US" sz="2000" i="1" dirty="0" smtClean="0">
-              <a:solidFill>
-                <a:schemeClr val="tx1"/>
-              </a:solidFill>
-            </a:endParaRPr>
-          </a:p>
-          <a:p>
-            <a:pPr marL="109728" indent="0">
-              <a:buNone/>
-            </a:pPr>
-            <a:endParaRPr lang="en-US" sz="2000" dirty="0" smtClean="0"/>
-          </a:p>
-          <a:p>
-            <a:pPr marL="109728" indent="0">
-              <a:buNone/>
-            </a:pPr>
-            <a:endParaRPr lang="en-US" sz="2000" dirty="0" smtClean="0"/>
-          </a:p>
-          <a:p>
-            <a:pPr marL="109728" indent="0">
-              <a:buNone/>
-            </a:pPr>
-            <a:endParaRPr lang="en-US" sz="2000" dirty="0" smtClean="0"/>
+            <a:endParaRPr lang="en-US" sz="2000" dirty="0"/>
           </a:p>
           <a:p>
             <a:pPr marL="109728" indent="0">
@@ -19920,7 +22515,7 @@
         <p:spPr>
           <a:xfrm>
             <a:off x="6228784" y="2051001"/>
-            <a:ext cx="5628236" cy="4172517"/>
+            <a:ext cx="5628236" cy="4041889"/>
           </a:xfrm>
           <a:ln w="19050">
             <a:solidFill>
@@ -19930,7 +22525,7 @@
         </p:spPr>
         <p:txBody>
           <a:bodyPr>
-            <a:normAutofit fontScale="85000" lnSpcReduction="20000"/>
+            <a:normAutofit/>
           </a:bodyPr>
           <a:lstStyle/>
           <a:p>
@@ -19938,16 +22533,6 @@
               <a:buNone/>
             </a:pPr>
             <a:r>
-              <a:rPr lang="en-US" sz="1600" dirty="0">
-                <a:solidFill>
-                  <a:schemeClr val="tx1"/>
-                </a:solidFill>
-                <a:latin typeface="Times New Roman" panose="02020603050405020304" pitchFamily="18" charset="0"/>
-                <a:cs typeface="Times New Roman" panose="02020603050405020304" pitchFamily="18" charset="0"/>
-              </a:rPr>
-              <a:t>## </a:t>
-            </a:r>
-            <a:r>
               <a:rPr lang="en-US" sz="1600" dirty="0" smtClean="0">
                 <a:solidFill>
                   <a:schemeClr val="tx1"/>
@@ -19955,13 +22540,17 @@
                 <a:latin typeface="Times New Roman" panose="02020603050405020304" pitchFamily="18" charset="0"/>
                 <a:cs typeface="Times New Roman" panose="02020603050405020304" pitchFamily="18" charset="0"/>
               </a:rPr>
-              <a:t> Programming Notes:</a:t>
-            </a:r>
-          </a:p>
-          <a:p>
-            <a:pPr marL="109728" indent="0">
-              <a:buNone/>
-            </a:pPr>
+              <a:t>## Programming Notes:</a:t>
+            </a:r>
+            <a:br>
+              <a:rPr lang="en-US" sz="1600" dirty="0" smtClean="0">
+                <a:solidFill>
+                  <a:schemeClr val="tx1"/>
+                </a:solidFill>
+                <a:latin typeface="Times New Roman" panose="02020603050405020304" pitchFamily="18" charset="0"/>
+                <a:cs typeface="Times New Roman" panose="02020603050405020304" pitchFamily="18" charset="0"/>
+              </a:rPr>
+            </a:br>
             <a:endParaRPr lang="en-US" sz="1600" dirty="0" smtClean="0">
               <a:solidFill>
                 <a:schemeClr val="tx1"/>
@@ -19975,6 +22564,16 @@
               <a:buNone/>
             </a:pPr>
             <a:r>
+              <a:rPr lang="en-US" sz="1600" dirty="0">
+                <a:solidFill>
+                  <a:schemeClr val="tx1"/>
+                </a:solidFill>
+                <a:latin typeface="Times New Roman" panose="02020603050405020304" pitchFamily="18" charset="0"/>
+                <a:cs typeface="Times New Roman" panose="02020603050405020304" pitchFamily="18" charset="0"/>
+              </a:rPr>
+              <a:t># Select all motifs from </a:t>
+            </a:r>
+            <a:r>
               <a:rPr lang="en-US" sz="1600" dirty="0" err="1">
                 <a:solidFill>
                   <a:schemeClr val="tx1"/>
@@ -19982,6 +22581,71 @@
                 <a:latin typeface="Times New Roman" panose="02020603050405020304" pitchFamily="18" charset="0"/>
                 <a:cs typeface="Times New Roman" panose="02020603050405020304" pitchFamily="18" charset="0"/>
               </a:rPr>
+              <a:t>CisBP</a:t>
+            </a:r>
+            <a:r>
+              <a:rPr lang="en-US" sz="1600" dirty="0">
+                <a:solidFill>
+                  <a:schemeClr val="tx1"/>
+                </a:solidFill>
+                <a:latin typeface="Times New Roman" panose="02020603050405020304" pitchFamily="18" charset="0"/>
+                <a:cs typeface="Times New Roman" panose="02020603050405020304" pitchFamily="18" charset="0"/>
+              </a:rPr>
+              <a:t> dataset</a:t>
+            </a:r>
+          </a:p>
+          <a:p>
+            <a:pPr marL="109728" indent="0">
+              <a:buNone/>
+            </a:pPr>
+            <a:r>
+              <a:rPr lang="en-US" sz="1600" dirty="0" err="1">
+                <a:solidFill>
+                  <a:schemeClr val="tx1"/>
+                </a:solidFill>
+                <a:latin typeface="Times New Roman" panose="02020603050405020304" pitchFamily="18" charset="0"/>
+                <a:cs typeface="Times New Roman" panose="02020603050405020304" pitchFamily="18" charset="0"/>
+              </a:rPr>
+              <a:t>tfs</a:t>
+            </a:r>
+            <a:r>
+              <a:rPr lang="en-US" sz="1600" dirty="0">
+                <a:solidFill>
+                  <a:schemeClr val="tx1"/>
+                </a:solidFill>
+                <a:latin typeface="Times New Roman" panose="02020603050405020304" pitchFamily="18" charset="0"/>
+                <a:cs typeface="Times New Roman" panose="02020603050405020304" pitchFamily="18" charset="0"/>
+              </a:rPr>
+              <a:t> &lt;- </a:t>
+            </a:r>
+            <a:r>
+              <a:rPr lang="en-US" sz="1600" dirty="0" err="1">
+                <a:solidFill>
+                  <a:schemeClr val="tx1"/>
+                </a:solidFill>
+                <a:latin typeface="Times New Roman" panose="02020603050405020304" pitchFamily="18" charset="0"/>
+                <a:cs typeface="Times New Roman" panose="02020603050405020304" pitchFamily="18" charset="0"/>
+              </a:rPr>
+              <a:t>tfbs.createFromCisBP</a:t>
+            </a:r>
+            <a:r>
+              <a:rPr lang="en-US" sz="1600" dirty="0">
+                <a:solidFill>
+                  <a:schemeClr val="tx1"/>
+                </a:solidFill>
+                <a:latin typeface="Times New Roman" panose="02020603050405020304" pitchFamily="18" charset="0"/>
+                <a:cs typeface="Times New Roman" panose="02020603050405020304" pitchFamily="18" charset="0"/>
+              </a:rPr>
+              <a:t>(</a:t>
+            </a:r>
+            <a:r>
+              <a:rPr lang="en-US" sz="1600" dirty="0" err="1">
+                <a:solidFill>
+                  <a:schemeClr val="tx1"/>
+                </a:solidFill>
+                <a:latin typeface="Times New Roman" panose="02020603050405020304" pitchFamily="18" charset="0"/>
+                <a:cs typeface="Times New Roman" panose="02020603050405020304" pitchFamily="18" charset="0"/>
+              </a:rPr>
               <a:t>db</a:t>
             </a:r>
             <a:r>
@@ -19992,7 +22656,37 @@
                 <a:latin typeface="Times New Roman" panose="02020603050405020304" pitchFamily="18" charset="0"/>
                 <a:cs typeface="Times New Roman" panose="02020603050405020304" pitchFamily="18" charset="0"/>
               </a:rPr>
-              <a:t>  &lt;- </a:t>
+              <a:t>);</a:t>
+            </a:r>
+          </a:p>
+          <a:p>
+            <a:pPr marL="109728" indent="0">
+              <a:buNone/>
+            </a:pPr>
+            <a:r>
+              <a:rPr lang="en-US" sz="1600" dirty="0">
+                <a:solidFill>
+                  <a:schemeClr val="tx1"/>
+                </a:solidFill>
+                <a:latin typeface="Times New Roman" panose="02020603050405020304" pitchFamily="18" charset="0"/>
+                <a:cs typeface="Times New Roman" panose="02020603050405020304" pitchFamily="18" charset="0"/>
+              </a:rPr>
+              <a:t> </a:t>
+            </a:r>
+          </a:p>
+          <a:p>
+            <a:pPr marL="109728" indent="0">
+              <a:buNone/>
+            </a:pPr>
+            <a:r>
+              <a:rPr lang="en-US" sz="1600" dirty="0">
+                <a:solidFill>
+                  <a:schemeClr val="tx1"/>
+                </a:solidFill>
+                <a:latin typeface="Times New Roman" panose="02020603050405020304" pitchFamily="18" charset="0"/>
+                <a:cs typeface="Times New Roman" panose="02020603050405020304" pitchFamily="18" charset="0"/>
+              </a:rPr>
+              <a:t># Query the </a:t>
             </a:r>
             <a:r>
               <a:rPr lang="en-US" sz="1600" dirty="0" err="1">
@@ -20002,7 +22696,7 @@
                 <a:latin typeface="Times New Roman" panose="02020603050405020304" pitchFamily="18" charset="0"/>
                 <a:cs typeface="Times New Roman" panose="02020603050405020304" pitchFamily="18" charset="0"/>
               </a:rPr>
-              <a:t>CisBP.extdata</a:t>
+              <a:t>CisBP</a:t>
             </a:r>
             <a:r>
               <a:rPr lang="en-US" sz="1600" dirty="0">
@@ -20012,8 +22706,48 @@
                 <a:latin typeface="Times New Roman" panose="02020603050405020304" pitchFamily="18" charset="0"/>
                 <a:cs typeface="Times New Roman" panose="02020603050405020304" pitchFamily="18" charset="0"/>
               </a:rPr>
-              <a:t>("</a:t>
-            </a:r>
+              <a:t> dataset and select the motifs for a </a:t>
+            </a:r>
+            <a:r>
+              <a:rPr lang="en-US" sz="1600" dirty="0" smtClean="0">
+                <a:solidFill>
+                  <a:schemeClr val="tx1"/>
+                </a:solidFill>
+                <a:latin typeface="Times New Roman" panose="02020603050405020304" pitchFamily="18" charset="0"/>
+                <a:cs typeface="Times New Roman" panose="02020603050405020304" pitchFamily="18" charset="0"/>
+              </a:rPr>
+              <a:t> </a:t>
+            </a:r>
+          </a:p>
+          <a:p>
+            <a:pPr marL="109728" indent="0">
+              <a:buNone/>
+            </a:pPr>
+            <a:r>
+              <a:rPr lang="en-US" sz="1600" dirty="0" smtClean="0">
+                <a:solidFill>
+                  <a:schemeClr val="tx1"/>
+                </a:solidFill>
+                <a:latin typeface="Times New Roman" panose="02020603050405020304" pitchFamily="18" charset="0"/>
+                <a:cs typeface="Times New Roman" panose="02020603050405020304" pitchFamily="18" charset="0"/>
+              </a:rPr>
+              <a:t># transcription </a:t>
+            </a:r>
+            <a:r>
+              <a:rPr lang="en-US" sz="1600" dirty="0">
+                <a:solidFill>
+                  <a:schemeClr val="tx1"/>
+                </a:solidFill>
+                <a:latin typeface="Times New Roman" panose="02020603050405020304" pitchFamily="18" charset="0"/>
+                <a:cs typeface="Times New Roman" panose="02020603050405020304" pitchFamily="18" charset="0"/>
+              </a:rPr>
+              <a:t>factor of interest</a:t>
+            </a:r>
+          </a:p>
+          <a:p>
+            <a:pPr marL="109728" indent="0">
+              <a:buNone/>
+            </a:pPr>
             <a:r>
               <a:rPr lang="en-US" sz="1600" dirty="0" err="1">
                 <a:solidFill>
@@ -20022,7 +22756,7 @@
                 <a:latin typeface="Times New Roman" panose="02020603050405020304" pitchFamily="18" charset="0"/>
                 <a:cs typeface="Times New Roman" panose="02020603050405020304" pitchFamily="18" charset="0"/>
               </a:rPr>
-              <a:t>Homo_sapiens</a:t>
+              <a:t>tfs</a:t>
             </a:r>
             <a:r>
               <a:rPr lang="en-US" sz="1600" dirty="0">
@@ -20032,13 +22766,8 @@
                 <a:latin typeface="Times New Roman" panose="02020603050405020304" pitchFamily="18" charset="0"/>
                 <a:cs typeface="Times New Roman" panose="02020603050405020304" pitchFamily="18" charset="0"/>
               </a:rPr>
-              <a:t>");</a:t>
-            </a:r>
-          </a:p>
-          <a:p>
-            <a:pPr marL="109728" indent="0">
-              <a:buNone/>
-            </a:pPr>
+              <a:t> &lt;- </a:t>
+            </a:r>
             <a:r>
               <a:rPr lang="en-US" sz="1600" dirty="0" err="1">
                 <a:solidFill>
@@ -20047,7 +22776,7 @@
                 <a:latin typeface="Times New Roman" panose="02020603050405020304" pitchFamily="18" charset="0"/>
                 <a:cs typeface="Times New Roman" panose="02020603050405020304" pitchFamily="18" charset="0"/>
               </a:rPr>
-              <a:t>tfs</a:t>
+              <a:t>tfbs.createFromCisBP</a:t>
             </a:r>
             <a:r>
               <a:rPr lang="en-US" sz="1600" dirty="0">
@@ -20057,7 +22786,7 @@
                 <a:latin typeface="Times New Roman" panose="02020603050405020304" pitchFamily="18" charset="0"/>
                 <a:cs typeface="Times New Roman" panose="02020603050405020304" pitchFamily="18" charset="0"/>
               </a:rPr>
-              <a:t> &lt;- </a:t>
+              <a:t>(</a:t>
             </a:r>
             <a:r>
               <a:rPr lang="en-US" sz="1600" dirty="0" err="1">
@@ -20067,7 +22796,7 @@
                 <a:latin typeface="Times New Roman" panose="02020603050405020304" pitchFamily="18" charset="0"/>
                 <a:cs typeface="Times New Roman" panose="02020603050405020304" pitchFamily="18" charset="0"/>
               </a:rPr>
-              <a:t>tfbs.createFromCisBP</a:t>
+              <a:t>db</a:t>
             </a:r>
             <a:r>
               <a:rPr lang="en-US" sz="1600" dirty="0">
@@ -20077,7 +22806,7 @@
                 <a:latin typeface="Times New Roman" panose="02020603050405020304" pitchFamily="18" charset="0"/>
                 <a:cs typeface="Times New Roman" panose="02020603050405020304" pitchFamily="18" charset="0"/>
               </a:rPr>
-              <a:t>(</a:t>
+              <a:t>, </a:t>
             </a:r>
             <a:r>
               <a:rPr lang="en-US" sz="1600" dirty="0" err="1">
@@ -20087,7 +22816,7 @@
                 <a:latin typeface="Times New Roman" panose="02020603050405020304" pitchFamily="18" charset="0"/>
                 <a:cs typeface="Times New Roman" panose="02020603050405020304" pitchFamily="18" charset="0"/>
               </a:rPr>
-              <a:t>db</a:t>
+              <a:t>family_name</a:t>
             </a:r>
             <a:r>
               <a:rPr lang="en-US" sz="1600" dirty="0">
@@ -20097,26 +22826,6 @@
                 <a:latin typeface="Times New Roman" panose="02020603050405020304" pitchFamily="18" charset="0"/>
                 <a:cs typeface="Times New Roman" panose="02020603050405020304" pitchFamily="18" charset="0"/>
               </a:rPr>
-              <a:t>, </a:t>
-            </a:r>
-            <a:r>
-              <a:rPr lang="en-US" sz="1600" dirty="0" err="1">
-                <a:solidFill>
-                  <a:schemeClr val="tx1"/>
-                </a:solidFill>
-                <a:latin typeface="Times New Roman" panose="02020603050405020304" pitchFamily="18" charset="0"/>
-                <a:cs typeface="Times New Roman" panose="02020603050405020304" pitchFamily="18" charset="0"/>
-              </a:rPr>
-              <a:t>family_name</a:t>
-            </a:r>
-            <a:r>
-              <a:rPr lang="en-US" sz="1600" dirty="0">
-                <a:solidFill>
-                  <a:schemeClr val="tx1"/>
-                </a:solidFill>
-                <a:latin typeface="Times New Roman" panose="02020603050405020304" pitchFamily="18" charset="0"/>
-                <a:cs typeface="Times New Roman" panose="02020603050405020304" pitchFamily="18" charset="0"/>
-              </a:rPr>
               <a:t>="AP-2");</a:t>
             </a:r>
           </a:p>
@@ -20124,28 +22833,6 @@
             <a:pPr marL="109728" indent="0">
               <a:buNone/>
             </a:pPr>
-            <a:endParaRPr lang="en-US" sz="1600" dirty="0">
-              <a:solidFill>
-                <a:schemeClr val="tx1"/>
-              </a:solidFill>
-              <a:latin typeface="Times New Roman" panose="02020603050405020304" pitchFamily="18" charset="0"/>
-              <a:cs typeface="Times New Roman" panose="02020603050405020304" pitchFamily="18" charset="0"/>
-            </a:endParaRPr>
-          </a:p>
-          <a:p>
-            <a:pPr marL="109728" indent="0">
-              <a:buNone/>
-            </a:pPr>
-            <a:r>
-              <a:rPr lang="en-US" sz="1600" dirty="0">
-                <a:solidFill>
-                  <a:schemeClr val="tx1"/>
-                </a:solidFill>
-                <a:latin typeface="Times New Roman" panose="02020603050405020304" pitchFamily="18" charset="0"/>
-                <a:cs typeface="Times New Roman" panose="02020603050405020304" pitchFamily="18" charset="0"/>
-              </a:rPr>
-              <a:t>## import 2 motifs to fill the licensed motifs in Cis-BP and 1 new motif </a:t>
-            </a:r>
             <a:endParaRPr lang="en-US" sz="1600" dirty="0" smtClean="0">
               <a:solidFill>
                 <a:schemeClr val="tx1"/>
@@ -20166,7 +22853,22 @@
                 <a:latin typeface="Times New Roman" panose="02020603050405020304" pitchFamily="18" charset="0"/>
                 <a:cs typeface="Times New Roman" panose="02020603050405020304" pitchFamily="18" charset="0"/>
               </a:rPr>
-              <a:t>## from </a:t>
+              <a:t># Use all direct and inferred motif data to query AP-2</a:t>
+            </a:r>
+          </a:p>
+          <a:p>
+            <a:pPr marL="109728" indent="0">
+              <a:buNone/>
+            </a:pPr>
+            <a:r>
+              <a:rPr lang="en-US" sz="1600" dirty="0" err="1">
+                <a:solidFill>
+                  <a:schemeClr val="tx1"/>
+                </a:solidFill>
+                <a:latin typeface="Times New Roman" panose="02020603050405020304" pitchFamily="18" charset="0"/>
+                <a:cs typeface="Times New Roman" panose="02020603050405020304" pitchFamily="18" charset="0"/>
+              </a:rPr>
+              <a:t>tfs</a:t>
             </a:r>
             <a:r>
               <a:rPr lang="en-US" sz="1600" dirty="0">
@@ -20176,7 +22878,67 @@
                 <a:latin typeface="Times New Roman" panose="02020603050405020304" pitchFamily="18" charset="0"/>
                 <a:cs typeface="Times New Roman" panose="02020603050405020304" pitchFamily="18" charset="0"/>
               </a:rPr>
-              <a:t>other </a:t>
+              <a:t> &lt;- </a:t>
+            </a:r>
+            <a:r>
+              <a:rPr lang="en-US" sz="1600" dirty="0" err="1">
+                <a:solidFill>
+                  <a:schemeClr val="tx1"/>
+                </a:solidFill>
+                <a:latin typeface="Times New Roman" panose="02020603050405020304" pitchFamily="18" charset="0"/>
+                <a:cs typeface="Times New Roman" panose="02020603050405020304" pitchFamily="18" charset="0"/>
+              </a:rPr>
+              <a:t>tfbs.createFromCisBP</a:t>
+            </a:r>
+            <a:r>
+              <a:rPr lang="en-US" sz="1600" dirty="0">
+                <a:solidFill>
+                  <a:schemeClr val="tx1"/>
+                </a:solidFill>
+                <a:latin typeface="Times New Roman" panose="02020603050405020304" pitchFamily="18" charset="0"/>
+                <a:cs typeface="Times New Roman" panose="02020603050405020304" pitchFamily="18" charset="0"/>
+              </a:rPr>
+              <a:t>(</a:t>
+            </a:r>
+            <a:r>
+              <a:rPr lang="en-US" sz="1600" dirty="0" err="1">
+                <a:solidFill>
+                  <a:schemeClr val="tx1"/>
+                </a:solidFill>
+                <a:latin typeface="Times New Roman" panose="02020603050405020304" pitchFamily="18" charset="0"/>
+                <a:cs typeface="Times New Roman" panose="02020603050405020304" pitchFamily="18" charset="0"/>
+              </a:rPr>
+              <a:t>db</a:t>
+            </a:r>
+            <a:r>
+              <a:rPr lang="en-US" sz="1600" dirty="0">
+                <a:solidFill>
+                  <a:schemeClr val="tx1"/>
+                </a:solidFill>
+                <a:latin typeface="Times New Roman" panose="02020603050405020304" pitchFamily="18" charset="0"/>
+                <a:cs typeface="Times New Roman" panose="02020603050405020304" pitchFamily="18" charset="0"/>
+              </a:rPr>
+              <a:t>, </a:t>
+            </a:r>
+            <a:r>
+              <a:rPr lang="en-US" sz="1600" dirty="0" err="1">
+                <a:solidFill>
+                  <a:schemeClr val="tx1"/>
+                </a:solidFill>
+                <a:latin typeface="Times New Roman" panose="02020603050405020304" pitchFamily="18" charset="0"/>
+                <a:cs typeface="Times New Roman" panose="02020603050405020304" pitchFamily="18" charset="0"/>
+              </a:rPr>
+              <a:t>family_name</a:t>
+            </a:r>
+            <a:r>
+              <a:rPr lang="en-US" sz="1600" dirty="0">
+                <a:solidFill>
+                  <a:schemeClr val="tx1"/>
+                </a:solidFill>
+                <a:latin typeface="Times New Roman" panose="02020603050405020304" pitchFamily="18" charset="0"/>
+                <a:cs typeface="Times New Roman" panose="02020603050405020304" pitchFamily="18" charset="0"/>
+              </a:rPr>
+              <a:t>="</a:t>
             </a:r>
             <a:r>
               <a:rPr lang="en-US" sz="1600" dirty="0" smtClean="0">
@@ -20186,29 +22948,7 @@
                 <a:latin typeface="Times New Roman" panose="02020603050405020304" pitchFamily="18" charset="0"/>
                 <a:cs typeface="Times New Roman" panose="02020603050405020304" pitchFamily="18" charset="0"/>
               </a:rPr>
-              <a:t>source</a:t>
-            </a:r>
-            <a:endParaRPr lang="en-US" sz="1600" dirty="0">
-              <a:solidFill>
-                <a:schemeClr val="tx1"/>
-              </a:solidFill>
-              <a:latin typeface="Times New Roman" panose="02020603050405020304" pitchFamily="18" charset="0"/>
-              <a:cs typeface="Times New Roman" panose="02020603050405020304" pitchFamily="18" charset="0"/>
-            </a:endParaRPr>
-          </a:p>
-          <a:p>
-            <a:pPr marL="109728" indent="0">
-              <a:buNone/>
-            </a:pPr>
-            <a:r>
-              <a:rPr lang="en-US" sz="1600" dirty="0" err="1">
-                <a:solidFill>
-                  <a:schemeClr val="tx1"/>
-                </a:solidFill>
-                <a:latin typeface="Times New Roman" panose="02020603050405020304" pitchFamily="18" charset="0"/>
-                <a:cs typeface="Times New Roman" panose="02020603050405020304" pitchFamily="18" charset="0"/>
-              </a:rPr>
-              <a:t>motif_ids</a:t>
+              <a:t>AP-2</a:t>
             </a:r>
             <a:r>
               <a:rPr lang="en-US" sz="1600" dirty="0">
@@ -20218,107 +22958,7 @@
                 <a:latin typeface="Times New Roman" panose="02020603050405020304" pitchFamily="18" charset="0"/>
                 <a:cs typeface="Times New Roman" panose="02020603050405020304" pitchFamily="18" charset="0"/>
               </a:rPr>
-              <a:t> &lt;- c( "M2938_1.02", "M3591_1.01", "M3590_1.01" );</a:t>
-            </a:r>
-          </a:p>
-          <a:p>
-            <a:pPr marL="109728" indent="0">
-              <a:buNone/>
-            </a:pPr>
-            <a:r>
-              <a:rPr lang="en-US" sz="1600" dirty="0">
-                <a:solidFill>
-                  <a:schemeClr val="tx1"/>
-                </a:solidFill>
-                <a:latin typeface="Times New Roman" panose="02020603050405020304" pitchFamily="18" charset="0"/>
-                <a:cs typeface="Times New Roman" panose="02020603050405020304" pitchFamily="18" charset="0"/>
-              </a:rPr>
-              <a:t>path &lt;- </a:t>
-            </a:r>
-            <a:r>
-              <a:rPr lang="en-US" sz="1600" dirty="0" err="1">
-                <a:solidFill>
-                  <a:schemeClr val="tx1"/>
-                </a:solidFill>
-                <a:latin typeface="Times New Roman" panose="02020603050405020304" pitchFamily="18" charset="0"/>
-                <a:cs typeface="Times New Roman" panose="02020603050405020304" pitchFamily="18" charset="0"/>
-              </a:rPr>
-              <a:t>system.file</a:t>
-            </a:r>
-            <a:r>
-              <a:rPr lang="en-US" sz="1600" dirty="0">
-                <a:solidFill>
-                  <a:schemeClr val="tx1"/>
-                </a:solidFill>
-                <a:latin typeface="Times New Roman" panose="02020603050405020304" pitchFamily="18" charset="0"/>
-                <a:cs typeface="Times New Roman" panose="02020603050405020304" pitchFamily="18" charset="0"/>
-              </a:rPr>
-              <a:t>("</a:t>
-            </a:r>
-            <a:r>
-              <a:rPr lang="en-US" sz="1600" dirty="0" err="1">
-                <a:solidFill>
-                  <a:schemeClr val="tx1"/>
-                </a:solidFill>
-                <a:latin typeface="Times New Roman" panose="02020603050405020304" pitchFamily="18" charset="0"/>
-                <a:cs typeface="Times New Roman" panose="02020603050405020304" pitchFamily="18" charset="0"/>
-              </a:rPr>
-              <a:t>extdata</a:t>
-            </a:r>
-            <a:r>
-              <a:rPr lang="en-US" sz="1600" dirty="0">
-                <a:solidFill>
-                  <a:schemeClr val="tx1"/>
-                </a:solidFill>
-                <a:latin typeface="Times New Roman" panose="02020603050405020304" pitchFamily="18" charset="0"/>
-                <a:cs typeface="Times New Roman" panose="02020603050405020304" pitchFamily="18" charset="0"/>
-              </a:rPr>
-              <a:t>", package="</a:t>
-            </a:r>
-            <a:r>
-              <a:rPr lang="en-US" sz="1600" dirty="0" err="1">
-                <a:solidFill>
-                  <a:schemeClr val="tx1"/>
-                </a:solidFill>
-                <a:latin typeface="Times New Roman" panose="02020603050405020304" pitchFamily="18" charset="0"/>
-                <a:cs typeface="Times New Roman" panose="02020603050405020304" pitchFamily="18" charset="0"/>
-              </a:rPr>
-              <a:t>rtfbsdb</a:t>
-            </a:r>
-            <a:r>
-              <a:rPr lang="en-US" sz="1600" dirty="0">
-                <a:solidFill>
-                  <a:schemeClr val="tx1"/>
-                </a:solidFill>
-                <a:latin typeface="Times New Roman" panose="02020603050405020304" pitchFamily="18" charset="0"/>
-                <a:cs typeface="Times New Roman" panose="02020603050405020304" pitchFamily="18" charset="0"/>
-              </a:rPr>
-              <a:t>");</a:t>
-            </a:r>
-          </a:p>
-          <a:p>
-            <a:pPr marL="109728" indent="0">
-              <a:buNone/>
-            </a:pPr>
-            <a:r>
-              <a:rPr lang="en-US" sz="1600" dirty="0" err="1">
-                <a:solidFill>
-                  <a:schemeClr val="tx1"/>
-                </a:solidFill>
-                <a:latin typeface="Times New Roman" panose="02020603050405020304" pitchFamily="18" charset="0"/>
-                <a:cs typeface="Times New Roman" panose="02020603050405020304" pitchFamily="18" charset="0"/>
-              </a:rPr>
-              <a:t>file_pwms</a:t>
-            </a:r>
-            <a:r>
-              <a:rPr lang="en-US" sz="1600" dirty="0">
-                <a:solidFill>
-                  <a:schemeClr val="tx1"/>
-                </a:solidFill>
-                <a:latin typeface="Times New Roman" panose="02020603050405020304" pitchFamily="18" charset="0"/>
-                <a:cs typeface="Times New Roman" panose="02020603050405020304" pitchFamily="18" charset="0"/>
-              </a:rPr>
-              <a:t> &lt;- paste(path, c( </a:t>
+              <a:t>"</a:t>
             </a:r>
             <a:r>
               <a:rPr lang="en-US" sz="1600" dirty="0" smtClean="0">
@@ -20328,32 +22968,17 @@
                 <a:latin typeface="Times New Roman" panose="02020603050405020304" pitchFamily="18" charset="0"/>
                 <a:cs typeface="Times New Roman" panose="02020603050405020304" pitchFamily="18" charset="0"/>
               </a:rPr>
-              <a:t>"</a:t>
-            </a:r>
-            <a:r>
-              <a:rPr lang="en-US" sz="1600" dirty="0">
-                <a:solidFill>
-                  <a:schemeClr val="tx1"/>
-                </a:solidFill>
-                <a:latin typeface="Times New Roman" panose="02020603050405020304" pitchFamily="18" charset="0"/>
-                <a:cs typeface="Times New Roman" panose="02020603050405020304" pitchFamily="18" charset="0"/>
-              </a:rPr>
-              <a:t>fake_M2938_1.02.pwm",</a:t>
-            </a:r>
-          </a:p>
-          <a:p>
-            <a:pPr marL="109728" indent="0">
-              <a:buNone/>
-            </a:pPr>
-            <a:r>
-              <a:rPr lang="en-US" sz="1600" dirty="0">
-                <a:solidFill>
-                  <a:schemeClr val="tx1"/>
-                </a:solidFill>
-                <a:latin typeface="Times New Roman" panose="02020603050405020304" pitchFamily="18" charset="0"/>
-                <a:cs typeface="Times New Roman" panose="02020603050405020304" pitchFamily="18" charset="0"/>
-              </a:rPr>
-              <a:t>      </a:t>
+              <a:t>,  </a:t>
+            </a:r>
+            <a:r>
+              <a:rPr lang="en-US" sz="1600" dirty="0" err="1" smtClean="0">
+                <a:solidFill>
+                  <a:schemeClr val="tx1"/>
+                </a:solidFill>
+                <a:latin typeface="Times New Roman" panose="02020603050405020304" pitchFamily="18" charset="0"/>
+                <a:cs typeface="Times New Roman" panose="02020603050405020304" pitchFamily="18" charset="0"/>
+              </a:rPr>
+              <a:t>tf.information.type</a:t>
             </a:r>
             <a:r>
               <a:rPr lang="en-US" sz="1600" dirty="0" smtClean="0">
@@ -20363,534 +22988,27 @@
                 <a:latin typeface="Times New Roman" panose="02020603050405020304" pitchFamily="18" charset="0"/>
                 <a:cs typeface="Times New Roman" panose="02020603050405020304" pitchFamily="18" charset="0"/>
               </a:rPr>
-              <a:t>	"</a:t>
-            </a:r>
-            <a:r>
-              <a:rPr lang="en-US" sz="1600" dirty="0">
-                <a:solidFill>
-                  <a:schemeClr val="tx1"/>
-                </a:solidFill>
-                <a:latin typeface="Times New Roman" panose="02020603050405020304" pitchFamily="18" charset="0"/>
-                <a:cs typeface="Times New Roman" panose="02020603050405020304" pitchFamily="18" charset="0"/>
-              </a:rPr>
-              <a:t>M3591_1.01.pwm", </a:t>
-            </a:r>
-          </a:p>
-          <a:p>
-            <a:pPr marL="109728" indent="0">
-              <a:buNone/>
-            </a:pPr>
-            <a:r>
-              <a:rPr lang="en-US" sz="1600" dirty="0">
-                <a:solidFill>
-                  <a:schemeClr val="tx1"/>
-                </a:solidFill>
-                <a:latin typeface="Times New Roman" panose="02020603050405020304" pitchFamily="18" charset="0"/>
-                <a:cs typeface="Times New Roman" panose="02020603050405020304" pitchFamily="18" charset="0"/>
-              </a:rPr>
-              <a:t>      </a:t>
-            </a:r>
-            <a:r>
-              <a:rPr lang="en-US" sz="1600" dirty="0" smtClean="0">
-                <a:solidFill>
-                  <a:schemeClr val="tx1"/>
-                </a:solidFill>
-                <a:latin typeface="Times New Roman" panose="02020603050405020304" pitchFamily="18" charset="0"/>
-                <a:cs typeface="Times New Roman" panose="02020603050405020304" pitchFamily="18" charset="0"/>
-              </a:rPr>
-              <a:t>	"</a:t>
-            </a:r>
-            <a:r>
-              <a:rPr lang="en-US" sz="1600" dirty="0">
-                <a:solidFill>
-                  <a:schemeClr val="tx1"/>
-                </a:solidFill>
-                <a:latin typeface="Times New Roman" panose="02020603050405020304" pitchFamily="18" charset="0"/>
-                <a:cs typeface="Times New Roman" panose="02020603050405020304" pitchFamily="18" charset="0"/>
-              </a:rPr>
-              <a:t>M3590_1.01.pwm"), </a:t>
-            </a:r>
-            <a:r>
-              <a:rPr lang="en-US" sz="1600" dirty="0" err="1">
-                <a:solidFill>
-                  <a:schemeClr val="tx1"/>
-                </a:solidFill>
-                <a:latin typeface="Times New Roman" panose="02020603050405020304" pitchFamily="18" charset="0"/>
-                <a:cs typeface="Times New Roman" panose="02020603050405020304" pitchFamily="18" charset="0"/>
-              </a:rPr>
-              <a:t>sep</a:t>
-            </a:r>
-            <a:r>
-              <a:rPr lang="en-US" sz="1600" dirty="0">
-                <a:solidFill>
-                  <a:schemeClr val="tx1"/>
-                </a:solidFill>
-                <a:latin typeface="Times New Roman" panose="02020603050405020304" pitchFamily="18" charset="0"/>
-                <a:cs typeface="Times New Roman" panose="02020603050405020304" pitchFamily="18" charset="0"/>
-              </a:rPr>
-              <a:t>="/");</a:t>
-            </a:r>
-          </a:p>
-          <a:p>
-            <a:pPr marL="109728" indent="0">
-              <a:buNone/>
-            </a:pPr>
-            <a:r>
-              <a:rPr lang="en-US" sz="1600" dirty="0" err="1">
-                <a:solidFill>
-                  <a:schemeClr val="tx1"/>
-                </a:solidFill>
-                <a:latin typeface="Times New Roman" panose="02020603050405020304" pitchFamily="18" charset="0"/>
-                <a:cs typeface="Times New Roman" panose="02020603050405020304" pitchFamily="18" charset="0"/>
-              </a:rPr>
-              <a:t>tfs</a:t>
-            </a:r>
-            <a:r>
-              <a:rPr lang="en-US" sz="1600" dirty="0">
-                <a:solidFill>
-                  <a:schemeClr val="tx1"/>
-                </a:solidFill>
-                <a:latin typeface="Times New Roman" panose="02020603050405020304" pitchFamily="18" charset="0"/>
-                <a:cs typeface="Times New Roman" panose="02020603050405020304" pitchFamily="18" charset="0"/>
-              </a:rPr>
-              <a:t> &lt;- </a:t>
-            </a:r>
-            <a:r>
-              <a:rPr lang="en-US" sz="1600" dirty="0" err="1">
-                <a:solidFill>
-                  <a:schemeClr val="tx1"/>
-                </a:solidFill>
-                <a:latin typeface="Times New Roman" panose="02020603050405020304" pitchFamily="18" charset="0"/>
-                <a:cs typeface="Times New Roman" panose="02020603050405020304" pitchFamily="18" charset="0"/>
-              </a:rPr>
-              <a:t>tfbs.importMotifs</a:t>
-            </a:r>
-            <a:r>
-              <a:rPr lang="en-US" sz="1600" dirty="0">
-                <a:solidFill>
-                  <a:schemeClr val="tx1"/>
-                </a:solidFill>
-                <a:latin typeface="Times New Roman" panose="02020603050405020304" pitchFamily="18" charset="0"/>
-                <a:cs typeface="Times New Roman" panose="02020603050405020304" pitchFamily="18" charset="0"/>
-              </a:rPr>
-              <a:t>(</a:t>
-            </a:r>
-            <a:r>
-              <a:rPr lang="en-US" sz="1600" dirty="0" err="1">
-                <a:solidFill>
-                  <a:schemeClr val="tx1"/>
-                </a:solidFill>
-                <a:latin typeface="Times New Roman" panose="02020603050405020304" pitchFamily="18" charset="0"/>
-                <a:cs typeface="Times New Roman" panose="02020603050405020304" pitchFamily="18" charset="0"/>
-              </a:rPr>
-              <a:t>tfs</a:t>
-            </a:r>
-            <a:r>
-              <a:rPr lang="en-US" sz="1600" dirty="0">
-                <a:solidFill>
-                  <a:schemeClr val="tx1"/>
-                </a:solidFill>
-                <a:latin typeface="Times New Roman" panose="02020603050405020304" pitchFamily="18" charset="0"/>
-                <a:cs typeface="Times New Roman" panose="02020603050405020304" pitchFamily="18" charset="0"/>
-              </a:rPr>
-              <a:t>, </a:t>
-            </a:r>
-            <a:r>
-              <a:rPr lang="en-US" sz="1600" dirty="0" smtClean="0">
-                <a:solidFill>
-                  <a:schemeClr val="tx1"/>
-                </a:solidFill>
-                <a:latin typeface="Times New Roman" panose="02020603050405020304" pitchFamily="18" charset="0"/>
-                <a:cs typeface="Times New Roman" panose="02020603050405020304" pitchFamily="18" charset="0"/>
-              </a:rPr>
-              <a:t>"</a:t>
-            </a:r>
-            <a:r>
-              <a:rPr lang="en-US" sz="1600" dirty="0" err="1" smtClean="0">
-                <a:solidFill>
-                  <a:schemeClr val="tx1"/>
-                </a:solidFill>
-                <a:latin typeface="Times New Roman" panose="02020603050405020304" pitchFamily="18" charset="0"/>
-                <a:cs typeface="Times New Roman" panose="02020603050405020304" pitchFamily="18" charset="0"/>
-              </a:rPr>
-              <a:t>pwm.matrix</a:t>
-            </a:r>
-            <a:r>
-              <a:rPr lang="en-US" sz="1600" dirty="0" smtClean="0">
-                <a:solidFill>
-                  <a:schemeClr val="tx1"/>
-                </a:solidFill>
-                <a:latin typeface="Times New Roman" panose="02020603050405020304" pitchFamily="18" charset="0"/>
-                <a:cs typeface="Times New Roman" panose="02020603050405020304" pitchFamily="18" charset="0"/>
-              </a:rPr>
-              <a:t>", </a:t>
-            </a:r>
-            <a:r>
-              <a:rPr lang="en-US" sz="1600" dirty="0" err="1">
-                <a:solidFill>
-                  <a:schemeClr val="tx1"/>
-                </a:solidFill>
-                <a:latin typeface="Times New Roman" panose="02020603050405020304" pitchFamily="18" charset="0"/>
-                <a:cs typeface="Times New Roman" panose="02020603050405020304" pitchFamily="18" charset="0"/>
-              </a:rPr>
-              <a:t>file_pwms</a:t>
-            </a:r>
-            <a:r>
-              <a:rPr lang="en-US" sz="1600" dirty="0">
-                <a:solidFill>
-                  <a:schemeClr val="tx1"/>
-                </a:solidFill>
-                <a:latin typeface="Times New Roman" panose="02020603050405020304" pitchFamily="18" charset="0"/>
-                <a:cs typeface="Times New Roman" panose="02020603050405020304" pitchFamily="18" charset="0"/>
-              </a:rPr>
-              <a:t>, </a:t>
-            </a:r>
-            <a:r>
-              <a:rPr lang="en-US" sz="1600" dirty="0" err="1">
-                <a:solidFill>
-                  <a:schemeClr val="tx1"/>
-                </a:solidFill>
-                <a:latin typeface="Times New Roman" panose="02020603050405020304" pitchFamily="18" charset="0"/>
-                <a:cs typeface="Times New Roman" panose="02020603050405020304" pitchFamily="18" charset="0"/>
-              </a:rPr>
-              <a:t>motif_ids</a:t>
-            </a:r>
-            <a:r>
-              <a:rPr lang="en-US" sz="1600" dirty="0">
-                <a:solidFill>
-                  <a:schemeClr val="tx1"/>
-                </a:solidFill>
-                <a:latin typeface="Times New Roman" panose="02020603050405020304" pitchFamily="18" charset="0"/>
-                <a:cs typeface="Times New Roman" panose="02020603050405020304" pitchFamily="18" charset="0"/>
-              </a:rPr>
-              <a:t>, header=T );</a:t>
-            </a:r>
-          </a:p>
-          <a:p>
-            <a:pPr marL="109728" indent="0">
-              <a:buNone/>
-            </a:pPr>
-            <a:endParaRPr lang="en-US" sz="1600" dirty="0">
-              <a:solidFill>
-                <a:schemeClr val="tx1"/>
-              </a:solidFill>
-              <a:latin typeface="Times New Roman" panose="02020603050405020304" pitchFamily="18" charset="0"/>
-              <a:cs typeface="Times New Roman" panose="02020603050405020304" pitchFamily="18" charset="0"/>
-            </a:endParaRPr>
-          </a:p>
-          <a:p>
-            <a:pPr marL="109728" indent="0">
-              <a:buNone/>
-            </a:pPr>
-            <a:r>
-              <a:rPr lang="en-US" sz="1600" dirty="0">
-                <a:solidFill>
-                  <a:schemeClr val="tx1"/>
-                </a:solidFill>
-                <a:latin typeface="Times New Roman" panose="02020603050405020304" pitchFamily="18" charset="0"/>
-                <a:cs typeface="Times New Roman" panose="02020603050405020304" pitchFamily="18" charset="0"/>
-              </a:rPr>
-              <a:t>## import the data file in Jaspar format</a:t>
-            </a:r>
-          </a:p>
-          <a:p>
-            <a:pPr marL="109728" indent="0">
-              <a:buNone/>
-            </a:pPr>
-            <a:r>
-              <a:rPr lang="en-US" sz="1600" dirty="0" err="1">
-                <a:solidFill>
-                  <a:schemeClr val="tx1"/>
-                </a:solidFill>
-                <a:latin typeface="Times New Roman" panose="02020603050405020304" pitchFamily="18" charset="0"/>
-                <a:cs typeface="Times New Roman" panose="02020603050405020304" pitchFamily="18" charset="0"/>
-              </a:rPr>
-              <a:t>tbs</a:t>
-            </a:r>
-            <a:r>
-              <a:rPr lang="en-US" sz="1600" dirty="0">
-                <a:solidFill>
-                  <a:schemeClr val="tx1"/>
-                </a:solidFill>
-                <a:latin typeface="Times New Roman" panose="02020603050405020304" pitchFamily="18" charset="0"/>
-                <a:cs typeface="Times New Roman" panose="02020603050405020304" pitchFamily="18" charset="0"/>
-              </a:rPr>
-              <a:t> &lt;- </a:t>
-            </a:r>
-            <a:r>
-              <a:rPr lang="en-US" sz="1600" dirty="0" err="1">
-                <a:solidFill>
-                  <a:schemeClr val="tx1"/>
-                </a:solidFill>
-                <a:latin typeface="Times New Roman" panose="02020603050405020304" pitchFamily="18" charset="0"/>
-                <a:cs typeface="Times New Roman" panose="02020603050405020304" pitchFamily="18" charset="0"/>
-              </a:rPr>
-              <a:t>tfbs</a:t>
-            </a:r>
-            <a:r>
-              <a:rPr lang="en-US" sz="1600" dirty="0">
-                <a:solidFill>
-                  <a:schemeClr val="tx1"/>
-                </a:solidFill>
-                <a:latin typeface="Times New Roman" panose="02020603050405020304" pitchFamily="18" charset="0"/>
-                <a:cs typeface="Times New Roman" panose="02020603050405020304" pitchFamily="18" charset="0"/>
-              </a:rPr>
-              <a:t>();</a:t>
-            </a:r>
-          </a:p>
-          <a:p>
-            <a:pPr marL="109728" indent="0">
-              <a:buNone/>
-            </a:pPr>
-            <a:r>
-              <a:rPr lang="en-US" sz="1600" dirty="0" err="1">
-                <a:solidFill>
-                  <a:schemeClr val="tx1"/>
-                </a:solidFill>
-                <a:latin typeface="Times New Roman" panose="02020603050405020304" pitchFamily="18" charset="0"/>
-                <a:cs typeface="Times New Roman" panose="02020603050405020304" pitchFamily="18" charset="0"/>
-              </a:rPr>
-              <a:t>data.jaspar</a:t>
-            </a:r>
-            <a:r>
-              <a:rPr lang="en-US" sz="1600" dirty="0">
-                <a:solidFill>
-                  <a:schemeClr val="tx1"/>
-                </a:solidFill>
-                <a:latin typeface="Times New Roman" panose="02020603050405020304" pitchFamily="18" charset="0"/>
-                <a:cs typeface="Times New Roman" panose="02020603050405020304" pitchFamily="18" charset="0"/>
-              </a:rPr>
-              <a:t> &lt;- </a:t>
-            </a:r>
-            <a:r>
-              <a:rPr lang="en-US" sz="1600" dirty="0" err="1">
-                <a:solidFill>
-                  <a:schemeClr val="tx1"/>
-                </a:solidFill>
-                <a:latin typeface="Times New Roman" panose="02020603050405020304" pitchFamily="18" charset="0"/>
-                <a:cs typeface="Times New Roman" panose="02020603050405020304" pitchFamily="18" charset="0"/>
-              </a:rPr>
-              <a:t>system.file</a:t>
-            </a:r>
-            <a:r>
-              <a:rPr lang="en-US" sz="1600" dirty="0">
-                <a:solidFill>
-                  <a:schemeClr val="tx1"/>
-                </a:solidFill>
-                <a:latin typeface="Times New Roman" panose="02020603050405020304" pitchFamily="18" charset="0"/>
-                <a:cs typeface="Times New Roman" panose="02020603050405020304" pitchFamily="18" charset="0"/>
-              </a:rPr>
-              <a:t>("</a:t>
-            </a:r>
-            <a:r>
-              <a:rPr lang="en-US" sz="1600" dirty="0" err="1">
-                <a:solidFill>
-                  <a:schemeClr val="tx1"/>
-                </a:solidFill>
-                <a:latin typeface="Times New Roman" panose="02020603050405020304" pitchFamily="18" charset="0"/>
-                <a:cs typeface="Times New Roman" panose="02020603050405020304" pitchFamily="18" charset="0"/>
-              </a:rPr>
-              <a:t>extdata</a:t>
-            </a:r>
-            <a:r>
-              <a:rPr lang="en-US" sz="1600" dirty="0">
-                <a:solidFill>
-                  <a:schemeClr val="tx1"/>
-                </a:solidFill>
-                <a:latin typeface="Times New Roman" panose="02020603050405020304" pitchFamily="18" charset="0"/>
-                <a:cs typeface="Times New Roman" panose="02020603050405020304" pitchFamily="18" charset="0"/>
-              </a:rPr>
-              <a:t>", "pwm.example.jaspar.2015.txt", </a:t>
-            </a:r>
-            <a:r>
-              <a:rPr lang="en-US" sz="1600" dirty="0" smtClean="0">
-                <a:solidFill>
-                  <a:schemeClr val="tx1"/>
-                </a:solidFill>
-                <a:latin typeface="Times New Roman" panose="02020603050405020304" pitchFamily="18" charset="0"/>
-                <a:cs typeface="Times New Roman" panose="02020603050405020304" pitchFamily="18" charset="0"/>
-              </a:rPr>
-              <a:t>	package</a:t>
-            </a:r>
-            <a:r>
-              <a:rPr lang="en-US" sz="1600" dirty="0">
-                <a:solidFill>
-                  <a:schemeClr val="tx1"/>
-                </a:solidFill>
-                <a:latin typeface="Times New Roman" panose="02020603050405020304" pitchFamily="18" charset="0"/>
-                <a:cs typeface="Times New Roman" panose="02020603050405020304" pitchFamily="18" charset="0"/>
-              </a:rPr>
-              <a:t>="</a:t>
-            </a:r>
-            <a:r>
-              <a:rPr lang="en-US" sz="1600" dirty="0" err="1">
-                <a:solidFill>
-                  <a:schemeClr val="tx1"/>
-                </a:solidFill>
-                <a:latin typeface="Times New Roman" panose="02020603050405020304" pitchFamily="18" charset="0"/>
-                <a:cs typeface="Times New Roman" panose="02020603050405020304" pitchFamily="18" charset="0"/>
-              </a:rPr>
-              <a:t>rtfbsdb</a:t>
-            </a:r>
-            <a:r>
-              <a:rPr lang="en-US" sz="1600" dirty="0">
-                <a:solidFill>
-                  <a:schemeClr val="tx1"/>
-                </a:solidFill>
-                <a:latin typeface="Times New Roman" panose="02020603050405020304" pitchFamily="18" charset="0"/>
-                <a:cs typeface="Times New Roman" panose="02020603050405020304" pitchFamily="18" charset="0"/>
-              </a:rPr>
-              <a:t>");</a:t>
-            </a:r>
-          </a:p>
-          <a:p>
-            <a:pPr marL="109728" indent="0">
-              <a:buNone/>
-            </a:pPr>
-            <a:r>
-              <a:rPr lang="en-US" sz="1600" dirty="0" err="1">
-                <a:solidFill>
-                  <a:schemeClr val="tx1"/>
-                </a:solidFill>
-                <a:latin typeface="Times New Roman" panose="02020603050405020304" pitchFamily="18" charset="0"/>
-                <a:cs typeface="Times New Roman" panose="02020603050405020304" pitchFamily="18" charset="0"/>
-              </a:rPr>
-              <a:t>tfs.jaspar</a:t>
-            </a:r>
-            <a:r>
-              <a:rPr lang="en-US" sz="1600" dirty="0">
-                <a:solidFill>
-                  <a:schemeClr val="tx1"/>
-                </a:solidFill>
-                <a:latin typeface="Times New Roman" panose="02020603050405020304" pitchFamily="18" charset="0"/>
-                <a:cs typeface="Times New Roman" panose="02020603050405020304" pitchFamily="18" charset="0"/>
-              </a:rPr>
-              <a:t> &lt;- </a:t>
-            </a:r>
-            <a:r>
-              <a:rPr lang="en-US" sz="1600" dirty="0" err="1">
-                <a:solidFill>
-                  <a:schemeClr val="tx1"/>
-                </a:solidFill>
-                <a:latin typeface="Times New Roman" panose="02020603050405020304" pitchFamily="18" charset="0"/>
-                <a:cs typeface="Times New Roman" panose="02020603050405020304" pitchFamily="18" charset="0"/>
-              </a:rPr>
-              <a:t>tfbs.importMotifs</a:t>
-            </a:r>
-            <a:r>
-              <a:rPr lang="en-US" sz="1600" dirty="0">
-                <a:solidFill>
-                  <a:schemeClr val="tx1"/>
-                </a:solidFill>
-                <a:latin typeface="Times New Roman" panose="02020603050405020304" pitchFamily="18" charset="0"/>
-                <a:cs typeface="Times New Roman" panose="02020603050405020304" pitchFamily="18" charset="0"/>
-              </a:rPr>
-              <a:t>(</a:t>
-            </a:r>
-            <a:r>
-              <a:rPr lang="en-US" sz="1600" dirty="0" err="1">
-                <a:solidFill>
-                  <a:schemeClr val="tx1"/>
-                </a:solidFill>
-                <a:latin typeface="Times New Roman" panose="02020603050405020304" pitchFamily="18" charset="0"/>
-                <a:cs typeface="Times New Roman" panose="02020603050405020304" pitchFamily="18" charset="0"/>
-              </a:rPr>
-              <a:t>tfs</a:t>
-            </a:r>
-            <a:r>
-              <a:rPr lang="en-US" sz="1600" dirty="0">
-                <a:solidFill>
-                  <a:schemeClr val="tx1"/>
-                </a:solidFill>
-                <a:latin typeface="Times New Roman" panose="02020603050405020304" pitchFamily="18" charset="0"/>
-                <a:cs typeface="Times New Roman" panose="02020603050405020304" pitchFamily="18" charset="0"/>
-              </a:rPr>
-              <a:t>, "</a:t>
-            </a:r>
-            <a:r>
-              <a:rPr lang="en-US" sz="1600" dirty="0" err="1">
-                <a:solidFill>
-                  <a:schemeClr val="tx1"/>
-                </a:solidFill>
-                <a:latin typeface="Times New Roman" panose="02020603050405020304" pitchFamily="18" charset="0"/>
-                <a:cs typeface="Times New Roman" panose="02020603050405020304" pitchFamily="18" charset="0"/>
-              </a:rPr>
-              <a:t>jaspar</a:t>
-            </a:r>
-            <a:r>
-              <a:rPr lang="en-US" sz="1600" dirty="0">
-                <a:solidFill>
-                  <a:schemeClr val="tx1"/>
-                </a:solidFill>
-                <a:latin typeface="Times New Roman" panose="02020603050405020304" pitchFamily="18" charset="0"/>
-                <a:cs typeface="Times New Roman" panose="02020603050405020304" pitchFamily="18" charset="0"/>
-              </a:rPr>
-              <a:t>", </a:t>
-            </a:r>
-            <a:r>
-              <a:rPr lang="en-US" sz="1600" dirty="0" err="1">
-                <a:solidFill>
-                  <a:schemeClr val="tx1"/>
-                </a:solidFill>
-                <a:latin typeface="Times New Roman" panose="02020603050405020304" pitchFamily="18" charset="0"/>
-                <a:cs typeface="Times New Roman" panose="02020603050405020304" pitchFamily="18" charset="0"/>
-              </a:rPr>
-              <a:t>data.jaspar</a:t>
-            </a:r>
-            <a:r>
-              <a:rPr lang="en-US" sz="1600" dirty="0">
-                <a:solidFill>
-                  <a:schemeClr val="tx1"/>
-                </a:solidFill>
-                <a:latin typeface="Times New Roman" panose="02020603050405020304" pitchFamily="18" charset="0"/>
-                <a:cs typeface="Times New Roman" panose="02020603050405020304" pitchFamily="18" charset="0"/>
-              </a:rPr>
-              <a:t>, </a:t>
-            </a:r>
-            <a:r>
-              <a:rPr lang="en-US" sz="1600" dirty="0" err="1">
-                <a:solidFill>
-                  <a:schemeClr val="tx1"/>
-                </a:solidFill>
-                <a:latin typeface="Times New Roman" panose="02020603050405020304" pitchFamily="18" charset="0"/>
-                <a:cs typeface="Times New Roman" panose="02020603050405020304" pitchFamily="18" charset="0"/>
-              </a:rPr>
-              <a:t>skip.lines</a:t>
-            </a:r>
-            <a:r>
-              <a:rPr lang="en-US" sz="1600" dirty="0">
-                <a:solidFill>
-                  <a:schemeClr val="tx1"/>
-                </a:solidFill>
-                <a:latin typeface="Times New Roman" panose="02020603050405020304" pitchFamily="18" charset="0"/>
-                <a:cs typeface="Times New Roman" panose="02020603050405020304" pitchFamily="18" charset="0"/>
-              </a:rPr>
-              <a:t>=0</a:t>
-            </a:r>
-            <a:r>
-              <a:rPr lang="en-US" sz="1600" dirty="0" smtClean="0">
-                <a:solidFill>
-                  <a:schemeClr val="tx1"/>
-                </a:solidFill>
-                <a:latin typeface="Times New Roman" panose="02020603050405020304" pitchFamily="18" charset="0"/>
-                <a:cs typeface="Times New Roman" panose="02020603050405020304" pitchFamily="18" charset="0"/>
-              </a:rPr>
-              <a:t>);</a:t>
-            </a:r>
-            <a:endParaRPr lang="en-US" sz="1600" dirty="0">
-              <a:solidFill>
-                <a:schemeClr val="tx1"/>
-              </a:solidFill>
-              <a:latin typeface="Times New Roman" panose="02020603050405020304" pitchFamily="18" charset="0"/>
-              <a:cs typeface="Times New Roman" panose="02020603050405020304" pitchFamily="18" charset="0"/>
-            </a:endParaRPr>
+              <a:t> = 2);</a:t>
+            </a:r>
+          </a:p>
+          <a:p>
+            <a:endParaRPr lang="en-US" sz="2000" dirty="0"/>
+          </a:p>
+          <a:p>
+            <a:endParaRPr lang="en-US" sz="2000" dirty="0"/>
+          </a:p>
+          <a:p>
+            <a:pPr marL="109728" indent="0">
+              <a:buNone/>
+            </a:pPr>
+            <a:endParaRPr lang="en-US" dirty="0" smtClean="0"/>
           </a:p>
         </p:txBody>
       </p:sp>
     </p:spTree>
     <p:extLst>
       <p:ext uri="{BB962C8B-B14F-4D97-AF65-F5344CB8AC3E}">
-        <p14:creationId xmlns:p14="http://schemas.microsoft.com/office/powerpoint/2010/main" val="2586293034"/>
+        <p14:creationId xmlns:p14="http://schemas.microsoft.com/office/powerpoint/2010/main" val="2242570613"/>
       </p:ext>
     </p:extLst>
   </p:cSld>

--- a/rtfbsdb-tutorial.pptx
+++ b/rtfbsdb-tutorial.pptx
@@ -250,7 +250,7 @@
             <a:fld id="{68796EA6-6F25-4F19-87BA-7ADCC16DAEFF}" type="datetimeFigureOut">
               <a:rPr lang="en-US" smtClean="0"/>
               <a:pPr/>
-              <a:t>2/17/2016</a:t>
+              <a:t>3/2/2016</a:t>
             </a:fld>
             <a:endParaRPr lang="en-US" dirty="0"/>
           </a:p>
@@ -417,7 +417,7 @@
             <a:fld id="{C39C172E-A8B5-46F6-B05C-DFA3E2E0F207}" type="datetimeFigureOut">
               <a:rPr lang="en-US" smtClean="0"/>
               <a:pPr/>
-              <a:t>2/17/2016</a:t>
+              <a:t>3/2/2016</a:t>
             </a:fld>
             <a:endParaRPr lang="en-US" dirty="0"/>
           </a:p>
@@ -2288,7 +2288,7 @@
             <a:fld id="{4E708F12-96AD-4ED4-8132-A78F5E42C1F5}" type="datetime1">
               <a:rPr lang="en-US" smtClean="0"/>
               <a:pPr/>
-              <a:t>2/17/2016</a:t>
+              <a:t>3/2/2016</a:t>
             </a:fld>
             <a:endParaRPr lang="en-US" dirty="0"/>
           </a:p>
@@ -2512,7 +2512,7 @@
             <a:fld id="{7B7FA170-8299-44AD-AEEF-FC686C3D7804}" type="datetime1">
               <a:rPr lang="en-US" smtClean="0"/>
               <a:pPr/>
-              <a:t>2/17/2016</a:t>
+              <a:t>3/2/2016</a:t>
             </a:fld>
             <a:endParaRPr lang="en-US" dirty="0"/>
           </a:p>
@@ -2696,7 +2696,7 @@
             <a:fld id="{2231763A-68EC-4ECD-9620-D9FE9CDDD622}" type="datetime1">
               <a:rPr lang="en-US" smtClean="0"/>
               <a:pPr/>
-              <a:t>2/17/2016</a:t>
+              <a:t>3/2/2016</a:t>
             </a:fld>
             <a:endParaRPr lang="en-US" dirty="0"/>
           </a:p>
@@ -2890,7 +2890,7 @@
             <a:fld id="{7B98BEDD-6160-49BB-B372-861DE7DE9BA5}" type="datetime1">
               <a:rPr lang="en-US" smtClean="0"/>
               <a:pPr/>
-              <a:t>2/17/2016</a:t>
+              <a:t>3/2/2016</a:t>
             </a:fld>
             <a:endParaRPr lang="en-US" dirty="0"/>
           </a:p>
@@ -3074,7 +3074,7 @@
             <a:fld id="{0AAE819F-B7FD-4B29-8F66-9E318144BC2A}" type="datetime1">
               <a:rPr lang="en-US" smtClean="0"/>
               <a:pPr/>
-              <a:t>2/17/2016</a:t>
+              <a:t>3/2/2016</a:t>
             </a:fld>
             <a:endParaRPr lang="en-US" dirty="0"/>
           </a:p>
@@ -3308,7 +3308,7 @@
             <a:fld id="{D4CA159C-B6E0-4F10-9F4A-2FA57003B139}" type="datetime1">
               <a:rPr lang="en-US" smtClean="0"/>
               <a:pPr/>
-              <a:t>2/17/2016</a:t>
+              <a:t>3/2/2016</a:t>
             </a:fld>
             <a:endParaRPr lang="en-US" dirty="0"/>
           </a:p>
@@ -3602,7 +3602,7 @@
             <a:fld id="{8170CBBB-D1D1-4386-A5E9-07F3477B78F3}" type="datetime1">
               <a:rPr lang="en-US" smtClean="0"/>
               <a:pPr/>
-              <a:t>2/17/2016</a:t>
+              <a:t>3/2/2016</a:t>
             </a:fld>
             <a:endParaRPr lang="en-US" dirty="0"/>
           </a:p>
@@ -4032,7 +4032,7 @@
             <a:fld id="{9FA4CAD8-0EA7-4615-B69B-B2F199EF3A93}" type="datetime1">
               <a:rPr lang="en-US" smtClean="0"/>
               <a:pPr/>
-              <a:t>2/17/2016</a:t>
+              <a:t>3/2/2016</a:t>
             </a:fld>
             <a:endParaRPr lang="en-US" dirty="0"/>
           </a:p>
@@ -4187,7 +4187,7 @@
             <a:fld id="{B9234BD7-6953-492C-921B-E68B2D7F14C8}" type="datetime1">
               <a:rPr lang="en-US" smtClean="0"/>
               <a:pPr/>
-              <a:t>2/17/2016</a:t>
+              <a:t>3/2/2016</a:t>
             </a:fld>
             <a:endParaRPr lang="en-US" dirty="0"/>
           </a:p>
@@ -4296,7 +4296,7 @@
             <a:fld id="{35A17D9B-D4D3-4E23-88DF-2E354FA43196}" type="datetime1">
               <a:rPr lang="en-US" smtClean="0"/>
               <a:pPr/>
-              <a:t>2/17/2016</a:t>
+              <a:t>3/2/2016</a:t>
             </a:fld>
             <a:endParaRPr lang="en-US" dirty="0"/>
           </a:p>
@@ -4560,7 +4560,7 @@
             <a:fld id="{541F67C5-D04E-4576-B61C-12ABA14BBD6C}" type="datetime1">
               <a:rPr lang="en-US" smtClean="0"/>
               <a:pPr/>
-              <a:t>2/17/2016</a:t>
+              <a:t>3/2/2016</a:t>
             </a:fld>
             <a:endParaRPr lang="en-US" dirty="0"/>
           </a:p>
@@ -5462,7 +5462,7 @@
             <a:fld id="{C20F09E4-6EA4-4BF3-9FC8-FF40373B88E6}" type="datetime1">
               <a:rPr lang="en-US" smtClean="0"/>
               <a:pPr/>
-              <a:t>2/17/2016</a:t>
+              <a:t>3/2/2016</a:t>
             </a:fld>
             <a:endParaRPr lang="en-US" dirty="0"/>
           </a:p>
@@ -7381,15 +7381,7 @@
             </a:r>
             <a:r>
               <a:rPr lang="en-US" sz="2000" dirty="0" smtClean="0"/>
-              <a:t> package and </a:t>
-            </a:r>
-            <a:r>
-              <a:rPr lang="en-US" sz="2000" dirty="0" smtClean="0"/>
-              <a:t>want to perform </a:t>
-            </a:r>
-            <a:r>
-              <a:rPr lang="en-US" sz="2000" dirty="0" smtClean="0"/>
-              <a:t>analysis by this package:</a:t>
+              <a:t> package and want to perform analysis by this package:</a:t>
             </a:r>
           </a:p>
           <a:p>
@@ -7404,11 +7396,7 @@
             </a:pPr>
             <a:r>
               <a:rPr lang="en-US" altLang="zh-CN" sz="2000" dirty="0" smtClean="0"/>
-              <a:t>Create </a:t>
-            </a:r>
-            <a:r>
-              <a:rPr lang="en-US" altLang="zh-CN" sz="2000" dirty="0" smtClean="0"/>
-              <a:t>a </a:t>
+              <a:t>Create a </a:t>
             </a:r>
             <a:r>
               <a:rPr lang="en-US" altLang="zh-CN" sz="2000" dirty="0" err="1" smtClean="0"/>
@@ -7424,13 +7412,8 @@
             </a:r>
             <a:r>
               <a:rPr lang="en-US" altLang="zh-CN" sz="2000" dirty="0" smtClean="0"/>
-              <a:t> </a:t>
-            </a:r>
-            <a:r>
-              <a:rPr lang="en-US" altLang="zh-CN" sz="2000" dirty="0" smtClean="0"/>
-              <a:t>object.</a:t>
-            </a:r>
-            <a:endParaRPr lang="en-US" altLang="zh-CN" sz="2000" dirty="0" smtClean="0"/>
+              <a:t> object.</a:t>
+            </a:r>
           </a:p>
           <a:p>
             <a:pPr marL="566928" indent="-457200">
@@ -7438,19 +7421,7 @@
             </a:pPr>
             <a:r>
               <a:rPr lang="en-US" altLang="zh-CN" sz="2000" dirty="0" smtClean="0"/>
-              <a:t>Same subsequent </a:t>
-            </a:r>
-            <a:r>
-              <a:rPr lang="en-US" altLang="zh-CN" sz="2000" dirty="0" smtClean="0"/>
-              <a:t>performance</a:t>
-            </a:r>
-            <a:r>
-              <a:rPr lang="en-US" altLang="zh-CN" sz="2000" dirty="0" smtClean="0"/>
-              <a:t> as </a:t>
-            </a:r>
-            <a:r>
-              <a:rPr lang="en-US" altLang="zh-CN" sz="2000" dirty="0" smtClean="0"/>
-              <a:t>Cis-BP dataset. </a:t>
+              <a:t>Same subsequent performance as Cis-BP dataset. </a:t>
             </a:r>
           </a:p>
           <a:p>
@@ -8035,11 +8006,7 @@
             </a:r>
             <a:r>
               <a:rPr lang="en-US" dirty="0" smtClean="0"/>
-              <a:t>Or importing from other data </a:t>
-            </a:r>
-            <a:r>
-              <a:rPr lang="en-US" dirty="0" smtClean="0"/>
-              <a:t>sources</a:t>
+              <a:t>Or importing from other data sources</a:t>
             </a:r>
             <a:endParaRPr lang="en-US" dirty="0"/>
           </a:p>
@@ -8240,13 +8207,8 @@
             </a:r>
             <a:r>
               <a:rPr lang="en-US" sz="2000" dirty="0" smtClean="0"/>
-              <a:t>motif data for missing and empty motifs in Cis-BP </a:t>
-            </a:r>
-            <a:r>
-              <a:rPr lang="en-US" sz="2000" dirty="0" smtClean="0"/>
-              <a:t>database or motif data from other data sources </a:t>
-            </a:r>
-            <a:endParaRPr lang="en-US" sz="2000" dirty="0" smtClean="0"/>
+              <a:t>motif data for missing and empty motifs in Cis-BP database or motif data from other data sources </a:t>
+            </a:r>
           </a:p>
           <a:p>
             <a:pPr marL="109728" indent="0">
@@ -17488,13 +17450,13 @@
   <p:clrMapOvr>
     <a:masterClrMapping/>
   </p:clrMapOvr>
-  <mc:AlternateContent xmlns:mc="http://schemas.openxmlformats.org/markup-compatibility/2006">
-    <mc:Choice xmlns:p14="http://schemas.microsoft.com/office/powerpoint/2010/main" Requires="p14">
+  <mc:AlternateContent xmlns:mc="http://schemas.openxmlformats.org/markup-compatibility/2006" xmlns:p14="http://schemas.microsoft.com/office/powerpoint/2010/main">
+    <mc:Choice Requires="p14">
       <p:transition spd="med" p14:dur="700">
         <p:fade/>
       </p:transition>
     </mc:Choice>
-    <mc:Fallback>
+    <mc:Fallback xmlns="">
       <p:transition spd="med">
         <p:fade/>
       </p:transition>
@@ -18501,7 +18463,15 @@
                   <a:schemeClr val="tx1"/>
                 </a:solidFill>
               </a:rPr>
-              <a:t>##  summary information </a:t>
+              <a:t>##  summary information of </a:t>
+            </a:r>
+            <a:r>
+              <a:rPr lang="en-US" sz="2000" dirty="0" err="1" smtClean="0">
+                <a:solidFill>
+                  <a:schemeClr val="tx1"/>
+                </a:solidFill>
+              </a:rPr>
+              <a:t>MotifDb</a:t>
             </a:r>
             <a:r>
               <a:rPr lang="en-US" sz="2000" dirty="0" smtClean="0">
@@ -18509,29 +18479,8 @@
                   <a:schemeClr val="tx1"/>
                 </a:solidFill>
               </a:rPr>
-              <a:t>of </a:t>
-            </a:r>
-            <a:r>
-              <a:rPr lang="en-US" sz="2000" dirty="0" err="1" smtClean="0">
-                <a:solidFill>
-                  <a:schemeClr val="tx1"/>
-                </a:solidFill>
-              </a:rPr>
-              <a:t>MotifDb</a:t>
-            </a:r>
-            <a:r>
-              <a:rPr lang="en-US" sz="2000" dirty="0" smtClean="0">
-                <a:solidFill>
-                  <a:schemeClr val="tx1"/>
-                </a:solidFill>
-              </a:rPr>
               <a:t> </a:t>
             </a:r>
-            <a:endParaRPr lang="en-US" sz="2000" dirty="0" smtClean="0">
-              <a:solidFill>
-                <a:schemeClr val="tx1"/>
-              </a:solidFill>
-            </a:endParaRPr>
           </a:p>
           <a:p>
             <a:pPr marL="109728" indent="0">
@@ -18589,17 +18538,7 @@
                   </a:schemeClr>
                 </a:solidFill>
               </a:rPr>
-              <a:t> package and other data </a:t>
-            </a:r>
-            <a:r>
-              <a:rPr lang="en-US" dirty="0" smtClean="0">
-                <a:solidFill>
-                  <a:schemeClr val="accent3">
-                    <a:lumMod val="50000"/>
-                  </a:schemeClr>
-                </a:solidFill>
-              </a:rPr>
-              <a:t>sources</a:t>
+              <a:t> package and other data sources</a:t>
             </a:r>
             <a:endParaRPr lang="en-US" dirty="0">
               <a:solidFill>
@@ -18815,27 +18754,7 @@
                   </a:schemeClr>
                 </a:solidFill>
               </a:rPr>
-              <a:t> is a public package </a:t>
-            </a:r>
-            <a:r>
-              <a:rPr lang="en-US" sz="2000" dirty="0" smtClean="0">
-                <a:solidFill>
-                  <a:schemeClr val="accent3">
-                    <a:lumMod val="50000"/>
-                  </a:schemeClr>
-                </a:solidFill>
-              </a:rPr>
-              <a:t>in </a:t>
-            </a:r>
-            <a:r>
-              <a:rPr lang="en-US" sz="2000" dirty="0" smtClean="0">
-                <a:solidFill>
-                  <a:schemeClr val="accent3">
-                    <a:lumMod val="50000"/>
-                  </a:schemeClr>
-                </a:solidFill>
-              </a:rPr>
-              <a:t>Bioconductor.</a:t>
+              <a:t> is a public package in Bioconductor.</a:t>
             </a:r>
           </a:p>
           <a:p>
@@ -18901,27 +18820,7 @@
                   </a:schemeClr>
                 </a:solidFill>
               </a:rPr>
-              <a:t>Other data </a:t>
-            </a:r>
-            <a:r>
-              <a:rPr lang="en-US" sz="2000" dirty="0" smtClean="0">
-                <a:solidFill>
-                  <a:schemeClr val="accent3">
-                    <a:lumMod val="50000"/>
-                  </a:schemeClr>
-                </a:solidFill>
-              </a:rPr>
-              <a:t>sources </a:t>
-            </a:r>
-            <a:r>
-              <a:rPr lang="en-US" sz="2000" dirty="0" smtClean="0">
-                <a:solidFill>
-                  <a:schemeClr val="accent3">
-                    <a:lumMod val="50000"/>
-                  </a:schemeClr>
-                </a:solidFill>
-              </a:rPr>
-              <a:t>can be imported to this pipeline.</a:t>
+              <a:t>Other data sources can be imported to this pipeline.</a:t>
             </a:r>
           </a:p>
           <a:p>
@@ -19411,7 +19310,7 @@
         </p:spPr>
         <p:txBody>
           <a:bodyPr>
-            <a:normAutofit fontScale="85000" lnSpcReduction="20000"/>
+            <a:normAutofit fontScale="77500" lnSpcReduction="20000"/>
           </a:bodyPr>
           <a:lstStyle/>
           <a:p>
@@ -19454,7 +19353,7 @@
             </a:r>
             <a:r>
               <a:rPr lang="en-US" sz="2100" i="1" dirty="0" smtClean="0"/>
-              <a:t>parallel</a:t>
+              <a:t>grid</a:t>
             </a:r>
             <a:r>
               <a:rPr lang="en-US" sz="2100" dirty="0" smtClean="0"/>
@@ -19462,29 +19361,21 @@
             </a:r>
             <a:r>
               <a:rPr lang="en-US" sz="2100" i="1" dirty="0" smtClean="0"/>
-              <a:t>grid</a:t>
+              <a:t>cluster</a:t>
             </a:r>
             <a:r>
               <a:rPr lang="en-US" sz="2100" dirty="0" smtClean="0"/>
               <a:t>, </a:t>
             </a:r>
             <a:r>
-              <a:rPr lang="en-US" sz="2100" i="1" dirty="0" smtClean="0"/>
-              <a:t>cluster</a:t>
+              <a:rPr lang="en-US" sz="2100" i="1" dirty="0" err="1" smtClean="0"/>
+              <a:t>latticeExtra</a:t>
             </a:r>
             <a:r>
               <a:rPr lang="en-US" sz="2100" dirty="0" smtClean="0"/>
               <a:t>, </a:t>
             </a:r>
             <a:r>
-              <a:rPr lang="en-US" sz="2100" i="1" dirty="0" err="1" smtClean="0"/>
-              <a:t>latticeExtra</a:t>
-            </a:r>
-            <a:r>
-              <a:rPr lang="en-US" sz="2100" dirty="0" smtClean="0"/>
-              <a:t>, </a:t>
-            </a:r>
-            <a:r>
               <a:rPr lang="en-US" sz="2100" i="1" dirty="0" smtClean="0"/>
               <a:t>lattice, </a:t>
             </a:r>
@@ -19506,7 +19397,29 @@
             </a:r>
             <a:r>
               <a:rPr lang="en-US" sz="2100" i="1" dirty="0" err="1" smtClean="0"/>
-              <a:t>RCurl</a:t>
+              <a:t>Rcurl</a:t>
+            </a:r>
+            <a:endParaRPr lang="en-US" sz="2100" i="1" dirty="0" smtClean="0"/>
+          </a:p>
+          <a:p>
+            <a:pPr>
+              <a:buNone/>
+            </a:pPr>
+            <a:r>
+              <a:rPr lang="en-US" sz="2100" i="1" dirty="0"/>
+              <a:t>	</a:t>
+            </a:r>
+            <a:r>
+              <a:rPr lang="en-US" sz="2100" i="1" u="sng" dirty="0" smtClean="0">
+                <a:solidFill>
+                  <a:srgbClr val="0070C0"/>
+                </a:solidFill>
+              </a:rPr>
+              <a:t>parallel </a:t>
+            </a:r>
+            <a:r>
+              <a:rPr lang="en-US" sz="2100" dirty="0" smtClean="0"/>
+              <a:t>(included in R software from 2.14.0)</a:t>
             </a:r>
             <a:endParaRPr lang="en-US" sz="2100" i="1" dirty="0" smtClean="0"/>
           </a:p>

--- a/rtfbsdb-tutorial.pptx
+++ b/rtfbsdb-tutorial.pptx
@@ -142,7 +142,7 @@
   </p:defaultTextStyle>
   <p:extLst>
     <p:ext uri="{EFAFB233-063F-42B5-8137-9DF3F51BA10A}">
-      <p15:sldGuideLst xmlns="" xmlns:p15="http://schemas.microsoft.com/office/powerpoint/2012/main">
+      <p15:sldGuideLst xmlns:p15="http://schemas.microsoft.com/office/powerpoint/2012/main">
         <p15:guide id="1" orient="horz" pos="2160" userDrawn="1">
           <p15:clr>
             <a:srgbClr val="A4A3A4"/>
@@ -166,7 +166,7 @@
       </p15:sldGuideLst>
     </p:ext>
     <p:ext uri="{2D200454-40CA-4A62-9FC3-DE9A4176ACB9}">
-      <p15:notesGuideLst xmlns="" xmlns:p15="http://schemas.microsoft.com/office/powerpoint/2012/main"/>
+      <p15:notesGuideLst xmlns:p15="http://schemas.microsoft.com/office/powerpoint/2012/main"/>
     </p:ext>
   </p:extLst>
 </p:presentation>
@@ -255,7 +255,7 @@
             <a:fld id="{68796EA6-6F25-4F19-87BA-7ADCC16DAEFF}" type="datetimeFigureOut">
               <a:rPr lang="en-US" smtClean="0"/>
               <a:pPr/>
-              <a:t>3/26/2016</a:t>
+              <a:t>4/6/2016</a:t>
             </a:fld>
             <a:endParaRPr lang="en-US" dirty="0"/>
           </a:p>
@@ -322,7 +322,7 @@
             <a:fld id="{C64E50CC-F33A-4EF4-9F12-93EC4A21A0CF}" type="slidenum">
               <a:rPr lang="en-US" smtClean="0"/>
               <a:pPr/>
-              <a:t>&lt;#&gt;</a:t>
+              <a:t>‹#›</a:t>
             </a:fld>
             <a:endParaRPr lang="en-US" dirty="0"/>
           </a:p>
@@ -331,7 +331,7 @@
     </p:spTree>
     <p:extLst>
       <p:ext uri="{BB962C8B-B14F-4D97-AF65-F5344CB8AC3E}">
-        <p14:creationId xmlns="" xmlns:p14="http://schemas.microsoft.com/office/powerpoint/2010/main" val="1323295073"/>
+        <p14:creationId xmlns:p14="http://schemas.microsoft.com/office/powerpoint/2010/main" val="1323295073"/>
       </p:ext>
     </p:extLst>
   </p:cSld>
@@ -422,7 +422,7 @@
             <a:fld id="{C39C172E-A8B5-46F6-B05C-DFA3E2E0F207}" type="datetimeFigureOut">
               <a:rPr lang="en-US" smtClean="0"/>
               <a:pPr/>
-              <a:t>3/26/2016</a:t>
+              <a:t>4/6/2016</a:t>
             </a:fld>
             <a:endParaRPr lang="en-US" dirty="0"/>
           </a:p>
@@ -582,7 +582,7 @@
             <a:fld id="{32674CE4-FBD8-4481-AEFB-CA53E599A745}" type="slidenum">
               <a:rPr lang="en-US" smtClean="0"/>
               <a:pPr/>
-              <a:t>&lt;#&gt;</a:t>
+              <a:t>‹#›</a:t>
             </a:fld>
             <a:endParaRPr lang="en-US" dirty="0"/>
           </a:p>
@@ -591,7 +591,7 @@
     </p:spTree>
     <p:extLst>
       <p:ext uri="{BB962C8B-B14F-4D97-AF65-F5344CB8AC3E}">
-        <p14:creationId xmlns="" xmlns:p14="http://schemas.microsoft.com/office/powerpoint/2010/main" val="1273268184"/>
+        <p14:creationId xmlns:p14="http://schemas.microsoft.com/office/powerpoint/2010/main" val="1273268184"/>
       </p:ext>
     </p:extLst>
   </p:cSld>
@@ -766,7 +766,7 @@
     </p:spTree>
     <p:extLst>
       <p:ext uri="{BB962C8B-B14F-4D97-AF65-F5344CB8AC3E}">
-        <p14:creationId xmlns="" xmlns:p14="http://schemas.microsoft.com/office/powerpoint/2010/main" val="2147974240"/>
+        <p14:creationId xmlns:p14="http://schemas.microsoft.com/office/powerpoint/2010/main" val="2147974240"/>
       </p:ext>
     </p:extLst>
   </p:cSld>
@@ -854,7 +854,7 @@
     </p:spTree>
     <p:extLst>
       <p:ext uri="{BB962C8B-B14F-4D97-AF65-F5344CB8AC3E}">
-        <p14:creationId xmlns="" xmlns:p14="http://schemas.microsoft.com/office/powerpoint/2010/main" val="1290809032"/>
+        <p14:creationId xmlns:p14="http://schemas.microsoft.com/office/powerpoint/2010/main" val="1290809032"/>
       </p:ext>
     </p:extLst>
   </p:cSld>
@@ -942,7 +942,7 @@
     </p:spTree>
     <p:extLst>
       <p:ext uri="{BB962C8B-B14F-4D97-AF65-F5344CB8AC3E}">
-        <p14:creationId xmlns="" xmlns:p14="http://schemas.microsoft.com/office/powerpoint/2010/main" val="1934575751"/>
+        <p14:creationId xmlns:p14="http://schemas.microsoft.com/office/powerpoint/2010/main" val="1934575751"/>
       </p:ext>
     </p:extLst>
   </p:cSld>
@@ -1027,7 +1027,7 @@
     </p:spTree>
     <p:extLst>
       <p:ext uri="{BB962C8B-B14F-4D97-AF65-F5344CB8AC3E}">
-        <p14:creationId xmlns="" xmlns:p14="http://schemas.microsoft.com/office/powerpoint/2010/main" val="1338302363"/>
+        <p14:creationId xmlns:p14="http://schemas.microsoft.com/office/powerpoint/2010/main" val="1338302363"/>
       </p:ext>
     </p:extLst>
   </p:cSld>
@@ -1112,7 +1112,7 @@
     </p:spTree>
     <p:extLst>
       <p:ext uri="{BB962C8B-B14F-4D97-AF65-F5344CB8AC3E}">
-        <p14:creationId xmlns="" xmlns:p14="http://schemas.microsoft.com/office/powerpoint/2010/main" val="1709335026"/>
+        <p14:creationId xmlns:p14="http://schemas.microsoft.com/office/powerpoint/2010/main" val="1709335026"/>
       </p:ext>
     </p:extLst>
   </p:cSld>
@@ -1201,7 +1201,7 @@
     </p:spTree>
     <p:extLst>
       <p:ext uri="{BB962C8B-B14F-4D97-AF65-F5344CB8AC3E}">
-        <p14:creationId xmlns="" xmlns:p14="http://schemas.microsoft.com/office/powerpoint/2010/main" val="2547361010"/>
+        <p14:creationId xmlns:p14="http://schemas.microsoft.com/office/powerpoint/2010/main" val="2547361010"/>
       </p:ext>
     </p:extLst>
   </p:cSld>
@@ -1290,7 +1290,7 @@
     </p:spTree>
     <p:extLst>
       <p:ext uri="{BB962C8B-B14F-4D97-AF65-F5344CB8AC3E}">
-        <p14:creationId xmlns="" xmlns:p14="http://schemas.microsoft.com/office/powerpoint/2010/main" val="118867002"/>
+        <p14:creationId xmlns:p14="http://schemas.microsoft.com/office/powerpoint/2010/main" val="118867002"/>
       </p:ext>
     </p:extLst>
   </p:cSld>
@@ -1375,7 +1375,7 @@
     </p:spTree>
     <p:extLst>
       <p:ext uri="{BB962C8B-B14F-4D97-AF65-F5344CB8AC3E}">
-        <p14:creationId xmlns="" xmlns:p14="http://schemas.microsoft.com/office/powerpoint/2010/main" val="1701973911"/>
+        <p14:creationId xmlns:p14="http://schemas.microsoft.com/office/powerpoint/2010/main" val="1701973911"/>
       </p:ext>
     </p:extLst>
   </p:cSld>
@@ -1460,7 +1460,7 @@
     </p:spTree>
     <p:extLst>
       <p:ext uri="{BB962C8B-B14F-4D97-AF65-F5344CB8AC3E}">
-        <p14:creationId xmlns="" xmlns:p14="http://schemas.microsoft.com/office/powerpoint/2010/main" val="3646170879"/>
+        <p14:creationId xmlns:p14="http://schemas.microsoft.com/office/powerpoint/2010/main" val="3646170879"/>
       </p:ext>
     </p:extLst>
   </p:cSld>
@@ -1549,7 +1549,7 @@
     </p:spTree>
     <p:extLst>
       <p:ext uri="{BB962C8B-B14F-4D97-AF65-F5344CB8AC3E}">
-        <p14:creationId xmlns="" xmlns:p14="http://schemas.microsoft.com/office/powerpoint/2010/main" val="1064196180"/>
+        <p14:creationId xmlns:p14="http://schemas.microsoft.com/office/powerpoint/2010/main" val="1064196180"/>
       </p:ext>
     </p:extLst>
   </p:cSld>
@@ -1637,7 +1637,7 @@
     </p:spTree>
     <p:extLst>
       <p:ext uri="{BB962C8B-B14F-4D97-AF65-F5344CB8AC3E}">
-        <p14:creationId xmlns="" xmlns:p14="http://schemas.microsoft.com/office/powerpoint/2010/main" val="3069441310"/>
+        <p14:creationId xmlns:p14="http://schemas.microsoft.com/office/powerpoint/2010/main" val="3069441310"/>
       </p:ext>
     </p:extLst>
   </p:cSld>
@@ -1722,7 +1722,7 @@
     </p:spTree>
     <p:extLst>
       <p:ext uri="{BB962C8B-B14F-4D97-AF65-F5344CB8AC3E}">
-        <p14:creationId xmlns="" xmlns:p14="http://schemas.microsoft.com/office/powerpoint/2010/main" val="2042606102"/>
+        <p14:creationId xmlns:p14="http://schemas.microsoft.com/office/powerpoint/2010/main" val="2042606102"/>
       </p:ext>
     </p:extLst>
   </p:cSld>
@@ -1810,7 +1810,7 @@
     </p:spTree>
     <p:extLst>
       <p:ext uri="{BB962C8B-B14F-4D97-AF65-F5344CB8AC3E}">
-        <p14:creationId xmlns="" xmlns:p14="http://schemas.microsoft.com/office/powerpoint/2010/main" val="2462296944"/>
+        <p14:creationId xmlns:p14="http://schemas.microsoft.com/office/powerpoint/2010/main" val="2462296944"/>
       </p:ext>
     </p:extLst>
   </p:cSld>
@@ -1898,7 +1898,7 @@
     </p:spTree>
     <p:extLst>
       <p:ext uri="{BB962C8B-B14F-4D97-AF65-F5344CB8AC3E}">
-        <p14:creationId xmlns="" xmlns:p14="http://schemas.microsoft.com/office/powerpoint/2010/main" val="1908513650"/>
+        <p14:creationId xmlns:p14="http://schemas.microsoft.com/office/powerpoint/2010/main" val="1908513650"/>
       </p:ext>
     </p:extLst>
   </p:cSld>
@@ -2470,7 +2470,7 @@
             <a:fld id="{4E708F12-96AD-4ED4-8132-A78F5E42C1F5}" type="datetime1">
               <a:rPr lang="en-US" smtClean="0"/>
               <a:pPr/>
-              <a:t>3/26/2016</a:t>
+              <a:t>4/6/2016</a:t>
             </a:fld>
             <a:endParaRPr lang="en-US" dirty="0"/>
           </a:p>
@@ -2531,7 +2531,7 @@
             <a:fld id="{401CF334-2D5C-4859-84A6-CA7E6E43FAEB}" type="slidenum">
               <a:rPr lang="en-US" smtClean="0"/>
               <a:pPr/>
-              <a:t>&lt;#&gt;</a:t>
+              <a:t>‹#›</a:t>
             </a:fld>
             <a:endParaRPr lang="en-US" dirty="0"/>
           </a:p>
@@ -2637,20 +2637,20 @@
     </p:spTree>
     <p:extLst>
       <p:ext uri="{BB962C8B-B14F-4D97-AF65-F5344CB8AC3E}">
-        <p14:creationId xmlns="" xmlns:p14="http://schemas.microsoft.com/office/powerpoint/2010/main" val="3601152184"/>
+        <p14:creationId xmlns:p14="http://schemas.microsoft.com/office/powerpoint/2010/main" val="3601152184"/>
       </p:ext>
     </p:extLst>
   </p:cSld>
   <p:clrMapOvr>
     <a:masterClrMapping/>
   </p:clrMapOvr>
-  <mc:AlternateContent xmlns:mc="http://schemas.openxmlformats.org/markup-compatibility/2006">
-    <mc:Choice xmlns="" xmlns:p14="http://schemas.microsoft.com/office/powerpoint/2010/main" Requires="p14">
+  <mc:AlternateContent xmlns:mc="http://schemas.openxmlformats.org/markup-compatibility/2006" xmlns:p14="http://schemas.microsoft.com/office/powerpoint/2010/main">
+    <mc:Choice Requires="p14">
       <p:transition spd="med" p14:dur="700">
         <p:fade/>
       </p:transition>
     </mc:Choice>
-    <mc:Fallback>
+    <mc:Fallback xmlns="">
       <p:transition spd="med">
         <p:fade/>
       </p:transition>
@@ -2694,7 +2694,7 @@
             <a:fld id="{7B7FA170-8299-44AD-AEEF-FC686C3D7804}" type="datetime1">
               <a:rPr lang="en-US" smtClean="0"/>
               <a:pPr/>
-              <a:t>3/26/2016</a:t>
+              <a:t>4/6/2016</a:t>
             </a:fld>
             <a:endParaRPr lang="en-US" dirty="0"/>
           </a:p>
@@ -2737,7 +2737,7 @@
             <a:fld id="{401CF334-2D5C-4859-84A6-CA7E6E43FAEB}" type="slidenum">
               <a:rPr lang="en-US" smtClean="0"/>
               <a:pPr/>
-              <a:t>&lt;#&gt;</a:t>
+              <a:t>‹#›</a:t>
             </a:fld>
             <a:endParaRPr lang="en-US" dirty="0"/>
           </a:p>
@@ -2821,20 +2821,20 @@
     </p:spTree>
     <p:extLst>
       <p:ext uri="{BB962C8B-B14F-4D97-AF65-F5344CB8AC3E}">
-        <p14:creationId xmlns="" xmlns:p14="http://schemas.microsoft.com/office/powerpoint/2010/main" val="3467844215"/>
+        <p14:creationId xmlns:p14="http://schemas.microsoft.com/office/powerpoint/2010/main" val="3467844215"/>
       </p:ext>
     </p:extLst>
   </p:cSld>
   <p:clrMapOvr>
     <a:masterClrMapping/>
   </p:clrMapOvr>
-  <mc:AlternateContent xmlns:mc="http://schemas.openxmlformats.org/markup-compatibility/2006">
-    <mc:Choice xmlns="" xmlns:p14="http://schemas.microsoft.com/office/powerpoint/2010/main" Requires="p14">
+  <mc:AlternateContent xmlns:mc="http://schemas.openxmlformats.org/markup-compatibility/2006" xmlns:p14="http://schemas.microsoft.com/office/powerpoint/2010/main">
+    <mc:Choice Requires="p14">
       <p:transition spd="med" p14:dur="700">
         <p:fade/>
       </p:transition>
     </mc:Choice>
-    <mc:Fallback>
+    <mc:Fallback xmlns="">
       <p:transition spd="med">
         <p:fade/>
       </p:transition>
@@ -2878,7 +2878,7 @@
             <a:fld id="{2231763A-68EC-4ECD-9620-D9FE9CDDD622}" type="datetime1">
               <a:rPr lang="en-US" smtClean="0"/>
               <a:pPr/>
-              <a:t>3/26/2016</a:t>
+              <a:t>4/6/2016</a:t>
             </a:fld>
             <a:endParaRPr lang="en-US" dirty="0"/>
           </a:p>
@@ -2921,7 +2921,7 @@
             <a:fld id="{401CF334-2D5C-4859-84A6-CA7E6E43FAEB}" type="slidenum">
               <a:rPr lang="en-US" smtClean="0"/>
               <a:pPr/>
-              <a:t>&lt;#&gt;</a:t>
+              <a:t>‹#›</a:t>
             </a:fld>
             <a:endParaRPr lang="en-US" dirty="0"/>
           </a:p>
@@ -3015,20 +3015,20 @@
     </p:spTree>
     <p:extLst>
       <p:ext uri="{BB962C8B-B14F-4D97-AF65-F5344CB8AC3E}">
-        <p14:creationId xmlns="" xmlns:p14="http://schemas.microsoft.com/office/powerpoint/2010/main" val="2978088367"/>
+        <p14:creationId xmlns:p14="http://schemas.microsoft.com/office/powerpoint/2010/main" val="2978088367"/>
       </p:ext>
     </p:extLst>
   </p:cSld>
   <p:clrMapOvr>
     <a:masterClrMapping/>
   </p:clrMapOvr>
-  <mc:AlternateContent xmlns:mc="http://schemas.openxmlformats.org/markup-compatibility/2006">
-    <mc:Choice xmlns="" xmlns:p14="http://schemas.microsoft.com/office/powerpoint/2010/main" Requires="p14">
+  <mc:AlternateContent xmlns:mc="http://schemas.openxmlformats.org/markup-compatibility/2006" xmlns:p14="http://schemas.microsoft.com/office/powerpoint/2010/main">
+    <mc:Choice Requires="p14">
       <p:transition spd="med" p14:dur="700">
         <p:fade/>
       </p:transition>
     </mc:Choice>
-    <mc:Fallback>
+    <mc:Fallback xmlns="">
       <p:transition spd="med">
         <p:fade/>
       </p:transition>
@@ -3072,7 +3072,7 @@
             <a:fld id="{7B98BEDD-6160-49BB-B372-861DE7DE9BA5}" type="datetime1">
               <a:rPr lang="en-US" smtClean="0"/>
               <a:pPr/>
-              <a:t>3/26/2016</a:t>
+              <a:t>4/6/2016</a:t>
             </a:fld>
             <a:endParaRPr lang="en-US" dirty="0"/>
           </a:p>
@@ -3115,7 +3115,7 @@
             <a:fld id="{401CF334-2D5C-4859-84A6-CA7E6E43FAEB}" type="slidenum">
               <a:rPr lang="en-US" smtClean="0"/>
               <a:pPr/>
-              <a:t>&lt;#&gt;</a:t>
+              <a:t>‹#›</a:t>
             </a:fld>
             <a:endParaRPr lang="en-US" dirty="0"/>
           </a:p>
@@ -3199,20 +3199,20 @@
     </p:spTree>
     <p:extLst>
       <p:ext uri="{BB962C8B-B14F-4D97-AF65-F5344CB8AC3E}">
-        <p14:creationId xmlns="" xmlns:p14="http://schemas.microsoft.com/office/powerpoint/2010/main" val="3594303165"/>
+        <p14:creationId xmlns:p14="http://schemas.microsoft.com/office/powerpoint/2010/main" val="3594303165"/>
       </p:ext>
     </p:extLst>
   </p:cSld>
   <p:clrMapOvr>
     <a:masterClrMapping/>
   </p:clrMapOvr>
-  <mc:AlternateContent xmlns:mc="http://schemas.openxmlformats.org/markup-compatibility/2006">
-    <mc:Choice xmlns="" xmlns:p14="http://schemas.microsoft.com/office/powerpoint/2010/main" Requires="p14">
+  <mc:AlternateContent xmlns:mc="http://schemas.openxmlformats.org/markup-compatibility/2006" xmlns:p14="http://schemas.microsoft.com/office/powerpoint/2010/main">
+    <mc:Choice Requires="p14">
       <p:transition spd="med" p14:dur="700">
         <p:fade/>
       </p:transition>
     </mc:Choice>
-    <mc:Fallback>
+    <mc:Fallback xmlns="">
       <p:transition spd="med">
         <p:fade/>
       </p:transition>
@@ -3256,7 +3256,7 @@
             <a:fld id="{0AAE819F-B7FD-4B29-8F66-9E318144BC2A}" type="datetime1">
               <a:rPr lang="en-US" smtClean="0"/>
               <a:pPr/>
-              <a:t>3/26/2016</a:t>
+              <a:t>4/6/2016</a:t>
             </a:fld>
             <a:endParaRPr lang="en-US" dirty="0"/>
           </a:p>
@@ -3299,7 +3299,7 @@
             <a:fld id="{401CF334-2D5C-4859-84A6-CA7E6E43FAEB}" type="slidenum">
               <a:rPr lang="en-US" smtClean="0"/>
               <a:pPr/>
-              <a:t>&lt;#&gt;</a:t>
+              <a:t>‹#›</a:t>
             </a:fld>
             <a:endParaRPr lang="en-US" dirty="0"/>
           </a:p>
@@ -3433,20 +3433,20 @@
     </p:spTree>
     <p:extLst>
       <p:ext uri="{BB962C8B-B14F-4D97-AF65-F5344CB8AC3E}">
-        <p14:creationId xmlns="" xmlns:p14="http://schemas.microsoft.com/office/powerpoint/2010/main" val="2705127227"/>
+        <p14:creationId xmlns:p14="http://schemas.microsoft.com/office/powerpoint/2010/main" val="2705127227"/>
       </p:ext>
     </p:extLst>
   </p:cSld>
   <p:clrMapOvr>
     <a:masterClrMapping/>
   </p:clrMapOvr>
-  <mc:AlternateContent xmlns:mc="http://schemas.openxmlformats.org/markup-compatibility/2006">
-    <mc:Choice xmlns="" xmlns:p14="http://schemas.microsoft.com/office/powerpoint/2010/main" Requires="p14">
+  <mc:AlternateContent xmlns:mc="http://schemas.openxmlformats.org/markup-compatibility/2006" xmlns:p14="http://schemas.microsoft.com/office/powerpoint/2010/main">
+    <mc:Choice Requires="p14">
       <p:transition spd="med" p14:dur="700">
         <p:fade/>
       </p:transition>
     </mc:Choice>
-    <mc:Fallback>
+    <mc:Fallback xmlns="">
       <p:transition spd="med">
         <p:fade/>
       </p:transition>
@@ -3490,7 +3490,7 @@
             <a:fld id="{D4CA159C-B6E0-4F10-9F4A-2FA57003B139}" type="datetime1">
               <a:rPr lang="en-US" smtClean="0"/>
               <a:pPr/>
-              <a:t>3/26/2016</a:t>
+              <a:t>4/6/2016</a:t>
             </a:fld>
             <a:endParaRPr lang="en-US" dirty="0"/>
           </a:p>
@@ -3533,7 +3533,7 @@
             <a:fld id="{401CF334-2D5C-4859-84A6-CA7E6E43FAEB}" type="slidenum">
               <a:rPr lang="en-US" smtClean="0"/>
               <a:pPr/>
-              <a:t>&lt;#&gt;</a:t>
+              <a:t>‹#›</a:t>
             </a:fld>
             <a:endParaRPr lang="en-US" dirty="0"/>
           </a:p>
@@ -3711,20 +3711,20 @@
     </p:spTree>
     <p:extLst>
       <p:ext uri="{BB962C8B-B14F-4D97-AF65-F5344CB8AC3E}">
-        <p14:creationId xmlns="" xmlns:p14="http://schemas.microsoft.com/office/powerpoint/2010/main" val="3446445169"/>
+        <p14:creationId xmlns:p14="http://schemas.microsoft.com/office/powerpoint/2010/main" val="3446445169"/>
       </p:ext>
     </p:extLst>
   </p:cSld>
   <p:clrMapOvr>
     <a:masterClrMapping/>
   </p:clrMapOvr>
-  <mc:AlternateContent xmlns:mc="http://schemas.openxmlformats.org/markup-compatibility/2006">
-    <mc:Choice xmlns="" xmlns:p14="http://schemas.microsoft.com/office/powerpoint/2010/main" Requires="p14">
+  <mc:AlternateContent xmlns:mc="http://schemas.openxmlformats.org/markup-compatibility/2006" xmlns:p14="http://schemas.microsoft.com/office/powerpoint/2010/main">
+    <mc:Choice Requires="p14">
       <p:transition spd="med" p14:dur="700">
         <p:fade/>
       </p:transition>
     </mc:Choice>
-    <mc:Fallback>
+    <mc:Fallback xmlns="">
       <p:transition spd="med">
         <p:fade/>
       </p:transition>
@@ -3732,7 +3732,7 @@
   </mc:AlternateContent>
   <p:extLst mod="1">
     <p:ext uri="{DCECCB84-F9BA-43D5-87BE-67443E8EF086}">
-      <p15:sldGuideLst xmlns="" xmlns:p15="http://schemas.microsoft.com/office/powerpoint/2012/main">
+      <p15:sldGuideLst xmlns:p15="http://schemas.microsoft.com/office/powerpoint/2012/main">
         <p15:guide id="0" orient="horz" pos="2160" userDrawn="1">
           <p15:clr>
             <a:srgbClr val="FBAE40"/>
@@ -3784,7 +3784,7 @@
             <a:fld id="{8170CBBB-D1D1-4386-A5E9-07F3477B78F3}" type="datetime1">
               <a:rPr lang="en-US" smtClean="0"/>
               <a:pPr/>
-              <a:t>3/26/2016</a:t>
+              <a:t>4/6/2016</a:t>
             </a:fld>
             <a:endParaRPr lang="en-US" dirty="0"/>
           </a:p>
@@ -3808,7 +3808,7 @@
             <a:fld id="{401CF334-2D5C-4859-84A6-CA7E6E43FAEB}" type="slidenum">
               <a:rPr lang="en-US" smtClean="0"/>
               <a:pPr/>
-              <a:t>&lt;#&gt;</a:t>
+              <a:t>‹#›</a:t>
             </a:fld>
             <a:endParaRPr lang="en-US" dirty="0"/>
           </a:p>
@@ -4152,20 +4152,20 @@
     </p:spTree>
     <p:extLst>
       <p:ext uri="{BB962C8B-B14F-4D97-AF65-F5344CB8AC3E}">
-        <p14:creationId xmlns="" xmlns:p14="http://schemas.microsoft.com/office/powerpoint/2010/main" val="370716595"/>
+        <p14:creationId xmlns:p14="http://schemas.microsoft.com/office/powerpoint/2010/main" val="370716595"/>
       </p:ext>
     </p:extLst>
   </p:cSld>
   <p:clrMapOvr>
     <a:masterClrMapping/>
   </p:clrMapOvr>
-  <mc:AlternateContent xmlns:mc="http://schemas.openxmlformats.org/markup-compatibility/2006">
-    <mc:Choice xmlns="" xmlns:p14="http://schemas.microsoft.com/office/powerpoint/2010/main" Requires="p14">
+  <mc:AlternateContent xmlns:mc="http://schemas.openxmlformats.org/markup-compatibility/2006" xmlns:p14="http://schemas.microsoft.com/office/powerpoint/2010/main">
+    <mc:Choice Requires="p14">
       <p:transition spd="med" p14:dur="700">
         <p:fade/>
       </p:transition>
     </mc:Choice>
-    <mc:Fallback>
+    <mc:Fallback xmlns="">
       <p:transition spd="med">
         <p:fade/>
       </p:transition>
@@ -4214,7 +4214,7 @@
             <a:fld id="{9FA4CAD8-0EA7-4615-B69B-B2F199EF3A93}" type="datetime1">
               <a:rPr lang="en-US" smtClean="0"/>
               <a:pPr/>
-              <a:t>3/26/2016</a:t>
+              <a:t>4/6/2016</a:t>
             </a:fld>
             <a:endParaRPr lang="en-US" dirty="0"/>
           </a:p>
@@ -4267,7 +4267,7 @@
             <a:fld id="{401CF334-2D5C-4859-84A6-CA7E6E43FAEB}" type="slidenum">
               <a:rPr lang="en-US" smtClean="0"/>
               <a:pPr/>
-              <a:t>&lt;#&gt;</a:t>
+              <a:t>‹#›</a:t>
             </a:fld>
             <a:endParaRPr lang="en-US" dirty="0"/>
           </a:p>
@@ -4312,20 +4312,20 @@
     </p:spTree>
     <p:extLst>
       <p:ext uri="{BB962C8B-B14F-4D97-AF65-F5344CB8AC3E}">
-        <p14:creationId xmlns="" xmlns:p14="http://schemas.microsoft.com/office/powerpoint/2010/main" val="3821952534"/>
+        <p14:creationId xmlns:p14="http://schemas.microsoft.com/office/powerpoint/2010/main" val="3821952534"/>
       </p:ext>
     </p:extLst>
   </p:cSld>
   <p:clrMapOvr>
     <a:masterClrMapping/>
   </p:clrMapOvr>
-  <mc:AlternateContent xmlns:mc="http://schemas.openxmlformats.org/markup-compatibility/2006">
-    <mc:Choice xmlns="" xmlns:p14="http://schemas.microsoft.com/office/powerpoint/2010/main" Requires="p14">
+  <mc:AlternateContent xmlns:mc="http://schemas.openxmlformats.org/markup-compatibility/2006" xmlns:p14="http://schemas.microsoft.com/office/powerpoint/2010/main">
+    <mc:Choice Requires="p14">
       <p:transition spd="med" p14:dur="700">
         <p:fade/>
       </p:transition>
     </mc:Choice>
-    <mc:Fallback>
+    <mc:Fallback xmlns="">
       <p:transition spd="med">
         <p:fade/>
       </p:transition>
@@ -4369,7 +4369,7 @@
             <a:fld id="{B9234BD7-6953-492C-921B-E68B2D7F14C8}" type="datetime1">
               <a:rPr lang="en-US" smtClean="0"/>
               <a:pPr/>
-              <a:t>3/26/2016</a:t>
+              <a:t>4/6/2016</a:t>
             </a:fld>
             <a:endParaRPr lang="en-US" dirty="0"/>
           </a:p>
@@ -4412,7 +4412,7 @@
             <a:fld id="{401CF334-2D5C-4859-84A6-CA7E6E43FAEB}" type="slidenum">
               <a:rPr lang="en-US" smtClean="0"/>
               <a:pPr/>
-              <a:t>&lt;#&gt;</a:t>
+              <a:t>‹#›</a:t>
             </a:fld>
             <a:endParaRPr lang="en-US" dirty="0"/>
           </a:p>
@@ -4421,20 +4421,20 @@
     </p:spTree>
     <p:extLst>
       <p:ext uri="{BB962C8B-B14F-4D97-AF65-F5344CB8AC3E}">
-        <p14:creationId xmlns="" xmlns:p14="http://schemas.microsoft.com/office/powerpoint/2010/main" val="1135695157"/>
+        <p14:creationId xmlns:p14="http://schemas.microsoft.com/office/powerpoint/2010/main" val="1135695157"/>
       </p:ext>
     </p:extLst>
   </p:cSld>
   <p:clrMapOvr>
     <a:masterClrMapping/>
   </p:clrMapOvr>
-  <mc:AlternateContent xmlns:mc="http://schemas.openxmlformats.org/markup-compatibility/2006">
-    <mc:Choice xmlns="" xmlns:p14="http://schemas.microsoft.com/office/powerpoint/2010/main" Requires="p14">
+  <mc:AlternateContent xmlns:mc="http://schemas.openxmlformats.org/markup-compatibility/2006" xmlns:p14="http://schemas.microsoft.com/office/powerpoint/2010/main">
+    <mc:Choice Requires="p14">
       <p:transition spd="med" p14:dur="700">
         <p:fade/>
       </p:transition>
     </mc:Choice>
-    <mc:Fallback>
+    <mc:Fallback xmlns="">
       <p:transition spd="med">
         <p:fade/>
       </p:transition>
@@ -4478,7 +4478,7 @@
             <a:fld id="{35A17D9B-D4D3-4E23-88DF-2E354FA43196}" type="datetime1">
               <a:rPr lang="en-US" smtClean="0"/>
               <a:pPr/>
-              <a:t>3/26/2016</a:t>
+              <a:t>4/6/2016</a:t>
             </a:fld>
             <a:endParaRPr lang="en-US" dirty="0"/>
           </a:p>
@@ -4521,7 +4521,7 @@
             <a:fld id="{401CF334-2D5C-4859-84A6-CA7E6E43FAEB}" type="slidenum">
               <a:rPr lang="en-US" smtClean="0"/>
               <a:pPr/>
-              <a:t>&lt;#&gt;</a:t>
+              <a:t>‹#›</a:t>
             </a:fld>
             <a:endParaRPr lang="en-US" dirty="0"/>
           </a:p>
@@ -4685,20 +4685,20 @@
     </p:spTree>
     <p:extLst>
       <p:ext uri="{BB962C8B-B14F-4D97-AF65-F5344CB8AC3E}">
-        <p14:creationId xmlns="" xmlns:p14="http://schemas.microsoft.com/office/powerpoint/2010/main" val="498685234"/>
+        <p14:creationId xmlns:p14="http://schemas.microsoft.com/office/powerpoint/2010/main" val="498685234"/>
       </p:ext>
     </p:extLst>
   </p:cSld>
   <p:clrMapOvr>
     <a:masterClrMapping/>
   </p:clrMapOvr>
-  <mc:AlternateContent xmlns:mc="http://schemas.openxmlformats.org/markup-compatibility/2006">
-    <mc:Choice xmlns="" xmlns:p14="http://schemas.microsoft.com/office/powerpoint/2010/main" Requires="p14">
+  <mc:AlternateContent xmlns:mc="http://schemas.openxmlformats.org/markup-compatibility/2006" xmlns:p14="http://schemas.microsoft.com/office/powerpoint/2010/main">
+    <mc:Choice Requires="p14">
       <p:transition spd="med" p14:dur="700">
         <p:fade/>
       </p:transition>
     </mc:Choice>
-    <mc:Fallback>
+    <mc:Fallback xmlns="">
       <p:transition spd="med">
         <p:fade/>
       </p:transition>
@@ -4742,7 +4742,7 @@
             <a:fld id="{541F67C5-D04E-4576-B61C-12ABA14BBD6C}" type="datetime1">
               <a:rPr lang="en-US" smtClean="0"/>
               <a:pPr/>
-              <a:t>3/26/2016</a:t>
+              <a:t>4/6/2016</a:t>
             </a:fld>
             <a:endParaRPr lang="en-US" dirty="0"/>
           </a:p>
@@ -4785,7 +4785,7 @@
             <a:fld id="{401CF334-2D5C-4859-84A6-CA7E6E43FAEB}" type="slidenum">
               <a:rPr lang="en-US" smtClean="0"/>
               <a:pPr/>
-              <a:t>&lt;#&gt;</a:t>
+              <a:t>‹#›</a:t>
             </a:fld>
             <a:endParaRPr lang="en-US" dirty="0"/>
           </a:p>
@@ -4948,20 +4948,20 @@
     </p:spTree>
     <p:extLst>
       <p:ext uri="{BB962C8B-B14F-4D97-AF65-F5344CB8AC3E}">
-        <p14:creationId xmlns="" xmlns:p14="http://schemas.microsoft.com/office/powerpoint/2010/main" val="1883619828"/>
+        <p14:creationId xmlns:p14="http://schemas.microsoft.com/office/powerpoint/2010/main" val="1883619828"/>
       </p:ext>
     </p:extLst>
   </p:cSld>
   <p:clrMapOvr>
     <a:masterClrMapping/>
   </p:clrMapOvr>
-  <mc:AlternateContent xmlns:mc="http://schemas.openxmlformats.org/markup-compatibility/2006">
-    <mc:Choice xmlns="" xmlns:p14="http://schemas.microsoft.com/office/powerpoint/2010/main" Requires="p14">
+  <mc:AlternateContent xmlns:mc="http://schemas.openxmlformats.org/markup-compatibility/2006" xmlns:p14="http://schemas.microsoft.com/office/powerpoint/2010/main">
+    <mc:Choice Requires="p14">
       <p:transition spd="med" p14:dur="700">
         <p:fade/>
       </p:transition>
     </mc:Choice>
-    <mc:Fallback>
+    <mc:Fallback xmlns="">
       <p:transition spd="med">
         <p:fade/>
       </p:transition>
@@ -5644,7 +5644,7 @@
             <a:fld id="{C20F09E4-6EA4-4BF3-9FC8-FF40373B88E6}" type="datetime1">
               <a:rPr lang="en-US" smtClean="0"/>
               <a:pPr/>
-              <a:t>3/26/2016</a:t>
+              <a:t>4/6/2016</a:t>
             </a:fld>
             <a:endParaRPr lang="en-US" dirty="0"/>
           </a:p>
@@ -5719,7 +5719,7 @@
             <a:fld id="{401CF334-2D5C-4859-84A6-CA7E6E43FAEB}" type="slidenum">
               <a:rPr lang="en-US" smtClean="0"/>
               <a:pPr/>
-              <a:t>&lt;#&gt;</a:t>
+              <a:t>‹#›</a:t>
             </a:fld>
             <a:endParaRPr lang="en-US" dirty="0"/>
           </a:p>
@@ -5823,7 +5823,7 @@
     </p:spTree>
     <p:extLst>
       <p:ext uri="{BB962C8B-B14F-4D97-AF65-F5344CB8AC3E}">
-        <p14:creationId xmlns="" xmlns:p14="http://schemas.microsoft.com/office/powerpoint/2010/main" val="2132171725"/>
+        <p14:creationId xmlns:p14="http://schemas.microsoft.com/office/powerpoint/2010/main" val="2132171725"/>
       </p:ext>
     </p:extLst>
   </p:cSld>
@@ -5841,13 +5841,13 @@
     <p:sldLayoutId id="2147483706" r:id="rId10"/>
     <p:sldLayoutId id="2147483707" r:id="rId11"/>
   </p:sldLayoutIdLst>
-  <mc:AlternateContent xmlns:mc="http://schemas.openxmlformats.org/markup-compatibility/2006">
-    <mc:Choice xmlns="" xmlns:p14="http://schemas.microsoft.com/office/powerpoint/2010/main" Requires="p14">
+  <mc:AlternateContent xmlns:mc="http://schemas.openxmlformats.org/markup-compatibility/2006" xmlns:p14="http://schemas.microsoft.com/office/powerpoint/2010/main">
+    <mc:Choice Requires="p14">
       <p:transition spd="med" p14:dur="700">
         <p:fade/>
       </p:transition>
     </mc:Choice>
-    <mc:Fallback>
+    <mc:Fallback xmlns="">
       <p:transition spd="med">
         <p:fade/>
       </p:transition>
@@ -6137,7 +6137,7 @@
   </p:txStyles>
   <p:extLst mod="1">
     <p:ext uri="{27BBF7A9-308A-43DC-89C8-2F10F3537804}">
-      <p15:sldGuideLst xmlns="" xmlns:p15="http://schemas.microsoft.com/office/powerpoint/2012/main">
+      <p15:sldGuideLst xmlns:p15="http://schemas.microsoft.com/office/powerpoint/2012/main">
         <p15:guide id="0" orient="horz" pos="2160" userDrawn="1">
           <p15:clr>
             <a:srgbClr val="F26B43"/>
@@ -6296,20 +6296,20 @@
     </p:spTree>
     <p:extLst>
       <p:ext uri="{BB962C8B-B14F-4D97-AF65-F5344CB8AC3E}">
-        <p14:creationId xmlns="" xmlns:p14="http://schemas.microsoft.com/office/powerpoint/2010/main" val="706305541"/>
+        <p14:creationId xmlns:p14="http://schemas.microsoft.com/office/powerpoint/2010/main" val="706305541"/>
       </p:ext>
     </p:extLst>
   </p:cSld>
   <p:clrMapOvr>
     <a:masterClrMapping/>
   </p:clrMapOvr>
-  <mc:AlternateContent xmlns:mc="http://schemas.openxmlformats.org/markup-compatibility/2006">
-    <mc:Choice xmlns="" xmlns:p14="http://schemas.microsoft.com/office/powerpoint/2010/main" Requires="p14">
+  <mc:AlternateContent xmlns:mc="http://schemas.openxmlformats.org/markup-compatibility/2006" xmlns:p14="http://schemas.microsoft.com/office/powerpoint/2010/main">
+    <mc:Choice Requires="p14">
       <p:transition spd="med" p14:dur="700">
         <p:fade/>
       </p:transition>
     </mc:Choice>
-    <mc:Fallback>
+    <mc:Fallback xmlns="">
       <p:transition spd="med">
         <p:fade/>
       </p:transition>
@@ -6745,20 +6745,20 @@
     </p:spTree>
     <p:extLst>
       <p:ext uri="{BB962C8B-B14F-4D97-AF65-F5344CB8AC3E}">
-        <p14:creationId xmlns="" xmlns:p14="http://schemas.microsoft.com/office/powerpoint/2010/main" val="1771752402"/>
+        <p14:creationId xmlns:p14="http://schemas.microsoft.com/office/powerpoint/2010/main" val="1771752402"/>
       </p:ext>
     </p:extLst>
   </p:cSld>
   <p:clrMapOvr>
     <a:masterClrMapping/>
   </p:clrMapOvr>
-  <mc:AlternateContent xmlns:mc="http://schemas.openxmlformats.org/markup-compatibility/2006">
-    <mc:Choice xmlns="" xmlns:p14="http://schemas.microsoft.com/office/powerpoint/2010/main" Requires="p14">
+  <mc:AlternateContent xmlns:mc="http://schemas.openxmlformats.org/markup-compatibility/2006" xmlns:p14="http://schemas.microsoft.com/office/powerpoint/2010/main">
+    <mc:Choice Requires="p14">
       <p:transition spd="med" p14:dur="700">
         <p:fade/>
       </p:transition>
     </mc:Choice>
-    <mc:Fallback>
+    <mc:Fallback xmlns="">
       <p:transition spd="med">
         <p:fade/>
       </p:transition>
@@ -7748,20 +7748,20 @@
     </p:spTree>
     <p:extLst>
       <p:ext uri="{BB962C8B-B14F-4D97-AF65-F5344CB8AC3E}">
-        <p14:creationId xmlns="" xmlns:p14="http://schemas.microsoft.com/office/powerpoint/2010/main" val="2242570613"/>
+        <p14:creationId xmlns:p14="http://schemas.microsoft.com/office/powerpoint/2010/main" val="2242570613"/>
       </p:ext>
     </p:extLst>
   </p:cSld>
   <p:clrMapOvr>
     <a:masterClrMapping/>
   </p:clrMapOvr>
-  <mc:AlternateContent xmlns:mc="http://schemas.openxmlformats.org/markup-compatibility/2006">
-    <mc:Choice xmlns="" xmlns:p14="http://schemas.microsoft.com/office/powerpoint/2010/main" Requires="p14">
+  <mc:AlternateContent xmlns:mc="http://schemas.openxmlformats.org/markup-compatibility/2006" xmlns:p14="http://schemas.microsoft.com/office/powerpoint/2010/main">
+    <mc:Choice Requires="p14">
       <p:transition spd="med" p14:dur="700">
         <p:fade/>
       </p:transition>
     </mc:Choice>
-    <mc:Fallback>
+    <mc:Fallback xmlns="">
       <p:transition spd="med">
         <p:fade/>
       </p:transition>
@@ -8782,20 +8782,20 @@
     </p:spTree>
     <p:extLst>
       <p:ext uri="{BB962C8B-B14F-4D97-AF65-F5344CB8AC3E}">
-        <p14:creationId xmlns="" xmlns:p14="http://schemas.microsoft.com/office/powerpoint/2010/main" val="3056500915"/>
+        <p14:creationId xmlns:p14="http://schemas.microsoft.com/office/powerpoint/2010/main" val="3056500915"/>
       </p:ext>
     </p:extLst>
   </p:cSld>
   <p:clrMapOvr>
     <a:masterClrMapping/>
   </p:clrMapOvr>
-  <mc:AlternateContent xmlns:mc="http://schemas.openxmlformats.org/markup-compatibility/2006">
-    <mc:Choice xmlns="" xmlns:p14="http://schemas.microsoft.com/office/powerpoint/2010/main" Requires="p14">
+  <mc:AlternateContent xmlns:mc="http://schemas.openxmlformats.org/markup-compatibility/2006" xmlns:p14="http://schemas.microsoft.com/office/powerpoint/2010/main">
+    <mc:Choice Requires="p14">
       <p:transition spd="med" p14:dur="700">
         <p:fade/>
       </p:transition>
     </mc:Choice>
-    <mc:Fallback>
+    <mc:Fallback xmlns="">
       <p:transition spd="med">
         <p:fade/>
       </p:transition>
@@ -9538,7 +9538,17 @@
                 <a:latin typeface="Times New Roman" panose="02020603050405020304" pitchFamily="18" charset="0"/>
                 <a:cs typeface="Times New Roman" panose="02020603050405020304" pitchFamily="18" charset="0"/>
               </a:rPr>
-              <a:t>’ </a:t>
+              <a:t>’ object. It may</a:t>
+            </a:r>
+            <a:r>
+              <a:rPr lang="ja-JP" altLang="en-US" sz="1600" dirty="0" smtClean="0">
+                <a:solidFill>
+                  <a:schemeClr val="tx1"/>
+                </a:solidFill>
+                <a:latin typeface="Times New Roman" panose="02020603050405020304" pitchFamily="18" charset="0"/>
+                <a:cs typeface="Times New Roman" panose="02020603050405020304" pitchFamily="18" charset="0"/>
+              </a:rPr>
+              <a:t> </a:t>
             </a:r>
             <a:r>
               <a:rPr lang="en-US" sz="1600" dirty="0" smtClean="0">
@@ -9548,8 +9558,13 @@
                 <a:latin typeface="Times New Roman" panose="02020603050405020304" pitchFamily="18" charset="0"/>
                 <a:cs typeface="Times New Roman" panose="02020603050405020304" pitchFamily="18" charset="0"/>
               </a:rPr>
-              <a:t>object. </a:t>
-            </a:r>
+              <a:t>be very long </a:t>
+            </a:r>
+          </a:p>
+          <a:p>
+            <a:pPr marL="109728" indent="0">
+              <a:buNone/>
+            </a:pPr>
             <a:r>
               <a:rPr lang="en-US" sz="1600" dirty="0" smtClean="0">
                 <a:solidFill>
@@ -9558,72 +9573,7 @@
                 <a:latin typeface="Times New Roman" panose="02020603050405020304" pitchFamily="18" charset="0"/>
                 <a:cs typeface="Times New Roman" panose="02020603050405020304" pitchFamily="18" charset="0"/>
               </a:rPr>
-              <a:t>It </a:t>
-            </a:r>
-            <a:r>
-              <a:rPr lang="en-US" sz="1600" dirty="0" smtClean="0">
-                <a:solidFill>
-                  <a:schemeClr val="tx1"/>
-                </a:solidFill>
-                <a:latin typeface="Times New Roman" panose="02020603050405020304" pitchFamily="18" charset="0"/>
-                <a:cs typeface="Times New Roman" panose="02020603050405020304" pitchFamily="18" charset="0"/>
-              </a:rPr>
-              <a:t>may</a:t>
-            </a:r>
-            <a:r>
-              <a:rPr lang="ja-JP" altLang="en-US" sz="1600" dirty="0" smtClean="0">
-                <a:solidFill>
-                  <a:schemeClr val="tx1"/>
-                </a:solidFill>
-                <a:latin typeface="Times New Roman" panose="02020603050405020304" pitchFamily="18" charset="0"/>
-                <a:cs typeface="Times New Roman" panose="02020603050405020304" pitchFamily="18" charset="0"/>
-              </a:rPr>
-              <a:t> </a:t>
-            </a:r>
-            <a:r>
-              <a:rPr lang="en-US" sz="1600" dirty="0" smtClean="0">
-                <a:solidFill>
-                  <a:schemeClr val="tx1"/>
-                </a:solidFill>
-                <a:latin typeface="Times New Roman" panose="02020603050405020304" pitchFamily="18" charset="0"/>
-                <a:cs typeface="Times New Roman" panose="02020603050405020304" pitchFamily="18" charset="0"/>
-              </a:rPr>
-              <a:t>be </a:t>
-            </a:r>
-            <a:r>
-              <a:rPr lang="en-US" sz="1600" dirty="0" smtClean="0">
-                <a:solidFill>
-                  <a:schemeClr val="tx1"/>
-                </a:solidFill>
-                <a:latin typeface="Times New Roman" panose="02020603050405020304" pitchFamily="18" charset="0"/>
-                <a:cs typeface="Times New Roman" panose="02020603050405020304" pitchFamily="18" charset="0"/>
-              </a:rPr>
-              <a:t>very long </a:t>
-            </a:r>
-          </a:p>
-          <a:p>
-            <a:pPr marL="109728" indent="0">
-              <a:buNone/>
-            </a:pPr>
-            <a:r>
-              <a:rPr lang="en-US" sz="1600" dirty="0" smtClean="0">
-                <a:solidFill>
-                  <a:schemeClr val="tx1"/>
-                </a:solidFill>
-                <a:latin typeface="Times New Roman" panose="02020603050405020304" pitchFamily="18" charset="0"/>
-                <a:cs typeface="Times New Roman" panose="02020603050405020304" pitchFamily="18" charset="0"/>
-              </a:rPr>
-              <a:t># if the object has many </a:t>
-            </a:r>
-            <a:r>
-              <a:rPr lang="en-US" sz="1600" dirty="0" smtClean="0">
-                <a:solidFill>
-                  <a:schemeClr val="tx1"/>
-                </a:solidFill>
-                <a:latin typeface="Times New Roman" panose="02020603050405020304" pitchFamily="18" charset="0"/>
-                <a:cs typeface="Times New Roman" panose="02020603050405020304" pitchFamily="18" charset="0"/>
-              </a:rPr>
-              <a:t>PWMs</a:t>
+              <a:t># if the object has many PWMs</a:t>
             </a:r>
             <a:endParaRPr lang="en-US" sz="1600" dirty="0">
               <a:solidFill>
@@ -9712,8 +9662,13 @@
                 <a:latin typeface="Times New Roman" panose="02020603050405020304" pitchFamily="18" charset="0"/>
                 <a:cs typeface="Times New Roman" panose="02020603050405020304" pitchFamily="18" charset="0"/>
               </a:rPr>
-              <a:t>Access the first 6 </a:t>
-            </a:r>
+              <a:t>Access the first 6 rows of TF information </a:t>
+            </a:r>
+          </a:p>
+          <a:p>
+            <a:pPr marL="109728" indent="0">
+              <a:buNone/>
+            </a:pPr>
             <a:r>
               <a:rPr lang="en-US" sz="1600" dirty="0" smtClean="0">
                 <a:solidFill>
@@ -9722,7 +9677,17 @@
                 <a:latin typeface="Times New Roman" panose="02020603050405020304" pitchFamily="18" charset="0"/>
                 <a:cs typeface="Times New Roman" panose="02020603050405020304" pitchFamily="18" charset="0"/>
               </a:rPr>
-              <a:t>rows </a:t>
+              <a:t>head(</a:t>
+            </a:r>
+            <a:r>
+              <a:rPr lang="en-US" sz="1600" dirty="0" err="1" smtClean="0">
+                <a:solidFill>
+                  <a:schemeClr val="tx1"/>
+                </a:solidFill>
+                <a:latin typeface="Times New Roman" panose="02020603050405020304" pitchFamily="18" charset="0"/>
+                <a:cs typeface="Times New Roman" panose="02020603050405020304" pitchFamily="18" charset="0"/>
+              </a:rPr>
+              <a:t>tfs@tf_info</a:t>
             </a:r>
             <a:r>
               <a:rPr lang="en-US" sz="1600" dirty="0" smtClean="0">
@@ -9732,8 +9697,13 @@
                 <a:latin typeface="Times New Roman" panose="02020603050405020304" pitchFamily="18" charset="0"/>
                 <a:cs typeface="Times New Roman" panose="02020603050405020304" pitchFamily="18" charset="0"/>
               </a:rPr>
-              <a:t>of TF information </a:t>
-            </a:r>
+              <a:t>) ;</a:t>
+            </a:r>
+          </a:p>
+          <a:p>
+            <a:pPr marL="109728" indent="0">
+              <a:buNone/>
+            </a:pPr>
             <a:endParaRPr lang="en-US" sz="1600" dirty="0" smtClean="0">
               <a:solidFill>
                 <a:schemeClr val="tx1"/>
@@ -9747,6 +9717,16 @@
               <a:buNone/>
             </a:pPr>
             <a:r>
+              <a:rPr lang="en-US" sz="1600" dirty="0">
+                <a:solidFill>
+                  <a:schemeClr val="tx1"/>
+                </a:solidFill>
+                <a:latin typeface="Times New Roman" panose="02020603050405020304" pitchFamily="18" charset="0"/>
+                <a:cs typeface="Times New Roman" panose="02020603050405020304" pitchFamily="18" charset="0"/>
+              </a:rPr>
+              <a:t># Access the first 6 </a:t>
+            </a:r>
+            <a:r>
               <a:rPr lang="en-US" sz="1600" dirty="0" smtClean="0">
                 <a:solidFill>
                   <a:schemeClr val="tx1"/>
@@ -9754,7 +9734,27 @@
                 <a:latin typeface="Times New Roman" panose="02020603050405020304" pitchFamily="18" charset="0"/>
                 <a:cs typeface="Times New Roman" panose="02020603050405020304" pitchFamily="18" charset="0"/>
               </a:rPr>
-              <a:t>head(</a:t>
+              <a:t>rows </a:t>
+            </a:r>
+            <a:r>
+              <a:rPr lang="en-US" sz="1600" dirty="0">
+                <a:solidFill>
+                  <a:schemeClr val="tx1"/>
+                </a:solidFill>
+                <a:latin typeface="Times New Roman" panose="02020603050405020304" pitchFamily="18" charset="0"/>
+                <a:cs typeface="Times New Roman" panose="02020603050405020304" pitchFamily="18" charset="0"/>
+              </a:rPr>
+              <a:t>of </a:t>
+            </a:r>
+            <a:r>
+              <a:rPr lang="en-US" sz="1600" dirty="0" smtClean="0">
+                <a:solidFill>
+                  <a:schemeClr val="tx1"/>
+                </a:solidFill>
+                <a:latin typeface="Times New Roman" panose="02020603050405020304" pitchFamily="18" charset="0"/>
+                <a:cs typeface="Times New Roman" panose="02020603050405020304" pitchFamily="18" charset="0"/>
+              </a:rPr>
+              <a:t>gene expression levels head(</a:t>
             </a:r>
             <a:r>
               <a:rPr lang="en-US" sz="1600" dirty="0" err="1" smtClean="0">
@@ -9764,10 +9764,10 @@
                 <a:latin typeface="Times New Roman" panose="02020603050405020304" pitchFamily="18" charset="0"/>
                 <a:cs typeface="Times New Roman" panose="02020603050405020304" pitchFamily="18" charset="0"/>
               </a:rPr>
-              <a:t>tfs@tf_info</a:t>
-            </a:r>
-            <a:r>
-              <a:rPr lang="en-US" sz="1600" dirty="0" smtClean="0">
+              <a:t>tfs@expressionlevel</a:t>
+            </a:r>
+            <a:r>
+              <a:rPr lang="en-US" sz="1600" smtClean="0">
                 <a:solidFill>
                   <a:schemeClr val="tx1"/>
                 </a:solidFill>
@@ -9776,6 +9776,18 @@
               </a:rPr>
               <a:t>) ;</a:t>
             </a:r>
+            <a:endParaRPr lang="en-US" sz="1600" dirty="0">
+              <a:solidFill>
+                <a:schemeClr val="tx1"/>
+              </a:solidFill>
+              <a:latin typeface="Times New Roman" panose="02020603050405020304" pitchFamily="18" charset="0"/>
+              <a:cs typeface="Times New Roman" panose="02020603050405020304" pitchFamily="18" charset="0"/>
+            </a:endParaRPr>
+          </a:p>
+          <a:p>
+            <a:pPr marL="109728" indent="0">
+              <a:buNone/>
+            </a:pPr>
             <a:endParaRPr lang="en-US" sz="1600" dirty="0" smtClean="0">
               <a:solidFill>
                 <a:schemeClr val="tx1"/>
@@ -9788,18 +9800,6 @@
             <a:pPr marL="109728" indent="0">
               <a:buNone/>
             </a:pPr>
-            <a:endParaRPr lang="en-US" sz="1600" dirty="0" smtClean="0">
-              <a:solidFill>
-                <a:schemeClr val="tx1"/>
-              </a:solidFill>
-              <a:latin typeface="Times New Roman" panose="02020603050405020304" pitchFamily="18" charset="0"/>
-              <a:cs typeface="Times New Roman" panose="02020603050405020304" pitchFamily="18" charset="0"/>
-            </a:endParaRPr>
-          </a:p>
-          <a:p>
-            <a:pPr marL="109728" indent="0">
-              <a:buNone/>
-            </a:pPr>
             <a:r>
               <a:rPr lang="en-US" sz="1600" dirty="0">
                 <a:solidFill>
@@ -9808,7 +9808,7 @@
                 <a:latin typeface="Times New Roman" panose="02020603050405020304" pitchFamily="18" charset="0"/>
                 <a:cs typeface="Times New Roman" panose="02020603050405020304" pitchFamily="18" charset="0"/>
               </a:rPr>
-              <a:t># Access the first 6 </a:t>
+              <a:t># </a:t>
             </a:r>
             <a:r>
               <a:rPr lang="en-US" sz="1600" dirty="0" smtClean="0">
@@ -9818,17 +9818,22 @@
                 <a:latin typeface="Times New Roman" panose="02020603050405020304" pitchFamily="18" charset="0"/>
                 <a:cs typeface="Times New Roman" panose="02020603050405020304" pitchFamily="18" charset="0"/>
               </a:rPr>
-              <a:t>rows </a:t>
-            </a:r>
-            <a:r>
-              <a:rPr lang="en-US" sz="1600" dirty="0">
-                <a:solidFill>
-                  <a:schemeClr val="tx1"/>
-                </a:solidFill>
-                <a:latin typeface="Times New Roman" panose="02020603050405020304" pitchFamily="18" charset="0"/>
-                <a:cs typeface="Times New Roman" panose="02020603050405020304" pitchFamily="18" charset="0"/>
-              </a:rPr>
-              <a:t>of </a:t>
+              <a:t>Check the first PWM </a:t>
+            </a:r>
+          </a:p>
+          <a:p>
+            <a:pPr marL="109728" indent="0">
+              <a:buNone/>
+            </a:pPr>
+            <a:r>
+              <a:rPr lang="en-US" sz="1600" dirty="0" err="1" smtClean="0">
+                <a:solidFill>
+                  <a:schemeClr val="tx1"/>
+                </a:solidFill>
+                <a:latin typeface="Times New Roman" panose="02020603050405020304" pitchFamily="18" charset="0"/>
+                <a:cs typeface="Times New Roman" panose="02020603050405020304" pitchFamily="18" charset="0"/>
+              </a:rPr>
+              <a:t>tfs@pwm</a:t>
             </a:r>
             <a:r>
               <a:rPr lang="en-US" sz="1600" dirty="0" smtClean="0">
@@ -9838,27 +9843,7 @@
                 <a:latin typeface="Times New Roman" panose="02020603050405020304" pitchFamily="18" charset="0"/>
                 <a:cs typeface="Times New Roman" panose="02020603050405020304" pitchFamily="18" charset="0"/>
               </a:rPr>
-              <a:t>gene expression levels head(</a:t>
-            </a:r>
-            <a:r>
-              <a:rPr lang="en-US" sz="1600" dirty="0" err="1" smtClean="0">
-                <a:solidFill>
-                  <a:schemeClr val="tx1"/>
-                </a:solidFill>
-                <a:latin typeface="Times New Roman" panose="02020603050405020304" pitchFamily="18" charset="0"/>
-                <a:cs typeface="Times New Roman" panose="02020603050405020304" pitchFamily="18" charset="0"/>
-              </a:rPr>
-              <a:t>tfs@expressionlevel</a:t>
-            </a:r>
-            <a:r>
-              <a:rPr lang="en-US" sz="1600" smtClean="0">
-                <a:solidFill>
-                  <a:schemeClr val="tx1"/>
-                </a:solidFill>
-                <a:latin typeface="Times New Roman" panose="02020603050405020304" pitchFamily="18" charset="0"/>
-                <a:cs typeface="Times New Roman" panose="02020603050405020304" pitchFamily="18" charset="0"/>
-              </a:rPr>
-              <a:t>) ;</a:t>
+              <a:t>[[1]]</a:t>
             </a:r>
             <a:endParaRPr lang="en-US" sz="1600" dirty="0">
               <a:solidFill>
@@ -9872,90 +9857,6 @@
             <a:pPr marL="109728" indent="0">
               <a:buNone/>
             </a:pPr>
-            <a:endParaRPr lang="en-US" sz="1600" dirty="0" smtClean="0">
-              <a:solidFill>
-                <a:schemeClr val="tx1"/>
-              </a:solidFill>
-              <a:latin typeface="Times New Roman" panose="02020603050405020304" pitchFamily="18" charset="0"/>
-              <a:cs typeface="Times New Roman" panose="02020603050405020304" pitchFamily="18" charset="0"/>
-            </a:endParaRPr>
-          </a:p>
-          <a:p>
-            <a:pPr marL="109728" indent="0">
-              <a:buNone/>
-            </a:pPr>
-            <a:r>
-              <a:rPr lang="en-US" sz="1600" dirty="0">
-                <a:solidFill>
-                  <a:schemeClr val="tx1"/>
-                </a:solidFill>
-                <a:latin typeface="Times New Roman" panose="02020603050405020304" pitchFamily="18" charset="0"/>
-                <a:cs typeface="Times New Roman" panose="02020603050405020304" pitchFamily="18" charset="0"/>
-              </a:rPr>
-              <a:t># </a:t>
-            </a:r>
-            <a:r>
-              <a:rPr lang="en-US" sz="1600" dirty="0" smtClean="0">
-                <a:solidFill>
-                  <a:schemeClr val="tx1"/>
-                </a:solidFill>
-                <a:latin typeface="Times New Roman" panose="02020603050405020304" pitchFamily="18" charset="0"/>
-                <a:cs typeface="Times New Roman" panose="02020603050405020304" pitchFamily="18" charset="0"/>
-              </a:rPr>
-              <a:t>Check </a:t>
-            </a:r>
-            <a:r>
-              <a:rPr lang="en-US" sz="1600" dirty="0" smtClean="0">
-                <a:solidFill>
-                  <a:schemeClr val="tx1"/>
-                </a:solidFill>
-                <a:latin typeface="Times New Roman" panose="02020603050405020304" pitchFamily="18" charset="0"/>
-                <a:cs typeface="Times New Roman" panose="02020603050405020304" pitchFamily="18" charset="0"/>
-              </a:rPr>
-              <a:t>the first </a:t>
-            </a:r>
-            <a:r>
-              <a:rPr lang="en-US" sz="1600" dirty="0" smtClean="0">
-                <a:solidFill>
-                  <a:schemeClr val="tx1"/>
-                </a:solidFill>
-                <a:latin typeface="Times New Roman" panose="02020603050405020304" pitchFamily="18" charset="0"/>
-                <a:cs typeface="Times New Roman" panose="02020603050405020304" pitchFamily="18" charset="0"/>
-              </a:rPr>
-              <a:t>PWM </a:t>
-            </a:r>
-            <a:endParaRPr lang="en-US" sz="1600" dirty="0" smtClean="0">
-              <a:solidFill>
-                <a:schemeClr val="tx1"/>
-              </a:solidFill>
-              <a:latin typeface="Times New Roman" panose="02020603050405020304" pitchFamily="18" charset="0"/>
-              <a:cs typeface="Times New Roman" panose="02020603050405020304" pitchFamily="18" charset="0"/>
-            </a:endParaRPr>
-          </a:p>
-          <a:p>
-            <a:pPr marL="109728" indent="0">
-              <a:buNone/>
-            </a:pPr>
-            <a:r>
-              <a:rPr lang="en-US" sz="1600" dirty="0" err="1" smtClean="0">
-                <a:solidFill>
-                  <a:schemeClr val="tx1"/>
-                </a:solidFill>
-                <a:latin typeface="Times New Roman" panose="02020603050405020304" pitchFamily="18" charset="0"/>
-                <a:cs typeface="Times New Roman" panose="02020603050405020304" pitchFamily="18" charset="0"/>
-              </a:rPr>
-              <a:t>tfs@pwm</a:t>
-            </a:r>
-            <a:r>
-              <a:rPr lang="en-US" sz="1600" dirty="0" smtClean="0">
-                <a:solidFill>
-                  <a:schemeClr val="tx1"/>
-                </a:solidFill>
-                <a:latin typeface="Times New Roman" panose="02020603050405020304" pitchFamily="18" charset="0"/>
-                <a:cs typeface="Times New Roman" panose="02020603050405020304" pitchFamily="18" charset="0"/>
-              </a:rPr>
-              <a:t>[[1]]</a:t>
-            </a:r>
             <a:endParaRPr lang="en-US" sz="1600" dirty="0">
               <a:solidFill>
                 <a:schemeClr val="tx1"/>
@@ -9968,18 +9869,6 @@
             <a:pPr marL="109728" indent="0">
               <a:buNone/>
             </a:pPr>
-            <a:endParaRPr lang="en-US" sz="1600" dirty="0">
-              <a:solidFill>
-                <a:schemeClr val="tx1"/>
-              </a:solidFill>
-              <a:latin typeface="Times New Roman" panose="02020603050405020304" pitchFamily="18" charset="0"/>
-              <a:cs typeface="Times New Roman" panose="02020603050405020304" pitchFamily="18" charset="0"/>
-            </a:endParaRPr>
-          </a:p>
-          <a:p>
-            <a:pPr marL="109728" indent="0">
-              <a:buNone/>
-            </a:pPr>
             <a:endParaRPr lang="en-US" sz="2000" dirty="0" smtClean="0"/>
           </a:p>
           <a:p>
@@ -9993,20 +9882,20 @@
     </p:spTree>
     <p:extLst>
       <p:ext uri="{BB962C8B-B14F-4D97-AF65-F5344CB8AC3E}">
-        <p14:creationId xmlns="" xmlns:p14="http://schemas.microsoft.com/office/powerpoint/2010/main" val="1649755180"/>
+        <p14:creationId xmlns:p14="http://schemas.microsoft.com/office/powerpoint/2010/main" val="1649755180"/>
       </p:ext>
     </p:extLst>
   </p:cSld>
   <p:clrMapOvr>
     <a:masterClrMapping/>
   </p:clrMapOvr>
-  <mc:AlternateContent xmlns:mc="http://schemas.openxmlformats.org/markup-compatibility/2006">
-    <mc:Choice xmlns="" xmlns:p14="http://schemas.microsoft.com/office/powerpoint/2010/main" Requires="p14">
+  <mc:AlternateContent xmlns:mc="http://schemas.openxmlformats.org/markup-compatibility/2006" xmlns:p14="http://schemas.microsoft.com/office/powerpoint/2010/main">
+    <mc:Choice Requires="p14">
       <p:transition spd="med" p14:dur="700">
         <p:fade/>
       </p:transition>
     </mc:Choice>
-    <mc:Fallback>
+    <mc:Fallback xmlns="">
       <p:transition spd="med">
         <p:fade/>
       </p:transition>
@@ -10847,20 +10736,20 @@
     </p:spTree>
     <p:extLst>
       <p:ext uri="{BB962C8B-B14F-4D97-AF65-F5344CB8AC3E}">
-        <p14:creationId xmlns="" xmlns:p14="http://schemas.microsoft.com/office/powerpoint/2010/main" val="2586293034"/>
+        <p14:creationId xmlns:p14="http://schemas.microsoft.com/office/powerpoint/2010/main" val="2586293034"/>
       </p:ext>
     </p:extLst>
   </p:cSld>
   <p:clrMapOvr>
     <a:masterClrMapping/>
   </p:clrMapOvr>
-  <mc:AlternateContent xmlns:mc="http://schemas.openxmlformats.org/markup-compatibility/2006">
-    <mc:Choice xmlns="" xmlns:p14="http://schemas.microsoft.com/office/powerpoint/2010/main" Requires="p14">
+  <mc:AlternateContent xmlns:mc="http://schemas.openxmlformats.org/markup-compatibility/2006" xmlns:p14="http://schemas.microsoft.com/office/powerpoint/2010/main">
+    <mc:Choice Requires="p14">
       <p:transition spd="med" p14:dur="700">
         <p:fade/>
       </p:transition>
     </mc:Choice>
-    <mc:Fallback>
+    <mc:Fallback xmlns="">
       <p:transition spd="med">
         <p:fade/>
       </p:transition>
@@ -12253,20 +12142,20 @@
     </p:spTree>
     <p:extLst>
       <p:ext uri="{BB962C8B-B14F-4D97-AF65-F5344CB8AC3E}">
-        <p14:creationId xmlns="" xmlns:p14="http://schemas.microsoft.com/office/powerpoint/2010/main" val="3537234432"/>
+        <p14:creationId xmlns:p14="http://schemas.microsoft.com/office/powerpoint/2010/main" val="3537234432"/>
       </p:ext>
     </p:extLst>
   </p:cSld>
   <p:clrMapOvr>
     <a:masterClrMapping/>
   </p:clrMapOvr>
-  <mc:AlternateContent xmlns:mc="http://schemas.openxmlformats.org/markup-compatibility/2006">
-    <mc:Choice xmlns="" xmlns:p14="http://schemas.microsoft.com/office/powerpoint/2010/main" Requires="p14">
+  <mc:AlternateContent xmlns:mc="http://schemas.openxmlformats.org/markup-compatibility/2006" xmlns:p14="http://schemas.microsoft.com/office/powerpoint/2010/main">
+    <mc:Choice Requires="p14">
       <p:transition spd="med" p14:dur="700">
         <p:fade/>
       </p:transition>
     </mc:Choice>
-    <mc:Fallback>
+    <mc:Fallback xmlns="">
       <p:transition spd="med">
         <p:fade/>
       </p:transition>
@@ -13157,20 +13046,20 @@
     </p:spTree>
     <p:extLst>
       <p:ext uri="{BB962C8B-B14F-4D97-AF65-F5344CB8AC3E}">
-        <p14:creationId xmlns="" xmlns:p14="http://schemas.microsoft.com/office/powerpoint/2010/main" val="2774262937"/>
+        <p14:creationId xmlns:p14="http://schemas.microsoft.com/office/powerpoint/2010/main" val="2774262937"/>
       </p:ext>
     </p:extLst>
   </p:cSld>
   <p:clrMapOvr>
     <a:masterClrMapping/>
   </p:clrMapOvr>
-  <mc:AlternateContent xmlns:mc="http://schemas.openxmlformats.org/markup-compatibility/2006">
-    <mc:Choice xmlns="" xmlns:p14="http://schemas.microsoft.com/office/powerpoint/2010/main" Requires="p14">
+  <mc:AlternateContent xmlns:mc="http://schemas.openxmlformats.org/markup-compatibility/2006" xmlns:p14="http://schemas.microsoft.com/office/powerpoint/2010/main">
+    <mc:Choice Requires="p14">
       <p:transition spd="med" p14:dur="700">
         <p:fade/>
       </p:transition>
     </mc:Choice>
-    <mc:Fallback>
+    <mc:Fallback xmlns="">
       <p:transition spd="med">
         <p:fade/>
       </p:transition>
@@ -13328,20 +13217,20 @@
     </p:spTree>
     <p:extLst>
       <p:ext uri="{BB962C8B-B14F-4D97-AF65-F5344CB8AC3E}">
-        <p14:creationId xmlns="" xmlns:p14="http://schemas.microsoft.com/office/powerpoint/2010/main" val="65627960"/>
+        <p14:creationId xmlns:p14="http://schemas.microsoft.com/office/powerpoint/2010/main" val="65627960"/>
       </p:ext>
     </p:extLst>
   </p:cSld>
   <p:clrMapOvr>
     <a:masterClrMapping/>
   </p:clrMapOvr>
-  <mc:AlternateContent xmlns:mc="http://schemas.openxmlformats.org/markup-compatibility/2006">
-    <mc:Choice xmlns="" xmlns:p14="http://schemas.microsoft.com/office/powerpoint/2010/main" Requires="p14">
+  <mc:AlternateContent xmlns:mc="http://schemas.openxmlformats.org/markup-compatibility/2006" xmlns:p14="http://schemas.microsoft.com/office/powerpoint/2010/main">
+    <mc:Choice Requires="p14">
       <p:transition spd="med" p14:dur="700">
         <p:fade/>
       </p:transition>
     </mc:Choice>
-    <mc:Fallback>
+    <mc:Fallback xmlns="">
       <p:transition spd="med">
         <p:fade/>
       </p:transition>
@@ -13745,20 +13634,20 @@
     </p:spTree>
     <p:extLst>
       <p:ext uri="{BB962C8B-B14F-4D97-AF65-F5344CB8AC3E}">
-        <p14:creationId xmlns="" xmlns:p14="http://schemas.microsoft.com/office/powerpoint/2010/main" val="3436511039"/>
+        <p14:creationId xmlns:p14="http://schemas.microsoft.com/office/powerpoint/2010/main" val="3436511039"/>
       </p:ext>
     </p:extLst>
   </p:cSld>
   <p:clrMapOvr>
     <a:masterClrMapping/>
   </p:clrMapOvr>
-  <mc:AlternateContent xmlns:mc="http://schemas.openxmlformats.org/markup-compatibility/2006">
-    <mc:Choice xmlns="" xmlns:p14="http://schemas.microsoft.com/office/powerpoint/2010/main" Requires="p14">
+  <mc:AlternateContent xmlns:mc="http://schemas.openxmlformats.org/markup-compatibility/2006" xmlns:p14="http://schemas.microsoft.com/office/powerpoint/2010/main">
+    <mc:Choice Requires="p14">
       <p:transition spd="med" p14:dur="700">
         <p:fade/>
       </p:transition>
     </mc:Choice>
-    <mc:Fallback>
+    <mc:Fallback xmlns="">
       <p:transition spd="med">
         <p:fade/>
       </p:transition>
@@ -14539,20 +14428,20 @@
     </p:spTree>
     <p:extLst>
       <p:ext uri="{BB962C8B-B14F-4D97-AF65-F5344CB8AC3E}">
-        <p14:creationId xmlns="" xmlns:p14="http://schemas.microsoft.com/office/powerpoint/2010/main" val="4237039325"/>
+        <p14:creationId xmlns:p14="http://schemas.microsoft.com/office/powerpoint/2010/main" val="4237039325"/>
       </p:ext>
     </p:extLst>
   </p:cSld>
   <p:clrMapOvr>
     <a:masterClrMapping/>
   </p:clrMapOvr>
-  <mc:AlternateContent xmlns:mc="http://schemas.openxmlformats.org/markup-compatibility/2006">
-    <mc:Choice xmlns="" xmlns:p14="http://schemas.microsoft.com/office/powerpoint/2010/main" Requires="p14">
+  <mc:AlternateContent xmlns:mc="http://schemas.openxmlformats.org/markup-compatibility/2006" xmlns:p14="http://schemas.microsoft.com/office/powerpoint/2010/main">
+    <mc:Choice Requires="p14">
       <p:transition spd="med" p14:dur="700">
         <p:fade/>
       </p:transition>
     </mc:Choice>
-    <mc:Fallback>
+    <mc:Fallback xmlns="">
       <p:transition spd="med">
         <p:fade/>
       </p:transition>
@@ -14736,20 +14625,20 @@
     </p:spTree>
     <p:extLst>
       <p:ext uri="{BB962C8B-B14F-4D97-AF65-F5344CB8AC3E}">
-        <p14:creationId xmlns="" xmlns:p14="http://schemas.microsoft.com/office/powerpoint/2010/main" val="1198150999"/>
+        <p14:creationId xmlns:p14="http://schemas.microsoft.com/office/powerpoint/2010/main" val="1198150999"/>
       </p:ext>
     </p:extLst>
   </p:cSld>
   <p:clrMapOvr>
     <a:masterClrMapping/>
   </p:clrMapOvr>
-  <mc:AlternateContent xmlns:mc="http://schemas.openxmlformats.org/markup-compatibility/2006">
-    <mc:Choice xmlns="" xmlns:p14="http://schemas.microsoft.com/office/powerpoint/2010/main" Requires="p14">
+  <mc:AlternateContent xmlns:mc="http://schemas.openxmlformats.org/markup-compatibility/2006" xmlns:p14="http://schemas.microsoft.com/office/powerpoint/2010/main">
+    <mc:Choice Requires="p14">
       <p:transition spd="med" p14:dur="700">
         <p:fade/>
       </p:transition>
     </mc:Choice>
-    <mc:Fallback>
+    <mc:Fallback xmlns="">
       <p:transition spd="med">
         <p:fade/>
       </p:transition>
@@ -14892,20 +14781,20 @@
     </p:spTree>
     <p:extLst>
       <p:ext uri="{BB962C8B-B14F-4D97-AF65-F5344CB8AC3E}">
-        <p14:creationId xmlns="" xmlns:p14="http://schemas.microsoft.com/office/powerpoint/2010/main" val="3615970230"/>
+        <p14:creationId xmlns:p14="http://schemas.microsoft.com/office/powerpoint/2010/main" val="3615970230"/>
       </p:ext>
     </p:extLst>
   </p:cSld>
   <p:clrMapOvr>
     <a:masterClrMapping/>
   </p:clrMapOvr>
-  <mc:AlternateContent xmlns:mc="http://schemas.openxmlformats.org/markup-compatibility/2006">
-    <mc:Choice xmlns="" xmlns:p14="http://schemas.microsoft.com/office/powerpoint/2010/main" Requires="p14">
+  <mc:AlternateContent xmlns:mc="http://schemas.openxmlformats.org/markup-compatibility/2006" xmlns:p14="http://schemas.microsoft.com/office/powerpoint/2010/main">
+    <mc:Choice Requires="p14">
       <p:transition spd="med" p14:dur="700">
         <p:fade/>
       </p:transition>
     </mc:Choice>
-    <mc:Fallback>
+    <mc:Fallback xmlns="">
       <p:transition spd="med">
         <p:fade/>
       </p:transition>
@@ -16046,20 +15935,20 @@
     </p:spTree>
     <p:extLst>
       <p:ext uri="{BB962C8B-B14F-4D97-AF65-F5344CB8AC3E}">
-        <p14:creationId xmlns="" xmlns:p14="http://schemas.microsoft.com/office/powerpoint/2010/main" val="1665556587"/>
+        <p14:creationId xmlns:p14="http://schemas.microsoft.com/office/powerpoint/2010/main" val="1665556587"/>
       </p:ext>
     </p:extLst>
   </p:cSld>
   <p:clrMapOvr>
     <a:masterClrMapping/>
   </p:clrMapOvr>
-  <mc:AlternateContent xmlns:mc="http://schemas.openxmlformats.org/markup-compatibility/2006">
-    <mc:Choice xmlns="" xmlns:p14="http://schemas.microsoft.com/office/powerpoint/2010/main" Requires="p14">
+  <mc:AlternateContent xmlns:mc="http://schemas.openxmlformats.org/markup-compatibility/2006" xmlns:p14="http://schemas.microsoft.com/office/powerpoint/2010/main">
+    <mc:Choice Requires="p14">
       <p:transition spd="med" p14:dur="700">
         <p:fade/>
       </p:transition>
     </mc:Choice>
-    <mc:Fallback>
+    <mc:Fallback xmlns="">
       <p:transition spd="med">
         <p:fade/>
       </p:transition>
@@ -16850,20 +16739,20 @@
     </p:spTree>
     <p:extLst>
       <p:ext uri="{BB962C8B-B14F-4D97-AF65-F5344CB8AC3E}">
-        <p14:creationId xmlns="" xmlns:p14="http://schemas.microsoft.com/office/powerpoint/2010/main" val="967488287"/>
+        <p14:creationId xmlns:p14="http://schemas.microsoft.com/office/powerpoint/2010/main" val="967488287"/>
       </p:ext>
     </p:extLst>
   </p:cSld>
   <p:clrMapOvr>
     <a:masterClrMapping/>
   </p:clrMapOvr>
-  <mc:AlternateContent xmlns:mc="http://schemas.openxmlformats.org/markup-compatibility/2006">
-    <mc:Choice xmlns="" xmlns:p14="http://schemas.microsoft.com/office/powerpoint/2010/main" Requires="p14">
+  <mc:AlternateContent xmlns:mc="http://schemas.openxmlformats.org/markup-compatibility/2006" xmlns:p14="http://schemas.microsoft.com/office/powerpoint/2010/main">
+    <mc:Choice Requires="p14">
       <p:transition spd="med" p14:dur="700">
         <p:fade/>
       </p:transition>
     </mc:Choice>
-    <mc:Fallback>
+    <mc:Fallback xmlns="">
       <p:transition spd="med">
         <p:fade/>
       </p:transition>
@@ -17198,20 +17087,20 @@
     </p:spTree>
     <p:extLst>
       <p:ext uri="{BB962C8B-B14F-4D97-AF65-F5344CB8AC3E}">
-        <p14:creationId xmlns="" xmlns:p14="http://schemas.microsoft.com/office/powerpoint/2010/main" val="3284964494"/>
+        <p14:creationId xmlns:p14="http://schemas.microsoft.com/office/powerpoint/2010/main" val="3284964494"/>
       </p:ext>
     </p:extLst>
   </p:cSld>
   <p:clrMapOvr>
     <a:masterClrMapping/>
   </p:clrMapOvr>
-  <mc:AlternateContent xmlns:mc="http://schemas.openxmlformats.org/markup-compatibility/2006">
-    <mc:Choice xmlns="" xmlns:p14="http://schemas.microsoft.com/office/powerpoint/2010/main" Requires="p14">
+  <mc:AlternateContent xmlns:mc="http://schemas.openxmlformats.org/markup-compatibility/2006" xmlns:p14="http://schemas.microsoft.com/office/powerpoint/2010/main">
+    <mc:Choice Requires="p14">
       <p:transition spd="med" p14:dur="700">
         <p:fade/>
       </p:transition>
     </mc:Choice>
-    <mc:Fallback>
+    <mc:Fallback xmlns="">
       <p:transition spd="med">
         <p:fade/>
       </p:transition>
@@ -18495,20 +18384,20 @@
     </p:spTree>
     <p:extLst>
       <p:ext uri="{BB962C8B-B14F-4D97-AF65-F5344CB8AC3E}">
-        <p14:creationId xmlns="" xmlns:p14="http://schemas.microsoft.com/office/powerpoint/2010/main" val="669523446"/>
+        <p14:creationId xmlns:p14="http://schemas.microsoft.com/office/powerpoint/2010/main" val="669523446"/>
       </p:ext>
     </p:extLst>
   </p:cSld>
   <p:clrMapOvr>
     <a:masterClrMapping/>
   </p:clrMapOvr>
-  <mc:AlternateContent xmlns:mc="http://schemas.openxmlformats.org/markup-compatibility/2006">
-    <mc:Choice xmlns="" xmlns:p14="http://schemas.microsoft.com/office/powerpoint/2010/main" Requires="p14">
+  <mc:AlternateContent xmlns:mc="http://schemas.openxmlformats.org/markup-compatibility/2006" xmlns:p14="http://schemas.microsoft.com/office/powerpoint/2010/main">
+    <mc:Choice Requires="p14">
       <p:transition spd="med" p14:dur="700">
         <p:fade/>
       </p:transition>
     </mc:Choice>
-    <mc:Fallback>
+    <mc:Fallback xmlns="">
       <p:transition spd="med">
         <p:fade/>
       </p:transition>
@@ -18794,20 +18683,20 @@
     </p:spTree>
     <p:extLst>
       <p:ext uri="{BB962C8B-B14F-4D97-AF65-F5344CB8AC3E}">
-        <p14:creationId xmlns="" xmlns:p14="http://schemas.microsoft.com/office/powerpoint/2010/main" val="286076213"/>
+        <p14:creationId xmlns:p14="http://schemas.microsoft.com/office/powerpoint/2010/main" val="286076213"/>
       </p:ext>
     </p:extLst>
   </p:cSld>
   <p:clrMapOvr>
     <a:masterClrMapping/>
   </p:clrMapOvr>
-  <mc:AlternateContent xmlns:mc="http://schemas.openxmlformats.org/markup-compatibility/2006">
-    <mc:Choice xmlns="" xmlns:p14="http://schemas.microsoft.com/office/powerpoint/2010/main" Requires="p14">
+  <mc:AlternateContent xmlns:mc="http://schemas.openxmlformats.org/markup-compatibility/2006" xmlns:p14="http://schemas.microsoft.com/office/powerpoint/2010/main">
+    <mc:Choice Requires="p14">
       <p:transition spd="med" p14:dur="700">
         <p:fade/>
       </p:transition>
     </mc:Choice>
-    <mc:Fallback>
+    <mc:Fallback xmlns="">
       <p:transition spd="med">
         <p:fade/>
       </p:transition>
@@ -19698,20 +19587,20 @@
     </p:spTree>
     <p:extLst>
       <p:ext uri="{BB962C8B-B14F-4D97-AF65-F5344CB8AC3E}">
-        <p14:creationId xmlns="" xmlns:p14="http://schemas.microsoft.com/office/powerpoint/2010/main" val="1393943048"/>
+        <p14:creationId xmlns:p14="http://schemas.microsoft.com/office/powerpoint/2010/main" val="1393943048"/>
       </p:ext>
     </p:extLst>
   </p:cSld>
   <p:clrMapOvr>
     <a:masterClrMapping/>
   </p:clrMapOvr>
-  <mc:AlternateContent xmlns:mc="http://schemas.openxmlformats.org/markup-compatibility/2006">
-    <mc:Choice xmlns="" xmlns:p14="http://schemas.microsoft.com/office/powerpoint/2010/main" Requires="p14">
+  <mc:AlternateContent xmlns:mc="http://schemas.openxmlformats.org/markup-compatibility/2006" xmlns:p14="http://schemas.microsoft.com/office/powerpoint/2010/main">
+    <mc:Choice Requires="p14">
       <p:transition spd="med" p14:dur="700">
         <p:fade/>
       </p:transition>
     </mc:Choice>
-    <mc:Fallback>
+    <mc:Fallback xmlns="">
       <p:transition spd="med">
         <p:fade/>
       </p:transition>
@@ -19850,20 +19739,20 @@
     </p:spTree>
     <p:extLst>
       <p:ext uri="{BB962C8B-B14F-4D97-AF65-F5344CB8AC3E}">
-        <p14:creationId xmlns="" xmlns:p14="http://schemas.microsoft.com/office/powerpoint/2010/main" val="3982392824"/>
+        <p14:creationId xmlns:p14="http://schemas.microsoft.com/office/powerpoint/2010/main" val="3982392824"/>
       </p:ext>
     </p:extLst>
   </p:cSld>
   <p:clrMapOvr>
     <a:masterClrMapping/>
   </p:clrMapOvr>
-  <mc:AlternateContent xmlns:mc="http://schemas.openxmlformats.org/markup-compatibility/2006">
-    <mc:Choice xmlns="" xmlns:p14="http://schemas.microsoft.com/office/powerpoint/2010/main" Requires="p14">
+  <mc:AlternateContent xmlns:mc="http://schemas.openxmlformats.org/markup-compatibility/2006" xmlns:p14="http://schemas.microsoft.com/office/powerpoint/2010/main">
+    <mc:Choice Requires="p14">
       <p:transition spd="med" p14:dur="700">
         <p:fade/>
       </p:transition>
     </mc:Choice>
-    <mc:Fallback>
+    <mc:Fallback xmlns="">
       <p:transition spd="med">
         <p:fade/>
       </p:transition>
@@ -19909,7 +19798,7 @@
         <p:spPr/>
         <p:txBody>
           <a:bodyPr>
-            <a:normAutofit fontScale="70000" lnSpcReduction="20000"/>
+            <a:normAutofit fontScale="85000" lnSpcReduction="10000"/>
           </a:bodyPr>
           <a:lstStyle/>
           <a:p>
@@ -20170,125 +20059,7 @@
           </a:p>
           <a:p>
             <a:r>
-              <a:rPr lang="en-US" dirty="0">
-                <a:solidFill>
-                  <a:srgbClr val="455F51"/>
-                </a:solidFill>
-              </a:rPr>
-              <a:t>Li H.*, </a:t>
-            </a:r>
-            <a:r>
-              <a:rPr lang="en-US" dirty="0" err="1">
-                <a:solidFill>
-                  <a:srgbClr val="455F51"/>
-                </a:solidFill>
-              </a:rPr>
-              <a:t>Handsaker</a:t>
-            </a:r>
-            <a:r>
-              <a:rPr lang="en-US" dirty="0">
-                <a:solidFill>
-                  <a:srgbClr val="455F51"/>
-                </a:solidFill>
-              </a:rPr>
-              <a:t> B.*, </a:t>
-            </a:r>
-            <a:r>
-              <a:rPr lang="en-US" dirty="0" err="1">
-                <a:solidFill>
-                  <a:srgbClr val="455F51"/>
-                </a:solidFill>
-              </a:rPr>
-              <a:t>Wysoker</a:t>
-            </a:r>
-            <a:r>
-              <a:rPr lang="en-US" dirty="0">
-                <a:solidFill>
-                  <a:srgbClr val="455F51"/>
-                </a:solidFill>
-              </a:rPr>
-              <a:t> A., Fennell T., </a:t>
-            </a:r>
-            <a:r>
-              <a:rPr lang="en-US" dirty="0" err="1">
-                <a:solidFill>
-                  <a:srgbClr val="455F51"/>
-                </a:solidFill>
-              </a:rPr>
-              <a:t>Ruan</a:t>
-            </a:r>
-            <a:r>
-              <a:rPr lang="en-US" dirty="0">
-                <a:solidFill>
-                  <a:srgbClr val="455F51"/>
-                </a:solidFill>
-              </a:rPr>
-              <a:t> J., Homer N., Marth G., </a:t>
-            </a:r>
-            <a:r>
-              <a:rPr lang="en-US" dirty="0" err="1">
-                <a:solidFill>
-                  <a:srgbClr val="455F51"/>
-                </a:solidFill>
-              </a:rPr>
-              <a:t>Abecasis</a:t>
-            </a:r>
-            <a:r>
-              <a:rPr lang="en-US" dirty="0">
-                <a:solidFill>
-                  <a:srgbClr val="455F51"/>
-                </a:solidFill>
-              </a:rPr>
-              <a:t> G., Durbin R. and 1000 Genome Project Data Processing Subgroup (2009</a:t>
-            </a:r>
-            <a:r>
               <a:rPr lang="en-US" dirty="0" smtClean="0">
-                <a:solidFill>
-                  <a:srgbClr val="455F51"/>
-                </a:solidFill>
-              </a:rPr>
-              <a:t>). </a:t>
-            </a:r>
-            <a:r>
-              <a:rPr lang="en-US" i="1" dirty="0">
-                <a:solidFill>
-                  <a:schemeClr val="bg2">
-                    <a:lumMod val="10000"/>
-                  </a:schemeClr>
-                </a:solidFill>
-              </a:rPr>
-              <a:t>The Sequence alignment/map (SAM) format and </a:t>
-            </a:r>
-            <a:r>
-              <a:rPr lang="en-US" i="1" dirty="0" err="1">
-                <a:solidFill>
-                  <a:schemeClr val="bg2">
-                    <a:lumMod val="10000"/>
-                  </a:schemeClr>
-                </a:solidFill>
-              </a:rPr>
-              <a:t>SAMtools</a:t>
-            </a:r>
-            <a:r>
-              <a:rPr lang="en-US" dirty="0">
-                <a:solidFill>
-                  <a:srgbClr val="455F51"/>
-                </a:solidFill>
-              </a:rPr>
-              <a:t>. Bioinformatics, 25, 2078-9</a:t>
-            </a:r>
-            <a:r>
-              <a:rPr lang="en-US" dirty="0" smtClean="0">
-                <a:solidFill>
-                  <a:srgbClr val="455F51"/>
-                </a:solidFill>
-              </a:rPr>
-              <a:t>.</a:t>
-            </a:r>
-          </a:p>
-          <a:p>
-            <a:r>
-              <a:rPr lang="en-US" dirty="0">
                 <a:solidFill>
                   <a:srgbClr val="455F51"/>
                 </a:solidFill>
@@ -20497,20 +20268,20 @@
     </p:spTree>
     <p:extLst>
       <p:ext uri="{BB962C8B-B14F-4D97-AF65-F5344CB8AC3E}">
-        <p14:creationId xmlns="" xmlns:p14="http://schemas.microsoft.com/office/powerpoint/2010/main" val="728467612"/>
+        <p14:creationId xmlns:p14="http://schemas.microsoft.com/office/powerpoint/2010/main" val="728467612"/>
       </p:ext>
     </p:extLst>
   </p:cSld>
   <p:clrMapOvr>
     <a:masterClrMapping/>
   </p:clrMapOvr>
-  <mc:AlternateContent xmlns:mc="http://schemas.openxmlformats.org/markup-compatibility/2006">
-    <mc:Choice xmlns="" xmlns:p14="http://schemas.microsoft.com/office/powerpoint/2010/main" Requires="p14">
+  <mc:AlternateContent xmlns:mc="http://schemas.openxmlformats.org/markup-compatibility/2006" xmlns:p14="http://schemas.microsoft.com/office/powerpoint/2010/main">
+    <mc:Choice Requires="p14">
       <p:transition spd="med" p14:dur="700">
         <p:fade/>
       </p:transition>
     </mc:Choice>
-    <mc:Fallback>
+    <mc:Fallback xmlns="">
       <p:transition spd="med">
         <p:fade/>
       </p:transition>
@@ -20668,12 +20439,8 @@
               <a:buNone/>
             </a:pPr>
             <a:r>
-              <a:rPr lang="en-US" sz="1200" dirty="0"/>
-              <a:t>&gt; system</a:t>
-            </a:r>
-            <a:r>
               <a:rPr lang="en-US" sz="1200" dirty="0" smtClean="0"/>
-              <a:t>(“</a:t>
+              <a:t>&gt; system(“</a:t>
             </a:r>
             <a:r>
               <a:rPr lang="en-US" sz="1200" dirty="0" err="1" smtClean="0"/>
@@ -20714,7 +20481,7 @@
               <a:buNone/>
             </a:pPr>
             <a:r>
-              <a:rPr lang="en-US" sz="1200" dirty="0"/>
+              <a:rPr lang="en-US" sz="1200" dirty="0" smtClean="0"/>
               <a:t>&gt; </a:t>
             </a:r>
             <a:r>
@@ -20825,54 +20592,45 @@
       </p:sp>
       <p:pic>
         <p:nvPicPr>
-          <p:cNvPr id="5" name="Picture 2"/>
+          <p:cNvPr id="6" name="Picture 5"/>
           <p:cNvPicPr>
-            <a:picLocks noChangeAspect="1" noChangeArrowheads="1"/>
+            <a:picLocks noChangeAspect="1"/>
           </p:cNvPicPr>
           <p:nvPr/>
         </p:nvPicPr>
         <p:blipFill>
           <a:blip r:embed="rId3"/>
-          <a:srcRect/>
           <a:stretch>
             <a:fillRect/>
           </a:stretch>
         </p:blipFill>
-        <p:spPr bwMode="auto">
+        <p:spPr>
           <a:xfrm>
-            <a:off x="810834" y="3246975"/>
-            <a:ext cx="3019425" cy="428625"/>
+            <a:off x="833437" y="3224450"/>
+            <a:ext cx="3038475" cy="342900"/>
           </a:xfrm>
           <a:prstGeom prst="rect">
             <a:avLst/>
           </a:prstGeom>
-          <a:noFill/>
-          <a:ln w="9525">
-            <a:noFill/>
-            <a:miter lim="800000"/>
-            <a:headEnd/>
-            <a:tailEnd/>
-          </a:ln>
-          <a:effectLst/>
         </p:spPr>
       </p:pic>
     </p:spTree>
     <p:extLst>
       <p:ext uri="{BB962C8B-B14F-4D97-AF65-F5344CB8AC3E}">
-        <p14:creationId xmlns="" xmlns:p14="http://schemas.microsoft.com/office/powerpoint/2010/main" val="243335261"/>
+        <p14:creationId xmlns:p14="http://schemas.microsoft.com/office/powerpoint/2010/main" val="243335261"/>
       </p:ext>
     </p:extLst>
   </p:cSld>
   <p:clrMapOvr>
     <a:masterClrMapping/>
   </p:clrMapOvr>
-  <mc:AlternateContent xmlns:mc="http://schemas.openxmlformats.org/markup-compatibility/2006">
-    <mc:Choice xmlns="" xmlns:p14="http://schemas.microsoft.com/office/powerpoint/2010/main" Requires="p14">
+  <mc:AlternateContent xmlns:mc="http://schemas.openxmlformats.org/markup-compatibility/2006" xmlns:p14="http://schemas.microsoft.com/office/powerpoint/2010/main">
+    <mc:Choice Requires="p14">
       <p:transition spd="med" p14:dur="700">
         <p:fade/>
       </p:transition>
     </mc:Choice>
-    <mc:Fallback>
+    <mc:Fallback xmlns="">
       <p:transition spd="med">
         <p:fade/>
       </p:transition>
@@ -21008,20 +20766,20 @@
     </p:spTree>
     <p:extLst>
       <p:ext uri="{BB962C8B-B14F-4D97-AF65-F5344CB8AC3E}">
-        <p14:creationId xmlns="" xmlns:p14="http://schemas.microsoft.com/office/powerpoint/2010/main" val="1851896080"/>
+        <p14:creationId xmlns:p14="http://schemas.microsoft.com/office/powerpoint/2010/main" val="1851896080"/>
       </p:ext>
     </p:extLst>
   </p:cSld>
   <p:clrMapOvr>
     <a:masterClrMapping/>
   </p:clrMapOvr>
-  <mc:AlternateContent xmlns:mc="http://schemas.openxmlformats.org/markup-compatibility/2006">
-    <mc:Choice xmlns="" xmlns:p14="http://schemas.microsoft.com/office/powerpoint/2010/main" Requires="p14">
+  <mc:AlternateContent xmlns:mc="http://schemas.openxmlformats.org/markup-compatibility/2006" xmlns:p14="http://schemas.microsoft.com/office/powerpoint/2010/main">
+    <mc:Choice Requires="p14">
       <p:transition spd="med" p14:dur="700">
         <p:fade/>
       </p:transition>
     </mc:Choice>
-    <mc:Fallback>
+    <mc:Fallback xmlns="">
       <p:transition spd="med">
         <p:fade/>
       </p:transition>
@@ -21228,20 +20986,20 @@
     </p:spTree>
     <p:extLst>
       <p:ext uri="{BB962C8B-B14F-4D97-AF65-F5344CB8AC3E}">
-        <p14:creationId xmlns="" xmlns:p14="http://schemas.microsoft.com/office/powerpoint/2010/main" val="3627382192"/>
+        <p14:creationId xmlns:p14="http://schemas.microsoft.com/office/powerpoint/2010/main" val="3627382192"/>
       </p:ext>
     </p:extLst>
   </p:cSld>
   <p:clrMapOvr>
     <a:masterClrMapping/>
   </p:clrMapOvr>
-  <mc:AlternateContent xmlns:mc="http://schemas.openxmlformats.org/markup-compatibility/2006">
-    <mc:Choice xmlns="" xmlns:p14="http://schemas.microsoft.com/office/powerpoint/2010/main" Requires="p14">
+  <mc:AlternateContent xmlns:mc="http://schemas.openxmlformats.org/markup-compatibility/2006" xmlns:p14="http://schemas.microsoft.com/office/powerpoint/2010/main">
+    <mc:Choice Requires="p14">
       <p:transition spd="med" p14:dur="700">
         <p:fade/>
       </p:transition>
     </mc:Choice>
-    <mc:Fallback>
+    <mc:Fallback xmlns="">
       <p:transition spd="med">
         <p:fade/>
       </p:transition>
@@ -21490,20 +21248,20 @@
     </p:spTree>
     <p:extLst>
       <p:ext uri="{BB962C8B-B14F-4D97-AF65-F5344CB8AC3E}">
-        <p14:creationId xmlns="" xmlns:p14="http://schemas.microsoft.com/office/powerpoint/2010/main" val="3982392824"/>
+        <p14:creationId xmlns:p14="http://schemas.microsoft.com/office/powerpoint/2010/main" val="3982392824"/>
       </p:ext>
     </p:extLst>
   </p:cSld>
   <p:clrMapOvr>
     <a:masterClrMapping/>
   </p:clrMapOvr>
-  <mc:AlternateContent xmlns:mc="http://schemas.openxmlformats.org/markup-compatibility/2006">
-    <mc:Choice xmlns="" xmlns:p14="http://schemas.microsoft.com/office/powerpoint/2010/main" Requires="p14">
+  <mc:AlternateContent xmlns:mc="http://schemas.openxmlformats.org/markup-compatibility/2006" xmlns:p14="http://schemas.microsoft.com/office/powerpoint/2010/main">
+    <mc:Choice Requires="p14">
       <p:transition spd="med" p14:dur="700">
         <p:fade/>
       </p:transition>
     </mc:Choice>
-    <mc:Fallback>
+    <mc:Fallback xmlns="">
       <p:transition spd="med">
         <p:fade/>
       </p:transition>
@@ -21609,7 +21367,7 @@
           <a:blip r:embed="rId2" cstate="print">
             <a:extLst>
               <a:ext uri="{28A0092B-C50C-407E-A947-70E740481C1C}">
-                <a14:useLocalDpi xmlns="" xmlns:a14="http://schemas.microsoft.com/office/drawing/2010/main" val="0"/>
+                <a14:useLocalDpi xmlns:a14="http://schemas.microsoft.com/office/drawing/2010/main" val="0"/>
               </a:ext>
             </a:extLst>
           </a:blip>
@@ -21629,7 +21387,7 @@
           <a:noFill/>
           <a:extLst>
             <a:ext uri="{909E8E84-426E-40DD-AFC4-6F175D3DCCD1}">
-              <a14:hiddenFill xmlns="" xmlns:a14="http://schemas.microsoft.com/office/drawing/2010/main">
+              <a14:hiddenFill xmlns:a14="http://schemas.microsoft.com/office/drawing/2010/main">
                 <a:solidFill>
                   <a:srgbClr val="FFFFFF"/>
                 </a:solidFill>
@@ -21641,20 +21399,20 @@
     </p:spTree>
     <p:extLst>
       <p:ext uri="{BB962C8B-B14F-4D97-AF65-F5344CB8AC3E}">
-        <p14:creationId xmlns="" xmlns:p14="http://schemas.microsoft.com/office/powerpoint/2010/main" val="1254138836"/>
+        <p14:creationId xmlns:p14="http://schemas.microsoft.com/office/powerpoint/2010/main" val="1254138836"/>
       </p:ext>
     </p:extLst>
   </p:cSld>
   <p:clrMapOvr>
     <a:masterClrMapping/>
   </p:clrMapOvr>
-  <mc:AlternateContent xmlns:mc="http://schemas.openxmlformats.org/markup-compatibility/2006">
-    <mc:Choice xmlns="" xmlns:p14="http://schemas.microsoft.com/office/powerpoint/2010/main" Requires="p14">
+  <mc:AlternateContent xmlns:mc="http://schemas.openxmlformats.org/markup-compatibility/2006" xmlns:p14="http://schemas.microsoft.com/office/powerpoint/2010/main">
+    <mc:Choice Requires="p14">
       <p:transition spd="med" p14:dur="700">
         <p:fade/>
       </p:transition>
     </mc:Choice>
-    <mc:Fallback>
+    <mc:Fallback xmlns="">
       <p:transition spd="med">
         <p:fade/>
       </p:transition>
@@ -21908,20 +21666,20 @@
     </p:spTree>
     <p:extLst>
       <p:ext uri="{BB962C8B-B14F-4D97-AF65-F5344CB8AC3E}">
-        <p14:creationId xmlns="" xmlns:p14="http://schemas.microsoft.com/office/powerpoint/2010/main" val="1962344879"/>
+        <p14:creationId xmlns:p14="http://schemas.microsoft.com/office/powerpoint/2010/main" val="1962344879"/>
       </p:ext>
     </p:extLst>
   </p:cSld>
   <p:clrMapOvr>
     <a:masterClrMapping/>
   </p:clrMapOvr>
-  <mc:AlternateContent xmlns:mc="http://schemas.openxmlformats.org/markup-compatibility/2006">
-    <mc:Choice xmlns="" xmlns:p14="http://schemas.microsoft.com/office/powerpoint/2010/main" Requires="p14">
+  <mc:AlternateContent xmlns:mc="http://schemas.openxmlformats.org/markup-compatibility/2006" xmlns:p14="http://schemas.microsoft.com/office/powerpoint/2010/main">
+    <mc:Choice Requires="p14">
       <p:transition spd="med" p14:dur="700">
         <p:fade/>
       </p:transition>
     </mc:Choice>
-    <mc:Fallback>
+    <mc:Fallback xmlns="">
       <p:transition spd="med">
         <p:fade/>
       </p:transition>
@@ -22846,20 +22604,20 @@
     </p:spTree>
     <p:extLst>
       <p:ext uri="{BB962C8B-B14F-4D97-AF65-F5344CB8AC3E}">
-        <p14:creationId xmlns="" xmlns:p14="http://schemas.microsoft.com/office/powerpoint/2010/main" val="3733679413"/>
+        <p14:creationId xmlns:p14="http://schemas.microsoft.com/office/powerpoint/2010/main" val="3733679413"/>
       </p:ext>
     </p:extLst>
   </p:cSld>
   <p:clrMapOvr>
     <a:masterClrMapping/>
   </p:clrMapOvr>
-  <mc:AlternateContent xmlns:mc="http://schemas.openxmlformats.org/markup-compatibility/2006">
-    <mc:Choice xmlns="" xmlns:p14="http://schemas.microsoft.com/office/powerpoint/2010/main" Requires="p14">
+  <mc:AlternateContent xmlns:mc="http://schemas.openxmlformats.org/markup-compatibility/2006" xmlns:p14="http://schemas.microsoft.com/office/powerpoint/2010/main">
+    <mc:Choice Requires="p14">
       <p:transition spd="med" p14:dur="700">
         <p:fade/>
       </p:transition>
     </mc:Choice>
-    <mc:Fallback>
+    <mc:Fallback xmlns="">
       <p:transition spd="med">
         <p:fade/>
       </p:transition>
@@ -23546,20 +23304,20 @@
     </p:spTree>
     <p:extLst>
       <p:ext uri="{BB962C8B-B14F-4D97-AF65-F5344CB8AC3E}">
-        <p14:creationId xmlns="" xmlns:p14="http://schemas.microsoft.com/office/powerpoint/2010/main" val="2923801834"/>
+        <p14:creationId xmlns:p14="http://schemas.microsoft.com/office/powerpoint/2010/main" val="2923801834"/>
       </p:ext>
     </p:extLst>
   </p:cSld>
   <p:clrMapOvr>
     <a:masterClrMapping/>
   </p:clrMapOvr>
-  <mc:AlternateContent xmlns:mc="http://schemas.openxmlformats.org/markup-compatibility/2006">
-    <mc:Choice xmlns="" xmlns:p14="http://schemas.microsoft.com/office/powerpoint/2010/main" Requires="p14">
+  <mc:AlternateContent xmlns:mc="http://schemas.openxmlformats.org/markup-compatibility/2006" xmlns:p14="http://schemas.microsoft.com/office/powerpoint/2010/main">
+    <mc:Choice Requires="p14">
       <p:transition spd="med" p14:dur="700">
         <p:fade/>
       </p:transition>
     </mc:Choice>
-    <mc:Fallback>
+    <mc:Fallback xmlns="">
       <p:transition spd="med">
         <p:fade/>
       </p:transition>
@@ -23610,7 +23368,7 @@
         </p:spPr>
         <p:txBody>
           <a:bodyPr>
-            <a:normAutofit fontScale="77500" lnSpcReduction="20000"/>
+            <a:normAutofit fontScale="85000" lnSpcReduction="20000"/>
           </a:bodyPr>
           <a:lstStyle/>
           <a:p>
@@ -23862,57 +23620,6 @@
             <a:r>
               <a:rPr lang="en-US" sz="1900" dirty="0" smtClean="0"/>
               <a:t>(3) </a:t>
-            </a:r>
-            <a:r>
-              <a:rPr lang="en-US" sz="1900" dirty="0" err="1" smtClean="0"/>
-              <a:t>SAMtools</a:t>
-            </a:r>
-            <a:r>
-              <a:rPr lang="en-US" sz="1900" dirty="0" smtClean="0"/>
-              <a:t> (</a:t>
-            </a:r>
-            <a:r>
-              <a:rPr lang="en-US" sz="1900" i="1" dirty="0" err="1" smtClean="0"/>
-              <a:t>samtools</a:t>
-            </a:r>
-            <a:r>
-              <a:rPr lang="en-US" sz="1900" dirty="0" smtClean="0"/>
-              <a:t>)</a:t>
-            </a:r>
-          </a:p>
-          <a:p>
-            <a:pPr>
-              <a:buNone/>
-            </a:pPr>
-            <a:r>
-              <a:rPr lang="en-US" dirty="0" smtClean="0"/>
-              <a:t>    </a:t>
-            </a:r>
-            <a:r>
-              <a:rPr lang="en-US" sz="1400" u="sng" dirty="0" smtClean="0"/>
-              <a:t>http</a:t>
-            </a:r>
-            <a:r>
-              <a:rPr lang="en-US" sz="1400" u="sng" dirty="0"/>
-              <a:t>://</a:t>
-            </a:r>
-            <a:r>
-              <a:rPr lang="en-US" sz="1400" u="sng" dirty="0" smtClean="0"/>
-              <a:t>samtools.sourceforge.net</a:t>
-            </a:r>
-            <a:endParaRPr lang="en-US" sz="1400" dirty="0" smtClean="0"/>
-          </a:p>
-          <a:p>
-            <a:pPr>
-              <a:buNone/>
-            </a:pPr>
-            <a:r>
-              <a:rPr lang="en-US" dirty="0" smtClean="0"/>
-              <a:t>    </a:t>
-            </a:r>
-            <a:r>
-              <a:rPr lang="en-US" sz="1900" dirty="0" smtClean="0"/>
-              <a:t>(4) </a:t>
             </a:r>
             <a:r>
               <a:rPr lang="en-US" sz="1900" dirty="0" err="1" smtClean="0"/>
@@ -24713,39 +24420,6 @@
           </a:p>
         </p:txBody>
       </p:sp>
-      <p:pic>
-        <p:nvPicPr>
-          <p:cNvPr id="1026" name="Picture 2"/>
-          <p:cNvPicPr>
-            <a:picLocks noChangeAspect="1" noChangeArrowheads="1"/>
-          </p:cNvPicPr>
-          <p:nvPr/>
-        </p:nvPicPr>
-        <p:blipFill>
-          <a:blip r:embed="rId4"/>
-          <a:srcRect/>
-          <a:stretch>
-            <a:fillRect/>
-          </a:stretch>
-        </p:blipFill>
-        <p:spPr bwMode="auto">
-          <a:xfrm>
-            <a:off x="6430584" y="6066375"/>
-            <a:ext cx="3019425" cy="428625"/>
-          </a:xfrm>
-          <a:prstGeom prst="rect">
-            <a:avLst/>
-          </a:prstGeom>
-          <a:noFill/>
-          <a:ln w="9525">
-            <a:noFill/>
-            <a:miter lim="800000"/>
-            <a:headEnd/>
-            <a:tailEnd/>
-          </a:ln>
-          <a:effectLst/>
-        </p:spPr>
-      </p:pic>
       <p:sp>
         <p:nvSpPr>
           <p:cNvPr id="8" name="Title 1"/>
@@ -24774,23 +24448,47 @@
           </a:p>
         </p:txBody>
       </p:sp>
+      <p:pic>
+        <p:nvPicPr>
+          <p:cNvPr id="6" name="Picture 5"/>
+          <p:cNvPicPr>
+            <a:picLocks noChangeAspect="1"/>
+          </p:cNvPicPr>
+          <p:nvPr/>
+        </p:nvPicPr>
+        <p:blipFill>
+          <a:blip r:embed="rId4"/>
+          <a:stretch>
+            <a:fillRect/>
+          </a:stretch>
+        </p:blipFill>
+        <p:spPr>
+          <a:xfrm>
+            <a:off x="6300787" y="6134424"/>
+            <a:ext cx="3038475" cy="342900"/>
+          </a:xfrm>
+          <a:prstGeom prst="rect">
+            <a:avLst/>
+          </a:prstGeom>
+        </p:spPr>
+      </p:pic>
     </p:spTree>
     <p:extLst>
       <p:ext uri="{BB962C8B-B14F-4D97-AF65-F5344CB8AC3E}">
-        <p14:creationId xmlns="" xmlns:p14="http://schemas.microsoft.com/office/powerpoint/2010/main" val="1392893668"/>
+        <p14:creationId xmlns:p14="http://schemas.microsoft.com/office/powerpoint/2010/main" val="1392893668"/>
       </p:ext>
     </p:extLst>
   </p:cSld>
   <p:clrMapOvr>
     <a:masterClrMapping/>
   </p:clrMapOvr>
-  <mc:AlternateContent xmlns:mc="http://schemas.openxmlformats.org/markup-compatibility/2006">
-    <mc:Choice xmlns="" xmlns:p14="http://schemas.microsoft.com/office/powerpoint/2010/main" Requires="p14">
+  <mc:AlternateContent xmlns:mc="http://schemas.openxmlformats.org/markup-compatibility/2006" xmlns:p14="http://schemas.microsoft.com/office/powerpoint/2010/main">
+    <mc:Choice Requires="p14">
       <p:transition spd="med" p14:dur="700">
         <p:fade/>
       </p:transition>
     </mc:Choice>
-    <mc:Fallback>
+    <mc:Fallback xmlns="">
       <p:transition spd="med">
         <p:fade/>
       </p:transition>
@@ -25776,20 +25474,20 @@
     </p:spTree>
     <p:extLst>
       <p:ext uri="{BB962C8B-B14F-4D97-AF65-F5344CB8AC3E}">
-        <p14:creationId xmlns="" xmlns:p14="http://schemas.microsoft.com/office/powerpoint/2010/main" val="384888077"/>
+        <p14:creationId xmlns:p14="http://schemas.microsoft.com/office/powerpoint/2010/main" val="384888077"/>
       </p:ext>
     </p:extLst>
   </p:cSld>
   <p:clrMapOvr>
     <a:masterClrMapping/>
   </p:clrMapOvr>
-  <mc:AlternateContent xmlns:mc="http://schemas.openxmlformats.org/markup-compatibility/2006">
-    <mc:Choice xmlns="" xmlns:p14="http://schemas.microsoft.com/office/powerpoint/2010/main" Requires="p14">
+  <mc:AlternateContent xmlns:mc="http://schemas.openxmlformats.org/markup-compatibility/2006" xmlns:p14="http://schemas.microsoft.com/office/powerpoint/2010/main">
+    <mc:Choice Requires="p14">
       <p:transition spd="med" p14:dur="700">
         <p:fade/>
       </p:transition>
     </mc:Choice>
-    <mc:Fallback>
+    <mc:Fallback xmlns="">
       <p:transition spd="med">
         <p:fade/>
       </p:transition>
@@ -26064,7 +25762,7 @@
   <a:extraClrSchemeLst/>
   <a:extLst>
     <a:ext uri="{05A4C25C-085E-4340-85A3-A5531E510DB2}">
-      <thm15:themeFamily xmlns="" xmlns:thm15="http://schemas.microsoft.com/office/thememl/2012/main" name="Training presentation" id="{9308F140-5CDC-477D-BC4D-9C1906451284}" vid="{11C5112C-663B-4E6D-9D3D-2361F8FA32D6}"/>
+      <thm15:themeFamily xmlns:thm15="http://schemas.microsoft.com/office/thememl/2012/main" name="Training presentation" id="{9308F140-5CDC-477D-BC4D-9C1906451284}" vid="{11C5112C-663B-4E6D-9D3D-2361F8FA32D6}"/>
     </a:ext>
   </a:extLst>
 </a:theme>
@@ -26325,7 +26023,7 @@
   <a:extraClrSchemeLst/>
   <a:extLst>
     <a:ext uri="{05A4C25C-085E-4340-85A3-A5531E510DB2}">
-      <thm15:themeFamily xmlns="" xmlns:thm15="http://schemas.microsoft.com/office/thememl/2012/main" name="Office Theme" id="{62F939B6-93AF-4DB8-9C6B-D6C7DFDC589F}" vid="{4A3C46E8-61CC-4603-A589-7422A47A8E4A}"/>
+      <thm15:themeFamily xmlns:thm15="http://schemas.microsoft.com/office/thememl/2012/main" name="Office Theme" id="{62F939B6-93AF-4DB8-9C6B-D6C7DFDC589F}" vid="{4A3C46E8-61CC-4603-A589-7422A47A8E4A}"/>
     </a:ext>
   </a:extLst>
 </a:theme>
@@ -26586,7 +26284,7 @@
   <a:extraClrSchemeLst/>
   <a:extLst>
     <a:ext uri="{05A4C25C-085E-4340-85A3-A5531E510DB2}">
-      <thm15:themeFamily xmlns="" xmlns:thm15="http://schemas.microsoft.com/office/thememl/2012/main" name="Office Theme" id="{62F939B6-93AF-4DB8-9C6B-D6C7DFDC589F}" vid="{4A3C46E8-61CC-4603-A589-7422A47A8E4A}"/>
+      <thm15:themeFamily xmlns:thm15="http://schemas.microsoft.com/office/thememl/2012/main" name="Office Theme" id="{62F939B6-93AF-4DB8-9C6B-D6C7DFDC589F}" vid="{4A3C46E8-61CC-4603-A589-7422A47A8E4A}"/>
     </a:ext>
   </a:extLst>
 </a:theme>

--- a/rtfbsdb-tutorial.pptx
+++ b/rtfbsdb-tutorial.pptx
@@ -5,10 +5,10 @@
     <p:sldMasterId id="2147483696" r:id="rId2"/>
   </p:sldMasterIdLst>
   <p:notesMasterIdLst>
-    <p:notesMasterId r:id="rId34"/>
+    <p:notesMasterId r:id="rId35"/>
   </p:notesMasterIdLst>
   <p:handoutMasterIdLst>
-    <p:handoutMasterId r:id="rId35"/>
+    <p:handoutMasterId r:id="rId36"/>
   </p:handoutMasterIdLst>
   <p:sldIdLst>
     <p:sldId id="257" r:id="rId3"/>
@@ -38,10 +38,11 @@
     <p:sldId id="285" r:id="rId27"/>
     <p:sldId id="286" r:id="rId28"/>
     <p:sldId id="287" r:id="rId29"/>
-    <p:sldId id="299" r:id="rId30"/>
-    <p:sldId id="295" r:id="rId31"/>
-    <p:sldId id="289" r:id="rId32"/>
-    <p:sldId id="288" r:id="rId33"/>
+    <p:sldId id="300" r:id="rId30"/>
+    <p:sldId id="299" r:id="rId31"/>
+    <p:sldId id="295" r:id="rId32"/>
+    <p:sldId id="289" r:id="rId33"/>
+    <p:sldId id="288" r:id="rId34"/>
   </p:sldIdLst>
   <p:sldSz cx="12192000" cy="6858000"/>
   <p:notesSz cx="6858000" cy="9144000"/>
@@ -255,7 +256,7 @@
             <a:fld id="{68796EA6-6F25-4F19-87BA-7ADCC16DAEFF}" type="datetimeFigureOut">
               <a:rPr lang="en-US" smtClean="0"/>
               <a:pPr/>
-              <a:t>4/6/2016</a:t>
+              <a:t>4/8/2016</a:t>
             </a:fld>
             <a:endParaRPr lang="en-US" dirty="0"/>
           </a:p>
@@ -422,7 +423,7 @@
             <a:fld id="{C39C172E-A8B5-46F6-B05C-DFA3E2E0F207}" type="datetimeFigureOut">
               <a:rPr lang="en-US" smtClean="0"/>
               <a:pPr/>
-              <a:t>4/6/2016</a:t>
+              <a:t>4/8/2016</a:t>
             </a:fld>
             <a:endParaRPr lang="en-US" dirty="0"/>
           </a:p>
@@ -1192,7 +1193,7 @@
             <a:fld id="{CF2FD335-6D8E-486A-8F5F-DFC7325903FF}" type="slidenum">
               <a:rPr lang="en-US" smtClean="0"/>
               <a:pPr/>
-              <a:t>28</a:t>
+              <a:t>29</a:t>
             </a:fld>
             <a:endParaRPr lang="en-US" dirty="0"/>
           </a:p>
@@ -2470,7 +2471,7 @@
             <a:fld id="{4E708F12-96AD-4ED4-8132-A78F5E42C1F5}" type="datetime1">
               <a:rPr lang="en-US" smtClean="0"/>
               <a:pPr/>
-              <a:t>4/6/2016</a:t>
+              <a:t>4/8/2016</a:t>
             </a:fld>
             <a:endParaRPr lang="en-US" dirty="0"/>
           </a:p>
@@ -2694,7 +2695,7 @@
             <a:fld id="{7B7FA170-8299-44AD-AEEF-FC686C3D7804}" type="datetime1">
               <a:rPr lang="en-US" smtClean="0"/>
               <a:pPr/>
-              <a:t>4/6/2016</a:t>
+              <a:t>4/8/2016</a:t>
             </a:fld>
             <a:endParaRPr lang="en-US" dirty="0"/>
           </a:p>
@@ -2878,7 +2879,7 @@
             <a:fld id="{2231763A-68EC-4ECD-9620-D9FE9CDDD622}" type="datetime1">
               <a:rPr lang="en-US" smtClean="0"/>
               <a:pPr/>
-              <a:t>4/6/2016</a:t>
+              <a:t>4/8/2016</a:t>
             </a:fld>
             <a:endParaRPr lang="en-US" dirty="0"/>
           </a:p>
@@ -3072,7 +3073,7 @@
             <a:fld id="{7B98BEDD-6160-49BB-B372-861DE7DE9BA5}" type="datetime1">
               <a:rPr lang="en-US" smtClean="0"/>
               <a:pPr/>
-              <a:t>4/6/2016</a:t>
+              <a:t>4/8/2016</a:t>
             </a:fld>
             <a:endParaRPr lang="en-US" dirty="0"/>
           </a:p>
@@ -3256,7 +3257,7 @@
             <a:fld id="{0AAE819F-B7FD-4B29-8F66-9E318144BC2A}" type="datetime1">
               <a:rPr lang="en-US" smtClean="0"/>
               <a:pPr/>
-              <a:t>4/6/2016</a:t>
+              <a:t>4/8/2016</a:t>
             </a:fld>
             <a:endParaRPr lang="en-US" dirty="0"/>
           </a:p>
@@ -3490,7 +3491,7 @@
             <a:fld id="{D4CA159C-B6E0-4F10-9F4A-2FA57003B139}" type="datetime1">
               <a:rPr lang="en-US" smtClean="0"/>
               <a:pPr/>
-              <a:t>4/6/2016</a:t>
+              <a:t>4/8/2016</a:t>
             </a:fld>
             <a:endParaRPr lang="en-US" dirty="0"/>
           </a:p>
@@ -3784,7 +3785,7 @@
             <a:fld id="{8170CBBB-D1D1-4386-A5E9-07F3477B78F3}" type="datetime1">
               <a:rPr lang="en-US" smtClean="0"/>
               <a:pPr/>
-              <a:t>4/6/2016</a:t>
+              <a:t>4/8/2016</a:t>
             </a:fld>
             <a:endParaRPr lang="en-US" dirty="0"/>
           </a:p>
@@ -4214,7 +4215,7 @@
             <a:fld id="{9FA4CAD8-0EA7-4615-B69B-B2F199EF3A93}" type="datetime1">
               <a:rPr lang="en-US" smtClean="0"/>
               <a:pPr/>
-              <a:t>4/6/2016</a:t>
+              <a:t>4/8/2016</a:t>
             </a:fld>
             <a:endParaRPr lang="en-US" dirty="0"/>
           </a:p>
@@ -4369,7 +4370,7 @@
             <a:fld id="{B9234BD7-6953-492C-921B-E68B2D7F14C8}" type="datetime1">
               <a:rPr lang="en-US" smtClean="0"/>
               <a:pPr/>
-              <a:t>4/6/2016</a:t>
+              <a:t>4/8/2016</a:t>
             </a:fld>
             <a:endParaRPr lang="en-US" dirty="0"/>
           </a:p>
@@ -4478,7 +4479,7 @@
             <a:fld id="{35A17D9B-D4D3-4E23-88DF-2E354FA43196}" type="datetime1">
               <a:rPr lang="en-US" smtClean="0"/>
               <a:pPr/>
-              <a:t>4/6/2016</a:t>
+              <a:t>4/8/2016</a:t>
             </a:fld>
             <a:endParaRPr lang="en-US" dirty="0"/>
           </a:p>
@@ -4742,7 +4743,7 @@
             <a:fld id="{541F67C5-D04E-4576-B61C-12ABA14BBD6C}" type="datetime1">
               <a:rPr lang="en-US" smtClean="0"/>
               <a:pPr/>
-              <a:t>4/6/2016</a:t>
+              <a:t>4/8/2016</a:t>
             </a:fld>
             <a:endParaRPr lang="en-US" dirty="0"/>
           </a:p>
@@ -5644,7 +5645,7 @@
             <a:fld id="{C20F09E4-6EA4-4BF3-9FC8-FF40373B88E6}" type="datetime1">
               <a:rPr lang="en-US" smtClean="0"/>
               <a:pPr/>
-              <a:t>4/6/2016</a:t>
+              <a:t>4/8/2016</a:t>
             </a:fld>
             <a:endParaRPr lang="en-US" dirty="0"/>
           </a:p>
@@ -19785,6 +19786,32 @@
           <a:chExt cx="0" cy="0"/>
         </a:xfrm>
       </p:grpSpPr>
+      <p:pic>
+        <p:nvPicPr>
+          <p:cNvPr id="8" name="Content Placeholder 7"/>
+          <p:cNvPicPr>
+            <a:picLocks noGrp="1" noChangeAspect="1"/>
+          </p:cNvPicPr>
+          <p:nvPr>
+            <p:ph sz="half" idx="2"/>
+          </p:nvPr>
+        </p:nvPicPr>
+        <p:blipFill>
+          <a:blip r:embed="rId2"/>
+          <a:stretch>
+            <a:fillRect/>
+          </a:stretch>
+        </p:blipFill>
+        <p:spPr>
+          <a:xfrm>
+            <a:off x="7964686" y="2400957"/>
+            <a:ext cx="3683888" cy="3665567"/>
+          </a:xfrm>
+          <a:prstGeom prst="rect">
+            <a:avLst/>
+          </a:prstGeom>
+        </p:spPr>
+      </p:pic>
       <p:sp>
         <p:nvSpPr>
           <p:cNvPr id="3" name="Content Placeholder 2"/>
@@ -19792,451 +19819,21 @@
             <a:spLocks noGrp="1"/>
           </p:cNvSpPr>
           <p:nvPr>
-            <p:ph idx="1"/>
+            <p:ph sz="half" idx="1"/>
           </p:nvPr>
         </p:nvSpPr>
         <p:spPr/>
         <p:txBody>
-          <a:bodyPr>
-            <a:normAutofit fontScale="85000" lnSpcReduction="10000"/>
-          </a:bodyPr>
+          <a:bodyPr/>
           <a:lstStyle/>
           <a:p>
-            <a:r>
-              <a:rPr lang="en-US" dirty="0" err="1" smtClean="0">
-                <a:solidFill>
-                  <a:srgbClr val="455F51"/>
-                </a:solidFill>
-              </a:rPr>
-              <a:t>Weirauch</a:t>
-            </a:r>
-            <a:r>
-              <a:rPr lang="en-US" dirty="0">
-                <a:solidFill>
-                  <a:srgbClr val="455F51"/>
-                </a:solidFill>
-              </a:rPr>
-              <a:t>, Matthew T., et al. </a:t>
-            </a:r>
-            <a:r>
-              <a:rPr lang="en-US" i="1" dirty="0" smtClean="0">
-                <a:solidFill>
-                  <a:schemeClr val="bg2">
-                    <a:lumMod val="10000"/>
-                  </a:schemeClr>
-                </a:solidFill>
-              </a:rPr>
-              <a:t>Determination </a:t>
-            </a:r>
-            <a:r>
-              <a:rPr lang="en-US" i="1" dirty="0">
-                <a:solidFill>
-                  <a:schemeClr val="bg2">
-                    <a:lumMod val="10000"/>
-                  </a:schemeClr>
-                </a:solidFill>
-              </a:rPr>
-              <a:t>and inference of eukaryotic transcription factor sequence specificity</a:t>
-            </a:r>
-            <a:r>
-              <a:rPr lang="en-US" dirty="0" smtClean="0">
-                <a:solidFill>
-                  <a:srgbClr val="455F51"/>
-                </a:solidFill>
-              </a:rPr>
-              <a:t>. </a:t>
-            </a:r>
-            <a:r>
-              <a:rPr lang="en-US" i="1" dirty="0">
-                <a:solidFill>
-                  <a:srgbClr val="455F51"/>
-                </a:solidFill>
-              </a:rPr>
-              <a:t>Cell</a:t>
-            </a:r>
-            <a:r>
-              <a:rPr lang="en-US" dirty="0">
-                <a:solidFill>
-                  <a:srgbClr val="455F51"/>
-                </a:solidFill>
-              </a:rPr>
-              <a:t> 158.6 (2014): 1431-1443</a:t>
-            </a:r>
-            <a:r>
-              <a:rPr lang="en-US" dirty="0" smtClean="0">
-                <a:solidFill>
-                  <a:srgbClr val="455F51"/>
-                </a:solidFill>
-              </a:rPr>
-              <a:t>.</a:t>
-            </a:r>
-          </a:p>
-          <a:p>
-            <a:r>
-              <a:rPr lang="en-US" dirty="0" err="1">
-                <a:solidFill>
-                  <a:srgbClr val="455F51"/>
-                </a:solidFill>
-              </a:rPr>
-              <a:t>Bodenhofer</a:t>
-            </a:r>
-            <a:r>
-              <a:rPr lang="en-US" dirty="0">
-                <a:solidFill>
-                  <a:srgbClr val="455F51"/>
-                </a:solidFill>
-              </a:rPr>
-              <a:t>, Ulrich, Andreas </a:t>
-            </a:r>
-            <a:r>
-              <a:rPr lang="en-US" dirty="0" err="1">
-                <a:solidFill>
-                  <a:srgbClr val="455F51"/>
-                </a:solidFill>
-              </a:rPr>
-              <a:t>Kothmeier</a:t>
-            </a:r>
-            <a:r>
-              <a:rPr lang="en-US" dirty="0">
-                <a:solidFill>
-                  <a:srgbClr val="455F51"/>
-                </a:solidFill>
-              </a:rPr>
-              <a:t>, and Sepp </a:t>
-            </a:r>
-            <a:r>
-              <a:rPr lang="en-US" dirty="0" err="1">
-                <a:solidFill>
-                  <a:srgbClr val="455F51"/>
-                </a:solidFill>
-              </a:rPr>
-              <a:t>Hochreiter</a:t>
-            </a:r>
-            <a:r>
-              <a:rPr lang="en-US" dirty="0" smtClean="0">
-                <a:solidFill>
-                  <a:srgbClr val="455F51"/>
-                </a:solidFill>
-              </a:rPr>
-              <a:t>.  </a:t>
-            </a:r>
-            <a:r>
-              <a:rPr lang="en-US" i="1" dirty="0" err="1" smtClean="0">
-                <a:solidFill>
-                  <a:srgbClr val="455F51"/>
-                </a:solidFill>
-              </a:rPr>
-              <a:t>APCluster</a:t>
-            </a:r>
-            <a:r>
-              <a:rPr lang="en-US" i="1" dirty="0">
-                <a:solidFill>
-                  <a:srgbClr val="455F51"/>
-                </a:solidFill>
-              </a:rPr>
-              <a:t>: </a:t>
-            </a:r>
-            <a:r>
-              <a:rPr lang="en-US" i="1" dirty="0">
-                <a:solidFill>
-                  <a:schemeClr val="bg2">
-                    <a:lumMod val="10000"/>
-                  </a:schemeClr>
-                </a:solidFill>
-              </a:rPr>
-              <a:t>an R package for affinity propagation clustering</a:t>
-            </a:r>
-            <a:r>
-              <a:rPr lang="en-US" dirty="0" smtClean="0">
-                <a:solidFill>
-                  <a:srgbClr val="455F51"/>
-                </a:solidFill>
-              </a:rPr>
-              <a:t>. </a:t>
-            </a:r>
-            <a:r>
-              <a:rPr lang="en-US" i="1" dirty="0">
-                <a:solidFill>
-                  <a:srgbClr val="455F51"/>
-                </a:solidFill>
-              </a:rPr>
-              <a:t>Bioinformatics</a:t>
-            </a:r>
-            <a:r>
-              <a:rPr lang="en-US" dirty="0">
-                <a:solidFill>
-                  <a:srgbClr val="455F51"/>
-                </a:solidFill>
-              </a:rPr>
-              <a:t> 27.17 (2011): 2463-2464</a:t>
-            </a:r>
-            <a:r>
-              <a:rPr lang="en-US" dirty="0" smtClean="0">
-                <a:solidFill>
-                  <a:srgbClr val="455F51"/>
-                </a:solidFill>
-              </a:rPr>
-              <a:t>.</a:t>
-            </a:r>
-          </a:p>
-          <a:p>
-            <a:r>
-              <a:rPr lang="en-US" dirty="0" smtClean="0">
-                <a:solidFill>
-                  <a:srgbClr val="455F51"/>
-                </a:solidFill>
-              </a:rPr>
-              <a:t>Quinlan</a:t>
-            </a:r>
-            <a:r>
-              <a:rPr lang="en-US" dirty="0">
-                <a:solidFill>
-                  <a:srgbClr val="455F51"/>
-                </a:solidFill>
-              </a:rPr>
-              <a:t>, Aaron R., and Ira M. Hall. </a:t>
-            </a:r>
-            <a:r>
-              <a:rPr lang="en-US" i="1" dirty="0" err="1" smtClean="0">
-                <a:solidFill>
-                  <a:schemeClr val="bg2">
-                    <a:lumMod val="10000"/>
-                  </a:schemeClr>
-                </a:solidFill>
-              </a:rPr>
-              <a:t>BEDTools</a:t>
-            </a:r>
-            <a:r>
-              <a:rPr lang="en-US" i="1" dirty="0">
-                <a:solidFill>
-                  <a:schemeClr val="bg2">
-                    <a:lumMod val="10000"/>
-                  </a:schemeClr>
-                </a:solidFill>
-              </a:rPr>
-              <a:t>: a flexible suite of utilities for comparing genomic features</a:t>
-            </a:r>
-            <a:r>
-              <a:rPr lang="en-US" b="1" dirty="0" smtClean="0">
-                <a:solidFill>
-                  <a:srgbClr val="455F51"/>
-                </a:solidFill>
-              </a:rPr>
-              <a:t>.</a:t>
-            </a:r>
-            <a:r>
-              <a:rPr lang="en-US" dirty="0" smtClean="0">
-                <a:solidFill>
-                  <a:srgbClr val="455F51"/>
-                </a:solidFill>
-              </a:rPr>
-              <a:t> </a:t>
-            </a:r>
-            <a:r>
-              <a:rPr lang="en-US" i="1" dirty="0">
-                <a:solidFill>
-                  <a:srgbClr val="455F51"/>
-                </a:solidFill>
-              </a:rPr>
-              <a:t>Bioinformatics</a:t>
-            </a:r>
-            <a:r>
-              <a:rPr lang="en-US" dirty="0">
-                <a:solidFill>
-                  <a:srgbClr val="455F51"/>
-                </a:solidFill>
-              </a:rPr>
-              <a:t> 26, no. 6 (2010): 841-842</a:t>
-            </a:r>
-            <a:r>
-              <a:rPr lang="en-US" dirty="0" smtClean="0">
-                <a:solidFill>
-                  <a:srgbClr val="455F51"/>
-                </a:solidFill>
-              </a:rPr>
-              <a:t>.</a:t>
-            </a:r>
-          </a:p>
-          <a:p>
-            <a:r>
-              <a:rPr lang="en-US" dirty="0" smtClean="0">
-                <a:solidFill>
-                  <a:srgbClr val="455F51"/>
-                </a:solidFill>
-              </a:rPr>
-              <a:t>Shane </a:t>
-            </a:r>
-            <a:r>
-              <a:rPr lang="en-US" dirty="0" err="1">
-                <a:solidFill>
-                  <a:srgbClr val="455F51"/>
-                </a:solidFill>
-              </a:rPr>
-              <a:t>Neph</a:t>
-            </a:r>
-            <a:r>
-              <a:rPr lang="en-US" dirty="0">
-                <a:solidFill>
-                  <a:srgbClr val="455F51"/>
-                </a:solidFill>
-              </a:rPr>
-              <a:t>, M. Scott Kuehn, Alex P. Reynolds, et al. </a:t>
-            </a:r>
-            <a:r>
-              <a:rPr lang="en-US" i="1" dirty="0">
-                <a:solidFill>
-                  <a:schemeClr val="bg2">
-                    <a:lumMod val="10000"/>
-                  </a:schemeClr>
-                </a:solidFill>
-              </a:rPr>
-              <a:t>BEDOPS: high-performance genomic feature operations</a:t>
-            </a:r>
-            <a:r>
-              <a:rPr lang="en-US" dirty="0">
-                <a:solidFill>
-                  <a:srgbClr val="455F51"/>
-                </a:solidFill>
-              </a:rPr>
-              <a:t>. </a:t>
-            </a:r>
-            <a:r>
-              <a:rPr lang="en-US" i="1" dirty="0">
-                <a:solidFill>
-                  <a:srgbClr val="455F51"/>
-                </a:solidFill>
-              </a:rPr>
-              <a:t>Bioinformatics</a:t>
-            </a:r>
-            <a:r>
-              <a:rPr lang="en-US" dirty="0">
-                <a:solidFill>
-                  <a:srgbClr val="455F51"/>
-                </a:solidFill>
-              </a:rPr>
-              <a:t> (2012) 28 (14): </a:t>
-            </a:r>
-            <a:r>
-              <a:rPr lang="en-US" dirty="0" smtClean="0">
-                <a:solidFill>
-                  <a:srgbClr val="455F51"/>
-                </a:solidFill>
-              </a:rPr>
-              <a:t>1919-1920</a:t>
-            </a:r>
-          </a:p>
-          <a:p>
-            <a:r>
-              <a:rPr lang="en-US" dirty="0"/>
-              <a:t>Shannon P (2015). </a:t>
-            </a:r>
-            <a:r>
-              <a:rPr lang="en-US" i="1" dirty="0" err="1"/>
-              <a:t>MotifDb</a:t>
-            </a:r>
-            <a:r>
-              <a:rPr lang="en-US" i="1" dirty="0"/>
-              <a:t>: </a:t>
-            </a:r>
-            <a:r>
-              <a:rPr lang="en-US" i="1" dirty="0">
-                <a:solidFill>
-                  <a:srgbClr val="1B1A10"/>
-                </a:solidFill>
-              </a:rPr>
-              <a:t>An Annotated Collection of Protein-DNA Binding Sequence Motifs</a:t>
-            </a:r>
-            <a:r>
-              <a:rPr lang="en-US" dirty="0"/>
-              <a:t>. R package version 1.12.0</a:t>
-            </a:r>
-            <a:endParaRPr lang="en-US" dirty="0">
-              <a:solidFill>
-                <a:schemeClr val="accent3">
-                  <a:lumMod val="50000"/>
-                </a:schemeClr>
-              </a:solidFill>
-            </a:endParaRPr>
-          </a:p>
-          <a:p>
-            <a:r>
-              <a:rPr lang="pt-BR" dirty="0">
-                <a:solidFill>
-                  <a:srgbClr val="455F51"/>
-                </a:solidFill>
-              </a:rPr>
-              <a:t>Bembom O. </a:t>
-            </a:r>
-            <a:r>
-              <a:rPr lang="pt-BR" i="1" dirty="0">
-                <a:solidFill>
-                  <a:schemeClr val="bg2">
-                    <a:lumMod val="10000"/>
-                  </a:schemeClr>
-                </a:solidFill>
-              </a:rPr>
-              <a:t>seqLogo: Sequence logos for DNA sequence alignments</a:t>
-            </a:r>
-            <a:r>
-              <a:rPr lang="pt-BR" dirty="0">
-                <a:solidFill>
-                  <a:srgbClr val="455F51"/>
-                </a:solidFill>
-              </a:rPr>
-              <a:t>. R package version 1.36.0. </a:t>
-            </a:r>
-          </a:p>
-          <a:p>
-            <a:pPr marL="109728" indent="0">
-              <a:buNone/>
-            </a:pPr>
-            <a:endParaRPr lang="en-US" dirty="0" smtClean="0">
-              <a:solidFill>
-                <a:srgbClr val="455F51"/>
-              </a:solidFill>
-            </a:endParaRPr>
-          </a:p>
-          <a:p>
-            <a:endParaRPr lang="en-US" dirty="0"/>
-          </a:p>
-          <a:p>
-            <a:endParaRPr lang="pt-BR" dirty="0" smtClean="0"/>
-          </a:p>
-          <a:p>
-            <a:endParaRPr lang="pt-BR" dirty="0" smtClean="0"/>
-          </a:p>
-          <a:p>
-            <a:endParaRPr lang="en-US" dirty="0" smtClean="0"/>
-          </a:p>
-          <a:p>
-            <a:endParaRPr lang="en-US" dirty="0"/>
-          </a:p>
-          <a:p>
-            <a:endParaRPr lang="en-US" dirty="0" smtClean="0">
-              <a:solidFill>
-                <a:schemeClr val="accent3">
-                  <a:lumMod val="50000"/>
-                </a:schemeClr>
-              </a:solidFill>
-            </a:endParaRPr>
-          </a:p>
-          <a:p>
-            <a:endParaRPr lang="en-US" dirty="0">
-              <a:solidFill>
-                <a:schemeClr val="accent3">
-                  <a:lumMod val="50000"/>
-                </a:schemeClr>
-              </a:solidFill>
-            </a:endParaRPr>
-          </a:p>
-          <a:p>
-            <a:endParaRPr lang="en-US" dirty="0" smtClean="0"/>
+            <a:endParaRPr lang="en-US"/>
           </a:p>
         </p:txBody>
       </p:sp>
       <p:sp>
         <p:nvSpPr>
-          <p:cNvPr id="2" name="Title 1"/>
+          <p:cNvPr id="4" name="Title 3"/>
           <p:cNvSpPr>
             <a:spLocks noGrp="1"/>
           </p:cNvSpPr>
@@ -20250,25 +19847,73 @@
           <a:lstStyle/>
           <a:p>
             <a:r>
-              <a:rPr lang="en-US" smtClean="0">
-                <a:solidFill>
-                  <a:srgbClr val="455F51"/>
-                </a:solidFill>
-              </a:rPr>
-              <a:t>References</a:t>
+              <a:rPr lang="en-US" dirty="0"/>
+              <a:t>Step 6: QQ-like plot </a:t>
             </a:r>
             <a:r>
               <a:rPr lang="en-US" dirty="0" smtClean="0"/>
-              <a:t>:</a:t>
+              <a:t>for </a:t>
+            </a:r>
+            <a:r>
+              <a:rPr lang="en-US" smtClean="0"/>
+              <a:t>Comparison Results</a:t>
             </a:r>
             <a:endParaRPr lang="en-US" dirty="0"/>
           </a:p>
         </p:txBody>
       </p:sp>
+      <p:pic>
+        <p:nvPicPr>
+          <p:cNvPr id="6" name="Picture 5"/>
+          <p:cNvPicPr>
+            <a:picLocks noChangeAspect="1"/>
+          </p:cNvPicPr>
+          <p:nvPr/>
+        </p:nvPicPr>
+        <p:blipFill>
+          <a:blip r:embed="rId3"/>
+          <a:stretch>
+            <a:fillRect/>
+          </a:stretch>
+        </p:blipFill>
+        <p:spPr>
+          <a:xfrm>
+            <a:off x="561975" y="2412875"/>
+            <a:ext cx="3683888" cy="3665567"/>
+          </a:xfrm>
+          <a:prstGeom prst="rect">
+            <a:avLst/>
+          </a:prstGeom>
+        </p:spPr>
+      </p:pic>
+      <p:pic>
+        <p:nvPicPr>
+          <p:cNvPr id="7" name="Picture 6"/>
+          <p:cNvPicPr>
+            <a:picLocks noChangeAspect="1"/>
+          </p:cNvPicPr>
+          <p:nvPr/>
+        </p:nvPicPr>
+        <p:blipFill>
+          <a:blip r:embed="rId4"/>
+          <a:stretch>
+            <a:fillRect/>
+          </a:stretch>
+        </p:blipFill>
+        <p:spPr>
+          <a:xfrm>
+            <a:off x="4244512" y="2389041"/>
+            <a:ext cx="3702976" cy="3689401"/>
+          </a:xfrm>
+          <a:prstGeom prst="rect">
+            <a:avLst/>
+          </a:prstGeom>
+        </p:spPr>
+      </p:pic>
     </p:spTree>
     <p:extLst>
       <p:ext uri="{BB962C8B-B14F-4D97-AF65-F5344CB8AC3E}">
-        <p14:creationId xmlns:p14="http://schemas.microsoft.com/office/powerpoint/2010/main" val="728467612"/>
+        <p14:creationId xmlns:p14="http://schemas.microsoft.com/office/powerpoint/2010/main" val="86259864"/>
       </p:ext>
     </p:extLst>
   </p:cSld>
@@ -20316,260 +19961,456 @@
       </p:grpSpPr>
       <p:sp>
         <p:nvSpPr>
-          <p:cNvPr id="2" name="Content Placeholder 1"/>
+          <p:cNvPr id="3" name="Content Placeholder 2"/>
           <p:cNvSpPr>
             <a:spLocks noGrp="1"/>
           </p:cNvSpPr>
           <p:nvPr>
-            <p:ph sz="half" idx="2"/>
+            <p:ph idx="1"/>
           </p:nvPr>
         </p:nvSpPr>
         <p:spPr/>
         <p:txBody>
           <a:bodyPr>
-            <a:normAutofit fontScale="92500"/>
+            <a:normAutofit fontScale="85000" lnSpcReduction="10000"/>
           </a:bodyPr>
           <a:lstStyle/>
           <a:p>
-            <a:endParaRPr lang="en-US"/>
+            <a:r>
+              <a:rPr lang="en-US" dirty="0" err="1" smtClean="0">
+                <a:solidFill>
+                  <a:srgbClr val="455F51"/>
+                </a:solidFill>
+              </a:rPr>
+              <a:t>Weirauch</a:t>
+            </a:r>
+            <a:r>
+              <a:rPr lang="en-US" dirty="0">
+                <a:solidFill>
+                  <a:srgbClr val="455F51"/>
+                </a:solidFill>
+              </a:rPr>
+              <a:t>, Matthew T., et al. </a:t>
+            </a:r>
+            <a:r>
+              <a:rPr lang="en-US" i="1" dirty="0" smtClean="0">
+                <a:solidFill>
+                  <a:schemeClr val="bg2">
+                    <a:lumMod val="10000"/>
+                  </a:schemeClr>
+                </a:solidFill>
+              </a:rPr>
+              <a:t>Determination </a:t>
+            </a:r>
+            <a:r>
+              <a:rPr lang="en-US" i="1" dirty="0">
+                <a:solidFill>
+                  <a:schemeClr val="bg2">
+                    <a:lumMod val="10000"/>
+                  </a:schemeClr>
+                </a:solidFill>
+              </a:rPr>
+              <a:t>and inference of eukaryotic transcription factor sequence specificity</a:t>
+            </a:r>
+            <a:r>
+              <a:rPr lang="en-US" dirty="0" smtClean="0">
+                <a:solidFill>
+                  <a:srgbClr val="455F51"/>
+                </a:solidFill>
+              </a:rPr>
+              <a:t>. </a:t>
+            </a:r>
+            <a:r>
+              <a:rPr lang="en-US" i="1" dirty="0">
+                <a:solidFill>
+                  <a:srgbClr val="455F51"/>
+                </a:solidFill>
+              </a:rPr>
+              <a:t>Cell</a:t>
+            </a:r>
+            <a:r>
+              <a:rPr lang="en-US" dirty="0">
+                <a:solidFill>
+                  <a:srgbClr val="455F51"/>
+                </a:solidFill>
+              </a:rPr>
+              <a:t> 158.6 (2014): 1431-1443</a:t>
+            </a:r>
+            <a:r>
+              <a:rPr lang="en-US" dirty="0" smtClean="0">
+                <a:solidFill>
+                  <a:srgbClr val="455F51"/>
+                </a:solidFill>
+              </a:rPr>
+              <a:t>.</a:t>
+            </a:r>
+          </a:p>
+          <a:p>
+            <a:r>
+              <a:rPr lang="en-US" dirty="0" err="1">
+                <a:solidFill>
+                  <a:srgbClr val="455F51"/>
+                </a:solidFill>
+              </a:rPr>
+              <a:t>Bodenhofer</a:t>
+            </a:r>
+            <a:r>
+              <a:rPr lang="en-US" dirty="0">
+                <a:solidFill>
+                  <a:srgbClr val="455F51"/>
+                </a:solidFill>
+              </a:rPr>
+              <a:t>, Ulrich, Andreas </a:t>
+            </a:r>
+            <a:r>
+              <a:rPr lang="en-US" dirty="0" err="1">
+                <a:solidFill>
+                  <a:srgbClr val="455F51"/>
+                </a:solidFill>
+              </a:rPr>
+              <a:t>Kothmeier</a:t>
+            </a:r>
+            <a:r>
+              <a:rPr lang="en-US" dirty="0">
+                <a:solidFill>
+                  <a:srgbClr val="455F51"/>
+                </a:solidFill>
+              </a:rPr>
+              <a:t>, and Sepp </a:t>
+            </a:r>
+            <a:r>
+              <a:rPr lang="en-US" dirty="0" err="1">
+                <a:solidFill>
+                  <a:srgbClr val="455F51"/>
+                </a:solidFill>
+              </a:rPr>
+              <a:t>Hochreiter</a:t>
+            </a:r>
+            <a:r>
+              <a:rPr lang="en-US" dirty="0" smtClean="0">
+                <a:solidFill>
+                  <a:srgbClr val="455F51"/>
+                </a:solidFill>
+              </a:rPr>
+              <a:t>.  </a:t>
+            </a:r>
+            <a:r>
+              <a:rPr lang="en-US" i="1" dirty="0" err="1" smtClean="0">
+                <a:solidFill>
+                  <a:srgbClr val="455F51"/>
+                </a:solidFill>
+              </a:rPr>
+              <a:t>APCluster</a:t>
+            </a:r>
+            <a:r>
+              <a:rPr lang="en-US" i="1" dirty="0">
+                <a:solidFill>
+                  <a:srgbClr val="455F51"/>
+                </a:solidFill>
+              </a:rPr>
+              <a:t>: </a:t>
+            </a:r>
+            <a:r>
+              <a:rPr lang="en-US" i="1" dirty="0">
+                <a:solidFill>
+                  <a:schemeClr val="bg2">
+                    <a:lumMod val="10000"/>
+                  </a:schemeClr>
+                </a:solidFill>
+              </a:rPr>
+              <a:t>an R package for affinity propagation clustering</a:t>
+            </a:r>
+            <a:r>
+              <a:rPr lang="en-US" dirty="0" smtClean="0">
+                <a:solidFill>
+                  <a:srgbClr val="455F51"/>
+                </a:solidFill>
+              </a:rPr>
+              <a:t>. </a:t>
+            </a:r>
+            <a:r>
+              <a:rPr lang="en-US" i="1" dirty="0">
+                <a:solidFill>
+                  <a:srgbClr val="455F51"/>
+                </a:solidFill>
+              </a:rPr>
+              <a:t>Bioinformatics</a:t>
+            </a:r>
+            <a:r>
+              <a:rPr lang="en-US" dirty="0">
+                <a:solidFill>
+                  <a:srgbClr val="455F51"/>
+                </a:solidFill>
+              </a:rPr>
+              <a:t> 27.17 (2011): 2463-2464</a:t>
+            </a:r>
+            <a:r>
+              <a:rPr lang="en-US" dirty="0" smtClean="0">
+                <a:solidFill>
+                  <a:srgbClr val="455F51"/>
+                </a:solidFill>
+              </a:rPr>
+              <a:t>.</a:t>
+            </a:r>
+          </a:p>
+          <a:p>
+            <a:r>
+              <a:rPr lang="en-US" dirty="0" smtClean="0">
+                <a:solidFill>
+                  <a:srgbClr val="455F51"/>
+                </a:solidFill>
+              </a:rPr>
+              <a:t>Quinlan</a:t>
+            </a:r>
+            <a:r>
+              <a:rPr lang="en-US" dirty="0">
+                <a:solidFill>
+                  <a:srgbClr val="455F51"/>
+                </a:solidFill>
+              </a:rPr>
+              <a:t>, Aaron R., and Ira M. Hall. </a:t>
+            </a:r>
+            <a:r>
+              <a:rPr lang="en-US" i="1" dirty="0" err="1" smtClean="0">
+                <a:solidFill>
+                  <a:schemeClr val="bg2">
+                    <a:lumMod val="10000"/>
+                  </a:schemeClr>
+                </a:solidFill>
+              </a:rPr>
+              <a:t>BEDTools</a:t>
+            </a:r>
+            <a:r>
+              <a:rPr lang="en-US" i="1" dirty="0">
+                <a:solidFill>
+                  <a:schemeClr val="bg2">
+                    <a:lumMod val="10000"/>
+                  </a:schemeClr>
+                </a:solidFill>
+              </a:rPr>
+              <a:t>: a flexible suite of utilities for comparing genomic features</a:t>
+            </a:r>
+            <a:r>
+              <a:rPr lang="en-US" b="1" dirty="0" smtClean="0">
+                <a:solidFill>
+                  <a:srgbClr val="455F51"/>
+                </a:solidFill>
+              </a:rPr>
+              <a:t>.</a:t>
+            </a:r>
+            <a:r>
+              <a:rPr lang="en-US" dirty="0" smtClean="0">
+                <a:solidFill>
+                  <a:srgbClr val="455F51"/>
+                </a:solidFill>
+              </a:rPr>
+              <a:t> </a:t>
+            </a:r>
+            <a:r>
+              <a:rPr lang="en-US" i="1" dirty="0">
+                <a:solidFill>
+                  <a:srgbClr val="455F51"/>
+                </a:solidFill>
+              </a:rPr>
+              <a:t>Bioinformatics</a:t>
+            </a:r>
+            <a:r>
+              <a:rPr lang="en-US" dirty="0">
+                <a:solidFill>
+                  <a:srgbClr val="455F51"/>
+                </a:solidFill>
+              </a:rPr>
+              <a:t> 26, no. 6 (2010): 841-842</a:t>
+            </a:r>
+            <a:r>
+              <a:rPr lang="en-US" dirty="0" smtClean="0">
+                <a:solidFill>
+                  <a:srgbClr val="455F51"/>
+                </a:solidFill>
+              </a:rPr>
+              <a:t>.</a:t>
+            </a:r>
+          </a:p>
+          <a:p>
+            <a:r>
+              <a:rPr lang="en-US" dirty="0" smtClean="0">
+                <a:solidFill>
+                  <a:srgbClr val="455F51"/>
+                </a:solidFill>
+              </a:rPr>
+              <a:t>Shane </a:t>
+            </a:r>
+            <a:r>
+              <a:rPr lang="en-US" dirty="0" err="1">
+                <a:solidFill>
+                  <a:srgbClr val="455F51"/>
+                </a:solidFill>
+              </a:rPr>
+              <a:t>Neph</a:t>
+            </a:r>
+            <a:r>
+              <a:rPr lang="en-US" dirty="0">
+                <a:solidFill>
+                  <a:srgbClr val="455F51"/>
+                </a:solidFill>
+              </a:rPr>
+              <a:t>, M. Scott Kuehn, Alex P. Reynolds, et al. </a:t>
+            </a:r>
+            <a:r>
+              <a:rPr lang="en-US" i="1" dirty="0">
+                <a:solidFill>
+                  <a:schemeClr val="bg2">
+                    <a:lumMod val="10000"/>
+                  </a:schemeClr>
+                </a:solidFill>
+              </a:rPr>
+              <a:t>BEDOPS: high-performance genomic feature operations</a:t>
+            </a:r>
+            <a:r>
+              <a:rPr lang="en-US" dirty="0">
+                <a:solidFill>
+                  <a:srgbClr val="455F51"/>
+                </a:solidFill>
+              </a:rPr>
+              <a:t>. </a:t>
+            </a:r>
+            <a:r>
+              <a:rPr lang="en-US" i="1" dirty="0">
+                <a:solidFill>
+                  <a:srgbClr val="455F51"/>
+                </a:solidFill>
+              </a:rPr>
+              <a:t>Bioinformatics</a:t>
+            </a:r>
+            <a:r>
+              <a:rPr lang="en-US" dirty="0">
+                <a:solidFill>
+                  <a:srgbClr val="455F51"/>
+                </a:solidFill>
+              </a:rPr>
+              <a:t> (2012) 28 (14): </a:t>
+            </a:r>
+            <a:r>
+              <a:rPr lang="en-US" dirty="0" smtClean="0">
+                <a:solidFill>
+                  <a:srgbClr val="455F51"/>
+                </a:solidFill>
+              </a:rPr>
+              <a:t>1919-1920</a:t>
+            </a:r>
+          </a:p>
+          <a:p>
+            <a:r>
+              <a:rPr lang="en-US" dirty="0"/>
+              <a:t>Shannon P (2015). </a:t>
+            </a:r>
+            <a:r>
+              <a:rPr lang="en-US" i="1" dirty="0" err="1"/>
+              <a:t>MotifDb</a:t>
+            </a:r>
+            <a:r>
+              <a:rPr lang="en-US" i="1" dirty="0"/>
+              <a:t>: </a:t>
+            </a:r>
+            <a:r>
+              <a:rPr lang="en-US" i="1" dirty="0">
+                <a:solidFill>
+                  <a:srgbClr val="1B1A10"/>
+                </a:solidFill>
+              </a:rPr>
+              <a:t>An Annotated Collection of Protein-DNA Binding Sequence Motifs</a:t>
+            </a:r>
+            <a:r>
+              <a:rPr lang="en-US" dirty="0"/>
+              <a:t>. R package version 1.12.0</a:t>
+            </a:r>
+            <a:endParaRPr lang="en-US" dirty="0">
+              <a:solidFill>
+                <a:schemeClr val="accent3">
+                  <a:lumMod val="50000"/>
+                </a:schemeClr>
+              </a:solidFill>
+            </a:endParaRPr>
+          </a:p>
+          <a:p>
+            <a:r>
+              <a:rPr lang="pt-BR" dirty="0">
+                <a:solidFill>
+                  <a:srgbClr val="455F51"/>
+                </a:solidFill>
+              </a:rPr>
+              <a:t>Bembom O. </a:t>
+            </a:r>
+            <a:r>
+              <a:rPr lang="pt-BR" i="1" dirty="0">
+                <a:solidFill>
+                  <a:schemeClr val="bg2">
+                    <a:lumMod val="10000"/>
+                  </a:schemeClr>
+                </a:solidFill>
+              </a:rPr>
+              <a:t>seqLogo: Sequence logos for DNA sequence alignments</a:t>
+            </a:r>
+            <a:r>
+              <a:rPr lang="pt-BR" dirty="0">
+                <a:solidFill>
+                  <a:srgbClr val="455F51"/>
+                </a:solidFill>
+              </a:rPr>
+              <a:t>. R package version 1.36.0. </a:t>
+            </a:r>
+          </a:p>
+          <a:p>
+            <a:pPr marL="109728" indent="0">
+              <a:buNone/>
+            </a:pPr>
+            <a:endParaRPr lang="en-US" dirty="0" smtClean="0">
+              <a:solidFill>
+                <a:srgbClr val="455F51"/>
+              </a:solidFill>
+            </a:endParaRPr>
+          </a:p>
+          <a:p>
+            <a:endParaRPr lang="en-US" dirty="0"/>
+          </a:p>
+          <a:p>
+            <a:endParaRPr lang="pt-BR" dirty="0" smtClean="0"/>
+          </a:p>
+          <a:p>
+            <a:endParaRPr lang="pt-BR" dirty="0" smtClean="0"/>
+          </a:p>
+          <a:p>
+            <a:endParaRPr lang="en-US" dirty="0" smtClean="0"/>
+          </a:p>
+          <a:p>
+            <a:endParaRPr lang="en-US" dirty="0"/>
+          </a:p>
+          <a:p>
+            <a:endParaRPr lang="en-US" dirty="0" smtClean="0">
+              <a:solidFill>
+                <a:schemeClr val="accent3">
+                  <a:lumMod val="50000"/>
+                </a:schemeClr>
+              </a:solidFill>
+            </a:endParaRPr>
+          </a:p>
+          <a:p>
+            <a:endParaRPr lang="en-US" dirty="0">
+              <a:solidFill>
+                <a:schemeClr val="accent3">
+                  <a:lumMod val="50000"/>
+                </a:schemeClr>
+              </a:solidFill>
+            </a:endParaRPr>
+          </a:p>
+          <a:p>
+            <a:endParaRPr lang="en-US" dirty="0" smtClean="0"/>
           </a:p>
         </p:txBody>
       </p:sp>
       <p:sp>
         <p:nvSpPr>
-          <p:cNvPr id="3" name="Content Placeholder 2"/>
-          <p:cNvSpPr>
-            <a:spLocks noGrp="1"/>
-          </p:cNvSpPr>
-          <p:nvPr>
-            <p:ph sz="half" idx="1"/>
-          </p:nvPr>
-        </p:nvSpPr>
-        <p:spPr/>
-        <p:txBody>
-          <a:bodyPr>
-            <a:normAutofit fontScale="92500"/>
-          </a:bodyPr>
-          <a:lstStyle/>
-          <a:p>
-            <a:r>
-              <a:rPr lang="en-US" sz="1800" b="1" dirty="0" smtClean="0"/>
-              <a:t>1. </a:t>
-            </a:r>
-            <a:r>
-              <a:rPr lang="en-US" sz="1800" b="1" dirty="0" err="1" smtClean="0"/>
-              <a:t>Rtfbsdb</a:t>
-            </a:r>
-            <a:r>
-              <a:rPr lang="en-US" sz="1800" b="1" dirty="0" smtClean="0"/>
-              <a:t> package can not find </a:t>
-            </a:r>
-            <a:r>
-              <a:rPr lang="en-US" sz="1800" b="1" dirty="0" err="1" smtClean="0"/>
-              <a:t>Bedtools</a:t>
-            </a:r>
-            <a:r>
-              <a:rPr lang="en-US" sz="1800" b="1" dirty="0" smtClean="0"/>
-              <a:t> or </a:t>
-            </a:r>
-            <a:r>
-              <a:rPr lang="en-US" sz="1800" b="1" dirty="0" err="1" smtClean="0"/>
-              <a:t>samtools</a:t>
-            </a:r>
-            <a:r>
-              <a:rPr lang="en-US" sz="1800" b="1" dirty="0" smtClean="0"/>
-              <a:t> on Mac computer.</a:t>
-            </a:r>
-          </a:p>
-          <a:p>
-            <a:pPr marL="109728" indent="0">
-              <a:buNone/>
-            </a:pPr>
-            <a:r>
-              <a:rPr lang="en-US" sz="1200" dirty="0" smtClean="0"/>
-              <a:t>When the package is loaded, the following warning message would be displayed if these two commands can not be executed normally.</a:t>
-            </a:r>
-          </a:p>
-          <a:p>
-            <a:pPr marL="109728" indent="0">
-              <a:buNone/>
-            </a:pPr>
-            <a:endParaRPr lang="en-US" sz="1200" dirty="0" smtClean="0"/>
-          </a:p>
-          <a:p>
-            <a:pPr marL="109728" indent="0">
-              <a:buNone/>
-            </a:pPr>
-            <a:endParaRPr lang="en-US" sz="1200" dirty="0" smtClean="0"/>
-          </a:p>
-          <a:p>
-            <a:pPr marL="109728" indent="0">
-              <a:buNone/>
-            </a:pPr>
-            <a:endParaRPr lang="en-US" sz="1200" dirty="0" smtClean="0"/>
-          </a:p>
-          <a:p>
-            <a:pPr marL="109728" indent="0">
-              <a:buNone/>
-            </a:pPr>
-            <a:r>
-              <a:rPr lang="en-US" sz="1200" dirty="0" smtClean="0"/>
-              <a:t>Firstly you need to check whether these commands are accessible on the Mac terminal. If it works on the terminal, you should try to run R under the  terminal and execute the commands by the system or system2 function.</a:t>
-            </a:r>
-          </a:p>
-          <a:p>
-            <a:pPr marL="109728" indent="0">
-              <a:buNone/>
-            </a:pPr>
-            <a:r>
-              <a:rPr lang="en-US" sz="1200" dirty="0" smtClean="0"/>
-              <a:t>&gt; system(“</a:t>
-            </a:r>
-            <a:r>
-              <a:rPr lang="en-US" sz="1200" dirty="0" err="1" smtClean="0"/>
-              <a:t>bedtools</a:t>
-            </a:r>
-            <a:r>
-              <a:rPr lang="en-US" sz="1200" dirty="0" smtClean="0"/>
-              <a:t>”)</a:t>
-            </a:r>
-          </a:p>
-          <a:p>
-            <a:pPr marL="109728" indent="0">
-              <a:buNone/>
-            </a:pPr>
-            <a:r>
-              <a:rPr lang="en-US" sz="1200" dirty="0" smtClean="0"/>
-              <a:t>&gt; system(“</a:t>
-            </a:r>
-            <a:r>
-              <a:rPr lang="en-US" sz="1200" dirty="0" err="1" smtClean="0"/>
-              <a:t>samtools</a:t>
-            </a:r>
-            <a:r>
-              <a:rPr lang="en-US" sz="1200" dirty="0" smtClean="0"/>
-              <a:t>”)</a:t>
-            </a:r>
-          </a:p>
-          <a:p>
-            <a:pPr marL="109728" indent="0">
-              <a:buNone/>
-            </a:pPr>
-            <a:r>
-              <a:rPr lang="en-US" sz="1200" dirty="0" smtClean="0"/>
-              <a:t>In most cases, if the ‘</a:t>
-            </a:r>
-            <a:r>
-              <a:rPr lang="en-US" sz="1200" dirty="0" err="1" smtClean="0"/>
-              <a:t>samtools</a:t>
-            </a:r>
-            <a:r>
-              <a:rPr lang="en-US" sz="1200" dirty="0" smtClean="0"/>
-              <a:t>’ and ‘</a:t>
-            </a:r>
-            <a:r>
-              <a:rPr lang="en-US" sz="1200" dirty="0" err="1" smtClean="0"/>
-              <a:t>bedtools</a:t>
-            </a:r>
-            <a:r>
-              <a:rPr lang="en-US" sz="1200" dirty="0" smtClean="0"/>
-              <a:t>’ can not be executed normally on the terminal, it should be the configuration problem, check the $PATH by the following command.</a:t>
-            </a:r>
-          </a:p>
-          <a:p>
-            <a:pPr marL="109728" indent="0">
-              <a:buNone/>
-            </a:pPr>
-            <a:r>
-              <a:rPr lang="en-US" sz="1200" dirty="0" smtClean="0"/>
-              <a:t>&gt; </a:t>
-            </a:r>
-            <a:r>
-              <a:rPr lang="en-US" sz="1200" dirty="0" err="1"/>
-              <a:t>Sys.getenv</a:t>
-            </a:r>
-            <a:r>
-              <a:rPr lang="en-US" sz="1200" dirty="0"/>
-              <a:t>("PATH")</a:t>
-            </a:r>
-          </a:p>
-          <a:p>
-            <a:pPr marL="109728" indent="0">
-              <a:buNone/>
-            </a:pPr>
-            <a:r>
-              <a:rPr lang="en-US" sz="1200" dirty="0" smtClean="0"/>
-              <a:t>If the commands work normally on the terminal, but they don’t run on R GUI window,  check the $PATH again on the R GUI window.</a:t>
-            </a:r>
-          </a:p>
-          <a:p>
-            <a:pPr marL="109728" indent="0">
-              <a:buNone/>
-            </a:pPr>
-            <a:r>
-              <a:rPr lang="en-US" sz="1200" dirty="0"/>
-              <a:t>&gt; </a:t>
-            </a:r>
-            <a:r>
-              <a:rPr lang="en-US" sz="1200" dirty="0" err="1"/>
-              <a:t>Sys.getenv</a:t>
-            </a:r>
-            <a:r>
-              <a:rPr lang="en-US" sz="1200" dirty="0"/>
-              <a:t>("PATH")</a:t>
-            </a:r>
-          </a:p>
-          <a:p>
-            <a:pPr marL="109728" indent="0">
-              <a:buNone/>
-            </a:pPr>
-            <a:r>
-              <a:rPr lang="en-US" sz="1200" dirty="0" smtClean="0"/>
-              <a:t>The same problem is discussed in the following links.</a:t>
-            </a:r>
-          </a:p>
-          <a:p>
-            <a:pPr marL="109728" indent="0">
-              <a:buNone/>
-            </a:pPr>
-            <a:r>
-              <a:rPr lang="en-US" sz="1200" u="sng" dirty="0">
-                <a:solidFill>
-                  <a:srgbClr val="7030A0"/>
-                </a:solidFill>
-                <a:hlinkClick r:id="rId2"/>
-              </a:rPr>
-              <a:t>http://gis.stackexchange.com/questions/130710/system-call-gdal-function-in-r-on-mac</a:t>
-            </a:r>
-            <a:endParaRPr lang="en-US" sz="1200" dirty="0">
-              <a:solidFill>
-                <a:srgbClr val="7030A0"/>
-              </a:solidFill>
-            </a:endParaRPr>
-          </a:p>
-          <a:p>
-            <a:endParaRPr lang="en-US" sz="1200" dirty="0" smtClean="0"/>
-          </a:p>
-          <a:p>
-            <a:endParaRPr lang="en-US" sz="1200" dirty="0" smtClean="0"/>
-          </a:p>
-          <a:p>
-            <a:endParaRPr lang="en-US" sz="1200" dirty="0" smtClean="0"/>
-          </a:p>
-          <a:p>
-            <a:endParaRPr lang="en-US" sz="1200" dirty="0" smtClean="0"/>
-          </a:p>
-          <a:p>
-            <a:endParaRPr lang="en-US" sz="1200" dirty="0"/>
-          </a:p>
-          <a:p>
-            <a:endParaRPr lang="en-US" sz="1200" dirty="0" smtClean="0"/>
-          </a:p>
-        </p:txBody>
-      </p:sp>
-      <p:sp>
-        <p:nvSpPr>
-          <p:cNvPr id="4" name="Title 3"/>
+          <p:cNvPr id="2" name="Title 1"/>
           <p:cNvSpPr>
             <a:spLocks noGrp="1"/>
           </p:cNvSpPr>
@@ -20583,41 +20424,25 @@
           <a:lstStyle/>
           <a:p>
             <a:r>
+              <a:rPr lang="en-US" smtClean="0">
+                <a:solidFill>
+                  <a:srgbClr val="455F51"/>
+                </a:solidFill>
+              </a:rPr>
+              <a:t>References</a:t>
+            </a:r>
+            <a:r>
               <a:rPr lang="en-US" dirty="0" smtClean="0"/>
-              <a:t>FAQ:</a:t>
+              <a:t>:</a:t>
             </a:r>
             <a:endParaRPr lang="en-US" dirty="0"/>
           </a:p>
         </p:txBody>
       </p:sp>
-      <p:pic>
-        <p:nvPicPr>
-          <p:cNvPr id="6" name="Picture 5"/>
-          <p:cNvPicPr>
-            <a:picLocks noChangeAspect="1"/>
-          </p:cNvPicPr>
-          <p:nvPr/>
-        </p:nvPicPr>
-        <p:blipFill>
-          <a:blip r:embed="rId3"/>
-          <a:stretch>
-            <a:fillRect/>
-          </a:stretch>
-        </p:blipFill>
-        <p:spPr>
-          <a:xfrm>
-            <a:off x="833437" y="3224450"/>
-            <a:ext cx="3038475" cy="342900"/>
-          </a:xfrm>
-          <a:prstGeom prst="rect">
-            <a:avLst/>
-          </a:prstGeom>
-        </p:spPr>
-      </p:pic>
     </p:spTree>
     <p:extLst>
       <p:ext uri="{BB962C8B-B14F-4D97-AF65-F5344CB8AC3E}">
-        <p14:creationId xmlns:p14="http://schemas.microsoft.com/office/powerpoint/2010/main" val="243335261"/>
+        <p14:creationId xmlns:p14="http://schemas.microsoft.com/office/powerpoint/2010/main" val="728467612"/>
       </p:ext>
     </p:extLst>
   </p:cSld>
@@ -20636,6 +20461,13 @@
       </p:transition>
     </mc:Fallback>
   </mc:AlternateContent>
+  <p:timing>
+    <p:tnLst>
+      <p:par>
+        <p:cTn id="1" dur="indefinite" restart="never" nodeType="tmRoot"/>
+      </p:par>
+    </p:tnLst>
+  </p:timing>
 </p:sld>
 </file>
 
@@ -20824,6 +20656,355 @@
         </p:nvSpPr>
         <p:spPr/>
         <p:txBody>
+          <a:bodyPr>
+            <a:normAutofit fontScale="92500"/>
+          </a:bodyPr>
+          <a:lstStyle/>
+          <a:p>
+            <a:endParaRPr lang="en-US"/>
+          </a:p>
+        </p:txBody>
+      </p:sp>
+      <p:sp>
+        <p:nvSpPr>
+          <p:cNvPr id="3" name="Content Placeholder 2"/>
+          <p:cNvSpPr>
+            <a:spLocks noGrp="1"/>
+          </p:cNvSpPr>
+          <p:nvPr>
+            <p:ph sz="half" idx="1"/>
+          </p:nvPr>
+        </p:nvSpPr>
+        <p:spPr/>
+        <p:txBody>
+          <a:bodyPr>
+            <a:normAutofit fontScale="92500"/>
+          </a:bodyPr>
+          <a:lstStyle/>
+          <a:p>
+            <a:r>
+              <a:rPr lang="en-US" sz="1800" b="1" dirty="0" smtClean="0"/>
+              <a:t>1. </a:t>
+            </a:r>
+            <a:r>
+              <a:rPr lang="en-US" sz="1800" b="1" dirty="0" err="1" smtClean="0"/>
+              <a:t>Rtfbsdb</a:t>
+            </a:r>
+            <a:r>
+              <a:rPr lang="en-US" sz="1800" b="1" dirty="0" smtClean="0"/>
+              <a:t> package can not find </a:t>
+            </a:r>
+            <a:r>
+              <a:rPr lang="en-US" sz="1800" b="1" dirty="0" err="1" smtClean="0"/>
+              <a:t>Bedtools</a:t>
+            </a:r>
+            <a:r>
+              <a:rPr lang="en-US" sz="1800" b="1" dirty="0" smtClean="0"/>
+              <a:t> or </a:t>
+            </a:r>
+            <a:r>
+              <a:rPr lang="en-US" sz="1800" b="1" dirty="0" err="1" smtClean="0"/>
+              <a:t>samtools</a:t>
+            </a:r>
+            <a:r>
+              <a:rPr lang="en-US" sz="1800" b="1" dirty="0" smtClean="0"/>
+              <a:t> on Mac computer.</a:t>
+            </a:r>
+          </a:p>
+          <a:p>
+            <a:pPr marL="109728" indent="0">
+              <a:buNone/>
+            </a:pPr>
+            <a:r>
+              <a:rPr lang="en-US" sz="1200" dirty="0" smtClean="0"/>
+              <a:t>When the package is loaded, the following warning message would be displayed if these two commands can not be executed normally.</a:t>
+            </a:r>
+          </a:p>
+          <a:p>
+            <a:pPr marL="109728" indent="0">
+              <a:buNone/>
+            </a:pPr>
+            <a:endParaRPr lang="en-US" sz="1200" dirty="0" smtClean="0"/>
+          </a:p>
+          <a:p>
+            <a:pPr marL="109728" indent="0">
+              <a:buNone/>
+            </a:pPr>
+            <a:endParaRPr lang="en-US" sz="1200" dirty="0" smtClean="0"/>
+          </a:p>
+          <a:p>
+            <a:pPr marL="109728" indent="0">
+              <a:buNone/>
+            </a:pPr>
+            <a:endParaRPr lang="en-US" sz="1200" dirty="0" smtClean="0"/>
+          </a:p>
+          <a:p>
+            <a:pPr marL="109728" indent="0">
+              <a:buNone/>
+            </a:pPr>
+            <a:r>
+              <a:rPr lang="en-US" sz="1200" dirty="0" smtClean="0"/>
+              <a:t>Firstly you need to check whether these commands are accessible on the Mac terminal. If it works on the terminal, you should try to run R under the  terminal and execute the commands by the system or system2 function.</a:t>
+            </a:r>
+          </a:p>
+          <a:p>
+            <a:pPr marL="109728" indent="0">
+              <a:buNone/>
+            </a:pPr>
+            <a:r>
+              <a:rPr lang="en-US" sz="1200" dirty="0" smtClean="0"/>
+              <a:t>&gt; system(“</a:t>
+            </a:r>
+            <a:r>
+              <a:rPr lang="en-US" sz="1200" dirty="0" err="1" smtClean="0"/>
+              <a:t>bedtools</a:t>
+            </a:r>
+            <a:r>
+              <a:rPr lang="en-US" sz="1200" dirty="0" smtClean="0"/>
+              <a:t>”)</a:t>
+            </a:r>
+          </a:p>
+          <a:p>
+            <a:pPr marL="109728" indent="0">
+              <a:buNone/>
+            </a:pPr>
+            <a:r>
+              <a:rPr lang="en-US" sz="1200" dirty="0" smtClean="0"/>
+              <a:t>&gt; system(“</a:t>
+            </a:r>
+            <a:r>
+              <a:rPr lang="en-US" sz="1200" dirty="0" err="1" smtClean="0"/>
+              <a:t>samtools</a:t>
+            </a:r>
+            <a:r>
+              <a:rPr lang="en-US" sz="1200" dirty="0" smtClean="0"/>
+              <a:t>”)</a:t>
+            </a:r>
+          </a:p>
+          <a:p>
+            <a:pPr marL="109728" indent="0">
+              <a:buNone/>
+            </a:pPr>
+            <a:r>
+              <a:rPr lang="en-US" sz="1200" dirty="0" smtClean="0"/>
+              <a:t>In most cases, if the ‘</a:t>
+            </a:r>
+            <a:r>
+              <a:rPr lang="en-US" sz="1200" dirty="0" err="1" smtClean="0"/>
+              <a:t>samtools</a:t>
+            </a:r>
+            <a:r>
+              <a:rPr lang="en-US" sz="1200" dirty="0" smtClean="0"/>
+              <a:t>’ and ‘</a:t>
+            </a:r>
+            <a:r>
+              <a:rPr lang="en-US" sz="1200" dirty="0" err="1" smtClean="0"/>
+              <a:t>bedtools</a:t>
+            </a:r>
+            <a:r>
+              <a:rPr lang="en-US" sz="1200" dirty="0" smtClean="0"/>
+              <a:t>’ can not be executed normally on the terminal, it should be the configuration problem, check the $PATH by the following command.</a:t>
+            </a:r>
+          </a:p>
+          <a:p>
+            <a:pPr marL="109728" indent="0">
+              <a:buNone/>
+            </a:pPr>
+            <a:r>
+              <a:rPr lang="en-US" sz="1200" dirty="0" smtClean="0"/>
+              <a:t>&gt; </a:t>
+            </a:r>
+            <a:r>
+              <a:rPr lang="en-US" sz="1200" dirty="0" err="1"/>
+              <a:t>Sys.getenv</a:t>
+            </a:r>
+            <a:r>
+              <a:rPr lang="en-US" sz="1200" dirty="0"/>
+              <a:t>("PATH")</a:t>
+            </a:r>
+          </a:p>
+          <a:p>
+            <a:pPr marL="109728" indent="0">
+              <a:buNone/>
+            </a:pPr>
+            <a:r>
+              <a:rPr lang="en-US" sz="1200" dirty="0" smtClean="0"/>
+              <a:t>If the commands work normally on the terminal, but they don’t run on R GUI window,  check the $PATH again on the R GUI window.</a:t>
+            </a:r>
+          </a:p>
+          <a:p>
+            <a:pPr marL="109728" indent="0">
+              <a:buNone/>
+            </a:pPr>
+            <a:r>
+              <a:rPr lang="en-US" sz="1200" dirty="0"/>
+              <a:t>&gt; </a:t>
+            </a:r>
+            <a:r>
+              <a:rPr lang="en-US" sz="1200" dirty="0" err="1"/>
+              <a:t>Sys.getenv</a:t>
+            </a:r>
+            <a:r>
+              <a:rPr lang="en-US" sz="1200" dirty="0"/>
+              <a:t>("PATH")</a:t>
+            </a:r>
+          </a:p>
+          <a:p>
+            <a:pPr marL="109728" indent="0">
+              <a:buNone/>
+            </a:pPr>
+            <a:r>
+              <a:rPr lang="en-US" sz="1200" dirty="0" smtClean="0"/>
+              <a:t>The same problem is discussed in the following links.</a:t>
+            </a:r>
+          </a:p>
+          <a:p>
+            <a:pPr marL="109728" indent="0">
+              <a:buNone/>
+            </a:pPr>
+            <a:r>
+              <a:rPr lang="en-US" sz="1200" u="sng" dirty="0">
+                <a:solidFill>
+                  <a:srgbClr val="7030A0"/>
+                </a:solidFill>
+                <a:hlinkClick r:id="rId2"/>
+              </a:rPr>
+              <a:t>http://gis.stackexchange.com/questions/130710/system-call-gdal-function-in-r-on-mac</a:t>
+            </a:r>
+            <a:endParaRPr lang="en-US" sz="1200" dirty="0">
+              <a:solidFill>
+                <a:srgbClr val="7030A0"/>
+              </a:solidFill>
+            </a:endParaRPr>
+          </a:p>
+          <a:p>
+            <a:endParaRPr lang="en-US" sz="1200" dirty="0" smtClean="0"/>
+          </a:p>
+          <a:p>
+            <a:endParaRPr lang="en-US" sz="1200" dirty="0" smtClean="0"/>
+          </a:p>
+          <a:p>
+            <a:endParaRPr lang="en-US" sz="1200" dirty="0" smtClean="0"/>
+          </a:p>
+          <a:p>
+            <a:endParaRPr lang="en-US" sz="1200" dirty="0" smtClean="0"/>
+          </a:p>
+          <a:p>
+            <a:endParaRPr lang="en-US" sz="1200" dirty="0"/>
+          </a:p>
+          <a:p>
+            <a:endParaRPr lang="en-US" sz="1200" dirty="0" smtClean="0"/>
+          </a:p>
+        </p:txBody>
+      </p:sp>
+      <p:sp>
+        <p:nvSpPr>
+          <p:cNvPr id="4" name="Title 3"/>
+          <p:cNvSpPr>
+            <a:spLocks noGrp="1"/>
+          </p:cNvSpPr>
+          <p:nvPr>
+            <p:ph type="title"/>
+          </p:nvPr>
+        </p:nvSpPr>
+        <p:spPr/>
+        <p:txBody>
+          <a:bodyPr/>
+          <a:lstStyle/>
+          <a:p>
+            <a:r>
+              <a:rPr lang="en-US" dirty="0" smtClean="0"/>
+              <a:t>FAQ:</a:t>
+            </a:r>
+            <a:endParaRPr lang="en-US" dirty="0"/>
+          </a:p>
+        </p:txBody>
+      </p:sp>
+      <p:pic>
+        <p:nvPicPr>
+          <p:cNvPr id="6" name="Picture 5"/>
+          <p:cNvPicPr>
+            <a:picLocks noChangeAspect="1"/>
+          </p:cNvPicPr>
+          <p:nvPr/>
+        </p:nvPicPr>
+        <p:blipFill>
+          <a:blip r:embed="rId3"/>
+          <a:stretch>
+            <a:fillRect/>
+          </a:stretch>
+        </p:blipFill>
+        <p:spPr>
+          <a:xfrm>
+            <a:off x="833437" y="3224450"/>
+            <a:ext cx="3038475" cy="342900"/>
+          </a:xfrm>
+          <a:prstGeom prst="rect">
+            <a:avLst/>
+          </a:prstGeom>
+        </p:spPr>
+      </p:pic>
+    </p:spTree>
+    <p:extLst>
+      <p:ext uri="{BB962C8B-B14F-4D97-AF65-F5344CB8AC3E}">
+        <p14:creationId xmlns:p14="http://schemas.microsoft.com/office/powerpoint/2010/main" val="243335261"/>
+      </p:ext>
+    </p:extLst>
+  </p:cSld>
+  <p:clrMapOvr>
+    <a:masterClrMapping/>
+  </p:clrMapOvr>
+  <mc:AlternateContent xmlns:mc="http://schemas.openxmlformats.org/markup-compatibility/2006" xmlns:p14="http://schemas.microsoft.com/office/powerpoint/2010/main">
+    <mc:Choice Requires="p14">
+      <p:transition spd="med" p14:dur="700">
+        <p:fade/>
+      </p:transition>
+    </mc:Choice>
+    <mc:Fallback xmlns="">
+      <p:transition spd="med">
+        <p:fade/>
+      </p:transition>
+    </mc:Fallback>
+  </mc:AlternateContent>
+  <p:timing>
+    <p:tnLst>
+      <p:par>
+        <p:cTn id="1" dur="indefinite" restart="never" nodeType="tmRoot"/>
+      </p:par>
+    </p:tnLst>
+  </p:timing>
+</p:sld>
+</file>
+
+<file path=ppt/slides/slide31.xml><?xml version="1.0" encoding="utf-8"?>
+<p:sld xmlns:a="http://schemas.openxmlformats.org/drawingml/2006/main" xmlns:r="http://schemas.openxmlformats.org/officeDocument/2006/relationships" xmlns:p="http://schemas.openxmlformats.org/presentationml/2006/main">
+  <p:cSld>
+    <p:spTree>
+      <p:nvGrpSpPr>
+        <p:cNvPr id="1" name=""/>
+        <p:cNvGrpSpPr/>
+        <p:nvPr/>
+      </p:nvGrpSpPr>
+      <p:grpSpPr>
+        <a:xfrm>
+          <a:off x="0" y="0"/>
+          <a:ext cx="0" cy="0"/>
+          <a:chOff x="0" y="0"/>
+          <a:chExt cx="0" cy="0"/>
+        </a:xfrm>
+      </p:grpSpPr>
+      <p:sp>
+        <p:nvSpPr>
+          <p:cNvPr id="2" name="Content Placeholder 1"/>
+          <p:cNvSpPr>
+            <a:spLocks noGrp="1"/>
+          </p:cNvSpPr>
+          <p:nvPr>
+            <p:ph sz="half" idx="2"/>
+          </p:nvPr>
+        </p:nvSpPr>
+        <p:spPr/>
+        <p:txBody>
           <a:bodyPr/>
           <a:lstStyle/>
           <a:p>
@@ -21008,7 +21189,7 @@
 </p:sld>
 </file>
 
-<file path=ppt/slides/slide31.xml><?xml version="1.0" encoding="utf-8"?>
+<file path=ppt/slides/slide32.xml><?xml version="1.0" encoding="utf-8"?>
 <p:sld xmlns:a="http://schemas.openxmlformats.org/drawingml/2006/main" xmlns:r="http://schemas.openxmlformats.org/officeDocument/2006/relationships" xmlns:p="http://schemas.openxmlformats.org/presentationml/2006/main">
   <p:cSld>
     <p:spTree>

--- a/rtfbsdb-tutorial.pptx
+++ b/rtfbsdb-tutorial.pptx
@@ -256,7 +256,7 @@
             <a:fld id="{68796EA6-6F25-4F19-87BA-7ADCC16DAEFF}" type="datetimeFigureOut">
               <a:rPr lang="en-US" smtClean="0"/>
               <a:pPr/>
-              <a:t>4/8/2016</a:t>
+              <a:t>4/18/2016</a:t>
             </a:fld>
             <a:endParaRPr lang="en-US" dirty="0"/>
           </a:p>
@@ -423,7 +423,7 @@
             <a:fld id="{C39C172E-A8B5-46F6-B05C-DFA3E2E0F207}" type="datetimeFigureOut">
               <a:rPr lang="en-US" smtClean="0"/>
               <a:pPr/>
-              <a:t>4/8/2016</a:t>
+              <a:t>4/18/2016</a:t>
             </a:fld>
             <a:endParaRPr lang="en-US" dirty="0"/>
           </a:p>
@@ -2471,7 +2471,7 @@
             <a:fld id="{4E708F12-96AD-4ED4-8132-A78F5E42C1F5}" type="datetime1">
               <a:rPr lang="en-US" smtClean="0"/>
               <a:pPr/>
-              <a:t>4/8/2016</a:t>
+              <a:t>4/18/2016</a:t>
             </a:fld>
             <a:endParaRPr lang="en-US" dirty="0"/>
           </a:p>
@@ -2695,7 +2695,7 @@
             <a:fld id="{7B7FA170-8299-44AD-AEEF-FC686C3D7804}" type="datetime1">
               <a:rPr lang="en-US" smtClean="0"/>
               <a:pPr/>
-              <a:t>4/8/2016</a:t>
+              <a:t>4/18/2016</a:t>
             </a:fld>
             <a:endParaRPr lang="en-US" dirty="0"/>
           </a:p>
@@ -2879,7 +2879,7 @@
             <a:fld id="{2231763A-68EC-4ECD-9620-D9FE9CDDD622}" type="datetime1">
               <a:rPr lang="en-US" smtClean="0"/>
               <a:pPr/>
-              <a:t>4/8/2016</a:t>
+              <a:t>4/18/2016</a:t>
             </a:fld>
             <a:endParaRPr lang="en-US" dirty="0"/>
           </a:p>
@@ -3073,7 +3073,7 @@
             <a:fld id="{7B98BEDD-6160-49BB-B372-861DE7DE9BA5}" type="datetime1">
               <a:rPr lang="en-US" smtClean="0"/>
               <a:pPr/>
-              <a:t>4/8/2016</a:t>
+              <a:t>4/18/2016</a:t>
             </a:fld>
             <a:endParaRPr lang="en-US" dirty="0"/>
           </a:p>
@@ -3257,7 +3257,7 @@
             <a:fld id="{0AAE819F-B7FD-4B29-8F66-9E318144BC2A}" type="datetime1">
               <a:rPr lang="en-US" smtClean="0"/>
               <a:pPr/>
-              <a:t>4/8/2016</a:t>
+              <a:t>4/18/2016</a:t>
             </a:fld>
             <a:endParaRPr lang="en-US" dirty="0"/>
           </a:p>
@@ -3491,7 +3491,7 @@
             <a:fld id="{D4CA159C-B6E0-4F10-9F4A-2FA57003B139}" type="datetime1">
               <a:rPr lang="en-US" smtClean="0"/>
               <a:pPr/>
-              <a:t>4/8/2016</a:t>
+              <a:t>4/18/2016</a:t>
             </a:fld>
             <a:endParaRPr lang="en-US" dirty="0"/>
           </a:p>
@@ -3785,7 +3785,7 @@
             <a:fld id="{8170CBBB-D1D1-4386-A5E9-07F3477B78F3}" type="datetime1">
               <a:rPr lang="en-US" smtClean="0"/>
               <a:pPr/>
-              <a:t>4/8/2016</a:t>
+              <a:t>4/18/2016</a:t>
             </a:fld>
             <a:endParaRPr lang="en-US" dirty="0"/>
           </a:p>
@@ -4215,7 +4215,7 @@
             <a:fld id="{9FA4CAD8-0EA7-4615-B69B-B2F199EF3A93}" type="datetime1">
               <a:rPr lang="en-US" smtClean="0"/>
               <a:pPr/>
-              <a:t>4/8/2016</a:t>
+              <a:t>4/18/2016</a:t>
             </a:fld>
             <a:endParaRPr lang="en-US" dirty="0"/>
           </a:p>
@@ -4370,7 +4370,7 @@
             <a:fld id="{B9234BD7-6953-492C-921B-E68B2D7F14C8}" type="datetime1">
               <a:rPr lang="en-US" smtClean="0"/>
               <a:pPr/>
-              <a:t>4/8/2016</a:t>
+              <a:t>4/18/2016</a:t>
             </a:fld>
             <a:endParaRPr lang="en-US" dirty="0"/>
           </a:p>
@@ -4479,7 +4479,7 @@
             <a:fld id="{35A17D9B-D4D3-4E23-88DF-2E354FA43196}" type="datetime1">
               <a:rPr lang="en-US" smtClean="0"/>
               <a:pPr/>
-              <a:t>4/8/2016</a:t>
+              <a:t>4/18/2016</a:t>
             </a:fld>
             <a:endParaRPr lang="en-US" dirty="0"/>
           </a:p>
@@ -4743,7 +4743,7 @@
             <a:fld id="{541F67C5-D04E-4576-B61C-12ABA14BBD6C}" type="datetime1">
               <a:rPr lang="en-US" smtClean="0"/>
               <a:pPr/>
-              <a:t>4/8/2016</a:t>
+              <a:t>4/18/2016</a:t>
             </a:fld>
             <a:endParaRPr lang="en-US" dirty="0"/>
           </a:p>
@@ -5645,7 +5645,7 @@
             <a:fld id="{C20F09E4-6EA4-4BF3-9FC8-FF40373B88E6}" type="datetime1">
               <a:rPr lang="en-US" smtClean="0"/>
               <a:pPr/>
-              <a:t>4/8/2016</a:t>
+              <a:t>4/18/2016</a:t>
             </a:fld>
             <a:endParaRPr lang="en-US" dirty="0"/>
           </a:p>
@@ -18923,7 +18923,7 @@
         </p:spPr>
         <p:txBody>
           <a:bodyPr vert="horz">
-            <a:normAutofit/>
+            <a:normAutofit fontScale="85000" lnSpcReduction="10000"/>
           </a:bodyPr>
           <a:lstStyle>
             <a:lvl1pPr marL="365760" indent="-256032" algn="l" rtl="0" eaLnBrk="1" latinLnBrk="0" hangingPunct="1">
@@ -19530,6 +19530,302 @@
               </a:rPr>
               <a:t>"); </a:t>
             </a:r>
+            <a:endParaRPr lang="en-US" sz="1600" dirty="0" smtClean="0">
+              <a:solidFill>
+                <a:schemeClr val="tx1"/>
+              </a:solidFill>
+              <a:latin typeface="Times New Roman" panose="02020603050405020304" pitchFamily="18" charset="0"/>
+              <a:cs typeface="Times New Roman" panose="02020603050405020304" pitchFamily="18" charset="0"/>
+            </a:endParaRPr>
+          </a:p>
+          <a:p>
+            <a:pPr marL="109728" indent="0">
+              <a:buNone/>
+            </a:pPr>
+            <a:endParaRPr lang="en-US" sz="1600" dirty="0" smtClean="0">
+              <a:solidFill>
+                <a:schemeClr val="tx1"/>
+              </a:solidFill>
+              <a:latin typeface="Times New Roman" panose="02020603050405020304" pitchFamily="18" charset="0"/>
+              <a:cs typeface="Times New Roman" panose="02020603050405020304" pitchFamily="18" charset="0"/>
+            </a:endParaRPr>
+          </a:p>
+          <a:p>
+            <a:pPr marL="109728" indent="0">
+              <a:buNone/>
+            </a:pPr>
+            <a:r>
+              <a:rPr lang="en-US" sz="1600" dirty="0" smtClean="0">
+                <a:solidFill>
+                  <a:schemeClr val="tx1"/>
+                </a:solidFill>
+                <a:latin typeface="Times New Roman" panose="02020603050405020304" pitchFamily="18" charset="0"/>
+                <a:cs typeface="Times New Roman" panose="02020603050405020304" pitchFamily="18" charset="0"/>
+              </a:rPr>
+              <a:t>#</a:t>
+            </a:r>
+            <a:r>
+              <a:rPr lang="en-US" sz="1600" dirty="0">
+                <a:solidFill>
+                  <a:schemeClr val="tx1"/>
+                </a:solidFill>
+                <a:latin typeface="Times New Roman" panose="02020603050405020304" pitchFamily="18" charset="0"/>
+                <a:cs typeface="Times New Roman" panose="02020603050405020304" pitchFamily="18" charset="0"/>
+              </a:rPr>
+              <a:t>plot QQ-like plot for the </a:t>
+            </a:r>
+            <a:r>
+              <a:rPr lang="en-US" sz="1600" dirty="0" err="1">
+                <a:solidFill>
+                  <a:schemeClr val="tx1"/>
+                </a:solidFill>
+                <a:latin typeface="Times New Roman" panose="02020603050405020304" pitchFamily="18" charset="0"/>
+                <a:cs typeface="Times New Roman" panose="02020603050405020304" pitchFamily="18" charset="0"/>
+              </a:rPr>
+              <a:t>pvalues</a:t>
+            </a:r>
+            <a:r>
+              <a:rPr lang="en-US" sz="1600" dirty="0">
+                <a:solidFill>
+                  <a:schemeClr val="tx1"/>
+                </a:solidFill>
+                <a:latin typeface="Times New Roman" panose="02020603050405020304" pitchFamily="18" charset="0"/>
+                <a:cs typeface="Times New Roman" panose="02020603050405020304" pitchFamily="18" charset="0"/>
+              </a:rPr>
+              <a:t> of all motifs</a:t>
+            </a:r>
+          </a:p>
+          <a:p>
+            <a:pPr marL="109728" indent="0">
+              <a:buNone/>
+            </a:pPr>
+            <a:r>
+              <a:rPr lang="en-US" sz="1600" dirty="0" err="1">
+                <a:solidFill>
+                  <a:schemeClr val="tx1"/>
+                </a:solidFill>
+                <a:latin typeface="Times New Roman" panose="02020603050405020304" pitchFamily="18" charset="0"/>
+                <a:cs typeface="Times New Roman" panose="02020603050405020304" pitchFamily="18" charset="0"/>
+              </a:rPr>
+              <a:t>tfbs.plotEnrichment</a:t>
+            </a:r>
+            <a:r>
+              <a:rPr lang="en-US" sz="1600" dirty="0">
+                <a:solidFill>
+                  <a:schemeClr val="tx1"/>
+                </a:solidFill>
+                <a:latin typeface="Times New Roman" panose="02020603050405020304" pitchFamily="18" charset="0"/>
+                <a:cs typeface="Times New Roman" panose="02020603050405020304" pitchFamily="18" charset="0"/>
+              </a:rPr>
+              <a:t>(</a:t>
+            </a:r>
+            <a:r>
+              <a:rPr lang="en-US" sz="1600" dirty="0" err="1">
+                <a:solidFill>
+                  <a:schemeClr val="tx1"/>
+                </a:solidFill>
+                <a:latin typeface="Times New Roman" panose="02020603050405020304" pitchFamily="18" charset="0"/>
+                <a:cs typeface="Times New Roman" panose="02020603050405020304" pitchFamily="18" charset="0"/>
+              </a:rPr>
+              <a:t>tfs</a:t>
+            </a:r>
+            <a:r>
+              <a:rPr lang="en-US" sz="1600" dirty="0">
+                <a:solidFill>
+                  <a:schemeClr val="tx1"/>
+                </a:solidFill>
+                <a:latin typeface="Times New Roman" panose="02020603050405020304" pitchFamily="18" charset="0"/>
+                <a:cs typeface="Times New Roman" panose="02020603050405020304" pitchFamily="18" charset="0"/>
+              </a:rPr>
+              <a:t>, </a:t>
+            </a:r>
+            <a:r>
+              <a:rPr lang="en-US" sz="1600" dirty="0" err="1" smtClean="0">
+                <a:solidFill>
+                  <a:schemeClr val="tx1"/>
+                </a:solidFill>
+                <a:latin typeface="Times New Roman" panose="02020603050405020304" pitchFamily="18" charset="0"/>
+                <a:cs typeface="Times New Roman" panose="02020603050405020304" pitchFamily="18" charset="0"/>
+              </a:rPr>
+              <a:t>t.comp</a:t>
+            </a:r>
+            <a:r>
+              <a:rPr lang="en-US" sz="1600" dirty="0" smtClean="0">
+                <a:solidFill>
+                  <a:schemeClr val="tx1"/>
+                </a:solidFill>
+                <a:latin typeface="Times New Roman" panose="02020603050405020304" pitchFamily="18" charset="0"/>
+                <a:cs typeface="Times New Roman" panose="02020603050405020304" pitchFamily="18" charset="0"/>
+              </a:rPr>
+              <a:t>, </a:t>
+            </a:r>
+            <a:r>
+              <a:rPr lang="en-US" sz="1600" dirty="0">
+                <a:solidFill>
+                  <a:schemeClr val="tx1"/>
+                </a:solidFill>
+                <a:latin typeface="Times New Roman" panose="02020603050405020304" pitchFamily="18" charset="0"/>
+                <a:cs typeface="Times New Roman" panose="02020603050405020304" pitchFamily="18" charset="0"/>
+              </a:rPr>
+              <a:t>file.pdf="plot-elf1-enrich-enriched.pdf", </a:t>
+            </a:r>
+          </a:p>
+          <a:p>
+            <a:pPr marL="109728" indent="0">
+              <a:buNone/>
+            </a:pPr>
+            <a:r>
+              <a:rPr lang="en-US" sz="1600" dirty="0">
+                <a:solidFill>
+                  <a:schemeClr val="tx1"/>
+                </a:solidFill>
+                <a:latin typeface="Times New Roman" panose="02020603050405020304" pitchFamily="18" charset="0"/>
+                <a:cs typeface="Times New Roman" panose="02020603050405020304" pitchFamily="18" charset="0"/>
+              </a:rPr>
+              <a:t>      </a:t>
+            </a:r>
+            <a:r>
+              <a:rPr lang="en-US" sz="1600" dirty="0" err="1">
+                <a:solidFill>
+                  <a:schemeClr val="tx1"/>
+                </a:solidFill>
+                <a:latin typeface="Times New Roman" panose="02020603050405020304" pitchFamily="18" charset="0"/>
+                <a:cs typeface="Times New Roman" panose="02020603050405020304" pitchFamily="18" charset="0"/>
+              </a:rPr>
+              <a:t>enrichment.type</a:t>
+            </a:r>
+            <a:r>
+              <a:rPr lang="en-US" sz="1600" dirty="0">
+                <a:solidFill>
+                  <a:schemeClr val="tx1"/>
+                </a:solidFill>
+                <a:latin typeface="Times New Roman" panose="02020603050405020304" pitchFamily="18" charset="0"/>
+                <a:cs typeface="Times New Roman" panose="02020603050405020304" pitchFamily="18" charset="0"/>
+              </a:rPr>
+              <a:t>="enriched", </a:t>
+            </a:r>
+          </a:p>
+          <a:p>
+            <a:pPr marL="109728" indent="0">
+              <a:buNone/>
+            </a:pPr>
+            <a:r>
+              <a:rPr lang="en-US" sz="1600" dirty="0">
+                <a:solidFill>
+                  <a:schemeClr val="tx1"/>
+                </a:solidFill>
+                <a:latin typeface="Times New Roman" panose="02020603050405020304" pitchFamily="18" charset="0"/>
+                <a:cs typeface="Times New Roman" panose="02020603050405020304" pitchFamily="18" charset="0"/>
+              </a:rPr>
+              <a:t>      </a:t>
+            </a:r>
+            <a:r>
+              <a:rPr lang="en-US" sz="1600" dirty="0" err="1">
+                <a:solidFill>
+                  <a:schemeClr val="tx1"/>
+                </a:solidFill>
+                <a:latin typeface="Times New Roman" panose="02020603050405020304" pitchFamily="18" charset="0"/>
+                <a:cs typeface="Times New Roman" panose="02020603050405020304" pitchFamily="18" charset="0"/>
+              </a:rPr>
+              <a:t>plot.title</a:t>
+            </a:r>
+            <a:r>
+              <a:rPr lang="en-US" sz="1600" dirty="0">
+                <a:solidFill>
+                  <a:schemeClr val="tx1"/>
+                </a:solidFill>
+                <a:latin typeface="Times New Roman" panose="02020603050405020304" pitchFamily="18" charset="0"/>
+                <a:cs typeface="Times New Roman" panose="02020603050405020304" pitchFamily="18" charset="0"/>
+              </a:rPr>
+              <a:t>="QQ plot", </a:t>
+            </a:r>
+          </a:p>
+          <a:p>
+            <a:pPr marL="109728" indent="0">
+              <a:buNone/>
+            </a:pPr>
+            <a:r>
+              <a:rPr lang="en-US" sz="1600" dirty="0">
+                <a:solidFill>
+                  <a:schemeClr val="tx1"/>
+                </a:solidFill>
+                <a:latin typeface="Times New Roman" panose="02020603050405020304" pitchFamily="18" charset="0"/>
+                <a:cs typeface="Times New Roman" panose="02020603050405020304" pitchFamily="18" charset="0"/>
+              </a:rPr>
+              <a:t>      </a:t>
+            </a:r>
+            <a:r>
+              <a:rPr lang="en-US" sz="1600" dirty="0" err="1">
+                <a:solidFill>
+                  <a:schemeClr val="tx1"/>
+                </a:solidFill>
+                <a:latin typeface="Times New Roman" panose="02020603050405020304" pitchFamily="18" charset="0"/>
+                <a:cs typeface="Times New Roman" panose="02020603050405020304" pitchFamily="18" charset="0"/>
+              </a:rPr>
+              <a:t>top.motif.labels</a:t>
+            </a:r>
+            <a:r>
+              <a:rPr lang="en-US" sz="1600" dirty="0">
+                <a:solidFill>
+                  <a:schemeClr val="tx1"/>
+                </a:solidFill>
+                <a:latin typeface="Times New Roman" panose="02020603050405020304" pitchFamily="18" charset="0"/>
+                <a:cs typeface="Times New Roman" panose="02020603050405020304" pitchFamily="18" charset="0"/>
+              </a:rPr>
+              <a:t>=3, </a:t>
+            </a:r>
+            <a:r>
+              <a:rPr lang="en-US" sz="1600" dirty="0" err="1">
+                <a:solidFill>
+                  <a:schemeClr val="tx1"/>
+                </a:solidFill>
+                <a:latin typeface="Times New Roman" panose="02020603050405020304" pitchFamily="18" charset="0"/>
+                <a:cs typeface="Times New Roman" panose="02020603050405020304" pitchFamily="18" charset="0"/>
+              </a:rPr>
+              <a:t>plot.type</a:t>
+            </a:r>
+            <a:r>
+              <a:rPr lang="en-US" sz="1600" dirty="0">
+                <a:solidFill>
+                  <a:schemeClr val="tx1"/>
+                </a:solidFill>
+                <a:latin typeface="Times New Roman" panose="02020603050405020304" pitchFamily="18" charset="0"/>
+                <a:cs typeface="Times New Roman" panose="02020603050405020304" pitchFamily="18" charset="0"/>
+              </a:rPr>
+              <a:t>="nonpolar", </a:t>
+            </a:r>
+            <a:r>
+              <a:rPr lang="en-US" sz="1600" dirty="0" err="1">
+                <a:solidFill>
+                  <a:schemeClr val="tx1"/>
+                </a:solidFill>
+                <a:latin typeface="Times New Roman" panose="02020603050405020304" pitchFamily="18" charset="0"/>
+                <a:cs typeface="Times New Roman" panose="02020603050405020304" pitchFamily="18" charset="0"/>
+              </a:rPr>
+              <a:t>color.scheme</a:t>
+            </a:r>
+            <a:r>
+              <a:rPr lang="en-US" sz="1600" dirty="0">
+                <a:solidFill>
+                  <a:schemeClr val="tx1"/>
+                </a:solidFill>
+                <a:latin typeface="Times New Roman" panose="02020603050405020304" pitchFamily="18" charset="0"/>
+                <a:cs typeface="Times New Roman" panose="02020603050405020304" pitchFamily="18" charset="0"/>
+              </a:rPr>
+              <a:t>=2);</a:t>
+            </a:r>
+          </a:p>
+          <a:p>
+            <a:pPr marL="109728" indent="0">
+              <a:buNone/>
+            </a:pPr>
+            <a:endParaRPr lang="en-US" sz="1600" dirty="0">
+              <a:solidFill>
+                <a:schemeClr val="tx1"/>
+              </a:solidFill>
+              <a:latin typeface="Times New Roman" panose="02020603050405020304" pitchFamily="18" charset="0"/>
+              <a:cs typeface="Times New Roman" panose="02020603050405020304" pitchFamily="18" charset="0"/>
+            </a:endParaRPr>
           </a:p>
           <a:p>
             <a:pPr marL="109728" indent="0">

--- a/rtfbsdb-tutorial.pptx
+++ b/rtfbsdb-tutorial.pptx
@@ -257,7 +257,7 @@
             <a:fld id="{68796EA6-6F25-4F19-87BA-7ADCC16DAEFF}" type="datetimeFigureOut">
               <a:rPr lang="en-US" smtClean="0"/>
               <a:pPr/>
-              <a:t>4/20/2016</a:t>
+              <a:t>5/26/2016</a:t>
             </a:fld>
             <a:endParaRPr lang="en-US" dirty="0"/>
           </a:p>
@@ -424,7 +424,7 @@
             <a:fld id="{C39C172E-A8B5-46F6-B05C-DFA3E2E0F207}" type="datetimeFigureOut">
               <a:rPr lang="en-US" smtClean="0"/>
               <a:pPr/>
-              <a:t>4/20/2016</a:t>
+              <a:t>5/26/2016</a:t>
             </a:fld>
             <a:endParaRPr lang="en-US" dirty="0"/>
           </a:p>
@@ -2557,7 +2557,7 @@
             <a:fld id="{4E708F12-96AD-4ED4-8132-A78F5E42C1F5}" type="datetime1">
               <a:rPr lang="en-US" smtClean="0"/>
               <a:pPr/>
-              <a:t>4/20/2016</a:t>
+              <a:t>5/26/2016</a:t>
             </a:fld>
             <a:endParaRPr lang="en-US" dirty="0"/>
           </a:p>
@@ -2781,7 +2781,7 @@
             <a:fld id="{7B7FA170-8299-44AD-AEEF-FC686C3D7804}" type="datetime1">
               <a:rPr lang="en-US" smtClean="0"/>
               <a:pPr/>
-              <a:t>4/20/2016</a:t>
+              <a:t>5/26/2016</a:t>
             </a:fld>
             <a:endParaRPr lang="en-US" dirty="0"/>
           </a:p>
@@ -2965,7 +2965,7 @@
             <a:fld id="{2231763A-68EC-4ECD-9620-D9FE9CDDD622}" type="datetime1">
               <a:rPr lang="en-US" smtClean="0"/>
               <a:pPr/>
-              <a:t>4/20/2016</a:t>
+              <a:t>5/26/2016</a:t>
             </a:fld>
             <a:endParaRPr lang="en-US" dirty="0"/>
           </a:p>
@@ -3159,7 +3159,7 @@
             <a:fld id="{7B98BEDD-6160-49BB-B372-861DE7DE9BA5}" type="datetime1">
               <a:rPr lang="en-US" smtClean="0"/>
               <a:pPr/>
-              <a:t>4/20/2016</a:t>
+              <a:t>5/26/2016</a:t>
             </a:fld>
             <a:endParaRPr lang="en-US" dirty="0"/>
           </a:p>
@@ -3343,7 +3343,7 @@
             <a:fld id="{0AAE819F-B7FD-4B29-8F66-9E318144BC2A}" type="datetime1">
               <a:rPr lang="en-US" smtClean="0"/>
               <a:pPr/>
-              <a:t>4/20/2016</a:t>
+              <a:t>5/26/2016</a:t>
             </a:fld>
             <a:endParaRPr lang="en-US" dirty="0"/>
           </a:p>
@@ -3577,7 +3577,7 @@
             <a:fld id="{D4CA159C-B6E0-4F10-9F4A-2FA57003B139}" type="datetime1">
               <a:rPr lang="en-US" smtClean="0"/>
               <a:pPr/>
-              <a:t>4/20/2016</a:t>
+              <a:t>5/26/2016</a:t>
             </a:fld>
             <a:endParaRPr lang="en-US" dirty="0"/>
           </a:p>
@@ -3871,7 +3871,7 @@
             <a:fld id="{8170CBBB-D1D1-4386-A5E9-07F3477B78F3}" type="datetime1">
               <a:rPr lang="en-US" smtClean="0"/>
               <a:pPr/>
-              <a:t>4/20/2016</a:t>
+              <a:t>5/26/2016</a:t>
             </a:fld>
             <a:endParaRPr lang="en-US" dirty="0"/>
           </a:p>
@@ -4301,7 +4301,7 @@
             <a:fld id="{9FA4CAD8-0EA7-4615-B69B-B2F199EF3A93}" type="datetime1">
               <a:rPr lang="en-US" smtClean="0"/>
               <a:pPr/>
-              <a:t>4/20/2016</a:t>
+              <a:t>5/26/2016</a:t>
             </a:fld>
             <a:endParaRPr lang="en-US" dirty="0"/>
           </a:p>
@@ -4456,7 +4456,7 @@
             <a:fld id="{B9234BD7-6953-492C-921B-E68B2D7F14C8}" type="datetime1">
               <a:rPr lang="en-US" smtClean="0"/>
               <a:pPr/>
-              <a:t>4/20/2016</a:t>
+              <a:t>5/26/2016</a:t>
             </a:fld>
             <a:endParaRPr lang="en-US" dirty="0"/>
           </a:p>
@@ -4565,7 +4565,7 @@
             <a:fld id="{35A17D9B-D4D3-4E23-88DF-2E354FA43196}" type="datetime1">
               <a:rPr lang="en-US" smtClean="0"/>
               <a:pPr/>
-              <a:t>4/20/2016</a:t>
+              <a:t>5/26/2016</a:t>
             </a:fld>
             <a:endParaRPr lang="en-US" dirty="0"/>
           </a:p>
@@ -4829,7 +4829,7 @@
             <a:fld id="{541F67C5-D04E-4576-B61C-12ABA14BBD6C}" type="datetime1">
               <a:rPr lang="en-US" smtClean="0"/>
               <a:pPr/>
-              <a:t>4/20/2016</a:t>
+              <a:t>5/26/2016</a:t>
             </a:fld>
             <a:endParaRPr lang="en-US" dirty="0"/>
           </a:p>
@@ -5731,7 +5731,7 @@
             <a:fld id="{C20F09E4-6EA4-4BF3-9FC8-FF40373B88E6}" type="datetime1">
               <a:rPr lang="en-US" smtClean="0"/>
               <a:pPr/>
-              <a:t>4/20/2016</a:t>
+              <a:t>5/26/2016</a:t>
             </a:fld>
             <a:endParaRPr lang="en-US" dirty="0"/>
           </a:p>
@@ -20802,17 +20802,27 @@
                 <a:latin typeface="Times New Roman" panose="02020603050405020304" pitchFamily="18" charset="0"/>
                 <a:cs typeface="Times New Roman" panose="02020603050405020304" pitchFamily="18" charset="0"/>
               </a:rPr>
-              <a:t>      </a:t>
-            </a:r>
-            <a:r>
-              <a:rPr lang="en-US" sz="1600" dirty="0" err="1">
-                <a:solidFill>
-                  <a:schemeClr val="tx1"/>
-                </a:solidFill>
-                <a:latin typeface="Times New Roman" panose="02020603050405020304" pitchFamily="18" charset="0"/>
-                <a:cs typeface="Times New Roman" panose="02020603050405020304" pitchFamily="18" charset="0"/>
-              </a:rPr>
-              <a:t>plot.title</a:t>
+              <a:t> </a:t>
+            </a:r>
+            <a:r>
+              <a:rPr lang="en-US" sz="1600" dirty="0" smtClean="0">
+                <a:solidFill>
+                  <a:schemeClr val="tx1"/>
+                </a:solidFill>
+                <a:latin typeface="Times New Roman" panose="02020603050405020304" pitchFamily="18" charset="0"/>
+                <a:cs typeface="Times New Roman" panose="02020603050405020304" pitchFamily="18" charset="0"/>
+              </a:rPr>
+              <a:t>     </a:t>
+            </a:r>
+            <a:r>
+              <a:rPr lang="en-US" sz="1600" dirty="0" err="1" smtClean="0">
+                <a:solidFill>
+                  <a:schemeClr val="tx1"/>
+                </a:solidFill>
+                <a:latin typeface="Times New Roman" panose="02020603050405020304" pitchFamily="18" charset="0"/>
+                <a:cs typeface="Times New Roman" panose="02020603050405020304" pitchFamily="18" charset="0"/>
+              </a:rPr>
+              <a:t>plot.type</a:t>
             </a:r>
             <a:r>
               <a:rPr lang="en-US" sz="1600" dirty="0">
@@ -20822,13 +20832,70 @@
                 <a:latin typeface="Times New Roman" panose="02020603050405020304" pitchFamily="18" charset="0"/>
                 <a:cs typeface="Times New Roman" panose="02020603050405020304" pitchFamily="18" charset="0"/>
               </a:rPr>
+              <a:t>="nonpolar", </a:t>
+            </a:r>
+            <a:endParaRPr lang="en-US" sz="1600" dirty="0" smtClean="0">
+              <a:solidFill>
+                <a:schemeClr val="tx1"/>
+              </a:solidFill>
+              <a:latin typeface="Times New Roman" panose="02020603050405020304" pitchFamily="18" charset="0"/>
+              <a:cs typeface="Times New Roman" panose="02020603050405020304" pitchFamily="18" charset="0"/>
+            </a:endParaRPr>
+          </a:p>
+          <a:p>
+            <a:pPr marL="109728" indent="0">
+              <a:buNone/>
+            </a:pPr>
+            <a:r>
+              <a:rPr lang="en-US" sz="1600" dirty="0">
+                <a:solidFill>
+                  <a:schemeClr val="tx1"/>
+                </a:solidFill>
+                <a:latin typeface="Times New Roman" panose="02020603050405020304" pitchFamily="18" charset="0"/>
+                <a:cs typeface="Times New Roman" panose="02020603050405020304" pitchFamily="18" charset="0"/>
+              </a:rPr>
+              <a:t> </a:t>
+            </a:r>
+            <a:r>
+              <a:rPr lang="en-US" sz="1600" dirty="0" smtClean="0">
+                <a:solidFill>
+                  <a:schemeClr val="tx1"/>
+                </a:solidFill>
+                <a:latin typeface="Times New Roman" panose="02020603050405020304" pitchFamily="18" charset="0"/>
+                <a:cs typeface="Times New Roman" panose="02020603050405020304" pitchFamily="18" charset="0"/>
+              </a:rPr>
+              <a:t>     options=list(title</a:t>
+            </a:r>
+            <a:r>
+              <a:rPr lang="en-US" sz="1600" dirty="0">
+                <a:solidFill>
+                  <a:schemeClr val="tx1"/>
+                </a:solidFill>
+                <a:latin typeface="Times New Roman" panose="02020603050405020304" pitchFamily="18" charset="0"/>
+                <a:cs typeface="Times New Roman" panose="02020603050405020304" pitchFamily="18" charset="0"/>
+              </a:rPr>
               <a:t>="QQ plot", </a:t>
             </a:r>
-          </a:p>
-          <a:p>
-            <a:pPr marL="109728" indent="0">
-              <a:buNone/>
-            </a:pPr>
+            <a:r>
+              <a:rPr lang="en-US" sz="1600" dirty="0" err="1" smtClean="0">
+                <a:solidFill>
+                  <a:schemeClr val="tx1"/>
+                </a:solidFill>
+                <a:latin typeface="Times New Roman" panose="02020603050405020304" pitchFamily="18" charset="0"/>
+                <a:cs typeface="Times New Roman" panose="02020603050405020304" pitchFamily="18" charset="0"/>
+              </a:rPr>
+              <a:t>top.motif.labels</a:t>
+            </a:r>
+            <a:r>
+              <a:rPr lang="en-US" sz="1600" dirty="0" smtClean="0">
+                <a:solidFill>
+                  <a:schemeClr val="tx1"/>
+                </a:solidFill>
+                <a:latin typeface="Times New Roman" panose="02020603050405020304" pitchFamily="18" charset="0"/>
+                <a:cs typeface="Times New Roman" panose="02020603050405020304" pitchFamily="18" charset="0"/>
+              </a:rPr>
+              <a:t>=3</a:t>
+            </a:r>
             <a:r>
               <a:rPr lang="en-US" sz="1600" dirty="0">
                 <a:solidFill>
@@ -20837,50 +20904,10 @@
                 <a:latin typeface="Times New Roman" panose="02020603050405020304" pitchFamily="18" charset="0"/>
                 <a:cs typeface="Times New Roman" panose="02020603050405020304" pitchFamily="18" charset="0"/>
               </a:rPr>
-              <a:t>      </a:t>
-            </a:r>
-            <a:r>
-              <a:rPr lang="en-US" sz="1600" dirty="0" err="1">
-                <a:solidFill>
-                  <a:schemeClr val="tx1"/>
-                </a:solidFill>
-                <a:latin typeface="Times New Roman" panose="02020603050405020304" pitchFamily="18" charset="0"/>
-                <a:cs typeface="Times New Roman" panose="02020603050405020304" pitchFamily="18" charset="0"/>
-              </a:rPr>
-              <a:t>top.motif.labels</a:t>
-            </a:r>
-            <a:r>
-              <a:rPr lang="en-US" sz="1600" dirty="0">
-                <a:solidFill>
-                  <a:schemeClr val="tx1"/>
-                </a:solidFill>
-                <a:latin typeface="Times New Roman" panose="02020603050405020304" pitchFamily="18" charset="0"/>
-                <a:cs typeface="Times New Roman" panose="02020603050405020304" pitchFamily="18" charset="0"/>
-              </a:rPr>
-              <a:t>=3, </a:t>
-            </a:r>
-            <a:r>
-              <a:rPr lang="en-US" sz="1600" dirty="0" err="1">
-                <a:solidFill>
-                  <a:schemeClr val="tx1"/>
-                </a:solidFill>
-                <a:latin typeface="Times New Roman" panose="02020603050405020304" pitchFamily="18" charset="0"/>
-                <a:cs typeface="Times New Roman" panose="02020603050405020304" pitchFamily="18" charset="0"/>
-              </a:rPr>
-              <a:t>plot.type</a:t>
-            </a:r>
-            <a:r>
-              <a:rPr lang="en-US" sz="1600" dirty="0">
-                <a:solidFill>
-                  <a:schemeClr val="tx1"/>
-                </a:solidFill>
-                <a:latin typeface="Times New Roman" panose="02020603050405020304" pitchFamily="18" charset="0"/>
-                <a:cs typeface="Times New Roman" panose="02020603050405020304" pitchFamily="18" charset="0"/>
-              </a:rPr>
-              <a:t>="nonpolar", </a:t>
-            </a:r>
-            <a:r>
-              <a:rPr lang="en-US" sz="1600" dirty="0" err="1">
+              <a:t>, </a:t>
+            </a:r>
+            <a:r>
+              <a:rPr lang="en-US" sz="1600" dirty="0" err="1" smtClean="0">
                 <a:solidFill>
                   <a:schemeClr val="tx1"/>
                 </a:solidFill>
@@ -20890,15 +20917,22 @@
               <a:t>color.scheme</a:t>
             </a:r>
             <a:r>
-              <a:rPr lang="en-US" sz="1600" dirty="0">
-                <a:solidFill>
-                  <a:schemeClr val="tx1"/>
-                </a:solidFill>
-                <a:latin typeface="Times New Roman" panose="02020603050405020304" pitchFamily="18" charset="0"/>
-                <a:cs typeface="Times New Roman" panose="02020603050405020304" pitchFamily="18" charset="0"/>
-              </a:rPr>
-              <a:t>=2);</a:t>
-            </a:r>
+              <a:rPr lang="en-US" sz="1600" dirty="0" smtClean="0">
+                <a:solidFill>
+                  <a:schemeClr val="tx1"/>
+                </a:solidFill>
+                <a:latin typeface="Times New Roman" panose="02020603050405020304" pitchFamily="18" charset="0"/>
+                <a:cs typeface="Times New Roman" panose="02020603050405020304" pitchFamily="18" charset="0"/>
+              </a:rPr>
+              <a:t>=2) );</a:t>
+            </a:r>
+            <a:endParaRPr lang="en-US" sz="1600" dirty="0">
+              <a:solidFill>
+                <a:schemeClr val="tx1"/>
+              </a:solidFill>
+              <a:latin typeface="Times New Roman" panose="02020603050405020304" pitchFamily="18" charset="0"/>
+              <a:cs typeface="Times New Roman" panose="02020603050405020304" pitchFamily="18" charset="0"/>
+            </a:endParaRPr>
           </a:p>
           <a:p>
             <a:pPr marL="109728" indent="0">
@@ -21185,7 +21219,7 @@
         </p:blipFill>
         <p:spPr>
           <a:xfrm>
-            <a:off x="7964686" y="2400957"/>
+            <a:off x="4254056" y="2412875"/>
             <a:ext cx="3683888" cy="3665567"/>
           </a:xfrm>
           <a:prstGeom prst="rect">
@@ -21208,7 +21242,7 @@
           <a:bodyPr/>
           <a:lstStyle/>
           <a:p>
-            <a:endParaRPr lang="en-US"/>
+            <a:endParaRPr lang="en-US" dirty="0"/>
           </a:p>
         </p:txBody>
       </p:sp>
@@ -21233,11 +21267,7 @@
             </a:r>
             <a:r>
               <a:rPr lang="en-US" dirty="0" smtClean="0"/>
-              <a:t>for </a:t>
-            </a:r>
-            <a:r>
-              <a:rPr lang="en-US" smtClean="0"/>
-              <a:t>Comparison Results</a:t>
+              <a:t>for Comparison Results</a:t>
             </a:r>
             <a:endParaRPr lang="en-US" dirty="0"/>
           </a:p>
@@ -21269,7 +21299,7 @@
       </p:pic>
       <p:pic>
         <p:nvPicPr>
-          <p:cNvPr id="7" name="Picture 6"/>
+          <p:cNvPr id="9" name="Picture 8"/>
           <p:cNvPicPr>
             <a:picLocks noChangeAspect="1"/>
           </p:cNvPicPr>
@@ -21283,8 +21313,8 @@
         </p:blipFill>
         <p:spPr>
           <a:xfrm>
-            <a:off x="4244512" y="2389041"/>
-            <a:ext cx="3702976" cy="3689401"/>
+            <a:off x="7937944" y="1869324"/>
+            <a:ext cx="3319991" cy="4752668"/>
           </a:xfrm>
           <a:prstGeom prst="rect">
             <a:avLst/>
@@ -26321,11 +26351,7 @@
             </a:pPr>
             <a:r>
               <a:rPr lang="en-US" sz="1800" dirty="0" smtClean="0"/>
-              <a:t>1) If </a:t>
-            </a:r>
-            <a:r>
-              <a:rPr lang="en-US" sz="1800" dirty="0" smtClean="0"/>
-              <a:t>the package can’t run  </a:t>
+              <a:t>1) If the package can’t run  </a:t>
             </a:r>
             <a:r>
               <a:rPr lang="en-US" sz="1800" dirty="0"/>
@@ -26333,28 +26359,16 @@
             </a:r>
             <a:r>
               <a:rPr lang="en-US" sz="1800" dirty="0" smtClean="0"/>
-              <a:t>prerequisite Unix commands or bioinformatics tools, the package will show warning </a:t>
-            </a:r>
+              <a:t>prerequisite Unix commands or bioinformatics tools, the package will show warning messages after it is loaded.</a:t>
+            </a:r>
+          </a:p>
+          <a:p>
+            <a:pPr marL="461963" indent="-344488">
+              <a:buNone/>
+            </a:pPr>
             <a:r>
               <a:rPr lang="en-US" sz="1800" dirty="0" smtClean="0"/>
-              <a:t>messages </a:t>
-            </a:r>
-            <a:r>
-              <a:rPr lang="en-US" sz="1800" dirty="0" smtClean="0"/>
-              <a:t>after it is loaded.</a:t>
-            </a:r>
-          </a:p>
-          <a:p>
-            <a:pPr marL="461963" indent="-344488">
-              <a:buNone/>
-            </a:pPr>
-            <a:r>
-              <a:rPr lang="en-US" sz="1800" dirty="0" smtClean="0"/>
-              <a:t>2) Try </a:t>
-            </a:r>
-            <a:r>
-              <a:rPr lang="en-US" sz="1800" dirty="0" smtClean="0"/>
-              <a:t>to use </a:t>
+              <a:t>2) Try to use </a:t>
             </a:r>
             <a:r>
               <a:rPr lang="en-US" sz="1800" dirty="0" err="1" smtClean="0">

--- a/rtfbsdb-tutorial.pptx
+++ b/rtfbsdb-tutorial.pptx
@@ -145,7 +145,7 @@
   </p:defaultTextStyle>
   <p:extLst>
     <p:ext uri="{EFAFB233-063F-42B5-8137-9DF3F51BA10A}">
-      <p15:sldGuideLst xmlns:p15="http://schemas.microsoft.com/office/powerpoint/2012/main" xmlns="">
+      <p15:sldGuideLst xmlns:p15="http://schemas.microsoft.com/office/powerpoint/2012/main">
         <p15:guide id="1" orient="horz" pos="2160" userDrawn="1">
           <p15:clr>
             <a:srgbClr val="A4A3A4"/>
@@ -169,7 +169,7 @@
       </p15:sldGuideLst>
     </p:ext>
     <p:ext uri="{2D200454-40CA-4A62-9FC3-DE9A4176ACB9}">
-      <p15:notesGuideLst xmlns:p15="http://schemas.microsoft.com/office/powerpoint/2012/main" xmlns=""/>
+      <p15:notesGuideLst xmlns:p15="http://schemas.microsoft.com/office/powerpoint/2012/main"/>
     </p:ext>
   </p:extLst>
 </p:presentation>
@@ -258,7 +258,7 @@
             <a:fld id="{68796EA6-6F25-4F19-87BA-7ADCC16DAEFF}" type="datetimeFigureOut">
               <a:rPr lang="en-US" smtClean="0"/>
               <a:pPr/>
-              <a:t>1/26/2017</a:t>
+              <a:t>12/7/2018</a:t>
             </a:fld>
             <a:endParaRPr lang="en-US" dirty="0"/>
           </a:p>
@@ -334,7 +334,7 @@
     </p:spTree>
     <p:extLst>
       <p:ext uri="{BB962C8B-B14F-4D97-AF65-F5344CB8AC3E}">
-        <p14:creationId xmlns:p14="http://schemas.microsoft.com/office/powerpoint/2010/main" xmlns="" val="1323295073"/>
+        <p14:creationId xmlns:p14="http://schemas.microsoft.com/office/powerpoint/2010/main" val="1323295073"/>
       </p:ext>
     </p:extLst>
   </p:cSld>
@@ -425,7 +425,7 @@
             <a:fld id="{C39C172E-A8B5-46F6-B05C-DFA3E2E0F207}" type="datetimeFigureOut">
               <a:rPr lang="en-US" smtClean="0"/>
               <a:pPr/>
-              <a:t>1/26/2017</a:t>
+              <a:t>12/7/2018</a:t>
             </a:fld>
             <a:endParaRPr lang="en-US" dirty="0"/>
           </a:p>
@@ -594,7 +594,7 @@
     </p:spTree>
     <p:extLst>
       <p:ext uri="{BB962C8B-B14F-4D97-AF65-F5344CB8AC3E}">
-        <p14:creationId xmlns:p14="http://schemas.microsoft.com/office/powerpoint/2010/main" xmlns="" val="1273268184"/>
+        <p14:creationId xmlns:p14="http://schemas.microsoft.com/office/powerpoint/2010/main" val="1273268184"/>
       </p:ext>
     </p:extLst>
   </p:cSld>
@@ -769,7 +769,7 @@
     </p:spTree>
     <p:extLst>
       <p:ext uri="{BB962C8B-B14F-4D97-AF65-F5344CB8AC3E}">
-        <p14:creationId xmlns:p14="http://schemas.microsoft.com/office/powerpoint/2010/main" xmlns="" val="2147974240"/>
+        <p14:creationId xmlns:p14="http://schemas.microsoft.com/office/powerpoint/2010/main" val="2147974240"/>
       </p:ext>
     </p:extLst>
   </p:cSld>
@@ -857,7 +857,7 @@
     </p:spTree>
     <p:extLst>
       <p:ext uri="{BB962C8B-B14F-4D97-AF65-F5344CB8AC3E}">
-        <p14:creationId xmlns:p14="http://schemas.microsoft.com/office/powerpoint/2010/main" xmlns="" val="1908513650"/>
+        <p14:creationId xmlns:p14="http://schemas.microsoft.com/office/powerpoint/2010/main" val="1908513650"/>
       </p:ext>
     </p:extLst>
   </p:cSld>
@@ -945,7 +945,7 @@
     </p:spTree>
     <p:extLst>
       <p:ext uri="{BB962C8B-B14F-4D97-AF65-F5344CB8AC3E}">
-        <p14:creationId xmlns:p14="http://schemas.microsoft.com/office/powerpoint/2010/main" xmlns="" val="1290809032"/>
+        <p14:creationId xmlns:p14="http://schemas.microsoft.com/office/powerpoint/2010/main" val="1290809032"/>
       </p:ext>
     </p:extLst>
   </p:cSld>
@@ -1033,7 +1033,7 @@
     </p:spTree>
     <p:extLst>
       <p:ext uri="{BB962C8B-B14F-4D97-AF65-F5344CB8AC3E}">
-        <p14:creationId xmlns:p14="http://schemas.microsoft.com/office/powerpoint/2010/main" xmlns="" val="1934575751"/>
+        <p14:creationId xmlns:p14="http://schemas.microsoft.com/office/powerpoint/2010/main" val="1934575751"/>
       </p:ext>
     </p:extLst>
   </p:cSld>
@@ -1118,7 +1118,7 @@
     </p:spTree>
     <p:extLst>
       <p:ext uri="{BB962C8B-B14F-4D97-AF65-F5344CB8AC3E}">
-        <p14:creationId xmlns:p14="http://schemas.microsoft.com/office/powerpoint/2010/main" xmlns="" val="1338302363"/>
+        <p14:creationId xmlns:p14="http://schemas.microsoft.com/office/powerpoint/2010/main" val="1338302363"/>
       </p:ext>
     </p:extLst>
   </p:cSld>
@@ -1203,7 +1203,7 @@
     </p:spTree>
     <p:extLst>
       <p:ext uri="{BB962C8B-B14F-4D97-AF65-F5344CB8AC3E}">
-        <p14:creationId xmlns:p14="http://schemas.microsoft.com/office/powerpoint/2010/main" xmlns="" val="1709335026"/>
+        <p14:creationId xmlns:p14="http://schemas.microsoft.com/office/powerpoint/2010/main" val="1709335026"/>
       </p:ext>
     </p:extLst>
   </p:cSld>
@@ -1292,7 +1292,7 @@
     </p:spTree>
     <p:extLst>
       <p:ext uri="{BB962C8B-B14F-4D97-AF65-F5344CB8AC3E}">
-        <p14:creationId xmlns:p14="http://schemas.microsoft.com/office/powerpoint/2010/main" xmlns="" val="2547361010"/>
+        <p14:creationId xmlns:p14="http://schemas.microsoft.com/office/powerpoint/2010/main" val="2547361010"/>
       </p:ext>
     </p:extLst>
   </p:cSld>
@@ -1381,7 +1381,7 @@
     </p:spTree>
     <p:extLst>
       <p:ext uri="{BB962C8B-B14F-4D97-AF65-F5344CB8AC3E}">
-        <p14:creationId xmlns:p14="http://schemas.microsoft.com/office/powerpoint/2010/main" xmlns="" val="118867002"/>
+        <p14:creationId xmlns:p14="http://schemas.microsoft.com/office/powerpoint/2010/main" val="118867002"/>
       </p:ext>
     </p:extLst>
   </p:cSld>
@@ -1466,7 +1466,7 @@
     </p:spTree>
     <p:extLst>
       <p:ext uri="{BB962C8B-B14F-4D97-AF65-F5344CB8AC3E}">
-        <p14:creationId xmlns:p14="http://schemas.microsoft.com/office/powerpoint/2010/main" xmlns="" val="1701973911"/>
+        <p14:creationId xmlns:p14="http://schemas.microsoft.com/office/powerpoint/2010/main" val="1701973911"/>
       </p:ext>
     </p:extLst>
   </p:cSld>
@@ -1551,7 +1551,7 @@
     </p:spTree>
     <p:extLst>
       <p:ext uri="{BB962C8B-B14F-4D97-AF65-F5344CB8AC3E}">
-        <p14:creationId xmlns:p14="http://schemas.microsoft.com/office/powerpoint/2010/main" xmlns="" val="3646170879"/>
+        <p14:creationId xmlns:p14="http://schemas.microsoft.com/office/powerpoint/2010/main" val="3646170879"/>
       </p:ext>
     </p:extLst>
   </p:cSld>
@@ -1640,7 +1640,7 @@
     </p:spTree>
     <p:extLst>
       <p:ext uri="{BB962C8B-B14F-4D97-AF65-F5344CB8AC3E}">
-        <p14:creationId xmlns:p14="http://schemas.microsoft.com/office/powerpoint/2010/main" xmlns="" val="1064196180"/>
+        <p14:creationId xmlns:p14="http://schemas.microsoft.com/office/powerpoint/2010/main" val="1064196180"/>
       </p:ext>
     </p:extLst>
   </p:cSld>
@@ -1725,7 +1725,7 @@
     </p:spTree>
     <p:extLst>
       <p:ext uri="{BB962C8B-B14F-4D97-AF65-F5344CB8AC3E}">
-        <p14:creationId xmlns:p14="http://schemas.microsoft.com/office/powerpoint/2010/main" xmlns="" val="295822067"/>
+        <p14:creationId xmlns:p14="http://schemas.microsoft.com/office/powerpoint/2010/main" val="295822067"/>
       </p:ext>
     </p:extLst>
   </p:cSld>
@@ -1813,7 +1813,7 @@
     </p:spTree>
     <p:extLst>
       <p:ext uri="{BB962C8B-B14F-4D97-AF65-F5344CB8AC3E}">
-        <p14:creationId xmlns:p14="http://schemas.microsoft.com/office/powerpoint/2010/main" xmlns="" val="3069441310"/>
+        <p14:creationId xmlns:p14="http://schemas.microsoft.com/office/powerpoint/2010/main" val="3069441310"/>
       </p:ext>
     </p:extLst>
   </p:cSld>
@@ -1898,7 +1898,7 @@
     </p:spTree>
     <p:extLst>
       <p:ext uri="{BB962C8B-B14F-4D97-AF65-F5344CB8AC3E}">
-        <p14:creationId xmlns:p14="http://schemas.microsoft.com/office/powerpoint/2010/main" xmlns="" val="2042606102"/>
+        <p14:creationId xmlns:p14="http://schemas.microsoft.com/office/powerpoint/2010/main" val="2042606102"/>
       </p:ext>
     </p:extLst>
   </p:cSld>
@@ -1986,7 +1986,7 @@
     </p:spTree>
     <p:extLst>
       <p:ext uri="{BB962C8B-B14F-4D97-AF65-F5344CB8AC3E}">
-        <p14:creationId xmlns:p14="http://schemas.microsoft.com/office/powerpoint/2010/main" xmlns="" val="2462296944"/>
+        <p14:creationId xmlns:p14="http://schemas.microsoft.com/office/powerpoint/2010/main" val="2462296944"/>
       </p:ext>
     </p:extLst>
   </p:cSld>
@@ -2558,7 +2558,7 @@
             <a:fld id="{4E708F12-96AD-4ED4-8132-A78F5E42C1F5}" type="datetime1">
               <a:rPr lang="en-US" smtClean="0"/>
               <a:pPr/>
-              <a:t>1/26/2017</a:t>
+              <a:t>12/7/2018</a:t>
             </a:fld>
             <a:endParaRPr lang="en-US" dirty="0"/>
           </a:p>
@@ -2725,20 +2725,20 @@
     </p:spTree>
     <p:extLst>
       <p:ext uri="{BB962C8B-B14F-4D97-AF65-F5344CB8AC3E}">
-        <p14:creationId xmlns:p14="http://schemas.microsoft.com/office/powerpoint/2010/main" xmlns="" val="3601152184"/>
+        <p14:creationId xmlns:p14="http://schemas.microsoft.com/office/powerpoint/2010/main" val="3601152184"/>
       </p:ext>
     </p:extLst>
   </p:cSld>
   <p:clrMapOvr>
     <a:masterClrMapping/>
   </p:clrMapOvr>
-  <mc:AlternateContent xmlns:mc="http://schemas.openxmlformats.org/markup-compatibility/2006">
-    <mc:Choice xmlns:p14="http://schemas.microsoft.com/office/powerpoint/2010/main" xmlns="" Requires="p14">
+  <mc:AlternateContent xmlns:mc="http://schemas.openxmlformats.org/markup-compatibility/2006" xmlns:p14="http://schemas.microsoft.com/office/powerpoint/2010/main">
+    <mc:Choice Requires="p14">
       <p:transition spd="med" p14:dur="700">
         <p:fade/>
       </p:transition>
     </mc:Choice>
-    <mc:Fallback>
+    <mc:Fallback xmlns="">
       <p:transition spd="med">
         <p:fade/>
       </p:transition>
@@ -2782,7 +2782,7 @@
             <a:fld id="{7B7FA170-8299-44AD-AEEF-FC686C3D7804}" type="datetime1">
               <a:rPr lang="en-US" smtClean="0"/>
               <a:pPr/>
-              <a:t>1/26/2017</a:t>
+              <a:t>12/7/2018</a:t>
             </a:fld>
             <a:endParaRPr lang="en-US" dirty="0"/>
           </a:p>
@@ -2909,20 +2909,20 @@
     </p:spTree>
     <p:extLst>
       <p:ext uri="{BB962C8B-B14F-4D97-AF65-F5344CB8AC3E}">
-        <p14:creationId xmlns:p14="http://schemas.microsoft.com/office/powerpoint/2010/main" xmlns="" val="3467844215"/>
+        <p14:creationId xmlns:p14="http://schemas.microsoft.com/office/powerpoint/2010/main" val="3467844215"/>
       </p:ext>
     </p:extLst>
   </p:cSld>
   <p:clrMapOvr>
     <a:masterClrMapping/>
   </p:clrMapOvr>
-  <mc:AlternateContent xmlns:mc="http://schemas.openxmlformats.org/markup-compatibility/2006">
-    <mc:Choice xmlns:p14="http://schemas.microsoft.com/office/powerpoint/2010/main" xmlns="" Requires="p14">
+  <mc:AlternateContent xmlns:mc="http://schemas.openxmlformats.org/markup-compatibility/2006" xmlns:p14="http://schemas.microsoft.com/office/powerpoint/2010/main">
+    <mc:Choice Requires="p14">
       <p:transition spd="med" p14:dur="700">
         <p:fade/>
       </p:transition>
     </mc:Choice>
-    <mc:Fallback>
+    <mc:Fallback xmlns="">
       <p:transition spd="med">
         <p:fade/>
       </p:transition>
@@ -2966,7 +2966,7 @@
             <a:fld id="{2231763A-68EC-4ECD-9620-D9FE9CDDD622}" type="datetime1">
               <a:rPr lang="en-US" smtClean="0"/>
               <a:pPr/>
-              <a:t>1/26/2017</a:t>
+              <a:t>12/7/2018</a:t>
             </a:fld>
             <a:endParaRPr lang="en-US" dirty="0"/>
           </a:p>
@@ -3103,20 +3103,20 @@
     </p:spTree>
     <p:extLst>
       <p:ext uri="{BB962C8B-B14F-4D97-AF65-F5344CB8AC3E}">
-        <p14:creationId xmlns:p14="http://schemas.microsoft.com/office/powerpoint/2010/main" xmlns="" val="2978088367"/>
+        <p14:creationId xmlns:p14="http://schemas.microsoft.com/office/powerpoint/2010/main" val="2978088367"/>
       </p:ext>
     </p:extLst>
   </p:cSld>
   <p:clrMapOvr>
     <a:masterClrMapping/>
   </p:clrMapOvr>
-  <mc:AlternateContent xmlns:mc="http://schemas.openxmlformats.org/markup-compatibility/2006">
-    <mc:Choice xmlns:p14="http://schemas.microsoft.com/office/powerpoint/2010/main" xmlns="" Requires="p14">
+  <mc:AlternateContent xmlns:mc="http://schemas.openxmlformats.org/markup-compatibility/2006" xmlns:p14="http://schemas.microsoft.com/office/powerpoint/2010/main">
+    <mc:Choice Requires="p14">
       <p:transition spd="med" p14:dur="700">
         <p:fade/>
       </p:transition>
     </mc:Choice>
-    <mc:Fallback>
+    <mc:Fallback xmlns="">
       <p:transition spd="med">
         <p:fade/>
       </p:transition>
@@ -3160,7 +3160,7 @@
             <a:fld id="{7B98BEDD-6160-49BB-B372-861DE7DE9BA5}" type="datetime1">
               <a:rPr lang="en-US" smtClean="0"/>
               <a:pPr/>
-              <a:t>1/26/2017</a:t>
+              <a:t>12/7/2018</a:t>
             </a:fld>
             <a:endParaRPr lang="en-US" dirty="0"/>
           </a:p>
@@ -3287,20 +3287,20 @@
     </p:spTree>
     <p:extLst>
       <p:ext uri="{BB962C8B-B14F-4D97-AF65-F5344CB8AC3E}">
-        <p14:creationId xmlns:p14="http://schemas.microsoft.com/office/powerpoint/2010/main" xmlns="" val="3594303165"/>
+        <p14:creationId xmlns:p14="http://schemas.microsoft.com/office/powerpoint/2010/main" val="3594303165"/>
       </p:ext>
     </p:extLst>
   </p:cSld>
   <p:clrMapOvr>
     <a:masterClrMapping/>
   </p:clrMapOvr>
-  <mc:AlternateContent xmlns:mc="http://schemas.openxmlformats.org/markup-compatibility/2006">
-    <mc:Choice xmlns:p14="http://schemas.microsoft.com/office/powerpoint/2010/main" xmlns="" Requires="p14">
+  <mc:AlternateContent xmlns:mc="http://schemas.openxmlformats.org/markup-compatibility/2006" xmlns:p14="http://schemas.microsoft.com/office/powerpoint/2010/main">
+    <mc:Choice Requires="p14">
       <p:transition spd="med" p14:dur="700">
         <p:fade/>
       </p:transition>
     </mc:Choice>
-    <mc:Fallback>
+    <mc:Fallback xmlns="">
       <p:transition spd="med">
         <p:fade/>
       </p:transition>
@@ -3344,7 +3344,7 @@
             <a:fld id="{0AAE819F-B7FD-4B29-8F66-9E318144BC2A}" type="datetime1">
               <a:rPr lang="en-US" smtClean="0"/>
               <a:pPr/>
-              <a:t>1/26/2017</a:t>
+              <a:t>12/7/2018</a:t>
             </a:fld>
             <a:endParaRPr lang="en-US" dirty="0"/>
           </a:p>
@@ -3521,20 +3521,20 @@
     </p:spTree>
     <p:extLst>
       <p:ext uri="{BB962C8B-B14F-4D97-AF65-F5344CB8AC3E}">
-        <p14:creationId xmlns:p14="http://schemas.microsoft.com/office/powerpoint/2010/main" xmlns="" val="2705127227"/>
+        <p14:creationId xmlns:p14="http://schemas.microsoft.com/office/powerpoint/2010/main" val="2705127227"/>
       </p:ext>
     </p:extLst>
   </p:cSld>
   <p:clrMapOvr>
     <a:masterClrMapping/>
   </p:clrMapOvr>
-  <mc:AlternateContent xmlns:mc="http://schemas.openxmlformats.org/markup-compatibility/2006">
-    <mc:Choice xmlns:p14="http://schemas.microsoft.com/office/powerpoint/2010/main" xmlns="" Requires="p14">
+  <mc:AlternateContent xmlns:mc="http://schemas.openxmlformats.org/markup-compatibility/2006" xmlns:p14="http://schemas.microsoft.com/office/powerpoint/2010/main">
+    <mc:Choice Requires="p14">
       <p:transition spd="med" p14:dur="700">
         <p:fade/>
       </p:transition>
     </mc:Choice>
-    <mc:Fallback>
+    <mc:Fallback xmlns="">
       <p:transition spd="med">
         <p:fade/>
       </p:transition>
@@ -3578,7 +3578,7 @@
             <a:fld id="{D4CA159C-B6E0-4F10-9F4A-2FA57003B139}" type="datetime1">
               <a:rPr lang="en-US" smtClean="0"/>
               <a:pPr/>
-              <a:t>1/26/2017</a:t>
+              <a:t>12/7/2018</a:t>
             </a:fld>
             <a:endParaRPr lang="en-US" dirty="0"/>
           </a:p>
@@ -3799,20 +3799,20 @@
     </p:spTree>
     <p:extLst>
       <p:ext uri="{BB962C8B-B14F-4D97-AF65-F5344CB8AC3E}">
-        <p14:creationId xmlns:p14="http://schemas.microsoft.com/office/powerpoint/2010/main" xmlns="" val="3446445169"/>
+        <p14:creationId xmlns:p14="http://schemas.microsoft.com/office/powerpoint/2010/main" val="3446445169"/>
       </p:ext>
     </p:extLst>
   </p:cSld>
   <p:clrMapOvr>
     <a:masterClrMapping/>
   </p:clrMapOvr>
-  <mc:AlternateContent xmlns:mc="http://schemas.openxmlformats.org/markup-compatibility/2006">
-    <mc:Choice xmlns:p14="http://schemas.microsoft.com/office/powerpoint/2010/main" xmlns="" Requires="p14">
+  <mc:AlternateContent xmlns:mc="http://schemas.openxmlformats.org/markup-compatibility/2006" xmlns:p14="http://schemas.microsoft.com/office/powerpoint/2010/main">
+    <mc:Choice Requires="p14">
       <p:transition spd="med" p14:dur="700">
         <p:fade/>
       </p:transition>
     </mc:Choice>
-    <mc:Fallback>
+    <mc:Fallback xmlns="">
       <p:transition spd="med">
         <p:fade/>
       </p:transition>
@@ -3820,7 +3820,7 @@
   </mc:AlternateContent>
   <p:extLst mod="1">
     <p:ext uri="{DCECCB84-F9BA-43D5-87BE-67443E8EF086}">
-      <p15:sldGuideLst xmlns:p15="http://schemas.microsoft.com/office/powerpoint/2012/main" xmlns="">
+      <p15:sldGuideLst xmlns:p15="http://schemas.microsoft.com/office/powerpoint/2012/main">
         <p15:guide id="0" orient="horz" pos="2160" userDrawn="1">
           <p15:clr>
             <a:srgbClr val="FBAE40"/>
@@ -3872,7 +3872,7 @@
             <a:fld id="{8170CBBB-D1D1-4386-A5E9-07F3477B78F3}" type="datetime1">
               <a:rPr lang="en-US" smtClean="0"/>
               <a:pPr/>
-              <a:t>1/26/2017</a:t>
+              <a:t>12/7/2018</a:t>
             </a:fld>
             <a:endParaRPr lang="en-US" dirty="0"/>
           </a:p>
@@ -4240,20 +4240,20 @@
     </p:spTree>
     <p:extLst>
       <p:ext uri="{BB962C8B-B14F-4D97-AF65-F5344CB8AC3E}">
-        <p14:creationId xmlns:p14="http://schemas.microsoft.com/office/powerpoint/2010/main" xmlns="" val="370716595"/>
+        <p14:creationId xmlns:p14="http://schemas.microsoft.com/office/powerpoint/2010/main" val="370716595"/>
       </p:ext>
     </p:extLst>
   </p:cSld>
   <p:clrMapOvr>
     <a:masterClrMapping/>
   </p:clrMapOvr>
-  <mc:AlternateContent xmlns:mc="http://schemas.openxmlformats.org/markup-compatibility/2006">
-    <mc:Choice xmlns:p14="http://schemas.microsoft.com/office/powerpoint/2010/main" xmlns="" Requires="p14">
+  <mc:AlternateContent xmlns:mc="http://schemas.openxmlformats.org/markup-compatibility/2006" xmlns:p14="http://schemas.microsoft.com/office/powerpoint/2010/main">
+    <mc:Choice Requires="p14">
       <p:transition spd="med" p14:dur="700">
         <p:fade/>
       </p:transition>
     </mc:Choice>
-    <mc:Fallback>
+    <mc:Fallback xmlns="">
       <p:transition spd="med">
         <p:fade/>
       </p:transition>
@@ -4302,7 +4302,7 @@
             <a:fld id="{9FA4CAD8-0EA7-4615-B69B-B2F199EF3A93}" type="datetime1">
               <a:rPr lang="en-US" smtClean="0"/>
               <a:pPr/>
-              <a:t>1/26/2017</a:t>
+              <a:t>12/7/2018</a:t>
             </a:fld>
             <a:endParaRPr lang="en-US" dirty="0"/>
           </a:p>
@@ -4400,20 +4400,20 @@
     </p:spTree>
     <p:extLst>
       <p:ext uri="{BB962C8B-B14F-4D97-AF65-F5344CB8AC3E}">
-        <p14:creationId xmlns:p14="http://schemas.microsoft.com/office/powerpoint/2010/main" xmlns="" val="3821952534"/>
+        <p14:creationId xmlns:p14="http://schemas.microsoft.com/office/powerpoint/2010/main" val="3821952534"/>
       </p:ext>
     </p:extLst>
   </p:cSld>
   <p:clrMapOvr>
     <a:masterClrMapping/>
   </p:clrMapOvr>
-  <mc:AlternateContent xmlns:mc="http://schemas.openxmlformats.org/markup-compatibility/2006">
-    <mc:Choice xmlns:p14="http://schemas.microsoft.com/office/powerpoint/2010/main" xmlns="" Requires="p14">
+  <mc:AlternateContent xmlns:mc="http://schemas.openxmlformats.org/markup-compatibility/2006" xmlns:p14="http://schemas.microsoft.com/office/powerpoint/2010/main">
+    <mc:Choice Requires="p14">
       <p:transition spd="med" p14:dur="700">
         <p:fade/>
       </p:transition>
     </mc:Choice>
-    <mc:Fallback>
+    <mc:Fallback xmlns="">
       <p:transition spd="med">
         <p:fade/>
       </p:transition>
@@ -4457,7 +4457,7 @@
             <a:fld id="{B9234BD7-6953-492C-921B-E68B2D7F14C8}" type="datetime1">
               <a:rPr lang="en-US" smtClean="0"/>
               <a:pPr/>
-              <a:t>1/26/2017</a:t>
+              <a:t>12/7/2018</a:t>
             </a:fld>
             <a:endParaRPr lang="en-US" dirty="0"/>
           </a:p>
@@ -4509,20 +4509,20 @@
     </p:spTree>
     <p:extLst>
       <p:ext uri="{BB962C8B-B14F-4D97-AF65-F5344CB8AC3E}">
-        <p14:creationId xmlns:p14="http://schemas.microsoft.com/office/powerpoint/2010/main" xmlns="" val="1135695157"/>
+        <p14:creationId xmlns:p14="http://schemas.microsoft.com/office/powerpoint/2010/main" val="1135695157"/>
       </p:ext>
     </p:extLst>
   </p:cSld>
   <p:clrMapOvr>
     <a:masterClrMapping/>
   </p:clrMapOvr>
-  <mc:AlternateContent xmlns:mc="http://schemas.openxmlformats.org/markup-compatibility/2006">
-    <mc:Choice xmlns:p14="http://schemas.microsoft.com/office/powerpoint/2010/main" xmlns="" Requires="p14">
+  <mc:AlternateContent xmlns:mc="http://schemas.openxmlformats.org/markup-compatibility/2006" xmlns:p14="http://schemas.microsoft.com/office/powerpoint/2010/main">
+    <mc:Choice Requires="p14">
       <p:transition spd="med" p14:dur="700">
         <p:fade/>
       </p:transition>
     </mc:Choice>
-    <mc:Fallback>
+    <mc:Fallback xmlns="">
       <p:transition spd="med">
         <p:fade/>
       </p:transition>
@@ -4566,7 +4566,7 @@
             <a:fld id="{35A17D9B-D4D3-4E23-88DF-2E354FA43196}" type="datetime1">
               <a:rPr lang="en-US" smtClean="0"/>
               <a:pPr/>
-              <a:t>1/26/2017</a:t>
+              <a:t>12/7/2018</a:t>
             </a:fld>
             <a:endParaRPr lang="en-US" dirty="0"/>
           </a:p>
@@ -4773,20 +4773,20 @@
     </p:spTree>
     <p:extLst>
       <p:ext uri="{BB962C8B-B14F-4D97-AF65-F5344CB8AC3E}">
-        <p14:creationId xmlns:p14="http://schemas.microsoft.com/office/powerpoint/2010/main" xmlns="" val="498685234"/>
+        <p14:creationId xmlns:p14="http://schemas.microsoft.com/office/powerpoint/2010/main" val="498685234"/>
       </p:ext>
     </p:extLst>
   </p:cSld>
   <p:clrMapOvr>
     <a:masterClrMapping/>
   </p:clrMapOvr>
-  <mc:AlternateContent xmlns:mc="http://schemas.openxmlformats.org/markup-compatibility/2006">
-    <mc:Choice xmlns:p14="http://schemas.microsoft.com/office/powerpoint/2010/main" xmlns="" Requires="p14">
+  <mc:AlternateContent xmlns:mc="http://schemas.openxmlformats.org/markup-compatibility/2006" xmlns:p14="http://schemas.microsoft.com/office/powerpoint/2010/main">
+    <mc:Choice Requires="p14">
       <p:transition spd="med" p14:dur="700">
         <p:fade/>
       </p:transition>
     </mc:Choice>
-    <mc:Fallback>
+    <mc:Fallback xmlns="">
       <p:transition spd="med">
         <p:fade/>
       </p:transition>
@@ -4830,7 +4830,7 @@
             <a:fld id="{541F67C5-D04E-4576-B61C-12ABA14BBD6C}" type="datetime1">
               <a:rPr lang="en-US" smtClean="0"/>
               <a:pPr/>
-              <a:t>1/26/2017</a:t>
+              <a:t>12/7/2018</a:t>
             </a:fld>
             <a:endParaRPr lang="en-US" dirty="0"/>
           </a:p>
@@ -5036,20 +5036,20 @@
     </p:spTree>
     <p:extLst>
       <p:ext uri="{BB962C8B-B14F-4D97-AF65-F5344CB8AC3E}">
-        <p14:creationId xmlns:p14="http://schemas.microsoft.com/office/powerpoint/2010/main" xmlns="" val="1883619828"/>
+        <p14:creationId xmlns:p14="http://schemas.microsoft.com/office/powerpoint/2010/main" val="1883619828"/>
       </p:ext>
     </p:extLst>
   </p:cSld>
   <p:clrMapOvr>
     <a:masterClrMapping/>
   </p:clrMapOvr>
-  <mc:AlternateContent xmlns:mc="http://schemas.openxmlformats.org/markup-compatibility/2006">
-    <mc:Choice xmlns:p14="http://schemas.microsoft.com/office/powerpoint/2010/main" xmlns="" Requires="p14">
+  <mc:AlternateContent xmlns:mc="http://schemas.openxmlformats.org/markup-compatibility/2006" xmlns:p14="http://schemas.microsoft.com/office/powerpoint/2010/main">
+    <mc:Choice Requires="p14">
       <p:transition spd="med" p14:dur="700">
         <p:fade/>
       </p:transition>
     </mc:Choice>
-    <mc:Fallback>
+    <mc:Fallback xmlns="">
       <p:transition spd="med">
         <p:fade/>
       </p:transition>
@@ -5732,7 +5732,7 @@
             <a:fld id="{C20F09E4-6EA4-4BF3-9FC8-FF40373B88E6}" type="datetime1">
               <a:rPr lang="en-US" smtClean="0"/>
               <a:pPr/>
-              <a:t>1/26/2017</a:t>
+              <a:t>12/7/2018</a:t>
             </a:fld>
             <a:endParaRPr lang="en-US" dirty="0"/>
           </a:p>
@@ -5911,7 +5911,7 @@
     </p:spTree>
     <p:extLst>
       <p:ext uri="{BB962C8B-B14F-4D97-AF65-F5344CB8AC3E}">
-        <p14:creationId xmlns:p14="http://schemas.microsoft.com/office/powerpoint/2010/main" xmlns="" val="2132171725"/>
+        <p14:creationId xmlns:p14="http://schemas.microsoft.com/office/powerpoint/2010/main" val="2132171725"/>
       </p:ext>
     </p:extLst>
   </p:cSld>
@@ -5929,13 +5929,13 @@
     <p:sldLayoutId id="2147483706" r:id="rId10"/>
     <p:sldLayoutId id="2147483707" r:id="rId11"/>
   </p:sldLayoutIdLst>
-  <mc:AlternateContent xmlns:mc="http://schemas.openxmlformats.org/markup-compatibility/2006">
-    <mc:Choice xmlns:p14="http://schemas.microsoft.com/office/powerpoint/2010/main" xmlns="" Requires="p14">
+  <mc:AlternateContent xmlns:mc="http://schemas.openxmlformats.org/markup-compatibility/2006" xmlns:p14="http://schemas.microsoft.com/office/powerpoint/2010/main">
+    <mc:Choice Requires="p14">
       <p:transition spd="med" p14:dur="700">
         <p:fade/>
       </p:transition>
     </mc:Choice>
-    <mc:Fallback>
+    <mc:Fallback xmlns="">
       <p:transition spd="med">
         <p:fade/>
       </p:transition>
@@ -6225,7 +6225,7 @@
   </p:txStyles>
   <p:extLst mod="1">
     <p:ext uri="{27BBF7A9-308A-43DC-89C8-2F10F3537804}">
-      <p15:sldGuideLst xmlns:p15="http://schemas.microsoft.com/office/powerpoint/2012/main" xmlns="">
+      <p15:sldGuideLst xmlns:p15="http://schemas.microsoft.com/office/powerpoint/2012/main">
         <p15:guide id="0" orient="horz" pos="2160" userDrawn="1">
           <p15:clr>
             <a:srgbClr val="F26B43"/>
@@ -6384,20 +6384,20 @@
     </p:spTree>
     <p:extLst>
       <p:ext uri="{BB962C8B-B14F-4D97-AF65-F5344CB8AC3E}">
-        <p14:creationId xmlns:p14="http://schemas.microsoft.com/office/powerpoint/2010/main" xmlns="" val="706305541"/>
+        <p14:creationId xmlns:p14="http://schemas.microsoft.com/office/powerpoint/2010/main" val="706305541"/>
       </p:ext>
     </p:extLst>
   </p:cSld>
   <p:clrMapOvr>
     <a:masterClrMapping/>
   </p:clrMapOvr>
-  <mc:AlternateContent xmlns:mc="http://schemas.openxmlformats.org/markup-compatibility/2006">
-    <mc:Choice xmlns:p14="http://schemas.microsoft.com/office/powerpoint/2010/main" xmlns="" Requires="p14">
+  <mc:AlternateContent xmlns:mc="http://schemas.openxmlformats.org/markup-compatibility/2006" xmlns:p14="http://schemas.microsoft.com/office/powerpoint/2010/main">
+    <mc:Choice Requires="p14">
       <p:transition spd="med" p14:dur="700">
         <p:fade/>
       </p:transition>
     </mc:Choice>
-    <mc:Fallback>
+    <mc:Fallback xmlns="">
       <p:transition spd="med">
         <p:fade/>
       </p:transition>
@@ -6981,21 +6981,35 @@
                 <a:latin typeface="Times New Roman" panose="02020603050405020304" pitchFamily="18" charset="0"/>
                 <a:cs typeface="Times New Roman" panose="02020603050405020304" pitchFamily="18" charset="0"/>
               </a:rPr>
-              <a:t>', '</a:t>
-            </a:r>
-            <a:r>
-              <a:rPr lang="en-US" sz="1400" dirty="0" err="1">
-                <a:latin typeface="Times New Roman" panose="02020603050405020304" pitchFamily="18" charset="0"/>
-                <a:cs typeface="Times New Roman" panose="02020603050405020304" pitchFamily="18" charset="0"/>
-              </a:rPr>
-              <a:t>bedop</a:t>
+              <a:t>', </a:t>
+            </a:r>
+            <a:r>
+              <a:rPr lang="en-US" sz="1400" dirty="0" smtClean="0">
+                <a:latin typeface="Times New Roman" panose="02020603050405020304" pitchFamily="18" charset="0"/>
+                <a:cs typeface="Times New Roman" panose="02020603050405020304" pitchFamily="18" charset="0"/>
+              </a:rPr>
+              <a:t>'</a:t>
+            </a:r>
+            <a:r>
+              <a:rPr lang="en-US" sz="1400" dirty="0" err="1" smtClean="0">
+                <a:latin typeface="Times New Roman" panose="02020603050405020304" pitchFamily="18" charset="0"/>
+                <a:cs typeface="Times New Roman" panose="02020603050405020304" pitchFamily="18" charset="0"/>
+              </a:rPr>
+              <a:t>bedops</a:t>
+            </a:r>
+            <a:r>
+              <a:rPr lang="en-US" sz="1400" dirty="0" smtClean="0">
+                <a:latin typeface="Times New Roman" panose="02020603050405020304" pitchFamily="18" charset="0"/>
+                <a:cs typeface="Times New Roman" panose="02020603050405020304" pitchFamily="18" charset="0"/>
+              </a:rPr>
+              <a:t>', </a:t>
             </a:r>
             <a:r>
               <a:rPr lang="en-US" sz="1400" dirty="0">
                 <a:latin typeface="Times New Roman" panose="02020603050405020304" pitchFamily="18" charset="0"/>
                 <a:cs typeface="Times New Roman" panose="02020603050405020304" pitchFamily="18" charset="0"/>
               </a:rPr>
-              <a:t>', '</a:t>
+              <a:t>'</a:t>
             </a:r>
             <a:r>
               <a:rPr lang="en-US" sz="1400" dirty="0" err="1">
@@ -7338,20 +7352,20 @@
     </p:spTree>
     <p:extLst>
       <p:ext uri="{BB962C8B-B14F-4D97-AF65-F5344CB8AC3E}">
-        <p14:creationId xmlns:p14="http://schemas.microsoft.com/office/powerpoint/2010/main" xmlns="" val="4237670843"/>
+        <p14:creationId xmlns:p14="http://schemas.microsoft.com/office/powerpoint/2010/main" val="4237670843"/>
       </p:ext>
     </p:extLst>
   </p:cSld>
   <p:clrMapOvr>
     <a:masterClrMapping/>
   </p:clrMapOvr>
-  <mc:AlternateContent xmlns:mc="http://schemas.openxmlformats.org/markup-compatibility/2006">
-    <mc:Choice xmlns:p14="http://schemas.microsoft.com/office/powerpoint/2010/main" xmlns="" Requires="p14">
+  <mc:AlternateContent xmlns:mc="http://schemas.openxmlformats.org/markup-compatibility/2006" xmlns:p14="http://schemas.microsoft.com/office/powerpoint/2010/main">
+    <mc:Choice Requires="p14">
       <p:transition spd="med" p14:dur="700">
         <p:fade/>
       </p:transition>
     </mc:Choice>
-    <mc:Fallback>
+    <mc:Fallback xmlns="">
       <p:transition spd="med">
         <p:fade/>
       </p:transition>
@@ -8330,20 +8344,20 @@
     </p:spTree>
     <p:extLst>
       <p:ext uri="{BB962C8B-B14F-4D97-AF65-F5344CB8AC3E}">
-        <p14:creationId xmlns:p14="http://schemas.microsoft.com/office/powerpoint/2010/main" xmlns="" val="384888077"/>
+        <p14:creationId xmlns:p14="http://schemas.microsoft.com/office/powerpoint/2010/main" val="384888077"/>
       </p:ext>
     </p:extLst>
   </p:cSld>
   <p:clrMapOvr>
     <a:masterClrMapping/>
   </p:clrMapOvr>
-  <mc:AlternateContent xmlns:mc="http://schemas.openxmlformats.org/markup-compatibility/2006">
-    <mc:Choice xmlns:p14="http://schemas.microsoft.com/office/powerpoint/2010/main" xmlns="" Requires="p14">
+  <mc:AlternateContent xmlns:mc="http://schemas.openxmlformats.org/markup-compatibility/2006" xmlns:p14="http://schemas.microsoft.com/office/powerpoint/2010/main">
+    <mc:Choice Requires="p14">
       <p:transition spd="med" p14:dur="700">
         <p:fade/>
       </p:transition>
     </mc:Choice>
-    <mc:Fallback>
+    <mc:Fallback xmlns="">
       <p:transition spd="med">
         <p:fade/>
       </p:transition>
@@ -8779,20 +8793,20 @@
     </p:spTree>
     <p:extLst>
       <p:ext uri="{BB962C8B-B14F-4D97-AF65-F5344CB8AC3E}">
-        <p14:creationId xmlns:p14="http://schemas.microsoft.com/office/powerpoint/2010/main" xmlns="" val="1771752402"/>
+        <p14:creationId xmlns:p14="http://schemas.microsoft.com/office/powerpoint/2010/main" val="1771752402"/>
       </p:ext>
     </p:extLst>
   </p:cSld>
   <p:clrMapOvr>
     <a:masterClrMapping/>
   </p:clrMapOvr>
-  <mc:AlternateContent xmlns:mc="http://schemas.openxmlformats.org/markup-compatibility/2006">
-    <mc:Choice xmlns:p14="http://schemas.microsoft.com/office/powerpoint/2010/main" xmlns="" Requires="p14">
+  <mc:AlternateContent xmlns:mc="http://schemas.openxmlformats.org/markup-compatibility/2006" xmlns:p14="http://schemas.microsoft.com/office/powerpoint/2010/main">
+    <mc:Choice Requires="p14">
       <p:transition spd="med" p14:dur="700">
         <p:fade/>
       </p:transition>
     </mc:Choice>
-    <mc:Fallback>
+    <mc:Fallback xmlns="">
       <p:transition spd="med">
         <p:fade/>
       </p:transition>
@@ -9782,20 +9796,20 @@
     </p:spTree>
     <p:extLst>
       <p:ext uri="{BB962C8B-B14F-4D97-AF65-F5344CB8AC3E}">
-        <p14:creationId xmlns:p14="http://schemas.microsoft.com/office/powerpoint/2010/main" xmlns="" val="2242570613"/>
+        <p14:creationId xmlns:p14="http://schemas.microsoft.com/office/powerpoint/2010/main" val="2242570613"/>
       </p:ext>
     </p:extLst>
   </p:cSld>
   <p:clrMapOvr>
     <a:masterClrMapping/>
   </p:clrMapOvr>
-  <mc:AlternateContent xmlns:mc="http://schemas.openxmlformats.org/markup-compatibility/2006">
-    <mc:Choice xmlns:p14="http://schemas.microsoft.com/office/powerpoint/2010/main" xmlns="" Requires="p14">
+  <mc:AlternateContent xmlns:mc="http://schemas.openxmlformats.org/markup-compatibility/2006" xmlns:p14="http://schemas.microsoft.com/office/powerpoint/2010/main">
+    <mc:Choice Requires="p14">
       <p:transition spd="med" p14:dur="700">
         <p:fade/>
       </p:transition>
     </mc:Choice>
-    <mc:Fallback>
+    <mc:Fallback xmlns="">
       <p:transition spd="med">
         <p:fade/>
       </p:transition>
@@ -10816,20 +10830,20 @@
     </p:spTree>
     <p:extLst>
       <p:ext uri="{BB962C8B-B14F-4D97-AF65-F5344CB8AC3E}">
-        <p14:creationId xmlns:p14="http://schemas.microsoft.com/office/powerpoint/2010/main" xmlns="" val="3056500915"/>
+        <p14:creationId xmlns:p14="http://schemas.microsoft.com/office/powerpoint/2010/main" val="3056500915"/>
       </p:ext>
     </p:extLst>
   </p:cSld>
   <p:clrMapOvr>
     <a:masterClrMapping/>
   </p:clrMapOvr>
-  <mc:AlternateContent xmlns:mc="http://schemas.openxmlformats.org/markup-compatibility/2006">
-    <mc:Choice xmlns:p14="http://schemas.microsoft.com/office/powerpoint/2010/main" xmlns="" Requires="p14">
+  <mc:AlternateContent xmlns:mc="http://schemas.openxmlformats.org/markup-compatibility/2006" xmlns:p14="http://schemas.microsoft.com/office/powerpoint/2010/main">
+    <mc:Choice Requires="p14">
       <p:transition spd="med" p14:dur="700">
         <p:fade/>
       </p:transition>
     </mc:Choice>
-    <mc:Fallback>
+    <mc:Fallback xmlns="">
       <p:transition spd="med">
         <p:fade/>
       </p:transition>
@@ -11916,20 +11930,20 @@
     </p:spTree>
     <p:extLst>
       <p:ext uri="{BB962C8B-B14F-4D97-AF65-F5344CB8AC3E}">
-        <p14:creationId xmlns:p14="http://schemas.microsoft.com/office/powerpoint/2010/main" xmlns="" val="1649755180"/>
+        <p14:creationId xmlns:p14="http://schemas.microsoft.com/office/powerpoint/2010/main" val="1649755180"/>
       </p:ext>
     </p:extLst>
   </p:cSld>
   <p:clrMapOvr>
     <a:masterClrMapping/>
   </p:clrMapOvr>
-  <mc:AlternateContent xmlns:mc="http://schemas.openxmlformats.org/markup-compatibility/2006">
-    <mc:Choice xmlns:p14="http://schemas.microsoft.com/office/powerpoint/2010/main" xmlns="" Requires="p14">
+  <mc:AlternateContent xmlns:mc="http://schemas.openxmlformats.org/markup-compatibility/2006" xmlns:p14="http://schemas.microsoft.com/office/powerpoint/2010/main">
+    <mc:Choice Requires="p14">
       <p:transition spd="med" p14:dur="700">
         <p:fade/>
       </p:transition>
     </mc:Choice>
-    <mc:Fallback>
+    <mc:Fallback xmlns="">
       <p:transition spd="med">
         <p:fade/>
       </p:transition>
@@ -12770,20 +12784,20 @@
     </p:spTree>
     <p:extLst>
       <p:ext uri="{BB962C8B-B14F-4D97-AF65-F5344CB8AC3E}">
-        <p14:creationId xmlns:p14="http://schemas.microsoft.com/office/powerpoint/2010/main" xmlns="" val="2586293034"/>
+        <p14:creationId xmlns:p14="http://schemas.microsoft.com/office/powerpoint/2010/main" val="2586293034"/>
       </p:ext>
     </p:extLst>
   </p:cSld>
   <p:clrMapOvr>
     <a:masterClrMapping/>
   </p:clrMapOvr>
-  <mc:AlternateContent xmlns:mc="http://schemas.openxmlformats.org/markup-compatibility/2006">
-    <mc:Choice xmlns:p14="http://schemas.microsoft.com/office/powerpoint/2010/main" xmlns="" Requires="p14">
+  <mc:AlternateContent xmlns:mc="http://schemas.openxmlformats.org/markup-compatibility/2006" xmlns:p14="http://schemas.microsoft.com/office/powerpoint/2010/main">
+    <mc:Choice Requires="p14">
       <p:transition spd="med" p14:dur="700">
         <p:fade/>
       </p:transition>
     </mc:Choice>
-    <mc:Fallback>
+    <mc:Fallback xmlns="">
       <p:transition spd="med">
         <p:fade/>
       </p:transition>
@@ -14176,20 +14190,20 @@
     </p:spTree>
     <p:extLst>
       <p:ext uri="{BB962C8B-B14F-4D97-AF65-F5344CB8AC3E}">
-        <p14:creationId xmlns:p14="http://schemas.microsoft.com/office/powerpoint/2010/main" xmlns="" val="3537234432"/>
+        <p14:creationId xmlns:p14="http://schemas.microsoft.com/office/powerpoint/2010/main" val="3537234432"/>
       </p:ext>
     </p:extLst>
   </p:cSld>
   <p:clrMapOvr>
     <a:masterClrMapping/>
   </p:clrMapOvr>
-  <mc:AlternateContent xmlns:mc="http://schemas.openxmlformats.org/markup-compatibility/2006">
-    <mc:Choice xmlns:p14="http://schemas.microsoft.com/office/powerpoint/2010/main" xmlns="" Requires="p14">
+  <mc:AlternateContent xmlns:mc="http://schemas.openxmlformats.org/markup-compatibility/2006" xmlns:p14="http://schemas.microsoft.com/office/powerpoint/2010/main">
+    <mc:Choice Requires="p14">
       <p:transition spd="med" p14:dur="700">
         <p:fade/>
       </p:transition>
     </mc:Choice>
-    <mc:Fallback>
+    <mc:Fallback xmlns="">
       <p:transition spd="med">
         <p:fade/>
       </p:transition>
@@ -15080,20 +15094,20 @@
     </p:spTree>
     <p:extLst>
       <p:ext uri="{BB962C8B-B14F-4D97-AF65-F5344CB8AC3E}">
-        <p14:creationId xmlns:p14="http://schemas.microsoft.com/office/powerpoint/2010/main" xmlns="" val="2774262937"/>
+        <p14:creationId xmlns:p14="http://schemas.microsoft.com/office/powerpoint/2010/main" val="2774262937"/>
       </p:ext>
     </p:extLst>
   </p:cSld>
   <p:clrMapOvr>
     <a:masterClrMapping/>
   </p:clrMapOvr>
-  <mc:AlternateContent xmlns:mc="http://schemas.openxmlformats.org/markup-compatibility/2006">
-    <mc:Choice xmlns:p14="http://schemas.microsoft.com/office/powerpoint/2010/main" xmlns="" Requires="p14">
+  <mc:AlternateContent xmlns:mc="http://schemas.openxmlformats.org/markup-compatibility/2006" xmlns:p14="http://schemas.microsoft.com/office/powerpoint/2010/main">
+    <mc:Choice Requires="p14">
       <p:transition spd="med" p14:dur="700">
         <p:fade/>
       </p:transition>
     </mc:Choice>
-    <mc:Fallback>
+    <mc:Fallback xmlns="">
       <p:transition spd="med">
         <p:fade/>
       </p:transition>
@@ -15251,20 +15265,20 @@
     </p:spTree>
     <p:extLst>
       <p:ext uri="{BB962C8B-B14F-4D97-AF65-F5344CB8AC3E}">
-        <p14:creationId xmlns:p14="http://schemas.microsoft.com/office/powerpoint/2010/main" xmlns="" val="65627960"/>
+        <p14:creationId xmlns:p14="http://schemas.microsoft.com/office/powerpoint/2010/main" val="65627960"/>
       </p:ext>
     </p:extLst>
   </p:cSld>
   <p:clrMapOvr>
     <a:masterClrMapping/>
   </p:clrMapOvr>
-  <mc:AlternateContent xmlns:mc="http://schemas.openxmlformats.org/markup-compatibility/2006">
-    <mc:Choice xmlns:p14="http://schemas.microsoft.com/office/powerpoint/2010/main" xmlns="" Requires="p14">
+  <mc:AlternateContent xmlns:mc="http://schemas.openxmlformats.org/markup-compatibility/2006" xmlns:p14="http://schemas.microsoft.com/office/powerpoint/2010/main">
+    <mc:Choice Requires="p14">
       <p:transition spd="med" p14:dur="700">
         <p:fade/>
       </p:transition>
     </mc:Choice>
-    <mc:Fallback>
+    <mc:Fallback xmlns="">
       <p:transition spd="med">
         <p:fade/>
       </p:transition>
@@ -15448,20 +15462,20 @@
     </p:spTree>
     <p:extLst>
       <p:ext uri="{BB962C8B-B14F-4D97-AF65-F5344CB8AC3E}">
-        <p14:creationId xmlns:p14="http://schemas.microsoft.com/office/powerpoint/2010/main" xmlns="" val="1198150999"/>
+        <p14:creationId xmlns:p14="http://schemas.microsoft.com/office/powerpoint/2010/main" val="1198150999"/>
       </p:ext>
     </p:extLst>
   </p:cSld>
   <p:clrMapOvr>
     <a:masterClrMapping/>
   </p:clrMapOvr>
-  <mc:AlternateContent xmlns:mc="http://schemas.openxmlformats.org/markup-compatibility/2006">
-    <mc:Choice xmlns:p14="http://schemas.microsoft.com/office/powerpoint/2010/main" xmlns="" Requires="p14">
+  <mc:AlternateContent xmlns:mc="http://schemas.openxmlformats.org/markup-compatibility/2006" xmlns:p14="http://schemas.microsoft.com/office/powerpoint/2010/main">
+    <mc:Choice Requires="p14">
       <p:transition spd="med" p14:dur="700">
         <p:fade/>
       </p:transition>
     </mc:Choice>
-    <mc:Fallback>
+    <mc:Fallback xmlns="">
       <p:transition spd="med">
         <p:fade/>
       </p:transition>
@@ -15858,20 +15872,20 @@
     </p:spTree>
     <p:extLst>
       <p:ext uri="{BB962C8B-B14F-4D97-AF65-F5344CB8AC3E}">
-        <p14:creationId xmlns:p14="http://schemas.microsoft.com/office/powerpoint/2010/main" xmlns="" val="3436511039"/>
+        <p14:creationId xmlns:p14="http://schemas.microsoft.com/office/powerpoint/2010/main" val="3436511039"/>
       </p:ext>
     </p:extLst>
   </p:cSld>
   <p:clrMapOvr>
     <a:masterClrMapping/>
   </p:clrMapOvr>
-  <mc:AlternateContent xmlns:mc="http://schemas.openxmlformats.org/markup-compatibility/2006">
-    <mc:Choice xmlns:p14="http://schemas.microsoft.com/office/powerpoint/2010/main" xmlns="" Requires="p14">
+  <mc:AlternateContent xmlns:mc="http://schemas.openxmlformats.org/markup-compatibility/2006" xmlns:p14="http://schemas.microsoft.com/office/powerpoint/2010/main">
+    <mc:Choice Requires="p14">
       <p:transition spd="med" p14:dur="700">
         <p:fade/>
       </p:transition>
     </mc:Choice>
-    <mc:Fallback>
+    <mc:Fallback xmlns="">
       <p:transition spd="med">
         <p:fade/>
       </p:transition>
@@ -16652,20 +16666,20 @@
     </p:spTree>
     <p:extLst>
       <p:ext uri="{BB962C8B-B14F-4D97-AF65-F5344CB8AC3E}">
-        <p14:creationId xmlns:p14="http://schemas.microsoft.com/office/powerpoint/2010/main" xmlns="" val="4237039325"/>
+        <p14:creationId xmlns:p14="http://schemas.microsoft.com/office/powerpoint/2010/main" val="4237039325"/>
       </p:ext>
     </p:extLst>
   </p:cSld>
   <p:clrMapOvr>
     <a:masterClrMapping/>
   </p:clrMapOvr>
-  <mc:AlternateContent xmlns:mc="http://schemas.openxmlformats.org/markup-compatibility/2006">
-    <mc:Choice xmlns:p14="http://schemas.microsoft.com/office/powerpoint/2010/main" xmlns="" Requires="p14">
+  <mc:AlternateContent xmlns:mc="http://schemas.openxmlformats.org/markup-compatibility/2006" xmlns:p14="http://schemas.microsoft.com/office/powerpoint/2010/main">
+    <mc:Choice Requires="p14">
       <p:transition spd="med" p14:dur="700">
         <p:fade/>
       </p:transition>
     </mc:Choice>
-    <mc:Fallback>
+    <mc:Fallback xmlns="">
       <p:transition spd="med">
         <p:fade/>
       </p:transition>
@@ -16815,20 +16829,20 @@
     </p:spTree>
     <p:extLst>
       <p:ext uri="{BB962C8B-B14F-4D97-AF65-F5344CB8AC3E}">
-        <p14:creationId xmlns:p14="http://schemas.microsoft.com/office/powerpoint/2010/main" xmlns="" val="3615970230"/>
+        <p14:creationId xmlns:p14="http://schemas.microsoft.com/office/powerpoint/2010/main" val="3615970230"/>
       </p:ext>
     </p:extLst>
   </p:cSld>
   <p:clrMapOvr>
     <a:masterClrMapping/>
   </p:clrMapOvr>
-  <mc:AlternateContent xmlns:mc="http://schemas.openxmlformats.org/markup-compatibility/2006">
-    <mc:Choice xmlns:p14="http://schemas.microsoft.com/office/powerpoint/2010/main" xmlns="" Requires="p14">
+  <mc:AlternateContent xmlns:mc="http://schemas.openxmlformats.org/markup-compatibility/2006" xmlns:p14="http://schemas.microsoft.com/office/powerpoint/2010/main">
+    <mc:Choice Requires="p14">
       <p:transition spd="med" p14:dur="700">
         <p:fade/>
       </p:transition>
     </mc:Choice>
-    <mc:Fallback>
+    <mc:Fallback xmlns="">
       <p:transition spd="med">
         <p:fade/>
       </p:transition>
@@ -17665,7 +17679,7 @@
                 <a:latin typeface="Times New Roman" panose="02020603050405020304" pitchFamily="18" charset="0"/>
                 <a:cs typeface="Times New Roman" panose="02020603050405020304" pitchFamily="18" charset="0"/>
               </a:rPr>
-              <a:t>", 	header=FALSE, threshold=8);</a:t>
+              <a:t>", 	header=FALSE);</a:t>
             </a:r>
           </a:p>
           <a:p>
@@ -17894,7 +17908,7 @@
                 <a:latin typeface="Times New Roman" panose="02020603050405020304" pitchFamily="18" charset="0"/>
                 <a:cs typeface="Times New Roman" panose="02020603050405020304" pitchFamily="18" charset="0"/>
               </a:rPr>
-              <a:t>= 7);  </a:t>
+              <a:t>= 7 , threshold=8);  </a:t>
             </a:r>
             <a:endParaRPr lang="en-US" sz="1400" dirty="0" smtClean="0">
               <a:solidFill>
@@ -17969,20 +17983,20 @@
     </p:spTree>
     <p:extLst>
       <p:ext uri="{BB962C8B-B14F-4D97-AF65-F5344CB8AC3E}">
-        <p14:creationId xmlns:p14="http://schemas.microsoft.com/office/powerpoint/2010/main" xmlns="" val="1665556587"/>
+        <p14:creationId xmlns:p14="http://schemas.microsoft.com/office/powerpoint/2010/main" val="1665556587"/>
       </p:ext>
     </p:extLst>
   </p:cSld>
   <p:clrMapOvr>
     <a:masterClrMapping/>
   </p:clrMapOvr>
-  <mc:AlternateContent xmlns:mc="http://schemas.openxmlformats.org/markup-compatibility/2006">
-    <mc:Choice xmlns:p14="http://schemas.microsoft.com/office/powerpoint/2010/main" xmlns="" Requires="p14">
+  <mc:AlternateContent xmlns:mc="http://schemas.openxmlformats.org/markup-compatibility/2006" xmlns:p14="http://schemas.microsoft.com/office/powerpoint/2010/main">
+    <mc:Choice Requires="p14">
       <p:transition spd="med" p14:dur="700">
         <p:fade/>
       </p:transition>
     </mc:Choice>
-    <mc:Fallback>
+    <mc:Fallback xmlns="">
       <p:transition spd="med">
         <p:fade/>
       </p:transition>
@@ -18773,20 +18787,20 @@
     </p:spTree>
     <p:extLst>
       <p:ext uri="{BB962C8B-B14F-4D97-AF65-F5344CB8AC3E}">
-        <p14:creationId xmlns:p14="http://schemas.microsoft.com/office/powerpoint/2010/main" xmlns="" val="967488287"/>
+        <p14:creationId xmlns:p14="http://schemas.microsoft.com/office/powerpoint/2010/main" val="967488287"/>
       </p:ext>
     </p:extLst>
   </p:cSld>
   <p:clrMapOvr>
     <a:masterClrMapping/>
   </p:clrMapOvr>
-  <mc:AlternateContent xmlns:mc="http://schemas.openxmlformats.org/markup-compatibility/2006">
-    <mc:Choice xmlns:p14="http://schemas.microsoft.com/office/powerpoint/2010/main" xmlns="" Requires="p14">
+  <mc:AlternateContent xmlns:mc="http://schemas.openxmlformats.org/markup-compatibility/2006" xmlns:p14="http://schemas.microsoft.com/office/powerpoint/2010/main">
+    <mc:Choice Requires="p14">
       <p:transition spd="med" p14:dur="700">
         <p:fade/>
       </p:transition>
     </mc:Choice>
-    <mc:Fallback>
+    <mc:Fallback xmlns="">
       <p:transition spd="med">
         <p:fade/>
       </p:transition>
@@ -19121,20 +19135,20 @@
     </p:spTree>
     <p:extLst>
       <p:ext uri="{BB962C8B-B14F-4D97-AF65-F5344CB8AC3E}">
-        <p14:creationId xmlns:p14="http://schemas.microsoft.com/office/powerpoint/2010/main" xmlns="" val="3284964494"/>
+        <p14:creationId xmlns:p14="http://schemas.microsoft.com/office/powerpoint/2010/main" val="3284964494"/>
       </p:ext>
     </p:extLst>
   </p:cSld>
   <p:clrMapOvr>
     <a:masterClrMapping/>
   </p:clrMapOvr>
-  <mc:AlternateContent xmlns:mc="http://schemas.openxmlformats.org/markup-compatibility/2006">
-    <mc:Choice xmlns:p14="http://schemas.microsoft.com/office/powerpoint/2010/main" xmlns="" Requires="p14">
+  <mc:AlternateContent xmlns:mc="http://schemas.openxmlformats.org/markup-compatibility/2006" xmlns:p14="http://schemas.microsoft.com/office/powerpoint/2010/main">
+    <mc:Choice Requires="p14">
       <p:transition spd="med" p14:dur="700">
         <p:fade/>
       </p:transition>
     </mc:Choice>
-    <mc:Fallback>
+    <mc:Fallback xmlns="">
       <p:transition spd="med">
         <p:fade/>
       </p:transition>
@@ -20418,20 +20432,20 @@
     </p:spTree>
     <p:extLst>
       <p:ext uri="{BB962C8B-B14F-4D97-AF65-F5344CB8AC3E}">
-        <p14:creationId xmlns:p14="http://schemas.microsoft.com/office/powerpoint/2010/main" xmlns="" val="669523446"/>
+        <p14:creationId xmlns:p14="http://schemas.microsoft.com/office/powerpoint/2010/main" val="669523446"/>
       </p:ext>
     </p:extLst>
   </p:cSld>
   <p:clrMapOvr>
     <a:masterClrMapping/>
   </p:clrMapOvr>
-  <mc:AlternateContent xmlns:mc="http://schemas.openxmlformats.org/markup-compatibility/2006">
-    <mc:Choice xmlns:p14="http://schemas.microsoft.com/office/powerpoint/2010/main" xmlns="" Requires="p14">
+  <mc:AlternateContent xmlns:mc="http://schemas.openxmlformats.org/markup-compatibility/2006" xmlns:p14="http://schemas.microsoft.com/office/powerpoint/2010/main">
+    <mc:Choice Requires="p14">
       <p:transition spd="med" p14:dur="700">
         <p:fade/>
       </p:transition>
     </mc:Choice>
-    <mc:Fallback>
+    <mc:Fallback xmlns="">
       <p:transition spd="med">
         <p:fade/>
       </p:transition>
@@ -20717,20 +20731,20 @@
     </p:spTree>
     <p:extLst>
       <p:ext uri="{BB962C8B-B14F-4D97-AF65-F5344CB8AC3E}">
-        <p14:creationId xmlns:p14="http://schemas.microsoft.com/office/powerpoint/2010/main" xmlns="" val="286076213"/>
+        <p14:creationId xmlns:p14="http://schemas.microsoft.com/office/powerpoint/2010/main" val="286076213"/>
       </p:ext>
     </p:extLst>
   </p:cSld>
   <p:clrMapOvr>
     <a:masterClrMapping/>
   </p:clrMapOvr>
-  <mc:AlternateContent xmlns:mc="http://schemas.openxmlformats.org/markup-compatibility/2006">
-    <mc:Choice xmlns:p14="http://schemas.microsoft.com/office/powerpoint/2010/main" xmlns="" Requires="p14">
+  <mc:AlternateContent xmlns:mc="http://schemas.openxmlformats.org/markup-compatibility/2006" xmlns:p14="http://schemas.microsoft.com/office/powerpoint/2010/main">
+    <mc:Choice Requires="p14">
       <p:transition spd="med" p14:dur="700">
         <p:fade/>
       </p:transition>
     </mc:Choice>
-    <mc:Fallback>
+    <mc:Fallback xmlns="">
       <p:transition spd="med">
         <p:fade/>
       </p:transition>
@@ -21951,20 +21965,20 @@
     </p:spTree>
     <p:extLst>
       <p:ext uri="{BB962C8B-B14F-4D97-AF65-F5344CB8AC3E}">
-        <p14:creationId xmlns:p14="http://schemas.microsoft.com/office/powerpoint/2010/main" xmlns="" val="1393943048"/>
+        <p14:creationId xmlns:p14="http://schemas.microsoft.com/office/powerpoint/2010/main" val="1393943048"/>
       </p:ext>
     </p:extLst>
   </p:cSld>
   <p:clrMapOvr>
     <a:masterClrMapping/>
   </p:clrMapOvr>
-  <mc:AlternateContent xmlns:mc="http://schemas.openxmlformats.org/markup-compatibility/2006">
-    <mc:Choice xmlns:p14="http://schemas.microsoft.com/office/powerpoint/2010/main" xmlns="" Requires="p14">
+  <mc:AlternateContent xmlns:mc="http://schemas.openxmlformats.org/markup-compatibility/2006" xmlns:p14="http://schemas.microsoft.com/office/powerpoint/2010/main">
+    <mc:Choice Requires="p14">
       <p:transition spd="med" p14:dur="700">
         <p:fade/>
       </p:transition>
     </mc:Choice>
-    <mc:Fallback>
+    <mc:Fallback xmlns="">
       <p:transition spd="med">
         <p:fade/>
       </p:transition>
@@ -22103,20 +22117,20 @@
     </p:spTree>
     <p:extLst>
       <p:ext uri="{BB962C8B-B14F-4D97-AF65-F5344CB8AC3E}">
-        <p14:creationId xmlns:p14="http://schemas.microsoft.com/office/powerpoint/2010/main" xmlns="" val="3982392824"/>
+        <p14:creationId xmlns:p14="http://schemas.microsoft.com/office/powerpoint/2010/main" val="3982392824"/>
       </p:ext>
     </p:extLst>
   </p:cSld>
   <p:clrMapOvr>
     <a:masterClrMapping/>
   </p:clrMapOvr>
-  <mc:AlternateContent xmlns:mc="http://schemas.openxmlformats.org/markup-compatibility/2006">
-    <mc:Choice xmlns:p14="http://schemas.microsoft.com/office/powerpoint/2010/main" xmlns="" Requires="p14">
+  <mc:AlternateContent xmlns:mc="http://schemas.openxmlformats.org/markup-compatibility/2006" xmlns:p14="http://schemas.microsoft.com/office/powerpoint/2010/main">
+    <mc:Choice Requires="p14">
       <p:transition spd="med" p14:dur="700">
         <p:fade/>
       </p:transition>
     </mc:Choice>
-    <mc:Fallback>
+    <mc:Fallback xmlns="">
       <p:transition spd="med">
         <p:fade/>
       </p:transition>
@@ -22221,13 +22235,13 @@
   <p:clrMapOvr>
     <a:masterClrMapping/>
   </p:clrMapOvr>
-  <mc:AlternateContent xmlns:mc="http://schemas.openxmlformats.org/markup-compatibility/2006">
-    <mc:Choice xmlns:p14="http://schemas.microsoft.com/office/powerpoint/2010/main" xmlns="" Requires="p14">
+  <mc:AlternateContent xmlns:mc="http://schemas.openxmlformats.org/markup-compatibility/2006" xmlns:p14="http://schemas.microsoft.com/office/powerpoint/2010/main">
+    <mc:Choice Requires="p14">
       <p:transition spd="med" p14:dur="700">
         <p:fade/>
       </p:transition>
     </mc:Choice>
-    <mc:Fallback>
+    <mc:Fallback xmlns="">
       <p:transition spd="med">
         <p:fade/>
       </p:transition>
@@ -22376,20 +22390,20 @@
     </p:spTree>
     <p:extLst>
       <p:ext uri="{BB962C8B-B14F-4D97-AF65-F5344CB8AC3E}">
-        <p14:creationId xmlns:p14="http://schemas.microsoft.com/office/powerpoint/2010/main" xmlns="" val="86259864"/>
+        <p14:creationId xmlns:p14="http://schemas.microsoft.com/office/powerpoint/2010/main" val="86259864"/>
       </p:ext>
     </p:extLst>
   </p:cSld>
   <p:clrMapOvr>
     <a:masterClrMapping/>
   </p:clrMapOvr>
-  <mc:AlternateContent xmlns:mc="http://schemas.openxmlformats.org/markup-compatibility/2006">
-    <mc:Choice xmlns:p14="http://schemas.microsoft.com/office/powerpoint/2010/main" xmlns="" Requires="p14">
+  <mc:AlternateContent xmlns:mc="http://schemas.openxmlformats.org/markup-compatibility/2006" xmlns:p14="http://schemas.microsoft.com/office/powerpoint/2010/main">
+    <mc:Choice Requires="p14">
       <p:transition spd="med" p14:dur="700">
         <p:fade/>
       </p:transition>
     </mc:Choice>
-    <mc:Fallback>
+    <mc:Fallback xmlns="">
       <p:transition spd="med">
         <p:fade/>
       </p:transition>
@@ -22905,20 +22919,20 @@
     </p:spTree>
     <p:extLst>
       <p:ext uri="{BB962C8B-B14F-4D97-AF65-F5344CB8AC3E}">
-        <p14:creationId xmlns:p14="http://schemas.microsoft.com/office/powerpoint/2010/main" xmlns="" val="728467612"/>
+        <p14:creationId xmlns:p14="http://schemas.microsoft.com/office/powerpoint/2010/main" val="728467612"/>
       </p:ext>
     </p:extLst>
   </p:cSld>
   <p:clrMapOvr>
     <a:masterClrMapping/>
   </p:clrMapOvr>
-  <mc:AlternateContent xmlns:mc="http://schemas.openxmlformats.org/markup-compatibility/2006">
-    <mc:Choice xmlns:p14="http://schemas.microsoft.com/office/powerpoint/2010/main" xmlns="" Requires="p14">
+  <mc:AlternateContent xmlns:mc="http://schemas.openxmlformats.org/markup-compatibility/2006" xmlns:p14="http://schemas.microsoft.com/office/powerpoint/2010/main">
+    <mc:Choice Requires="p14">
       <p:transition spd="med" p14:dur="700">
         <p:fade/>
       </p:transition>
     </mc:Choice>
-    <mc:Fallback>
+    <mc:Fallback xmlns="">
       <p:transition spd="med">
         <p:fade/>
       </p:transition>
@@ -23254,20 +23268,20 @@
     </p:spTree>
     <p:extLst>
       <p:ext uri="{BB962C8B-B14F-4D97-AF65-F5344CB8AC3E}">
-        <p14:creationId xmlns:p14="http://schemas.microsoft.com/office/powerpoint/2010/main" xmlns="" val="243335261"/>
+        <p14:creationId xmlns:p14="http://schemas.microsoft.com/office/powerpoint/2010/main" val="243335261"/>
       </p:ext>
     </p:extLst>
   </p:cSld>
   <p:clrMapOvr>
     <a:masterClrMapping/>
   </p:clrMapOvr>
-  <mc:AlternateContent xmlns:mc="http://schemas.openxmlformats.org/markup-compatibility/2006">
-    <mc:Choice xmlns:p14="http://schemas.microsoft.com/office/powerpoint/2010/main" xmlns="" Requires="p14">
+  <mc:AlternateContent xmlns:mc="http://schemas.openxmlformats.org/markup-compatibility/2006" xmlns:p14="http://schemas.microsoft.com/office/powerpoint/2010/main">
+    <mc:Choice Requires="p14">
       <p:transition spd="med" p14:dur="700">
         <p:fade/>
       </p:transition>
     </mc:Choice>
-    <mc:Fallback>
+    <mc:Fallback xmlns="">
       <p:transition spd="med">
         <p:fade/>
       </p:transition>
@@ -23474,20 +23488,20 @@
     </p:spTree>
     <p:extLst>
       <p:ext uri="{BB962C8B-B14F-4D97-AF65-F5344CB8AC3E}">
-        <p14:creationId xmlns:p14="http://schemas.microsoft.com/office/powerpoint/2010/main" xmlns="" val="3627382192"/>
+        <p14:creationId xmlns:p14="http://schemas.microsoft.com/office/powerpoint/2010/main" val="3627382192"/>
       </p:ext>
     </p:extLst>
   </p:cSld>
   <p:clrMapOvr>
     <a:masterClrMapping/>
   </p:clrMapOvr>
-  <mc:AlternateContent xmlns:mc="http://schemas.openxmlformats.org/markup-compatibility/2006">
-    <mc:Choice xmlns:p14="http://schemas.microsoft.com/office/powerpoint/2010/main" xmlns="" Requires="p14">
+  <mc:AlternateContent xmlns:mc="http://schemas.openxmlformats.org/markup-compatibility/2006" xmlns:p14="http://schemas.microsoft.com/office/powerpoint/2010/main">
+    <mc:Choice Requires="p14">
       <p:transition spd="med" p14:dur="700">
         <p:fade/>
       </p:transition>
     </mc:Choice>
-    <mc:Fallback>
+    <mc:Fallback xmlns="">
       <p:transition spd="med">
         <p:fade/>
       </p:transition>
@@ -23736,20 +23750,20 @@
     </p:spTree>
     <p:extLst>
       <p:ext uri="{BB962C8B-B14F-4D97-AF65-F5344CB8AC3E}">
-        <p14:creationId xmlns:p14="http://schemas.microsoft.com/office/powerpoint/2010/main" xmlns="" val="3982392824"/>
+        <p14:creationId xmlns:p14="http://schemas.microsoft.com/office/powerpoint/2010/main" val="3982392824"/>
       </p:ext>
     </p:extLst>
   </p:cSld>
   <p:clrMapOvr>
     <a:masterClrMapping/>
   </p:clrMapOvr>
-  <mc:AlternateContent xmlns:mc="http://schemas.openxmlformats.org/markup-compatibility/2006">
-    <mc:Choice xmlns:p14="http://schemas.microsoft.com/office/powerpoint/2010/main" xmlns="" Requires="p14">
+  <mc:AlternateContent xmlns:mc="http://schemas.openxmlformats.org/markup-compatibility/2006" xmlns:p14="http://schemas.microsoft.com/office/powerpoint/2010/main">
+    <mc:Choice Requires="p14">
       <p:transition spd="med" p14:dur="700">
         <p:fade/>
       </p:transition>
     </mc:Choice>
-    <mc:Fallback>
+    <mc:Fallback xmlns="">
       <p:transition spd="med">
         <p:fade/>
       </p:transition>
@@ -23892,20 +23906,20 @@
     </p:spTree>
     <p:extLst>
       <p:ext uri="{BB962C8B-B14F-4D97-AF65-F5344CB8AC3E}">
-        <p14:creationId xmlns:p14="http://schemas.microsoft.com/office/powerpoint/2010/main" xmlns="" val="1851896080"/>
+        <p14:creationId xmlns:p14="http://schemas.microsoft.com/office/powerpoint/2010/main" val="1851896080"/>
       </p:ext>
     </p:extLst>
   </p:cSld>
   <p:clrMapOvr>
     <a:masterClrMapping/>
   </p:clrMapOvr>
-  <mc:AlternateContent xmlns:mc="http://schemas.openxmlformats.org/markup-compatibility/2006">
-    <mc:Choice xmlns:p14="http://schemas.microsoft.com/office/powerpoint/2010/main" xmlns="" Requires="p14">
+  <mc:AlternateContent xmlns:mc="http://schemas.openxmlformats.org/markup-compatibility/2006" xmlns:p14="http://schemas.microsoft.com/office/powerpoint/2010/main">
+    <mc:Choice Requires="p14">
       <p:transition spd="med" p14:dur="700">
         <p:fade/>
       </p:transition>
     </mc:Choice>
-    <mc:Fallback>
+    <mc:Fallback xmlns="">
       <p:transition spd="med">
         <p:fade/>
       </p:transition>
@@ -24011,7 +24025,7 @@
           <a:blip r:embed="rId2" cstate="print">
             <a:extLst>
               <a:ext uri="{28A0092B-C50C-407E-A947-70E740481C1C}">
-                <a14:useLocalDpi xmlns:a14="http://schemas.microsoft.com/office/drawing/2010/main" xmlns="" val="0"/>
+                <a14:useLocalDpi xmlns:a14="http://schemas.microsoft.com/office/drawing/2010/main" val="0"/>
               </a:ext>
             </a:extLst>
           </a:blip>
@@ -24031,7 +24045,7 @@
           <a:noFill/>
           <a:extLst>
             <a:ext uri="{909E8E84-426E-40DD-AFC4-6F175D3DCCD1}">
-              <a14:hiddenFill xmlns:a14="http://schemas.microsoft.com/office/drawing/2010/main" xmlns="">
+              <a14:hiddenFill xmlns:a14="http://schemas.microsoft.com/office/drawing/2010/main">
                 <a:solidFill>
                   <a:srgbClr val="FFFFFF"/>
                 </a:solidFill>
@@ -24043,20 +24057,20 @@
     </p:spTree>
     <p:extLst>
       <p:ext uri="{BB962C8B-B14F-4D97-AF65-F5344CB8AC3E}">
-        <p14:creationId xmlns:p14="http://schemas.microsoft.com/office/powerpoint/2010/main" xmlns="" val="1254138836"/>
+        <p14:creationId xmlns:p14="http://schemas.microsoft.com/office/powerpoint/2010/main" val="1254138836"/>
       </p:ext>
     </p:extLst>
   </p:cSld>
   <p:clrMapOvr>
     <a:masterClrMapping/>
   </p:clrMapOvr>
-  <mc:AlternateContent xmlns:mc="http://schemas.openxmlformats.org/markup-compatibility/2006">
-    <mc:Choice xmlns:p14="http://schemas.microsoft.com/office/powerpoint/2010/main" xmlns="" Requires="p14">
+  <mc:AlternateContent xmlns:mc="http://schemas.openxmlformats.org/markup-compatibility/2006" xmlns:p14="http://schemas.microsoft.com/office/powerpoint/2010/main">
+    <mc:Choice Requires="p14">
       <p:transition spd="med" p14:dur="700">
         <p:fade/>
       </p:transition>
     </mc:Choice>
-    <mc:Fallback>
+    <mc:Fallback xmlns="">
       <p:transition spd="med">
         <p:fade/>
       </p:transition>
@@ -24310,20 +24324,20 @@
     </p:spTree>
     <p:extLst>
       <p:ext uri="{BB962C8B-B14F-4D97-AF65-F5344CB8AC3E}">
-        <p14:creationId xmlns:p14="http://schemas.microsoft.com/office/powerpoint/2010/main" xmlns="" val="1962344879"/>
+        <p14:creationId xmlns:p14="http://schemas.microsoft.com/office/powerpoint/2010/main" val="1962344879"/>
       </p:ext>
     </p:extLst>
   </p:cSld>
   <p:clrMapOvr>
     <a:masterClrMapping/>
   </p:clrMapOvr>
-  <mc:AlternateContent xmlns:mc="http://schemas.openxmlformats.org/markup-compatibility/2006">
-    <mc:Choice xmlns:p14="http://schemas.microsoft.com/office/powerpoint/2010/main" xmlns="" Requires="p14">
+  <mc:AlternateContent xmlns:mc="http://schemas.openxmlformats.org/markup-compatibility/2006" xmlns:p14="http://schemas.microsoft.com/office/powerpoint/2010/main">
+    <mc:Choice Requires="p14">
       <p:transition spd="med" p14:dur="700">
         <p:fade/>
       </p:transition>
     </mc:Choice>
-    <mc:Fallback>
+    <mc:Fallback xmlns="">
       <p:transition spd="med">
         <p:fade/>
       </p:transition>
@@ -25248,20 +25262,20 @@
     </p:spTree>
     <p:extLst>
       <p:ext uri="{BB962C8B-B14F-4D97-AF65-F5344CB8AC3E}">
-        <p14:creationId xmlns:p14="http://schemas.microsoft.com/office/powerpoint/2010/main" xmlns="" val="3733679413"/>
+        <p14:creationId xmlns:p14="http://schemas.microsoft.com/office/powerpoint/2010/main" val="3733679413"/>
       </p:ext>
     </p:extLst>
   </p:cSld>
   <p:clrMapOvr>
     <a:masterClrMapping/>
   </p:clrMapOvr>
-  <mc:AlternateContent xmlns:mc="http://schemas.openxmlformats.org/markup-compatibility/2006">
-    <mc:Choice xmlns:p14="http://schemas.microsoft.com/office/powerpoint/2010/main" xmlns="" Requires="p14">
+  <mc:AlternateContent xmlns:mc="http://schemas.openxmlformats.org/markup-compatibility/2006" xmlns:p14="http://schemas.microsoft.com/office/powerpoint/2010/main">
+    <mc:Choice Requires="p14">
       <p:transition spd="med" p14:dur="700">
         <p:fade/>
       </p:transition>
     </mc:Choice>
-    <mc:Fallback>
+    <mc:Fallback xmlns="">
       <p:transition spd="med">
         <p:fade/>
       </p:transition>
@@ -25948,20 +25962,20 @@
     </p:spTree>
     <p:extLst>
       <p:ext uri="{BB962C8B-B14F-4D97-AF65-F5344CB8AC3E}">
-        <p14:creationId xmlns:p14="http://schemas.microsoft.com/office/powerpoint/2010/main" xmlns="" val="2923801834"/>
+        <p14:creationId xmlns:p14="http://schemas.microsoft.com/office/powerpoint/2010/main" val="2923801834"/>
       </p:ext>
     </p:extLst>
   </p:cSld>
   <p:clrMapOvr>
     <a:masterClrMapping/>
   </p:clrMapOvr>
-  <mc:AlternateContent xmlns:mc="http://schemas.openxmlformats.org/markup-compatibility/2006">
-    <mc:Choice xmlns:p14="http://schemas.microsoft.com/office/powerpoint/2010/main" xmlns="" Requires="p14">
+  <mc:AlternateContent xmlns:mc="http://schemas.openxmlformats.org/markup-compatibility/2006" xmlns:p14="http://schemas.microsoft.com/office/powerpoint/2010/main">
+    <mc:Choice Requires="p14">
       <p:transition spd="med" p14:dur="700">
         <p:fade/>
       </p:transition>
     </mc:Choice>
-    <mc:Fallback>
+    <mc:Fallback xmlns="">
       <p:transition spd="med">
         <p:fade/>
       </p:transition>
@@ -27109,20 +27123,20 @@
     </p:spTree>
     <p:extLst>
       <p:ext uri="{BB962C8B-B14F-4D97-AF65-F5344CB8AC3E}">
-        <p14:creationId xmlns:p14="http://schemas.microsoft.com/office/powerpoint/2010/main" xmlns="" val="1392893668"/>
+        <p14:creationId xmlns:p14="http://schemas.microsoft.com/office/powerpoint/2010/main" val="1392893668"/>
       </p:ext>
     </p:extLst>
   </p:cSld>
   <p:clrMapOvr>
     <a:masterClrMapping/>
   </p:clrMapOvr>
-  <mc:AlternateContent xmlns:mc="http://schemas.openxmlformats.org/markup-compatibility/2006">
-    <mc:Choice xmlns:p14="http://schemas.microsoft.com/office/powerpoint/2010/main" xmlns="" Requires="p14">
+  <mc:AlternateContent xmlns:mc="http://schemas.openxmlformats.org/markup-compatibility/2006" xmlns:p14="http://schemas.microsoft.com/office/powerpoint/2010/main">
+    <mc:Choice Requires="p14">
       <p:transition spd="med" p14:dur="700">
         <p:fade/>
       </p:transition>
     </mc:Choice>
-    <mc:Fallback>
+    <mc:Fallback xmlns="">
       <p:transition spd="med">
         <p:fade/>
       </p:transition>
@@ -27397,7 +27411,7 @@
   <a:extraClrSchemeLst/>
   <a:extLst>
     <a:ext uri="{05A4C25C-085E-4340-85A3-A5531E510DB2}">
-      <thm15:themeFamily xmlns:thm15="http://schemas.microsoft.com/office/thememl/2012/main" xmlns="" name="Training presentation" id="{9308F140-5CDC-477D-BC4D-9C1906451284}" vid="{11C5112C-663B-4E6D-9D3D-2361F8FA32D6}"/>
+      <thm15:themeFamily xmlns:thm15="http://schemas.microsoft.com/office/thememl/2012/main" name="Training presentation" id="{9308F140-5CDC-477D-BC4D-9C1906451284}" vid="{11C5112C-663B-4E6D-9D3D-2361F8FA32D6}"/>
     </a:ext>
   </a:extLst>
 </a:theme>
@@ -27658,7 +27672,7 @@
   <a:extraClrSchemeLst/>
   <a:extLst>
     <a:ext uri="{05A4C25C-085E-4340-85A3-A5531E510DB2}">
-      <thm15:themeFamily xmlns:thm15="http://schemas.microsoft.com/office/thememl/2012/main" xmlns="" name="Office Theme" id="{62F939B6-93AF-4DB8-9C6B-D6C7DFDC589F}" vid="{4A3C46E8-61CC-4603-A589-7422A47A8E4A}"/>
+      <thm15:themeFamily xmlns:thm15="http://schemas.microsoft.com/office/thememl/2012/main" name="Office Theme" id="{62F939B6-93AF-4DB8-9C6B-D6C7DFDC589F}" vid="{4A3C46E8-61CC-4603-A589-7422A47A8E4A}"/>
     </a:ext>
   </a:extLst>
 </a:theme>
@@ -27919,7 +27933,7 @@
   <a:extraClrSchemeLst/>
   <a:extLst>
     <a:ext uri="{05A4C25C-085E-4340-85A3-A5531E510DB2}">
-      <thm15:themeFamily xmlns:thm15="http://schemas.microsoft.com/office/thememl/2012/main" xmlns="" name="Office Theme" id="{62F939B6-93AF-4DB8-9C6B-D6C7DFDC589F}" vid="{4A3C46E8-61CC-4603-A589-7422A47A8E4A}"/>
+      <thm15:themeFamily xmlns:thm15="http://schemas.microsoft.com/office/thememl/2012/main" name="Office Theme" id="{62F939B6-93AF-4DB8-9C6B-D6C7DFDC589F}" vid="{4A3C46E8-61CC-4603-A589-7422A47A8E4A}"/>
     </a:ext>
   </a:extLst>
 </a:theme>
